--- a/setup/network.pptx
+++ b/setup/network.pptx
@@ -6,6 +6,7 @@
   </p:sldMasterIdLst>
   <p:sldIdLst>
     <p:sldId id="256" r:id="rId2"/>
+    <p:sldId id="257" r:id="rId3"/>
   </p:sldIdLst>
   <p:sldSz cx="12192000" cy="6858000"/>
   <p:notesSz cx="6858000" cy="9144000"/>
@@ -104,6 +105,11 @@
       </a:defRPr>
     </a:lvl9pPr>
   </p:defaultTextStyle>
+  <p:extLst>
+    <p:ext uri="{EFAFB233-063F-42B5-8137-9DF3F51BA10A}">
+      <p15:sldGuideLst xmlns:p15="http://schemas.microsoft.com/office/powerpoint/2012/main"/>
+    </p:ext>
+  </p:extLst>
 </p:presentation>
 </file>
 
@@ -256,7 +262,7 @@
           <a:p>
             <a:fld id="{C3F690FB-D2F8-4FAA-B5D4-40764D6363E4}" type="datetimeFigureOut">
               <a:rPr lang="en-GB" smtClean="0"/>
-              <a:t>06/12/2020</a:t>
+              <a:t>07/12/2020</a:t>
             </a:fld>
             <a:endParaRPr lang="en-GB"/>
           </a:p>
@@ -456,7 +462,7 @@
           <a:p>
             <a:fld id="{C3F690FB-D2F8-4FAA-B5D4-40764D6363E4}" type="datetimeFigureOut">
               <a:rPr lang="en-GB" smtClean="0"/>
-              <a:t>06/12/2020</a:t>
+              <a:t>07/12/2020</a:t>
             </a:fld>
             <a:endParaRPr lang="en-GB"/>
           </a:p>
@@ -666,7 +672,7 @@
           <a:p>
             <a:fld id="{C3F690FB-D2F8-4FAA-B5D4-40764D6363E4}" type="datetimeFigureOut">
               <a:rPr lang="en-GB" smtClean="0"/>
-              <a:t>06/12/2020</a:t>
+              <a:t>07/12/2020</a:t>
             </a:fld>
             <a:endParaRPr lang="en-GB"/>
           </a:p>
@@ -866,7 +872,7 @@
           <a:p>
             <a:fld id="{C3F690FB-D2F8-4FAA-B5D4-40764D6363E4}" type="datetimeFigureOut">
               <a:rPr lang="en-GB" smtClean="0"/>
-              <a:t>06/12/2020</a:t>
+              <a:t>07/12/2020</a:t>
             </a:fld>
             <a:endParaRPr lang="en-GB"/>
           </a:p>
@@ -1142,7 +1148,7 @@
           <a:p>
             <a:fld id="{C3F690FB-D2F8-4FAA-B5D4-40764D6363E4}" type="datetimeFigureOut">
               <a:rPr lang="en-GB" smtClean="0"/>
-              <a:t>06/12/2020</a:t>
+              <a:t>07/12/2020</a:t>
             </a:fld>
             <a:endParaRPr lang="en-GB"/>
           </a:p>
@@ -1410,7 +1416,7 @@
           <a:p>
             <a:fld id="{C3F690FB-D2F8-4FAA-B5D4-40764D6363E4}" type="datetimeFigureOut">
               <a:rPr lang="en-GB" smtClean="0"/>
-              <a:t>06/12/2020</a:t>
+              <a:t>07/12/2020</a:t>
             </a:fld>
             <a:endParaRPr lang="en-GB"/>
           </a:p>
@@ -1825,7 +1831,7 @@
           <a:p>
             <a:fld id="{C3F690FB-D2F8-4FAA-B5D4-40764D6363E4}" type="datetimeFigureOut">
               <a:rPr lang="en-GB" smtClean="0"/>
-              <a:t>06/12/2020</a:t>
+              <a:t>07/12/2020</a:t>
             </a:fld>
             <a:endParaRPr lang="en-GB"/>
           </a:p>
@@ -1967,7 +1973,7 @@
           <a:p>
             <a:fld id="{C3F690FB-D2F8-4FAA-B5D4-40764D6363E4}" type="datetimeFigureOut">
               <a:rPr lang="en-GB" smtClean="0"/>
-              <a:t>06/12/2020</a:t>
+              <a:t>07/12/2020</a:t>
             </a:fld>
             <a:endParaRPr lang="en-GB"/>
           </a:p>
@@ -2080,7 +2086,7 @@
           <a:p>
             <a:fld id="{C3F690FB-D2F8-4FAA-B5D4-40764D6363E4}" type="datetimeFigureOut">
               <a:rPr lang="en-GB" smtClean="0"/>
-              <a:t>06/12/2020</a:t>
+              <a:t>07/12/2020</a:t>
             </a:fld>
             <a:endParaRPr lang="en-GB"/>
           </a:p>
@@ -2393,7 +2399,7 @@
           <a:p>
             <a:fld id="{C3F690FB-D2F8-4FAA-B5D4-40764D6363E4}" type="datetimeFigureOut">
               <a:rPr lang="en-GB" smtClean="0"/>
-              <a:t>06/12/2020</a:t>
+              <a:t>07/12/2020</a:t>
             </a:fld>
             <a:endParaRPr lang="en-GB"/>
           </a:p>
@@ -2682,7 +2688,7 @@
           <a:p>
             <a:fld id="{C3F690FB-D2F8-4FAA-B5D4-40764D6363E4}" type="datetimeFigureOut">
               <a:rPr lang="en-GB" smtClean="0"/>
-              <a:t>06/12/2020</a:t>
+              <a:t>07/12/2020</a:t>
             </a:fld>
             <a:endParaRPr lang="en-GB"/>
           </a:p>
@@ -2925,7 +2931,7 @@
           <a:p>
             <a:fld id="{C3F690FB-D2F8-4FAA-B5D4-40764D6363E4}" type="datetimeFigureOut">
               <a:rPr lang="en-GB" smtClean="0"/>
-              <a:t>06/12/2020</a:t>
+              <a:t>07/12/2020</a:t>
             </a:fld>
             <a:endParaRPr lang="en-GB"/>
           </a:p>
@@ -3681,8 +3687,12 @@
           <a:lstStyle/>
           <a:p>
             <a:r>
-              <a:rPr lang="en-GB" b="1"/>
-              <a:t>ESPEasy P2P Networking</a:t>
+              <a:rPr lang="en-GB" b="1" dirty="0" err="1"/>
+              <a:t>ESPEasy</a:t>
+            </a:r>
+            <a:r>
+              <a:rPr lang="en-GB" b="1" dirty="0"/>
+              <a:t> P2P Networking</a:t>
             </a:r>
           </a:p>
         </p:txBody>
@@ -6055,6 +6065,3282 @@
     <p:extLst>
       <p:ext uri="{BB962C8B-B14F-4D97-AF65-F5344CB8AC3E}">
         <p14:creationId xmlns:p14="http://schemas.microsoft.com/office/powerpoint/2010/main" val="397903755"/>
+      </p:ext>
+    </p:extLst>
+  </p:cSld>
+  <p:clrMapOvr>
+    <a:masterClrMapping/>
+  </p:clrMapOvr>
+</p:sld>
+</file>
+
+<file path=ppt/slides/slide2.xml><?xml version="1.0" encoding="utf-8"?>
+<p:sld xmlns:a="http://schemas.openxmlformats.org/drawingml/2006/main" xmlns:r="http://schemas.openxmlformats.org/officeDocument/2006/relationships" xmlns:p="http://schemas.openxmlformats.org/presentationml/2006/main">
+  <p:cSld>
+    <p:bg>
+      <p:bgPr>
+        <a:solidFill>
+          <a:schemeClr val="bg1">
+            <a:alpha val="0"/>
+          </a:schemeClr>
+        </a:solidFill>
+        <a:effectLst/>
+      </p:bgPr>
+    </p:bg>
+    <p:spTree>
+      <p:nvGrpSpPr>
+        <p:cNvPr id="1" name=""/>
+        <p:cNvGrpSpPr/>
+        <p:nvPr/>
+      </p:nvGrpSpPr>
+      <p:grpSpPr>
+        <a:xfrm>
+          <a:off x="0" y="0"/>
+          <a:ext cx="0" cy="0"/>
+          <a:chOff x="0" y="0"/>
+          <a:chExt cx="0" cy="0"/>
+        </a:xfrm>
+      </p:grpSpPr>
+      <p:sp>
+        <p:nvSpPr>
+          <p:cNvPr id="12" name="Cloud 11">
+            <a:extLst>
+              <a:ext uri="{FF2B5EF4-FFF2-40B4-BE49-F238E27FC236}">
+                <a16:creationId xmlns:a16="http://schemas.microsoft.com/office/drawing/2014/main" id="{DBEE2546-5BC5-44B6-88A3-58DE651796F4}"/>
+              </a:ext>
+            </a:extLst>
+          </p:cNvPr>
+          <p:cNvSpPr/>
+          <p:nvPr/>
+        </p:nvSpPr>
+        <p:spPr>
+          <a:xfrm>
+            <a:off x="4021493" y="2444620"/>
+            <a:ext cx="3321698" cy="2439955"/>
+          </a:xfrm>
+          <a:prstGeom prst="cloud">
+            <a:avLst/>
+          </a:prstGeom>
+          <a:solidFill>
+            <a:schemeClr val="bg1"/>
+          </a:solidFill>
+          <a:ln w="25400">
+            <a:solidFill>
+              <a:schemeClr val="tx1"/>
+            </a:solidFill>
+          </a:ln>
+        </p:spPr>
+        <p:style>
+          <a:lnRef idx="2">
+            <a:schemeClr val="accent1">
+              <a:shade val="50000"/>
+            </a:schemeClr>
+          </a:lnRef>
+          <a:fillRef idx="1">
+            <a:schemeClr val="accent1"/>
+          </a:fillRef>
+          <a:effectRef idx="0">
+            <a:schemeClr val="accent1"/>
+          </a:effectRef>
+          <a:fontRef idx="minor">
+            <a:schemeClr val="lt1"/>
+          </a:fontRef>
+        </p:style>
+        <p:txBody>
+          <a:bodyPr rtlCol="0" anchor="ctr"/>
+          <a:lstStyle/>
+          <a:p>
+            <a:pPr algn="ctr"/>
+            <a:endParaRPr lang="en-GB" noProof="1"/>
+          </a:p>
+        </p:txBody>
+      </p:sp>
+      <p:pic>
+        <p:nvPicPr>
+          <p:cNvPr id="18" name="Picture 17">
+            <a:extLst>
+              <a:ext uri="{FF2B5EF4-FFF2-40B4-BE49-F238E27FC236}">
+                <a16:creationId xmlns:a16="http://schemas.microsoft.com/office/drawing/2014/main" id="{450C922F-2DCD-49ED-947C-8CF84F594B55}"/>
+              </a:ext>
+            </a:extLst>
+          </p:cNvPr>
+          <p:cNvPicPr>
+            <a:picLocks noChangeAspect="1"/>
+          </p:cNvPicPr>
+          <p:nvPr/>
+        </p:nvPicPr>
+        <p:blipFill>
+          <a:blip r:embed="rId2"/>
+          <a:stretch>
+            <a:fillRect/>
+          </a:stretch>
+        </p:blipFill>
+        <p:spPr>
+          <a:xfrm>
+            <a:off x="8727611" y="2023182"/>
+            <a:ext cx="533400" cy="495300"/>
+          </a:xfrm>
+          <a:prstGeom prst="rect">
+            <a:avLst/>
+          </a:prstGeom>
+          <a:effectLst>
+            <a:glow rad="127000">
+              <a:schemeClr val="accent1">
+                <a:alpha val="0"/>
+              </a:schemeClr>
+            </a:glow>
+            <a:softEdge rad="63500"/>
+          </a:effectLst>
+        </p:spPr>
+      </p:pic>
+      <p:sp>
+        <p:nvSpPr>
+          <p:cNvPr id="19" name="TextBox 18">
+            <a:extLst>
+              <a:ext uri="{FF2B5EF4-FFF2-40B4-BE49-F238E27FC236}">
+                <a16:creationId xmlns:a16="http://schemas.microsoft.com/office/drawing/2014/main" id="{2DD83EA2-FBB0-4113-A738-EA248AD5134F}"/>
+              </a:ext>
+            </a:extLst>
+          </p:cNvPr>
+          <p:cNvSpPr txBox="1"/>
+          <p:nvPr/>
+        </p:nvSpPr>
+        <p:spPr>
+          <a:xfrm>
+            <a:off x="8633700" y="1757242"/>
+            <a:ext cx="739370" cy="307777"/>
+          </a:xfrm>
+          <a:prstGeom prst="rect">
+            <a:avLst/>
+          </a:prstGeom>
+          <a:noFill/>
+        </p:spPr>
+        <p:txBody>
+          <a:bodyPr wrap="none" rtlCol="0">
+            <a:spAutoFit/>
+          </a:bodyPr>
+          <a:lstStyle/>
+          <a:p>
+            <a:r>
+              <a:rPr lang="en-GB" sz="1400" b="1" noProof="1"/>
+              <a:t>Analyst</a:t>
+            </a:r>
+          </a:p>
+        </p:txBody>
+      </p:sp>
+      <p:pic>
+        <p:nvPicPr>
+          <p:cNvPr id="20" name="Picture 6" descr="mobile phone Icon 2008073">
+            <a:extLst>
+              <a:ext uri="{FF2B5EF4-FFF2-40B4-BE49-F238E27FC236}">
+                <a16:creationId xmlns:a16="http://schemas.microsoft.com/office/drawing/2014/main" id="{859331E3-A89E-4342-A78E-17CE8FC7A795}"/>
+              </a:ext>
+            </a:extLst>
+          </p:cNvPr>
+          <p:cNvPicPr>
+            <a:picLocks noChangeAspect="1" noChangeArrowheads="1"/>
+          </p:cNvPicPr>
+          <p:nvPr/>
+        </p:nvPicPr>
+        <p:blipFill>
+          <a:blip r:embed="rId3">
+            <a:extLst>
+              <a:ext uri="{28A0092B-C50C-407E-A947-70E740481C1C}">
+                <a14:useLocalDpi xmlns:a14="http://schemas.microsoft.com/office/drawing/2010/main" val="0"/>
+              </a:ext>
+            </a:extLst>
+          </a:blip>
+          <a:srcRect/>
+          <a:stretch>
+            <a:fillRect/>
+          </a:stretch>
+        </p:blipFill>
+        <p:spPr bwMode="auto">
+          <a:xfrm>
+            <a:off x="7986695" y="1767914"/>
+            <a:ext cx="825781" cy="825781"/>
+          </a:xfrm>
+          <a:prstGeom prst="rect">
+            <a:avLst/>
+          </a:prstGeom>
+          <a:noFill/>
+          <a:extLst>
+            <a:ext uri="{909E8E84-426E-40DD-AFC4-6F175D3DCCD1}">
+              <a14:hiddenFill xmlns:a14="http://schemas.microsoft.com/office/drawing/2010/main">
+                <a:solidFill>
+                  <a:srgbClr val="FFFFFF"/>
+                </a:solidFill>
+              </a14:hiddenFill>
+            </a:ext>
+          </a:extLst>
+        </p:spPr>
+      </p:pic>
+      <p:grpSp>
+        <p:nvGrpSpPr>
+          <p:cNvPr id="155" name="Group 154">
+            <a:extLst>
+              <a:ext uri="{FF2B5EF4-FFF2-40B4-BE49-F238E27FC236}">
+                <a16:creationId xmlns:a16="http://schemas.microsoft.com/office/drawing/2014/main" id="{7D26982D-D693-492E-85D7-D209A66E8DE6}"/>
+              </a:ext>
+            </a:extLst>
+          </p:cNvPr>
+          <p:cNvGrpSpPr/>
+          <p:nvPr/>
+        </p:nvGrpSpPr>
+        <p:grpSpPr>
+          <a:xfrm>
+            <a:off x="6887095" y="682669"/>
+            <a:ext cx="880177" cy="928155"/>
+            <a:chOff x="6829945" y="692194"/>
+            <a:chExt cx="880177" cy="928155"/>
+          </a:xfrm>
+        </p:grpSpPr>
+        <p:pic>
+          <p:nvPicPr>
+            <p:cNvPr id="21" name="Picture 8" descr="database Icon 1968097">
+              <a:extLst>
+                <a:ext uri="{FF2B5EF4-FFF2-40B4-BE49-F238E27FC236}">
+                  <a16:creationId xmlns:a16="http://schemas.microsoft.com/office/drawing/2014/main" id="{9A0A8232-CC80-4588-BAF7-A1C9C2C62DB9}"/>
+                </a:ext>
+              </a:extLst>
+            </p:cNvPr>
+            <p:cNvPicPr>
+              <a:picLocks noChangeAspect="1" noChangeArrowheads="1"/>
+            </p:cNvPicPr>
+            <p:nvPr/>
+          </p:nvPicPr>
+          <p:blipFill>
+            <a:blip r:embed="rId4">
+              <a:extLst>
+                <a:ext uri="{28A0092B-C50C-407E-A947-70E740481C1C}">
+                  <a14:useLocalDpi xmlns:a14="http://schemas.microsoft.com/office/drawing/2010/main" val="0"/>
+                </a:ext>
+              </a:extLst>
+            </a:blip>
+            <a:srcRect/>
+            <a:stretch>
+              <a:fillRect/>
+            </a:stretch>
+          </p:blipFill>
+          <p:spPr bwMode="auto">
+            <a:xfrm>
+              <a:off x="6912146" y="917847"/>
+              <a:ext cx="702502" cy="702502"/>
+            </a:xfrm>
+            <a:prstGeom prst="rect">
+              <a:avLst/>
+            </a:prstGeom>
+            <a:noFill/>
+            <a:extLst>
+              <a:ext uri="{909E8E84-426E-40DD-AFC4-6F175D3DCCD1}">
+                <a14:hiddenFill xmlns:a14="http://schemas.microsoft.com/office/drawing/2010/main">
+                  <a:solidFill>
+                    <a:srgbClr val="FFFFFF"/>
+                  </a:solidFill>
+                </a14:hiddenFill>
+              </a:ext>
+            </a:extLst>
+          </p:spPr>
+        </p:pic>
+        <p:sp>
+          <p:nvSpPr>
+            <p:cNvPr id="22" name="TextBox 21">
+              <a:extLst>
+                <a:ext uri="{FF2B5EF4-FFF2-40B4-BE49-F238E27FC236}">
+                  <a16:creationId xmlns:a16="http://schemas.microsoft.com/office/drawing/2014/main" id="{7D5A494E-B8D7-4FCA-BFEC-789BF7F5037E}"/>
+                </a:ext>
+              </a:extLst>
+            </p:cNvPr>
+            <p:cNvSpPr txBox="1"/>
+            <p:nvPr/>
+          </p:nvSpPr>
+          <p:spPr>
+            <a:xfrm>
+              <a:off x="6829945" y="692194"/>
+              <a:ext cx="880177" cy="307777"/>
+            </a:xfrm>
+            <a:prstGeom prst="rect">
+              <a:avLst/>
+            </a:prstGeom>
+            <a:noFill/>
+          </p:spPr>
+          <p:txBody>
+            <a:bodyPr wrap="none" rtlCol="0">
+              <a:spAutoFit/>
+            </a:bodyPr>
+            <a:lstStyle/>
+            <a:p>
+              <a:r>
+                <a:rPr lang="en-GB" sz="1400" b="1" noProof="1"/>
+                <a:t>Database</a:t>
+              </a:r>
+            </a:p>
+          </p:txBody>
+        </p:sp>
+      </p:grpSp>
+      <p:pic>
+        <p:nvPicPr>
+          <p:cNvPr id="23" name="Picture 4" descr="internet of things Icon 358751">
+            <a:extLst>
+              <a:ext uri="{FF2B5EF4-FFF2-40B4-BE49-F238E27FC236}">
+                <a16:creationId xmlns:a16="http://schemas.microsoft.com/office/drawing/2014/main" id="{4906A7DD-F51C-4AC1-A2D2-EBDBD7D4537D}"/>
+              </a:ext>
+            </a:extLst>
+          </p:cNvPr>
+          <p:cNvPicPr>
+            <a:picLocks noChangeAspect="1" noChangeArrowheads="1"/>
+          </p:cNvPicPr>
+          <p:nvPr/>
+        </p:nvPicPr>
+        <p:blipFill>
+          <a:blip r:embed="rId5">
+            <a:duotone>
+              <a:schemeClr val="accent6">
+                <a:shade val="45000"/>
+                <a:satMod val="135000"/>
+              </a:schemeClr>
+              <a:prstClr val="white"/>
+            </a:duotone>
+            <a:extLst>
+              <a:ext uri="{28A0092B-C50C-407E-A947-70E740481C1C}">
+                <a14:useLocalDpi xmlns:a14="http://schemas.microsoft.com/office/drawing/2010/main" val="0"/>
+              </a:ext>
+            </a:extLst>
+          </a:blip>
+          <a:srcRect/>
+          <a:stretch>
+            <a:fillRect/>
+          </a:stretch>
+        </p:blipFill>
+        <p:spPr bwMode="auto">
+          <a:xfrm>
+            <a:off x="5991953" y="2109817"/>
+            <a:ext cx="669606" cy="669606"/>
+          </a:xfrm>
+          <a:prstGeom prst="rect">
+            <a:avLst/>
+          </a:prstGeom>
+          <a:solidFill>
+            <a:schemeClr val="bg1"/>
+          </a:solidFill>
+        </p:spPr>
+      </p:pic>
+      <p:sp>
+        <p:nvSpPr>
+          <p:cNvPr id="24" name="TextBox 23">
+            <a:extLst>
+              <a:ext uri="{FF2B5EF4-FFF2-40B4-BE49-F238E27FC236}">
+                <a16:creationId xmlns:a16="http://schemas.microsoft.com/office/drawing/2014/main" id="{032327B2-AC33-4622-8566-CEBECDB0EF41}"/>
+              </a:ext>
+            </a:extLst>
+          </p:cNvPr>
+          <p:cNvSpPr txBox="1"/>
+          <p:nvPr/>
+        </p:nvSpPr>
+        <p:spPr>
+          <a:xfrm>
+            <a:off x="5316978" y="1887714"/>
+            <a:ext cx="1189300" cy="307777"/>
+          </a:xfrm>
+          <a:prstGeom prst="rect">
+            <a:avLst/>
+          </a:prstGeom>
+          <a:noFill/>
+        </p:spPr>
+        <p:txBody>
+          <a:bodyPr wrap="none" rtlCol="0">
+            <a:spAutoFit/>
+          </a:bodyPr>
+          <a:lstStyle/>
+          <a:p>
+            <a:r>
+              <a:rPr lang="en-GB" sz="1400" b="1" noProof="1">
+                <a:solidFill>
+                  <a:schemeClr val="accent6">
+                    <a:lumMod val="75000"/>
+                  </a:schemeClr>
+                </a:solidFill>
+              </a:rPr>
+              <a:t>MQTT-Broker</a:t>
+            </a:r>
+          </a:p>
+        </p:txBody>
+      </p:sp>
+      <p:cxnSp>
+        <p:nvCxnSpPr>
+          <p:cNvPr id="25" name="Straight Arrow Connector 24">
+            <a:extLst>
+              <a:ext uri="{FF2B5EF4-FFF2-40B4-BE49-F238E27FC236}">
+                <a16:creationId xmlns:a16="http://schemas.microsoft.com/office/drawing/2014/main" id="{B9265A33-E8FE-43E5-8A62-19B3BD028A50}"/>
+              </a:ext>
+            </a:extLst>
+          </p:cNvPr>
+          <p:cNvCxnSpPr>
+            <a:cxnSpLocks/>
+          </p:cNvCxnSpPr>
+          <p:nvPr/>
+        </p:nvCxnSpPr>
+        <p:spPr>
+          <a:xfrm flipV="1">
+            <a:off x="6539362" y="1635892"/>
+            <a:ext cx="581314" cy="575464"/>
+          </a:xfrm>
+          <a:prstGeom prst="straightConnector1">
+            <a:avLst/>
+          </a:prstGeom>
+          <a:ln w="19050">
+            <a:solidFill>
+              <a:schemeClr val="accent6">
+                <a:lumMod val="75000"/>
+              </a:schemeClr>
+            </a:solidFill>
+            <a:headEnd type="triangle"/>
+            <a:tailEnd type="triangle"/>
+          </a:ln>
+        </p:spPr>
+        <p:style>
+          <a:lnRef idx="1">
+            <a:schemeClr val="accent1"/>
+          </a:lnRef>
+          <a:fillRef idx="0">
+            <a:schemeClr val="accent1"/>
+          </a:fillRef>
+          <a:effectRef idx="0">
+            <a:schemeClr val="accent1"/>
+          </a:effectRef>
+          <a:fontRef idx="minor">
+            <a:schemeClr val="tx1"/>
+          </a:fontRef>
+        </p:style>
+      </p:cxnSp>
+      <p:cxnSp>
+        <p:nvCxnSpPr>
+          <p:cNvPr id="27" name="Straight Arrow Connector 26">
+            <a:extLst>
+              <a:ext uri="{FF2B5EF4-FFF2-40B4-BE49-F238E27FC236}">
+                <a16:creationId xmlns:a16="http://schemas.microsoft.com/office/drawing/2014/main" id="{9A34E9DB-292A-4FFB-91AB-04CE2F4ACD85}"/>
+              </a:ext>
+            </a:extLst>
+          </p:cNvPr>
+          <p:cNvCxnSpPr>
+            <a:cxnSpLocks/>
+          </p:cNvCxnSpPr>
+          <p:nvPr/>
+        </p:nvCxnSpPr>
+        <p:spPr>
+          <a:xfrm flipH="1" flipV="1">
+            <a:off x="7494585" y="1635288"/>
+            <a:ext cx="483798" cy="368705"/>
+          </a:xfrm>
+          <a:prstGeom prst="straightConnector1">
+            <a:avLst/>
+          </a:prstGeom>
+          <a:ln w="19050">
+            <a:solidFill>
+              <a:srgbClr val="FF0000"/>
+            </a:solidFill>
+            <a:headEnd type="none"/>
+            <a:tailEnd type="triangle"/>
+          </a:ln>
+        </p:spPr>
+        <p:style>
+          <a:lnRef idx="1">
+            <a:schemeClr val="accent1"/>
+          </a:lnRef>
+          <a:fillRef idx="0">
+            <a:schemeClr val="accent1"/>
+          </a:fillRef>
+          <a:effectRef idx="0">
+            <a:schemeClr val="accent1"/>
+          </a:effectRef>
+          <a:fontRef idx="minor">
+            <a:schemeClr val="tx1"/>
+          </a:fontRef>
+        </p:style>
+      </p:cxnSp>
+      <p:sp>
+        <p:nvSpPr>
+          <p:cNvPr id="64" name="TextBox 63">
+            <a:extLst>
+              <a:ext uri="{FF2B5EF4-FFF2-40B4-BE49-F238E27FC236}">
+                <a16:creationId xmlns:a16="http://schemas.microsoft.com/office/drawing/2014/main" id="{08EB30D8-3E13-429D-8357-50DD269B2C98}"/>
+              </a:ext>
+            </a:extLst>
+          </p:cNvPr>
+          <p:cNvSpPr txBox="1"/>
+          <p:nvPr/>
+        </p:nvSpPr>
+        <p:spPr>
+          <a:xfrm rot="20321998">
+            <a:off x="7335219" y="2345053"/>
+            <a:ext cx="405880" cy="246221"/>
+          </a:xfrm>
+          <a:prstGeom prst="rect">
+            <a:avLst/>
+          </a:prstGeom>
+          <a:noFill/>
+        </p:spPr>
+        <p:txBody>
+          <a:bodyPr wrap="none" rtlCol="0">
+            <a:spAutoFit/>
+          </a:bodyPr>
+          <a:lstStyle/>
+          <a:p>
+            <a:r>
+              <a:rPr lang="en-GB" sz="1000" noProof="1">
+                <a:solidFill>
+                  <a:srgbClr val="FF0000"/>
+                </a:solidFill>
+              </a:rPr>
+              <a:t>http</a:t>
+            </a:r>
+          </a:p>
+        </p:txBody>
+      </p:sp>
+      <p:cxnSp>
+        <p:nvCxnSpPr>
+          <p:cNvPr id="65" name="Straight Arrow Connector 64">
+            <a:extLst>
+              <a:ext uri="{FF2B5EF4-FFF2-40B4-BE49-F238E27FC236}">
+                <a16:creationId xmlns:a16="http://schemas.microsoft.com/office/drawing/2014/main" id="{735ECE3F-F0D5-4A63-8105-953F41B563EE}"/>
+              </a:ext>
+            </a:extLst>
+          </p:cNvPr>
+          <p:cNvCxnSpPr>
+            <a:cxnSpLocks/>
+          </p:cNvCxnSpPr>
+          <p:nvPr/>
+        </p:nvCxnSpPr>
+        <p:spPr>
+          <a:xfrm flipH="1">
+            <a:off x="7139179" y="2390915"/>
+            <a:ext cx="832377" cy="304982"/>
+          </a:xfrm>
+          <a:prstGeom prst="straightConnector1">
+            <a:avLst/>
+          </a:prstGeom>
+          <a:ln w="19050">
+            <a:solidFill>
+              <a:srgbClr val="FF0000"/>
+            </a:solidFill>
+            <a:headEnd type="none"/>
+            <a:tailEnd type="triangle"/>
+          </a:ln>
+        </p:spPr>
+        <p:style>
+          <a:lnRef idx="1">
+            <a:schemeClr val="accent1"/>
+          </a:lnRef>
+          <a:fillRef idx="0">
+            <a:schemeClr val="accent1"/>
+          </a:fillRef>
+          <a:effectRef idx="0">
+            <a:schemeClr val="accent1"/>
+          </a:effectRef>
+          <a:fontRef idx="minor">
+            <a:schemeClr val="tx1"/>
+          </a:fontRef>
+        </p:style>
+      </p:cxnSp>
+      <p:sp>
+        <p:nvSpPr>
+          <p:cNvPr id="72" name="TextBox 71">
+            <a:extLst>
+              <a:ext uri="{FF2B5EF4-FFF2-40B4-BE49-F238E27FC236}">
+                <a16:creationId xmlns:a16="http://schemas.microsoft.com/office/drawing/2014/main" id="{CD8F8BE6-A2D5-4D37-A0ED-FE96F63E0281}"/>
+              </a:ext>
+            </a:extLst>
+          </p:cNvPr>
+          <p:cNvSpPr txBox="1"/>
+          <p:nvPr/>
+        </p:nvSpPr>
+        <p:spPr>
+          <a:xfrm rot="18810735">
+            <a:off x="6706463" y="1840146"/>
+            <a:ext cx="441146" cy="246221"/>
+          </a:xfrm>
+          <a:prstGeom prst="rect">
+            <a:avLst/>
+          </a:prstGeom>
+          <a:noFill/>
+        </p:spPr>
+        <p:txBody>
+          <a:bodyPr wrap="none" rtlCol="0">
+            <a:spAutoFit/>
+          </a:bodyPr>
+          <a:lstStyle/>
+          <a:p>
+            <a:r>
+              <a:rPr lang="en-GB" sz="1000" noProof="1">
+                <a:solidFill>
+                  <a:schemeClr val="accent6">
+                    <a:lumMod val="75000"/>
+                  </a:schemeClr>
+                </a:solidFill>
+              </a:rPr>
+              <a:t>mqtt</a:t>
+            </a:r>
+          </a:p>
+        </p:txBody>
+      </p:sp>
+      <p:grpSp>
+        <p:nvGrpSpPr>
+          <p:cNvPr id="78" name="Group 77">
+            <a:extLst>
+              <a:ext uri="{FF2B5EF4-FFF2-40B4-BE49-F238E27FC236}">
+                <a16:creationId xmlns:a16="http://schemas.microsoft.com/office/drawing/2014/main" id="{52EE0A01-1380-4AF8-B127-1C58C58E3117}"/>
+              </a:ext>
+            </a:extLst>
+          </p:cNvPr>
+          <p:cNvGrpSpPr/>
+          <p:nvPr/>
+        </p:nvGrpSpPr>
+        <p:grpSpPr>
+          <a:xfrm>
+            <a:off x="5970902" y="4393023"/>
+            <a:ext cx="503664" cy="527101"/>
+            <a:chOff x="5985038" y="4329015"/>
+            <a:chExt cx="503664" cy="527101"/>
+          </a:xfrm>
+        </p:grpSpPr>
+        <p:sp>
+          <p:nvSpPr>
+            <p:cNvPr id="73" name="TextBox 72">
+              <a:extLst>
+                <a:ext uri="{FF2B5EF4-FFF2-40B4-BE49-F238E27FC236}">
+                  <a16:creationId xmlns:a16="http://schemas.microsoft.com/office/drawing/2014/main" id="{60CF5C9A-9356-44B3-A8C8-39F1B449711F}"/>
+                </a:ext>
+              </a:extLst>
+            </p:cNvPr>
+            <p:cNvSpPr txBox="1"/>
+            <p:nvPr/>
+          </p:nvSpPr>
+          <p:spPr>
+            <a:xfrm>
+              <a:off x="5985038" y="4609895"/>
+              <a:ext cx="503664" cy="246221"/>
+            </a:xfrm>
+            <a:prstGeom prst="rect">
+              <a:avLst/>
+            </a:prstGeom>
+            <a:solidFill>
+              <a:schemeClr val="bg1"/>
+            </a:solidFill>
+          </p:spPr>
+          <p:txBody>
+            <a:bodyPr wrap="square" rtlCol="0">
+              <a:spAutoFit/>
+            </a:bodyPr>
+            <a:lstStyle/>
+            <a:p>
+              <a:r>
+                <a:rPr lang="en-GB" sz="1000" noProof="1"/>
+                <a:t>ESP32</a:t>
+              </a:r>
+            </a:p>
+          </p:txBody>
+        </p:sp>
+        <p:pic>
+          <p:nvPicPr>
+            <p:cNvPr id="14" name="Picture 2">
+              <a:extLst>
+                <a:ext uri="{FF2B5EF4-FFF2-40B4-BE49-F238E27FC236}">
+                  <a16:creationId xmlns:a16="http://schemas.microsoft.com/office/drawing/2014/main" id="{14923B26-9AB0-4CDB-BFEB-463EB7FB04E2}"/>
+                </a:ext>
+              </a:extLst>
+            </p:cNvPr>
+            <p:cNvPicPr>
+              <a:picLocks noChangeAspect="1" noChangeArrowheads="1"/>
+            </p:cNvPicPr>
+            <p:nvPr/>
+          </p:nvPicPr>
+          <p:blipFill>
+            <a:blip r:embed="rId6">
+              <a:extLst>
+                <a:ext uri="{28A0092B-C50C-407E-A947-70E740481C1C}">
+                  <a14:useLocalDpi xmlns:a14="http://schemas.microsoft.com/office/drawing/2010/main" val="0"/>
+                </a:ext>
+              </a:extLst>
+            </a:blip>
+            <a:srcRect/>
+            <a:stretch>
+              <a:fillRect/>
+            </a:stretch>
+          </p:blipFill>
+          <p:spPr bwMode="auto">
+            <a:xfrm>
+              <a:off x="6064747" y="4329015"/>
+              <a:ext cx="350286" cy="350286"/>
+            </a:xfrm>
+            <a:prstGeom prst="rect">
+              <a:avLst/>
+            </a:prstGeom>
+            <a:noFill/>
+            <a:effectLst/>
+            <a:extLst>
+              <a:ext uri="{909E8E84-426E-40DD-AFC4-6F175D3DCCD1}">
+                <a14:hiddenFill xmlns:a14="http://schemas.microsoft.com/office/drawing/2010/main">
+                  <a:solidFill>
+                    <a:srgbClr val="FFFFFF"/>
+                  </a:solidFill>
+                </a14:hiddenFill>
+              </a:ext>
+            </a:extLst>
+          </p:spPr>
+        </p:pic>
+      </p:grpSp>
+      <p:grpSp>
+        <p:nvGrpSpPr>
+          <p:cNvPr id="82" name="Group 81">
+            <a:extLst>
+              <a:ext uri="{FF2B5EF4-FFF2-40B4-BE49-F238E27FC236}">
+                <a16:creationId xmlns:a16="http://schemas.microsoft.com/office/drawing/2014/main" id="{0C451CC7-34B5-4C18-905F-5225309005D7}"/>
+              </a:ext>
+            </a:extLst>
+          </p:cNvPr>
+          <p:cNvGrpSpPr/>
+          <p:nvPr/>
+        </p:nvGrpSpPr>
+        <p:grpSpPr>
+          <a:xfrm>
+            <a:off x="4012477" y="3713252"/>
+            <a:ext cx="503664" cy="527101"/>
+            <a:chOff x="5985038" y="4329015"/>
+            <a:chExt cx="503664" cy="527101"/>
+          </a:xfrm>
+        </p:grpSpPr>
+        <p:sp>
+          <p:nvSpPr>
+            <p:cNvPr id="83" name="TextBox 82">
+              <a:extLst>
+                <a:ext uri="{FF2B5EF4-FFF2-40B4-BE49-F238E27FC236}">
+                  <a16:creationId xmlns:a16="http://schemas.microsoft.com/office/drawing/2014/main" id="{E792C16F-3488-4C69-9D30-400B7E6526B3}"/>
+                </a:ext>
+              </a:extLst>
+            </p:cNvPr>
+            <p:cNvSpPr txBox="1"/>
+            <p:nvPr/>
+          </p:nvSpPr>
+          <p:spPr>
+            <a:xfrm>
+              <a:off x="5985038" y="4609895"/>
+              <a:ext cx="503664" cy="246221"/>
+            </a:xfrm>
+            <a:prstGeom prst="rect">
+              <a:avLst/>
+            </a:prstGeom>
+            <a:solidFill>
+              <a:schemeClr val="bg1"/>
+            </a:solidFill>
+          </p:spPr>
+          <p:txBody>
+            <a:bodyPr wrap="square" rtlCol="0">
+              <a:spAutoFit/>
+            </a:bodyPr>
+            <a:lstStyle/>
+            <a:p>
+              <a:r>
+                <a:rPr lang="en-GB" sz="1000" noProof="1"/>
+                <a:t>ESP32</a:t>
+              </a:r>
+            </a:p>
+          </p:txBody>
+        </p:sp>
+        <p:pic>
+          <p:nvPicPr>
+            <p:cNvPr id="84" name="Picture 2">
+              <a:extLst>
+                <a:ext uri="{FF2B5EF4-FFF2-40B4-BE49-F238E27FC236}">
+                  <a16:creationId xmlns:a16="http://schemas.microsoft.com/office/drawing/2014/main" id="{065917D2-BB5B-40C1-9E7E-376CC174A0EF}"/>
+                </a:ext>
+              </a:extLst>
+            </p:cNvPr>
+            <p:cNvPicPr>
+              <a:picLocks noChangeAspect="1" noChangeArrowheads="1"/>
+            </p:cNvPicPr>
+            <p:nvPr/>
+          </p:nvPicPr>
+          <p:blipFill>
+            <a:blip r:embed="rId6">
+              <a:extLst>
+                <a:ext uri="{28A0092B-C50C-407E-A947-70E740481C1C}">
+                  <a14:useLocalDpi xmlns:a14="http://schemas.microsoft.com/office/drawing/2010/main" val="0"/>
+                </a:ext>
+              </a:extLst>
+            </a:blip>
+            <a:srcRect/>
+            <a:stretch>
+              <a:fillRect/>
+            </a:stretch>
+          </p:blipFill>
+          <p:spPr bwMode="auto">
+            <a:xfrm>
+              <a:off x="6064747" y="4329015"/>
+              <a:ext cx="350286" cy="350286"/>
+            </a:xfrm>
+            <a:prstGeom prst="rect">
+              <a:avLst/>
+            </a:prstGeom>
+            <a:noFill/>
+            <a:effectLst/>
+            <a:extLst>
+              <a:ext uri="{909E8E84-426E-40DD-AFC4-6F175D3DCCD1}">
+                <a14:hiddenFill xmlns:a14="http://schemas.microsoft.com/office/drawing/2010/main">
+                  <a:solidFill>
+                    <a:srgbClr val="FFFFFF"/>
+                  </a:solidFill>
+                </a14:hiddenFill>
+              </a:ext>
+            </a:extLst>
+          </p:spPr>
+        </p:pic>
+      </p:grpSp>
+      <p:grpSp>
+        <p:nvGrpSpPr>
+          <p:cNvPr id="88" name="Group 87">
+            <a:extLst>
+              <a:ext uri="{FF2B5EF4-FFF2-40B4-BE49-F238E27FC236}">
+                <a16:creationId xmlns:a16="http://schemas.microsoft.com/office/drawing/2014/main" id="{CDDCAD0E-76D7-4432-A5C1-D9DED2D76837}"/>
+              </a:ext>
+            </a:extLst>
+          </p:cNvPr>
+          <p:cNvGrpSpPr/>
+          <p:nvPr/>
+        </p:nvGrpSpPr>
+        <p:grpSpPr>
+          <a:xfrm>
+            <a:off x="4774837" y="2513784"/>
+            <a:ext cx="503664" cy="527101"/>
+            <a:chOff x="5985038" y="4329015"/>
+            <a:chExt cx="503664" cy="527101"/>
+          </a:xfrm>
+        </p:grpSpPr>
+        <p:sp>
+          <p:nvSpPr>
+            <p:cNvPr id="89" name="TextBox 88">
+              <a:extLst>
+                <a:ext uri="{FF2B5EF4-FFF2-40B4-BE49-F238E27FC236}">
+                  <a16:creationId xmlns:a16="http://schemas.microsoft.com/office/drawing/2014/main" id="{3153DF47-5E8A-4724-91BB-01447F1B7B88}"/>
+                </a:ext>
+              </a:extLst>
+            </p:cNvPr>
+            <p:cNvSpPr txBox="1"/>
+            <p:nvPr/>
+          </p:nvSpPr>
+          <p:spPr>
+            <a:xfrm>
+              <a:off x="5985038" y="4609895"/>
+              <a:ext cx="503664" cy="246221"/>
+            </a:xfrm>
+            <a:prstGeom prst="rect">
+              <a:avLst/>
+            </a:prstGeom>
+            <a:solidFill>
+              <a:schemeClr val="bg1"/>
+            </a:solidFill>
+          </p:spPr>
+          <p:txBody>
+            <a:bodyPr wrap="square" rtlCol="0">
+              <a:spAutoFit/>
+            </a:bodyPr>
+            <a:lstStyle/>
+            <a:p>
+              <a:r>
+                <a:rPr lang="en-GB" sz="1000" noProof="1"/>
+                <a:t>ESP32</a:t>
+              </a:r>
+            </a:p>
+          </p:txBody>
+        </p:sp>
+        <p:pic>
+          <p:nvPicPr>
+            <p:cNvPr id="90" name="Picture 2">
+              <a:extLst>
+                <a:ext uri="{FF2B5EF4-FFF2-40B4-BE49-F238E27FC236}">
+                  <a16:creationId xmlns:a16="http://schemas.microsoft.com/office/drawing/2014/main" id="{9C4E36F0-3E34-4829-BAC7-58953FBA5673}"/>
+                </a:ext>
+              </a:extLst>
+            </p:cNvPr>
+            <p:cNvPicPr>
+              <a:picLocks noChangeAspect="1" noChangeArrowheads="1"/>
+            </p:cNvPicPr>
+            <p:nvPr/>
+          </p:nvPicPr>
+          <p:blipFill>
+            <a:blip r:embed="rId6">
+              <a:extLst>
+                <a:ext uri="{28A0092B-C50C-407E-A947-70E740481C1C}">
+                  <a14:useLocalDpi xmlns:a14="http://schemas.microsoft.com/office/drawing/2010/main" val="0"/>
+                </a:ext>
+              </a:extLst>
+            </a:blip>
+            <a:srcRect/>
+            <a:stretch>
+              <a:fillRect/>
+            </a:stretch>
+          </p:blipFill>
+          <p:spPr bwMode="auto">
+            <a:xfrm>
+              <a:off x="6064747" y="4329015"/>
+              <a:ext cx="350286" cy="350286"/>
+            </a:xfrm>
+            <a:prstGeom prst="rect">
+              <a:avLst/>
+            </a:prstGeom>
+            <a:noFill/>
+            <a:effectLst/>
+            <a:extLst>
+              <a:ext uri="{909E8E84-426E-40DD-AFC4-6F175D3DCCD1}">
+                <a14:hiddenFill xmlns:a14="http://schemas.microsoft.com/office/drawing/2010/main">
+                  <a:solidFill>
+                    <a:srgbClr val="FFFFFF"/>
+                  </a:solidFill>
+                </a14:hiddenFill>
+              </a:ext>
+            </a:extLst>
+          </p:spPr>
+        </p:pic>
+      </p:grpSp>
+      <p:grpSp>
+        <p:nvGrpSpPr>
+          <p:cNvPr id="91" name="Group 90">
+            <a:extLst>
+              <a:ext uri="{FF2B5EF4-FFF2-40B4-BE49-F238E27FC236}">
+                <a16:creationId xmlns:a16="http://schemas.microsoft.com/office/drawing/2014/main" id="{045A0E18-EAD7-428B-9CC0-BF4C72DA1F1D}"/>
+              </a:ext>
+            </a:extLst>
+          </p:cNvPr>
+          <p:cNvGrpSpPr/>
+          <p:nvPr/>
+        </p:nvGrpSpPr>
+        <p:grpSpPr>
+          <a:xfrm>
+            <a:off x="7018201" y="3316275"/>
+            <a:ext cx="503664" cy="527101"/>
+            <a:chOff x="5985038" y="4329015"/>
+            <a:chExt cx="503664" cy="527101"/>
+          </a:xfrm>
+        </p:grpSpPr>
+        <p:sp>
+          <p:nvSpPr>
+            <p:cNvPr id="92" name="TextBox 91">
+              <a:extLst>
+                <a:ext uri="{FF2B5EF4-FFF2-40B4-BE49-F238E27FC236}">
+                  <a16:creationId xmlns:a16="http://schemas.microsoft.com/office/drawing/2014/main" id="{A7BDA78C-DB16-4892-B976-3ACD9BB1EBE2}"/>
+                </a:ext>
+              </a:extLst>
+            </p:cNvPr>
+            <p:cNvSpPr txBox="1"/>
+            <p:nvPr/>
+          </p:nvSpPr>
+          <p:spPr>
+            <a:xfrm>
+              <a:off x="5985038" y="4609895"/>
+              <a:ext cx="503664" cy="246221"/>
+            </a:xfrm>
+            <a:prstGeom prst="rect">
+              <a:avLst/>
+            </a:prstGeom>
+            <a:solidFill>
+              <a:schemeClr val="bg1"/>
+            </a:solidFill>
+          </p:spPr>
+          <p:txBody>
+            <a:bodyPr wrap="square" rtlCol="0">
+              <a:spAutoFit/>
+            </a:bodyPr>
+            <a:lstStyle/>
+            <a:p>
+              <a:r>
+                <a:rPr lang="en-GB" sz="1000" noProof="1"/>
+                <a:t>ESP32</a:t>
+              </a:r>
+            </a:p>
+          </p:txBody>
+        </p:sp>
+        <p:pic>
+          <p:nvPicPr>
+            <p:cNvPr id="93" name="Picture 2">
+              <a:extLst>
+                <a:ext uri="{FF2B5EF4-FFF2-40B4-BE49-F238E27FC236}">
+                  <a16:creationId xmlns:a16="http://schemas.microsoft.com/office/drawing/2014/main" id="{90B827CE-637D-4D01-A44B-3939ACB7038D}"/>
+                </a:ext>
+              </a:extLst>
+            </p:cNvPr>
+            <p:cNvPicPr>
+              <a:picLocks noChangeAspect="1" noChangeArrowheads="1"/>
+            </p:cNvPicPr>
+            <p:nvPr/>
+          </p:nvPicPr>
+          <p:blipFill>
+            <a:blip r:embed="rId6">
+              <a:extLst>
+                <a:ext uri="{28A0092B-C50C-407E-A947-70E740481C1C}">
+                  <a14:useLocalDpi xmlns:a14="http://schemas.microsoft.com/office/drawing/2010/main" val="0"/>
+                </a:ext>
+              </a:extLst>
+            </a:blip>
+            <a:srcRect/>
+            <a:stretch>
+              <a:fillRect/>
+            </a:stretch>
+          </p:blipFill>
+          <p:spPr bwMode="auto">
+            <a:xfrm>
+              <a:off x="6064747" y="4329015"/>
+              <a:ext cx="350286" cy="350286"/>
+            </a:xfrm>
+            <a:prstGeom prst="rect">
+              <a:avLst/>
+            </a:prstGeom>
+            <a:noFill/>
+            <a:effectLst/>
+            <a:extLst>
+              <a:ext uri="{909E8E84-426E-40DD-AFC4-6F175D3DCCD1}">
+                <a14:hiddenFill xmlns:a14="http://schemas.microsoft.com/office/drawing/2010/main">
+                  <a:solidFill>
+                    <a:srgbClr val="FFFFFF"/>
+                  </a:solidFill>
+                </a14:hiddenFill>
+              </a:ext>
+            </a:extLst>
+          </p:spPr>
+        </p:pic>
+      </p:grpSp>
+      <p:grpSp>
+        <p:nvGrpSpPr>
+          <p:cNvPr id="94" name="Group 93">
+            <a:extLst>
+              <a:ext uri="{FF2B5EF4-FFF2-40B4-BE49-F238E27FC236}">
+                <a16:creationId xmlns:a16="http://schemas.microsoft.com/office/drawing/2014/main" id="{1FE86011-623B-4369-A962-87FA6DA638DB}"/>
+              </a:ext>
+            </a:extLst>
+          </p:cNvPr>
+          <p:cNvGrpSpPr/>
+          <p:nvPr/>
+        </p:nvGrpSpPr>
+        <p:grpSpPr>
+          <a:xfrm>
+            <a:off x="6604057" y="3860705"/>
+            <a:ext cx="503664" cy="527101"/>
+            <a:chOff x="5985038" y="4329015"/>
+            <a:chExt cx="503664" cy="527101"/>
+          </a:xfrm>
+        </p:grpSpPr>
+        <p:sp>
+          <p:nvSpPr>
+            <p:cNvPr id="95" name="TextBox 94">
+              <a:extLst>
+                <a:ext uri="{FF2B5EF4-FFF2-40B4-BE49-F238E27FC236}">
+                  <a16:creationId xmlns:a16="http://schemas.microsoft.com/office/drawing/2014/main" id="{05550606-97CE-4DC7-AA20-56CDF1E4E84D}"/>
+                </a:ext>
+              </a:extLst>
+            </p:cNvPr>
+            <p:cNvSpPr txBox="1"/>
+            <p:nvPr/>
+          </p:nvSpPr>
+          <p:spPr>
+            <a:xfrm>
+              <a:off x="5985038" y="4609895"/>
+              <a:ext cx="503664" cy="246221"/>
+            </a:xfrm>
+            <a:prstGeom prst="rect">
+              <a:avLst/>
+            </a:prstGeom>
+            <a:solidFill>
+              <a:schemeClr val="bg1"/>
+            </a:solidFill>
+          </p:spPr>
+          <p:txBody>
+            <a:bodyPr wrap="square" rtlCol="0">
+              <a:spAutoFit/>
+            </a:bodyPr>
+            <a:lstStyle/>
+            <a:p>
+              <a:r>
+                <a:rPr lang="en-GB" sz="1000" noProof="1"/>
+                <a:t>ESP32</a:t>
+              </a:r>
+            </a:p>
+          </p:txBody>
+        </p:sp>
+        <p:pic>
+          <p:nvPicPr>
+            <p:cNvPr id="96" name="Picture 2">
+              <a:extLst>
+                <a:ext uri="{FF2B5EF4-FFF2-40B4-BE49-F238E27FC236}">
+                  <a16:creationId xmlns:a16="http://schemas.microsoft.com/office/drawing/2014/main" id="{732AD19A-E143-49D9-BDE8-061112E308BB}"/>
+                </a:ext>
+              </a:extLst>
+            </p:cNvPr>
+            <p:cNvPicPr>
+              <a:picLocks noChangeAspect="1" noChangeArrowheads="1"/>
+            </p:cNvPicPr>
+            <p:nvPr/>
+          </p:nvPicPr>
+          <p:blipFill>
+            <a:blip r:embed="rId6">
+              <a:extLst>
+                <a:ext uri="{28A0092B-C50C-407E-A947-70E740481C1C}">
+                  <a14:useLocalDpi xmlns:a14="http://schemas.microsoft.com/office/drawing/2010/main" val="0"/>
+                </a:ext>
+              </a:extLst>
+            </a:blip>
+            <a:srcRect/>
+            <a:stretch>
+              <a:fillRect/>
+            </a:stretch>
+          </p:blipFill>
+          <p:spPr bwMode="auto">
+            <a:xfrm>
+              <a:off x="6064747" y="4329015"/>
+              <a:ext cx="350286" cy="350286"/>
+            </a:xfrm>
+            <a:prstGeom prst="rect">
+              <a:avLst/>
+            </a:prstGeom>
+            <a:noFill/>
+            <a:effectLst/>
+            <a:extLst>
+              <a:ext uri="{909E8E84-426E-40DD-AFC4-6F175D3DCCD1}">
+                <a14:hiddenFill xmlns:a14="http://schemas.microsoft.com/office/drawing/2010/main">
+                  <a:solidFill>
+                    <a:srgbClr val="FFFFFF"/>
+                  </a:solidFill>
+                </a14:hiddenFill>
+              </a:ext>
+            </a:extLst>
+          </p:spPr>
+        </p:pic>
+      </p:grpSp>
+      <p:grpSp>
+        <p:nvGrpSpPr>
+          <p:cNvPr id="97" name="Group 96">
+            <a:extLst>
+              <a:ext uri="{FF2B5EF4-FFF2-40B4-BE49-F238E27FC236}">
+                <a16:creationId xmlns:a16="http://schemas.microsoft.com/office/drawing/2014/main" id="{F9B4D216-6814-404D-8678-679D07ABAB43}"/>
+              </a:ext>
+            </a:extLst>
+          </p:cNvPr>
+          <p:cNvGrpSpPr/>
+          <p:nvPr/>
+        </p:nvGrpSpPr>
+        <p:grpSpPr>
+          <a:xfrm>
+            <a:off x="4386044" y="4280254"/>
+            <a:ext cx="503664" cy="527101"/>
+            <a:chOff x="5985038" y="4329015"/>
+            <a:chExt cx="503664" cy="527101"/>
+          </a:xfrm>
+        </p:grpSpPr>
+        <p:sp>
+          <p:nvSpPr>
+            <p:cNvPr id="98" name="TextBox 97">
+              <a:extLst>
+                <a:ext uri="{FF2B5EF4-FFF2-40B4-BE49-F238E27FC236}">
+                  <a16:creationId xmlns:a16="http://schemas.microsoft.com/office/drawing/2014/main" id="{AA2B755E-2763-4909-BD69-B747C0450DB6}"/>
+                </a:ext>
+              </a:extLst>
+            </p:cNvPr>
+            <p:cNvSpPr txBox="1"/>
+            <p:nvPr/>
+          </p:nvSpPr>
+          <p:spPr>
+            <a:xfrm>
+              <a:off x="5985038" y="4609895"/>
+              <a:ext cx="503664" cy="246221"/>
+            </a:xfrm>
+            <a:prstGeom prst="rect">
+              <a:avLst/>
+            </a:prstGeom>
+            <a:solidFill>
+              <a:schemeClr val="bg1"/>
+            </a:solidFill>
+          </p:spPr>
+          <p:txBody>
+            <a:bodyPr wrap="square" rtlCol="0">
+              <a:spAutoFit/>
+            </a:bodyPr>
+            <a:lstStyle/>
+            <a:p>
+              <a:r>
+                <a:rPr lang="en-GB" sz="1000" noProof="1"/>
+                <a:t>ESP32</a:t>
+              </a:r>
+            </a:p>
+          </p:txBody>
+        </p:sp>
+        <p:pic>
+          <p:nvPicPr>
+            <p:cNvPr id="99" name="Picture 2">
+              <a:extLst>
+                <a:ext uri="{FF2B5EF4-FFF2-40B4-BE49-F238E27FC236}">
+                  <a16:creationId xmlns:a16="http://schemas.microsoft.com/office/drawing/2014/main" id="{CCC96925-D13E-4EE8-B337-580A134E1BCF}"/>
+                </a:ext>
+              </a:extLst>
+            </p:cNvPr>
+            <p:cNvPicPr>
+              <a:picLocks noChangeAspect="1" noChangeArrowheads="1"/>
+            </p:cNvPicPr>
+            <p:nvPr/>
+          </p:nvPicPr>
+          <p:blipFill>
+            <a:blip r:embed="rId6">
+              <a:extLst>
+                <a:ext uri="{28A0092B-C50C-407E-A947-70E740481C1C}">
+                  <a14:useLocalDpi xmlns:a14="http://schemas.microsoft.com/office/drawing/2010/main" val="0"/>
+                </a:ext>
+              </a:extLst>
+            </a:blip>
+            <a:srcRect/>
+            <a:stretch>
+              <a:fillRect/>
+            </a:stretch>
+          </p:blipFill>
+          <p:spPr bwMode="auto">
+            <a:xfrm>
+              <a:off x="6064747" y="4329015"/>
+              <a:ext cx="350286" cy="350286"/>
+            </a:xfrm>
+            <a:prstGeom prst="rect">
+              <a:avLst/>
+            </a:prstGeom>
+            <a:noFill/>
+            <a:effectLst/>
+            <a:extLst>
+              <a:ext uri="{909E8E84-426E-40DD-AFC4-6F175D3DCCD1}">
+                <a14:hiddenFill xmlns:a14="http://schemas.microsoft.com/office/drawing/2010/main">
+                  <a:solidFill>
+                    <a:srgbClr val="FFFFFF"/>
+                  </a:solidFill>
+                </a14:hiddenFill>
+              </a:ext>
+            </a:extLst>
+          </p:spPr>
+        </p:pic>
+      </p:grpSp>
+      <p:grpSp>
+        <p:nvGrpSpPr>
+          <p:cNvPr id="100" name="Group 99">
+            <a:extLst>
+              <a:ext uri="{FF2B5EF4-FFF2-40B4-BE49-F238E27FC236}">
+                <a16:creationId xmlns:a16="http://schemas.microsoft.com/office/drawing/2014/main" id="{FA218E17-E642-42FD-B449-FB5DF0043EDE}"/>
+              </a:ext>
+            </a:extLst>
+          </p:cNvPr>
+          <p:cNvGrpSpPr/>
+          <p:nvPr/>
+        </p:nvGrpSpPr>
+        <p:grpSpPr>
+          <a:xfrm>
+            <a:off x="5062460" y="4516134"/>
+            <a:ext cx="503664" cy="527101"/>
+            <a:chOff x="5985038" y="4329015"/>
+            <a:chExt cx="503664" cy="527101"/>
+          </a:xfrm>
+        </p:grpSpPr>
+        <p:sp>
+          <p:nvSpPr>
+            <p:cNvPr id="101" name="TextBox 100">
+              <a:extLst>
+                <a:ext uri="{FF2B5EF4-FFF2-40B4-BE49-F238E27FC236}">
+                  <a16:creationId xmlns:a16="http://schemas.microsoft.com/office/drawing/2014/main" id="{1E5F8CBA-3223-4FA3-89AE-CD1948DF1CED}"/>
+                </a:ext>
+              </a:extLst>
+            </p:cNvPr>
+            <p:cNvSpPr txBox="1"/>
+            <p:nvPr/>
+          </p:nvSpPr>
+          <p:spPr>
+            <a:xfrm>
+              <a:off x="5985038" y="4609895"/>
+              <a:ext cx="503664" cy="246221"/>
+            </a:xfrm>
+            <a:prstGeom prst="rect">
+              <a:avLst/>
+            </a:prstGeom>
+            <a:solidFill>
+              <a:schemeClr val="bg1"/>
+            </a:solidFill>
+          </p:spPr>
+          <p:txBody>
+            <a:bodyPr wrap="square" rtlCol="0">
+              <a:spAutoFit/>
+            </a:bodyPr>
+            <a:lstStyle/>
+            <a:p>
+              <a:r>
+                <a:rPr lang="en-GB" sz="1000" noProof="1"/>
+                <a:t>ESP32</a:t>
+              </a:r>
+            </a:p>
+          </p:txBody>
+        </p:sp>
+        <p:pic>
+          <p:nvPicPr>
+            <p:cNvPr id="102" name="Picture 2">
+              <a:extLst>
+                <a:ext uri="{FF2B5EF4-FFF2-40B4-BE49-F238E27FC236}">
+                  <a16:creationId xmlns:a16="http://schemas.microsoft.com/office/drawing/2014/main" id="{5F395607-0E8E-480E-A66B-2F88B059074F}"/>
+                </a:ext>
+              </a:extLst>
+            </p:cNvPr>
+            <p:cNvPicPr>
+              <a:picLocks noChangeAspect="1" noChangeArrowheads="1"/>
+            </p:cNvPicPr>
+            <p:nvPr/>
+          </p:nvPicPr>
+          <p:blipFill>
+            <a:blip r:embed="rId6">
+              <a:extLst>
+                <a:ext uri="{28A0092B-C50C-407E-A947-70E740481C1C}">
+                  <a14:useLocalDpi xmlns:a14="http://schemas.microsoft.com/office/drawing/2010/main" val="0"/>
+                </a:ext>
+              </a:extLst>
+            </a:blip>
+            <a:srcRect/>
+            <a:stretch>
+              <a:fillRect/>
+            </a:stretch>
+          </p:blipFill>
+          <p:spPr bwMode="auto">
+            <a:xfrm>
+              <a:off x="6064747" y="4329015"/>
+              <a:ext cx="350286" cy="350286"/>
+            </a:xfrm>
+            <a:prstGeom prst="rect">
+              <a:avLst/>
+            </a:prstGeom>
+            <a:noFill/>
+            <a:effectLst/>
+            <a:extLst>
+              <a:ext uri="{909E8E84-426E-40DD-AFC4-6F175D3DCCD1}">
+                <a14:hiddenFill xmlns:a14="http://schemas.microsoft.com/office/drawing/2010/main">
+                  <a:solidFill>
+                    <a:srgbClr val="FFFFFF"/>
+                  </a:solidFill>
+                </a14:hiddenFill>
+              </a:ext>
+            </a:extLst>
+          </p:spPr>
+        </p:pic>
+      </p:grpSp>
+      <p:grpSp>
+        <p:nvGrpSpPr>
+          <p:cNvPr id="103" name="Group 102">
+            <a:extLst>
+              <a:ext uri="{FF2B5EF4-FFF2-40B4-BE49-F238E27FC236}">
+                <a16:creationId xmlns:a16="http://schemas.microsoft.com/office/drawing/2014/main" id="{DFE58CA3-E336-4FB9-9132-F4B8BEBC251B}"/>
+              </a:ext>
+            </a:extLst>
+          </p:cNvPr>
+          <p:cNvGrpSpPr/>
+          <p:nvPr/>
+        </p:nvGrpSpPr>
+        <p:grpSpPr>
+          <a:xfrm>
+            <a:off x="3982570" y="2938496"/>
+            <a:ext cx="503664" cy="527101"/>
+            <a:chOff x="5985038" y="4329015"/>
+            <a:chExt cx="503664" cy="527101"/>
+          </a:xfrm>
+        </p:grpSpPr>
+        <p:sp>
+          <p:nvSpPr>
+            <p:cNvPr id="104" name="TextBox 103">
+              <a:extLst>
+                <a:ext uri="{FF2B5EF4-FFF2-40B4-BE49-F238E27FC236}">
+                  <a16:creationId xmlns:a16="http://schemas.microsoft.com/office/drawing/2014/main" id="{F088235E-5C00-4A9F-809B-B92564261841}"/>
+                </a:ext>
+              </a:extLst>
+            </p:cNvPr>
+            <p:cNvSpPr txBox="1"/>
+            <p:nvPr/>
+          </p:nvSpPr>
+          <p:spPr>
+            <a:xfrm>
+              <a:off x="5985038" y="4609895"/>
+              <a:ext cx="503664" cy="246221"/>
+            </a:xfrm>
+            <a:prstGeom prst="rect">
+              <a:avLst/>
+            </a:prstGeom>
+            <a:solidFill>
+              <a:schemeClr val="bg1"/>
+            </a:solidFill>
+          </p:spPr>
+          <p:txBody>
+            <a:bodyPr wrap="square" rtlCol="0">
+              <a:spAutoFit/>
+            </a:bodyPr>
+            <a:lstStyle/>
+            <a:p>
+              <a:r>
+                <a:rPr lang="en-GB" sz="1000" noProof="1"/>
+                <a:t>ESP32</a:t>
+              </a:r>
+            </a:p>
+          </p:txBody>
+        </p:sp>
+        <p:pic>
+          <p:nvPicPr>
+            <p:cNvPr id="105" name="Picture 2">
+              <a:extLst>
+                <a:ext uri="{FF2B5EF4-FFF2-40B4-BE49-F238E27FC236}">
+                  <a16:creationId xmlns:a16="http://schemas.microsoft.com/office/drawing/2014/main" id="{6C6F9A71-E5B7-4BCF-871C-C0C4907EC785}"/>
+                </a:ext>
+              </a:extLst>
+            </p:cNvPr>
+            <p:cNvPicPr>
+              <a:picLocks noChangeAspect="1" noChangeArrowheads="1"/>
+            </p:cNvPicPr>
+            <p:nvPr/>
+          </p:nvPicPr>
+          <p:blipFill>
+            <a:blip r:embed="rId6">
+              <a:extLst>
+                <a:ext uri="{28A0092B-C50C-407E-A947-70E740481C1C}">
+                  <a14:useLocalDpi xmlns:a14="http://schemas.microsoft.com/office/drawing/2010/main" val="0"/>
+                </a:ext>
+              </a:extLst>
+            </a:blip>
+            <a:srcRect/>
+            <a:stretch>
+              <a:fillRect/>
+            </a:stretch>
+          </p:blipFill>
+          <p:spPr bwMode="auto">
+            <a:xfrm>
+              <a:off x="6064747" y="4329015"/>
+              <a:ext cx="350286" cy="350286"/>
+            </a:xfrm>
+            <a:prstGeom prst="rect">
+              <a:avLst/>
+            </a:prstGeom>
+            <a:noFill/>
+            <a:effectLst/>
+            <a:extLst>
+              <a:ext uri="{909E8E84-426E-40DD-AFC4-6F175D3DCCD1}">
+                <a14:hiddenFill xmlns:a14="http://schemas.microsoft.com/office/drawing/2010/main">
+                  <a:solidFill>
+                    <a:srgbClr val="FFFFFF"/>
+                  </a:solidFill>
+                </a14:hiddenFill>
+              </a:ext>
+            </a:extLst>
+          </p:spPr>
+        </p:pic>
+      </p:grpSp>
+      <p:sp>
+        <p:nvSpPr>
+          <p:cNvPr id="106" name="TextBox 105">
+            <a:extLst>
+              <a:ext uri="{FF2B5EF4-FFF2-40B4-BE49-F238E27FC236}">
+                <a16:creationId xmlns:a16="http://schemas.microsoft.com/office/drawing/2014/main" id="{21B426A1-3F53-41C4-9AEA-CF4D88F7ACF9}"/>
+              </a:ext>
+            </a:extLst>
+          </p:cNvPr>
+          <p:cNvSpPr txBox="1"/>
+          <p:nvPr/>
+        </p:nvSpPr>
+        <p:spPr>
+          <a:xfrm>
+            <a:off x="2266874" y="3764061"/>
+            <a:ext cx="1845570" cy="307777"/>
+          </a:xfrm>
+          <a:prstGeom prst="rect">
+            <a:avLst/>
+          </a:prstGeom>
+          <a:noFill/>
+        </p:spPr>
+        <p:txBody>
+          <a:bodyPr wrap="none" rtlCol="0">
+            <a:spAutoFit/>
+          </a:bodyPr>
+          <a:lstStyle/>
+          <a:p>
+            <a:r>
+              <a:rPr lang="en-GB" sz="1400" b="1" noProof="1"/>
+              <a:t>smart-IR-Turbidimeter</a:t>
+            </a:r>
+          </a:p>
+        </p:txBody>
+      </p:sp>
+      <p:sp>
+        <p:nvSpPr>
+          <p:cNvPr id="107" name="TextBox 106">
+            <a:extLst>
+              <a:ext uri="{FF2B5EF4-FFF2-40B4-BE49-F238E27FC236}">
+                <a16:creationId xmlns:a16="http://schemas.microsoft.com/office/drawing/2014/main" id="{5F51E3BF-3C1E-405E-BF6C-19C033F36983}"/>
+              </a:ext>
+            </a:extLst>
+          </p:cNvPr>
+          <p:cNvSpPr txBox="1"/>
+          <p:nvPr/>
+        </p:nvSpPr>
+        <p:spPr>
+          <a:xfrm>
+            <a:off x="2807717" y="4511985"/>
+            <a:ext cx="1561453" cy="307777"/>
+          </a:xfrm>
+          <a:prstGeom prst="rect">
+            <a:avLst/>
+          </a:prstGeom>
+          <a:noFill/>
+        </p:spPr>
+        <p:txBody>
+          <a:bodyPr wrap="none" rtlCol="0">
+            <a:spAutoFit/>
+          </a:bodyPr>
+          <a:lstStyle/>
+          <a:p>
+            <a:r>
+              <a:rPr lang="en-GB" sz="1400" b="1" noProof="1"/>
+              <a:t>smart-Colorimeter</a:t>
+            </a:r>
+          </a:p>
+        </p:txBody>
+      </p:sp>
+      <p:sp>
+        <p:nvSpPr>
+          <p:cNvPr id="108" name="TextBox 107">
+            <a:extLst>
+              <a:ext uri="{FF2B5EF4-FFF2-40B4-BE49-F238E27FC236}">
+                <a16:creationId xmlns:a16="http://schemas.microsoft.com/office/drawing/2014/main" id="{B8832827-5035-47E5-A0B2-E8839CC2CA94}"/>
+              </a:ext>
+            </a:extLst>
+          </p:cNvPr>
+          <p:cNvSpPr txBox="1"/>
+          <p:nvPr/>
+        </p:nvSpPr>
+        <p:spPr>
+          <a:xfrm>
+            <a:off x="2194410" y="2921655"/>
+            <a:ext cx="1836134" cy="307777"/>
+          </a:xfrm>
+          <a:prstGeom prst="rect">
+            <a:avLst/>
+          </a:prstGeom>
+          <a:noFill/>
+        </p:spPr>
+        <p:txBody>
+          <a:bodyPr wrap="square" rtlCol="0">
+            <a:spAutoFit/>
+          </a:bodyPr>
+          <a:lstStyle/>
+          <a:p>
+            <a:r>
+              <a:rPr lang="en-GB" sz="1400" b="1" noProof="1"/>
+              <a:t>smart-UV-Photometer</a:t>
+            </a:r>
+          </a:p>
+        </p:txBody>
+      </p:sp>
+      <p:sp>
+        <p:nvSpPr>
+          <p:cNvPr id="109" name="TextBox 108">
+            <a:extLst>
+              <a:ext uri="{FF2B5EF4-FFF2-40B4-BE49-F238E27FC236}">
+                <a16:creationId xmlns:a16="http://schemas.microsoft.com/office/drawing/2014/main" id="{79E7F27A-5EFF-4322-A40A-64F1064999F6}"/>
+              </a:ext>
+            </a:extLst>
+          </p:cNvPr>
+          <p:cNvSpPr txBox="1"/>
+          <p:nvPr/>
+        </p:nvSpPr>
+        <p:spPr>
+          <a:xfrm>
+            <a:off x="6360658" y="4747287"/>
+            <a:ext cx="1808170" cy="307777"/>
+          </a:xfrm>
+          <a:prstGeom prst="rect">
+            <a:avLst/>
+          </a:prstGeom>
+          <a:noFill/>
+        </p:spPr>
+        <p:txBody>
+          <a:bodyPr wrap="square" rtlCol="0">
+            <a:spAutoFit/>
+          </a:bodyPr>
+          <a:lstStyle/>
+          <a:p>
+            <a:r>
+              <a:rPr lang="en-GB" sz="1400" b="1" noProof="1"/>
+              <a:t>smart-ORP-Meter</a:t>
+            </a:r>
+          </a:p>
+        </p:txBody>
+      </p:sp>
+      <p:sp>
+        <p:nvSpPr>
+          <p:cNvPr id="110" name="TextBox 109">
+            <a:extLst>
+              <a:ext uri="{FF2B5EF4-FFF2-40B4-BE49-F238E27FC236}">
+                <a16:creationId xmlns:a16="http://schemas.microsoft.com/office/drawing/2014/main" id="{F9571B3A-9698-4F12-A3A7-FCE31C177079}"/>
+              </a:ext>
+            </a:extLst>
+          </p:cNvPr>
+          <p:cNvSpPr txBox="1"/>
+          <p:nvPr/>
+        </p:nvSpPr>
+        <p:spPr>
+          <a:xfrm>
+            <a:off x="7082610" y="4092334"/>
+            <a:ext cx="1808170" cy="307777"/>
+          </a:xfrm>
+          <a:prstGeom prst="rect">
+            <a:avLst/>
+          </a:prstGeom>
+          <a:noFill/>
+        </p:spPr>
+        <p:txBody>
+          <a:bodyPr wrap="square" rtlCol="0">
+            <a:spAutoFit/>
+          </a:bodyPr>
+          <a:lstStyle/>
+          <a:p>
+            <a:r>
+              <a:rPr lang="en-GB" sz="1400" b="1" noProof="1"/>
+              <a:t>smart-EC-Meter</a:t>
+            </a:r>
+          </a:p>
+        </p:txBody>
+      </p:sp>
+      <p:sp>
+        <p:nvSpPr>
+          <p:cNvPr id="111" name="TextBox 110">
+            <a:extLst>
+              <a:ext uri="{FF2B5EF4-FFF2-40B4-BE49-F238E27FC236}">
+                <a16:creationId xmlns:a16="http://schemas.microsoft.com/office/drawing/2014/main" id="{5CAE9453-1F4F-448F-8D57-40FF81CAD69B}"/>
+              </a:ext>
+            </a:extLst>
+          </p:cNvPr>
+          <p:cNvSpPr txBox="1"/>
+          <p:nvPr/>
+        </p:nvSpPr>
+        <p:spPr>
+          <a:xfrm>
+            <a:off x="7564900" y="3325264"/>
+            <a:ext cx="1808170" cy="307777"/>
+          </a:xfrm>
+          <a:prstGeom prst="rect">
+            <a:avLst/>
+          </a:prstGeom>
+          <a:noFill/>
+        </p:spPr>
+        <p:txBody>
+          <a:bodyPr wrap="square" rtlCol="0">
+            <a:spAutoFit/>
+          </a:bodyPr>
+          <a:lstStyle/>
+          <a:p>
+            <a:r>
+              <a:rPr lang="en-GB" sz="1400" b="1" noProof="1"/>
+              <a:t>smart-pH-Meter</a:t>
+            </a:r>
+          </a:p>
+        </p:txBody>
+      </p:sp>
+      <p:sp>
+        <p:nvSpPr>
+          <p:cNvPr id="112" name="TextBox 111">
+            <a:extLst>
+              <a:ext uri="{FF2B5EF4-FFF2-40B4-BE49-F238E27FC236}">
+                <a16:creationId xmlns:a16="http://schemas.microsoft.com/office/drawing/2014/main" id="{67DEF471-3662-4CD4-92D1-F8474CF3B81F}"/>
+              </a:ext>
+            </a:extLst>
+          </p:cNvPr>
+          <p:cNvSpPr txBox="1"/>
+          <p:nvPr/>
+        </p:nvSpPr>
+        <p:spPr>
+          <a:xfrm>
+            <a:off x="4424235" y="5035056"/>
+            <a:ext cx="1808170" cy="307777"/>
+          </a:xfrm>
+          <a:prstGeom prst="rect">
+            <a:avLst/>
+          </a:prstGeom>
+          <a:noFill/>
+        </p:spPr>
+        <p:txBody>
+          <a:bodyPr wrap="square" rtlCol="0">
+            <a:spAutoFit/>
+          </a:bodyPr>
+          <a:lstStyle/>
+          <a:p>
+            <a:r>
+              <a:rPr lang="en-GB" sz="1400" b="1" noProof="1"/>
+              <a:t>smart-Thermometer</a:t>
+            </a:r>
+          </a:p>
+        </p:txBody>
+      </p:sp>
+      <p:sp>
+        <p:nvSpPr>
+          <p:cNvPr id="113" name="TextBox 112">
+            <a:extLst>
+              <a:ext uri="{FF2B5EF4-FFF2-40B4-BE49-F238E27FC236}">
+                <a16:creationId xmlns:a16="http://schemas.microsoft.com/office/drawing/2014/main" id="{2403A022-0C7B-448A-9CF5-7653ECDA9F6D}"/>
+              </a:ext>
+            </a:extLst>
+          </p:cNvPr>
+          <p:cNvSpPr txBox="1"/>
+          <p:nvPr/>
+        </p:nvSpPr>
+        <p:spPr>
+          <a:xfrm>
+            <a:off x="3112543" y="2239232"/>
+            <a:ext cx="1934168" cy="307777"/>
+          </a:xfrm>
+          <a:prstGeom prst="rect">
+            <a:avLst/>
+          </a:prstGeom>
+          <a:noFill/>
+        </p:spPr>
+        <p:txBody>
+          <a:bodyPr wrap="square" rtlCol="0">
+            <a:spAutoFit/>
+          </a:bodyPr>
+          <a:lstStyle/>
+          <a:p>
+            <a:r>
+              <a:rPr lang="en-GB" sz="1400" b="1" noProof="1"/>
+              <a:t>smart-RGB-Photometer</a:t>
+            </a:r>
+          </a:p>
+        </p:txBody>
+      </p:sp>
+      <p:sp>
+        <p:nvSpPr>
+          <p:cNvPr id="115" name="TextBox 114">
+            <a:extLst>
+              <a:ext uri="{FF2B5EF4-FFF2-40B4-BE49-F238E27FC236}">
+                <a16:creationId xmlns:a16="http://schemas.microsoft.com/office/drawing/2014/main" id="{814A267B-D904-43CD-B612-779AA7907610}"/>
+              </a:ext>
+            </a:extLst>
+          </p:cNvPr>
+          <p:cNvSpPr txBox="1"/>
+          <p:nvPr/>
+        </p:nvSpPr>
+        <p:spPr>
+          <a:xfrm>
+            <a:off x="6308741" y="3552879"/>
+            <a:ext cx="669606" cy="369332"/>
+          </a:xfrm>
+          <a:prstGeom prst="rect">
+            <a:avLst/>
+          </a:prstGeom>
+          <a:solidFill>
+            <a:schemeClr val="bg1"/>
+          </a:solidFill>
+        </p:spPr>
+        <p:txBody>
+          <a:bodyPr wrap="square" rtlCol="0">
+            <a:spAutoFit/>
+          </a:bodyPr>
+          <a:lstStyle/>
+          <a:p>
+            <a:endParaRPr lang="en-GB" b="1" noProof="1"/>
+          </a:p>
+        </p:txBody>
+      </p:sp>
+      <p:grpSp>
+        <p:nvGrpSpPr>
+          <p:cNvPr id="147" name="Group 146">
+            <a:extLst>
+              <a:ext uri="{FF2B5EF4-FFF2-40B4-BE49-F238E27FC236}">
+                <a16:creationId xmlns:a16="http://schemas.microsoft.com/office/drawing/2014/main" id="{2D36BE96-A43B-4F52-A75B-E6DDD1D3B440}"/>
+              </a:ext>
+            </a:extLst>
+          </p:cNvPr>
+          <p:cNvGrpSpPr/>
+          <p:nvPr/>
+        </p:nvGrpSpPr>
+        <p:grpSpPr>
+          <a:xfrm>
+            <a:off x="4797771" y="2726382"/>
+            <a:ext cx="2122256" cy="1357737"/>
+            <a:chOff x="4640896" y="2795923"/>
+            <a:chExt cx="2122256" cy="1357737"/>
+          </a:xfrm>
+        </p:grpSpPr>
+        <p:sp>
+          <p:nvSpPr>
+            <p:cNvPr id="61" name="TextBox 60">
+              <a:extLst>
+                <a:ext uri="{FF2B5EF4-FFF2-40B4-BE49-F238E27FC236}">
+                  <a16:creationId xmlns:a16="http://schemas.microsoft.com/office/drawing/2014/main" id="{458DEE10-7555-4DCD-9FCC-0A1138FF568D}"/>
+                </a:ext>
+              </a:extLst>
+            </p:cNvPr>
+            <p:cNvSpPr txBox="1"/>
+            <p:nvPr/>
+          </p:nvSpPr>
+          <p:spPr>
+            <a:xfrm>
+              <a:off x="6280328" y="3242244"/>
+              <a:ext cx="482824" cy="369332"/>
+            </a:xfrm>
+            <a:prstGeom prst="rect">
+              <a:avLst/>
+            </a:prstGeom>
+            <a:noFill/>
+          </p:spPr>
+          <p:txBody>
+            <a:bodyPr wrap="none" rtlCol="0">
+              <a:spAutoFit/>
+            </a:bodyPr>
+            <a:lstStyle/>
+            <a:p>
+              <a:r>
+                <a:rPr lang="en-GB" b="1" noProof="1"/>
+                <a:t>IoT</a:t>
+              </a:r>
+            </a:p>
+          </p:txBody>
+        </p:sp>
+        <p:grpSp>
+          <p:nvGrpSpPr>
+            <p:cNvPr id="146" name="Group 145">
+              <a:extLst>
+                <a:ext uri="{FF2B5EF4-FFF2-40B4-BE49-F238E27FC236}">
+                  <a16:creationId xmlns:a16="http://schemas.microsoft.com/office/drawing/2014/main" id="{8FAAEFD1-AAFC-4B9F-BB8C-4DC78EC8B55D}"/>
+                </a:ext>
+              </a:extLst>
+            </p:cNvPr>
+            <p:cNvGrpSpPr/>
+            <p:nvPr/>
+          </p:nvGrpSpPr>
+          <p:grpSpPr>
+            <a:xfrm>
+              <a:off x="4640896" y="2795923"/>
+              <a:ext cx="1765889" cy="1357737"/>
+              <a:chOff x="4513165" y="2845735"/>
+              <a:chExt cx="1765889" cy="1357737"/>
+            </a:xfrm>
+          </p:grpSpPr>
+          <p:grpSp>
+            <p:nvGrpSpPr>
+              <p:cNvPr id="81" name="Group 80">
+                <a:extLst>
+                  <a:ext uri="{FF2B5EF4-FFF2-40B4-BE49-F238E27FC236}">
+                    <a16:creationId xmlns:a16="http://schemas.microsoft.com/office/drawing/2014/main" id="{BBC94C7E-231C-4557-9DA7-93503BE2C846}"/>
+                  </a:ext>
+                </a:extLst>
+              </p:cNvPr>
+              <p:cNvGrpSpPr/>
+              <p:nvPr/>
+            </p:nvGrpSpPr>
+            <p:grpSpPr>
+              <a:xfrm>
+                <a:off x="5288605" y="3095844"/>
+                <a:ext cx="372338" cy="1107628"/>
+                <a:chOff x="5312710" y="3149316"/>
+                <a:chExt cx="372338" cy="1107628"/>
+              </a:xfrm>
+            </p:grpSpPr>
+            <p:pic>
+              <p:nvPicPr>
+                <p:cNvPr id="79" name="Picture 78">
+                  <a:extLst>
+                    <a:ext uri="{FF2B5EF4-FFF2-40B4-BE49-F238E27FC236}">
+                      <a16:creationId xmlns:a16="http://schemas.microsoft.com/office/drawing/2014/main" id="{62AD3807-F9ED-41CD-9861-034DEEBA74A3}"/>
+                    </a:ext>
+                  </a:extLst>
+                </p:cNvPr>
+                <p:cNvPicPr>
+                  <a:picLocks noChangeAspect="1"/>
+                </p:cNvPicPr>
+                <p:nvPr/>
+              </p:nvPicPr>
+              <p:blipFill>
+                <a:blip r:embed="rId7"/>
+                <a:stretch>
+                  <a:fillRect/>
+                </a:stretch>
+              </p:blipFill>
+              <p:spPr>
+                <a:xfrm>
+                  <a:off x="5320715" y="3149316"/>
+                  <a:ext cx="364333" cy="310358"/>
+                </a:xfrm>
+                <a:prstGeom prst="rect">
+                  <a:avLst/>
+                </a:prstGeom>
+              </p:spPr>
+            </p:pic>
+            <p:pic>
+              <p:nvPicPr>
+                <p:cNvPr id="80" name="Picture 79">
+                  <a:extLst>
+                    <a:ext uri="{FF2B5EF4-FFF2-40B4-BE49-F238E27FC236}">
+                      <a16:creationId xmlns:a16="http://schemas.microsoft.com/office/drawing/2014/main" id="{B349BD5F-9661-40D8-95DF-390494EE4694}"/>
+                    </a:ext>
+                  </a:extLst>
+                </p:cNvPr>
+                <p:cNvPicPr>
+                  <a:picLocks noChangeAspect="1"/>
+                </p:cNvPicPr>
+                <p:nvPr/>
+              </p:nvPicPr>
+              <p:blipFill>
+                <a:blip r:embed="rId7"/>
+                <a:stretch>
+                  <a:fillRect/>
+                </a:stretch>
+              </p:blipFill>
+              <p:spPr>
+                <a:xfrm rot="10800000">
+                  <a:off x="5312710" y="3946586"/>
+                  <a:ext cx="364333" cy="310358"/>
+                </a:xfrm>
+                <a:prstGeom prst="rect">
+                  <a:avLst/>
+                </a:prstGeom>
+              </p:spPr>
+            </p:pic>
+          </p:grpSp>
+          <p:grpSp>
+            <p:nvGrpSpPr>
+              <p:cNvPr id="143" name="Group 142">
+                <a:extLst>
+                  <a:ext uri="{FF2B5EF4-FFF2-40B4-BE49-F238E27FC236}">
+                    <a16:creationId xmlns:a16="http://schemas.microsoft.com/office/drawing/2014/main" id="{D6C58A04-5D8F-4378-98C9-276801BEBE5F}"/>
+                  </a:ext>
+                </a:extLst>
+              </p:cNvPr>
+              <p:cNvGrpSpPr>
+                <a:grpSpLocks noChangeAspect="1"/>
+              </p:cNvGrpSpPr>
+              <p:nvPr/>
+            </p:nvGrpSpPr>
+            <p:grpSpPr>
+              <a:xfrm>
+                <a:off x="5535807" y="3427390"/>
+                <a:ext cx="411354" cy="384105"/>
+                <a:chOff x="9887936" y="2577787"/>
+                <a:chExt cx="734553" cy="685899"/>
+              </a:xfrm>
+            </p:grpSpPr>
+            <p:sp>
+              <p:nvSpPr>
+                <p:cNvPr id="116" name="Pentagon 115">
+                  <a:extLst>
+                    <a:ext uri="{FF2B5EF4-FFF2-40B4-BE49-F238E27FC236}">
+                      <a16:creationId xmlns:a16="http://schemas.microsoft.com/office/drawing/2014/main" id="{A1991EDF-F3FD-4914-A88C-9D7AA038EEE3}"/>
+                    </a:ext>
+                  </a:extLst>
+                </p:cNvPr>
+                <p:cNvSpPr/>
+                <p:nvPr/>
+              </p:nvSpPr>
+              <p:spPr>
+                <a:xfrm rot="10800000">
+                  <a:off x="9921953" y="2618619"/>
+                  <a:ext cx="669037" cy="610813"/>
+                </a:xfrm>
+                <a:prstGeom prst="pentagon">
+                  <a:avLst/>
+                </a:prstGeom>
+                <a:solidFill>
+                  <a:schemeClr val="bg1"/>
+                </a:solidFill>
+                <a:ln w="12700">
+                  <a:solidFill>
+                    <a:schemeClr val="accent6">
+                      <a:lumMod val="75000"/>
+                    </a:schemeClr>
+                  </a:solidFill>
+                </a:ln>
+              </p:spPr>
+              <p:style>
+                <a:lnRef idx="2">
+                  <a:schemeClr val="accent1">
+                    <a:shade val="50000"/>
+                  </a:schemeClr>
+                </a:lnRef>
+                <a:fillRef idx="1">
+                  <a:schemeClr val="accent1"/>
+                </a:fillRef>
+                <a:effectRef idx="0">
+                  <a:schemeClr val="accent1"/>
+                </a:effectRef>
+                <a:fontRef idx="minor">
+                  <a:schemeClr val="lt1"/>
+                </a:fontRef>
+              </p:style>
+              <p:txBody>
+                <a:bodyPr rtlCol="0" anchor="ctr"/>
+                <a:lstStyle/>
+                <a:p>
+                  <a:pPr algn="ctr"/>
+                  <a:endParaRPr lang="en-GB" noProof="1"/>
+                </a:p>
+              </p:txBody>
+            </p:sp>
+            <p:sp>
+              <p:nvSpPr>
+                <p:cNvPr id="118" name="Flowchart: Connector 117">
+                  <a:extLst>
+                    <a:ext uri="{FF2B5EF4-FFF2-40B4-BE49-F238E27FC236}">
+                      <a16:creationId xmlns:a16="http://schemas.microsoft.com/office/drawing/2014/main" id="{A47800A1-F291-4452-9DCC-35B13BCAA98B}"/>
+                    </a:ext>
+                  </a:extLst>
+                </p:cNvPr>
+                <p:cNvSpPr/>
+                <p:nvPr/>
+              </p:nvSpPr>
+              <p:spPr>
+                <a:xfrm>
+                  <a:off x="10003749" y="2584364"/>
+                  <a:ext cx="100323" cy="100323"/>
+                </a:xfrm>
+                <a:prstGeom prst="flowChartConnector">
+                  <a:avLst/>
+                </a:prstGeom>
+                <a:solidFill>
+                  <a:schemeClr val="accent6">
+                    <a:lumMod val="75000"/>
+                  </a:schemeClr>
+                </a:solidFill>
+                <a:ln>
+                  <a:solidFill>
+                    <a:schemeClr val="accent6">
+                      <a:lumMod val="75000"/>
+                    </a:schemeClr>
+                  </a:solidFill>
+                </a:ln>
+              </p:spPr>
+              <p:style>
+                <a:lnRef idx="2">
+                  <a:schemeClr val="accent1">
+                    <a:shade val="50000"/>
+                  </a:schemeClr>
+                </a:lnRef>
+                <a:fillRef idx="1">
+                  <a:schemeClr val="accent1"/>
+                </a:fillRef>
+                <a:effectRef idx="0">
+                  <a:schemeClr val="accent1"/>
+                </a:effectRef>
+                <a:fontRef idx="minor">
+                  <a:schemeClr val="lt1"/>
+                </a:fontRef>
+              </p:style>
+              <p:txBody>
+                <a:bodyPr rtlCol="0" anchor="ctr"/>
+                <a:lstStyle/>
+                <a:p>
+                  <a:pPr algn="ctr"/>
+                  <a:endParaRPr lang="en-GB" noProof="1"/>
+                </a:p>
+              </p:txBody>
+            </p:sp>
+            <p:sp>
+              <p:nvSpPr>
+                <p:cNvPr id="120" name="Flowchart: Connector 119">
+                  <a:extLst>
+                    <a:ext uri="{FF2B5EF4-FFF2-40B4-BE49-F238E27FC236}">
+                      <a16:creationId xmlns:a16="http://schemas.microsoft.com/office/drawing/2014/main" id="{007E91D8-C405-4CA4-A948-C978454336EF}"/>
+                    </a:ext>
+                  </a:extLst>
+                </p:cNvPr>
+                <p:cNvSpPr/>
+                <p:nvPr/>
+              </p:nvSpPr>
+              <p:spPr>
+                <a:xfrm>
+                  <a:off x="10206309" y="3163363"/>
+                  <a:ext cx="100323" cy="100323"/>
+                </a:xfrm>
+                <a:prstGeom prst="flowChartConnector">
+                  <a:avLst/>
+                </a:prstGeom>
+                <a:solidFill>
+                  <a:schemeClr val="accent6">
+                    <a:lumMod val="75000"/>
+                  </a:schemeClr>
+                </a:solidFill>
+                <a:ln>
+                  <a:solidFill>
+                    <a:schemeClr val="accent6">
+                      <a:lumMod val="75000"/>
+                    </a:schemeClr>
+                  </a:solidFill>
+                </a:ln>
+              </p:spPr>
+              <p:style>
+                <a:lnRef idx="2">
+                  <a:schemeClr val="accent1">
+                    <a:shade val="50000"/>
+                  </a:schemeClr>
+                </a:lnRef>
+                <a:fillRef idx="1">
+                  <a:schemeClr val="accent1"/>
+                </a:fillRef>
+                <a:effectRef idx="0">
+                  <a:schemeClr val="accent1"/>
+                </a:effectRef>
+                <a:fontRef idx="minor">
+                  <a:schemeClr val="lt1"/>
+                </a:fontRef>
+              </p:style>
+              <p:txBody>
+                <a:bodyPr rtlCol="0" anchor="ctr"/>
+                <a:lstStyle/>
+                <a:p>
+                  <a:pPr algn="ctr"/>
+                  <a:endParaRPr lang="en-GB" noProof="1"/>
+                </a:p>
+              </p:txBody>
+            </p:sp>
+            <p:sp>
+              <p:nvSpPr>
+                <p:cNvPr id="121" name="Flowchart: Connector 120">
+                  <a:extLst>
+                    <a:ext uri="{FF2B5EF4-FFF2-40B4-BE49-F238E27FC236}">
+                      <a16:creationId xmlns:a16="http://schemas.microsoft.com/office/drawing/2014/main" id="{0CDA5D7A-12A5-45BF-AA8C-3320641FC43F}"/>
+                    </a:ext>
+                  </a:extLst>
+                </p:cNvPr>
+                <p:cNvSpPr/>
+                <p:nvPr/>
+              </p:nvSpPr>
+              <p:spPr>
+                <a:xfrm>
+                  <a:off x="10412669" y="2577787"/>
+                  <a:ext cx="100323" cy="100323"/>
+                </a:xfrm>
+                <a:prstGeom prst="flowChartConnector">
+                  <a:avLst/>
+                </a:prstGeom>
+                <a:solidFill>
+                  <a:schemeClr val="accent6">
+                    <a:lumMod val="75000"/>
+                  </a:schemeClr>
+                </a:solidFill>
+                <a:ln>
+                  <a:solidFill>
+                    <a:schemeClr val="accent6">
+                      <a:lumMod val="75000"/>
+                    </a:schemeClr>
+                  </a:solidFill>
+                </a:ln>
+              </p:spPr>
+              <p:style>
+                <a:lnRef idx="2">
+                  <a:schemeClr val="accent1">
+                    <a:shade val="50000"/>
+                  </a:schemeClr>
+                </a:lnRef>
+                <a:fillRef idx="1">
+                  <a:schemeClr val="accent1"/>
+                </a:fillRef>
+                <a:effectRef idx="0">
+                  <a:schemeClr val="accent1"/>
+                </a:effectRef>
+                <a:fontRef idx="minor">
+                  <a:schemeClr val="lt1"/>
+                </a:fontRef>
+              </p:style>
+              <p:txBody>
+                <a:bodyPr rtlCol="0" anchor="ctr"/>
+                <a:lstStyle/>
+                <a:p>
+                  <a:pPr algn="ctr"/>
+                  <a:endParaRPr lang="en-GB" noProof="1"/>
+                </a:p>
+              </p:txBody>
+            </p:sp>
+            <p:sp>
+              <p:nvSpPr>
+                <p:cNvPr id="122" name="Flowchart: Connector 121">
+                  <a:extLst>
+                    <a:ext uri="{FF2B5EF4-FFF2-40B4-BE49-F238E27FC236}">
+                      <a16:creationId xmlns:a16="http://schemas.microsoft.com/office/drawing/2014/main" id="{9EDDA133-C98D-4E2E-9B86-C7ADA713955E}"/>
+                    </a:ext>
+                  </a:extLst>
+                </p:cNvPr>
+                <p:cNvSpPr/>
+                <p:nvPr/>
+              </p:nvSpPr>
+              <p:spPr>
+                <a:xfrm>
+                  <a:off x="9887936" y="2933906"/>
+                  <a:ext cx="100323" cy="100323"/>
+                </a:xfrm>
+                <a:prstGeom prst="flowChartConnector">
+                  <a:avLst/>
+                </a:prstGeom>
+                <a:solidFill>
+                  <a:schemeClr val="accent6">
+                    <a:lumMod val="75000"/>
+                  </a:schemeClr>
+                </a:solidFill>
+                <a:ln>
+                  <a:solidFill>
+                    <a:schemeClr val="accent6">
+                      <a:lumMod val="75000"/>
+                    </a:schemeClr>
+                  </a:solidFill>
+                </a:ln>
+              </p:spPr>
+              <p:style>
+                <a:lnRef idx="2">
+                  <a:schemeClr val="accent1">
+                    <a:shade val="50000"/>
+                  </a:schemeClr>
+                </a:lnRef>
+                <a:fillRef idx="1">
+                  <a:schemeClr val="accent1"/>
+                </a:fillRef>
+                <a:effectRef idx="0">
+                  <a:schemeClr val="accent1"/>
+                </a:effectRef>
+                <a:fontRef idx="minor">
+                  <a:schemeClr val="lt1"/>
+                </a:fontRef>
+              </p:style>
+              <p:txBody>
+                <a:bodyPr rtlCol="0" anchor="ctr"/>
+                <a:lstStyle/>
+                <a:p>
+                  <a:pPr algn="ctr"/>
+                  <a:endParaRPr lang="en-GB" noProof="1"/>
+                </a:p>
+              </p:txBody>
+            </p:sp>
+            <p:sp>
+              <p:nvSpPr>
+                <p:cNvPr id="123" name="Flowchart: Connector 122">
+                  <a:extLst>
+                    <a:ext uri="{FF2B5EF4-FFF2-40B4-BE49-F238E27FC236}">
+                      <a16:creationId xmlns:a16="http://schemas.microsoft.com/office/drawing/2014/main" id="{029F3AE6-1D0D-4EC2-BDB2-61E89C35DAF8}"/>
+                    </a:ext>
+                  </a:extLst>
+                </p:cNvPr>
+                <p:cNvSpPr/>
+                <p:nvPr/>
+              </p:nvSpPr>
+              <p:spPr>
+                <a:xfrm>
+                  <a:off x="10522166" y="2932147"/>
+                  <a:ext cx="100323" cy="100323"/>
+                </a:xfrm>
+                <a:prstGeom prst="flowChartConnector">
+                  <a:avLst/>
+                </a:prstGeom>
+                <a:solidFill>
+                  <a:schemeClr val="accent6">
+                    <a:lumMod val="75000"/>
+                  </a:schemeClr>
+                </a:solidFill>
+                <a:ln>
+                  <a:solidFill>
+                    <a:schemeClr val="accent6">
+                      <a:lumMod val="75000"/>
+                    </a:schemeClr>
+                  </a:solidFill>
+                </a:ln>
+              </p:spPr>
+              <p:style>
+                <a:lnRef idx="2">
+                  <a:schemeClr val="accent1">
+                    <a:shade val="50000"/>
+                  </a:schemeClr>
+                </a:lnRef>
+                <a:fillRef idx="1">
+                  <a:schemeClr val="accent1"/>
+                </a:fillRef>
+                <a:effectRef idx="0">
+                  <a:schemeClr val="accent1"/>
+                </a:effectRef>
+                <a:fontRef idx="minor">
+                  <a:schemeClr val="lt1"/>
+                </a:fontRef>
+              </p:style>
+              <p:txBody>
+                <a:bodyPr rtlCol="0" anchor="ctr"/>
+                <a:lstStyle/>
+                <a:p>
+                  <a:pPr algn="ctr"/>
+                  <a:endParaRPr lang="en-GB" noProof="1"/>
+                </a:p>
+              </p:txBody>
+            </p:sp>
+            <p:cxnSp>
+              <p:nvCxnSpPr>
+                <p:cNvPr id="124" name="Straight Connector 123">
+                  <a:extLst>
+                    <a:ext uri="{FF2B5EF4-FFF2-40B4-BE49-F238E27FC236}">
+                      <a16:creationId xmlns:a16="http://schemas.microsoft.com/office/drawing/2014/main" id="{5D99BC6E-6420-41C4-B7C4-DFA67D1ACA66}"/>
+                    </a:ext>
+                  </a:extLst>
+                </p:cNvPr>
+                <p:cNvCxnSpPr>
+                  <a:cxnSpLocks/>
+                  <a:stCxn id="118" idx="5"/>
+                  <a:endCxn id="123" idx="2"/>
+                </p:cNvCxnSpPr>
+                <p:nvPr/>
+              </p:nvCxnSpPr>
+              <p:spPr>
+                <a:xfrm>
+                  <a:off x="10089380" y="2669995"/>
+                  <a:ext cx="432786" cy="312314"/>
+                </a:xfrm>
+                <a:prstGeom prst="line">
+                  <a:avLst/>
+                </a:prstGeom>
+                <a:ln w="12700">
+                  <a:solidFill>
+                    <a:schemeClr val="accent6">
+                      <a:lumMod val="75000"/>
+                    </a:schemeClr>
+                  </a:solidFill>
+                </a:ln>
+              </p:spPr>
+              <p:style>
+                <a:lnRef idx="1">
+                  <a:schemeClr val="accent1"/>
+                </a:lnRef>
+                <a:fillRef idx="0">
+                  <a:schemeClr val="accent1"/>
+                </a:fillRef>
+                <a:effectRef idx="0">
+                  <a:schemeClr val="accent1"/>
+                </a:effectRef>
+                <a:fontRef idx="minor">
+                  <a:schemeClr val="tx1"/>
+                </a:fontRef>
+              </p:style>
+            </p:cxnSp>
+            <p:cxnSp>
+              <p:nvCxnSpPr>
+                <p:cNvPr id="126" name="Straight Connector 125">
+                  <a:extLst>
+                    <a:ext uri="{FF2B5EF4-FFF2-40B4-BE49-F238E27FC236}">
+                      <a16:creationId xmlns:a16="http://schemas.microsoft.com/office/drawing/2014/main" id="{64AD6DE1-0B37-46AF-BFDE-E5DEF7221DD5}"/>
+                    </a:ext>
+                  </a:extLst>
+                </p:cNvPr>
+                <p:cNvCxnSpPr>
+                  <a:cxnSpLocks/>
+                  <a:stCxn id="118" idx="5"/>
+                  <a:endCxn id="120" idx="0"/>
+                </p:cNvCxnSpPr>
+                <p:nvPr/>
+              </p:nvCxnSpPr>
+              <p:spPr>
+                <a:xfrm>
+                  <a:off x="10089380" y="2669995"/>
+                  <a:ext cx="167091" cy="493368"/>
+                </a:xfrm>
+                <a:prstGeom prst="line">
+                  <a:avLst/>
+                </a:prstGeom>
+                <a:ln w="12700">
+                  <a:solidFill>
+                    <a:schemeClr val="accent6">
+                      <a:lumMod val="75000"/>
+                    </a:schemeClr>
+                  </a:solidFill>
+                </a:ln>
+              </p:spPr>
+              <p:style>
+                <a:lnRef idx="1">
+                  <a:schemeClr val="accent1"/>
+                </a:lnRef>
+                <a:fillRef idx="0">
+                  <a:schemeClr val="accent1"/>
+                </a:fillRef>
+                <a:effectRef idx="0">
+                  <a:schemeClr val="accent1"/>
+                </a:effectRef>
+                <a:fontRef idx="minor">
+                  <a:schemeClr val="tx1"/>
+                </a:fontRef>
+              </p:style>
+            </p:cxnSp>
+            <p:cxnSp>
+              <p:nvCxnSpPr>
+                <p:cNvPr id="127" name="Straight Connector 126">
+                  <a:extLst>
+                    <a:ext uri="{FF2B5EF4-FFF2-40B4-BE49-F238E27FC236}">
+                      <a16:creationId xmlns:a16="http://schemas.microsoft.com/office/drawing/2014/main" id="{02FC2F38-BDFE-4CAB-A490-84A3CBA630F6}"/>
+                    </a:ext>
+                  </a:extLst>
+                </p:cNvPr>
+                <p:cNvCxnSpPr>
+                  <a:cxnSpLocks/>
+                  <a:stCxn id="121" idx="3"/>
+                  <a:endCxn id="122" idx="6"/>
+                </p:cNvCxnSpPr>
+                <p:nvPr/>
+              </p:nvCxnSpPr>
+              <p:spPr>
+                <a:xfrm flipH="1">
+                  <a:off x="9988259" y="2663418"/>
+                  <a:ext cx="439102" cy="320650"/>
+                </a:xfrm>
+                <a:prstGeom prst="line">
+                  <a:avLst/>
+                </a:prstGeom>
+                <a:ln w="12700">
+                  <a:solidFill>
+                    <a:schemeClr val="accent6">
+                      <a:lumMod val="75000"/>
+                    </a:schemeClr>
+                  </a:solidFill>
+                </a:ln>
+              </p:spPr>
+              <p:style>
+                <a:lnRef idx="1">
+                  <a:schemeClr val="accent1"/>
+                </a:lnRef>
+                <a:fillRef idx="0">
+                  <a:schemeClr val="accent1"/>
+                </a:fillRef>
+                <a:effectRef idx="0">
+                  <a:schemeClr val="accent1"/>
+                </a:effectRef>
+                <a:fontRef idx="minor">
+                  <a:schemeClr val="tx1"/>
+                </a:fontRef>
+              </p:style>
+            </p:cxnSp>
+            <p:cxnSp>
+              <p:nvCxnSpPr>
+                <p:cNvPr id="131" name="Straight Connector 130">
+                  <a:extLst>
+                    <a:ext uri="{FF2B5EF4-FFF2-40B4-BE49-F238E27FC236}">
+                      <a16:creationId xmlns:a16="http://schemas.microsoft.com/office/drawing/2014/main" id="{64C7310B-C1E9-40FB-B3BC-F502822411E8}"/>
+                    </a:ext>
+                  </a:extLst>
+                </p:cNvPr>
+                <p:cNvCxnSpPr>
+                  <a:cxnSpLocks/>
+                  <a:stCxn id="122" idx="6"/>
+                  <a:endCxn id="123" idx="2"/>
+                </p:cNvCxnSpPr>
+                <p:nvPr/>
+              </p:nvCxnSpPr>
+              <p:spPr>
+                <a:xfrm flipV="1">
+                  <a:off x="9988258" y="2982309"/>
+                  <a:ext cx="533909" cy="1759"/>
+                </a:xfrm>
+                <a:prstGeom prst="line">
+                  <a:avLst/>
+                </a:prstGeom>
+                <a:ln w="12700">
+                  <a:solidFill>
+                    <a:schemeClr val="accent6">
+                      <a:lumMod val="75000"/>
+                    </a:schemeClr>
+                  </a:solidFill>
+                </a:ln>
+              </p:spPr>
+              <p:style>
+                <a:lnRef idx="1">
+                  <a:schemeClr val="accent1"/>
+                </a:lnRef>
+                <a:fillRef idx="0">
+                  <a:schemeClr val="accent1"/>
+                </a:fillRef>
+                <a:effectRef idx="0">
+                  <a:schemeClr val="accent1"/>
+                </a:effectRef>
+                <a:fontRef idx="minor">
+                  <a:schemeClr val="tx1"/>
+                </a:fontRef>
+              </p:style>
+            </p:cxnSp>
+            <p:cxnSp>
+              <p:nvCxnSpPr>
+                <p:cNvPr id="133" name="Straight Connector 132">
+                  <a:extLst>
+                    <a:ext uri="{FF2B5EF4-FFF2-40B4-BE49-F238E27FC236}">
+                      <a16:creationId xmlns:a16="http://schemas.microsoft.com/office/drawing/2014/main" id="{68165ED5-8AFC-4787-BFCE-EE701821B942}"/>
+                    </a:ext>
+                  </a:extLst>
+                </p:cNvPr>
+                <p:cNvCxnSpPr>
+                  <a:cxnSpLocks/>
+                  <a:stCxn id="121" idx="3"/>
+                  <a:endCxn id="120" idx="0"/>
+                </p:cNvCxnSpPr>
+                <p:nvPr/>
+              </p:nvCxnSpPr>
+              <p:spPr>
+                <a:xfrm flipH="1">
+                  <a:off x="10256471" y="2663418"/>
+                  <a:ext cx="170890" cy="499945"/>
+                </a:xfrm>
+                <a:prstGeom prst="line">
+                  <a:avLst/>
+                </a:prstGeom>
+                <a:ln w="12700">
+                  <a:solidFill>
+                    <a:schemeClr val="accent6">
+                      <a:lumMod val="75000"/>
+                    </a:schemeClr>
+                  </a:solidFill>
+                </a:ln>
+              </p:spPr>
+              <p:style>
+                <a:lnRef idx="1">
+                  <a:schemeClr val="accent1"/>
+                </a:lnRef>
+                <a:fillRef idx="0">
+                  <a:schemeClr val="accent1"/>
+                </a:fillRef>
+                <a:effectRef idx="0">
+                  <a:schemeClr val="accent1"/>
+                </a:effectRef>
+                <a:fontRef idx="minor">
+                  <a:schemeClr val="tx1"/>
+                </a:fontRef>
+              </p:style>
+            </p:cxnSp>
+          </p:grpSp>
+          <p:grpSp>
+            <p:nvGrpSpPr>
+              <p:cNvPr id="178" name="Group 177">
+                <a:extLst>
+                  <a:ext uri="{FF2B5EF4-FFF2-40B4-BE49-F238E27FC236}">
+                    <a16:creationId xmlns:a16="http://schemas.microsoft.com/office/drawing/2014/main" id="{90FC9782-C6E4-4422-A2C6-10E1AF34EF3E}"/>
+                  </a:ext>
+                </a:extLst>
+              </p:cNvPr>
+              <p:cNvGrpSpPr>
+                <a:grpSpLocks noChangeAspect="1"/>
+              </p:cNvGrpSpPr>
+              <p:nvPr/>
+            </p:nvGrpSpPr>
+            <p:grpSpPr>
+              <a:xfrm>
+                <a:off x="4988518" y="3427146"/>
+                <a:ext cx="411354" cy="384105"/>
+                <a:chOff x="9887936" y="2577787"/>
+                <a:chExt cx="734553" cy="685899"/>
+              </a:xfrm>
+            </p:grpSpPr>
+            <p:sp>
+              <p:nvSpPr>
+                <p:cNvPr id="179" name="Pentagon 178">
+                  <a:extLst>
+                    <a:ext uri="{FF2B5EF4-FFF2-40B4-BE49-F238E27FC236}">
+                      <a16:creationId xmlns:a16="http://schemas.microsoft.com/office/drawing/2014/main" id="{0BB5D74B-35A7-4CA5-91F3-6BC2314A51E9}"/>
+                    </a:ext>
+                  </a:extLst>
+                </p:cNvPr>
+                <p:cNvSpPr/>
+                <p:nvPr/>
+              </p:nvSpPr>
+              <p:spPr>
+                <a:xfrm rot="10800000">
+                  <a:off x="9921953" y="2618619"/>
+                  <a:ext cx="669037" cy="610813"/>
+                </a:xfrm>
+                <a:prstGeom prst="pentagon">
+                  <a:avLst/>
+                </a:prstGeom>
+                <a:solidFill>
+                  <a:schemeClr val="bg1"/>
+                </a:solidFill>
+                <a:ln w="12700">
+                  <a:solidFill>
+                    <a:srgbClr val="0040C0"/>
+                  </a:solidFill>
+                </a:ln>
+              </p:spPr>
+              <p:style>
+                <a:lnRef idx="2">
+                  <a:schemeClr val="accent1">
+                    <a:shade val="50000"/>
+                  </a:schemeClr>
+                </a:lnRef>
+                <a:fillRef idx="1">
+                  <a:schemeClr val="accent1"/>
+                </a:fillRef>
+                <a:effectRef idx="0">
+                  <a:schemeClr val="accent1"/>
+                </a:effectRef>
+                <a:fontRef idx="minor">
+                  <a:schemeClr val="lt1"/>
+                </a:fontRef>
+              </p:style>
+              <p:txBody>
+                <a:bodyPr rtlCol="0" anchor="ctr"/>
+                <a:lstStyle/>
+                <a:p>
+                  <a:pPr algn="ctr"/>
+                  <a:endParaRPr lang="en-GB" noProof="1"/>
+                </a:p>
+              </p:txBody>
+            </p:sp>
+            <p:sp>
+              <p:nvSpPr>
+                <p:cNvPr id="180" name="Flowchart: Connector 179">
+                  <a:extLst>
+                    <a:ext uri="{FF2B5EF4-FFF2-40B4-BE49-F238E27FC236}">
+                      <a16:creationId xmlns:a16="http://schemas.microsoft.com/office/drawing/2014/main" id="{B3E8BEC9-4D23-4534-9CC0-9757FF101F32}"/>
+                    </a:ext>
+                  </a:extLst>
+                </p:cNvPr>
+                <p:cNvSpPr/>
+                <p:nvPr/>
+              </p:nvSpPr>
+              <p:spPr>
+                <a:xfrm>
+                  <a:off x="10003749" y="2584364"/>
+                  <a:ext cx="100323" cy="100323"/>
+                </a:xfrm>
+                <a:prstGeom prst="flowChartConnector">
+                  <a:avLst/>
+                </a:prstGeom>
+                <a:solidFill>
+                  <a:srgbClr val="0040C0"/>
+                </a:solidFill>
+                <a:ln>
+                  <a:solidFill>
+                    <a:srgbClr val="0040C0"/>
+                  </a:solidFill>
+                </a:ln>
+              </p:spPr>
+              <p:style>
+                <a:lnRef idx="2">
+                  <a:schemeClr val="accent1">
+                    <a:shade val="50000"/>
+                  </a:schemeClr>
+                </a:lnRef>
+                <a:fillRef idx="1">
+                  <a:schemeClr val="accent1"/>
+                </a:fillRef>
+                <a:effectRef idx="0">
+                  <a:schemeClr val="accent1"/>
+                </a:effectRef>
+                <a:fontRef idx="minor">
+                  <a:schemeClr val="lt1"/>
+                </a:fontRef>
+              </p:style>
+              <p:txBody>
+                <a:bodyPr rtlCol="0" anchor="ctr"/>
+                <a:lstStyle/>
+                <a:p>
+                  <a:pPr algn="ctr"/>
+                  <a:endParaRPr lang="en-GB" noProof="1"/>
+                </a:p>
+              </p:txBody>
+            </p:sp>
+            <p:sp>
+              <p:nvSpPr>
+                <p:cNvPr id="181" name="Flowchart: Connector 180">
+                  <a:extLst>
+                    <a:ext uri="{FF2B5EF4-FFF2-40B4-BE49-F238E27FC236}">
+                      <a16:creationId xmlns:a16="http://schemas.microsoft.com/office/drawing/2014/main" id="{DA511C3B-5D6E-4AD7-955D-0E9662774161}"/>
+                    </a:ext>
+                  </a:extLst>
+                </p:cNvPr>
+                <p:cNvSpPr/>
+                <p:nvPr/>
+              </p:nvSpPr>
+              <p:spPr>
+                <a:xfrm>
+                  <a:off x="10206309" y="3163363"/>
+                  <a:ext cx="100323" cy="100323"/>
+                </a:xfrm>
+                <a:prstGeom prst="flowChartConnector">
+                  <a:avLst/>
+                </a:prstGeom>
+                <a:solidFill>
+                  <a:srgbClr val="0040C0"/>
+                </a:solidFill>
+                <a:ln>
+                  <a:solidFill>
+                    <a:srgbClr val="0040C0"/>
+                  </a:solidFill>
+                </a:ln>
+              </p:spPr>
+              <p:style>
+                <a:lnRef idx="2">
+                  <a:schemeClr val="accent1">
+                    <a:shade val="50000"/>
+                  </a:schemeClr>
+                </a:lnRef>
+                <a:fillRef idx="1">
+                  <a:schemeClr val="accent1"/>
+                </a:fillRef>
+                <a:effectRef idx="0">
+                  <a:schemeClr val="accent1"/>
+                </a:effectRef>
+                <a:fontRef idx="minor">
+                  <a:schemeClr val="lt1"/>
+                </a:fontRef>
+              </p:style>
+              <p:txBody>
+                <a:bodyPr rtlCol="0" anchor="ctr"/>
+                <a:lstStyle/>
+                <a:p>
+                  <a:pPr algn="ctr"/>
+                  <a:endParaRPr lang="en-GB" noProof="1"/>
+                </a:p>
+              </p:txBody>
+            </p:sp>
+            <p:sp>
+              <p:nvSpPr>
+                <p:cNvPr id="182" name="Flowchart: Connector 181">
+                  <a:extLst>
+                    <a:ext uri="{FF2B5EF4-FFF2-40B4-BE49-F238E27FC236}">
+                      <a16:creationId xmlns:a16="http://schemas.microsoft.com/office/drawing/2014/main" id="{C47775ED-F0C6-4555-9907-E656FACC594F}"/>
+                    </a:ext>
+                  </a:extLst>
+                </p:cNvPr>
+                <p:cNvSpPr/>
+                <p:nvPr/>
+              </p:nvSpPr>
+              <p:spPr>
+                <a:xfrm>
+                  <a:off x="10412669" y="2577787"/>
+                  <a:ext cx="100323" cy="100323"/>
+                </a:xfrm>
+                <a:prstGeom prst="flowChartConnector">
+                  <a:avLst/>
+                </a:prstGeom>
+                <a:solidFill>
+                  <a:srgbClr val="0040C0"/>
+                </a:solidFill>
+                <a:ln>
+                  <a:solidFill>
+                    <a:srgbClr val="0040C0"/>
+                  </a:solidFill>
+                </a:ln>
+              </p:spPr>
+              <p:style>
+                <a:lnRef idx="2">
+                  <a:schemeClr val="accent1">
+                    <a:shade val="50000"/>
+                  </a:schemeClr>
+                </a:lnRef>
+                <a:fillRef idx="1">
+                  <a:schemeClr val="accent1"/>
+                </a:fillRef>
+                <a:effectRef idx="0">
+                  <a:schemeClr val="accent1"/>
+                </a:effectRef>
+                <a:fontRef idx="minor">
+                  <a:schemeClr val="lt1"/>
+                </a:fontRef>
+              </p:style>
+              <p:txBody>
+                <a:bodyPr rtlCol="0" anchor="ctr"/>
+                <a:lstStyle/>
+                <a:p>
+                  <a:pPr algn="ctr"/>
+                  <a:endParaRPr lang="en-GB" noProof="1"/>
+                </a:p>
+              </p:txBody>
+            </p:sp>
+            <p:sp>
+              <p:nvSpPr>
+                <p:cNvPr id="183" name="Flowchart: Connector 182">
+                  <a:extLst>
+                    <a:ext uri="{FF2B5EF4-FFF2-40B4-BE49-F238E27FC236}">
+                      <a16:creationId xmlns:a16="http://schemas.microsoft.com/office/drawing/2014/main" id="{F488F1AE-CAB5-4E22-B011-A87224AEB059}"/>
+                    </a:ext>
+                  </a:extLst>
+                </p:cNvPr>
+                <p:cNvSpPr/>
+                <p:nvPr/>
+              </p:nvSpPr>
+              <p:spPr>
+                <a:xfrm>
+                  <a:off x="9887936" y="2933906"/>
+                  <a:ext cx="100323" cy="100323"/>
+                </a:xfrm>
+                <a:prstGeom prst="flowChartConnector">
+                  <a:avLst/>
+                </a:prstGeom>
+                <a:solidFill>
+                  <a:srgbClr val="0040C0"/>
+                </a:solidFill>
+                <a:ln>
+                  <a:solidFill>
+                    <a:srgbClr val="0040C0"/>
+                  </a:solidFill>
+                </a:ln>
+              </p:spPr>
+              <p:style>
+                <a:lnRef idx="2">
+                  <a:schemeClr val="accent1">
+                    <a:shade val="50000"/>
+                  </a:schemeClr>
+                </a:lnRef>
+                <a:fillRef idx="1">
+                  <a:schemeClr val="accent1"/>
+                </a:fillRef>
+                <a:effectRef idx="0">
+                  <a:schemeClr val="accent1"/>
+                </a:effectRef>
+                <a:fontRef idx="minor">
+                  <a:schemeClr val="lt1"/>
+                </a:fontRef>
+              </p:style>
+              <p:txBody>
+                <a:bodyPr rtlCol="0" anchor="ctr"/>
+                <a:lstStyle/>
+                <a:p>
+                  <a:pPr algn="ctr"/>
+                  <a:endParaRPr lang="en-GB" noProof="1"/>
+                </a:p>
+              </p:txBody>
+            </p:sp>
+            <p:sp>
+              <p:nvSpPr>
+                <p:cNvPr id="184" name="Flowchart: Connector 183">
+                  <a:extLst>
+                    <a:ext uri="{FF2B5EF4-FFF2-40B4-BE49-F238E27FC236}">
+                      <a16:creationId xmlns:a16="http://schemas.microsoft.com/office/drawing/2014/main" id="{C424D5F4-5B30-4445-933E-976B1129767B}"/>
+                    </a:ext>
+                  </a:extLst>
+                </p:cNvPr>
+                <p:cNvSpPr/>
+                <p:nvPr/>
+              </p:nvSpPr>
+              <p:spPr>
+                <a:xfrm>
+                  <a:off x="10522166" y="2932147"/>
+                  <a:ext cx="100323" cy="100323"/>
+                </a:xfrm>
+                <a:prstGeom prst="flowChartConnector">
+                  <a:avLst/>
+                </a:prstGeom>
+                <a:solidFill>
+                  <a:srgbClr val="0040C0"/>
+                </a:solidFill>
+                <a:ln>
+                  <a:solidFill>
+                    <a:srgbClr val="0040C0"/>
+                  </a:solidFill>
+                </a:ln>
+              </p:spPr>
+              <p:style>
+                <a:lnRef idx="2">
+                  <a:schemeClr val="accent1">
+                    <a:shade val="50000"/>
+                  </a:schemeClr>
+                </a:lnRef>
+                <a:fillRef idx="1">
+                  <a:schemeClr val="accent1"/>
+                </a:fillRef>
+                <a:effectRef idx="0">
+                  <a:schemeClr val="accent1"/>
+                </a:effectRef>
+                <a:fontRef idx="minor">
+                  <a:schemeClr val="lt1"/>
+                </a:fontRef>
+              </p:style>
+              <p:txBody>
+                <a:bodyPr rtlCol="0" anchor="ctr"/>
+                <a:lstStyle/>
+                <a:p>
+                  <a:pPr algn="ctr"/>
+                  <a:endParaRPr lang="en-GB" noProof="1"/>
+                </a:p>
+              </p:txBody>
+            </p:sp>
+            <p:cxnSp>
+              <p:nvCxnSpPr>
+                <p:cNvPr id="185" name="Straight Connector 184">
+                  <a:extLst>
+                    <a:ext uri="{FF2B5EF4-FFF2-40B4-BE49-F238E27FC236}">
+                      <a16:creationId xmlns:a16="http://schemas.microsoft.com/office/drawing/2014/main" id="{E14526A3-D093-43C4-91C2-7A6970061B89}"/>
+                    </a:ext>
+                  </a:extLst>
+                </p:cNvPr>
+                <p:cNvCxnSpPr>
+                  <a:cxnSpLocks/>
+                  <a:stCxn id="180" idx="5"/>
+                  <a:endCxn id="184" idx="2"/>
+                </p:cNvCxnSpPr>
+                <p:nvPr/>
+              </p:nvCxnSpPr>
+              <p:spPr>
+                <a:xfrm>
+                  <a:off x="10089380" y="2669995"/>
+                  <a:ext cx="432786" cy="312314"/>
+                </a:xfrm>
+                <a:prstGeom prst="line">
+                  <a:avLst/>
+                </a:prstGeom>
+                <a:ln w="12700">
+                  <a:solidFill>
+                    <a:srgbClr val="0040C0"/>
+                  </a:solidFill>
+                </a:ln>
+              </p:spPr>
+              <p:style>
+                <a:lnRef idx="1">
+                  <a:schemeClr val="accent1"/>
+                </a:lnRef>
+                <a:fillRef idx="0">
+                  <a:schemeClr val="accent1"/>
+                </a:fillRef>
+                <a:effectRef idx="0">
+                  <a:schemeClr val="accent1"/>
+                </a:effectRef>
+                <a:fontRef idx="minor">
+                  <a:schemeClr val="tx1"/>
+                </a:fontRef>
+              </p:style>
+            </p:cxnSp>
+            <p:cxnSp>
+              <p:nvCxnSpPr>
+                <p:cNvPr id="186" name="Straight Connector 185">
+                  <a:extLst>
+                    <a:ext uri="{FF2B5EF4-FFF2-40B4-BE49-F238E27FC236}">
+                      <a16:creationId xmlns:a16="http://schemas.microsoft.com/office/drawing/2014/main" id="{0B53DBB1-9BF3-4EDD-8986-D5AEF35C8F38}"/>
+                    </a:ext>
+                  </a:extLst>
+                </p:cNvPr>
+                <p:cNvCxnSpPr>
+                  <a:cxnSpLocks/>
+                  <a:stCxn id="180" idx="5"/>
+                  <a:endCxn id="181" idx="0"/>
+                </p:cNvCxnSpPr>
+                <p:nvPr/>
+              </p:nvCxnSpPr>
+              <p:spPr>
+                <a:xfrm>
+                  <a:off x="10089380" y="2669995"/>
+                  <a:ext cx="167091" cy="493368"/>
+                </a:xfrm>
+                <a:prstGeom prst="line">
+                  <a:avLst/>
+                </a:prstGeom>
+                <a:ln w="12700">
+                  <a:solidFill>
+                    <a:srgbClr val="0040C0"/>
+                  </a:solidFill>
+                </a:ln>
+              </p:spPr>
+              <p:style>
+                <a:lnRef idx="1">
+                  <a:schemeClr val="accent1"/>
+                </a:lnRef>
+                <a:fillRef idx="0">
+                  <a:schemeClr val="accent1"/>
+                </a:fillRef>
+                <a:effectRef idx="0">
+                  <a:schemeClr val="accent1"/>
+                </a:effectRef>
+                <a:fontRef idx="minor">
+                  <a:schemeClr val="tx1"/>
+                </a:fontRef>
+              </p:style>
+            </p:cxnSp>
+            <p:cxnSp>
+              <p:nvCxnSpPr>
+                <p:cNvPr id="187" name="Straight Connector 186">
+                  <a:extLst>
+                    <a:ext uri="{FF2B5EF4-FFF2-40B4-BE49-F238E27FC236}">
+                      <a16:creationId xmlns:a16="http://schemas.microsoft.com/office/drawing/2014/main" id="{3834C06B-F37B-45AB-9082-8FA1EDBE3D0B}"/>
+                    </a:ext>
+                  </a:extLst>
+                </p:cNvPr>
+                <p:cNvCxnSpPr>
+                  <a:cxnSpLocks/>
+                  <a:stCxn id="182" idx="3"/>
+                  <a:endCxn id="183" idx="6"/>
+                </p:cNvCxnSpPr>
+                <p:nvPr/>
+              </p:nvCxnSpPr>
+              <p:spPr>
+                <a:xfrm flipH="1">
+                  <a:off x="9988259" y="2663418"/>
+                  <a:ext cx="439102" cy="320650"/>
+                </a:xfrm>
+                <a:prstGeom prst="line">
+                  <a:avLst/>
+                </a:prstGeom>
+                <a:ln w="12700">
+                  <a:solidFill>
+                    <a:srgbClr val="0040C0"/>
+                  </a:solidFill>
+                </a:ln>
+              </p:spPr>
+              <p:style>
+                <a:lnRef idx="1">
+                  <a:schemeClr val="accent1"/>
+                </a:lnRef>
+                <a:fillRef idx="0">
+                  <a:schemeClr val="accent1"/>
+                </a:fillRef>
+                <a:effectRef idx="0">
+                  <a:schemeClr val="accent1"/>
+                </a:effectRef>
+                <a:fontRef idx="minor">
+                  <a:schemeClr val="tx1"/>
+                </a:fontRef>
+              </p:style>
+            </p:cxnSp>
+            <p:cxnSp>
+              <p:nvCxnSpPr>
+                <p:cNvPr id="188" name="Straight Connector 187">
+                  <a:extLst>
+                    <a:ext uri="{FF2B5EF4-FFF2-40B4-BE49-F238E27FC236}">
+                      <a16:creationId xmlns:a16="http://schemas.microsoft.com/office/drawing/2014/main" id="{39EFCBCB-4987-45CC-A30D-F0EA93F7B28D}"/>
+                    </a:ext>
+                  </a:extLst>
+                </p:cNvPr>
+                <p:cNvCxnSpPr>
+                  <a:cxnSpLocks/>
+                  <a:stCxn id="183" idx="6"/>
+                  <a:endCxn id="184" idx="6"/>
+                </p:cNvCxnSpPr>
+                <p:nvPr/>
+              </p:nvCxnSpPr>
+              <p:spPr>
+                <a:xfrm flipV="1">
+                  <a:off x="9988259" y="2982309"/>
+                  <a:ext cx="634230" cy="1759"/>
+                </a:xfrm>
+                <a:prstGeom prst="line">
+                  <a:avLst/>
+                </a:prstGeom>
+                <a:ln w="12700">
+                  <a:solidFill>
+                    <a:srgbClr val="0040C0"/>
+                  </a:solidFill>
+                </a:ln>
+              </p:spPr>
+              <p:style>
+                <a:lnRef idx="1">
+                  <a:schemeClr val="accent1"/>
+                </a:lnRef>
+                <a:fillRef idx="0">
+                  <a:schemeClr val="accent1"/>
+                </a:fillRef>
+                <a:effectRef idx="0">
+                  <a:schemeClr val="accent1"/>
+                </a:effectRef>
+                <a:fontRef idx="minor">
+                  <a:schemeClr val="tx1"/>
+                </a:fontRef>
+              </p:style>
+            </p:cxnSp>
+            <p:cxnSp>
+              <p:nvCxnSpPr>
+                <p:cNvPr id="189" name="Straight Connector 188">
+                  <a:extLst>
+                    <a:ext uri="{FF2B5EF4-FFF2-40B4-BE49-F238E27FC236}">
+                      <a16:creationId xmlns:a16="http://schemas.microsoft.com/office/drawing/2014/main" id="{0D35BB1C-0F1D-48AA-8D18-948B60DCA53C}"/>
+                    </a:ext>
+                  </a:extLst>
+                </p:cNvPr>
+                <p:cNvCxnSpPr>
+                  <a:cxnSpLocks/>
+                  <a:stCxn id="182" idx="3"/>
+                  <a:endCxn id="181" idx="0"/>
+                </p:cNvCxnSpPr>
+                <p:nvPr/>
+              </p:nvCxnSpPr>
+              <p:spPr>
+                <a:xfrm flipH="1">
+                  <a:off x="10256471" y="2663418"/>
+                  <a:ext cx="170890" cy="499945"/>
+                </a:xfrm>
+                <a:prstGeom prst="line">
+                  <a:avLst/>
+                </a:prstGeom>
+                <a:ln w="12700">
+                  <a:solidFill>
+                    <a:srgbClr val="0040C0"/>
+                  </a:solidFill>
+                </a:ln>
+              </p:spPr>
+              <p:style>
+                <a:lnRef idx="1">
+                  <a:schemeClr val="accent1"/>
+                </a:lnRef>
+                <a:fillRef idx="0">
+                  <a:schemeClr val="accent1"/>
+                </a:fillRef>
+                <a:effectRef idx="0">
+                  <a:schemeClr val="accent1"/>
+                </a:effectRef>
+                <a:fontRef idx="minor">
+                  <a:schemeClr val="tx1"/>
+                </a:fontRef>
+              </p:style>
+            </p:cxnSp>
+          </p:grpSp>
+          <p:sp>
+            <p:nvSpPr>
+              <p:cNvPr id="190" name="TextBox 189">
+                <a:extLst>
+                  <a:ext uri="{FF2B5EF4-FFF2-40B4-BE49-F238E27FC236}">
+                    <a16:creationId xmlns:a16="http://schemas.microsoft.com/office/drawing/2014/main" id="{7E15F288-D5F6-45E5-BBD6-2CE07E1D6180}"/>
+                  </a:ext>
+                </a:extLst>
+              </p:cNvPr>
+              <p:cNvSpPr txBox="1"/>
+              <p:nvPr/>
+            </p:nvSpPr>
+            <p:spPr>
+              <a:xfrm>
+                <a:off x="4513165" y="3748346"/>
+                <a:ext cx="846706" cy="400110"/>
+              </a:xfrm>
+              <a:prstGeom prst="rect">
+                <a:avLst/>
+              </a:prstGeom>
+              <a:noFill/>
+            </p:spPr>
+            <p:txBody>
+              <a:bodyPr wrap="none" rtlCol="0">
+                <a:spAutoFit/>
+              </a:bodyPr>
+              <a:lstStyle/>
+              <a:p>
+                <a:pPr algn="ctr"/>
+                <a:r>
+                  <a:rPr lang="en-GB" sz="1000" noProof="1">
+                    <a:solidFill>
+                      <a:srgbClr val="0040C0"/>
+                    </a:solidFill>
+                  </a:rPr>
+                  <a:t>ESPEasy</a:t>
+                </a:r>
+              </a:p>
+              <a:p>
+                <a:pPr algn="ctr"/>
+                <a:r>
+                  <a:rPr lang="en-GB" sz="1000" noProof="1">
+                    <a:solidFill>
+                      <a:srgbClr val="0040C0"/>
+                    </a:solidFill>
+                  </a:rPr>
+                  <a:t>P2P network</a:t>
+                </a:r>
+              </a:p>
+            </p:txBody>
+          </p:sp>
+          <p:sp>
+            <p:nvSpPr>
+              <p:cNvPr id="191" name="TextBox 190">
+                <a:extLst>
+                  <a:ext uri="{FF2B5EF4-FFF2-40B4-BE49-F238E27FC236}">
+                    <a16:creationId xmlns:a16="http://schemas.microsoft.com/office/drawing/2014/main" id="{F6B70EEB-A143-4785-A96A-33250E4EFEF8}"/>
+                  </a:ext>
+                </a:extLst>
+              </p:cNvPr>
+              <p:cNvSpPr txBox="1"/>
+              <p:nvPr/>
+            </p:nvSpPr>
+            <p:spPr>
+              <a:xfrm>
+                <a:off x="5600663" y="2845735"/>
+                <a:ext cx="678391" cy="553998"/>
+              </a:xfrm>
+              <a:prstGeom prst="rect">
+                <a:avLst/>
+              </a:prstGeom>
+              <a:noFill/>
+            </p:spPr>
+            <p:txBody>
+              <a:bodyPr wrap="none" rtlCol="0">
+                <a:spAutoFit/>
+              </a:bodyPr>
+              <a:lstStyle/>
+              <a:p>
+                <a:pPr algn="ctr"/>
+                <a:r>
+                  <a:rPr lang="en-GB" sz="1000" noProof="1">
+                    <a:solidFill>
+                      <a:schemeClr val="accent6">
+                        <a:lumMod val="75000"/>
+                      </a:schemeClr>
+                    </a:solidFill>
+                  </a:rPr>
+                  <a:t>MQTT</a:t>
+                </a:r>
+              </a:p>
+              <a:p>
+                <a:pPr algn="ctr"/>
+                <a:r>
+                  <a:rPr lang="en-GB" sz="1000" noProof="1">
+                    <a:solidFill>
+                      <a:schemeClr val="accent6">
+                        <a:lumMod val="75000"/>
+                      </a:schemeClr>
+                    </a:solidFill>
+                  </a:rPr>
+                  <a:t>subscribe</a:t>
+                </a:r>
+              </a:p>
+              <a:p>
+                <a:pPr algn="ctr"/>
+                <a:r>
+                  <a:rPr lang="en-GB" sz="1000" noProof="1">
+                    <a:solidFill>
+                      <a:schemeClr val="accent6">
+                        <a:lumMod val="75000"/>
+                      </a:schemeClr>
+                    </a:solidFill>
+                  </a:rPr>
+                  <a:t>publish</a:t>
+                </a:r>
+              </a:p>
+            </p:txBody>
+          </p:sp>
+        </p:grpSp>
+      </p:grpSp>
+      <p:sp>
+        <p:nvSpPr>
+          <p:cNvPr id="202" name="TextBox 201">
+            <a:extLst>
+              <a:ext uri="{FF2B5EF4-FFF2-40B4-BE49-F238E27FC236}">
+                <a16:creationId xmlns:a16="http://schemas.microsoft.com/office/drawing/2014/main" id="{9A61E736-5361-4515-8FD4-53C58C5D8056}"/>
+              </a:ext>
+            </a:extLst>
+          </p:cNvPr>
+          <p:cNvSpPr txBox="1"/>
+          <p:nvPr/>
+        </p:nvSpPr>
+        <p:spPr>
+          <a:xfrm rot="2344522">
+            <a:off x="7477656" y="1766588"/>
+            <a:ext cx="405880" cy="246221"/>
+          </a:xfrm>
+          <a:prstGeom prst="rect">
+            <a:avLst/>
+          </a:prstGeom>
+          <a:noFill/>
+        </p:spPr>
+        <p:txBody>
+          <a:bodyPr wrap="none" rtlCol="0">
+            <a:spAutoFit/>
+          </a:bodyPr>
+          <a:lstStyle/>
+          <a:p>
+            <a:r>
+              <a:rPr lang="en-GB" sz="1000" noProof="1">
+                <a:solidFill>
+                  <a:srgbClr val="FF0000"/>
+                </a:solidFill>
+              </a:rPr>
+              <a:t>http</a:t>
+            </a:r>
+          </a:p>
+        </p:txBody>
+      </p:sp>
+    </p:spTree>
+    <p:extLst>
+      <p:ext uri="{BB962C8B-B14F-4D97-AF65-F5344CB8AC3E}">
+        <p14:creationId xmlns:p14="http://schemas.microsoft.com/office/powerpoint/2010/main" val="460242990"/>
       </p:ext>
     </p:extLst>
   </p:cSld>

--- a/setup/network.pptx
+++ b/setup/network.pptx
@@ -6439,7 +6439,7 @@
         </p:nvSpPr>
         <p:spPr>
           <a:xfrm>
-            <a:off x="5316978" y="1887714"/>
+            <a:off x="5046711" y="1922640"/>
             <a:ext cx="1189300" cy="307777"/>
           </a:xfrm>
           <a:prstGeom prst="rect">
@@ -6482,8 +6482,8 @@
         </p:nvCxnSpPr>
         <p:spPr>
           <a:xfrm flipV="1">
-            <a:off x="6539362" y="1635892"/>
-            <a:ext cx="581314" cy="575464"/>
+            <a:off x="6553509" y="1635892"/>
+            <a:ext cx="567167" cy="506843"/>
           </a:xfrm>
           <a:prstGeom prst="straightConnector1">
             <a:avLst/>
@@ -6571,8 +6571,8 @@
           <p:nvPr/>
         </p:nvSpPr>
         <p:spPr>
-          <a:xfrm rot="20321998">
-            <a:off x="7335219" y="2345053"/>
+          <a:xfrm rot="20389123">
+            <a:off x="7335221" y="2329512"/>
             <a:ext cx="405880" cy="246221"/>
           </a:xfrm>
           <a:prstGeom prst="rect">
@@ -6655,8 +6655,8 @@
           <p:nvPr/>
         </p:nvSpPr>
         <p:spPr>
-          <a:xfrm rot="18810735">
-            <a:off x="6706463" y="1840146"/>
+          <a:xfrm rot="19018318">
+            <a:off x="6680625" y="1820552"/>
             <a:ext cx="441146" cy="246221"/>
           </a:xfrm>
           <a:prstGeom prst="rect">
@@ -7580,7 +7580,7 @@
         </p:nvSpPr>
         <p:spPr>
           <a:xfrm>
-            <a:off x="2807717" y="4511985"/>
+            <a:off x="2812843" y="4590481"/>
             <a:ext cx="1561453" cy="307777"/>
           </a:xfrm>
           <a:prstGeom prst="rect">
@@ -7615,7 +7615,7 @@
         </p:nvSpPr>
         <p:spPr>
           <a:xfrm>
-            <a:off x="2194410" y="2921655"/>
+            <a:off x="2203877" y="2955563"/>
             <a:ext cx="1836134" cy="307777"/>
           </a:xfrm>
           <a:prstGeom prst="rect">
@@ -7650,7 +7650,7 @@
         </p:nvSpPr>
         <p:spPr>
           <a:xfrm>
-            <a:off x="6360658" y="4747287"/>
+            <a:off x="6401123" y="4701277"/>
             <a:ext cx="1808170" cy="307777"/>
           </a:xfrm>
           <a:prstGeom prst="rect">
@@ -7685,7 +7685,7 @@
         </p:nvSpPr>
         <p:spPr>
           <a:xfrm>
-            <a:off x="7082610" y="4092334"/>
+            <a:off x="7034052" y="4142903"/>
             <a:ext cx="1808170" cy="307777"/>
           </a:xfrm>
           <a:prstGeom prst="rect">
@@ -7790,7 +7790,7 @@
         </p:nvSpPr>
         <p:spPr>
           <a:xfrm>
-            <a:off x="3112543" y="2239232"/>
+            <a:off x="2988545" y="2299599"/>
             <a:ext cx="1934168" cy="307777"/>
           </a:xfrm>
           <a:prstGeom prst="rect">
@@ -9311,7 +9311,7 @@
           <p:nvPr/>
         </p:nvSpPr>
         <p:spPr>
-          <a:xfrm rot="2344522">
+          <a:xfrm rot="2238154">
             <a:off x="7477656" y="1766588"/>
             <a:ext cx="405880" cy="246221"/>
           </a:xfrm>

--- a/setup/network.pptx
+++ b/setup/network.pptx
@@ -6222,7 +6222,13 @@
           <a:lstStyle/>
           <a:p>
             <a:r>
-              <a:rPr lang="en-GB" sz="1400" b="1" noProof="1"/>
+              <a:rPr lang="en-GB" sz="1400" b="1" noProof="1">
+                <a:solidFill>
+                  <a:schemeClr val="accent2">
+                    <a:lumMod val="75000"/>
+                  </a:schemeClr>
+                </a:solidFill>
+              </a:rPr>
               <a:t>Analyst</a:t>
             </a:r>
           </a:p>
@@ -6244,6 +6250,13 @@
         </p:nvPicPr>
         <p:blipFill>
           <a:blip r:embed="rId3">
+            <a:duotone>
+              <a:schemeClr val="accent2">
+                <a:shade val="45000"/>
+                <a:satMod val="135000"/>
+              </a:schemeClr>
+              <a:prstClr val="white"/>
+            </a:duotone>
             <a:extLst>
               <a:ext uri="{28A0092B-C50C-407E-A947-70E740481C1C}">
                 <a14:useLocalDpi xmlns:a14="http://schemas.microsoft.com/office/drawing/2010/main" val="0"/>
@@ -6311,6 +6324,13 @@
           </p:nvPicPr>
           <p:blipFill>
             <a:blip r:embed="rId4">
+              <a:duotone>
+                <a:schemeClr val="accent6">
+                  <a:shade val="45000"/>
+                  <a:satMod val="135000"/>
+                </a:schemeClr>
+                <a:prstClr val="white"/>
+              </a:duotone>
               <a:extLst>
                 <a:ext uri="{28A0092B-C50C-407E-A947-70E740481C1C}">
                   <a14:useLocalDpi xmlns:a14="http://schemas.microsoft.com/office/drawing/2010/main" val="0"/>
@@ -6371,7 +6391,13 @@
             <a:lstStyle/>
             <a:p>
               <a:r>
-                <a:rPr lang="en-GB" sz="1400" b="1" noProof="1"/>
+                <a:rPr lang="en-GB" sz="1400" b="1" noProof="1">
+                  <a:solidFill>
+                    <a:schemeClr val="accent6">
+                      <a:lumMod val="75000"/>
+                    </a:schemeClr>
+                  </a:solidFill>
+                </a:rPr>
                 <a:t>Database</a:t>
               </a:r>
             </a:p>
@@ -6537,7 +6563,9 @@
           </a:prstGeom>
           <a:ln w="19050">
             <a:solidFill>
-              <a:srgbClr val="FF0000"/>
+              <a:schemeClr val="accent2">
+                <a:lumMod val="75000"/>
+              </a:schemeClr>
             </a:solidFill>
             <a:headEnd type="none"/>
             <a:tailEnd type="triangle"/>
@@ -6589,7 +6617,9 @@
             <a:r>
               <a:rPr lang="en-GB" sz="1000" noProof="1">
                 <a:solidFill>
-                  <a:srgbClr val="FF0000"/>
+                  <a:schemeClr val="accent2">
+                    <a:lumMod val="75000"/>
+                  </a:schemeClr>
                 </a:solidFill>
               </a:rPr>
               <a:t>http</a:t>
@@ -6621,7 +6651,9 @@
           </a:prstGeom>
           <a:ln w="19050">
             <a:solidFill>
-              <a:srgbClr val="FF0000"/>
+              <a:schemeClr val="accent2">
+                <a:lumMod val="75000"/>
+              </a:schemeClr>
             </a:solidFill>
             <a:headEnd type="none"/>
             <a:tailEnd type="triangle"/>
@@ -7894,7 +7926,13 @@
             <a:lstStyle/>
             <a:p>
               <a:r>
-                <a:rPr lang="en-GB" b="1" noProof="1"/>
+                <a:rPr lang="en-GB" b="1" noProof="1">
+                  <a:solidFill>
+                    <a:schemeClr val="accent6">
+                      <a:lumMod val="75000"/>
+                    </a:schemeClr>
+                  </a:solidFill>
+                </a:rPr>
                 <a:t>IoT</a:t>
               </a:r>
             </a:p>
@@ -9329,7 +9367,9 @@
             <a:r>
               <a:rPr lang="en-GB" sz="1000" noProof="1">
                 <a:solidFill>
-                  <a:srgbClr val="FF0000"/>
+                  <a:schemeClr val="accent2">
+                    <a:lumMod val="75000"/>
+                  </a:schemeClr>
                 </a:solidFill>
               </a:rPr>
               <a:t>http</a:t>

--- a/setup/network.pptx
+++ b/setup/network.pptx
@@ -7592,7 +7592,13 @@
           <a:lstStyle/>
           <a:p>
             <a:r>
-              <a:rPr lang="en-GB" sz="1400" b="1" noProof="1"/>
+              <a:rPr lang="en-GB" sz="1400" b="1" noProof="1">
+                <a:solidFill>
+                  <a:schemeClr val="accent1">
+                    <a:lumMod val="50000"/>
+                  </a:schemeClr>
+                </a:solidFill>
+              </a:rPr>
               <a:t>smart-IR-Turbidimeter</a:t>
             </a:r>
           </a:p>
@@ -7627,7 +7633,13 @@
           <a:lstStyle/>
           <a:p>
             <a:r>
-              <a:rPr lang="en-GB" sz="1400" b="1" noProof="1"/>
+              <a:rPr lang="en-GB" sz="1400" b="1" noProof="1">
+                <a:solidFill>
+                  <a:schemeClr val="accent1">
+                    <a:lumMod val="50000"/>
+                  </a:schemeClr>
+                </a:solidFill>
+              </a:rPr>
               <a:t>smart-Colorimeter</a:t>
             </a:r>
           </a:p>
@@ -7662,7 +7674,13 @@
           <a:lstStyle/>
           <a:p>
             <a:r>
-              <a:rPr lang="en-GB" sz="1400" b="1" noProof="1"/>
+              <a:rPr lang="en-GB" sz="1400" b="1" noProof="1">
+                <a:solidFill>
+                  <a:schemeClr val="accent1">
+                    <a:lumMod val="50000"/>
+                  </a:schemeClr>
+                </a:solidFill>
+              </a:rPr>
               <a:t>smart-UV-Photometer</a:t>
             </a:r>
           </a:p>
@@ -7697,7 +7715,13 @@
           <a:lstStyle/>
           <a:p>
             <a:r>
-              <a:rPr lang="en-GB" sz="1400" b="1" noProof="1"/>
+              <a:rPr lang="en-GB" sz="1400" b="1" noProof="1">
+                <a:solidFill>
+                  <a:schemeClr val="accent1">
+                    <a:lumMod val="50000"/>
+                  </a:schemeClr>
+                </a:solidFill>
+              </a:rPr>
               <a:t>smart-ORP-Meter</a:t>
             </a:r>
           </a:p>
@@ -7732,7 +7756,13 @@
           <a:lstStyle/>
           <a:p>
             <a:r>
-              <a:rPr lang="en-GB" sz="1400" b="1" noProof="1"/>
+              <a:rPr lang="en-GB" sz="1400" b="1" noProof="1">
+                <a:solidFill>
+                  <a:schemeClr val="accent1">
+                    <a:lumMod val="50000"/>
+                  </a:schemeClr>
+                </a:solidFill>
+              </a:rPr>
               <a:t>smart-EC-Meter</a:t>
             </a:r>
           </a:p>
@@ -7767,7 +7797,13 @@
           <a:lstStyle/>
           <a:p>
             <a:r>
-              <a:rPr lang="en-GB" sz="1400" b="1" noProof="1"/>
+              <a:rPr lang="en-GB" sz="1400" b="1" noProof="1">
+                <a:solidFill>
+                  <a:schemeClr val="accent1">
+                    <a:lumMod val="50000"/>
+                  </a:schemeClr>
+                </a:solidFill>
+              </a:rPr>
               <a:t>smart-pH-Meter</a:t>
             </a:r>
           </a:p>
@@ -7802,7 +7838,13 @@
           <a:lstStyle/>
           <a:p>
             <a:r>
-              <a:rPr lang="en-GB" sz="1400" b="1" noProof="1"/>
+              <a:rPr lang="en-GB" sz="1400" b="1" noProof="1">
+                <a:solidFill>
+                  <a:schemeClr val="accent1">
+                    <a:lumMod val="50000"/>
+                  </a:schemeClr>
+                </a:solidFill>
+              </a:rPr>
               <a:t>smart-Thermometer</a:t>
             </a:r>
           </a:p>
@@ -7837,7 +7879,13 @@
           <a:lstStyle/>
           <a:p>
             <a:r>
-              <a:rPr lang="en-GB" sz="1400" b="1" noProof="1"/>
+              <a:rPr lang="en-GB" sz="1400" b="1" noProof="1">
+                <a:solidFill>
+                  <a:schemeClr val="accent1">
+                    <a:lumMod val="50000"/>
+                  </a:schemeClr>
+                </a:solidFill>
+              </a:rPr>
               <a:t>smart-RGB-Photometer</a:t>
             </a:r>
           </a:p>

--- a/setup/network.pptx
+++ b/setup/network.pptx
@@ -6155,44 +6155,6 @@
           </a:p>
         </p:txBody>
       </p:sp>
-      <p:pic>
-        <p:nvPicPr>
-          <p:cNvPr id="18" name="Picture 17">
-            <a:extLst>
-              <a:ext uri="{FF2B5EF4-FFF2-40B4-BE49-F238E27FC236}">
-                <a16:creationId xmlns:a16="http://schemas.microsoft.com/office/drawing/2014/main" id="{450C922F-2DCD-49ED-947C-8CF84F594B55}"/>
-              </a:ext>
-            </a:extLst>
-          </p:cNvPr>
-          <p:cNvPicPr>
-            <a:picLocks noChangeAspect="1"/>
-          </p:cNvPicPr>
-          <p:nvPr/>
-        </p:nvPicPr>
-        <p:blipFill>
-          <a:blip r:embed="rId2"/>
-          <a:stretch>
-            <a:fillRect/>
-          </a:stretch>
-        </p:blipFill>
-        <p:spPr>
-          <a:xfrm>
-            <a:off x="8727611" y="2023182"/>
-            <a:ext cx="533400" cy="495300"/>
-          </a:xfrm>
-          <a:prstGeom prst="rect">
-            <a:avLst/>
-          </a:prstGeom>
-          <a:effectLst>
-            <a:glow rad="127000">
-              <a:schemeClr val="accent1">
-                <a:alpha val="0"/>
-              </a:schemeClr>
-            </a:glow>
-            <a:softEdge rad="63500"/>
-          </a:effectLst>
-        </p:spPr>
-      </p:pic>
       <p:sp>
         <p:nvSpPr>
           <p:cNvPr id="19" name="TextBox 18">
@@ -6207,7 +6169,7 @@
         </p:nvSpPr>
         <p:spPr>
           <a:xfrm>
-            <a:off x="8633700" y="1757242"/>
+            <a:off x="8542937" y="1402671"/>
             <a:ext cx="739370" cy="307777"/>
           </a:xfrm>
           <a:prstGeom prst="rect">
@@ -6249,7 +6211,7 @@
           <p:nvPr/>
         </p:nvPicPr>
         <p:blipFill>
-          <a:blip r:embed="rId3">
+          <a:blip r:embed="rId2">
             <a:duotone>
               <a:schemeClr val="accent2">
                 <a:shade val="45000"/>
@@ -6270,7 +6232,7 @@
         </p:blipFill>
         <p:spPr bwMode="auto">
           <a:xfrm>
-            <a:off x="7986695" y="1767914"/>
+            <a:off x="8194514" y="1767914"/>
             <a:ext cx="825781" cy="825781"/>
           </a:xfrm>
           <a:prstGeom prst="rect">
@@ -6323,7 +6285,7 @@
             <p:nvPr/>
           </p:nvPicPr>
           <p:blipFill>
-            <a:blip r:embed="rId4">
+            <a:blip r:embed="rId3">
               <a:duotone>
                 <a:schemeClr val="accent6">
                   <a:shade val="45000"/>
@@ -6419,7 +6381,7 @@
           <p:nvPr/>
         </p:nvPicPr>
         <p:blipFill>
-          <a:blip r:embed="rId5">
+          <a:blip r:embed="rId4">
             <a:duotone>
               <a:schemeClr val="accent6">
                 <a:shade val="45000"/>
@@ -6555,8 +6517,8 @@
         </p:nvCxnSpPr>
         <p:spPr>
           <a:xfrm flipH="1" flipV="1">
-            <a:off x="7494585" y="1635288"/>
-            <a:ext cx="483798" cy="368705"/>
+            <a:off x="7494585" y="1635289"/>
+            <a:ext cx="755038" cy="423273"/>
           </a:xfrm>
           <a:prstGeom prst="straightConnector1">
             <a:avLst/>
@@ -6600,7 +6562,7 @@
         </p:nvSpPr>
         <p:spPr>
           <a:xfrm rot="20389123">
-            <a:off x="7335221" y="2329512"/>
+            <a:off x="7457583" y="2282478"/>
             <a:ext cx="405880" cy="246221"/>
           </a:xfrm>
           <a:prstGeom prst="rect">
@@ -6643,8 +6605,8 @@
         </p:nvCxnSpPr>
         <p:spPr>
           <a:xfrm flipH="1">
-            <a:off x="7139179" y="2390915"/>
-            <a:ext cx="832377" cy="304982"/>
+            <a:off x="7139180" y="2301660"/>
+            <a:ext cx="1110443" cy="394237"/>
           </a:xfrm>
           <a:prstGeom prst="straightConnector1">
             <a:avLst/>
@@ -6787,7 +6749,7 @@
             <p:nvPr/>
           </p:nvPicPr>
           <p:blipFill>
-            <a:blip r:embed="rId6">
+            <a:blip r:embed="rId5">
               <a:extLst>
                 <a:ext uri="{28A0092B-C50C-407E-A947-70E740481C1C}">
                   <a14:useLocalDpi xmlns:a14="http://schemas.microsoft.com/office/drawing/2010/main" val="0"/>
@@ -6893,7 +6855,7 @@
             <p:nvPr/>
           </p:nvPicPr>
           <p:blipFill>
-            <a:blip r:embed="rId6">
+            <a:blip r:embed="rId5">
               <a:extLst>
                 <a:ext uri="{28A0092B-C50C-407E-A947-70E740481C1C}">
                   <a14:useLocalDpi xmlns:a14="http://schemas.microsoft.com/office/drawing/2010/main" val="0"/>
@@ -6999,7 +6961,7 @@
             <p:nvPr/>
           </p:nvPicPr>
           <p:blipFill>
-            <a:blip r:embed="rId6">
+            <a:blip r:embed="rId5">
               <a:extLst>
                 <a:ext uri="{28A0092B-C50C-407E-A947-70E740481C1C}">
                   <a14:useLocalDpi xmlns:a14="http://schemas.microsoft.com/office/drawing/2010/main" val="0"/>
@@ -7105,7 +7067,7 @@
             <p:nvPr/>
           </p:nvPicPr>
           <p:blipFill>
-            <a:blip r:embed="rId6">
+            <a:blip r:embed="rId5">
               <a:extLst>
                 <a:ext uri="{28A0092B-C50C-407E-A947-70E740481C1C}">
                   <a14:useLocalDpi xmlns:a14="http://schemas.microsoft.com/office/drawing/2010/main" val="0"/>
@@ -7211,7 +7173,7 @@
             <p:nvPr/>
           </p:nvPicPr>
           <p:blipFill>
-            <a:blip r:embed="rId6">
+            <a:blip r:embed="rId5">
               <a:extLst>
                 <a:ext uri="{28A0092B-C50C-407E-A947-70E740481C1C}">
                   <a14:useLocalDpi xmlns:a14="http://schemas.microsoft.com/office/drawing/2010/main" val="0"/>
@@ -7317,7 +7279,7 @@
             <p:nvPr/>
           </p:nvPicPr>
           <p:blipFill>
-            <a:blip r:embed="rId6">
+            <a:blip r:embed="rId5">
               <a:extLst>
                 <a:ext uri="{28A0092B-C50C-407E-A947-70E740481C1C}">
                   <a14:useLocalDpi xmlns:a14="http://schemas.microsoft.com/office/drawing/2010/main" val="0"/>
@@ -7423,7 +7385,7 @@
             <p:nvPr/>
           </p:nvPicPr>
           <p:blipFill>
-            <a:blip r:embed="rId6">
+            <a:blip r:embed="rId5">
               <a:extLst>
                 <a:ext uri="{28A0092B-C50C-407E-A947-70E740481C1C}">
                   <a14:useLocalDpi xmlns:a14="http://schemas.microsoft.com/office/drawing/2010/main" val="0"/>
@@ -7529,7 +7491,7 @@
             <p:nvPr/>
           </p:nvPicPr>
           <p:blipFill>
-            <a:blip r:embed="rId6">
+            <a:blip r:embed="rId5">
               <a:extLst>
                 <a:ext uri="{28A0092B-C50C-407E-A947-70E740481C1C}">
                   <a14:useLocalDpi xmlns:a14="http://schemas.microsoft.com/office/drawing/2010/main" val="0"/>
@@ -7782,7 +7744,7 @@
         </p:nvSpPr>
         <p:spPr>
           <a:xfrm>
-            <a:off x="7564900" y="3325264"/>
+            <a:off x="7490083" y="3325264"/>
             <a:ext cx="1808170" cy="307777"/>
           </a:xfrm>
           <a:prstGeom prst="rect">
@@ -7905,7 +7867,7 @@
         </p:nvSpPr>
         <p:spPr>
           <a:xfrm>
-            <a:off x="6308741" y="3552879"/>
+            <a:off x="6350194" y="3493936"/>
             <a:ext cx="669606" cy="369332"/>
           </a:xfrm>
           <a:prstGeom prst="rect">
@@ -8041,7 +8003,7 @@
                 <p:nvPr/>
               </p:nvPicPr>
               <p:blipFill>
-                <a:blip r:embed="rId7"/>
+                <a:blip r:embed="rId6"/>
                 <a:stretch>
                   <a:fillRect/>
                 </a:stretch>
@@ -8071,7 +8033,7 @@
                 <p:nvPr/>
               </p:nvPicPr>
               <p:blipFill>
-                <a:blip r:embed="rId7"/>
+                <a:blip r:embed="rId6"/>
                 <a:stretch>
                   <a:fillRect/>
                 </a:stretch>
@@ -9397,8 +9359,8 @@
           <p:nvPr/>
         </p:nvSpPr>
         <p:spPr>
-          <a:xfrm rot="2238154">
-            <a:off x="7477656" y="1766588"/>
+          <a:xfrm rot="1752455">
+            <a:off x="7608511" y="1812765"/>
             <a:ext cx="405880" cy="246221"/>
           </a:xfrm>
           <a:prstGeom prst="rect">
@@ -9425,6 +9387,72 @@
           </a:p>
         </p:txBody>
       </p:sp>
+      <p:pic>
+        <p:nvPicPr>
+          <p:cNvPr id="7" name="Picture 6">
+            <a:extLst>
+              <a:ext uri="{FF2B5EF4-FFF2-40B4-BE49-F238E27FC236}">
+                <a16:creationId xmlns:a16="http://schemas.microsoft.com/office/drawing/2014/main" id="{78E8F943-BBD8-454D-BABB-460686713764}"/>
+              </a:ext>
+            </a:extLst>
+          </p:cNvPr>
+          <p:cNvPicPr>
+            <a:picLocks noChangeAspect="1"/>
+          </p:cNvPicPr>
+          <p:nvPr/>
+        </p:nvPicPr>
+        <p:blipFill>
+          <a:blip r:embed="rId7">
+            <a:extLst>
+              <a:ext uri="{28A0092B-C50C-407E-A947-70E740481C1C}">
+                <a14:useLocalDpi xmlns:a14="http://schemas.microsoft.com/office/drawing/2010/main" val="0"/>
+              </a:ext>
+            </a:extLst>
+          </a:blip>
+          <a:stretch>
+            <a:fillRect/>
+          </a:stretch>
+        </p:blipFill>
+        <p:spPr>
+          <a:xfrm>
+            <a:off x="3797840" y="606204"/>
+            <a:ext cx="2809618" cy="1083399"/>
+          </a:xfrm>
+          <a:prstGeom prst="rect">
+            <a:avLst/>
+          </a:prstGeom>
+        </p:spPr>
+      </p:pic>
+      <p:pic>
+        <p:nvPicPr>
+          <p:cNvPr id="8" name="Picture 7">
+            <a:extLst>
+              <a:ext uri="{FF2B5EF4-FFF2-40B4-BE49-F238E27FC236}">
+                <a16:creationId xmlns:a16="http://schemas.microsoft.com/office/drawing/2014/main" id="{07A76D55-FA08-4735-B497-5A72DC667BDF}"/>
+              </a:ext>
+            </a:extLst>
+          </p:cNvPr>
+          <p:cNvPicPr>
+            <a:picLocks noChangeAspect="1"/>
+          </p:cNvPicPr>
+          <p:nvPr/>
+        </p:nvPicPr>
+        <p:blipFill>
+          <a:blip r:embed="rId8"/>
+          <a:stretch>
+            <a:fillRect/>
+          </a:stretch>
+        </p:blipFill>
+        <p:spPr>
+          <a:xfrm>
+            <a:off x="8931255" y="1733812"/>
+            <a:ext cx="2398401" cy="3541725"/>
+          </a:xfrm>
+          <a:prstGeom prst="rect">
+            <a:avLst/>
+          </a:prstGeom>
+        </p:spPr>
+      </p:pic>
     </p:spTree>
     <p:extLst>
       <p:ext uri="{BB962C8B-B14F-4D97-AF65-F5344CB8AC3E}">

--- a/setup/network.pptx
+++ b/setup/network.pptx
@@ -7,6 +7,9 @@
   <p:sldIdLst>
     <p:sldId id="256" r:id="rId2"/>
     <p:sldId id="257" r:id="rId3"/>
+    <p:sldId id="258" r:id="rId4"/>
+    <p:sldId id="259" r:id="rId5"/>
+    <p:sldId id="260" r:id="rId6"/>
   </p:sldIdLst>
   <p:sldSz cx="12192000" cy="6858000"/>
   <p:notesSz cx="6858000" cy="9144000"/>
@@ -262,7 +265,7 @@
           <a:p>
             <a:fld id="{C3F690FB-D2F8-4FAA-B5D4-40764D6363E4}" type="datetimeFigureOut">
               <a:rPr lang="en-GB" smtClean="0"/>
-              <a:t>07/12/2020</a:t>
+              <a:t>15/12/2020</a:t>
             </a:fld>
             <a:endParaRPr lang="en-GB"/>
           </a:p>
@@ -462,7 +465,7 @@
           <a:p>
             <a:fld id="{C3F690FB-D2F8-4FAA-B5D4-40764D6363E4}" type="datetimeFigureOut">
               <a:rPr lang="en-GB" smtClean="0"/>
-              <a:t>07/12/2020</a:t>
+              <a:t>15/12/2020</a:t>
             </a:fld>
             <a:endParaRPr lang="en-GB"/>
           </a:p>
@@ -672,7 +675,7 @@
           <a:p>
             <a:fld id="{C3F690FB-D2F8-4FAA-B5D4-40764D6363E4}" type="datetimeFigureOut">
               <a:rPr lang="en-GB" smtClean="0"/>
-              <a:t>07/12/2020</a:t>
+              <a:t>15/12/2020</a:t>
             </a:fld>
             <a:endParaRPr lang="en-GB"/>
           </a:p>
@@ -872,7 +875,7 @@
           <a:p>
             <a:fld id="{C3F690FB-D2F8-4FAA-B5D4-40764D6363E4}" type="datetimeFigureOut">
               <a:rPr lang="en-GB" smtClean="0"/>
-              <a:t>07/12/2020</a:t>
+              <a:t>15/12/2020</a:t>
             </a:fld>
             <a:endParaRPr lang="en-GB"/>
           </a:p>
@@ -1148,7 +1151,7 @@
           <a:p>
             <a:fld id="{C3F690FB-D2F8-4FAA-B5D4-40764D6363E4}" type="datetimeFigureOut">
               <a:rPr lang="en-GB" smtClean="0"/>
-              <a:t>07/12/2020</a:t>
+              <a:t>15/12/2020</a:t>
             </a:fld>
             <a:endParaRPr lang="en-GB"/>
           </a:p>
@@ -1416,7 +1419,7 @@
           <a:p>
             <a:fld id="{C3F690FB-D2F8-4FAA-B5D4-40764D6363E4}" type="datetimeFigureOut">
               <a:rPr lang="en-GB" smtClean="0"/>
-              <a:t>07/12/2020</a:t>
+              <a:t>15/12/2020</a:t>
             </a:fld>
             <a:endParaRPr lang="en-GB"/>
           </a:p>
@@ -1831,7 +1834,7 @@
           <a:p>
             <a:fld id="{C3F690FB-D2F8-4FAA-B5D4-40764D6363E4}" type="datetimeFigureOut">
               <a:rPr lang="en-GB" smtClean="0"/>
-              <a:t>07/12/2020</a:t>
+              <a:t>15/12/2020</a:t>
             </a:fld>
             <a:endParaRPr lang="en-GB"/>
           </a:p>
@@ -1973,7 +1976,7 @@
           <a:p>
             <a:fld id="{C3F690FB-D2F8-4FAA-B5D4-40764D6363E4}" type="datetimeFigureOut">
               <a:rPr lang="en-GB" smtClean="0"/>
-              <a:t>07/12/2020</a:t>
+              <a:t>15/12/2020</a:t>
             </a:fld>
             <a:endParaRPr lang="en-GB"/>
           </a:p>
@@ -2086,7 +2089,7 @@
           <a:p>
             <a:fld id="{C3F690FB-D2F8-4FAA-B5D4-40764D6363E4}" type="datetimeFigureOut">
               <a:rPr lang="en-GB" smtClean="0"/>
-              <a:t>07/12/2020</a:t>
+              <a:t>15/12/2020</a:t>
             </a:fld>
             <a:endParaRPr lang="en-GB"/>
           </a:p>
@@ -2399,7 +2402,7 @@
           <a:p>
             <a:fld id="{C3F690FB-D2F8-4FAA-B5D4-40764D6363E4}" type="datetimeFigureOut">
               <a:rPr lang="en-GB" smtClean="0"/>
-              <a:t>07/12/2020</a:t>
+              <a:t>15/12/2020</a:t>
             </a:fld>
             <a:endParaRPr lang="en-GB"/>
           </a:p>
@@ -2688,7 +2691,7 @@
           <a:p>
             <a:fld id="{C3F690FB-D2F8-4FAA-B5D4-40764D6363E4}" type="datetimeFigureOut">
               <a:rPr lang="en-GB" smtClean="0"/>
-              <a:t>07/12/2020</a:t>
+              <a:t>15/12/2020</a:t>
             </a:fld>
             <a:endParaRPr lang="en-GB"/>
           </a:p>
@@ -2931,7 +2934,7 @@
           <a:p>
             <a:fld id="{C3F690FB-D2F8-4FAA-B5D4-40764D6363E4}" type="datetimeFigureOut">
               <a:rPr lang="en-GB" smtClean="0"/>
-              <a:t>07/12/2020</a:t>
+              <a:t>15/12/2020</a:t>
             </a:fld>
             <a:endParaRPr lang="en-GB"/>
           </a:p>
@@ -9466,6 +9469,2549 @@
 </p:sld>
 </file>
 
+<file path=ppt/slides/slide3.xml><?xml version="1.0" encoding="utf-8"?>
+<p:sld xmlns:a="http://schemas.openxmlformats.org/drawingml/2006/main" xmlns:r="http://schemas.openxmlformats.org/officeDocument/2006/relationships" xmlns:p="http://schemas.openxmlformats.org/presentationml/2006/main">
+  <p:cSld>
+    <p:spTree>
+      <p:nvGrpSpPr>
+        <p:cNvPr id="1" name=""/>
+        <p:cNvGrpSpPr/>
+        <p:nvPr/>
+      </p:nvGrpSpPr>
+      <p:grpSpPr>
+        <a:xfrm>
+          <a:off x="0" y="0"/>
+          <a:ext cx="0" cy="0"/>
+          <a:chOff x="0" y="0"/>
+          <a:chExt cx="0" cy="0"/>
+        </a:xfrm>
+      </p:grpSpPr>
+      <p:grpSp>
+        <p:nvGrpSpPr>
+          <p:cNvPr id="13" name="Group 12">
+            <a:extLst>
+              <a:ext uri="{FF2B5EF4-FFF2-40B4-BE49-F238E27FC236}">
+                <a16:creationId xmlns:a16="http://schemas.microsoft.com/office/drawing/2014/main" id="{8E7F2298-7E2D-4968-84C1-68B218561A82}"/>
+              </a:ext>
+            </a:extLst>
+          </p:cNvPr>
+          <p:cNvGrpSpPr/>
+          <p:nvPr/>
+        </p:nvGrpSpPr>
+        <p:grpSpPr>
+          <a:xfrm>
+            <a:off x="5940462" y="671807"/>
+            <a:ext cx="914587" cy="4953167"/>
+            <a:chOff x="4139662" y="671807"/>
+            <a:chExt cx="914587" cy="4953167"/>
+          </a:xfrm>
+        </p:grpSpPr>
+        <p:sp>
+          <p:nvSpPr>
+            <p:cNvPr id="4" name="Flowchart: Connector 3">
+              <a:extLst>
+                <a:ext uri="{FF2B5EF4-FFF2-40B4-BE49-F238E27FC236}">
+                  <a16:creationId xmlns:a16="http://schemas.microsoft.com/office/drawing/2014/main" id="{BA585709-271D-4722-B9F7-FFC1BD12DBEE}"/>
+                </a:ext>
+              </a:extLst>
+            </p:cNvPr>
+            <p:cNvSpPr>
+              <a:spLocks noChangeAspect="1"/>
+            </p:cNvSpPr>
+            <p:nvPr/>
+          </p:nvSpPr>
+          <p:spPr>
+            <a:xfrm>
+              <a:off x="4139662" y="4715146"/>
+              <a:ext cx="909828" cy="909828"/>
+            </a:xfrm>
+            <a:prstGeom prst="flowChartConnector">
+              <a:avLst/>
+            </a:prstGeom>
+            <a:solidFill>
+              <a:srgbClr val="FFC000"/>
+            </a:solidFill>
+            <a:ln w="50800">
+              <a:solidFill>
+                <a:schemeClr val="accent1">
+                  <a:lumMod val="60000"/>
+                  <a:lumOff val="40000"/>
+                </a:schemeClr>
+              </a:solidFill>
+            </a:ln>
+          </p:spPr>
+          <p:style>
+            <a:lnRef idx="2">
+              <a:schemeClr val="accent1">
+                <a:shade val="50000"/>
+              </a:schemeClr>
+            </a:lnRef>
+            <a:fillRef idx="1">
+              <a:schemeClr val="accent1"/>
+            </a:fillRef>
+            <a:effectRef idx="0">
+              <a:schemeClr val="accent1"/>
+            </a:effectRef>
+            <a:fontRef idx="minor">
+              <a:schemeClr val="lt1"/>
+            </a:fontRef>
+          </p:style>
+          <p:txBody>
+            <a:bodyPr rtlCol="0" anchor="ctr"/>
+            <a:lstStyle/>
+            <a:p>
+              <a:pPr algn="ctr"/>
+              <a:endParaRPr lang="en-GB"/>
+            </a:p>
+          </p:txBody>
+        </p:sp>
+        <p:sp>
+          <p:nvSpPr>
+            <p:cNvPr id="5" name="Rectangle 4">
+              <a:extLst>
+                <a:ext uri="{FF2B5EF4-FFF2-40B4-BE49-F238E27FC236}">
+                  <a16:creationId xmlns:a16="http://schemas.microsoft.com/office/drawing/2014/main" id="{FB922E8E-B060-4FBA-BB5E-5A8FCEE2FC01}"/>
+                </a:ext>
+              </a:extLst>
+            </p:cNvPr>
+            <p:cNvSpPr/>
+            <p:nvPr/>
+          </p:nvSpPr>
+          <p:spPr>
+            <a:xfrm>
+              <a:off x="4139849" y="671807"/>
+              <a:ext cx="914400" cy="4467974"/>
+            </a:xfrm>
+            <a:prstGeom prst="rect">
+              <a:avLst/>
+            </a:prstGeom>
+            <a:solidFill>
+              <a:srgbClr val="FFC000"/>
+            </a:solidFill>
+            <a:ln w="50800">
+              <a:solidFill>
+                <a:schemeClr val="accent1">
+                  <a:lumMod val="60000"/>
+                  <a:lumOff val="40000"/>
+                </a:schemeClr>
+              </a:solidFill>
+            </a:ln>
+          </p:spPr>
+          <p:style>
+            <a:lnRef idx="2">
+              <a:schemeClr val="accent1">
+                <a:shade val="50000"/>
+              </a:schemeClr>
+            </a:lnRef>
+            <a:fillRef idx="1">
+              <a:schemeClr val="accent1"/>
+            </a:fillRef>
+            <a:effectRef idx="0">
+              <a:schemeClr val="accent1"/>
+            </a:effectRef>
+            <a:fontRef idx="minor">
+              <a:schemeClr val="lt1"/>
+            </a:fontRef>
+          </p:style>
+          <p:txBody>
+            <a:bodyPr rtlCol="0" anchor="ctr"/>
+            <a:lstStyle/>
+            <a:p>
+              <a:pPr algn="ctr"/>
+              <a:endParaRPr lang="en-GB"/>
+            </a:p>
+          </p:txBody>
+        </p:sp>
+        <p:cxnSp>
+          <p:nvCxnSpPr>
+            <p:cNvPr id="7" name="Straight Connector 6">
+              <a:extLst>
+                <a:ext uri="{FF2B5EF4-FFF2-40B4-BE49-F238E27FC236}">
+                  <a16:creationId xmlns:a16="http://schemas.microsoft.com/office/drawing/2014/main" id="{DF5A284F-D56C-4704-9FBE-33DD6EA0CB3F}"/>
+                </a:ext>
+              </a:extLst>
+            </p:cNvPr>
+            <p:cNvCxnSpPr>
+              <a:cxnSpLocks/>
+            </p:cNvCxnSpPr>
+            <p:nvPr/>
+          </p:nvCxnSpPr>
+          <p:spPr>
+            <a:xfrm>
+              <a:off x="4174380" y="5139781"/>
+              <a:ext cx="864000" cy="0"/>
+            </a:xfrm>
+            <a:prstGeom prst="line">
+              <a:avLst/>
+            </a:prstGeom>
+            <a:ln w="50800">
+              <a:solidFill>
+                <a:srgbClr val="FFC000"/>
+              </a:solidFill>
+            </a:ln>
+          </p:spPr>
+          <p:style>
+            <a:lnRef idx="1">
+              <a:schemeClr val="accent1"/>
+            </a:lnRef>
+            <a:fillRef idx="0">
+              <a:schemeClr val="accent1"/>
+            </a:fillRef>
+            <a:effectRef idx="0">
+              <a:schemeClr val="accent1"/>
+            </a:effectRef>
+            <a:fontRef idx="minor">
+              <a:schemeClr val="tx1"/>
+            </a:fontRef>
+          </p:style>
+        </p:cxnSp>
+        <p:cxnSp>
+          <p:nvCxnSpPr>
+            <p:cNvPr id="12" name="Straight Connector 11">
+              <a:extLst>
+                <a:ext uri="{FF2B5EF4-FFF2-40B4-BE49-F238E27FC236}">
+                  <a16:creationId xmlns:a16="http://schemas.microsoft.com/office/drawing/2014/main" id="{C36FA21C-FE1F-4273-BE49-8EDC25E37E70}"/>
+                </a:ext>
+              </a:extLst>
+            </p:cNvPr>
+            <p:cNvCxnSpPr>
+              <a:cxnSpLocks/>
+            </p:cNvCxnSpPr>
+            <p:nvPr/>
+          </p:nvCxnSpPr>
+          <p:spPr>
+            <a:xfrm>
+              <a:off x="4171587" y="671807"/>
+              <a:ext cx="864000" cy="0"/>
+            </a:xfrm>
+            <a:prstGeom prst="line">
+              <a:avLst/>
+            </a:prstGeom>
+            <a:ln w="50800">
+              <a:solidFill>
+                <a:srgbClr val="FFC000"/>
+              </a:solidFill>
+            </a:ln>
+          </p:spPr>
+          <p:style>
+            <a:lnRef idx="1">
+              <a:schemeClr val="accent1"/>
+            </a:lnRef>
+            <a:fillRef idx="0">
+              <a:schemeClr val="accent1"/>
+            </a:fillRef>
+            <a:effectRef idx="0">
+              <a:schemeClr val="accent1"/>
+            </a:effectRef>
+            <a:fontRef idx="minor">
+              <a:schemeClr val="tx1"/>
+            </a:fontRef>
+          </p:style>
+        </p:cxnSp>
+      </p:grpSp>
+      <p:sp>
+        <p:nvSpPr>
+          <p:cNvPr id="14" name="Arrow: Right 13">
+            <a:extLst>
+              <a:ext uri="{FF2B5EF4-FFF2-40B4-BE49-F238E27FC236}">
+                <a16:creationId xmlns:a16="http://schemas.microsoft.com/office/drawing/2014/main" id="{F3C792E5-69EF-42FB-A583-11CB73E5DA4B}"/>
+              </a:ext>
+            </a:extLst>
+          </p:cNvPr>
+          <p:cNvSpPr>
+            <a:spLocks noChangeAspect="1"/>
+          </p:cNvSpPr>
+          <p:nvPr/>
+        </p:nvSpPr>
+        <p:spPr>
+          <a:xfrm>
+            <a:off x="3540949" y="3246157"/>
+            <a:ext cx="2122942" cy="1239572"/>
+          </a:xfrm>
+          <a:prstGeom prst="rightArrow">
+            <a:avLst/>
+          </a:prstGeom>
+          <a:solidFill>
+            <a:srgbClr val="00B050"/>
+          </a:solidFill>
+          <a:ln>
+            <a:noFill/>
+          </a:ln>
+        </p:spPr>
+        <p:style>
+          <a:lnRef idx="2">
+            <a:schemeClr val="accent1">
+              <a:shade val="50000"/>
+            </a:schemeClr>
+          </a:lnRef>
+          <a:fillRef idx="1">
+            <a:schemeClr val="accent1"/>
+          </a:fillRef>
+          <a:effectRef idx="0">
+            <a:schemeClr val="accent1"/>
+          </a:effectRef>
+          <a:fontRef idx="minor">
+            <a:schemeClr val="lt1"/>
+          </a:fontRef>
+        </p:style>
+        <p:txBody>
+          <a:bodyPr rtlCol="0" anchor="ctr"/>
+          <a:lstStyle/>
+          <a:p>
+            <a:pPr algn="ctr"/>
+            <a:endParaRPr lang="en-GB"/>
+          </a:p>
+        </p:txBody>
+      </p:sp>
+      <p:sp>
+        <p:nvSpPr>
+          <p:cNvPr id="15" name="Arrow: Right 14">
+            <a:extLst>
+              <a:ext uri="{FF2B5EF4-FFF2-40B4-BE49-F238E27FC236}">
+                <a16:creationId xmlns:a16="http://schemas.microsoft.com/office/drawing/2014/main" id="{722A3FEB-DE60-4637-95D5-854FBB345B13}"/>
+              </a:ext>
+            </a:extLst>
+          </p:cNvPr>
+          <p:cNvSpPr>
+            <a:spLocks noChangeAspect="1"/>
+          </p:cNvSpPr>
+          <p:nvPr/>
+        </p:nvSpPr>
+        <p:spPr>
+          <a:xfrm>
+            <a:off x="7131807" y="3591040"/>
+            <a:ext cx="2122942" cy="549806"/>
+          </a:xfrm>
+          <a:prstGeom prst="rightArrow">
+            <a:avLst/>
+          </a:prstGeom>
+          <a:solidFill>
+            <a:srgbClr val="00B050"/>
+          </a:solidFill>
+          <a:ln>
+            <a:noFill/>
+          </a:ln>
+        </p:spPr>
+        <p:style>
+          <a:lnRef idx="2">
+            <a:schemeClr val="accent1">
+              <a:shade val="50000"/>
+            </a:schemeClr>
+          </a:lnRef>
+          <a:fillRef idx="1">
+            <a:schemeClr val="accent1"/>
+          </a:fillRef>
+          <a:effectRef idx="0">
+            <a:schemeClr val="accent1"/>
+          </a:effectRef>
+          <a:fontRef idx="minor">
+            <a:schemeClr val="lt1"/>
+          </a:fontRef>
+        </p:style>
+        <p:txBody>
+          <a:bodyPr rtlCol="0" anchor="ctr"/>
+          <a:lstStyle/>
+          <a:p>
+            <a:pPr algn="ctr"/>
+            <a:endParaRPr lang="en-GB"/>
+          </a:p>
+        </p:txBody>
+      </p:sp>
+      <p:sp>
+        <p:nvSpPr>
+          <p:cNvPr id="16" name="Arrow: Right 15">
+            <a:extLst>
+              <a:ext uri="{FF2B5EF4-FFF2-40B4-BE49-F238E27FC236}">
+                <a16:creationId xmlns:a16="http://schemas.microsoft.com/office/drawing/2014/main" id="{C2F9073B-A55C-45DC-85DE-1C69DB4C4EC5}"/>
+              </a:ext>
+            </a:extLst>
+          </p:cNvPr>
+          <p:cNvSpPr>
+            <a:spLocks noChangeAspect="1"/>
+          </p:cNvSpPr>
+          <p:nvPr/>
+        </p:nvSpPr>
+        <p:spPr>
+          <a:xfrm>
+            <a:off x="3536283" y="1621169"/>
+            <a:ext cx="2122942" cy="1239572"/>
+          </a:xfrm>
+          <a:prstGeom prst="rightArrow">
+            <a:avLst/>
+          </a:prstGeom>
+          <a:solidFill>
+            <a:schemeClr val="accent4">
+              <a:lumMod val="20000"/>
+              <a:lumOff val="80000"/>
+            </a:schemeClr>
+          </a:solidFill>
+          <a:ln>
+            <a:noFill/>
+          </a:ln>
+        </p:spPr>
+        <p:style>
+          <a:lnRef idx="2">
+            <a:schemeClr val="accent1">
+              <a:shade val="50000"/>
+            </a:schemeClr>
+          </a:lnRef>
+          <a:fillRef idx="1">
+            <a:schemeClr val="accent1"/>
+          </a:fillRef>
+          <a:effectRef idx="0">
+            <a:schemeClr val="accent1"/>
+          </a:effectRef>
+          <a:fontRef idx="minor">
+            <a:schemeClr val="lt1"/>
+          </a:fontRef>
+        </p:style>
+        <p:txBody>
+          <a:bodyPr rtlCol="0" anchor="ctr"/>
+          <a:lstStyle/>
+          <a:p>
+            <a:pPr algn="ctr"/>
+            <a:endParaRPr lang="en-GB"/>
+          </a:p>
+        </p:txBody>
+      </p:sp>
+      <p:sp>
+        <p:nvSpPr>
+          <p:cNvPr id="18" name="Arrow: Right 17">
+            <a:extLst>
+              <a:ext uri="{FF2B5EF4-FFF2-40B4-BE49-F238E27FC236}">
+                <a16:creationId xmlns:a16="http://schemas.microsoft.com/office/drawing/2014/main" id="{860549AC-2056-4E41-89A2-C539832E356C}"/>
+              </a:ext>
+            </a:extLst>
+          </p:cNvPr>
+          <p:cNvSpPr>
+            <a:spLocks noChangeAspect="1"/>
+          </p:cNvSpPr>
+          <p:nvPr/>
+        </p:nvSpPr>
+        <p:spPr>
+          <a:xfrm>
+            <a:off x="7131807" y="1621169"/>
+            <a:ext cx="2122942" cy="1239572"/>
+          </a:xfrm>
+          <a:prstGeom prst="rightArrow">
+            <a:avLst/>
+          </a:prstGeom>
+          <a:solidFill>
+            <a:schemeClr val="accent4">
+              <a:lumMod val="20000"/>
+              <a:lumOff val="80000"/>
+            </a:schemeClr>
+          </a:solidFill>
+          <a:ln>
+            <a:noFill/>
+          </a:ln>
+        </p:spPr>
+        <p:style>
+          <a:lnRef idx="2">
+            <a:schemeClr val="accent1">
+              <a:shade val="50000"/>
+            </a:schemeClr>
+          </a:lnRef>
+          <a:fillRef idx="1">
+            <a:schemeClr val="accent1"/>
+          </a:fillRef>
+          <a:effectRef idx="0">
+            <a:schemeClr val="accent1"/>
+          </a:effectRef>
+          <a:fontRef idx="minor">
+            <a:schemeClr val="lt1"/>
+          </a:fontRef>
+        </p:style>
+        <p:txBody>
+          <a:bodyPr rtlCol="0" anchor="ctr"/>
+          <a:lstStyle/>
+          <a:p>
+            <a:pPr algn="ctr"/>
+            <a:endParaRPr lang="en-GB"/>
+          </a:p>
+        </p:txBody>
+      </p:sp>
+      <p:sp>
+        <p:nvSpPr>
+          <p:cNvPr id="23" name="TextBox 22">
+            <a:extLst>
+              <a:ext uri="{FF2B5EF4-FFF2-40B4-BE49-F238E27FC236}">
+                <a16:creationId xmlns:a16="http://schemas.microsoft.com/office/drawing/2014/main" id="{42FE56D1-D9C2-4FA3-BF25-17C37B1FD02C}"/>
+              </a:ext>
+            </a:extLst>
+          </p:cNvPr>
+          <p:cNvSpPr txBox="1"/>
+          <p:nvPr/>
+        </p:nvSpPr>
+        <p:spPr>
+          <a:xfrm>
+            <a:off x="5538509" y="237503"/>
+            <a:ext cx="1731756" cy="369332"/>
+          </a:xfrm>
+          <a:prstGeom prst="rect">
+            <a:avLst/>
+          </a:prstGeom>
+          <a:noFill/>
+        </p:spPr>
+        <p:txBody>
+          <a:bodyPr wrap="square" rtlCol="0">
+            <a:spAutoFit/>
+          </a:bodyPr>
+          <a:lstStyle/>
+          <a:p>
+            <a:r>
+              <a:rPr lang="en-GB"/>
+              <a:t>Colored solution</a:t>
+            </a:r>
+          </a:p>
+        </p:txBody>
+      </p:sp>
+      <p:sp>
+        <p:nvSpPr>
+          <p:cNvPr id="24" name="TextBox 23">
+            <a:extLst>
+              <a:ext uri="{FF2B5EF4-FFF2-40B4-BE49-F238E27FC236}">
+                <a16:creationId xmlns:a16="http://schemas.microsoft.com/office/drawing/2014/main" id="{BD527FDE-DA33-4787-ABE9-2F5CF77E818D}"/>
+              </a:ext>
+            </a:extLst>
+          </p:cNvPr>
+          <p:cNvSpPr txBox="1"/>
+          <p:nvPr/>
+        </p:nvSpPr>
+        <p:spPr>
+          <a:xfrm>
+            <a:off x="7131807" y="4590500"/>
+            <a:ext cx="2277803" cy="646331"/>
+          </a:xfrm>
+          <a:prstGeom prst="rect">
+            <a:avLst/>
+          </a:prstGeom>
+          <a:noFill/>
+        </p:spPr>
+        <p:txBody>
+          <a:bodyPr wrap="square" rtlCol="0">
+            <a:spAutoFit/>
+          </a:bodyPr>
+          <a:lstStyle/>
+          <a:p>
+            <a:r>
+              <a:rPr lang="en-GB"/>
+              <a:t>Absorbance of</a:t>
+            </a:r>
+            <a:br>
+              <a:rPr lang="en-GB"/>
+            </a:br>
+            <a:r>
+              <a:rPr lang="en-GB"/>
+              <a:t>complementary colors</a:t>
+            </a:r>
+          </a:p>
+        </p:txBody>
+      </p:sp>
+      <p:sp>
+        <p:nvSpPr>
+          <p:cNvPr id="25" name="TextBox 24">
+            <a:extLst>
+              <a:ext uri="{FF2B5EF4-FFF2-40B4-BE49-F238E27FC236}">
+                <a16:creationId xmlns:a16="http://schemas.microsoft.com/office/drawing/2014/main" id="{F5D3B05A-6C20-4D63-BEA7-EAF789689506}"/>
+              </a:ext>
+            </a:extLst>
+          </p:cNvPr>
+          <p:cNvSpPr txBox="1"/>
+          <p:nvPr/>
+        </p:nvSpPr>
+        <p:spPr>
+          <a:xfrm>
+            <a:off x="4264091" y="2835043"/>
+            <a:ext cx="320922" cy="369332"/>
+          </a:xfrm>
+          <a:prstGeom prst="rect">
+            <a:avLst/>
+          </a:prstGeom>
+          <a:noFill/>
+        </p:spPr>
+        <p:txBody>
+          <a:bodyPr wrap="square" rtlCol="0">
+            <a:spAutoFit/>
+          </a:bodyPr>
+          <a:lstStyle/>
+          <a:p>
+            <a:r>
+              <a:rPr lang="en-GB"/>
+              <a:t>I</a:t>
+            </a:r>
+            <a:r>
+              <a:rPr lang="en-GB" baseline="-25000"/>
+              <a:t>0</a:t>
+            </a:r>
+          </a:p>
+        </p:txBody>
+      </p:sp>
+      <p:sp>
+        <p:nvSpPr>
+          <p:cNvPr id="26" name="TextBox 25">
+            <a:extLst>
+              <a:ext uri="{FF2B5EF4-FFF2-40B4-BE49-F238E27FC236}">
+                <a16:creationId xmlns:a16="http://schemas.microsoft.com/office/drawing/2014/main" id="{04FA8171-1272-4A9B-9772-3AB253268DB2}"/>
+              </a:ext>
+            </a:extLst>
+          </p:cNvPr>
+          <p:cNvSpPr txBox="1"/>
+          <p:nvPr/>
+        </p:nvSpPr>
+        <p:spPr>
+          <a:xfrm>
+            <a:off x="7740475" y="2838285"/>
+            <a:ext cx="317716" cy="369332"/>
+          </a:xfrm>
+          <a:prstGeom prst="rect">
+            <a:avLst/>
+          </a:prstGeom>
+          <a:noFill/>
+        </p:spPr>
+        <p:txBody>
+          <a:bodyPr wrap="square" rtlCol="0">
+            <a:spAutoFit/>
+          </a:bodyPr>
+          <a:lstStyle/>
+          <a:p>
+            <a:r>
+              <a:rPr lang="en-GB"/>
+              <a:t>I</a:t>
+            </a:r>
+            <a:r>
+              <a:rPr lang="en-GB" baseline="-25000"/>
+              <a:t>T</a:t>
+            </a:r>
+          </a:p>
+        </p:txBody>
+      </p:sp>
+      <p:sp>
+        <p:nvSpPr>
+          <p:cNvPr id="30" name="TextBox 29">
+            <a:extLst>
+              <a:ext uri="{FF2B5EF4-FFF2-40B4-BE49-F238E27FC236}">
+                <a16:creationId xmlns:a16="http://schemas.microsoft.com/office/drawing/2014/main" id="{4773F0E6-76DF-460F-BC21-5E104D36092E}"/>
+              </a:ext>
+            </a:extLst>
+          </p:cNvPr>
+          <p:cNvSpPr txBox="1"/>
+          <p:nvPr/>
+        </p:nvSpPr>
+        <p:spPr>
+          <a:xfrm>
+            <a:off x="3536283" y="4590500"/>
+            <a:ext cx="1685654" cy="646331"/>
+          </a:xfrm>
+          <a:prstGeom prst="rect">
+            <a:avLst/>
+          </a:prstGeom>
+          <a:noFill/>
+        </p:spPr>
+        <p:txBody>
+          <a:bodyPr wrap="square" rtlCol="0">
+            <a:spAutoFit/>
+          </a:bodyPr>
+          <a:lstStyle/>
+          <a:p>
+            <a:r>
+              <a:rPr lang="en-GB"/>
+              <a:t>Monochromatic light</a:t>
+            </a:r>
+          </a:p>
+        </p:txBody>
+      </p:sp>
+      <p:grpSp>
+        <p:nvGrpSpPr>
+          <p:cNvPr id="38" name="Group 37">
+            <a:extLst>
+              <a:ext uri="{FF2B5EF4-FFF2-40B4-BE49-F238E27FC236}">
+                <a16:creationId xmlns:a16="http://schemas.microsoft.com/office/drawing/2014/main" id="{2F60FA4A-A26B-4B94-B896-D0B9CA679F41}"/>
+              </a:ext>
+            </a:extLst>
+          </p:cNvPr>
+          <p:cNvGrpSpPr/>
+          <p:nvPr/>
+        </p:nvGrpSpPr>
+        <p:grpSpPr>
+          <a:xfrm>
+            <a:off x="363549" y="1749810"/>
+            <a:ext cx="2494916" cy="982289"/>
+            <a:chOff x="401216" y="2528564"/>
+            <a:chExt cx="2494916" cy="982289"/>
+          </a:xfrm>
+        </p:grpSpPr>
+        <p:grpSp>
+          <p:nvGrpSpPr>
+            <p:cNvPr id="29" name="Group 28">
+              <a:extLst>
+                <a:ext uri="{FF2B5EF4-FFF2-40B4-BE49-F238E27FC236}">
+                  <a16:creationId xmlns:a16="http://schemas.microsoft.com/office/drawing/2014/main" id="{BD0D9507-A0E0-4278-AEA6-A79B3CA2964A}"/>
+                </a:ext>
+              </a:extLst>
+            </p:cNvPr>
+            <p:cNvGrpSpPr/>
+            <p:nvPr/>
+          </p:nvGrpSpPr>
+          <p:grpSpPr>
+            <a:xfrm>
+              <a:off x="1616016" y="2528564"/>
+              <a:ext cx="1280116" cy="982289"/>
+              <a:chOff x="1590962" y="2537895"/>
+              <a:chExt cx="1280116" cy="982289"/>
+            </a:xfrm>
+          </p:grpSpPr>
+          <p:sp>
+            <p:nvSpPr>
+              <p:cNvPr id="22" name="Flowchart: Connector 21">
+                <a:extLst>
+                  <a:ext uri="{FF2B5EF4-FFF2-40B4-BE49-F238E27FC236}">
+                    <a16:creationId xmlns:a16="http://schemas.microsoft.com/office/drawing/2014/main" id="{7B469CE2-DAE4-4079-B1AA-DE18F61388E4}"/>
+                  </a:ext>
+                </a:extLst>
+              </p:cNvPr>
+              <p:cNvSpPr>
+                <a:spLocks noChangeAspect="1"/>
+              </p:cNvSpPr>
+              <p:nvPr/>
+            </p:nvSpPr>
+            <p:spPr>
+              <a:xfrm>
+                <a:off x="2070978" y="2628616"/>
+                <a:ext cx="800100" cy="800100"/>
+              </a:xfrm>
+              <a:prstGeom prst="flowChartConnector">
+                <a:avLst/>
+              </a:prstGeom>
+              <a:solidFill>
+                <a:schemeClr val="accent4">
+                  <a:lumMod val="20000"/>
+                  <a:lumOff val="80000"/>
+                </a:schemeClr>
+              </a:solidFill>
+              <a:ln>
+                <a:noFill/>
+              </a:ln>
+            </p:spPr>
+            <p:style>
+              <a:lnRef idx="2">
+                <a:schemeClr val="accent1">
+                  <a:shade val="50000"/>
+                </a:schemeClr>
+              </a:lnRef>
+              <a:fillRef idx="1">
+                <a:schemeClr val="accent1"/>
+              </a:fillRef>
+              <a:effectRef idx="0">
+                <a:schemeClr val="accent1"/>
+              </a:effectRef>
+              <a:fontRef idx="minor">
+                <a:schemeClr val="lt1"/>
+              </a:fontRef>
+            </p:style>
+            <p:txBody>
+              <a:bodyPr rtlCol="0" anchor="ctr"/>
+              <a:lstStyle/>
+              <a:p>
+                <a:pPr algn="ctr"/>
+                <a:endParaRPr lang="en-GB" sz="2000"/>
+              </a:p>
+            </p:txBody>
+          </p:sp>
+          <p:sp>
+            <p:nvSpPr>
+              <p:cNvPr id="27" name="Rectangle 26">
+                <a:extLst>
+                  <a:ext uri="{FF2B5EF4-FFF2-40B4-BE49-F238E27FC236}">
+                    <a16:creationId xmlns:a16="http://schemas.microsoft.com/office/drawing/2014/main" id="{E785DD32-F2C9-4267-B90C-879D728FB44F}"/>
+                  </a:ext>
+                </a:extLst>
+              </p:cNvPr>
+              <p:cNvSpPr/>
+              <p:nvPr/>
+            </p:nvSpPr>
+            <p:spPr>
+              <a:xfrm>
+                <a:off x="1644292" y="2628614"/>
+                <a:ext cx="800100" cy="795528"/>
+              </a:xfrm>
+              <a:prstGeom prst="rect">
+                <a:avLst/>
+              </a:prstGeom>
+              <a:solidFill>
+                <a:schemeClr val="accent4">
+                  <a:lumMod val="20000"/>
+                  <a:lumOff val="80000"/>
+                </a:schemeClr>
+              </a:solidFill>
+              <a:ln>
+                <a:noFill/>
+              </a:ln>
+            </p:spPr>
+            <p:style>
+              <a:lnRef idx="2">
+                <a:schemeClr val="accent1">
+                  <a:shade val="50000"/>
+                </a:schemeClr>
+              </a:lnRef>
+              <a:fillRef idx="1">
+                <a:schemeClr val="accent1"/>
+              </a:fillRef>
+              <a:effectRef idx="0">
+                <a:schemeClr val="accent1"/>
+              </a:effectRef>
+              <a:fontRef idx="minor">
+                <a:schemeClr val="lt1"/>
+              </a:fontRef>
+            </p:style>
+            <p:txBody>
+              <a:bodyPr rtlCol="0" anchor="ctr"/>
+              <a:lstStyle/>
+              <a:p>
+                <a:pPr algn="ctr"/>
+                <a:endParaRPr lang="en-GB"/>
+              </a:p>
+            </p:txBody>
+          </p:sp>
+          <p:sp>
+            <p:nvSpPr>
+              <p:cNvPr id="28" name="Rectangle 27">
+                <a:extLst>
+                  <a:ext uri="{FF2B5EF4-FFF2-40B4-BE49-F238E27FC236}">
+                    <a16:creationId xmlns:a16="http://schemas.microsoft.com/office/drawing/2014/main" id="{C437264B-4C93-4835-BBDC-A0C304FCAC9D}"/>
+                  </a:ext>
+                </a:extLst>
+              </p:cNvPr>
+              <p:cNvSpPr/>
+              <p:nvPr/>
+            </p:nvSpPr>
+            <p:spPr>
+              <a:xfrm>
+                <a:off x="1590962" y="2537895"/>
+                <a:ext cx="74095" cy="982289"/>
+              </a:xfrm>
+              <a:prstGeom prst="rect">
+                <a:avLst/>
+              </a:prstGeom>
+              <a:solidFill>
+                <a:schemeClr val="accent4">
+                  <a:lumMod val="20000"/>
+                  <a:lumOff val="80000"/>
+                </a:schemeClr>
+              </a:solidFill>
+              <a:ln>
+                <a:noFill/>
+              </a:ln>
+            </p:spPr>
+            <p:style>
+              <a:lnRef idx="2">
+                <a:schemeClr val="accent1">
+                  <a:shade val="50000"/>
+                </a:schemeClr>
+              </a:lnRef>
+              <a:fillRef idx="1">
+                <a:schemeClr val="accent1"/>
+              </a:fillRef>
+              <a:effectRef idx="0">
+                <a:schemeClr val="accent1"/>
+              </a:effectRef>
+              <a:fontRef idx="minor">
+                <a:schemeClr val="lt1"/>
+              </a:fontRef>
+            </p:style>
+            <p:txBody>
+              <a:bodyPr rtlCol="0" anchor="ctr"/>
+              <a:lstStyle/>
+              <a:p>
+                <a:pPr algn="ctr"/>
+                <a:endParaRPr lang="en-GB"/>
+              </a:p>
+            </p:txBody>
+          </p:sp>
+        </p:grpSp>
+        <p:cxnSp>
+          <p:nvCxnSpPr>
+            <p:cNvPr id="32" name="Straight Connector 31">
+              <a:extLst>
+                <a:ext uri="{FF2B5EF4-FFF2-40B4-BE49-F238E27FC236}">
+                  <a16:creationId xmlns:a16="http://schemas.microsoft.com/office/drawing/2014/main" id="{F18D0664-6F35-4378-9F9D-F518CF29F92D}"/>
+                </a:ext>
+              </a:extLst>
+            </p:cNvPr>
+            <p:cNvCxnSpPr/>
+            <p:nvPr/>
+          </p:nvCxnSpPr>
+          <p:spPr>
+            <a:xfrm>
+              <a:off x="662473" y="2867009"/>
+              <a:ext cx="953543" cy="0"/>
+            </a:xfrm>
+            <a:prstGeom prst="line">
+              <a:avLst/>
+            </a:prstGeom>
+            <a:ln w="31750">
+              <a:solidFill>
+                <a:schemeClr val="tx1"/>
+              </a:solidFill>
+            </a:ln>
+          </p:spPr>
+          <p:style>
+            <a:lnRef idx="1">
+              <a:schemeClr val="accent1"/>
+            </a:lnRef>
+            <a:fillRef idx="0">
+              <a:schemeClr val="accent1"/>
+            </a:fillRef>
+            <a:effectRef idx="0">
+              <a:schemeClr val="accent1"/>
+            </a:effectRef>
+            <a:fontRef idx="minor">
+              <a:schemeClr val="tx1"/>
+            </a:fontRef>
+          </p:style>
+        </p:cxnSp>
+        <p:cxnSp>
+          <p:nvCxnSpPr>
+            <p:cNvPr id="36" name="Straight Connector 35">
+              <a:extLst>
+                <a:ext uri="{FF2B5EF4-FFF2-40B4-BE49-F238E27FC236}">
+                  <a16:creationId xmlns:a16="http://schemas.microsoft.com/office/drawing/2014/main" id="{C9A08E2C-FB4F-4C11-9930-B52791DE6CEC}"/>
+                </a:ext>
+              </a:extLst>
+            </p:cNvPr>
+            <p:cNvCxnSpPr>
+              <a:cxnSpLocks/>
+            </p:cNvCxnSpPr>
+            <p:nvPr/>
+          </p:nvCxnSpPr>
+          <p:spPr>
+            <a:xfrm>
+              <a:off x="401216" y="3122046"/>
+              <a:ext cx="1214799" cy="0"/>
+            </a:xfrm>
+            <a:prstGeom prst="line">
+              <a:avLst/>
+            </a:prstGeom>
+            <a:ln w="31750">
+              <a:solidFill>
+                <a:schemeClr val="tx1"/>
+              </a:solidFill>
+            </a:ln>
+          </p:spPr>
+          <p:style>
+            <a:lnRef idx="1">
+              <a:schemeClr val="accent1"/>
+            </a:lnRef>
+            <a:fillRef idx="0">
+              <a:schemeClr val="accent1"/>
+            </a:fillRef>
+            <a:effectRef idx="0">
+              <a:schemeClr val="accent1"/>
+            </a:effectRef>
+            <a:fontRef idx="minor">
+              <a:schemeClr val="tx1"/>
+            </a:fontRef>
+          </p:style>
+        </p:cxnSp>
+      </p:grpSp>
+      <p:grpSp>
+        <p:nvGrpSpPr>
+          <p:cNvPr id="39" name="Group 38">
+            <a:extLst>
+              <a:ext uri="{FF2B5EF4-FFF2-40B4-BE49-F238E27FC236}">
+                <a16:creationId xmlns:a16="http://schemas.microsoft.com/office/drawing/2014/main" id="{C004C454-D693-4011-AC12-F29D4B0896D7}"/>
+              </a:ext>
+            </a:extLst>
+          </p:cNvPr>
+          <p:cNvGrpSpPr/>
+          <p:nvPr/>
+        </p:nvGrpSpPr>
+        <p:grpSpPr>
+          <a:xfrm>
+            <a:off x="330890" y="3374798"/>
+            <a:ext cx="2494916" cy="982289"/>
+            <a:chOff x="401216" y="2528564"/>
+            <a:chExt cx="2494916" cy="982289"/>
+          </a:xfrm>
+        </p:grpSpPr>
+        <p:grpSp>
+          <p:nvGrpSpPr>
+            <p:cNvPr id="40" name="Group 39">
+              <a:extLst>
+                <a:ext uri="{FF2B5EF4-FFF2-40B4-BE49-F238E27FC236}">
+                  <a16:creationId xmlns:a16="http://schemas.microsoft.com/office/drawing/2014/main" id="{B11E3C1C-9C4B-4C97-9AA1-521B85CC20C3}"/>
+                </a:ext>
+              </a:extLst>
+            </p:cNvPr>
+            <p:cNvGrpSpPr/>
+            <p:nvPr/>
+          </p:nvGrpSpPr>
+          <p:grpSpPr>
+            <a:xfrm>
+              <a:off x="1616016" y="2528564"/>
+              <a:ext cx="1280116" cy="982289"/>
+              <a:chOff x="1590962" y="2537895"/>
+              <a:chExt cx="1280116" cy="982289"/>
+            </a:xfrm>
+          </p:grpSpPr>
+          <p:sp>
+            <p:nvSpPr>
+              <p:cNvPr id="43" name="Flowchart: Connector 42">
+                <a:extLst>
+                  <a:ext uri="{FF2B5EF4-FFF2-40B4-BE49-F238E27FC236}">
+                    <a16:creationId xmlns:a16="http://schemas.microsoft.com/office/drawing/2014/main" id="{544DEE33-BE69-4FE0-95E7-126012C94AA6}"/>
+                  </a:ext>
+                </a:extLst>
+              </p:cNvPr>
+              <p:cNvSpPr>
+                <a:spLocks noChangeAspect="1"/>
+              </p:cNvSpPr>
+              <p:nvPr/>
+            </p:nvSpPr>
+            <p:spPr>
+              <a:xfrm>
+                <a:off x="2070978" y="2628616"/>
+                <a:ext cx="800100" cy="800100"/>
+              </a:xfrm>
+              <a:prstGeom prst="flowChartConnector">
+                <a:avLst/>
+              </a:prstGeom>
+              <a:solidFill>
+                <a:schemeClr val="accent6">
+                  <a:lumMod val="20000"/>
+                  <a:lumOff val="80000"/>
+                </a:schemeClr>
+              </a:solidFill>
+              <a:ln>
+                <a:noFill/>
+              </a:ln>
+            </p:spPr>
+            <p:style>
+              <a:lnRef idx="2">
+                <a:schemeClr val="accent1">
+                  <a:shade val="50000"/>
+                </a:schemeClr>
+              </a:lnRef>
+              <a:fillRef idx="1">
+                <a:schemeClr val="accent1"/>
+              </a:fillRef>
+              <a:effectRef idx="0">
+                <a:schemeClr val="accent1"/>
+              </a:effectRef>
+              <a:fontRef idx="minor">
+                <a:schemeClr val="lt1"/>
+              </a:fontRef>
+            </p:style>
+            <p:txBody>
+              <a:bodyPr rtlCol="0" anchor="ctr"/>
+              <a:lstStyle/>
+              <a:p>
+                <a:pPr algn="ctr"/>
+                <a:endParaRPr lang="en-GB" sz="2000"/>
+              </a:p>
+            </p:txBody>
+          </p:sp>
+          <p:sp>
+            <p:nvSpPr>
+              <p:cNvPr id="44" name="Rectangle 43">
+                <a:extLst>
+                  <a:ext uri="{FF2B5EF4-FFF2-40B4-BE49-F238E27FC236}">
+                    <a16:creationId xmlns:a16="http://schemas.microsoft.com/office/drawing/2014/main" id="{405DAC90-3B75-45D9-ABDE-1903BC992141}"/>
+                  </a:ext>
+                </a:extLst>
+              </p:cNvPr>
+              <p:cNvSpPr/>
+              <p:nvPr/>
+            </p:nvSpPr>
+            <p:spPr>
+              <a:xfrm>
+                <a:off x="1644292" y="2628614"/>
+                <a:ext cx="800100" cy="795528"/>
+              </a:xfrm>
+              <a:prstGeom prst="rect">
+                <a:avLst/>
+              </a:prstGeom>
+              <a:solidFill>
+                <a:schemeClr val="accent6">
+                  <a:lumMod val="20000"/>
+                  <a:lumOff val="80000"/>
+                </a:schemeClr>
+              </a:solidFill>
+              <a:ln>
+                <a:noFill/>
+              </a:ln>
+            </p:spPr>
+            <p:style>
+              <a:lnRef idx="2">
+                <a:schemeClr val="accent1">
+                  <a:shade val="50000"/>
+                </a:schemeClr>
+              </a:lnRef>
+              <a:fillRef idx="1">
+                <a:schemeClr val="accent1"/>
+              </a:fillRef>
+              <a:effectRef idx="0">
+                <a:schemeClr val="accent1"/>
+              </a:effectRef>
+              <a:fontRef idx="minor">
+                <a:schemeClr val="lt1"/>
+              </a:fontRef>
+            </p:style>
+            <p:txBody>
+              <a:bodyPr rtlCol="0" anchor="ctr"/>
+              <a:lstStyle/>
+              <a:p>
+                <a:pPr algn="ctr"/>
+                <a:endParaRPr lang="en-GB"/>
+              </a:p>
+            </p:txBody>
+          </p:sp>
+          <p:sp>
+            <p:nvSpPr>
+              <p:cNvPr id="45" name="Rectangle 44">
+                <a:extLst>
+                  <a:ext uri="{FF2B5EF4-FFF2-40B4-BE49-F238E27FC236}">
+                    <a16:creationId xmlns:a16="http://schemas.microsoft.com/office/drawing/2014/main" id="{089EBE16-4E77-44AB-B8C3-CDF3808D3C1A}"/>
+                  </a:ext>
+                </a:extLst>
+              </p:cNvPr>
+              <p:cNvSpPr/>
+              <p:nvPr/>
+            </p:nvSpPr>
+            <p:spPr>
+              <a:xfrm>
+                <a:off x="1590962" y="2537895"/>
+                <a:ext cx="74095" cy="982289"/>
+              </a:xfrm>
+              <a:prstGeom prst="rect">
+                <a:avLst/>
+              </a:prstGeom>
+              <a:solidFill>
+                <a:schemeClr val="accent6">
+                  <a:lumMod val="20000"/>
+                  <a:lumOff val="80000"/>
+                </a:schemeClr>
+              </a:solidFill>
+              <a:ln>
+                <a:noFill/>
+              </a:ln>
+            </p:spPr>
+            <p:style>
+              <a:lnRef idx="2">
+                <a:schemeClr val="accent1">
+                  <a:shade val="50000"/>
+                </a:schemeClr>
+              </a:lnRef>
+              <a:fillRef idx="1">
+                <a:schemeClr val="accent1"/>
+              </a:fillRef>
+              <a:effectRef idx="0">
+                <a:schemeClr val="accent1"/>
+              </a:effectRef>
+              <a:fontRef idx="minor">
+                <a:schemeClr val="lt1"/>
+              </a:fontRef>
+            </p:style>
+            <p:txBody>
+              <a:bodyPr rtlCol="0" anchor="ctr"/>
+              <a:lstStyle/>
+              <a:p>
+                <a:pPr algn="ctr"/>
+                <a:endParaRPr lang="en-GB"/>
+              </a:p>
+            </p:txBody>
+          </p:sp>
+        </p:grpSp>
+        <p:cxnSp>
+          <p:nvCxnSpPr>
+            <p:cNvPr id="41" name="Straight Connector 40">
+              <a:extLst>
+                <a:ext uri="{FF2B5EF4-FFF2-40B4-BE49-F238E27FC236}">
+                  <a16:creationId xmlns:a16="http://schemas.microsoft.com/office/drawing/2014/main" id="{9922AC13-702A-4B32-8BCC-AC2EED69F6F8}"/>
+                </a:ext>
+              </a:extLst>
+            </p:cNvPr>
+            <p:cNvCxnSpPr/>
+            <p:nvPr/>
+          </p:nvCxnSpPr>
+          <p:spPr>
+            <a:xfrm>
+              <a:off x="662473" y="2867009"/>
+              <a:ext cx="953543" cy="0"/>
+            </a:xfrm>
+            <a:prstGeom prst="line">
+              <a:avLst/>
+            </a:prstGeom>
+            <a:ln w="31750">
+              <a:solidFill>
+                <a:schemeClr val="tx1"/>
+              </a:solidFill>
+            </a:ln>
+          </p:spPr>
+          <p:style>
+            <a:lnRef idx="1">
+              <a:schemeClr val="accent1"/>
+            </a:lnRef>
+            <a:fillRef idx="0">
+              <a:schemeClr val="accent1"/>
+            </a:fillRef>
+            <a:effectRef idx="0">
+              <a:schemeClr val="accent1"/>
+            </a:effectRef>
+            <a:fontRef idx="minor">
+              <a:schemeClr val="tx1"/>
+            </a:fontRef>
+          </p:style>
+        </p:cxnSp>
+        <p:cxnSp>
+          <p:nvCxnSpPr>
+            <p:cNvPr id="42" name="Straight Connector 41">
+              <a:extLst>
+                <a:ext uri="{FF2B5EF4-FFF2-40B4-BE49-F238E27FC236}">
+                  <a16:creationId xmlns:a16="http://schemas.microsoft.com/office/drawing/2014/main" id="{CA33691C-BDFB-4024-AD38-A4C443B4972E}"/>
+                </a:ext>
+              </a:extLst>
+            </p:cNvPr>
+            <p:cNvCxnSpPr>
+              <a:cxnSpLocks/>
+            </p:cNvCxnSpPr>
+            <p:nvPr/>
+          </p:nvCxnSpPr>
+          <p:spPr>
+            <a:xfrm>
+              <a:off x="401216" y="3122046"/>
+              <a:ext cx="1214799" cy="0"/>
+            </a:xfrm>
+            <a:prstGeom prst="line">
+              <a:avLst/>
+            </a:prstGeom>
+            <a:ln w="31750">
+              <a:solidFill>
+                <a:schemeClr val="tx1"/>
+              </a:solidFill>
+            </a:ln>
+          </p:spPr>
+          <p:style>
+            <a:lnRef idx="1">
+              <a:schemeClr val="accent1"/>
+            </a:lnRef>
+            <a:fillRef idx="0">
+              <a:schemeClr val="accent1"/>
+            </a:fillRef>
+            <a:effectRef idx="0">
+              <a:schemeClr val="accent1"/>
+            </a:effectRef>
+            <a:fontRef idx="minor">
+              <a:schemeClr val="tx1"/>
+            </a:fontRef>
+          </p:style>
+        </p:cxnSp>
+      </p:grpSp>
+      <p:cxnSp>
+        <p:nvCxnSpPr>
+          <p:cNvPr id="47" name="Straight Connector 46">
+            <a:extLst>
+              <a:ext uri="{FF2B5EF4-FFF2-40B4-BE49-F238E27FC236}">
+                <a16:creationId xmlns:a16="http://schemas.microsoft.com/office/drawing/2014/main" id="{9BE85294-7B82-4500-9734-2029072D4B0F}"/>
+              </a:ext>
+            </a:extLst>
+          </p:cNvPr>
+          <p:cNvCxnSpPr>
+            <a:cxnSpLocks/>
+          </p:cNvCxnSpPr>
+          <p:nvPr/>
+        </p:nvCxnSpPr>
+        <p:spPr>
+          <a:xfrm>
+            <a:off x="5962862" y="5168356"/>
+            <a:ext cx="0" cy="1080000"/>
+          </a:xfrm>
+          <a:prstGeom prst="line">
+            <a:avLst/>
+          </a:prstGeom>
+          <a:ln w="19050">
+            <a:solidFill>
+              <a:schemeClr val="tx1"/>
+            </a:solidFill>
+          </a:ln>
+        </p:spPr>
+        <p:style>
+          <a:lnRef idx="1">
+            <a:schemeClr val="accent1"/>
+          </a:lnRef>
+          <a:fillRef idx="0">
+            <a:schemeClr val="accent1"/>
+          </a:fillRef>
+          <a:effectRef idx="0">
+            <a:schemeClr val="accent1"/>
+          </a:effectRef>
+          <a:fontRef idx="minor">
+            <a:schemeClr val="tx1"/>
+          </a:fontRef>
+        </p:style>
+      </p:cxnSp>
+      <p:cxnSp>
+        <p:nvCxnSpPr>
+          <p:cNvPr id="49" name="Straight Connector 48">
+            <a:extLst>
+              <a:ext uri="{FF2B5EF4-FFF2-40B4-BE49-F238E27FC236}">
+                <a16:creationId xmlns:a16="http://schemas.microsoft.com/office/drawing/2014/main" id="{8AEEF65A-D3DF-42CF-81AD-CB0305D0D514}"/>
+              </a:ext>
+            </a:extLst>
+          </p:cNvPr>
+          <p:cNvCxnSpPr>
+            <a:cxnSpLocks/>
+          </p:cNvCxnSpPr>
+          <p:nvPr/>
+        </p:nvCxnSpPr>
+        <p:spPr>
+          <a:xfrm>
+            <a:off x="6845912" y="5168356"/>
+            <a:ext cx="0" cy="1080000"/>
+          </a:xfrm>
+          <a:prstGeom prst="line">
+            <a:avLst/>
+          </a:prstGeom>
+          <a:ln w="19050">
+            <a:solidFill>
+              <a:schemeClr val="tx1"/>
+            </a:solidFill>
+          </a:ln>
+        </p:spPr>
+        <p:style>
+          <a:lnRef idx="1">
+            <a:schemeClr val="accent1"/>
+          </a:lnRef>
+          <a:fillRef idx="0">
+            <a:schemeClr val="accent1"/>
+          </a:fillRef>
+          <a:effectRef idx="0">
+            <a:schemeClr val="accent1"/>
+          </a:effectRef>
+          <a:fontRef idx="minor">
+            <a:schemeClr val="tx1"/>
+          </a:fontRef>
+        </p:style>
+      </p:cxnSp>
+      <p:sp>
+        <p:nvSpPr>
+          <p:cNvPr id="50" name="TextBox 49">
+            <a:extLst>
+              <a:ext uri="{FF2B5EF4-FFF2-40B4-BE49-F238E27FC236}">
+                <a16:creationId xmlns:a16="http://schemas.microsoft.com/office/drawing/2014/main" id="{A37673ED-38E4-4612-8B43-017F4B88C867}"/>
+              </a:ext>
+            </a:extLst>
+          </p:cNvPr>
+          <p:cNvSpPr txBox="1"/>
+          <p:nvPr/>
+        </p:nvSpPr>
+        <p:spPr>
+          <a:xfrm>
+            <a:off x="6251140" y="6012374"/>
+            <a:ext cx="306494" cy="369332"/>
+          </a:xfrm>
+          <a:prstGeom prst="rect">
+            <a:avLst/>
+          </a:prstGeom>
+          <a:noFill/>
+        </p:spPr>
+        <p:txBody>
+          <a:bodyPr wrap="square" rtlCol="0">
+            <a:spAutoFit/>
+          </a:bodyPr>
+          <a:lstStyle/>
+          <a:p>
+            <a:r>
+              <a:rPr lang="en-GB"/>
+              <a:t>d</a:t>
+            </a:r>
+          </a:p>
+        </p:txBody>
+      </p:sp>
+      <p:cxnSp>
+        <p:nvCxnSpPr>
+          <p:cNvPr id="52" name="Straight Arrow Connector 51">
+            <a:extLst>
+              <a:ext uri="{FF2B5EF4-FFF2-40B4-BE49-F238E27FC236}">
+                <a16:creationId xmlns:a16="http://schemas.microsoft.com/office/drawing/2014/main" id="{5A86AD31-082A-4ABF-8755-A9F8F6CE03E7}"/>
+              </a:ext>
+            </a:extLst>
+          </p:cNvPr>
+          <p:cNvCxnSpPr>
+            <a:cxnSpLocks/>
+          </p:cNvCxnSpPr>
+          <p:nvPr/>
+        </p:nvCxnSpPr>
+        <p:spPr>
+          <a:xfrm>
+            <a:off x="5972387" y="5981700"/>
+            <a:ext cx="864000" cy="0"/>
+          </a:xfrm>
+          <a:prstGeom prst="straightConnector1">
+            <a:avLst/>
+          </a:prstGeom>
+          <a:ln>
+            <a:headEnd type="triangle" w="lg" len="med"/>
+            <a:tailEnd type="triangle" w="lg" len="med"/>
+          </a:ln>
+        </p:spPr>
+        <p:style>
+          <a:lnRef idx="1">
+            <a:schemeClr val="accent1"/>
+          </a:lnRef>
+          <a:fillRef idx="0">
+            <a:schemeClr val="accent1"/>
+          </a:fillRef>
+          <a:effectRef idx="0">
+            <a:schemeClr val="accent1"/>
+          </a:effectRef>
+          <a:fontRef idx="minor">
+            <a:schemeClr val="tx1"/>
+          </a:fontRef>
+        </p:style>
+      </p:cxnSp>
+      <p:sp>
+        <p:nvSpPr>
+          <p:cNvPr id="54" name="TextBox 53">
+            <a:extLst>
+              <a:ext uri="{FF2B5EF4-FFF2-40B4-BE49-F238E27FC236}">
+                <a16:creationId xmlns:a16="http://schemas.microsoft.com/office/drawing/2014/main" id="{6F2F37FF-84A8-4C4B-B983-A3A232241D06}"/>
+              </a:ext>
+            </a:extLst>
+          </p:cNvPr>
+          <p:cNvSpPr txBox="1"/>
+          <p:nvPr/>
+        </p:nvSpPr>
+        <p:spPr>
+          <a:xfrm>
+            <a:off x="6121676" y="2835043"/>
+            <a:ext cx="657552" cy="369332"/>
+          </a:xfrm>
+          <a:prstGeom prst="rect">
+            <a:avLst/>
+          </a:prstGeom>
+          <a:noFill/>
+        </p:spPr>
+        <p:txBody>
+          <a:bodyPr wrap="square" rtlCol="0">
+            <a:spAutoFit/>
+          </a:bodyPr>
+          <a:lstStyle/>
+          <a:p>
+            <a:r>
+              <a:rPr lang="en-GB"/>
+              <a:t>ε</a:t>
+            </a:r>
+            <a:r>
+              <a:rPr lang="en-GB" baseline="-25000"/>
+              <a:t>λ </a:t>
+            </a:r>
+            <a:r>
+              <a:rPr lang="en-GB"/>
+              <a:t>, c </a:t>
+            </a:r>
+          </a:p>
+        </p:txBody>
+      </p:sp>
+      <p:sp>
+        <p:nvSpPr>
+          <p:cNvPr id="67" name="Rectangle 66">
+            <a:extLst>
+              <a:ext uri="{FF2B5EF4-FFF2-40B4-BE49-F238E27FC236}">
+                <a16:creationId xmlns:a16="http://schemas.microsoft.com/office/drawing/2014/main" id="{DC0E07C3-8D22-4171-8F5E-D989864CB73B}"/>
+              </a:ext>
+            </a:extLst>
+          </p:cNvPr>
+          <p:cNvSpPr/>
+          <p:nvPr/>
+        </p:nvSpPr>
+        <p:spPr>
+          <a:xfrm>
+            <a:off x="10115397" y="2238293"/>
+            <a:ext cx="161925" cy="1620685"/>
+          </a:xfrm>
+          <a:prstGeom prst="rect">
+            <a:avLst/>
+          </a:prstGeom>
+          <a:solidFill>
+            <a:schemeClr val="accent1">
+              <a:lumMod val="75000"/>
+            </a:schemeClr>
+          </a:solidFill>
+          <a:ln>
+            <a:solidFill>
+              <a:schemeClr val="accent1">
+                <a:lumMod val="75000"/>
+              </a:schemeClr>
+            </a:solidFill>
+          </a:ln>
+        </p:spPr>
+        <p:style>
+          <a:lnRef idx="2">
+            <a:schemeClr val="accent1">
+              <a:shade val="50000"/>
+            </a:schemeClr>
+          </a:lnRef>
+          <a:fillRef idx="1">
+            <a:schemeClr val="accent1"/>
+          </a:fillRef>
+          <a:effectRef idx="0">
+            <a:schemeClr val="accent1"/>
+          </a:effectRef>
+          <a:fontRef idx="minor">
+            <a:schemeClr val="lt1"/>
+          </a:fontRef>
+        </p:style>
+        <p:txBody>
+          <a:bodyPr rtlCol="0" anchor="ctr"/>
+          <a:lstStyle/>
+          <a:p>
+            <a:pPr algn="ctr"/>
+            <a:endParaRPr lang="en-GB"/>
+          </a:p>
+        </p:txBody>
+      </p:sp>
+      <p:sp>
+        <p:nvSpPr>
+          <p:cNvPr id="68" name="TextBox 67">
+            <a:extLst>
+              <a:ext uri="{FF2B5EF4-FFF2-40B4-BE49-F238E27FC236}">
+                <a16:creationId xmlns:a16="http://schemas.microsoft.com/office/drawing/2014/main" id="{8E2A7D64-2B5E-42F2-B027-DAF28C3BC5EB}"/>
+              </a:ext>
+            </a:extLst>
+          </p:cNvPr>
+          <p:cNvSpPr txBox="1"/>
+          <p:nvPr/>
+        </p:nvSpPr>
+        <p:spPr>
+          <a:xfrm>
+            <a:off x="9897856" y="4619346"/>
+            <a:ext cx="1509781" cy="646331"/>
+          </a:xfrm>
+          <a:prstGeom prst="rect">
+            <a:avLst/>
+          </a:prstGeom>
+          <a:noFill/>
+        </p:spPr>
+        <p:txBody>
+          <a:bodyPr wrap="square" rtlCol="0">
+            <a:spAutoFit/>
+          </a:bodyPr>
+          <a:lstStyle/>
+          <a:p>
+            <a:r>
+              <a:rPr lang="en-GB"/>
+              <a:t>Light</a:t>
+            </a:r>
+            <a:br>
+              <a:rPr lang="en-GB"/>
+            </a:br>
+            <a:r>
+              <a:rPr lang="en-GB"/>
+              <a:t>sensor</a:t>
+            </a:r>
+          </a:p>
+        </p:txBody>
+      </p:sp>
+      <p:sp>
+        <p:nvSpPr>
+          <p:cNvPr id="70" name="Rectangle 69">
+            <a:extLst>
+              <a:ext uri="{FF2B5EF4-FFF2-40B4-BE49-F238E27FC236}">
+                <a16:creationId xmlns:a16="http://schemas.microsoft.com/office/drawing/2014/main" id="{909C6DCF-DC74-4FC9-981B-8D9A4E925FE1}"/>
+              </a:ext>
+            </a:extLst>
+          </p:cNvPr>
+          <p:cNvSpPr/>
+          <p:nvPr/>
+        </p:nvSpPr>
+        <p:spPr>
+          <a:xfrm>
+            <a:off x="10056425" y="2783571"/>
+            <a:ext cx="72250" cy="472276"/>
+          </a:xfrm>
+          <a:prstGeom prst="rect">
+            <a:avLst/>
+          </a:prstGeom>
+          <a:solidFill>
+            <a:schemeClr val="accent1">
+              <a:lumMod val="75000"/>
+            </a:schemeClr>
+          </a:solidFill>
+          <a:ln>
+            <a:solidFill>
+              <a:schemeClr val="accent1">
+                <a:lumMod val="75000"/>
+              </a:schemeClr>
+            </a:solidFill>
+          </a:ln>
+        </p:spPr>
+        <p:style>
+          <a:lnRef idx="2">
+            <a:schemeClr val="accent1">
+              <a:shade val="50000"/>
+            </a:schemeClr>
+          </a:lnRef>
+          <a:fillRef idx="1">
+            <a:schemeClr val="accent1"/>
+          </a:fillRef>
+          <a:effectRef idx="0">
+            <a:schemeClr val="accent1"/>
+          </a:effectRef>
+          <a:fontRef idx="minor">
+            <a:schemeClr val="lt1"/>
+          </a:fontRef>
+        </p:style>
+        <p:txBody>
+          <a:bodyPr rtlCol="0" anchor="ctr"/>
+          <a:lstStyle/>
+          <a:p>
+            <a:pPr algn="ctr"/>
+            <a:endParaRPr lang="en-GB"/>
+          </a:p>
+        </p:txBody>
+      </p:sp>
+    </p:spTree>
+    <p:extLst>
+      <p:ext uri="{BB962C8B-B14F-4D97-AF65-F5344CB8AC3E}">
+        <p14:creationId xmlns:p14="http://schemas.microsoft.com/office/powerpoint/2010/main" val="2520899842"/>
+      </p:ext>
+    </p:extLst>
+  </p:cSld>
+  <p:clrMapOvr>
+    <a:masterClrMapping/>
+  </p:clrMapOvr>
+</p:sld>
+</file>
+
+<file path=ppt/slides/slide4.xml><?xml version="1.0" encoding="utf-8"?>
+<p:sld xmlns:a="http://schemas.openxmlformats.org/drawingml/2006/main" xmlns:r="http://schemas.openxmlformats.org/officeDocument/2006/relationships" xmlns:p="http://schemas.openxmlformats.org/presentationml/2006/main">
+  <p:cSld>
+    <p:spTree>
+      <p:nvGrpSpPr>
+        <p:cNvPr id="1" name=""/>
+        <p:cNvGrpSpPr/>
+        <p:nvPr/>
+      </p:nvGrpSpPr>
+      <p:grpSpPr>
+        <a:xfrm>
+          <a:off x="0" y="0"/>
+          <a:ext cx="0" cy="0"/>
+          <a:chOff x="0" y="0"/>
+          <a:chExt cx="0" cy="0"/>
+        </a:xfrm>
+      </p:grpSpPr>
+      <p:grpSp>
+        <p:nvGrpSpPr>
+          <p:cNvPr id="4" name="Group 3">
+            <a:extLst>
+              <a:ext uri="{FF2B5EF4-FFF2-40B4-BE49-F238E27FC236}">
+                <a16:creationId xmlns:a16="http://schemas.microsoft.com/office/drawing/2014/main" id="{65FE254B-7CAA-4BD8-9D6C-5FB205ED13BC}"/>
+              </a:ext>
+            </a:extLst>
+          </p:cNvPr>
+          <p:cNvGrpSpPr/>
+          <p:nvPr/>
+        </p:nvGrpSpPr>
+        <p:grpSpPr>
+          <a:xfrm>
+            <a:off x="5940649" y="671807"/>
+            <a:ext cx="914400" cy="4942245"/>
+            <a:chOff x="4139849" y="671807"/>
+            <a:chExt cx="914400" cy="4942245"/>
+          </a:xfrm>
+        </p:grpSpPr>
+        <p:sp>
+          <p:nvSpPr>
+            <p:cNvPr id="5" name="Flowchart: Connector 4">
+              <a:extLst>
+                <a:ext uri="{FF2B5EF4-FFF2-40B4-BE49-F238E27FC236}">
+                  <a16:creationId xmlns:a16="http://schemas.microsoft.com/office/drawing/2014/main" id="{E4C27693-4BEA-45EE-8AA5-200D7BA86054}"/>
+                </a:ext>
+              </a:extLst>
+            </p:cNvPr>
+            <p:cNvSpPr>
+              <a:spLocks noChangeAspect="1"/>
+            </p:cNvSpPr>
+            <p:nvPr/>
+          </p:nvSpPr>
+          <p:spPr>
+            <a:xfrm>
+              <a:off x="4146012" y="4708796"/>
+              <a:ext cx="905256" cy="905256"/>
+            </a:xfrm>
+            <a:prstGeom prst="flowChartConnector">
+              <a:avLst/>
+            </a:prstGeom>
+            <a:solidFill>
+              <a:srgbClr val="FFC000"/>
+            </a:solidFill>
+            <a:ln w="50800">
+              <a:solidFill>
+                <a:schemeClr val="accent1">
+                  <a:lumMod val="60000"/>
+                  <a:lumOff val="40000"/>
+                </a:schemeClr>
+              </a:solidFill>
+            </a:ln>
+          </p:spPr>
+          <p:style>
+            <a:lnRef idx="2">
+              <a:schemeClr val="accent1">
+                <a:shade val="50000"/>
+              </a:schemeClr>
+            </a:lnRef>
+            <a:fillRef idx="1">
+              <a:schemeClr val="accent1"/>
+            </a:fillRef>
+            <a:effectRef idx="0">
+              <a:schemeClr val="accent1"/>
+            </a:effectRef>
+            <a:fontRef idx="minor">
+              <a:schemeClr val="lt1"/>
+            </a:fontRef>
+          </p:style>
+          <p:txBody>
+            <a:bodyPr rtlCol="0" anchor="ctr"/>
+            <a:lstStyle/>
+            <a:p>
+              <a:pPr algn="ctr"/>
+              <a:endParaRPr lang="en-GB"/>
+            </a:p>
+          </p:txBody>
+        </p:sp>
+        <p:sp>
+          <p:nvSpPr>
+            <p:cNvPr id="6" name="Rectangle 5">
+              <a:extLst>
+                <a:ext uri="{FF2B5EF4-FFF2-40B4-BE49-F238E27FC236}">
+                  <a16:creationId xmlns:a16="http://schemas.microsoft.com/office/drawing/2014/main" id="{8A4D8A11-25CB-4E70-9D6C-47C3AD89E7DD}"/>
+                </a:ext>
+              </a:extLst>
+            </p:cNvPr>
+            <p:cNvSpPr/>
+            <p:nvPr/>
+          </p:nvSpPr>
+          <p:spPr>
+            <a:xfrm>
+              <a:off x="4139849" y="671807"/>
+              <a:ext cx="914400" cy="4467974"/>
+            </a:xfrm>
+            <a:prstGeom prst="rect">
+              <a:avLst/>
+            </a:prstGeom>
+            <a:solidFill>
+              <a:srgbClr val="FFC000"/>
+            </a:solidFill>
+            <a:ln w="50800">
+              <a:solidFill>
+                <a:schemeClr val="accent1">
+                  <a:lumMod val="60000"/>
+                  <a:lumOff val="40000"/>
+                </a:schemeClr>
+              </a:solidFill>
+            </a:ln>
+          </p:spPr>
+          <p:style>
+            <a:lnRef idx="2">
+              <a:schemeClr val="accent1">
+                <a:shade val="50000"/>
+              </a:schemeClr>
+            </a:lnRef>
+            <a:fillRef idx="1">
+              <a:schemeClr val="accent1"/>
+            </a:fillRef>
+            <a:effectRef idx="0">
+              <a:schemeClr val="accent1"/>
+            </a:effectRef>
+            <a:fontRef idx="minor">
+              <a:schemeClr val="lt1"/>
+            </a:fontRef>
+          </p:style>
+          <p:txBody>
+            <a:bodyPr rtlCol="0" anchor="ctr"/>
+            <a:lstStyle/>
+            <a:p>
+              <a:pPr algn="ctr"/>
+              <a:endParaRPr lang="en-GB"/>
+            </a:p>
+          </p:txBody>
+        </p:sp>
+        <p:cxnSp>
+          <p:nvCxnSpPr>
+            <p:cNvPr id="7" name="Straight Connector 6">
+              <a:extLst>
+                <a:ext uri="{FF2B5EF4-FFF2-40B4-BE49-F238E27FC236}">
+                  <a16:creationId xmlns:a16="http://schemas.microsoft.com/office/drawing/2014/main" id="{A88E747D-AC96-4B9C-A206-5B0578796406}"/>
+                </a:ext>
+              </a:extLst>
+            </p:cNvPr>
+            <p:cNvCxnSpPr>
+              <a:cxnSpLocks/>
+            </p:cNvCxnSpPr>
+            <p:nvPr/>
+          </p:nvCxnSpPr>
+          <p:spPr>
+            <a:xfrm>
+              <a:off x="4174380" y="5139781"/>
+              <a:ext cx="864000" cy="0"/>
+            </a:xfrm>
+            <a:prstGeom prst="line">
+              <a:avLst/>
+            </a:prstGeom>
+            <a:ln w="50800">
+              <a:solidFill>
+                <a:srgbClr val="FFC000"/>
+              </a:solidFill>
+            </a:ln>
+          </p:spPr>
+          <p:style>
+            <a:lnRef idx="1">
+              <a:schemeClr val="accent1"/>
+            </a:lnRef>
+            <a:fillRef idx="0">
+              <a:schemeClr val="accent1"/>
+            </a:fillRef>
+            <a:effectRef idx="0">
+              <a:schemeClr val="accent1"/>
+            </a:effectRef>
+            <a:fontRef idx="minor">
+              <a:schemeClr val="tx1"/>
+            </a:fontRef>
+          </p:style>
+        </p:cxnSp>
+        <p:cxnSp>
+          <p:nvCxnSpPr>
+            <p:cNvPr id="8" name="Straight Connector 7">
+              <a:extLst>
+                <a:ext uri="{FF2B5EF4-FFF2-40B4-BE49-F238E27FC236}">
+                  <a16:creationId xmlns:a16="http://schemas.microsoft.com/office/drawing/2014/main" id="{CDFD7F36-487B-40B1-80B6-8AB0E95C4D19}"/>
+                </a:ext>
+              </a:extLst>
+            </p:cNvPr>
+            <p:cNvCxnSpPr>
+              <a:cxnSpLocks/>
+            </p:cNvCxnSpPr>
+            <p:nvPr/>
+          </p:nvCxnSpPr>
+          <p:spPr>
+            <a:xfrm>
+              <a:off x="4171587" y="671807"/>
+              <a:ext cx="864000" cy="0"/>
+            </a:xfrm>
+            <a:prstGeom prst="line">
+              <a:avLst/>
+            </a:prstGeom>
+            <a:ln w="50800">
+              <a:solidFill>
+                <a:srgbClr val="FFC000"/>
+              </a:solidFill>
+            </a:ln>
+          </p:spPr>
+          <p:style>
+            <a:lnRef idx="1">
+              <a:schemeClr val="accent1"/>
+            </a:lnRef>
+            <a:fillRef idx="0">
+              <a:schemeClr val="accent1"/>
+            </a:fillRef>
+            <a:effectRef idx="0">
+              <a:schemeClr val="accent1"/>
+            </a:effectRef>
+            <a:fontRef idx="minor">
+              <a:schemeClr val="tx1"/>
+            </a:fontRef>
+          </p:style>
+        </p:cxnSp>
+      </p:grpSp>
+      <p:sp>
+        <p:nvSpPr>
+          <p:cNvPr id="10" name="TextBox 9">
+            <a:extLst>
+              <a:ext uri="{FF2B5EF4-FFF2-40B4-BE49-F238E27FC236}">
+                <a16:creationId xmlns:a16="http://schemas.microsoft.com/office/drawing/2014/main" id="{B6027752-24E1-4069-9EC0-DA3AD271858A}"/>
+              </a:ext>
+            </a:extLst>
+          </p:cNvPr>
+          <p:cNvSpPr txBox="1"/>
+          <p:nvPr/>
+        </p:nvSpPr>
+        <p:spPr>
+          <a:xfrm>
+            <a:off x="8621486" y="1625847"/>
+            <a:ext cx="1393523" cy="369332"/>
+          </a:xfrm>
+          <a:prstGeom prst="rect">
+            <a:avLst/>
+          </a:prstGeom>
+          <a:noFill/>
+        </p:spPr>
+        <p:txBody>
+          <a:bodyPr wrap="none" rtlCol="0">
+            <a:spAutoFit/>
+          </a:bodyPr>
+          <a:lstStyle/>
+          <a:p>
+            <a:r>
+              <a:rPr lang="en-GB" dirty="0"/>
+              <a:t>Transmission</a:t>
+            </a:r>
+          </a:p>
+        </p:txBody>
+      </p:sp>
+      <p:sp>
+        <p:nvSpPr>
+          <p:cNvPr id="11" name="TextBox 10">
+            <a:extLst>
+              <a:ext uri="{FF2B5EF4-FFF2-40B4-BE49-F238E27FC236}">
+                <a16:creationId xmlns:a16="http://schemas.microsoft.com/office/drawing/2014/main" id="{2EA37963-865F-4B6A-83C0-9BA721223D01}"/>
+              </a:ext>
+            </a:extLst>
+          </p:cNvPr>
+          <p:cNvSpPr txBox="1"/>
+          <p:nvPr/>
+        </p:nvSpPr>
+        <p:spPr>
+          <a:xfrm>
+            <a:off x="8621486" y="2281304"/>
+            <a:ext cx="1224438" cy="369332"/>
+          </a:xfrm>
+          <a:prstGeom prst="rect">
+            <a:avLst/>
+          </a:prstGeom>
+          <a:noFill/>
+        </p:spPr>
+        <p:txBody>
+          <a:bodyPr wrap="none" rtlCol="0">
+            <a:spAutoFit/>
+          </a:bodyPr>
+          <a:lstStyle/>
+          <a:p>
+            <a:r>
+              <a:rPr lang="en-GB" dirty="0"/>
+              <a:t>Absorption</a:t>
+            </a:r>
+          </a:p>
+        </p:txBody>
+      </p:sp>
+      <p:sp>
+        <p:nvSpPr>
+          <p:cNvPr id="12" name="TextBox 11">
+            <a:extLst>
+              <a:ext uri="{FF2B5EF4-FFF2-40B4-BE49-F238E27FC236}">
+                <a16:creationId xmlns:a16="http://schemas.microsoft.com/office/drawing/2014/main" id="{74AFBA1E-0688-431C-BD9F-B33E9E358F57}"/>
+              </a:ext>
+            </a:extLst>
+          </p:cNvPr>
+          <p:cNvSpPr txBox="1"/>
+          <p:nvPr/>
+        </p:nvSpPr>
+        <p:spPr>
+          <a:xfrm>
+            <a:off x="8621486" y="2974316"/>
+            <a:ext cx="1122230" cy="369332"/>
+          </a:xfrm>
+          <a:prstGeom prst="rect">
+            <a:avLst/>
+          </a:prstGeom>
+          <a:noFill/>
+        </p:spPr>
+        <p:txBody>
+          <a:bodyPr wrap="none" rtlCol="0">
+            <a:spAutoFit/>
+          </a:bodyPr>
+          <a:lstStyle/>
+          <a:p>
+            <a:r>
+              <a:rPr lang="en-GB" dirty="0"/>
+              <a:t>Scattering</a:t>
+            </a:r>
+          </a:p>
+        </p:txBody>
+      </p:sp>
+      <p:sp>
+        <p:nvSpPr>
+          <p:cNvPr id="13" name="Arrow: Right 12">
+            <a:extLst>
+              <a:ext uri="{FF2B5EF4-FFF2-40B4-BE49-F238E27FC236}">
+                <a16:creationId xmlns:a16="http://schemas.microsoft.com/office/drawing/2014/main" id="{24A76EFD-37CD-4AF0-BD3A-C628D009E29D}"/>
+              </a:ext>
+            </a:extLst>
+          </p:cNvPr>
+          <p:cNvSpPr/>
+          <p:nvPr/>
+        </p:nvSpPr>
+        <p:spPr>
+          <a:xfrm>
+            <a:off x="4383450" y="1625847"/>
+            <a:ext cx="4041873" cy="369332"/>
+          </a:xfrm>
+          <a:prstGeom prst="rightArrow">
+            <a:avLst/>
+          </a:prstGeom>
+          <a:solidFill>
+            <a:schemeClr val="accent4">
+              <a:lumMod val="20000"/>
+              <a:lumOff val="80000"/>
+              <a:alpha val="75000"/>
+            </a:schemeClr>
+          </a:solidFill>
+          <a:ln>
+            <a:noFill/>
+          </a:ln>
+        </p:spPr>
+        <p:style>
+          <a:lnRef idx="2">
+            <a:schemeClr val="accent1">
+              <a:shade val="50000"/>
+            </a:schemeClr>
+          </a:lnRef>
+          <a:fillRef idx="1">
+            <a:schemeClr val="accent1"/>
+          </a:fillRef>
+          <a:effectRef idx="0">
+            <a:schemeClr val="accent1"/>
+          </a:effectRef>
+          <a:fontRef idx="minor">
+            <a:schemeClr val="lt1"/>
+          </a:fontRef>
+        </p:style>
+        <p:txBody>
+          <a:bodyPr rtlCol="0" anchor="ctr"/>
+          <a:lstStyle/>
+          <a:p>
+            <a:pPr algn="ctr"/>
+            <a:endParaRPr lang="en-GB"/>
+          </a:p>
+        </p:txBody>
+      </p:sp>
+      <p:sp>
+        <p:nvSpPr>
+          <p:cNvPr id="17" name="Arrow: Right 16">
+            <a:extLst>
+              <a:ext uri="{FF2B5EF4-FFF2-40B4-BE49-F238E27FC236}">
+                <a16:creationId xmlns:a16="http://schemas.microsoft.com/office/drawing/2014/main" id="{EBDC8AD6-108F-4EA6-B554-621711DF53A6}"/>
+              </a:ext>
+            </a:extLst>
+          </p:cNvPr>
+          <p:cNvSpPr/>
+          <p:nvPr/>
+        </p:nvSpPr>
+        <p:spPr>
+          <a:xfrm>
+            <a:off x="4383450" y="2281304"/>
+            <a:ext cx="2073334" cy="369332"/>
+          </a:xfrm>
+          <a:prstGeom prst="rightArrow">
+            <a:avLst/>
+          </a:prstGeom>
+          <a:solidFill>
+            <a:schemeClr val="accent4">
+              <a:lumMod val="20000"/>
+              <a:lumOff val="80000"/>
+              <a:alpha val="75000"/>
+            </a:schemeClr>
+          </a:solidFill>
+          <a:ln>
+            <a:noFill/>
+          </a:ln>
+        </p:spPr>
+        <p:style>
+          <a:lnRef idx="2">
+            <a:schemeClr val="accent1">
+              <a:shade val="50000"/>
+            </a:schemeClr>
+          </a:lnRef>
+          <a:fillRef idx="1">
+            <a:schemeClr val="accent1"/>
+          </a:fillRef>
+          <a:effectRef idx="0">
+            <a:schemeClr val="accent1"/>
+          </a:effectRef>
+          <a:fontRef idx="minor">
+            <a:schemeClr val="lt1"/>
+          </a:fontRef>
+        </p:style>
+        <p:txBody>
+          <a:bodyPr rtlCol="0" anchor="ctr"/>
+          <a:lstStyle/>
+          <a:p>
+            <a:pPr algn="ctr"/>
+            <a:endParaRPr lang="en-GB"/>
+          </a:p>
+        </p:txBody>
+      </p:sp>
+      <p:grpSp>
+        <p:nvGrpSpPr>
+          <p:cNvPr id="19" name="Group 18">
+            <a:extLst>
+              <a:ext uri="{FF2B5EF4-FFF2-40B4-BE49-F238E27FC236}">
+                <a16:creationId xmlns:a16="http://schemas.microsoft.com/office/drawing/2014/main" id="{EB8358A6-6ED6-49C6-A061-28ECAD24AF1C}"/>
+              </a:ext>
+            </a:extLst>
+          </p:cNvPr>
+          <p:cNvGrpSpPr/>
+          <p:nvPr/>
+        </p:nvGrpSpPr>
+        <p:grpSpPr>
+          <a:xfrm>
+            <a:off x="4280814" y="3039633"/>
+            <a:ext cx="2175970" cy="767257"/>
+            <a:chOff x="4270107" y="3181738"/>
+            <a:chExt cx="2175970" cy="767257"/>
+          </a:xfrm>
+        </p:grpSpPr>
+        <p:sp>
+          <p:nvSpPr>
+            <p:cNvPr id="15" name="Rectangle 14">
+              <a:extLst>
+                <a:ext uri="{FF2B5EF4-FFF2-40B4-BE49-F238E27FC236}">
+                  <a16:creationId xmlns:a16="http://schemas.microsoft.com/office/drawing/2014/main" id="{CF81F0A9-8D5D-44BD-8F22-1E5A53B6724C}"/>
+                </a:ext>
+              </a:extLst>
+            </p:cNvPr>
+            <p:cNvSpPr>
+              <a:spLocks noChangeAspect="1"/>
+            </p:cNvSpPr>
+            <p:nvPr/>
+          </p:nvSpPr>
+          <p:spPr>
+            <a:xfrm>
+              <a:off x="4383448" y="3181738"/>
+              <a:ext cx="1985786" cy="201168"/>
+            </a:xfrm>
+            <a:prstGeom prst="rect">
+              <a:avLst/>
+            </a:prstGeom>
+            <a:solidFill>
+              <a:schemeClr val="accent4">
+                <a:lumMod val="20000"/>
+                <a:lumOff val="80000"/>
+                <a:alpha val="90000"/>
+              </a:schemeClr>
+            </a:solidFill>
+            <a:ln>
+              <a:noFill/>
+            </a:ln>
+          </p:spPr>
+          <p:style>
+            <a:lnRef idx="2">
+              <a:schemeClr val="accent1">
+                <a:shade val="50000"/>
+              </a:schemeClr>
+            </a:lnRef>
+            <a:fillRef idx="1">
+              <a:schemeClr val="accent1"/>
+            </a:fillRef>
+            <a:effectRef idx="0">
+              <a:schemeClr val="accent1"/>
+            </a:effectRef>
+            <a:fontRef idx="minor">
+              <a:schemeClr val="lt1"/>
+            </a:fontRef>
+          </p:style>
+          <p:txBody>
+            <a:bodyPr rtlCol="0" anchor="ctr"/>
+            <a:lstStyle/>
+            <a:p>
+              <a:pPr algn="ctr"/>
+              <a:endParaRPr lang="en-GB"/>
+            </a:p>
+          </p:txBody>
+        </p:sp>
+        <p:sp>
+          <p:nvSpPr>
+            <p:cNvPr id="18" name="Arrow: Right 17">
+              <a:extLst>
+                <a:ext uri="{FF2B5EF4-FFF2-40B4-BE49-F238E27FC236}">
+                  <a16:creationId xmlns:a16="http://schemas.microsoft.com/office/drawing/2014/main" id="{41D4CFE1-C08F-4BB1-A10E-36BD93D9C3CF}"/>
+                </a:ext>
+              </a:extLst>
+            </p:cNvPr>
+            <p:cNvSpPr/>
+            <p:nvPr/>
+          </p:nvSpPr>
+          <p:spPr>
+            <a:xfrm rot="9277592">
+              <a:off x="4270107" y="3579663"/>
+              <a:ext cx="2175970" cy="369332"/>
+            </a:xfrm>
+            <a:prstGeom prst="rightArrow">
+              <a:avLst/>
+            </a:prstGeom>
+            <a:solidFill>
+              <a:schemeClr val="accent4">
+                <a:lumMod val="20000"/>
+                <a:lumOff val="80000"/>
+                <a:alpha val="90000"/>
+              </a:schemeClr>
+            </a:solidFill>
+            <a:ln>
+              <a:noFill/>
+            </a:ln>
+          </p:spPr>
+          <p:style>
+            <a:lnRef idx="2">
+              <a:schemeClr val="accent1">
+                <a:shade val="50000"/>
+              </a:schemeClr>
+            </a:lnRef>
+            <a:fillRef idx="1">
+              <a:schemeClr val="accent1"/>
+            </a:fillRef>
+            <a:effectRef idx="0">
+              <a:schemeClr val="accent1"/>
+            </a:effectRef>
+            <a:fontRef idx="minor">
+              <a:schemeClr val="lt1"/>
+            </a:fontRef>
+          </p:style>
+          <p:txBody>
+            <a:bodyPr rtlCol="0" anchor="ctr"/>
+            <a:lstStyle/>
+            <a:p>
+              <a:pPr algn="ctr"/>
+              <a:endParaRPr lang="en-GB"/>
+            </a:p>
+          </p:txBody>
+        </p:sp>
+      </p:grpSp>
+      <p:grpSp>
+        <p:nvGrpSpPr>
+          <p:cNvPr id="20" name="Group 19">
+            <a:extLst>
+              <a:ext uri="{FF2B5EF4-FFF2-40B4-BE49-F238E27FC236}">
+                <a16:creationId xmlns:a16="http://schemas.microsoft.com/office/drawing/2014/main" id="{18FDA49A-9699-477B-89F1-25A72BF6226B}"/>
+              </a:ext>
+            </a:extLst>
+          </p:cNvPr>
+          <p:cNvGrpSpPr/>
+          <p:nvPr/>
+        </p:nvGrpSpPr>
+        <p:grpSpPr>
+          <a:xfrm>
+            <a:off x="1369555" y="1974825"/>
+            <a:ext cx="2494916" cy="982289"/>
+            <a:chOff x="401216" y="2528564"/>
+            <a:chExt cx="2494916" cy="982289"/>
+          </a:xfrm>
+        </p:grpSpPr>
+        <p:grpSp>
+          <p:nvGrpSpPr>
+            <p:cNvPr id="21" name="Group 20">
+              <a:extLst>
+                <a:ext uri="{FF2B5EF4-FFF2-40B4-BE49-F238E27FC236}">
+                  <a16:creationId xmlns:a16="http://schemas.microsoft.com/office/drawing/2014/main" id="{A2ED0DFD-0F5E-41BE-A057-34D1C4248BAB}"/>
+                </a:ext>
+              </a:extLst>
+            </p:cNvPr>
+            <p:cNvGrpSpPr/>
+            <p:nvPr/>
+          </p:nvGrpSpPr>
+          <p:grpSpPr>
+            <a:xfrm>
+              <a:off x="1616016" y="2528564"/>
+              <a:ext cx="1280116" cy="982289"/>
+              <a:chOff x="1590962" y="2537895"/>
+              <a:chExt cx="1280116" cy="982289"/>
+            </a:xfrm>
+          </p:grpSpPr>
+          <p:sp>
+            <p:nvSpPr>
+              <p:cNvPr id="24" name="Flowchart: Connector 23">
+                <a:extLst>
+                  <a:ext uri="{FF2B5EF4-FFF2-40B4-BE49-F238E27FC236}">
+                    <a16:creationId xmlns:a16="http://schemas.microsoft.com/office/drawing/2014/main" id="{BBB909E8-DB96-4B77-AAD1-BF58DA284199}"/>
+                  </a:ext>
+                </a:extLst>
+              </p:cNvPr>
+              <p:cNvSpPr>
+                <a:spLocks noChangeAspect="1"/>
+              </p:cNvSpPr>
+              <p:nvPr/>
+            </p:nvSpPr>
+            <p:spPr>
+              <a:xfrm>
+                <a:off x="2070978" y="2628616"/>
+                <a:ext cx="800100" cy="800100"/>
+              </a:xfrm>
+              <a:prstGeom prst="flowChartConnector">
+                <a:avLst/>
+              </a:prstGeom>
+              <a:solidFill>
+                <a:schemeClr val="accent4">
+                  <a:lumMod val="20000"/>
+                  <a:lumOff val="80000"/>
+                </a:schemeClr>
+              </a:solidFill>
+              <a:ln>
+                <a:noFill/>
+              </a:ln>
+            </p:spPr>
+            <p:style>
+              <a:lnRef idx="2">
+                <a:schemeClr val="accent1">
+                  <a:shade val="50000"/>
+                </a:schemeClr>
+              </a:lnRef>
+              <a:fillRef idx="1">
+                <a:schemeClr val="accent1"/>
+              </a:fillRef>
+              <a:effectRef idx="0">
+                <a:schemeClr val="accent1"/>
+              </a:effectRef>
+              <a:fontRef idx="minor">
+                <a:schemeClr val="lt1"/>
+              </a:fontRef>
+            </p:style>
+            <p:txBody>
+              <a:bodyPr rtlCol="0" anchor="ctr"/>
+              <a:lstStyle/>
+              <a:p>
+                <a:pPr algn="ctr"/>
+                <a:endParaRPr lang="en-GB" sz="2000"/>
+              </a:p>
+            </p:txBody>
+          </p:sp>
+          <p:sp>
+            <p:nvSpPr>
+              <p:cNvPr id="25" name="Rectangle 24">
+                <a:extLst>
+                  <a:ext uri="{FF2B5EF4-FFF2-40B4-BE49-F238E27FC236}">
+                    <a16:creationId xmlns:a16="http://schemas.microsoft.com/office/drawing/2014/main" id="{B61FEBB7-5A33-46A8-888E-21040F144318}"/>
+                  </a:ext>
+                </a:extLst>
+              </p:cNvPr>
+              <p:cNvSpPr/>
+              <p:nvPr/>
+            </p:nvSpPr>
+            <p:spPr>
+              <a:xfrm>
+                <a:off x="1644292" y="2628614"/>
+                <a:ext cx="800100" cy="795528"/>
+              </a:xfrm>
+              <a:prstGeom prst="rect">
+                <a:avLst/>
+              </a:prstGeom>
+              <a:solidFill>
+                <a:schemeClr val="accent4">
+                  <a:lumMod val="20000"/>
+                  <a:lumOff val="80000"/>
+                </a:schemeClr>
+              </a:solidFill>
+              <a:ln>
+                <a:noFill/>
+              </a:ln>
+            </p:spPr>
+            <p:style>
+              <a:lnRef idx="2">
+                <a:schemeClr val="accent1">
+                  <a:shade val="50000"/>
+                </a:schemeClr>
+              </a:lnRef>
+              <a:fillRef idx="1">
+                <a:schemeClr val="accent1"/>
+              </a:fillRef>
+              <a:effectRef idx="0">
+                <a:schemeClr val="accent1"/>
+              </a:effectRef>
+              <a:fontRef idx="minor">
+                <a:schemeClr val="lt1"/>
+              </a:fontRef>
+            </p:style>
+            <p:txBody>
+              <a:bodyPr rtlCol="0" anchor="ctr"/>
+              <a:lstStyle/>
+              <a:p>
+                <a:pPr algn="ctr"/>
+                <a:endParaRPr lang="en-GB" dirty="0"/>
+              </a:p>
+            </p:txBody>
+          </p:sp>
+          <p:sp>
+            <p:nvSpPr>
+              <p:cNvPr id="26" name="Rectangle 25">
+                <a:extLst>
+                  <a:ext uri="{FF2B5EF4-FFF2-40B4-BE49-F238E27FC236}">
+                    <a16:creationId xmlns:a16="http://schemas.microsoft.com/office/drawing/2014/main" id="{518A0123-48F7-4577-9723-B07CA1B0559A}"/>
+                  </a:ext>
+                </a:extLst>
+              </p:cNvPr>
+              <p:cNvSpPr/>
+              <p:nvPr/>
+            </p:nvSpPr>
+            <p:spPr>
+              <a:xfrm>
+                <a:off x="1590962" y="2537895"/>
+                <a:ext cx="74095" cy="982289"/>
+              </a:xfrm>
+              <a:prstGeom prst="rect">
+                <a:avLst/>
+              </a:prstGeom>
+              <a:solidFill>
+                <a:schemeClr val="accent4">
+                  <a:lumMod val="20000"/>
+                  <a:lumOff val="80000"/>
+                </a:schemeClr>
+              </a:solidFill>
+              <a:ln>
+                <a:noFill/>
+              </a:ln>
+            </p:spPr>
+            <p:style>
+              <a:lnRef idx="2">
+                <a:schemeClr val="accent1">
+                  <a:shade val="50000"/>
+                </a:schemeClr>
+              </a:lnRef>
+              <a:fillRef idx="1">
+                <a:schemeClr val="accent1"/>
+              </a:fillRef>
+              <a:effectRef idx="0">
+                <a:schemeClr val="accent1"/>
+              </a:effectRef>
+              <a:fontRef idx="minor">
+                <a:schemeClr val="lt1"/>
+              </a:fontRef>
+            </p:style>
+            <p:txBody>
+              <a:bodyPr rtlCol="0" anchor="ctr"/>
+              <a:lstStyle/>
+              <a:p>
+                <a:pPr algn="ctr"/>
+                <a:endParaRPr lang="en-GB"/>
+              </a:p>
+            </p:txBody>
+          </p:sp>
+        </p:grpSp>
+        <p:cxnSp>
+          <p:nvCxnSpPr>
+            <p:cNvPr id="22" name="Straight Connector 21">
+              <a:extLst>
+                <a:ext uri="{FF2B5EF4-FFF2-40B4-BE49-F238E27FC236}">
+                  <a16:creationId xmlns:a16="http://schemas.microsoft.com/office/drawing/2014/main" id="{853DDC99-BE2E-4B21-B81B-DAFCC339BB8D}"/>
+                </a:ext>
+              </a:extLst>
+            </p:cNvPr>
+            <p:cNvCxnSpPr/>
+            <p:nvPr/>
+          </p:nvCxnSpPr>
+          <p:spPr>
+            <a:xfrm>
+              <a:off x="662473" y="2867009"/>
+              <a:ext cx="953543" cy="0"/>
+            </a:xfrm>
+            <a:prstGeom prst="line">
+              <a:avLst/>
+            </a:prstGeom>
+            <a:ln w="31750">
+              <a:solidFill>
+                <a:schemeClr val="tx1"/>
+              </a:solidFill>
+            </a:ln>
+          </p:spPr>
+          <p:style>
+            <a:lnRef idx="1">
+              <a:schemeClr val="accent1"/>
+            </a:lnRef>
+            <a:fillRef idx="0">
+              <a:schemeClr val="accent1"/>
+            </a:fillRef>
+            <a:effectRef idx="0">
+              <a:schemeClr val="accent1"/>
+            </a:effectRef>
+            <a:fontRef idx="minor">
+              <a:schemeClr val="tx1"/>
+            </a:fontRef>
+          </p:style>
+        </p:cxnSp>
+        <p:cxnSp>
+          <p:nvCxnSpPr>
+            <p:cNvPr id="23" name="Straight Connector 22">
+              <a:extLst>
+                <a:ext uri="{FF2B5EF4-FFF2-40B4-BE49-F238E27FC236}">
+                  <a16:creationId xmlns:a16="http://schemas.microsoft.com/office/drawing/2014/main" id="{1A7B3308-7960-4600-8D20-2048EAE3A821}"/>
+                </a:ext>
+              </a:extLst>
+            </p:cNvPr>
+            <p:cNvCxnSpPr>
+              <a:cxnSpLocks/>
+            </p:cNvCxnSpPr>
+            <p:nvPr/>
+          </p:nvCxnSpPr>
+          <p:spPr>
+            <a:xfrm>
+              <a:off x="401216" y="3122046"/>
+              <a:ext cx="1214799" cy="0"/>
+            </a:xfrm>
+            <a:prstGeom prst="line">
+              <a:avLst/>
+            </a:prstGeom>
+            <a:ln w="31750">
+              <a:solidFill>
+                <a:schemeClr val="tx1"/>
+              </a:solidFill>
+            </a:ln>
+          </p:spPr>
+          <p:style>
+            <a:lnRef idx="1">
+              <a:schemeClr val="accent1"/>
+            </a:lnRef>
+            <a:fillRef idx="0">
+              <a:schemeClr val="accent1"/>
+            </a:fillRef>
+            <a:effectRef idx="0">
+              <a:schemeClr val="accent1"/>
+            </a:effectRef>
+            <a:fontRef idx="minor">
+              <a:schemeClr val="tx1"/>
+            </a:fontRef>
+          </p:style>
+        </p:cxnSp>
+      </p:grpSp>
+    </p:spTree>
+    <p:extLst>
+      <p:ext uri="{BB962C8B-B14F-4D97-AF65-F5344CB8AC3E}">
+        <p14:creationId xmlns:p14="http://schemas.microsoft.com/office/powerpoint/2010/main" val="986910059"/>
+      </p:ext>
+    </p:extLst>
+  </p:cSld>
+  <p:clrMapOvr>
+    <a:masterClrMapping/>
+  </p:clrMapOvr>
+</p:sld>
+</file>
+
+<file path=ppt/slides/slide5.xml><?xml version="1.0" encoding="utf-8"?>
+<p:sld xmlns:a="http://schemas.openxmlformats.org/drawingml/2006/main" xmlns:r="http://schemas.openxmlformats.org/officeDocument/2006/relationships" xmlns:p="http://schemas.openxmlformats.org/presentationml/2006/main">
+  <p:cSld>
+    <p:spTree>
+      <p:nvGrpSpPr>
+        <p:cNvPr id="1" name=""/>
+        <p:cNvGrpSpPr/>
+        <p:nvPr/>
+      </p:nvGrpSpPr>
+      <p:grpSpPr>
+        <a:xfrm>
+          <a:off x="0" y="0"/>
+          <a:ext cx="0" cy="0"/>
+          <a:chOff x="0" y="0"/>
+          <a:chExt cx="0" cy="0"/>
+        </a:xfrm>
+      </p:grpSpPr>
+    </p:spTree>
+    <p:extLst>
+      <p:ext uri="{BB962C8B-B14F-4D97-AF65-F5344CB8AC3E}">
+        <p14:creationId xmlns:p14="http://schemas.microsoft.com/office/powerpoint/2010/main" val="2098896582"/>
+      </p:ext>
+    </p:extLst>
+  </p:cSld>
+  <p:clrMapOvr>
+    <a:masterClrMapping/>
+  </p:clrMapOvr>
+</p:sld>
+</file>
+
 <file path=ppt/theme/theme1.xml><?xml version="1.0" encoding="utf-8"?>
 <a:theme xmlns:a="http://schemas.openxmlformats.org/drawingml/2006/main" name="Office Theme">
   <a:themeElements>

--- a/setup/network.pptx
+++ b/setup/network.pptx
@@ -9500,7 +9500,7 @@
         </p:nvGrpSpPr>
         <p:grpSpPr>
           <a:xfrm>
-            <a:off x="5940462" y="671807"/>
+            <a:off x="5147968" y="671807"/>
             <a:ext cx="914587" cy="4953167"/>
             <a:chOff x="4139662" y="671807"/>
             <a:chExt cx="914587" cy="4953167"/>
@@ -9725,7 +9725,7 @@
         </p:nvSpPr>
         <p:spPr>
           <a:xfrm>
-            <a:off x="3540949" y="3246157"/>
+            <a:off x="2809435" y="3246157"/>
             <a:ext cx="2122942" cy="1239572"/>
           </a:xfrm>
           <a:prstGeom prst="rightArrow">
@@ -9779,7 +9779,7 @@
         </p:nvSpPr>
         <p:spPr>
           <a:xfrm>
-            <a:off x="7131807" y="3591040"/>
+            <a:off x="6313197" y="3591040"/>
             <a:ext cx="2122942" cy="549806"/>
           </a:xfrm>
           <a:prstGeom prst="rightArrow">
@@ -9833,7 +9833,7 @@
         </p:nvSpPr>
         <p:spPr>
           <a:xfrm>
-            <a:off x="3536283" y="1621169"/>
+            <a:off x="2804769" y="1621169"/>
             <a:ext cx="2122942" cy="1239572"/>
           </a:xfrm>
           <a:prstGeom prst="rightArrow">
@@ -9890,7 +9890,7 @@
         </p:nvSpPr>
         <p:spPr>
           <a:xfrm>
-            <a:off x="7131807" y="1621169"/>
+            <a:off x="6313197" y="1621169"/>
             <a:ext cx="2122942" cy="1239572"/>
           </a:xfrm>
           <a:prstGeom prst="rightArrow">
@@ -9945,7 +9945,7 @@
         </p:nvSpPr>
         <p:spPr>
           <a:xfrm>
-            <a:off x="5538509" y="237503"/>
+            <a:off x="4746015" y="237503"/>
             <a:ext cx="1731756" cy="369332"/>
           </a:xfrm>
           <a:prstGeom prst="rect">
@@ -9980,8 +9980,8 @@
         </p:nvSpPr>
         <p:spPr>
           <a:xfrm>
-            <a:off x="7131807" y="4590500"/>
-            <a:ext cx="2277803" cy="646331"/>
+            <a:off x="6429577" y="4615514"/>
+            <a:ext cx="1741928" cy="923330"/>
           </a:xfrm>
           <a:prstGeom prst="rect">
             <a:avLst/>
@@ -9994,17 +9994,26 @@
           </a:bodyPr>
           <a:lstStyle/>
           <a:p>
-            <a:r>
-              <a:rPr lang="en-GB"/>
+            <a:pPr algn="ctr"/>
+            <a:r>
+              <a:rPr lang="en-GB" dirty="0"/>
               <a:t>Absorbance of</a:t>
             </a:r>
             <a:br>
-              <a:rPr lang="en-GB"/>
+              <a:rPr lang="en-GB" dirty="0"/>
             </a:br>
             <a:r>
-              <a:rPr lang="en-GB"/>
-              <a:t>complementary colors</a:t>
-            </a:r>
+              <a:rPr lang="en-GB" dirty="0"/>
+              <a:t>complementary</a:t>
+            </a:r>
+          </a:p>
+          <a:p>
+            <a:pPr algn="ctr"/>
+            <a:r>
+              <a:rPr lang="en-GB" dirty="0" err="1"/>
+              <a:t>Colors</a:t>
+            </a:r>
+            <a:endParaRPr lang="en-GB" baseline="-25000" dirty="0"/>
           </a:p>
         </p:txBody>
       </p:sp>
@@ -10022,7 +10031,7 @@
         </p:nvSpPr>
         <p:spPr>
           <a:xfrm>
-            <a:off x="4264091" y="2835043"/>
+            <a:off x="3532577" y="2835043"/>
             <a:ext cx="320922" cy="369332"/>
           </a:xfrm>
           <a:prstGeom prst="rect">
@@ -10061,7 +10070,7 @@
         </p:nvSpPr>
         <p:spPr>
           <a:xfrm>
-            <a:off x="7740475" y="2838285"/>
+            <a:off x="6982825" y="2838285"/>
             <a:ext cx="317716" cy="369332"/>
           </a:xfrm>
           <a:prstGeom prst="rect">
@@ -10100,8 +10109,8 @@
         </p:nvSpPr>
         <p:spPr>
           <a:xfrm>
-            <a:off x="3536283" y="4590500"/>
-            <a:ext cx="1685654" cy="646331"/>
+            <a:off x="2705458" y="4606820"/>
+            <a:ext cx="2220242" cy="1323439"/>
           </a:xfrm>
           <a:prstGeom prst="rect">
             <a:avLst/>
@@ -10114,9 +10123,21 @@
           </a:bodyPr>
           <a:lstStyle/>
           <a:p>
+            <a:pPr algn="ctr"/>
             <a:r>
               <a:rPr lang="en-GB"/>
-              <a:t>Monochromatic light</a:t>
+              <a:t>Monochromatic light of an defined range of wavelengths</a:t>
+            </a:r>
+          </a:p>
+          <a:p>
+            <a:pPr algn="ctr"/>
+            <a:endParaRPr lang="en-GB" sz="800"/>
+          </a:p>
+          <a:p>
+            <a:pPr algn="ctr"/>
+            <a:r>
+              <a:rPr lang="en-GB"/>
+              <a:t>λ</a:t>
             </a:r>
           </a:p>
         </p:txBody>
@@ -10135,7 +10156,7 @@
         </p:nvGrpSpPr>
         <p:grpSpPr>
           <a:xfrm>
-            <a:off x="363549" y="1749810"/>
+            <a:off x="119697" y="1749810"/>
             <a:ext cx="2494916" cy="982289"/>
             <a:chOff x="401216" y="2528564"/>
             <a:chExt cx="2494916" cy="982289"/>
@@ -10428,7 +10449,7 @@
         </p:nvGrpSpPr>
         <p:grpSpPr>
           <a:xfrm>
-            <a:off x="330890" y="3374798"/>
+            <a:off x="87038" y="3374798"/>
             <a:ext cx="2494916" cy="982289"/>
             <a:chOff x="401216" y="2528564"/>
             <a:chExt cx="2494916" cy="982289"/>
@@ -10723,7 +10744,7 @@
         </p:nvCxnSpPr>
         <p:spPr>
           <a:xfrm>
-            <a:off x="5962862" y="5168356"/>
+            <a:off x="5170368" y="5168356"/>
             <a:ext cx="0" cy="1080000"/>
           </a:xfrm>
           <a:prstGeom prst="line">
@@ -10766,7 +10787,7 @@
         </p:nvCxnSpPr>
         <p:spPr>
           <a:xfrm>
-            <a:off x="6845912" y="5168356"/>
+            <a:off x="6053418" y="5168356"/>
             <a:ext cx="0" cy="1080000"/>
           </a:xfrm>
           <a:prstGeom prst="line">
@@ -10807,7 +10828,7 @@
         </p:nvSpPr>
         <p:spPr>
           <a:xfrm>
-            <a:off x="6251140" y="6012374"/>
+            <a:off x="5458646" y="5855612"/>
             <a:ext cx="306494" cy="369332"/>
           </a:xfrm>
           <a:prstGeom prst="rect">
@@ -10844,7 +10865,7 @@
         </p:nvCxnSpPr>
         <p:spPr>
           <a:xfrm>
-            <a:off x="5972387" y="5981700"/>
+            <a:off x="5179893" y="5824938"/>
             <a:ext cx="864000" cy="0"/>
           </a:xfrm>
           <a:prstGeom prst="straightConnector1">
@@ -10884,7 +10905,7 @@
         </p:nvSpPr>
         <p:spPr>
           <a:xfrm>
-            <a:off x="6121676" y="2835043"/>
+            <a:off x="5329182" y="2835043"/>
             <a:ext cx="657552" cy="369332"/>
           </a:xfrm>
           <a:prstGeom prst="rect">
@@ -10927,7 +10948,7 @@
         </p:nvSpPr>
         <p:spPr>
           <a:xfrm>
-            <a:off x="10115397" y="2238293"/>
+            <a:off x="8931018" y="2238293"/>
             <a:ext cx="161925" cy="1620685"/>
           </a:xfrm>
           <a:prstGeom prst="rect">
@@ -10985,8 +11006,8 @@
         </p:nvSpPr>
         <p:spPr>
           <a:xfrm>
-            <a:off x="9897856" y="4619346"/>
-            <a:ext cx="1509781" cy="646331"/>
+            <a:off x="8476191" y="4615514"/>
+            <a:ext cx="1077393" cy="646331"/>
           </a:xfrm>
           <a:prstGeom prst="rect">
             <a:avLst/>
@@ -10999,6 +11020,7 @@
           </a:bodyPr>
           <a:lstStyle/>
           <a:p>
+            <a:pPr algn="ctr"/>
             <a:r>
               <a:rPr lang="en-GB"/>
               <a:t>Light</a:t>
@@ -11008,7 +11030,7 @@
             </a:br>
             <a:r>
               <a:rPr lang="en-GB"/>
-              <a:t>sensor</a:t>
+              <a:t>sensor(s)</a:t>
             </a:r>
           </a:p>
         </p:txBody>
@@ -11027,7 +11049,7 @@
         </p:nvSpPr>
         <p:spPr>
           <a:xfrm>
-            <a:off x="10056425" y="2783571"/>
+            <a:off x="8872046" y="2783571"/>
             <a:ext cx="72250" cy="472276"/>
           </a:xfrm>
           <a:prstGeom prst="rect">
@@ -11068,6 +11090,279 @@
           <a:p>
             <a:pPr algn="ctr"/>
             <a:endParaRPr lang="en-GB"/>
+          </a:p>
+        </p:txBody>
+      </p:sp>
+      <p:sp>
+        <p:nvSpPr>
+          <p:cNvPr id="46" name="TextBox 45">
+            <a:extLst>
+              <a:ext uri="{FF2B5EF4-FFF2-40B4-BE49-F238E27FC236}">
+                <a16:creationId xmlns:a16="http://schemas.microsoft.com/office/drawing/2014/main" id="{185963DF-9B30-4C29-8B4C-40D3FD5DB920}"/>
+              </a:ext>
+            </a:extLst>
+          </p:cNvPr>
+          <p:cNvSpPr txBox="1"/>
+          <p:nvPr/>
+        </p:nvSpPr>
+        <p:spPr>
+          <a:xfrm>
+            <a:off x="1334466" y="4715146"/>
+            <a:ext cx="1077153" cy="1046440"/>
+          </a:xfrm>
+          <a:prstGeom prst="rect">
+            <a:avLst/>
+          </a:prstGeom>
+          <a:noFill/>
+        </p:spPr>
+        <p:txBody>
+          <a:bodyPr wrap="square" rtlCol="0">
+            <a:spAutoFit/>
+          </a:bodyPr>
+          <a:lstStyle/>
+          <a:p>
+            <a:pPr algn="ctr"/>
+            <a:r>
+              <a:rPr lang="en-GB"/>
+              <a:t>Radiation</a:t>
+            </a:r>
+          </a:p>
+          <a:p>
+            <a:pPr algn="ctr"/>
+            <a:r>
+              <a:rPr lang="en-GB"/>
+              <a:t>Source</a:t>
+            </a:r>
+          </a:p>
+          <a:p>
+            <a:pPr algn="ctr"/>
+            <a:endParaRPr lang="en-GB" sz="800"/>
+          </a:p>
+          <a:p>
+            <a:pPr algn="ctr"/>
+            <a:r>
+              <a:rPr lang="en-GB"/>
+              <a:t>LED(s)</a:t>
+            </a:r>
+          </a:p>
+        </p:txBody>
+      </p:sp>
+      <p:sp>
+        <p:nvSpPr>
+          <p:cNvPr id="48" name="TextBox 47">
+            <a:extLst>
+              <a:ext uri="{FF2B5EF4-FFF2-40B4-BE49-F238E27FC236}">
+                <a16:creationId xmlns:a16="http://schemas.microsoft.com/office/drawing/2014/main" id="{A9013B17-C665-45E4-B55D-0192B06677BF}"/>
+              </a:ext>
+            </a:extLst>
+          </p:cNvPr>
+          <p:cNvSpPr txBox="1"/>
+          <p:nvPr/>
+        </p:nvSpPr>
+        <p:spPr>
+          <a:xfrm>
+            <a:off x="5139541" y="6254205"/>
+            <a:ext cx="1036833" cy="369332"/>
+          </a:xfrm>
+          <a:prstGeom prst="rect">
+            <a:avLst/>
+          </a:prstGeom>
+          <a:noFill/>
+        </p:spPr>
+        <p:txBody>
+          <a:bodyPr wrap="square" rtlCol="0">
+            <a:spAutoFit/>
+          </a:bodyPr>
+          <a:lstStyle/>
+          <a:p>
+            <a:r>
+              <a:rPr lang="en-GB"/>
+              <a:t>Cuvette</a:t>
+            </a:r>
+          </a:p>
+        </p:txBody>
+      </p:sp>
+      <p:sp>
+        <p:nvSpPr>
+          <p:cNvPr id="51" name="TextBox 50">
+            <a:extLst>
+              <a:ext uri="{FF2B5EF4-FFF2-40B4-BE49-F238E27FC236}">
+                <a16:creationId xmlns:a16="http://schemas.microsoft.com/office/drawing/2014/main" id="{ED54A4CF-AB91-4C23-A281-DD8DDDB4DDDB}"/>
+              </a:ext>
+            </a:extLst>
+          </p:cNvPr>
+          <p:cNvSpPr txBox="1"/>
+          <p:nvPr/>
+        </p:nvSpPr>
+        <p:spPr>
+          <a:xfrm>
+            <a:off x="9673632" y="4615514"/>
+            <a:ext cx="1401009" cy="1877437"/>
+          </a:xfrm>
+          <a:prstGeom prst="rect">
+            <a:avLst/>
+          </a:prstGeom>
+          <a:noFill/>
+        </p:spPr>
+        <p:txBody>
+          <a:bodyPr wrap="square" rtlCol="0">
+            <a:spAutoFit/>
+          </a:bodyPr>
+          <a:lstStyle/>
+          <a:p>
+            <a:pPr algn="ctr"/>
+            <a:r>
+              <a:rPr lang="en-GB" dirty="0"/>
+              <a:t>Display and processing</a:t>
+            </a:r>
+            <a:br>
+              <a:rPr lang="en-GB" dirty="0"/>
+            </a:br>
+            <a:r>
+              <a:rPr lang="en-GB" dirty="0"/>
+              <a:t>unit(s)</a:t>
+            </a:r>
+          </a:p>
+          <a:p>
+            <a:pPr algn="ctr"/>
+            <a:endParaRPr lang="en-GB" sz="800" dirty="0"/>
+          </a:p>
+          <a:p>
+            <a:pPr algn="ctr"/>
+            <a:r>
+              <a:rPr lang="en-GB" dirty="0" err="1"/>
+              <a:t>E</a:t>
+            </a:r>
+            <a:r>
+              <a:rPr lang="en-GB" baseline="-25000" dirty="0" err="1"/>
+              <a:t>λ</a:t>
+            </a:r>
+            <a:endParaRPr lang="en-GB" baseline="-25000" dirty="0"/>
+          </a:p>
+          <a:p>
+            <a:pPr algn="ctr"/>
+            <a:r>
+              <a:rPr lang="en-GB" i="1" baseline="-25000" dirty="0"/>
+              <a:t>´</a:t>
+            </a:r>
+            <a:r>
+              <a:rPr lang="en-GB" i="1" dirty="0"/>
+              <a:t>SAC</a:t>
+            </a:r>
+            <a:r>
+              <a:rPr lang="el-GR" i="1" baseline="-25000" dirty="0"/>
+              <a:t>λ</a:t>
+            </a:r>
+            <a:endParaRPr lang="de-DE" i="1" baseline="-25000" dirty="0"/>
+          </a:p>
+          <a:p>
+            <a:pPr algn="ctr"/>
+            <a:r>
+              <a:rPr lang="de-DE" i="1" dirty="0"/>
+              <a:t>c</a:t>
+            </a:r>
+            <a:endParaRPr lang="en-GB" dirty="0"/>
+          </a:p>
+        </p:txBody>
+      </p:sp>
+      <p:sp>
+        <p:nvSpPr>
+          <p:cNvPr id="2" name="Rectangle: Rounded Corners 1">
+            <a:extLst>
+              <a:ext uri="{FF2B5EF4-FFF2-40B4-BE49-F238E27FC236}">
+                <a16:creationId xmlns:a16="http://schemas.microsoft.com/office/drawing/2014/main" id="{2BC42B81-6369-41EF-8412-F1AE94FD3274}"/>
+              </a:ext>
+            </a:extLst>
+          </p:cNvPr>
+          <p:cNvSpPr/>
+          <p:nvPr/>
+        </p:nvSpPr>
+        <p:spPr>
+          <a:xfrm>
+            <a:off x="9587822" y="2553620"/>
+            <a:ext cx="1506276" cy="983574"/>
+          </a:xfrm>
+          <a:prstGeom prst="roundRect">
+            <a:avLst/>
+          </a:prstGeom>
+          <a:solidFill>
+            <a:schemeClr val="accent2">
+              <a:lumMod val="20000"/>
+              <a:lumOff val="80000"/>
+            </a:schemeClr>
+          </a:solidFill>
+          <a:ln w="47625">
+            <a:solidFill>
+              <a:schemeClr val="accent2">
+                <a:lumMod val="75000"/>
+              </a:schemeClr>
+            </a:solidFill>
+          </a:ln>
+        </p:spPr>
+        <p:style>
+          <a:lnRef idx="2">
+            <a:schemeClr val="accent1">
+              <a:shade val="50000"/>
+            </a:schemeClr>
+          </a:lnRef>
+          <a:fillRef idx="1">
+            <a:schemeClr val="accent1"/>
+          </a:fillRef>
+          <a:effectRef idx="0">
+            <a:schemeClr val="accent1"/>
+          </a:effectRef>
+          <a:fontRef idx="minor">
+            <a:schemeClr val="lt1"/>
+          </a:fontRef>
+        </p:style>
+        <p:txBody>
+          <a:bodyPr rtlCol="0" anchor="ctr"/>
+          <a:lstStyle/>
+          <a:p>
+            <a:pPr algn="ctr"/>
+            <a:endParaRPr lang="en-GB"/>
+          </a:p>
+        </p:txBody>
+      </p:sp>
+      <p:sp>
+        <p:nvSpPr>
+          <p:cNvPr id="3" name="TextBox 2">
+            <a:extLst>
+              <a:ext uri="{FF2B5EF4-FFF2-40B4-BE49-F238E27FC236}">
+                <a16:creationId xmlns:a16="http://schemas.microsoft.com/office/drawing/2014/main" id="{59389CDC-7154-4C3E-A262-1D828D892EDB}"/>
+              </a:ext>
+            </a:extLst>
+          </p:cNvPr>
+          <p:cNvSpPr txBox="1"/>
+          <p:nvPr/>
+        </p:nvSpPr>
+        <p:spPr>
+          <a:xfrm>
+            <a:off x="9673632" y="2691464"/>
+            <a:ext cx="1353256" cy="707886"/>
+          </a:xfrm>
+          <a:prstGeom prst="rect">
+            <a:avLst/>
+          </a:prstGeom>
+          <a:noFill/>
+        </p:spPr>
+        <p:txBody>
+          <a:bodyPr wrap="none" rtlCol="0">
+            <a:spAutoFit/>
+          </a:bodyPr>
+          <a:lstStyle/>
+          <a:p>
+            <a:r>
+              <a:rPr lang="en-GB" sz="4000">
+                <a:solidFill>
+                  <a:schemeClr val="accent2">
+                    <a:lumMod val="75000"/>
+                  </a:schemeClr>
+                </a:solidFill>
+                <a:cs typeface="Aparajita" panose="020B0502040204020203" pitchFamily="18" charset="0"/>
+              </a:rPr>
+              <a:t>0.664</a:t>
+            </a:r>
           </a:p>
         </p:txBody>
       </p:sp>

--- a/setup/network.pptx
+++ b/setup/network.pptx
@@ -9500,8 +9500,8 @@
         </p:nvGrpSpPr>
         <p:grpSpPr>
           <a:xfrm>
-            <a:off x="5147968" y="671807"/>
-            <a:ext cx="914587" cy="4953167"/>
+            <a:off x="5651911" y="3503648"/>
+            <a:ext cx="914587" cy="2028796"/>
             <a:chOff x="4139662" y="671807"/>
             <a:chExt cx="914587" cy="4953167"/>
           </a:xfrm>
@@ -9725,7 +9725,7 @@
         </p:nvSpPr>
         <p:spPr>
           <a:xfrm>
-            <a:off x="2809435" y="3246157"/>
+            <a:off x="3313285" y="3815338"/>
             <a:ext cx="2122942" cy="1239572"/>
           </a:xfrm>
           <a:prstGeom prst="rightArrow">
@@ -9779,7 +9779,7 @@
         </p:nvSpPr>
         <p:spPr>
           <a:xfrm>
-            <a:off x="6313197" y="3591040"/>
+            <a:off x="6817047" y="4160221"/>
             <a:ext cx="2122942" cy="549806"/>
           </a:xfrm>
           <a:prstGeom prst="rightArrow">
@@ -9833,17 +9833,14 @@
         </p:nvSpPr>
         <p:spPr>
           <a:xfrm>
-            <a:off x="2804769" y="1621169"/>
+            <a:off x="3308619" y="884041"/>
             <a:ext cx="2122942" cy="1239572"/>
           </a:xfrm>
           <a:prstGeom prst="rightArrow">
             <a:avLst/>
           </a:prstGeom>
           <a:solidFill>
-            <a:schemeClr val="accent4">
-              <a:lumMod val="20000"/>
-              <a:lumOff val="80000"/>
-            </a:schemeClr>
+            <a:srgbClr val="00B050"/>
           </a:solidFill>
           <a:ln>
             <a:noFill/>
@@ -9890,17 +9887,14 @@
         </p:nvSpPr>
         <p:spPr>
           <a:xfrm>
-            <a:off x="6313197" y="1621169"/>
+            <a:off x="6817047" y="884041"/>
             <a:ext cx="2122942" cy="1239572"/>
           </a:xfrm>
           <a:prstGeom prst="rightArrow">
             <a:avLst/>
           </a:prstGeom>
           <a:solidFill>
-            <a:schemeClr val="accent4">
-              <a:lumMod val="20000"/>
-              <a:lumOff val="80000"/>
-            </a:schemeClr>
+            <a:srgbClr val="00B050"/>
           </a:solidFill>
           <a:ln>
             <a:noFill/>
@@ -9945,7 +9939,7 @@
         </p:nvSpPr>
         <p:spPr>
           <a:xfrm>
-            <a:off x="4746015" y="237503"/>
+            <a:off x="5299456" y="184062"/>
             <a:ext cx="1731756" cy="369332"/>
           </a:xfrm>
           <a:prstGeom prst="rect">
@@ -9960,8 +9954,8 @@
           <a:lstStyle/>
           <a:p>
             <a:r>
-              <a:rPr lang="en-GB"/>
-              <a:t>Colored solution</a:t>
+              <a:rPr lang="en-GB" dirty="0"/>
+              <a:t>Empty Sample</a:t>
             </a:r>
           </a:p>
         </p:txBody>
@@ -9980,7 +9974,7 @@
         </p:nvSpPr>
         <p:spPr>
           <a:xfrm>
-            <a:off x="6429577" y="4615514"/>
+            <a:off x="6933427" y="5371321"/>
             <a:ext cx="1741928" cy="923330"/>
           </a:xfrm>
           <a:prstGeom prst="rect">
@@ -10031,7 +10025,7 @@
         </p:nvSpPr>
         <p:spPr>
           <a:xfrm>
-            <a:off x="3532577" y="2835043"/>
+            <a:off x="7573376" y="1319161"/>
             <a:ext cx="320922" cy="369332"/>
           </a:xfrm>
           <a:prstGeom prst="rect">
@@ -10046,11 +10040,19 @@
           <a:lstStyle/>
           <a:p>
             <a:r>
-              <a:rPr lang="en-GB"/>
+              <a:rPr lang="en-GB" dirty="0">
+                <a:solidFill>
+                  <a:schemeClr val="bg1"/>
+                </a:solidFill>
+              </a:rPr>
               <a:t>I</a:t>
             </a:r>
             <a:r>
-              <a:rPr lang="en-GB" baseline="-25000"/>
+              <a:rPr lang="en-GB" baseline="-25000" dirty="0">
+                <a:solidFill>
+                  <a:schemeClr val="bg1"/>
+                </a:solidFill>
+              </a:rPr>
               <a:t>0</a:t>
             </a:r>
           </a:p>
@@ -10070,7 +10072,7 @@
         </p:nvSpPr>
         <p:spPr>
           <a:xfrm>
-            <a:off x="6982825" y="2838285"/>
+            <a:off x="7560802" y="4250458"/>
             <a:ext cx="317716" cy="369332"/>
           </a:xfrm>
           <a:prstGeom prst="rect">
@@ -10085,11 +10087,19 @@
           <a:lstStyle/>
           <a:p>
             <a:r>
-              <a:rPr lang="en-GB"/>
+              <a:rPr lang="en-GB" dirty="0">
+                <a:solidFill>
+                  <a:schemeClr val="bg1"/>
+                </a:solidFill>
+              </a:rPr>
               <a:t>I</a:t>
             </a:r>
             <a:r>
-              <a:rPr lang="en-GB" baseline="-25000"/>
+              <a:rPr lang="en-GB" baseline="-25000" dirty="0">
+                <a:solidFill>
+                  <a:schemeClr val="bg1"/>
+                </a:solidFill>
+              </a:rPr>
               <a:t>T</a:t>
             </a:r>
           </a:p>
@@ -10109,8 +10119,8 @@
         </p:nvSpPr>
         <p:spPr>
           <a:xfrm>
-            <a:off x="2705458" y="4606820"/>
-            <a:ext cx="2220242" cy="1323439"/>
+            <a:off x="3209308" y="5362627"/>
+            <a:ext cx="2220242" cy="923330"/>
           </a:xfrm>
           <a:prstGeom prst="rect">
             <a:avLst/>
@@ -10125,19 +10135,8 @@
           <a:p>
             <a:pPr algn="ctr"/>
             <a:r>
-              <a:rPr lang="en-GB"/>
+              <a:rPr lang="en-GB" dirty="0"/>
               <a:t>Monochromatic light of an defined range of wavelengths</a:t>
-            </a:r>
-          </a:p>
-          <a:p>
-            <a:pPr algn="ctr"/>
-            <a:endParaRPr lang="en-GB" sz="800"/>
-          </a:p>
-          <a:p>
-            <a:pPr algn="ctr"/>
-            <a:r>
-              <a:rPr lang="en-GB"/>
-              <a:t>λ</a:t>
             </a:r>
           </a:p>
         </p:txBody>
@@ -10156,7 +10155,7 @@
         </p:nvGrpSpPr>
         <p:grpSpPr>
           <a:xfrm>
-            <a:off x="119697" y="1749810"/>
+            <a:off x="601073" y="2442944"/>
             <a:ext cx="2494916" cy="982289"/>
             <a:chOff x="401216" y="2528564"/>
             <a:chExt cx="2494916" cy="982289"/>
@@ -10205,7 +10204,7 @@
                 <a:avLst/>
               </a:prstGeom>
               <a:solidFill>
-                <a:schemeClr val="accent4">
+                <a:schemeClr val="accent6">
                   <a:lumMod val="20000"/>
                   <a:lumOff val="80000"/>
                 </a:schemeClr>
@@ -10260,7 +10259,7 @@
                 <a:avLst/>
               </a:prstGeom>
               <a:solidFill>
-                <a:schemeClr val="accent4">
+                <a:schemeClr val="accent6">
                   <a:lumMod val="20000"/>
                   <a:lumOff val="80000"/>
                 </a:schemeClr>
@@ -10315,7 +10314,7 @@
                 <a:avLst/>
               </a:prstGeom>
               <a:solidFill>
-                <a:schemeClr val="accent4">
+                <a:schemeClr val="accent6">
                   <a:lumMod val="20000"/>
                   <a:lumOff val="80000"/>
                 </a:schemeClr>
@@ -10435,12 +10434,202 @@
           </p:style>
         </p:cxnSp>
       </p:grpSp>
+      <p:sp>
+        <p:nvSpPr>
+          <p:cNvPr id="50" name="TextBox 49">
+            <a:extLst>
+              <a:ext uri="{FF2B5EF4-FFF2-40B4-BE49-F238E27FC236}">
+                <a16:creationId xmlns:a16="http://schemas.microsoft.com/office/drawing/2014/main" id="{A37673ED-38E4-4612-8B43-017F4B88C867}"/>
+              </a:ext>
+            </a:extLst>
+          </p:cNvPr>
+          <p:cNvSpPr txBox="1"/>
+          <p:nvPr/>
+        </p:nvSpPr>
+        <p:spPr>
+          <a:xfrm>
+            <a:off x="5954305" y="5052077"/>
+            <a:ext cx="306494" cy="369332"/>
+          </a:xfrm>
+          <a:prstGeom prst="rect">
+            <a:avLst/>
+          </a:prstGeom>
+          <a:noFill/>
+        </p:spPr>
+        <p:txBody>
+          <a:bodyPr wrap="square" rtlCol="0">
+            <a:spAutoFit/>
+          </a:bodyPr>
+          <a:lstStyle/>
+          <a:p>
+            <a:r>
+              <a:rPr lang="en-GB" dirty="0">
+                <a:solidFill>
+                  <a:schemeClr val="bg1"/>
+                </a:solidFill>
+              </a:rPr>
+              <a:t>d</a:t>
+            </a:r>
+          </a:p>
+        </p:txBody>
+      </p:sp>
+      <p:cxnSp>
+        <p:nvCxnSpPr>
+          <p:cNvPr id="52" name="Straight Arrow Connector 51">
+            <a:extLst>
+              <a:ext uri="{FF2B5EF4-FFF2-40B4-BE49-F238E27FC236}">
+                <a16:creationId xmlns:a16="http://schemas.microsoft.com/office/drawing/2014/main" id="{5A86AD31-082A-4ABF-8755-A9F8F6CE03E7}"/>
+              </a:ext>
+            </a:extLst>
+          </p:cNvPr>
+          <p:cNvCxnSpPr>
+            <a:cxnSpLocks/>
+          </p:cNvCxnSpPr>
+          <p:nvPr/>
+        </p:nvCxnSpPr>
+        <p:spPr>
+          <a:xfrm>
+            <a:off x="5677298" y="5057549"/>
+            <a:ext cx="864000" cy="0"/>
+          </a:xfrm>
+          <a:prstGeom prst="straightConnector1">
+            <a:avLst/>
+          </a:prstGeom>
+          <a:ln>
+            <a:solidFill>
+              <a:schemeClr val="bg1"/>
+            </a:solidFill>
+            <a:headEnd type="triangle" w="lg" len="med"/>
+            <a:tailEnd type="triangle" w="lg" len="med"/>
+          </a:ln>
+        </p:spPr>
+        <p:style>
+          <a:lnRef idx="1">
+            <a:schemeClr val="accent1"/>
+          </a:lnRef>
+          <a:fillRef idx="0">
+            <a:schemeClr val="accent1"/>
+          </a:fillRef>
+          <a:effectRef idx="0">
+            <a:schemeClr val="accent1"/>
+          </a:effectRef>
+          <a:fontRef idx="minor">
+            <a:schemeClr val="tx1"/>
+          </a:fontRef>
+        </p:style>
+      </p:cxnSp>
+      <p:sp>
+        <p:nvSpPr>
+          <p:cNvPr id="54" name="TextBox 53">
+            <a:extLst>
+              <a:ext uri="{FF2B5EF4-FFF2-40B4-BE49-F238E27FC236}">
+                <a16:creationId xmlns:a16="http://schemas.microsoft.com/office/drawing/2014/main" id="{6F2F37FF-84A8-4C4B-B983-A3A232241D06}"/>
+              </a:ext>
+            </a:extLst>
+          </p:cNvPr>
+          <p:cNvSpPr txBox="1"/>
+          <p:nvPr/>
+        </p:nvSpPr>
+        <p:spPr>
+          <a:xfrm>
+            <a:off x="5827610" y="3949055"/>
+            <a:ext cx="657552" cy="369332"/>
+          </a:xfrm>
+          <a:prstGeom prst="rect">
+            <a:avLst/>
+          </a:prstGeom>
+          <a:noFill/>
+        </p:spPr>
+        <p:txBody>
+          <a:bodyPr wrap="square" rtlCol="0">
+            <a:spAutoFit/>
+          </a:bodyPr>
+          <a:lstStyle/>
+          <a:p>
+            <a:r>
+              <a:rPr lang="en-GB" dirty="0" err="1">
+                <a:solidFill>
+                  <a:schemeClr val="bg1"/>
+                </a:solidFill>
+              </a:rPr>
+              <a:t>ε</a:t>
+            </a:r>
+            <a:r>
+              <a:rPr lang="en-GB" baseline="-25000" dirty="0" err="1">
+                <a:solidFill>
+                  <a:schemeClr val="bg1"/>
+                </a:solidFill>
+              </a:rPr>
+              <a:t>λ</a:t>
+            </a:r>
+            <a:r>
+              <a:rPr lang="en-GB" baseline="-25000" dirty="0">
+                <a:solidFill>
+                  <a:schemeClr val="bg1"/>
+                </a:solidFill>
+              </a:rPr>
+              <a:t> </a:t>
+            </a:r>
+            <a:r>
+              <a:rPr lang="en-GB" dirty="0">
+                <a:solidFill>
+                  <a:schemeClr val="bg1"/>
+                </a:solidFill>
+              </a:rPr>
+              <a:t>, c </a:t>
+            </a:r>
+          </a:p>
+        </p:txBody>
+      </p:sp>
+      <p:sp>
+        <p:nvSpPr>
+          <p:cNvPr id="68" name="TextBox 67">
+            <a:extLst>
+              <a:ext uri="{FF2B5EF4-FFF2-40B4-BE49-F238E27FC236}">
+                <a16:creationId xmlns:a16="http://schemas.microsoft.com/office/drawing/2014/main" id="{8E2A7D64-2B5E-42F2-B027-DAF28C3BC5EB}"/>
+              </a:ext>
+            </a:extLst>
+          </p:cNvPr>
+          <p:cNvSpPr txBox="1"/>
+          <p:nvPr/>
+        </p:nvSpPr>
+        <p:spPr>
+          <a:xfrm>
+            <a:off x="8980041" y="5371321"/>
+            <a:ext cx="1077393" cy="646331"/>
+          </a:xfrm>
+          <a:prstGeom prst="rect">
+            <a:avLst/>
+          </a:prstGeom>
+          <a:noFill/>
+        </p:spPr>
+        <p:txBody>
+          <a:bodyPr wrap="square" rtlCol="0">
+            <a:spAutoFit/>
+          </a:bodyPr>
+          <a:lstStyle/>
+          <a:p>
+            <a:pPr algn="ctr"/>
+            <a:r>
+              <a:rPr lang="en-GB" dirty="0"/>
+              <a:t>Light</a:t>
+            </a:r>
+            <a:br>
+              <a:rPr lang="en-GB" dirty="0"/>
+            </a:br>
+            <a:r>
+              <a:rPr lang="en-GB" dirty="0"/>
+              <a:t>sensor</a:t>
+            </a:r>
+          </a:p>
+        </p:txBody>
+      </p:sp>
       <p:grpSp>
         <p:nvGrpSpPr>
-          <p:cNvPr id="39" name="Group 38">
-            <a:extLst>
-              <a:ext uri="{FF2B5EF4-FFF2-40B4-BE49-F238E27FC236}">
-                <a16:creationId xmlns:a16="http://schemas.microsoft.com/office/drawing/2014/main" id="{C004C454-D693-4011-AC12-F29D4B0896D7}"/>
+          <p:cNvPr id="8" name="Group 7">
+            <a:extLst>
+              <a:ext uri="{FF2B5EF4-FFF2-40B4-BE49-F238E27FC236}">
+                <a16:creationId xmlns:a16="http://schemas.microsoft.com/office/drawing/2014/main" id="{0F4A3493-28B3-452B-ACC6-F5D1677DB823}"/>
               </a:ext>
             </a:extLst>
           </p:cNvPr>
@@ -10449,223 +10638,587 @@
         </p:nvGrpSpPr>
         <p:grpSpPr>
           <a:xfrm>
-            <a:off x="87038" y="3374798"/>
-            <a:ext cx="2494916" cy="982289"/>
-            <a:chOff x="401216" y="2528564"/>
-            <a:chExt cx="2494916" cy="982289"/>
+            <a:off x="9356439" y="2152673"/>
+            <a:ext cx="220897" cy="1620685"/>
+            <a:chOff x="9375896" y="2238293"/>
+            <a:chExt cx="220897" cy="1620685"/>
           </a:xfrm>
         </p:grpSpPr>
-        <p:grpSp>
-          <p:nvGrpSpPr>
-            <p:cNvPr id="40" name="Group 39">
+        <p:sp>
+          <p:nvSpPr>
+            <p:cNvPr id="67" name="Rectangle 66">
               <a:extLst>
                 <a:ext uri="{FF2B5EF4-FFF2-40B4-BE49-F238E27FC236}">
-                  <a16:creationId xmlns:a16="http://schemas.microsoft.com/office/drawing/2014/main" id="{B11E3C1C-9C4B-4C97-9AA1-521B85CC20C3}"/>
+                  <a16:creationId xmlns:a16="http://schemas.microsoft.com/office/drawing/2014/main" id="{DC0E07C3-8D22-4171-8F5E-D989864CB73B}"/>
                 </a:ext>
               </a:extLst>
             </p:cNvPr>
-            <p:cNvGrpSpPr/>
+            <p:cNvSpPr/>
             <p:nvPr/>
-          </p:nvGrpSpPr>
-          <p:grpSpPr>
+          </p:nvSpPr>
+          <p:spPr>
             <a:xfrm>
-              <a:off x="1616016" y="2528564"/>
-              <a:ext cx="1280116" cy="982289"/>
-              <a:chOff x="1590962" y="2537895"/>
-              <a:chExt cx="1280116" cy="982289"/>
+              <a:off x="9434868" y="2238293"/>
+              <a:ext cx="161925" cy="1620685"/>
             </a:xfrm>
-          </p:grpSpPr>
-          <p:sp>
-            <p:nvSpPr>
-              <p:cNvPr id="43" name="Flowchart: Connector 42">
-                <a:extLst>
-                  <a:ext uri="{FF2B5EF4-FFF2-40B4-BE49-F238E27FC236}">
-                    <a16:creationId xmlns:a16="http://schemas.microsoft.com/office/drawing/2014/main" id="{544DEE33-BE69-4FE0-95E7-126012C94AA6}"/>
-                  </a:ext>
-                </a:extLst>
-              </p:cNvPr>
-              <p:cNvSpPr>
-                <a:spLocks noChangeAspect="1"/>
-              </p:cNvSpPr>
-              <p:nvPr/>
-            </p:nvSpPr>
-            <p:spPr>
-              <a:xfrm>
-                <a:off x="2070978" y="2628616"/>
-                <a:ext cx="800100" cy="800100"/>
-              </a:xfrm>
-              <a:prstGeom prst="flowChartConnector">
-                <a:avLst/>
-              </a:prstGeom>
+            <a:prstGeom prst="rect">
+              <a:avLst/>
+            </a:prstGeom>
+            <a:solidFill>
+              <a:schemeClr val="accent1">
+                <a:lumMod val="75000"/>
+              </a:schemeClr>
+            </a:solidFill>
+            <a:ln>
               <a:solidFill>
-                <a:schemeClr val="accent6">
-                  <a:lumMod val="20000"/>
-                  <a:lumOff val="80000"/>
+                <a:schemeClr val="accent1">
+                  <a:lumMod val="75000"/>
                 </a:schemeClr>
               </a:solidFill>
-              <a:ln>
-                <a:noFill/>
-              </a:ln>
-            </p:spPr>
-            <p:style>
-              <a:lnRef idx="2">
-                <a:schemeClr val="accent1">
-                  <a:shade val="50000"/>
-                </a:schemeClr>
-              </a:lnRef>
-              <a:fillRef idx="1">
-                <a:schemeClr val="accent1"/>
-              </a:fillRef>
-              <a:effectRef idx="0">
-                <a:schemeClr val="accent1"/>
-              </a:effectRef>
-              <a:fontRef idx="minor">
-                <a:schemeClr val="lt1"/>
-              </a:fontRef>
-            </p:style>
-            <p:txBody>
-              <a:bodyPr rtlCol="0" anchor="ctr"/>
-              <a:lstStyle/>
-              <a:p>
-                <a:pPr algn="ctr"/>
-                <a:endParaRPr lang="en-GB" sz="2000"/>
-              </a:p>
-            </p:txBody>
-          </p:sp>
-          <p:sp>
-            <p:nvSpPr>
-              <p:cNvPr id="44" name="Rectangle 43">
-                <a:extLst>
-                  <a:ext uri="{FF2B5EF4-FFF2-40B4-BE49-F238E27FC236}">
-                    <a16:creationId xmlns:a16="http://schemas.microsoft.com/office/drawing/2014/main" id="{405DAC90-3B75-45D9-ABDE-1903BC992141}"/>
-                  </a:ext>
-                </a:extLst>
-              </p:cNvPr>
-              <p:cNvSpPr/>
-              <p:nvPr/>
-            </p:nvSpPr>
-            <p:spPr>
-              <a:xfrm>
-                <a:off x="1644292" y="2628614"/>
-                <a:ext cx="800100" cy="795528"/>
-              </a:xfrm>
-              <a:prstGeom prst="rect">
-                <a:avLst/>
-              </a:prstGeom>
-              <a:solidFill>
-                <a:schemeClr val="accent6">
-                  <a:lumMod val="20000"/>
-                  <a:lumOff val="80000"/>
-                </a:schemeClr>
-              </a:solidFill>
-              <a:ln>
-                <a:noFill/>
-              </a:ln>
-            </p:spPr>
-            <p:style>
-              <a:lnRef idx="2">
-                <a:schemeClr val="accent1">
-                  <a:shade val="50000"/>
-                </a:schemeClr>
-              </a:lnRef>
-              <a:fillRef idx="1">
-                <a:schemeClr val="accent1"/>
-              </a:fillRef>
-              <a:effectRef idx="0">
-                <a:schemeClr val="accent1"/>
-              </a:effectRef>
-              <a:fontRef idx="minor">
-                <a:schemeClr val="lt1"/>
-              </a:fontRef>
-            </p:style>
-            <p:txBody>
-              <a:bodyPr rtlCol="0" anchor="ctr"/>
-              <a:lstStyle/>
-              <a:p>
-                <a:pPr algn="ctr"/>
-                <a:endParaRPr lang="en-GB"/>
-              </a:p>
-            </p:txBody>
-          </p:sp>
-          <p:sp>
-            <p:nvSpPr>
-              <p:cNvPr id="45" name="Rectangle 44">
-                <a:extLst>
-                  <a:ext uri="{FF2B5EF4-FFF2-40B4-BE49-F238E27FC236}">
-                    <a16:creationId xmlns:a16="http://schemas.microsoft.com/office/drawing/2014/main" id="{089EBE16-4E77-44AB-B8C3-CDF3808D3C1A}"/>
-                  </a:ext>
-                </a:extLst>
-              </p:cNvPr>
-              <p:cNvSpPr/>
-              <p:nvPr/>
-            </p:nvSpPr>
-            <p:spPr>
-              <a:xfrm>
-                <a:off x="1590962" y="2537895"/>
-                <a:ext cx="74095" cy="982289"/>
-              </a:xfrm>
-              <a:prstGeom prst="rect">
-                <a:avLst/>
-              </a:prstGeom>
-              <a:solidFill>
-                <a:schemeClr val="accent6">
-                  <a:lumMod val="20000"/>
-                  <a:lumOff val="80000"/>
-                </a:schemeClr>
-              </a:solidFill>
-              <a:ln>
-                <a:noFill/>
-              </a:ln>
-            </p:spPr>
-            <p:style>
-              <a:lnRef idx="2">
-                <a:schemeClr val="accent1">
-                  <a:shade val="50000"/>
-                </a:schemeClr>
-              </a:lnRef>
-              <a:fillRef idx="1">
-                <a:schemeClr val="accent1"/>
-              </a:fillRef>
-              <a:effectRef idx="0">
-                <a:schemeClr val="accent1"/>
-              </a:effectRef>
-              <a:fontRef idx="minor">
-                <a:schemeClr val="lt1"/>
-              </a:fontRef>
-            </p:style>
-            <p:txBody>
-              <a:bodyPr rtlCol="0" anchor="ctr"/>
-              <a:lstStyle/>
-              <a:p>
-                <a:pPr algn="ctr"/>
-                <a:endParaRPr lang="en-GB"/>
-              </a:p>
-            </p:txBody>
-          </p:sp>
-        </p:grpSp>
-        <p:cxnSp>
-          <p:nvCxnSpPr>
-            <p:cNvPr id="41" name="Straight Connector 40">
+            </a:ln>
+          </p:spPr>
+          <p:style>
+            <a:lnRef idx="2">
+              <a:schemeClr val="accent1">
+                <a:shade val="50000"/>
+              </a:schemeClr>
+            </a:lnRef>
+            <a:fillRef idx="1">
+              <a:schemeClr val="accent1"/>
+            </a:fillRef>
+            <a:effectRef idx="0">
+              <a:schemeClr val="accent1"/>
+            </a:effectRef>
+            <a:fontRef idx="minor">
+              <a:schemeClr val="lt1"/>
+            </a:fontRef>
+          </p:style>
+          <p:txBody>
+            <a:bodyPr rtlCol="0" anchor="ctr"/>
+            <a:lstStyle/>
+            <a:p>
+              <a:pPr algn="ctr"/>
+              <a:endParaRPr lang="en-GB"/>
+            </a:p>
+          </p:txBody>
+        </p:sp>
+        <p:sp>
+          <p:nvSpPr>
+            <p:cNvPr id="70" name="Rectangle 69">
               <a:extLst>
                 <a:ext uri="{FF2B5EF4-FFF2-40B4-BE49-F238E27FC236}">
-                  <a16:creationId xmlns:a16="http://schemas.microsoft.com/office/drawing/2014/main" id="{9922AC13-702A-4B32-8BCC-AC2EED69F6F8}"/>
+                  <a16:creationId xmlns:a16="http://schemas.microsoft.com/office/drawing/2014/main" id="{909C6DCF-DC74-4FC9-981B-8D9A4E925FE1}"/>
                 </a:ext>
               </a:extLst>
             </p:cNvPr>
-            <p:cNvCxnSpPr/>
+            <p:cNvSpPr/>
+            <p:nvPr/>
+          </p:nvSpPr>
+          <p:spPr>
+            <a:xfrm>
+              <a:off x="9375896" y="2783571"/>
+              <a:ext cx="72250" cy="472276"/>
+            </a:xfrm>
+            <a:prstGeom prst="rect">
+              <a:avLst/>
+            </a:prstGeom>
+            <a:solidFill>
+              <a:schemeClr val="accent1">
+                <a:lumMod val="75000"/>
+              </a:schemeClr>
+            </a:solidFill>
+            <a:ln>
+              <a:solidFill>
+                <a:schemeClr val="accent1">
+                  <a:lumMod val="75000"/>
+                </a:schemeClr>
+              </a:solidFill>
+            </a:ln>
+          </p:spPr>
+          <p:style>
+            <a:lnRef idx="2">
+              <a:schemeClr val="accent1">
+                <a:shade val="50000"/>
+              </a:schemeClr>
+            </a:lnRef>
+            <a:fillRef idx="1">
+              <a:schemeClr val="accent1"/>
+            </a:fillRef>
+            <a:effectRef idx="0">
+              <a:schemeClr val="accent1"/>
+            </a:effectRef>
+            <a:fontRef idx="minor">
+              <a:schemeClr val="lt1"/>
+            </a:fontRef>
+          </p:style>
+          <p:txBody>
+            <a:bodyPr rtlCol="0" anchor="ctr"/>
+            <a:lstStyle/>
+            <a:p>
+              <a:pPr algn="ctr"/>
+              <a:endParaRPr lang="en-GB"/>
+            </a:p>
+          </p:txBody>
+        </p:sp>
+      </p:grpSp>
+      <p:sp>
+        <p:nvSpPr>
+          <p:cNvPr id="46" name="TextBox 45">
+            <a:extLst>
+              <a:ext uri="{FF2B5EF4-FFF2-40B4-BE49-F238E27FC236}">
+                <a16:creationId xmlns:a16="http://schemas.microsoft.com/office/drawing/2014/main" id="{185963DF-9B30-4C29-8B4C-40D3FD5DB920}"/>
+              </a:ext>
+            </a:extLst>
+          </p:cNvPr>
+          <p:cNvSpPr txBox="1"/>
+          <p:nvPr/>
+        </p:nvSpPr>
+        <p:spPr>
+          <a:xfrm>
+            <a:off x="1863982" y="5376366"/>
+            <a:ext cx="1077153" cy="646331"/>
+          </a:xfrm>
+          <a:prstGeom prst="rect">
+            <a:avLst/>
+          </a:prstGeom>
+          <a:noFill/>
+        </p:spPr>
+        <p:txBody>
+          <a:bodyPr wrap="square" rtlCol="0">
+            <a:spAutoFit/>
+          </a:bodyPr>
+          <a:lstStyle/>
+          <a:p>
+            <a:pPr algn="ctr"/>
+            <a:r>
+              <a:rPr lang="en-GB" dirty="0"/>
+              <a:t>Radiation</a:t>
+            </a:r>
+          </a:p>
+          <a:p>
+            <a:pPr algn="ctr"/>
+            <a:r>
+              <a:rPr lang="en-GB" dirty="0"/>
+              <a:t>Source</a:t>
+            </a:r>
+          </a:p>
+        </p:txBody>
+      </p:sp>
+      <p:sp>
+        <p:nvSpPr>
+          <p:cNvPr id="48" name="TextBox 47">
+            <a:extLst>
+              <a:ext uri="{FF2B5EF4-FFF2-40B4-BE49-F238E27FC236}">
+                <a16:creationId xmlns:a16="http://schemas.microsoft.com/office/drawing/2014/main" id="{A9013B17-C665-45E4-B55D-0192B06677BF}"/>
+              </a:ext>
+            </a:extLst>
+          </p:cNvPr>
+          <p:cNvSpPr txBox="1"/>
+          <p:nvPr/>
+        </p:nvSpPr>
+        <p:spPr>
+          <a:xfrm>
+            <a:off x="5662197" y="5632204"/>
+            <a:ext cx="1036833" cy="369332"/>
+          </a:xfrm>
+          <a:prstGeom prst="rect">
+            <a:avLst/>
+          </a:prstGeom>
+          <a:noFill/>
+        </p:spPr>
+        <p:txBody>
+          <a:bodyPr wrap="square" rtlCol="0">
+            <a:spAutoFit/>
+          </a:bodyPr>
+          <a:lstStyle/>
+          <a:p>
+            <a:r>
+              <a:rPr lang="en-GB" dirty="0"/>
+              <a:t>Cuvette</a:t>
+            </a:r>
+          </a:p>
+        </p:txBody>
+      </p:sp>
+      <p:sp>
+        <p:nvSpPr>
+          <p:cNvPr id="51" name="TextBox 50">
+            <a:extLst>
+              <a:ext uri="{FF2B5EF4-FFF2-40B4-BE49-F238E27FC236}">
+                <a16:creationId xmlns:a16="http://schemas.microsoft.com/office/drawing/2014/main" id="{ED54A4CF-AB91-4C23-A281-DD8DDDB4DDDB}"/>
+              </a:ext>
+            </a:extLst>
+          </p:cNvPr>
+          <p:cNvSpPr txBox="1"/>
+          <p:nvPr/>
+        </p:nvSpPr>
+        <p:spPr>
+          <a:xfrm>
+            <a:off x="10177482" y="5371321"/>
+            <a:ext cx="1401009" cy="923330"/>
+          </a:xfrm>
+          <a:prstGeom prst="rect">
+            <a:avLst/>
+          </a:prstGeom>
+          <a:noFill/>
+        </p:spPr>
+        <p:txBody>
+          <a:bodyPr wrap="square" rtlCol="0">
+            <a:spAutoFit/>
+          </a:bodyPr>
+          <a:lstStyle/>
+          <a:p>
+            <a:pPr algn="ctr"/>
+            <a:r>
+              <a:rPr lang="en-GB" dirty="0"/>
+              <a:t>Display and processing</a:t>
+            </a:r>
+            <a:br>
+              <a:rPr lang="en-GB" dirty="0"/>
+            </a:br>
+            <a:r>
+              <a:rPr lang="en-GB" dirty="0"/>
+              <a:t>unit</a:t>
+            </a:r>
+          </a:p>
+        </p:txBody>
+      </p:sp>
+      <p:grpSp>
+        <p:nvGrpSpPr>
+          <p:cNvPr id="6" name="Group 5">
+            <a:extLst>
+              <a:ext uri="{FF2B5EF4-FFF2-40B4-BE49-F238E27FC236}">
+                <a16:creationId xmlns:a16="http://schemas.microsoft.com/office/drawing/2014/main" id="{A1F7D7E1-7058-4FE6-BB29-ED3F0C6C9EFD}"/>
+              </a:ext>
+            </a:extLst>
+          </p:cNvPr>
+          <p:cNvGrpSpPr/>
+          <p:nvPr/>
+        </p:nvGrpSpPr>
+        <p:grpSpPr>
+          <a:xfrm>
+            <a:off x="10072215" y="2468000"/>
+            <a:ext cx="1506276" cy="983574"/>
+            <a:chOff x="10091672" y="2553620"/>
+            <a:chExt cx="1506276" cy="983574"/>
+          </a:xfrm>
+        </p:grpSpPr>
+        <p:sp>
+          <p:nvSpPr>
+            <p:cNvPr id="2" name="Rectangle: Rounded Corners 1">
+              <a:extLst>
+                <a:ext uri="{FF2B5EF4-FFF2-40B4-BE49-F238E27FC236}">
+                  <a16:creationId xmlns:a16="http://schemas.microsoft.com/office/drawing/2014/main" id="{2BC42B81-6369-41EF-8412-F1AE94FD3274}"/>
+                </a:ext>
+              </a:extLst>
+            </p:cNvPr>
+            <p:cNvSpPr/>
+            <p:nvPr/>
+          </p:nvSpPr>
+          <p:spPr>
+            <a:xfrm>
+              <a:off x="10091672" y="2553620"/>
+              <a:ext cx="1506276" cy="983574"/>
+            </a:xfrm>
+            <a:prstGeom prst="roundRect">
+              <a:avLst/>
+            </a:prstGeom>
+            <a:solidFill>
+              <a:schemeClr val="accent2">
+                <a:lumMod val="20000"/>
+                <a:lumOff val="80000"/>
+              </a:schemeClr>
+            </a:solidFill>
+            <a:ln w="47625">
+              <a:solidFill>
+                <a:schemeClr val="accent2">
+                  <a:lumMod val="75000"/>
+                </a:schemeClr>
+              </a:solidFill>
+            </a:ln>
+          </p:spPr>
+          <p:style>
+            <a:lnRef idx="2">
+              <a:schemeClr val="accent1">
+                <a:shade val="50000"/>
+              </a:schemeClr>
+            </a:lnRef>
+            <a:fillRef idx="1">
+              <a:schemeClr val="accent1"/>
+            </a:fillRef>
+            <a:effectRef idx="0">
+              <a:schemeClr val="accent1"/>
+            </a:effectRef>
+            <a:fontRef idx="minor">
+              <a:schemeClr val="lt1"/>
+            </a:fontRef>
+          </p:style>
+          <p:txBody>
+            <a:bodyPr rtlCol="0" anchor="ctr"/>
+            <a:lstStyle/>
+            <a:p>
+              <a:pPr algn="ctr"/>
+              <a:endParaRPr lang="en-GB"/>
+            </a:p>
+          </p:txBody>
+        </p:sp>
+        <p:sp>
+          <p:nvSpPr>
+            <p:cNvPr id="3" name="TextBox 2">
+              <a:extLst>
+                <a:ext uri="{FF2B5EF4-FFF2-40B4-BE49-F238E27FC236}">
+                  <a16:creationId xmlns:a16="http://schemas.microsoft.com/office/drawing/2014/main" id="{59389CDC-7154-4C3E-A262-1D828D892EDB}"/>
+                </a:ext>
+              </a:extLst>
+            </p:cNvPr>
+            <p:cNvSpPr txBox="1"/>
+            <p:nvPr/>
+          </p:nvSpPr>
+          <p:spPr>
+            <a:xfrm>
+              <a:off x="10177482" y="2691464"/>
+              <a:ext cx="1353256" cy="707886"/>
+            </a:xfrm>
+            <a:prstGeom prst="rect">
+              <a:avLst/>
+            </a:prstGeom>
+            <a:noFill/>
+          </p:spPr>
+          <p:txBody>
+            <a:bodyPr wrap="none" rtlCol="0">
+              <a:spAutoFit/>
+            </a:bodyPr>
+            <a:lstStyle/>
+            <a:p>
+              <a:r>
+                <a:rPr lang="en-GB" sz="4000" dirty="0">
+                  <a:solidFill>
+                    <a:schemeClr val="bg1"/>
+                  </a:solidFill>
+                  <a:cs typeface="Aparajita" panose="020B0502040204020203" pitchFamily="18" charset="0"/>
+                </a:rPr>
+                <a:t>0.664</a:t>
+              </a:r>
+            </a:p>
+          </p:txBody>
+        </p:sp>
+      </p:grpSp>
+      <p:sp>
+        <p:nvSpPr>
+          <p:cNvPr id="64" name="TextBox 63">
+            <a:extLst>
+              <a:ext uri="{FF2B5EF4-FFF2-40B4-BE49-F238E27FC236}">
+                <a16:creationId xmlns:a16="http://schemas.microsoft.com/office/drawing/2014/main" id="{3D37B25C-93B5-4F66-9E1F-BFE52303EB06}"/>
+              </a:ext>
+            </a:extLst>
+          </p:cNvPr>
+          <p:cNvSpPr txBox="1"/>
+          <p:nvPr/>
+        </p:nvSpPr>
+        <p:spPr>
+          <a:xfrm>
+            <a:off x="5240362" y="2862790"/>
+            <a:ext cx="1731756" cy="646331"/>
+          </a:xfrm>
+          <a:prstGeom prst="rect">
+            <a:avLst/>
+          </a:prstGeom>
+          <a:noFill/>
+        </p:spPr>
+        <p:txBody>
+          <a:bodyPr wrap="square" rtlCol="0">
+            <a:spAutoFit/>
+          </a:bodyPr>
+          <a:lstStyle/>
+          <a:p>
+            <a:pPr algn="ctr"/>
+            <a:r>
+              <a:rPr lang="en-GB" dirty="0"/>
+              <a:t>Sample</a:t>
+            </a:r>
+          </a:p>
+          <a:p>
+            <a:pPr algn="ctr"/>
+            <a:r>
+              <a:rPr lang="en-GB" dirty="0" err="1"/>
+              <a:t>Colored</a:t>
+            </a:r>
+            <a:r>
+              <a:rPr lang="en-GB" dirty="0"/>
+              <a:t> solution</a:t>
+            </a:r>
+          </a:p>
+        </p:txBody>
+      </p:sp>
+      <p:grpSp>
+        <p:nvGrpSpPr>
+          <p:cNvPr id="65" name="Group 64">
+            <a:extLst>
+              <a:ext uri="{FF2B5EF4-FFF2-40B4-BE49-F238E27FC236}">
+                <a16:creationId xmlns:a16="http://schemas.microsoft.com/office/drawing/2014/main" id="{30B08AB5-5154-4C0D-B8F4-5E270EC5E6FF}"/>
+              </a:ext>
+            </a:extLst>
+          </p:cNvPr>
+          <p:cNvGrpSpPr/>
+          <p:nvPr/>
+        </p:nvGrpSpPr>
+        <p:grpSpPr>
+          <a:xfrm>
+            <a:off x="5638464" y="578598"/>
+            <a:ext cx="914587" cy="2028796"/>
+            <a:chOff x="4139662" y="671807"/>
+            <a:chExt cx="914587" cy="4953167"/>
+          </a:xfrm>
+        </p:grpSpPr>
+        <p:sp>
+          <p:nvSpPr>
+            <p:cNvPr id="66" name="Flowchart: Connector 65">
+              <a:extLst>
+                <a:ext uri="{FF2B5EF4-FFF2-40B4-BE49-F238E27FC236}">
+                  <a16:creationId xmlns:a16="http://schemas.microsoft.com/office/drawing/2014/main" id="{A87AED89-4EE8-4C77-9A1E-0E48A7B01344}"/>
+                </a:ext>
+              </a:extLst>
+            </p:cNvPr>
+            <p:cNvSpPr>
+              <a:spLocks noChangeAspect="1"/>
+            </p:cNvSpPr>
+            <p:nvPr/>
+          </p:nvSpPr>
+          <p:spPr>
+            <a:xfrm>
+              <a:off x="4139662" y="4715146"/>
+              <a:ext cx="909828" cy="909828"/>
+            </a:xfrm>
+            <a:prstGeom prst="flowChartConnector">
+              <a:avLst/>
+            </a:prstGeom>
+            <a:solidFill>
+              <a:schemeClr val="accent5">
+                <a:lumMod val="20000"/>
+                <a:lumOff val="80000"/>
+              </a:schemeClr>
+            </a:solidFill>
+            <a:ln w="50800">
+              <a:solidFill>
+                <a:schemeClr val="accent1">
+                  <a:lumMod val="60000"/>
+                  <a:lumOff val="40000"/>
+                </a:schemeClr>
+              </a:solidFill>
+            </a:ln>
+          </p:spPr>
+          <p:style>
+            <a:lnRef idx="2">
+              <a:schemeClr val="accent1">
+                <a:shade val="50000"/>
+              </a:schemeClr>
+            </a:lnRef>
+            <a:fillRef idx="1">
+              <a:schemeClr val="accent1"/>
+            </a:fillRef>
+            <a:effectRef idx="0">
+              <a:schemeClr val="accent1"/>
+            </a:effectRef>
+            <a:fontRef idx="minor">
+              <a:schemeClr val="lt1"/>
+            </a:fontRef>
+          </p:style>
+          <p:txBody>
+            <a:bodyPr rtlCol="0" anchor="ctr"/>
+            <a:lstStyle/>
+            <a:p>
+              <a:pPr algn="ctr"/>
+              <a:endParaRPr lang="en-GB"/>
+            </a:p>
+          </p:txBody>
+        </p:sp>
+        <p:sp>
+          <p:nvSpPr>
+            <p:cNvPr id="69" name="Rectangle 68">
+              <a:extLst>
+                <a:ext uri="{FF2B5EF4-FFF2-40B4-BE49-F238E27FC236}">
+                  <a16:creationId xmlns:a16="http://schemas.microsoft.com/office/drawing/2014/main" id="{B55DB342-E384-4B59-9DCA-5DE00AB5F8CE}"/>
+                </a:ext>
+              </a:extLst>
+            </p:cNvPr>
+            <p:cNvSpPr/>
+            <p:nvPr/>
+          </p:nvSpPr>
+          <p:spPr>
+            <a:xfrm>
+              <a:off x="4139849" y="671807"/>
+              <a:ext cx="914400" cy="4467974"/>
+            </a:xfrm>
+            <a:prstGeom prst="rect">
+              <a:avLst/>
+            </a:prstGeom>
+            <a:solidFill>
+              <a:schemeClr val="accent5">
+                <a:lumMod val="20000"/>
+                <a:lumOff val="80000"/>
+              </a:schemeClr>
+            </a:solidFill>
+            <a:ln w="50800">
+              <a:solidFill>
+                <a:schemeClr val="accent1">
+                  <a:lumMod val="60000"/>
+                  <a:lumOff val="40000"/>
+                </a:schemeClr>
+              </a:solidFill>
+            </a:ln>
+          </p:spPr>
+          <p:style>
+            <a:lnRef idx="2">
+              <a:schemeClr val="accent1">
+                <a:shade val="50000"/>
+              </a:schemeClr>
+            </a:lnRef>
+            <a:fillRef idx="1">
+              <a:schemeClr val="accent1"/>
+            </a:fillRef>
+            <a:effectRef idx="0">
+              <a:schemeClr val="accent1"/>
+            </a:effectRef>
+            <a:fontRef idx="minor">
+              <a:schemeClr val="lt1"/>
+            </a:fontRef>
+          </p:style>
+          <p:txBody>
+            <a:bodyPr rtlCol="0" anchor="ctr"/>
+            <a:lstStyle/>
+            <a:p>
+              <a:pPr algn="ctr"/>
+              <a:endParaRPr lang="en-GB"/>
+            </a:p>
+          </p:txBody>
+        </p:sp>
+        <p:cxnSp>
+          <p:nvCxnSpPr>
+            <p:cNvPr id="71" name="Straight Connector 70">
+              <a:extLst>
+                <a:ext uri="{FF2B5EF4-FFF2-40B4-BE49-F238E27FC236}">
+                  <a16:creationId xmlns:a16="http://schemas.microsoft.com/office/drawing/2014/main" id="{823F9DF9-495C-4719-9540-B87A7CAE35FC}"/>
+                </a:ext>
+              </a:extLst>
+            </p:cNvPr>
+            <p:cNvCxnSpPr>
+              <a:cxnSpLocks/>
+            </p:cNvCxnSpPr>
             <p:nvPr/>
           </p:nvCxnSpPr>
           <p:spPr>
             <a:xfrm>
-              <a:off x="662473" y="2867009"/>
-              <a:ext cx="953543" cy="0"/>
+              <a:off x="4174380" y="5139781"/>
+              <a:ext cx="864000" cy="0"/>
             </a:xfrm>
             <a:prstGeom prst="line">
               <a:avLst/>
             </a:prstGeom>
-            <a:ln w="31750">
+            <a:ln w="50800">
               <a:solidFill>
-                <a:schemeClr val="tx1"/>
+                <a:schemeClr val="accent5">
+                  <a:lumMod val="20000"/>
+                  <a:lumOff val="80000"/>
+                </a:schemeClr>
               </a:solidFill>
             </a:ln>
           </p:spPr>
@@ -10686,10 +11239,10 @@
         </p:cxnSp>
         <p:cxnSp>
           <p:nvCxnSpPr>
-            <p:cNvPr id="42" name="Straight Connector 41">
+            <p:cNvPr id="72" name="Straight Connector 71">
               <a:extLst>
                 <a:ext uri="{FF2B5EF4-FFF2-40B4-BE49-F238E27FC236}">
-                  <a16:creationId xmlns:a16="http://schemas.microsoft.com/office/drawing/2014/main" id="{CA33691C-BDFB-4024-AD38-A4C443B4972E}"/>
+                  <a16:creationId xmlns:a16="http://schemas.microsoft.com/office/drawing/2014/main" id="{71EBFAD3-1155-44CE-B67D-0D9FAEE4E0CB}"/>
                 </a:ext>
               </a:extLst>
             </p:cNvPr>
@@ -10700,15 +11253,18 @@
           </p:nvCxnSpPr>
           <p:spPr>
             <a:xfrm>
-              <a:off x="401216" y="3122046"/>
-              <a:ext cx="1214799" cy="0"/>
+              <a:off x="4171587" y="671807"/>
+              <a:ext cx="864000" cy="0"/>
             </a:xfrm>
             <a:prstGeom prst="line">
               <a:avLst/>
             </a:prstGeom>
-            <a:ln w="31750">
+            <a:ln w="50800">
               <a:solidFill>
-                <a:schemeClr val="tx1"/>
+                <a:schemeClr val="accent5">
+                  <a:lumMod val="20000"/>
+                  <a:lumOff val="80000"/>
+                </a:schemeClr>
               </a:solidFill>
             </a:ln>
           </p:spPr>
@@ -10728,108 +11284,22 @@
           </p:style>
         </p:cxnSp>
       </p:grpSp>
-      <p:cxnSp>
-        <p:nvCxnSpPr>
-          <p:cNvPr id="47" name="Straight Connector 46">
-            <a:extLst>
-              <a:ext uri="{FF2B5EF4-FFF2-40B4-BE49-F238E27FC236}">
-                <a16:creationId xmlns:a16="http://schemas.microsoft.com/office/drawing/2014/main" id="{9BE85294-7B82-4500-9734-2029072D4B0F}"/>
-              </a:ext>
-            </a:extLst>
-          </p:cNvPr>
-          <p:cNvCxnSpPr>
-            <a:cxnSpLocks/>
-          </p:cNvCxnSpPr>
-          <p:nvPr/>
-        </p:nvCxnSpPr>
+      <p:sp>
+        <p:nvSpPr>
+          <p:cNvPr id="10" name="TextBox 9">
+            <a:extLst>
+              <a:ext uri="{FF2B5EF4-FFF2-40B4-BE49-F238E27FC236}">
+                <a16:creationId xmlns:a16="http://schemas.microsoft.com/office/drawing/2014/main" id="{705C38EF-8D2A-4F53-829E-627F967F88F0}"/>
+              </a:ext>
+            </a:extLst>
+          </p:cNvPr>
+          <p:cNvSpPr txBox="1"/>
+          <p:nvPr/>
+        </p:nvSpPr>
         <p:spPr>
           <a:xfrm>
-            <a:off x="5170368" y="5168356"/>
-            <a:ext cx="0" cy="1080000"/>
-          </a:xfrm>
-          <a:prstGeom prst="line">
-            <a:avLst/>
-          </a:prstGeom>
-          <a:ln w="19050">
-            <a:solidFill>
-              <a:schemeClr val="tx1"/>
-            </a:solidFill>
-          </a:ln>
-        </p:spPr>
-        <p:style>
-          <a:lnRef idx="1">
-            <a:schemeClr val="accent1"/>
-          </a:lnRef>
-          <a:fillRef idx="0">
-            <a:schemeClr val="accent1"/>
-          </a:fillRef>
-          <a:effectRef idx="0">
-            <a:schemeClr val="accent1"/>
-          </a:effectRef>
-          <a:fontRef idx="minor">
-            <a:schemeClr val="tx1"/>
-          </a:fontRef>
-        </p:style>
-      </p:cxnSp>
-      <p:cxnSp>
-        <p:nvCxnSpPr>
-          <p:cNvPr id="49" name="Straight Connector 48">
-            <a:extLst>
-              <a:ext uri="{FF2B5EF4-FFF2-40B4-BE49-F238E27FC236}">
-                <a16:creationId xmlns:a16="http://schemas.microsoft.com/office/drawing/2014/main" id="{8AEEF65A-D3DF-42CF-81AD-CB0305D0D514}"/>
-              </a:ext>
-            </a:extLst>
-          </p:cNvPr>
-          <p:cNvCxnSpPr>
-            <a:cxnSpLocks/>
-          </p:cNvCxnSpPr>
-          <p:nvPr/>
-        </p:nvCxnSpPr>
-        <p:spPr>
-          <a:xfrm>
-            <a:off x="6053418" y="5168356"/>
-            <a:ext cx="0" cy="1080000"/>
-          </a:xfrm>
-          <a:prstGeom prst="line">
-            <a:avLst/>
-          </a:prstGeom>
-          <a:ln w="19050">
-            <a:solidFill>
-              <a:schemeClr val="tx1"/>
-            </a:solidFill>
-          </a:ln>
-        </p:spPr>
-        <p:style>
-          <a:lnRef idx="1">
-            <a:schemeClr val="accent1"/>
-          </a:lnRef>
-          <a:fillRef idx="0">
-            <a:schemeClr val="accent1"/>
-          </a:fillRef>
-          <a:effectRef idx="0">
-            <a:schemeClr val="accent1"/>
-          </a:effectRef>
-          <a:fontRef idx="minor">
-            <a:schemeClr val="tx1"/>
-          </a:fontRef>
-        </p:style>
-      </p:cxnSp>
-      <p:sp>
-        <p:nvSpPr>
-          <p:cNvPr id="50" name="TextBox 49">
-            <a:extLst>
-              <a:ext uri="{FF2B5EF4-FFF2-40B4-BE49-F238E27FC236}">
-                <a16:creationId xmlns:a16="http://schemas.microsoft.com/office/drawing/2014/main" id="{A37673ED-38E4-4612-8B43-017F4B88C867}"/>
-              </a:ext>
-            </a:extLst>
-          </p:cNvPr>
-          <p:cNvSpPr txBox="1"/>
-          <p:nvPr/>
-        </p:nvSpPr>
-        <p:spPr>
-          <a:xfrm>
-            <a:off x="5458646" y="5855612"/>
-            <a:ext cx="306494" cy="369332"/>
+            <a:off x="4027361" y="1319161"/>
+            <a:ext cx="292068" cy="369332"/>
           </a:xfrm>
           <a:prstGeom prst="rect">
             <a:avLst/>
@@ -10837,398 +11307,94 @@
           <a:noFill/>
         </p:spPr>
         <p:txBody>
+          <a:bodyPr wrap="none" rtlCol="0">
+            <a:spAutoFit/>
+          </a:bodyPr>
+          <a:lstStyle/>
+          <a:p>
+            <a:r>
+              <a:rPr lang="en-GB" dirty="0">
+                <a:solidFill>
+                  <a:schemeClr val="bg1"/>
+                </a:solidFill>
+              </a:rPr>
+              <a:t>λ</a:t>
+            </a:r>
+          </a:p>
+        </p:txBody>
+      </p:sp>
+      <p:sp>
+        <p:nvSpPr>
+          <p:cNvPr id="83" name="TextBox 82">
+            <a:extLst>
+              <a:ext uri="{FF2B5EF4-FFF2-40B4-BE49-F238E27FC236}">
+                <a16:creationId xmlns:a16="http://schemas.microsoft.com/office/drawing/2014/main" id="{F122B15E-AC86-4F3D-B2C3-76522041E76C}"/>
+              </a:ext>
+            </a:extLst>
+          </p:cNvPr>
+          <p:cNvSpPr txBox="1"/>
+          <p:nvPr/>
+        </p:nvSpPr>
+        <p:spPr>
+          <a:xfrm>
+            <a:off x="4027361" y="4251189"/>
+            <a:ext cx="292068" cy="369332"/>
+          </a:xfrm>
+          <a:prstGeom prst="rect">
+            <a:avLst/>
+          </a:prstGeom>
+          <a:noFill/>
+        </p:spPr>
+        <p:txBody>
+          <a:bodyPr wrap="none" rtlCol="0">
+            <a:spAutoFit/>
+          </a:bodyPr>
+          <a:lstStyle/>
+          <a:p>
+            <a:r>
+              <a:rPr lang="en-GB" dirty="0">
+                <a:solidFill>
+                  <a:schemeClr val="bg1"/>
+                </a:solidFill>
+              </a:rPr>
+              <a:t>λ</a:t>
+            </a:r>
+          </a:p>
+        </p:txBody>
+      </p:sp>
+      <p:sp>
+        <p:nvSpPr>
+          <p:cNvPr id="84" name="TextBox 83">
+            <a:extLst>
+              <a:ext uri="{FF2B5EF4-FFF2-40B4-BE49-F238E27FC236}">
+                <a16:creationId xmlns:a16="http://schemas.microsoft.com/office/drawing/2014/main" id="{1115A061-6AF0-470A-A20E-F6711B29CE1C}"/>
+              </a:ext>
+            </a:extLst>
+          </p:cNvPr>
+          <p:cNvSpPr txBox="1"/>
+          <p:nvPr/>
+        </p:nvSpPr>
+        <p:spPr>
+          <a:xfrm>
+            <a:off x="10134148" y="3503648"/>
+            <a:ext cx="1401009" cy="369332"/>
+          </a:xfrm>
+          <a:prstGeom prst="rect">
+            <a:avLst/>
+          </a:prstGeom>
+          <a:noFill/>
+        </p:spPr>
+        <p:txBody>
           <a:bodyPr wrap="square" rtlCol="0">
             <a:spAutoFit/>
           </a:bodyPr>
           <a:lstStyle/>
           <a:p>
-            <a:r>
-              <a:rPr lang="en-GB"/>
-              <a:t>d</a:t>
-            </a:r>
-          </a:p>
-        </p:txBody>
-      </p:sp>
-      <p:cxnSp>
-        <p:nvCxnSpPr>
-          <p:cNvPr id="52" name="Straight Arrow Connector 51">
-            <a:extLst>
-              <a:ext uri="{FF2B5EF4-FFF2-40B4-BE49-F238E27FC236}">
-                <a16:creationId xmlns:a16="http://schemas.microsoft.com/office/drawing/2014/main" id="{5A86AD31-082A-4ABF-8755-A9F8F6CE03E7}"/>
-              </a:ext>
-            </a:extLst>
-          </p:cNvPr>
-          <p:cNvCxnSpPr>
-            <a:cxnSpLocks/>
-          </p:cNvCxnSpPr>
-          <p:nvPr/>
-        </p:nvCxnSpPr>
-        <p:spPr>
-          <a:xfrm>
-            <a:off x="5179893" y="5824938"/>
-            <a:ext cx="864000" cy="0"/>
-          </a:xfrm>
-          <a:prstGeom prst="straightConnector1">
-            <a:avLst/>
-          </a:prstGeom>
-          <a:ln>
-            <a:headEnd type="triangle" w="lg" len="med"/>
-            <a:tailEnd type="triangle" w="lg" len="med"/>
-          </a:ln>
-        </p:spPr>
-        <p:style>
-          <a:lnRef idx="1">
-            <a:schemeClr val="accent1"/>
-          </a:lnRef>
-          <a:fillRef idx="0">
-            <a:schemeClr val="accent1"/>
-          </a:fillRef>
-          <a:effectRef idx="0">
-            <a:schemeClr val="accent1"/>
-          </a:effectRef>
-          <a:fontRef idx="minor">
-            <a:schemeClr val="tx1"/>
-          </a:fontRef>
-        </p:style>
-      </p:cxnSp>
-      <p:sp>
-        <p:nvSpPr>
-          <p:cNvPr id="54" name="TextBox 53">
-            <a:extLst>
-              <a:ext uri="{FF2B5EF4-FFF2-40B4-BE49-F238E27FC236}">
-                <a16:creationId xmlns:a16="http://schemas.microsoft.com/office/drawing/2014/main" id="{6F2F37FF-84A8-4C4B-B983-A3A232241D06}"/>
-              </a:ext>
-            </a:extLst>
-          </p:cNvPr>
-          <p:cNvSpPr txBox="1"/>
-          <p:nvPr/>
-        </p:nvSpPr>
-        <p:spPr>
-          <a:xfrm>
-            <a:off x="5329182" y="2835043"/>
-            <a:ext cx="657552" cy="369332"/>
-          </a:xfrm>
-          <a:prstGeom prst="rect">
-            <a:avLst/>
-          </a:prstGeom>
-          <a:noFill/>
-        </p:spPr>
-        <p:txBody>
-          <a:bodyPr wrap="square" rtlCol="0">
-            <a:spAutoFit/>
-          </a:bodyPr>
-          <a:lstStyle/>
-          <a:p>
-            <a:r>
-              <a:rPr lang="en-GB"/>
-              <a:t>ε</a:t>
-            </a:r>
-            <a:r>
-              <a:rPr lang="en-GB" baseline="-25000"/>
-              <a:t>λ </a:t>
-            </a:r>
-            <a:r>
-              <a:rPr lang="en-GB"/>
-              <a:t>, c </a:t>
-            </a:r>
-          </a:p>
-        </p:txBody>
-      </p:sp>
-      <p:sp>
-        <p:nvSpPr>
-          <p:cNvPr id="67" name="Rectangle 66">
-            <a:extLst>
-              <a:ext uri="{FF2B5EF4-FFF2-40B4-BE49-F238E27FC236}">
-                <a16:creationId xmlns:a16="http://schemas.microsoft.com/office/drawing/2014/main" id="{DC0E07C3-8D22-4171-8F5E-D989864CB73B}"/>
-              </a:ext>
-            </a:extLst>
-          </p:cNvPr>
-          <p:cNvSpPr/>
-          <p:nvPr/>
-        </p:nvSpPr>
-        <p:spPr>
-          <a:xfrm>
-            <a:off x="8931018" y="2238293"/>
-            <a:ext cx="161925" cy="1620685"/>
-          </a:xfrm>
-          <a:prstGeom prst="rect">
-            <a:avLst/>
-          </a:prstGeom>
-          <a:solidFill>
-            <a:schemeClr val="accent1">
-              <a:lumMod val="75000"/>
-            </a:schemeClr>
-          </a:solidFill>
-          <a:ln>
-            <a:solidFill>
-              <a:schemeClr val="accent1">
-                <a:lumMod val="75000"/>
-              </a:schemeClr>
-            </a:solidFill>
-          </a:ln>
-        </p:spPr>
-        <p:style>
-          <a:lnRef idx="2">
-            <a:schemeClr val="accent1">
-              <a:shade val="50000"/>
-            </a:schemeClr>
-          </a:lnRef>
-          <a:fillRef idx="1">
-            <a:schemeClr val="accent1"/>
-          </a:fillRef>
-          <a:effectRef idx="0">
-            <a:schemeClr val="accent1"/>
-          </a:effectRef>
-          <a:fontRef idx="minor">
-            <a:schemeClr val="lt1"/>
-          </a:fontRef>
-        </p:style>
-        <p:txBody>
-          <a:bodyPr rtlCol="0" anchor="ctr"/>
-          <a:lstStyle/>
-          <a:p>
             <a:pPr algn="ctr"/>
-            <a:endParaRPr lang="en-GB"/>
-          </a:p>
-        </p:txBody>
-      </p:sp>
-      <p:sp>
-        <p:nvSpPr>
-          <p:cNvPr id="68" name="TextBox 67">
-            <a:extLst>
-              <a:ext uri="{FF2B5EF4-FFF2-40B4-BE49-F238E27FC236}">
-                <a16:creationId xmlns:a16="http://schemas.microsoft.com/office/drawing/2014/main" id="{8E2A7D64-2B5E-42F2-B027-DAF28C3BC5EB}"/>
-              </a:ext>
-            </a:extLst>
-          </p:cNvPr>
-          <p:cNvSpPr txBox="1"/>
-          <p:nvPr/>
-        </p:nvSpPr>
-        <p:spPr>
-          <a:xfrm>
-            <a:off x="8476191" y="4615514"/>
-            <a:ext cx="1077393" cy="646331"/>
-          </a:xfrm>
-          <a:prstGeom prst="rect">
-            <a:avLst/>
-          </a:prstGeom>
-          <a:noFill/>
-        </p:spPr>
-        <p:txBody>
-          <a:bodyPr wrap="square" rtlCol="0">
-            <a:spAutoFit/>
-          </a:bodyPr>
-          <a:lstStyle/>
-          <a:p>
-            <a:pPr algn="ctr"/>
-            <a:r>
-              <a:rPr lang="en-GB"/>
-              <a:t>Light</a:t>
-            </a:r>
-            <a:br>
-              <a:rPr lang="en-GB"/>
-            </a:br>
-            <a:r>
-              <a:rPr lang="en-GB"/>
-              <a:t>sensor(s)</a:t>
-            </a:r>
-          </a:p>
-        </p:txBody>
-      </p:sp>
-      <p:sp>
-        <p:nvSpPr>
-          <p:cNvPr id="70" name="Rectangle 69">
-            <a:extLst>
-              <a:ext uri="{FF2B5EF4-FFF2-40B4-BE49-F238E27FC236}">
-                <a16:creationId xmlns:a16="http://schemas.microsoft.com/office/drawing/2014/main" id="{909C6DCF-DC74-4FC9-981B-8D9A4E925FE1}"/>
-              </a:ext>
-            </a:extLst>
-          </p:cNvPr>
-          <p:cNvSpPr/>
-          <p:nvPr/>
-        </p:nvSpPr>
-        <p:spPr>
-          <a:xfrm>
-            <a:off x="8872046" y="2783571"/>
-            <a:ext cx="72250" cy="472276"/>
-          </a:xfrm>
-          <a:prstGeom prst="rect">
-            <a:avLst/>
-          </a:prstGeom>
-          <a:solidFill>
-            <a:schemeClr val="accent1">
-              <a:lumMod val="75000"/>
-            </a:schemeClr>
-          </a:solidFill>
-          <a:ln>
-            <a:solidFill>
-              <a:schemeClr val="accent1">
-                <a:lumMod val="75000"/>
-              </a:schemeClr>
-            </a:solidFill>
-          </a:ln>
-        </p:spPr>
-        <p:style>
-          <a:lnRef idx="2">
-            <a:schemeClr val="accent1">
-              <a:shade val="50000"/>
-            </a:schemeClr>
-          </a:lnRef>
-          <a:fillRef idx="1">
-            <a:schemeClr val="accent1"/>
-          </a:fillRef>
-          <a:effectRef idx="0">
-            <a:schemeClr val="accent1"/>
-          </a:effectRef>
-          <a:fontRef idx="minor">
-            <a:schemeClr val="lt1"/>
-          </a:fontRef>
-        </p:style>
-        <p:txBody>
-          <a:bodyPr rtlCol="0" anchor="ctr"/>
-          <a:lstStyle/>
-          <a:p>
-            <a:pPr algn="ctr"/>
-            <a:endParaRPr lang="en-GB"/>
-          </a:p>
-        </p:txBody>
-      </p:sp>
-      <p:sp>
-        <p:nvSpPr>
-          <p:cNvPr id="46" name="TextBox 45">
-            <a:extLst>
-              <a:ext uri="{FF2B5EF4-FFF2-40B4-BE49-F238E27FC236}">
-                <a16:creationId xmlns:a16="http://schemas.microsoft.com/office/drawing/2014/main" id="{185963DF-9B30-4C29-8B4C-40D3FD5DB920}"/>
-              </a:ext>
-            </a:extLst>
-          </p:cNvPr>
-          <p:cNvSpPr txBox="1"/>
-          <p:nvPr/>
-        </p:nvSpPr>
-        <p:spPr>
-          <a:xfrm>
-            <a:off x="1334466" y="4715146"/>
-            <a:ext cx="1077153" cy="1046440"/>
-          </a:xfrm>
-          <a:prstGeom prst="rect">
-            <a:avLst/>
-          </a:prstGeom>
-          <a:noFill/>
-        </p:spPr>
-        <p:txBody>
-          <a:bodyPr wrap="square" rtlCol="0">
-            <a:spAutoFit/>
-          </a:bodyPr>
-          <a:lstStyle/>
-          <a:p>
-            <a:pPr algn="ctr"/>
-            <a:r>
-              <a:rPr lang="en-GB"/>
-              <a:t>Radiation</a:t>
-            </a:r>
-          </a:p>
-          <a:p>
-            <a:pPr algn="ctr"/>
-            <a:r>
-              <a:rPr lang="en-GB"/>
-              <a:t>Source</a:t>
-            </a:r>
-          </a:p>
-          <a:p>
-            <a:pPr algn="ctr"/>
-            <a:endParaRPr lang="en-GB" sz="800"/>
-          </a:p>
-          <a:p>
-            <a:pPr algn="ctr"/>
-            <a:r>
-              <a:rPr lang="en-GB"/>
-              <a:t>LED(s)</a:t>
-            </a:r>
-          </a:p>
-        </p:txBody>
-      </p:sp>
-      <p:sp>
-        <p:nvSpPr>
-          <p:cNvPr id="48" name="TextBox 47">
-            <a:extLst>
-              <a:ext uri="{FF2B5EF4-FFF2-40B4-BE49-F238E27FC236}">
-                <a16:creationId xmlns:a16="http://schemas.microsoft.com/office/drawing/2014/main" id="{A9013B17-C665-45E4-B55D-0192B06677BF}"/>
-              </a:ext>
-            </a:extLst>
-          </p:cNvPr>
-          <p:cNvSpPr txBox="1"/>
-          <p:nvPr/>
-        </p:nvSpPr>
-        <p:spPr>
-          <a:xfrm>
-            <a:off x="5139541" y="6254205"/>
-            <a:ext cx="1036833" cy="369332"/>
-          </a:xfrm>
-          <a:prstGeom prst="rect">
-            <a:avLst/>
-          </a:prstGeom>
-          <a:noFill/>
-        </p:spPr>
-        <p:txBody>
-          <a:bodyPr wrap="square" rtlCol="0">
-            <a:spAutoFit/>
-          </a:bodyPr>
-          <a:lstStyle/>
-          <a:p>
-            <a:r>
-              <a:rPr lang="en-GB"/>
-              <a:t>Cuvette</a:t>
-            </a:r>
-          </a:p>
-        </p:txBody>
-      </p:sp>
-      <p:sp>
-        <p:nvSpPr>
-          <p:cNvPr id="51" name="TextBox 50">
-            <a:extLst>
-              <a:ext uri="{FF2B5EF4-FFF2-40B4-BE49-F238E27FC236}">
-                <a16:creationId xmlns:a16="http://schemas.microsoft.com/office/drawing/2014/main" id="{ED54A4CF-AB91-4C23-A281-DD8DDDB4DDDB}"/>
-              </a:ext>
-            </a:extLst>
-          </p:cNvPr>
-          <p:cNvSpPr txBox="1"/>
-          <p:nvPr/>
-        </p:nvSpPr>
-        <p:spPr>
-          <a:xfrm>
-            <a:off x="9673632" y="4615514"/>
-            <a:ext cx="1401009" cy="1877437"/>
-          </a:xfrm>
-          <a:prstGeom prst="rect">
-            <a:avLst/>
-          </a:prstGeom>
-          <a:noFill/>
-        </p:spPr>
-        <p:txBody>
-          <a:bodyPr wrap="square" rtlCol="0">
-            <a:spAutoFit/>
-          </a:bodyPr>
-          <a:lstStyle/>
-          <a:p>
-            <a:pPr algn="ctr"/>
             <a:r>
               <a:rPr lang="en-GB" dirty="0"/>
-              <a:t>Display and processing</a:t>
-            </a:r>
-            <a:br>
-              <a:rPr lang="en-GB" dirty="0"/>
-            </a:br>
-            <a:r>
-              <a:rPr lang="en-GB" dirty="0"/>
-              <a:t>unit(s)</a:t>
-            </a:r>
-          </a:p>
-          <a:p>
-            <a:pPr algn="ctr"/>
-            <a:endParaRPr lang="en-GB" sz="800" dirty="0"/>
-          </a:p>
-          <a:p>
-            <a:pPr algn="ctr"/>
+              <a:t>T, </a:t>
+            </a:r>
             <a:r>
               <a:rPr lang="en-GB" dirty="0" err="1"/>
               <a:t>E</a:t>
@@ -11237,13 +11403,9 @@
               <a:rPr lang="en-GB" baseline="-25000" dirty="0" err="1"/>
               <a:t>λ</a:t>
             </a:r>
-            <a:endParaRPr lang="en-GB" baseline="-25000" dirty="0"/>
-          </a:p>
-          <a:p>
-            <a:pPr algn="ctr"/>
-            <a:r>
-              <a:rPr lang="en-GB" i="1" baseline="-25000" dirty="0"/>
-              <a:t>´</a:t>
+            <a:r>
+              <a:rPr lang="en-GB" dirty="0"/>
+              <a:t>, </a:t>
             </a:r>
             <a:r>
               <a:rPr lang="en-GB" i="1" dirty="0"/>
@@ -11253,116 +11415,15 @@
               <a:rPr lang="el-GR" i="1" baseline="-25000" dirty="0"/>
               <a:t>λ</a:t>
             </a:r>
-            <a:endParaRPr lang="de-DE" i="1" baseline="-25000" dirty="0"/>
-          </a:p>
-          <a:p>
-            <a:pPr algn="ctr"/>
+            <a:r>
+              <a:rPr lang="de-DE" dirty="0"/>
+              <a:t>, </a:t>
+            </a:r>
             <a:r>
               <a:rPr lang="de-DE" i="1" dirty="0"/>
               <a:t>c</a:t>
             </a:r>
             <a:endParaRPr lang="en-GB" dirty="0"/>
-          </a:p>
-        </p:txBody>
-      </p:sp>
-      <p:sp>
-        <p:nvSpPr>
-          <p:cNvPr id="2" name="Rectangle: Rounded Corners 1">
-            <a:extLst>
-              <a:ext uri="{FF2B5EF4-FFF2-40B4-BE49-F238E27FC236}">
-                <a16:creationId xmlns:a16="http://schemas.microsoft.com/office/drawing/2014/main" id="{2BC42B81-6369-41EF-8412-F1AE94FD3274}"/>
-              </a:ext>
-            </a:extLst>
-          </p:cNvPr>
-          <p:cNvSpPr/>
-          <p:nvPr/>
-        </p:nvSpPr>
-        <p:spPr>
-          <a:xfrm>
-            <a:off x="9587822" y="2553620"/>
-            <a:ext cx="1506276" cy="983574"/>
-          </a:xfrm>
-          <a:prstGeom prst="roundRect">
-            <a:avLst/>
-          </a:prstGeom>
-          <a:solidFill>
-            <a:schemeClr val="accent2">
-              <a:lumMod val="20000"/>
-              <a:lumOff val="80000"/>
-            </a:schemeClr>
-          </a:solidFill>
-          <a:ln w="47625">
-            <a:solidFill>
-              <a:schemeClr val="accent2">
-                <a:lumMod val="75000"/>
-              </a:schemeClr>
-            </a:solidFill>
-          </a:ln>
-        </p:spPr>
-        <p:style>
-          <a:lnRef idx="2">
-            <a:schemeClr val="accent1">
-              <a:shade val="50000"/>
-            </a:schemeClr>
-          </a:lnRef>
-          <a:fillRef idx="1">
-            <a:schemeClr val="accent1"/>
-          </a:fillRef>
-          <a:effectRef idx="0">
-            <a:schemeClr val="accent1"/>
-          </a:effectRef>
-          <a:fontRef idx="minor">
-            <a:schemeClr val="lt1"/>
-          </a:fontRef>
-        </p:style>
-        <p:txBody>
-          <a:bodyPr rtlCol="0" anchor="ctr"/>
-          <a:lstStyle/>
-          <a:p>
-            <a:pPr algn="ctr"/>
-            <a:endParaRPr lang="en-GB"/>
-          </a:p>
-        </p:txBody>
-      </p:sp>
-      <p:sp>
-        <p:nvSpPr>
-          <p:cNvPr id="3" name="TextBox 2">
-            <a:extLst>
-              <a:ext uri="{FF2B5EF4-FFF2-40B4-BE49-F238E27FC236}">
-                <a16:creationId xmlns:a16="http://schemas.microsoft.com/office/drawing/2014/main" id="{59389CDC-7154-4C3E-A262-1D828D892EDB}"/>
-              </a:ext>
-            </a:extLst>
-          </p:cNvPr>
-          <p:cNvSpPr txBox="1"/>
-          <p:nvPr/>
-        </p:nvSpPr>
-        <p:spPr>
-          <a:xfrm>
-            <a:off x="9673632" y="2691464"/>
-            <a:ext cx="1353256" cy="707886"/>
-          </a:xfrm>
-          <a:prstGeom prst="rect">
-            <a:avLst/>
-          </a:prstGeom>
-          <a:noFill/>
-        </p:spPr>
-        <p:txBody>
-          <a:bodyPr wrap="none" rtlCol="0">
-            <a:spAutoFit/>
-          </a:bodyPr>
-          <a:lstStyle/>
-          <a:p>
-            <a:r>
-              <a:rPr lang="en-GB" sz="4000">
-                <a:solidFill>
-                  <a:schemeClr val="accent2">
-                    <a:lumMod val="75000"/>
-                  </a:schemeClr>
-                </a:solidFill>
-                <a:cs typeface="Aparajita" panose="020B0502040204020203" pitchFamily="18" charset="0"/>
-              </a:rPr>
-              <a:t>0.664</a:t>
-            </a:r>
           </a:p>
         </p:txBody>
       </p:sp>
@@ -11410,7 +11471,7 @@
         </p:nvGrpSpPr>
         <p:grpSpPr>
           <a:xfrm>
-            <a:off x="5940649" y="671807"/>
+            <a:off x="6323207" y="671807"/>
             <a:ext cx="914400" cy="4942245"/>
             <a:chOff x="4139849" y="671807"/>
             <a:chExt cx="914400" cy="4942245"/>
@@ -11633,7 +11694,7 @@
         </p:nvSpPr>
         <p:spPr>
           <a:xfrm>
-            <a:off x="8621486" y="1625847"/>
+            <a:off x="9004044" y="1625847"/>
             <a:ext cx="1393523" cy="369332"/>
           </a:xfrm>
           <a:prstGeom prst="rect">
@@ -11668,7 +11729,7 @@
         </p:nvSpPr>
         <p:spPr>
           <a:xfrm>
-            <a:off x="8621486" y="2281304"/>
+            <a:off x="9004044" y="2281304"/>
             <a:ext cx="1224438" cy="369332"/>
           </a:xfrm>
           <a:prstGeom prst="rect">
@@ -11703,7 +11764,7 @@
         </p:nvSpPr>
         <p:spPr>
           <a:xfrm>
-            <a:off x="8621486" y="2974316"/>
+            <a:off x="9004044" y="2974316"/>
             <a:ext cx="1122230" cy="369332"/>
           </a:xfrm>
           <a:prstGeom prst="rect">
@@ -11738,18 +11799,16 @@
         </p:nvSpPr>
         <p:spPr>
           <a:xfrm>
-            <a:off x="4383450" y="1625847"/>
+            <a:off x="4766008" y="1625847"/>
             <a:ext cx="4041873" cy="369332"/>
           </a:xfrm>
           <a:prstGeom prst="rightArrow">
             <a:avLst/>
           </a:prstGeom>
           <a:solidFill>
-            <a:schemeClr val="accent4">
-              <a:lumMod val="20000"/>
-              <a:lumOff val="80000"/>
+            <a:srgbClr val="00B050">
               <a:alpha val="75000"/>
-            </a:schemeClr>
+            </a:srgbClr>
           </a:solidFill>
           <a:ln>
             <a:noFill/>
@@ -11794,18 +11853,16 @@
         </p:nvSpPr>
         <p:spPr>
           <a:xfrm>
-            <a:off x="4383450" y="2281304"/>
+            <a:off x="4766008" y="2281304"/>
             <a:ext cx="2073334" cy="369332"/>
           </a:xfrm>
           <a:prstGeom prst="rightArrow">
             <a:avLst/>
           </a:prstGeom>
           <a:solidFill>
-            <a:schemeClr val="accent4">
-              <a:lumMod val="20000"/>
-              <a:lumOff val="80000"/>
+            <a:srgbClr val="00B050">
               <a:alpha val="75000"/>
-            </a:schemeClr>
+            </a:srgbClr>
           </a:solidFill>
           <a:ln>
             <a:noFill/>
@@ -11850,7 +11907,7 @@
         </p:nvGrpSpPr>
         <p:grpSpPr>
           <a:xfrm>
-            <a:off x="4280814" y="3039633"/>
+            <a:off x="4663372" y="3039633"/>
             <a:ext cx="2175970" cy="767257"/>
             <a:chOff x="4270107" y="3181738"/>
             <a:chExt cx="2175970" cy="767257"/>
@@ -11879,11 +11936,9 @@
               <a:avLst/>
             </a:prstGeom>
             <a:solidFill>
-              <a:schemeClr val="accent4">
-                <a:lumMod val="20000"/>
-                <a:lumOff val="80000"/>
+              <a:srgbClr val="00B050">
                 <a:alpha val="90000"/>
-              </a:schemeClr>
+              </a:srgbClr>
             </a:solidFill>
             <a:ln>
               <a:noFill/>
@@ -11935,11 +11990,9 @@
               <a:avLst/>
             </a:prstGeom>
             <a:solidFill>
-              <a:schemeClr val="accent4">
-                <a:lumMod val="20000"/>
-                <a:lumOff val="80000"/>
+              <a:srgbClr val="00B050">
                 <a:alpha val="90000"/>
-              </a:schemeClr>
+              </a:srgbClr>
             </a:solidFill>
             <a:ln>
               <a:noFill/>
@@ -11985,7 +12038,7 @@
         </p:nvGrpSpPr>
         <p:grpSpPr>
           <a:xfrm>
-            <a:off x="1369555" y="1974825"/>
+            <a:off x="1752113" y="1974825"/>
             <a:ext cx="2494916" cy="982289"/>
             <a:chOff x="401216" y="2528564"/>
             <a:chExt cx="2494916" cy="982289"/>
@@ -12034,7 +12087,7 @@
                 <a:avLst/>
               </a:prstGeom>
               <a:solidFill>
-                <a:schemeClr val="accent4">
+                <a:schemeClr val="accent6">
                   <a:lumMod val="20000"/>
                   <a:lumOff val="80000"/>
                 </a:schemeClr>
@@ -12089,7 +12142,7 @@
                 <a:avLst/>
               </a:prstGeom>
               <a:solidFill>
-                <a:schemeClr val="accent4">
+                <a:schemeClr val="accent6">
                   <a:lumMod val="20000"/>
                   <a:lumOff val="80000"/>
                 </a:schemeClr>
@@ -12144,7 +12197,7 @@
                 <a:avLst/>
               </a:prstGeom>
               <a:solidFill>
-                <a:schemeClr val="accent4">
+                <a:schemeClr val="accent6">
                   <a:lumMod val="20000"/>
                   <a:lumOff val="80000"/>
                 </a:schemeClr>

--- a/setup/network.pptx
+++ b/setup/network.pptx
@@ -10,6 +10,10 @@
     <p:sldId id="258" r:id="rId4"/>
     <p:sldId id="259" r:id="rId5"/>
     <p:sldId id="260" r:id="rId6"/>
+    <p:sldId id="261" r:id="rId7"/>
+    <p:sldId id="262" r:id="rId8"/>
+    <p:sldId id="267" r:id="rId9"/>
+    <p:sldId id="266" r:id="rId10"/>
   </p:sldIdLst>
   <p:sldSz cx="12192000" cy="6858000"/>
   <p:notesSz cx="6858000" cy="9144000"/>
@@ -114,6 +118,1292 @@
     </p:ext>
   </p:extLst>
 </p:presentation>
+</file>
+
+<file path=ppt/charts/chart1.xml><?xml version="1.0" encoding="utf-8"?>
+<c:chartSpace xmlns:c="http://schemas.openxmlformats.org/drawingml/2006/chart" xmlns:a="http://schemas.openxmlformats.org/drawingml/2006/main" xmlns:r="http://schemas.openxmlformats.org/officeDocument/2006/relationships" xmlns:c16r2="http://schemas.microsoft.com/office/drawing/2015/06/chart">
+  <c:date1904 val="0"/>
+  <c:lang val="en-US"/>
+  <c:roundedCorners val="1"/>
+  <mc:AlternateContent xmlns:mc="http://schemas.openxmlformats.org/markup-compatibility/2006">
+    <mc:Choice xmlns:c14="http://schemas.microsoft.com/office/drawing/2007/8/2/chart" Requires="c14">
+      <c14:style val="102"/>
+    </mc:Choice>
+    <mc:Fallback>
+      <c:style val="2"/>
+    </mc:Fallback>
+  </mc:AlternateContent>
+  <c:chart>
+    <c:autoTitleDeleted val="1"/>
+    <c:plotArea>
+      <c:layout>
+        <c:manualLayout>
+          <c:layoutTarget val="inner"/>
+          <c:xMode val="edge"/>
+          <c:yMode val="edge"/>
+          <c:x val="2.5226897413132558E-2"/>
+          <c:y val="3.5077241552986672E-2"/>
+          <c:w val="0.94965595673272196"/>
+          <c:h val="0.88004226933054042"/>
+        </c:manualLayout>
+      </c:layout>
+      <c:scatterChart>
+        <c:scatterStyle val="smoothMarker"/>
+        <c:varyColors val="0"/>
+        <c:ser>
+          <c:idx val="0"/>
+          <c:order val="0"/>
+          <c:tx>
+            <c:strRef>
+              <c:f>Sheet1!$B$1</c:f>
+              <c:strCache>
+                <c:ptCount val="1"/>
+                <c:pt idx="0">
+                  <c:v>Intensity</c:v>
+                </c:pt>
+              </c:strCache>
+            </c:strRef>
+          </c:tx>
+          <c:spPr>
+            <a:ln w="28575" cap="rnd">
+              <a:solidFill>
+                <a:schemeClr val="accent1"/>
+              </a:solidFill>
+              <a:round/>
+            </a:ln>
+            <a:effectLst/>
+          </c:spPr>
+          <c:marker>
+            <c:symbol val="none"/>
+          </c:marker>
+          <c:xVal>
+            <c:numRef>
+              <c:f>Sheet1!$A$2:$A$80</c:f>
+              <c:numCache>
+                <c:formatCode>General</c:formatCode>
+                <c:ptCount val="79"/>
+                <c:pt idx="0">
+                  <c:v>200</c:v>
+                </c:pt>
+                <c:pt idx="1">
+                  <c:v>300</c:v>
+                </c:pt>
+                <c:pt idx="2">
+                  <c:v>310</c:v>
+                </c:pt>
+                <c:pt idx="3">
+                  <c:v>320</c:v>
+                </c:pt>
+                <c:pt idx="4">
+                  <c:v>330</c:v>
+                </c:pt>
+                <c:pt idx="5">
+                  <c:v>340</c:v>
+                </c:pt>
+                <c:pt idx="6">
+                  <c:v>350</c:v>
+                </c:pt>
+                <c:pt idx="7">
+                  <c:v>360</c:v>
+                </c:pt>
+                <c:pt idx="8">
+                  <c:v>365</c:v>
+                </c:pt>
+                <c:pt idx="9">
+                  <c:v>370</c:v>
+                </c:pt>
+                <c:pt idx="10">
+                  <c:v>375</c:v>
+                </c:pt>
+                <c:pt idx="11">
+                  <c:v>380</c:v>
+                </c:pt>
+                <c:pt idx="12">
+                  <c:v>385</c:v>
+                </c:pt>
+                <c:pt idx="13">
+                  <c:v>390</c:v>
+                </c:pt>
+                <c:pt idx="14">
+                  <c:v>400</c:v>
+                </c:pt>
+                <c:pt idx="15">
+                  <c:v>410</c:v>
+                </c:pt>
+                <c:pt idx="16">
+                  <c:v>420</c:v>
+                </c:pt>
+                <c:pt idx="17">
+                  <c:v>430</c:v>
+                </c:pt>
+                <c:pt idx="18">
+                  <c:v>440</c:v>
+                </c:pt>
+                <c:pt idx="19">
+                  <c:v>450</c:v>
+                </c:pt>
+                <c:pt idx="20">
+                  <c:v>460</c:v>
+                </c:pt>
+                <c:pt idx="21">
+                  <c:v>470</c:v>
+                </c:pt>
+                <c:pt idx="22">
+                  <c:v>472</c:v>
+                </c:pt>
+                <c:pt idx="23">
+                  <c:v>474</c:v>
+                </c:pt>
+                <c:pt idx="24">
+                  <c:v>480</c:v>
+                </c:pt>
+                <c:pt idx="25">
+                  <c:v>490</c:v>
+                </c:pt>
+                <c:pt idx="26">
+                  <c:v>500</c:v>
+                </c:pt>
+                <c:pt idx="27">
+                  <c:v>510</c:v>
+                </c:pt>
+                <c:pt idx="28">
+                  <c:v>520</c:v>
+                </c:pt>
+                <c:pt idx="29">
+                  <c:v>525</c:v>
+                </c:pt>
+                <c:pt idx="30">
+                  <c:v>530</c:v>
+                </c:pt>
+                <c:pt idx="31">
+                  <c:v>540</c:v>
+                </c:pt>
+                <c:pt idx="32">
+                  <c:v>550</c:v>
+                </c:pt>
+                <c:pt idx="33">
+                  <c:v>560</c:v>
+                </c:pt>
+                <c:pt idx="34">
+                  <c:v>570</c:v>
+                </c:pt>
+                <c:pt idx="35">
+                  <c:v>580</c:v>
+                </c:pt>
+                <c:pt idx="36">
+                  <c:v>590</c:v>
+                </c:pt>
+                <c:pt idx="37">
+                  <c:v>600</c:v>
+                </c:pt>
+                <c:pt idx="38">
+                  <c:v>610</c:v>
+                </c:pt>
+                <c:pt idx="39">
+                  <c:v>620</c:v>
+                </c:pt>
+                <c:pt idx="40">
+                  <c:v>630</c:v>
+                </c:pt>
+                <c:pt idx="41">
+                  <c:v>636</c:v>
+                </c:pt>
+                <c:pt idx="42">
+                  <c:v>640</c:v>
+                </c:pt>
+                <c:pt idx="43">
+                  <c:v>650</c:v>
+                </c:pt>
+                <c:pt idx="44">
+                  <c:v>660</c:v>
+                </c:pt>
+                <c:pt idx="45">
+                  <c:v>670</c:v>
+                </c:pt>
+                <c:pt idx="46">
+                  <c:v>680</c:v>
+                </c:pt>
+                <c:pt idx="47">
+                  <c:v>690</c:v>
+                </c:pt>
+                <c:pt idx="48">
+                  <c:v>700</c:v>
+                </c:pt>
+                <c:pt idx="49">
+                  <c:v>710</c:v>
+                </c:pt>
+                <c:pt idx="50">
+                  <c:v>720</c:v>
+                </c:pt>
+                <c:pt idx="51">
+                  <c:v>730</c:v>
+                </c:pt>
+                <c:pt idx="52">
+                  <c:v>740</c:v>
+                </c:pt>
+                <c:pt idx="53">
+                  <c:v>750</c:v>
+                </c:pt>
+                <c:pt idx="54">
+                  <c:v>760</c:v>
+                </c:pt>
+                <c:pt idx="55">
+                  <c:v>770</c:v>
+                </c:pt>
+                <c:pt idx="56">
+                  <c:v>780</c:v>
+                </c:pt>
+                <c:pt idx="57">
+                  <c:v>790</c:v>
+                </c:pt>
+                <c:pt idx="58">
+                  <c:v>800</c:v>
+                </c:pt>
+                <c:pt idx="59">
+                  <c:v>810</c:v>
+                </c:pt>
+                <c:pt idx="60">
+                  <c:v>820</c:v>
+                </c:pt>
+                <c:pt idx="61">
+                  <c:v>830</c:v>
+                </c:pt>
+                <c:pt idx="62">
+                  <c:v>840</c:v>
+                </c:pt>
+                <c:pt idx="63">
+                  <c:v>850</c:v>
+                </c:pt>
+                <c:pt idx="64">
+                  <c:v>860</c:v>
+                </c:pt>
+                <c:pt idx="65">
+                  <c:v>870</c:v>
+                </c:pt>
+                <c:pt idx="66">
+                  <c:v>880</c:v>
+                </c:pt>
+                <c:pt idx="67">
+                  <c:v>890</c:v>
+                </c:pt>
+                <c:pt idx="68">
+                  <c:v>900</c:v>
+                </c:pt>
+                <c:pt idx="69">
+                  <c:v>910</c:v>
+                </c:pt>
+                <c:pt idx="70">
+                  <c:v>920</c:v>
+                </c:pt>
+                <c:pt idx="71">
+                  <c:v>930</c:v>
+                </c:pt>
+                <c:pt idx="72">
+                  <c:v>940</c:v>
+                </c:pt>
+                <c:pt idx="73">
+                  <c:v>950</c:v>
+                </c:pt>
+                <c:pt idx="74">
+                  <c:v>960</c:v>
+                </c:pt>
+                <c:pt idx="75">
+                  <c:v>970</c:v>
+                </c:pt>
+                <c:pt idx="76">
+                  <c:v>980</c:v>
+                </c:pt>
+                <c:pt idx="77">
+                  <c:v>990</c:v>
+                </c:pt>
+                <c:pt idx="78">
+                  <c:v>1000</c:v>
+                </c:pt>
+              </c:numCache>
+            </c:numRef>
+          </c:xVal>
+          <c:yVal>
+            <c:numRef>
+              <c:f>Sheet1!$B$2:$B$80</c:f>
+              <c:numCache>
+                <c:formatCode>General</c:formatCode>
+                <c:ptCount val="79"/>
+                <c:pt idx="0">
+                  <c:v>0</c:v>
+                </c:pt>
+                <c:pt idx="1">
+                  <c:v>0</c:v>
+                </c:pt>
+                <c:pt idx="2">
+                  <c:v>0</c:v>
+                </c:pt>
+                <c:pt idx="3">
+                  <c:v>0</c:v>
+                </c:pt>
+                <c:pt idx="4">
+                  <c:v>0</c:v>
+                </c:pt>
+                <c:pt idx="5">
+                  <c:v>0</c:v>
+                </c:pt>
+                <c:pt idx="6">
+                  <c:v>0</c:v>
+                </c:pt>
+                <c:pt idx="7">
+                  <c:v>0.02</c:v>
+                </c:pt>
+                <c:pt idx="8">
+                  <c:v>7.0000000000000007E-2</c:v>
+                </c:pt>
+                <c:pt idx="9">
+                  <c:v>0.32</c:v>
+                </c:pt>
+                <c:pt idx="10">
+                  <c:v>1</c:v>
+                </c:pt>
+                <c:pt idx="11">
+                  <c:v>0.5</c:v>
+                </c:pt>
+                <c:pt idx="12">
+                  <c:v>0.2</c:v>
+                </c:pt>
+                <c:pt idx="13">
+                  <c:v>0.08</c:v>
+                </c:pt>
+                <c:pt idx="14">
+                  <c:v>0.02</c:v>
+                </c:pt>
+                <c:pt idx="15">
+                  <c:v>5.0000000000000001E-3</c:v>
+                </c:pt>
+                <c:pt idx="16">
+                  <c:v>5.0000000000000001E-3</c:v>
+                </c:pt>
+                <c:pt idx="17">
+                  <c:v>1.4999999999999999E-2</c:v>
+                </c:pt>
+                <c:pt idx="18">
+                  <c:v>3.5000000000000003E-2</c:v>
+                </c:pt>
+                <c:pt idx="19">
+                  <c:v>0.1</c:v>
+                </c:pt>
+                <c:pt idx="20">
+                  <c:v>0.5</c:v>
+                </c:pt>
+                <c:pt idx="21">
+                  <c:v>0.98</c:v>
+                </c:pt>
+                <c:pt idx="22">
+                  <c:v>1</c:v>
+                </c:pt>
+                <c:pt idx="23">
+                  <c:v>0.98</c:v>
+                </c:pt>
+                <c:pt idx="24">
+                  <c:v>0.7</c:v>
+                </c:pt>
+                <c:pt idx="25">
+                  <c:v>0.36</c:v>
+                </c:pt>
+                <c:pt idx="26">
+                  <c:v>0.19</c:v>
+                </c:pt>
+                <c:pt idx="27">
+                  <c:v>0.57999999999999996</c:v>
+                </c:pt>
+                <c:pt idx="28">
+                  <c:v>0.9</c:v>
+                </c:pt>
+                <c:pt idx="29">
+                  <c:v>1</c:v>
+                </c:pt>
+                <c:pt idx="30">
+                  <c:v>0.91</c:v>
+                </c:pt>
+                <c:pt idx="31">
+                  <c:v>0.61</c:v>
+                </c:pt>
+                <c:pt idx="32">
+                  <c:v>0.38</c:v>
+                </c:pt>
+                <c:pt idx="33">
+                  <c:v>0.2</c:v>
+                </c:pt>
+                <c:pt idx="34">
+                  <c:v>0.115</c:v>
+                </c:pt>
+                <c:pt idx="35">
+                  <c:v>0.06</c:v>
+                </c:pt>
+                <c:pt idx="36">
+                  <c:v>0.02</c:v>
+                </c:pt>
+                <c:pt idx="37">
+                  <c:v>0.04</c:v>
+                </c:pt>
+                <c:pt idx="38">
+                  <c:v>0.11</c:v>
+                </c:pt>
+                <c:pt idx="39">
+                  <c:v>0.3</c:v>
+                </c:pt>
+                <c:pt idx="40">
+                  <c:v>0.82</c:v>
+                </c:pt>
+                <c:pt idx="41">
+                  <c:v>1</c:v>
+                </c:pt>
+                <c:pt idx="42">
+                  <c:v>0.81</c:v>
+                </c:pt>
+                <c:pt idx="43">
+                  <c:v>0.16</c:v>
+                </c:pt>
+                <c:pt idx="44">
+                  <c:v>3.5000000000000003E-2</c:v>
+                </c:pt>
+                <c:pt idx="45">
+                  <c:v>0.01</c:v>
+                </c:pt>
+                <c:pt idx="46">
+                  <c:v>0</c:v>
+                </c:pt>
+                <c:pt idx="47">
+                  <c:v>0</c:v>
+                </c:pt>
+                <c:pt idx="48">
+                  <c:v>0</c:v>
+                </c:pt>
+                <c:pt idx="49">
+                  <c:v>0</c:v>
+                </c:pt>
+                <c:pt idx="50">
+                  <c:v>0</c:v>
+                </c:pt>
+                <c:pt idx="51">
+                  <c:v>0</c:v>
+                </c:pt>
+                <c:pt idx="52">
+                  <c:v>0</c:v>
+                </c:pt>
+                <c:pt idx="53">
+                  <c:v>0</c:v>
+                </c:pt>
+                <c:pt idx="54">
+                  <c:v>0</c:v>
+                </c:pt>
+                <c:pt idx="55">
+                  <c:v>0</c:v>
+                </c:pt>
+                <c:pt idx="56">
+                  <c:v>0</c:v>
+                </c:pt>
+                <c:pt idx="57">
+                  <c:v>0.02</c:v>
+                </c:pt>
+                <c:pt idx="58">
+                  <c:v>0.08</c:v>
+                </c:pt>
+                <c:pt idx="59">
+                  <c:v>0.18</c:v>
+                </c:pt>
+                <c:pt idx="60">
+                  <c:v>0.32</c:v>
+                </c:pt>
+                <c:pt idx="61">
+                  <c:v>0.6</c:v>
+                </c:pt>
+                <c:pt idx="62">
+                  <c:v>0.91</c:v>
+                </c:pt>
+                <c:pt idx="63">
+                  <c:v>1</c:v>
+                </c:pt>
+                <c:pt idx="64">
+                  <c:v>0.91</c:v>
+                </c:pt>
+                <c:pt idx="65">
+                  <c:v>0.63</c:v>
+                </c:pt>
+                <c:pt idx="66">
+                  <c:v>0.44</c:v>
+                </c:pt>
+                <c:pt idx="67">
+                  <c:v>0.28000000000000003</c:v>
+                </c:pt>
+                <c:pt idx="68">
+                  <c:v>0.18</c:v>
+                </c:pt>
+                <c:pt idx="69">
+                  <c:v>0.13</c:v>
+                </c:pt>
+                <c:pt idx="70">
+                  <c:v>0.09</c:v>
+                </c:pt>
+                <c:pt idx="71">
+                  <c:v>0.06</c:v>
+                </c:pt>
+                <c:pt idx="72">
+                  <c:v>0.03</c:v>
+                </c:pt>
+                <c:pt idx="73">
+                  <c:v>0.01</c:v>
+                </c:pt>
+                <c:pt idx="74">
+                  <c:v>0</c:v>
+                </c:pt>
+                <c:pt idx="75">
+                  <c:v>0</c:v>
+                </c:pt>
+                <c:pt idx="76">
+                  <c:v>0</c:v>
+                </c:pt>
+                <c:pt idx="77">
+                  <c:v>0</c:v>
+                </c:pt>
+                <c:pt idx="78">
+                  <c:v>0</c:v>
+                </c:pt>
+              </c:numCache>
+            </c:numRef>
+          </c:yVal>
+          <c:smooth val="1"/>
+          <c:extLst>
+            <c:ext xmlns:c16="http://schemas.microsoft.com/office/drawing/2014/chart" uri="{C3380CC4-5D6E-409C-BE32-E72D297353CC}">
+              <c16:uniqueId val="{00000000-A623-49F2-9F73-22C45330CEEB}"/>
+            </c:ext>
+          </c:extLst>
+        </c:ser>
+        <c:dLbls>
+          <c:showLegendKey val="0"/>
+          <c:showVal val="0"/>
+          <c:showCatName val="0"/>
+          <c:showSerName val="0"/>
+          <c:showPercent val="0"/>
+          <c:showBubbleSize val="0"/>
+        </c:dLbls>
+        <c:axId val="1101444512"/>
+        <c:axId val="1101450744"/>
+      </c:scatterChart>
+      <c:valAx>
+        <c:axId val="1101444512"/>
+        <c:scaling>
+          <c:orientation val="minMax"/>
+          <c:max val="1000"/>
+          <c:min val="200"/>
+        </c:scaling>
+        <c:delete val="0"/>
+        <c:axPos val="b"/>
+        <c:majorGridlines>
+          <c:spPr>
+            <a:ln w="9525" cap="flat" cmpd="sng" algn="ctr">
+              <a:solidFill>
+                <a:schemeClr val="tx1">
+                  <a:lumMod val="15000"/>
+                  <a:lumOff val="85000"/>
+                </a:schemeClr>
+              </a:solidFill>
+              <a:round/>
+            </a:ln>
+            <a:effectLst/>
+          </c:spPr>
+        </c:majorGridlines>
+        <c:numFmt formatCode="General" sourceLinked="1"/>
+        <c:majorTickMark val="none"/>
+        <c:minorTickMark val="none"/>
+        <c:tickLblPos val="nextTo"/>
+        <c:spPr>
+          <a:noFill/>
+          <a:ln w="9525" cap="flat" cmpd="sng" algn="ctr">
+            <a:solidFill>
+              <a:schemeClr val="tx1">
+                <a:lumMod val="25000"/>
+                <a:lumOff val="75000"/>
+              </a:schemeClr>
+            </a:solidFill>
+            <a:round/>
+          </a:ln>
+          <a:effectLst/>
+        </c:spPr>
+        <c:txPr>
+          <a:bodyPr rot="-60000000" spcFirstLastPara="1" vertOverflow="ellipsis" vert="horz" wrap="square" anchor="ctr" anchorCtr="1"/>
+          <a:lstStyle/>
+          <a:p>
+            <a:pPr>
+              <a:defRPr sz="900" b="0" i="0" u="none" strike="noStrike" kern="1200" baseline="0">
+                <a:solidFill>
+                  <a:schemeClr val="tx1">
+                    <a:lumMod val="65000"/>
+                    <a:lumOff val="35000"/>
+                  </a:schemeClr>
+                </a:solidFill>
+                <a:latin typeface="+mn-lt"/>
+                <a:ea typeface="+mn-ea"/>
+                <a:cs typeface="+mn-cs"/>
+              </a:defRPr>
+            </a:pPr>
+            <a:endParaRPr lang="en-US"/>
+          </a:p>
+        </c:txPr>
+        <c:crossAx val="1101450744"/>
+        <c:crosses val="autoZero"/>
+        <c:crossBetween val="midCat"/>
+        <c:majorUnit val="20"/>
+      </c:valAx>
+      <c:valAx>
+        <c:axId val="1101450744"/>
+        <c:scaling>
+          <c:orientation val="minMax"/>
+          <c:max val="1"/>
+          <c:min val="0"/>
+        </c:scaling>
+        <c:delete val="0"/>
+        <c:axPos val="l"/>
+        <c:majorGridlines>
+          <c:spPr>
+            <a:ln w="9525" cap="flat" cmpd="sng" algn="ctr">
+              <a:solidFill>
+                <a:schemeClr val="tx1">
+                  <a:lumMod val="15000"/>
+                  <a:lumOff val="85000"/>
+                </a:schemeClr>
+              </a:solidFill>
+              <a:round/>
+            </a:ln>
+            <a:effectLst/>
+          </c:spPr>
+        </c:majorGridlines>
+        <c:numFmt formatCode="General" sourceLinked="1"/>
+        <c:majorTickMark val="none"/>
+        <c:minorTickMark val="none"/>
+        <c:tickLblPos val="nextTo"/>
+        <c:spPr>
+          <a:noFill/>
+          <a:ln w="9525" cap="flat" cmpd="sng" algn="ctr">
+            <a:solidFill>
+              <a:schemeClr val="tx1">
+                <a:lumMod val="25000"/>
+                <a:lumOff val="75000"/>
+              </a:schemeClr>
+            </a:solidFill>
+            <a:round/>
+          </a:ln>
+          <a:effectLst/>
+        </c:spPr>
+        <c:txPr>
+          <a:bodyPr rot="-60000000" spcFirstLastPara="1" vertOverflow="ellipsis" vert="horz" wrap="square" anchor="ctr" anchorCtr="1"/>
+          <a:lstStyle/>
+          <a:p>
+            <a:pPr>
+              <a:defRPr sz="900" b="0" i="0" u="none" strike="noStrike" kern="1200" baseline="0">
+                <a:solidFill>
+                  <a:schemeClr val="tx1">
+                    <a:lumMod val="65000"/>
+                    <a:lumOff val="35000"/>
+                  </a:schemeClr>
+                </a:solidFill>
+                <a:latin typeface="+mn-lt"/>
+                <a:ea typeface="+mn-ea"/>
+                <a:cs typeface="+mn-cs"/>
+              </a:defRPr>
+            </a:pPr>
+            <a:endParaRPr lang="en-US"/>
+          </a:p>
+        </c:txPr>
+        <c:crossAx val="1101444512"/>
+        <c:crossesAt val="200"/>
+        <c:crossBetween val="midCat"/>
+      </c:valAx>
+      <c:spPr>
+        <a:noFill/>
+        <a:ln>
+          <a:noFill/>
+        </a:ln>
+        <a:effectLst/>
+      </c:spPr>
+    </c:plotArea>
+    <c:plotVisOnly val="1"/>
+    <c:dispBlanksAs val="gap"/>
+    <c:showDLblsOverMax val="0"/>
+  </c:chart>
+  <c:spPr>
+    <a:noFill/>
+    <a:ln>
+      <a:noFill/>
+    </a:ln>
+    <a:effectLst/>
+  </c:spPr>
+  <c:txPr>
+    <a:bodyPr/>
+    <a:lstStyle/>
+    <a:p>
+      <a:pPr>
+        <a:defRPr/>
+      </a:pPr>
+      <a:endParaRPr lang="en-US"/>
+    </a:p>
+  </c:txPr>
+  <c:externalData r:id="rId3">
+    <c:autoUpdate val="0"/>
+  </c:externalData>
+</c:chartSpace>
+</file>
+
+<file path=ppt/charts/colors1.xml><?xml version="1.0" encoding="utf-8"?>
+<cs:colorStyle xmlns:cs="http://schemas.microsoft.com/office/drawing/2012/chartStyle" xmlns:a="http://schemas.openxmlformats.org/drawingml/2006/main" meth="cycle" id="10">
+  <a:schemeClr val="accent1"/>
+  <a:schemeClr val="accent2"/>
+  <a:schemeClr val="accent3"/>
+  <a:schemeClr val="accent4"/>
+  <a:schemeClr val="accent5"/>
+  <a:schemeClr val="accent6"/>
+  <cs:variation/>
+  <cs:variation>
+    <a:lumMod val="60000"/>
+  </cs:variation>
+  <cs:variation>
+    <a:lumMod val="80000"/>
+    <a:lumOff val="20000"/>
+  </cs:variation>
+  <cs:variation>
+    <a:lumMod val="80000"/>
+  </cs:variation>
+  <cs:variation>
+    <a:lumMod val="60000"/>
+    <a:lumOff val="40000"/>
+  </cs:variation>
+  <cs:variation>
+    <a:lumMod val="50000"/>
+  </cs:variation>
+  <cs:variation>
+    <a:lumMod val="70000"/>
+    <a:lumOff val="30000"/>
+  </cs:variation>
+  <cs:variation>
+    <a:lumMod val="70000"/>
+  </cs:variation>
+  <cs:variation>
+    <a:lumMod val="50000"/>
+    <a:lumOff val="50000"/>
+  </cs:variation>
+</cs:colorStyle>
+</file>
+
+<file path=ppt/charts/style1.xml><?xml version="1.0" encoding="utf-8"?>
+<cs:chartStyle xmlns:cs="http://schemas.microsoft.com/office/drawing/2012/chartStyle" xmlns:a="http://schemas.openxmlformats.org/drawingml/2006/main" id="240">
+  <cs:axisTitle>
+    <cs:lnRef idx="0"/>
+    <cs:fillRef idx="0"/>
+    <cs:effectRef idx="0"/>
+    <cs:fontRef idx="minor">
+      <a:schemeClr val="tx1">
+        <a:lumMod val="65000"/>
+        <a:lumOff val="35000"/>
+      </a:schemeClr>
+    </cs:fontRef>
+    <cs:defRPr sz="1000" kern="1200"/>
+  </cs:axisTitle>
+  <cs:categoryAxis>
+    <cs:lnRef idx="0"/>
+    <cs:fillRef idx="0"/>
+    <cs:effectRef idx="0"/>
+    <cs:fontRef idx="minor">
+      <a:schemeClr val="tx1">
+        <a:lumMod val="65000"/>
+        <a:lumOff val="35000"/>
+      </a:schemeClr>
+    </cs:fontRef>
+    <cs:spPr>
+      <a:ln w="9525" cap="flat" cmpd="sng" algn="ctr">
+        <a:solidFill>
+          <a:schemeClr val="tx1">
+            <a:lumMod val="25000"/>
+            <a:lumOff val="75000"/>
+          </a:schemeClr>
+        </a:solidFill>
+        <a:round/>
+      </a:ln>
+    </cs:spPr>
+    <cs:defRPr sz="900" kern="1200"/>
+  </cs:categoryAxis>
+  <cs:chartArea mods="allowNoFillOverride allowNoLineOverride">
+    <cs:lnRef idx="0"/>
+    <cs:fillRef idx="0"/>
+    <cs:effectRef idx="0"/>
+    <cs:fontRef idx="minor">
+      <a:schemeClr val="tx1"/>
+    </cs:fontRef>
+    <cs:spPr>
+      <a:solidFill>
+        <a:schemeClr val="bg1"/>
+      </a:solidFill>
+      <a:ln w="9525" cap="flat" cmpd="sng" algn="ctr">
+        <a:solidFill>
+          <a:schemeClr val="tx1">
+            <a:lumMod val="15000"/>
+            <a:lumOff val="85000"/>
+          </a:schemeClr>
+        </a:solidFill>
+        <a:round/>
+      </a:ln>
+    </cs:spPr>
+    <cs:defRPr sz="1000" kern="1200"/>
+  </cs:chartArea>
+  <cs:dataLabel>
+    <cs:lnRef idx="0"/>
+    <cs:fillRef idx="0"/>
+    <cs:effectRef idx="0"/>
+    <cs:fontRef idx="minor">
+      <a:schemeClr val="tx1">
+        <a:lumMod val="75000"/>
+        <a:lumOff val="25000"/>
+      </a:schemeClr>
+    </cs:fontRef>
+    <cs:defRPr sz="900" kern="1200"/>
+  </cs:dataLabel>
+  <cs:dataLabelCallout>
+    <cs:lnRef idx="0"/>
+    <cs:fillRef idx="0"/>
+    <cs:effectRef idx="0"/>
+    <cs:fontRef idx="minor">
+      <a:schemeClr val="dk1">
+        <a:lumMod val="65000"/>
+        <a:lumOff val="35000"/>
+      </a:schemeClr>
+    </cs:fontRef>
+    <cs:spPr>
+      <a:solidFill>
+        <a:schemeClr val="lt1"/>
+      </a:solidFill>
+      <a:ln>
+        <a:solidFill>
+          <a:schemeClr val="dk1">
+            <a:lumMod val="25000"/>
+            <a:lumOff val="75000"/>
+          </a:schemeClr>
+        </a:solidFill>
+      </a:ln>
+    </cs:spPr>
+    <cs:defRPr sz="900" kern="1200"/>
+    <cs:bodyPr rot="0" spcFirstLastPara="1" vertOverflow="clip" horzOverflow="clip" vert="horz" wrap="square" lIns="36576" tIns="18288" rIns="36576" bIns="18288" anchor="ctr" anchorCtr="1">
+      <a:spAutoFit/>
+    </cs:bodyPr>
+  </cs:dataLabelCallout>
+  <cs:dataPoint>
+    <cs:lnRef idx="0"/>
+    <cs:fillRef idx="1">
+      <cs:styleClr val="auto"/>
+    </cs:fillRef>
+    <cs:effectRef idx="0"/>
+    <cs:fontRef idx="minor">
+      <a:schemeClr val="tx1"/>
+    </cs:fontRef>
+  </cs:dataPoint>
+  <cs:dataPoint3D>
+    <cs:lnRef idx="0"/>
+    <cs:fillRef idx="1">
+      <cs:styleClr val="auto"/>
+    </cs:fillRef>
+    <cs:effectRef idx="0"/>
+    <cs:fontRef idx="minor">
+      <a:schemeClr val="tx1"/>
+    </cs:fontRef>
+  </cs:dataPoint3D>
+  <cs:dataPointLine>
+    <cs:lnRef idx="0">
+      <cs:styleClr val="auto"/>
+    </cs:lnRef>
+    <cs:fillRef idx="1"/>
+    <cs:effectRef idx="0"/>
+    <cs:fontRef idx="minor">
+      <a:schemeClr val="tx1"/>
+    </cs:fontRef>
+    <cs:spPr>
+      <a:ln w="19050" cap="rnd">
+        <a:solidFill>
+          <a:schemeClr val="phClr"/>
+        </a:solidFill>
+        <a:round/>
+      </a:ln>
+    </cs:spPr>
+  </cs:dataPointLine>
+  <cs:dataPointMarker>
+    <cs:lnRef idx="0">
+      <cs:styleClr val="auto"/>
+    </cs:lnRef>
+    <cs:fillRef idx="1">
+      <cs:styleClr val="auto"/>
+    </cs:fillRef>
+    <cs:effectRef idx="0"/>
+    <cs:fontRef idx="minor">
+      <a:schemeClr val="tx1"/>
+    </cs:fontRef>
+    <cs:spPr>
+      <a:ln w="9525">
+        <a:solidFill>
+          <a:schemeClr val="phClr"/>
+        </a:solidFill>
+      </a:ln>
+    </cs:spPr>
+  </cs:dataPointMarker>
+  <cs:dataPointMarkerLayout symbol="circle" size="5"/>
+  <cs:dataPointWireframe>
+    <cs:lnRef idx="0">
+      <cs:styleClr val="auto"/>
+    </cs:lnRef>
+    <cs:fillRef idx="0"/>
+    <cs:effectRef idx="0"/>
+    <cs:fontRef idx="minor">
+      <a:schemeClr val="dk1"/>
+    </cs:fontRef>
+    <cs:spPr>
+      <a:ln w="9525" cap="rnd">
+        <a:solidFill>
+          <a:schemeClr val="phClr"/>
+        </a:solidFill>
+        <a:round/>
+      </a:ln>
+    </cs:spPr>
+  </cs:dataPointWireframe>
+  <cs:dataTable>
+    <cs:lnRef idx="0"/>
+    <cs:fillRef idx="0"/>
+    <cs:effectRef idx="0"/>
+    <cs:fontRef idx="minor">
+      <a:schemeClr val="tx1">
+        <a:lumMod val="65000"/>
+        <a:lumOff val="35000"/>
+      </a:schemeClr>
+    </cs:fontRef>
+    <cs:spPr>
+      <a:noFill/>
+      <a:ln w="9525" cap="flat" cmpd="sng" algn="ctr">
+        <a:solidFill>
+          <a:schemeClr val="tx1">
+            <a:lumMod val="15000"/>
+            <a:lumOff val="85000"/>
+          </a:schemeClr>
+        </a:solidFill>
+        <a:round/>
+      </a:ln>
+    </cs:spPr>
+    <cs:defRPr sz="900" kern="1200"/>
+  </cs:dataTable>
+  <cs:downBar>
+    <cs:lnRef idx="0"/>
+    <cs:fillRef idx="0"/>
+    <cs:effectRef idx="0"/>
+    <cs:fontRef idx="minor">
+      <a:schemeClr val="tx1"/>
+    </cs:fontRef>
+    <cs:spPr>
+      <a:solidFill>
+        <a:schemeClr val="dk1">
+          <a:lumMod val="75000"/>
+          <a:lumOff val="25000"/>
+        </a:schemeClr>
+      </a:solidFill>
+      <a:ln w="9525" cap="flat" cmpd="sng" algn="ctr">
+        <a:solidFill>
+          <a:schemeClr val="tx1">
+            <a:lumMod val="65000"/>
+            <a:lumOff val="35000"/>
+          </a:schemeClr>
+        </a:solidFill>
+        <a:round/>
+      </a:ln>
+    </cs:spPr>
+  </cs:downBar>
+  <cs:dropLine>
+    <cs:lnRef idx="0"/>
+    <cs:fillRef idx="0"/>
+    <cs:effectRef idx="0"/>
+    <cs:fontRef idx="minor">
+      <a:schemeClr val="tx1"/>
+    </cs:fontRef>
+    <cs:spPr>
+      <a:ln w="9525" cap="flat" cmpd="sng" algn="ctr">
+        <a:solidFill>
+          <a:schemeClr val="tx1">
+            <a:lumMod val="35000"/>
+            <a:lumOff val="65000"/>
+          </a:schemeClr>
+        </a:solidFill>
+        <a:round/>
+      </a:ln>
+    </cs:spPr>
+  </cs:dropLine>
+  <cs:errorBar>
+    <cs:lnRef idx="0"/>
+    <cs:fillRef idx="0"/>
+    <cs:effectRef idx="0"/>
+    <cs:fontRef idx="minor">
+      <a:schemeClr val="tx1"/>
+    </cs:fontRef>
+    <cs:spPr>
+      <a:ln w="9525" cap="flat" cmpd="sng" algn="ctr">
+        <a:solidFill>
+          <a:schemeClr val="tx1">
+            <a:lumMod val="65000"/>
+            <a:lumOff val="35000"/>
+          </a:schemeClr>
+        </a:solidFill>
+        <a:round/>
+      </a:ln>
+    </cs:spPr>
+  </cs:errorBar>
+  <cs:floor>
+    <cs:lnRef idx="0"/>
+    <cs:fillRef idx="0"/>
+    <cs:effectRef idx="0"/>
+    <cs:fontRef idx="minor">
+      <a:schemeClr val="tx1"/>
+    </cs:fontRef>
+    <cs:spPr>
+      <a:noFill/>
+      <a:ln>
+        <a:noFill/>
+      </a:ln>
+    </cs:spPr>
+  </cs:floor>
+  <cs:gridlineMajor>
+    <cs:lnRef idx="0"/>
+    <cs:fillRef idx="0"/>
+    <cs:effectRef idx="0"/>
+    <cs:fontRef idx="minor">
+      <a:schemeClr val="tx1"/>
+    </cs:fontRef>
+    <cs:spPr>
+      <a:ln w="9525" cap="flat" cmpd="sng" algn="ctr">
+        <a:solidFill>
+          <a:schemeClr val="tx1">
+            <a:lumMod val="15000"/>
+            <a:lumOff val="85000"/>
+          </a:schemeClr>
+        </a:solidFill>
+        <a:round/>
+      </a:ln>
+    </cs:spPr>
+  </cs:gridlineMajor>
+  <cs:gridlineMinor>
+    <cs:lnRef idx="0"/>
+    <cs:fillRef idx="0"/>
+    <cs:effectRef idx="0"/>
+    <cs:fontRef idx="minor">
+      <a:schemeClr val="tx1"/>
+    </cs:fontRef>
+    <cs:spPr>
+      <a:ln w="9525" cap="flat" cmpd="sng" algn="ctr">
+        <a:solidFill>
+          <a:schemeClr val="tx1">
+            <a:lumMod val="5000"/>
+            <a:lumOff val="95000"/>
+          </a:schemeClr>
+        </a:solidFill>
+        <a:round/>
+      </a:ln>
+    </cs:spPr>
+  </cs:gridlineMinor>
+  <cs:hiLoLine>
+    <cs:lnRef idx="0"/>
+    <cs:fillRef idx="0"/>
+    <cs:effectRef idx="0"/>
+    <cs:fontRef idx="minor">
+      <a:schemeClr val="tx1"/>
+    </cs:fontRef>
+    <cs:spPr>
+      <a:ln w="9525" cap="flat" cmpd="sng" algn="ctr">
+        <a:solidFill>
+          <a:schemeClr val="tx1">
+            <a:lumMod val="50000"/>
+            <a:lumOff val="50000"/>
+          </a:schemeClr>
+        </a:solidFill>
+        <a:round/>
+      </a:ln>
+    </cs:spPr>
+  </cs:hiLoLine>
+  <cs:leaderLine>
+    <cs:lnRef idx="0"/>
+    <cs:fillRef idx="0"/>
+    <cs:effectRef idx="0"/>
+    <cs:fontRef idx="minor">
+      <a:schemeClr val="tx1"/>
+    </cs:fontRef>
+    <cs:spPr>
+      <a:ln w="9525" cap="flat" cmpd="sng" algn="ctr">
+        <a:solidFill>
+          <a:schemeClr val="tx1">
+            <a:lumMod val="35000"/>
+            <a:lumOff val="65000"/>
+          </a:schemeClr>
+        </a:solidFill>
+        <a:round/>
+      </a:ln>
+    </cs:spPr>
+  </cs:leaderLine>
+  <cs:legend>
+    <cs:lnRef idx="0"/>
+    <cs:fillRef idx="0"/>
+    <cs:effectRef idx="0"/>
+    <cs:fontRef idx="minor">
+      <a:schemeClr val="tx1">
+        <a:lumMod val="65000"/>
+        <a:lumOff val="35000"/>
+      </a:schemeClr>
+    </cs:fontRef>
+    <cs:defRPr sz="900" kern="1200"/>
+  </cs:legend>
+  <cs:plotArea mods="allowNoFillOverride allowNoLineOverride">
+    <cs:lnRef idx="0"/>
+    <cs:fillRef idx="0"/>
+    <cs:effectRef idx="0"/>
+    <cs:fontRef idx="minor">
+      <a:schemeClr val="tx1"/>
+    </cs:fontRef>
+  </cs:plotArea>
+  <cs:plotArea3D mods="allowNoFillOverride allowNoLineOverride">
+    <cs:lnRef idx="0"/>
+    <cs:fillRef idx="0"/>
+    <cs:effectRef idx="0"/>
+    <cs:fontRef idx="minor">
+      <a:schemeClr val="tx1"/>
+    </cs:fontRef>
+  </cs:plotArea3D>
+  <cs:seriesAxis>
+    <cs:lnRef idx="0"/>
+    <cs:fillRef idx="0"/>
+    <cs:effectRef idx="0"/>
+    <cs:fontRef idx="minor">
+      <a:schemeClr val="tx1">
+        <a:lumMod val="65000"/>
+        <a:lumOff val="35000"/>
+      </a:schemeClr>
+    </cs:fontRef>
+    <cs:defRPr sz="900" kern="1200"/>
+  </cs:seriesAxis>
+  <cs:seriesLine>
+    <cs:lnRef idx="0"/>
+    <cs:fillRef idx="0"/>
+    <cs:effectRef idx="0"/>
+    <cs:fontRef idx="minor">
+      <a:schemeClr val="tx1"/>
+    </cs:fontRef>
+    <cs:spPr>
+      <a:ln w="9525" cap="flat" cmpd="sng" algn="ctr">
+        <a:solidFill>
+          <a:schemeClr val="tx1">
+            <a:lumMod val="35000"/>
+            <a:lumOff val="65000"/>
+          </a:schemeClr>
+        </a:solidFill>
+        <a:round/>
+      </a:ln>
+    </cs:spPr>
+  </cs:seriesLine>
+  <cs:title>
+    <cs:lnRef idx="0"/>
+    <cs:fillRef idx="0"/>
+    <cs:effectRef idx="0"/>
+    <cs:fontRef idx="minor">
+      <a:schemeClr val="tx1">
+        <a:lumMod val="65000"/>
+        <a:lumOff val="35000"/>
+      </a:schemeClr>
+    </cs:fontRef>
+    <cs:defRPr sz="1400" b="0" kern="1200" spc="0" baseline="0"/>
+  </cs:title>
+  <cs:trendline>
+    <cs:lnRef idx="0">
+      <cs:styleClr val="auto"/>
+    </cs:lnRef>
+    <cs:fillRef idx="0"/>
+    <cs:effectRef idx="0"/>
+    <cs:fontRef idx="minor">
+      <a:schemeClr val="tx1"/>
+    </cs:fontRef>
+    <cs:spPr>
+      <a:ln w="19050" cap="rnd">
+        <a:solidFill>
+          <a:schemeClr val="phClr"/>
+        </a:solidFill>
+        <a:prstDash val="sysDot"/>
+      </a:ln>
+    </cs:spPr>
+  </cs:trendline>
+  <cs:trendlineLabel>
+    <cs:lnRef idx="0"/>
+    <cs:fillRef idx="0"/>
+    <cs:effectRef idx="0"/>
+    <cs:fontRef idx="minor">
+      <a:schemeClr val="tx1">
+        <a:lumMod val="65000"/>
+        <a:lumOff val="35000"/>
+      </a:schemeClr>
+    </cs:fontRef>
+    <cs:defRPr sz="900" kern="1200"/>
+  </cs:trendlineLabel>
+  <cs:upBar>
+    <cs:lnRef idx="0"/>
+    <cs:fillRef idx="0"/>
+    <cs:effectRef idx="0"/>
+    <cs:fontRef idx="minor">
+      <a:schemeClr val="tx1"/>
+    </cs:fontRef>
+    <cs:spPr>
+      <a:solidFill>
+        <a:schemeClr val="lt1"/>
+      </a:solidFill>
+      <a:ln w="9525" cap="flat" cmpd="sng" algn="ctr">
+        <a:solidFill>
+          <a:schemeClr val="tx1">
+            <a:lumMod val="65000"/>
+            <a:lumOff val="35000"/>
+          </a:schemeClr>
+        </a:solidFill>
+        <a:round/>
+      </a:ln>
+    </cs:spPr>
+  </cs:upBar>
+  <cs:valueAxis>
+    <cs:lnRef idx="0"/>
+    <cs:fillRef idx="0"/>
+    <cs:effectRef idx="0"/>
+    <cs:fontRef idx="minor">
+      <a:schemeClr val="tx1">
+        <a:lumMod val="65000"/>
+        <a:lumOff val="35000"/>
+      </a:schemeClr>
+    </cs:fontRef>
+    <cs:spPr>
+      <a:ln w="9525" cap="flat" cmpd="sng" algn="ctr">
+        <a:solidFill>
+          <a:schemeClr val="tx1">
+            <a:lumMod val="25000"/>
+            <a:lumOff val="75000"/>
+          </a:schemeClr>
+        </a:solidFill>
+        <a:round/>
+      </a:ln>
+    </cs:spPr>
+    <cs:defRPr sz="900" kern="1200"/>
+  </cs:valueAxis>
+  <cs:wall>
+    <cs:lnRef idx="0"/>
+    <cs:fillRef idx="0"/>
+    <cs:effectRef idx="0"/>
+    <cs:fontRef idx="minor">
+      <a:schemeClr val="tx1"/>
+    </cs:fontRef>
+    <cs:spPr>
+      <a:noFill/>
+      <a:ln>
+        <a:noFill/>
+      </a:ln>
+    </cs:spPr>
+  </cs:wall>
+</cs:chartStyle>
 </file>
 
 <file path=ppt/slideLayouts/slideLayout1.xml><?xml version="1.0" encoding="utf-8"?>
@@ -9486,229 +10776,6 @@
           <a:chExt cx="0" cy="0"/>
         </a:xfrm>
       </p:grpSpPr>
-      <p:grpSp>
-        <p:nvGrpSpPr>
-          <p:cNvPr id="13" name="Group 12">
-            <a:extLst>
-              <a:ext uri="{FF2B5EF4-FFF2-40B4-BE49-F238E27FC236}">
-                <a16:creationId xmlns:a16="http://schemas.microsoft.com/office/drawing/2014/main" id="{8E7F2298-7E2D-4968-84C1-68B218561A82}"/>
-              </a:ext>
-            </a:extLst>
-          </p:cNvPr>
-          <p:cNvGrpSpPr/>
-          <p:nvPr/>
-        </p:nvGrpSpPr>
-        <p:grpSpPr>
-          <a:xfrm>
-            <a:off x="5651911" y="3503648"/>
-            <a:ext cx="914587" cy="2028796"/>
-            <a:chOff x="4139662" y="671807"/>
-            <a:chExt cx="914587" cy="4953167"/>
-          </a:xfrm>
-        </p:grpSpPr>
-        <p:sp>
-          <p:nvSpPr>
-            <p:cNvPr id="4" name="Flowchart: Connector 3">
-              <a:extLst>
-                <a:ext uri="{FF2B5EF4-FFF2-40B4-BE49-F238E27FC236}">
-                  <a16:creationId xmlns:a16="http://schemas.microsoft.com/office/drawing/2014/main" id="{BA585709-271D-4722-B9F7-FFC1BD12DBEE}"/>
-                </a:ext>
-              </a:extLst>
-            </p:cNvPr>
-            <p:cNvSpPr>
-              <a:spLocks noChangeAspect="1"/>
-            </p:cNvSpPr>
-            <p:nvPr/>
-          </p:nvSpPr>
-          <p:spPr>
-            <a:xfrm>
-              <a:off x="4139662" y="4715146"/>
-              <a:ext cx="909828" cy="909828"/>
-            </a:xfrm>
-            <a:prstGeom prst="flowChartConnector">
-              <a:avLst/>
-            </a:prstGeom>
-            <a:solidFill>
-              <a:srgbClr val="FFC000"/>
-            </a:solidFill>
-            <a:ln w="50800">
-              <a:solidFill>
-                <a:schemeClr val="accent1">
-                  <a:lumMod val="60000"/>
-                  <a:lumOff val="40000"/>
-                </a:schemeClr>
-              </a:solidFill>
-            </a:ln>
-          </p:spPr>
-          <p:style>
-            <a:lnRef idx="2">
-              <a:schemeClr val="accent1">
-                <a:shade val="50000"/>
-              </a:schemeClr>
-            </a:lnRef>
-            <a:fillRef idx="1">
-              <a:schemeClr val="accent1"/>
-            </a:fillRef>
-            <a:effectRef idx="0">
-              <a:schemeClr val="accent1"/>
-            </a:effectRef>
-            <a:fontRef idx="minor">
-              <a:schemeClr val="lt1"/>
-            </a:fontRef>
-          </p:style>
-          <p:txBody>
-            <a:bodyPr rtlCol="0" anchor="ctr"/>
-            <a:lstStyle/>
-            <a:p>
-              <a:pPr algn="ctr"/>
-              <a:endParaRPr lang="en-GB"/>
-            </a:p>
-          </p:txBody>
-        </p:sp>
-        <p:sp>
-          <p:nvSpPr>
-            <p:cNvPr id="5" name="Rectangle 4">
-              <a:extLst>
-                <a:ext uri="{FF2B5EF4-FFF2-40B4-BE49-F238E27FC236}">
-                  <a16:creationId xmlns:a16="http://schemas.microsoft.com/office/drawing/2014/main" id="{FB922E8E-B060-4FBA-BB5E-5A8FCEE2FC01}"/>
-                </a:ext>
-              </a:extLst>
-            </p:cNvPr>
-            <p:cNvSpPr/>
-            <p:nvPr/>
-          </p:nvSpPr>
-          <p:spPr>
-            <a:xfrm>
-              <a:off x="4139849" y="671807"/>
-              <a:ext cx="914400" cy="4467974"/>
-            </a:xfrm>
-            <a:prstGeom prst="rect">
-              <a:avLst/>
-            </a:prstGeom>
-            <a:solidFill>
-              <a:srgbClr val="FFC000"/>
-            </a:solidFill>
-            <a:ln w="50800">
-              <a:solidFill>
-                <a:schemeClr val="accent1">
-                  <a:lumMod val="60000"/>
-                  <a:lumOff val="40000"/>
-                </a:schemeClr>
-              </a:solidFill>
-            </a:ln>
-          </p:spPr>
-          <p:style>
-            <a:lnRef idx="2">
-              <a:schemeClr val="accent1">
-                <a:shade val="50000"/>
-              </a:schemeClr>
-            </a:lnRef>
-            <a:fillRef idx="1">
-              <a:schemeClr val="accent1"/>
-            </a:fillRef>
-            <a:effectRef idx="0">
-              <a:schemeClr val="accent1"/>
-            </a:effectRef>
-            <a:fontRef idx="minor">
-              <a:schemeClr val="lt1"/>
-            </a:fontRef>
-          </p:style>
-          <p:txBody>
-            <a:bodyPr rtlCol="0" anchor="ctr"/>
-            <a:lstStyle/>
-            <a:p>
-              <a:pPr algn="ctr"/>
-              <a:endParaRPr lang="en-GB"/>
-            </a:p>
-          </p:txBody>
-        </p:sp>
-        <p:cxnSp>
-          <p:nvCxnSpPr>
-            <p:cNvPr id="7" name="Straight Connector 6">
-              <a:extLst>
-                <a:ext uri="{FF2B5EF4-FFF2-40B4-BE49-F238E27FC236}">
-                  <a16:creationId xmlns:a16="http://schemas.microsoft.com/office/drawing/2014/main" id="{DF5A284F-D56C-4704-9FBE-33DD6EA0CB3F}"/>
-                </a:ext>
-              </a:extLst>
-            </p:cNvPr>
-            <p:cNvCxnSpPr>
-              <a:cxnSpLocks/>
-            </p:cNvCxnSpPr>
-            <p:nvPr/>
-          </p:nvCxnSpPr>
-          <p:spPr>
-            <a:xfrm>
-              <a:off x="4174380" y="5139781"/>
-              <a:ext cx="864000" cy="0"/>
-            </a:xfrm>
-            <a:prstGeom prst="line">
-              <a:avLst/>
-            </a:prstGeom>
-            <a:ln w="50800">
-              <a:solidFill>
-                <a:srgbClr val="FFC000"/>
-              </a:solidFill>
-            </a:ln>
-          </p:spPr>
-          <p:style>
-            <a:lnRef idx="1">
-              <a:schemeClr val="accent1"/>
-            </a:lnRef>
-            <a:fillRef idx="0">
-              <a:schemeClr val="accent1"/>
-            </a:fillRef>
-            <a:effectRef idx="0">
-              <a:schemeClr val="accent1"/>
-            </a:effectRef>
-            <a:fontRef idx="minor">
-              <a:schemeClr val="tx1"/>
-            </a:fontRef>
-          </p:style>
-        </p:cxnSp>
-        <p:cxnSp>
-          <p:nvCxnSpPr>
-            <p:cNvPr id="12" name="Straight Connector 11">
-              <a:extLst>
-                <a:ext uri="{FF2B5EF4-FFF2-40B4-BE49-F238E27FC236}">
-                  <a16:creationId xmlns:a16="http://schemas.microsoft.com/office/drawing/2014/main" id="{C36FA21C-FE1F-4273-BE49-8EDC25E37E70}"/>
-                </a:ext>
-              </a:extLst>
-            </p:cNvPr>
-            <p:cNvCxnSpPr>
-              <a:cxnSpLocks/>
-            </p:cNvCxnSpPr>
-            <p:nvPr/>
-          </p:nvCxnSpPr>
-          <p:spPr>
-            <a:xfrm>
-              <a:off x="4171587" y="671807"/>
-              <a:ext cx="864000" cy="0"/>
-            </a:xfrm>
-            <a:prstGeom prst="line">
-              <a:avLst/>
-            </a:prstGeom>
-            <a:ln w="50800">
-              <a:solidFill>
-                <a:srgbClr val="FFC000"/>
-              </a:solidFill>
-            </a:ln>
-          </p:spPr>
-          <p:style>
-            <a:lnRef idx="1">
-              <a:schemeClr val="accent1"/>
-            </a:lnRef>
-            <a:fillRef idx="0">
-              <a:schemeClr val="accent1"/>
-            </a:fillRef>
-            <a:effectRef idx="0">
-              <a:schemeClr val="accent1"/>
-            </a:effectRef>
-            <a:fontRef idx="minor">
-              <a:schemeClr val="tx1"/>
-            </a:fontRef>
-          </p:style>
-        </p:cxnSp>
-      </p:grpSp>
       <p:sp>
         <p:nvSpPr>
           <p:cNvPr id="14" name="Arrow: Right 13">
@@ -9725,7 +10792,7 @@
         </p:nvSpPr>
         <p:spPr>
           <a:xfrm>
-            <a:off x="3313285" y="3815338"/>
+            <a:off x="3313285" y="4124834"/>
             <a:ext cx="2122942" cy="1239572"/>
           </a:xfrm>
           <a:prstGeom prst="rightArrow">
@@ -9779,7 +10846,7 @@
         </p:nvSpPr>
         <p:spPr>
           <a:xfrm>
-            <a:off x="6817047" y="4160221"/>
+            <a:off x="6817047" y="4469717"/>
             <a:ext cx="2122942" cy="549806"/>
           </a:xfrm>
           <a:prstGeom prst="rightArrow">
@@ -9974,7 +11041,7 @@
         </p:nvSpPr>
         <p:spPr>
           <a:xfrm>
-            <a:off x="6933427" y="5371321"/>
+            <a:off x="6933427" y="5680817"/>
             <a:ext cx="1741928" cy="923330"/>
           </a:xfrm>
           <a:prstGeom prst="rect">
@@ -10025,8 +11092,8 @@
         </p:nvSpPr>
         <p:spPr>
           <a:xfrm>
-            <a:off x="7573376" y="1319161"/>
-            <a:ext cx="320922" cy="369332"/>
+            <a:off x="7560802" y="1319161"/>
+            <a:ext cx="333496" cy="369332"/>
           </a:xfrm>
           <a:prstGeom prst="rect">
             <a:avLst/>
@@ -10040,19 +11107,11 @@
           <a:lstStyle/>
           <a:p>
             <a:r>
-              <a:rPr lang="en-GB" dirty="0">
-                <a:solidFill>
-                  <a:schemeClr val="bg1"/>
-                </a:solidFill>
-              </a:rPr>
+              <a:rPr lang="en-GB" b="1" dirty="0"/>
               <a:t>I</a:t>
             </a:r>
             <a:r>
-              <a:rPr lang="en-GB" baseline="-25000" dirty="0">
-                <a:solidFill>
-                  <a:schemeClr val="bg1"/>
-                </a:solidFill>
-              </a:rPr>
+              <a:rPr lang="en-GB" b="1" baseline="-25000" dirty="0"/>
               <a:t>0</a:t>
             </a:r>
           </a:p>
@@ -10072,8 +11131,8 @@
         </p:nvSpPr>
         <p:spPr>
           <a:xfrm>
-            <a:off x="7560802" y="4250458"/>
-            <a:ext cx="317716" cy="369332"/>
+            <a:off x="7537331" y="4557794"/>
+            <a:ext cx="380438" cy="369332"/>
           </a:xfrm>
           <a:prstGeom prst="rect">
             <a:avLst/>
@@ -10087,19 +11146,11 @@
           <a:lstStyle/>
           <a:p>
             <a:r>
-              <a:rPr lang="en-GB" dirty="0">
-                <a:solidFill>
-                  <a:schemeClr val="bg1"/>
-                </a:solidFill>
-              </a:rPr>
+              <a:rPr lang="en-GB" b="1" dirty="0"/>
               <a:t>I</a:t>
             </a:r>
             <a:r>
-              <a:rPr lang="en-GB" baseline="-25000" dirty="0">
-                <a:solidFill>
-                  <a:schemeClr val="bg1"/>
-                </a:solidFill>
-              </a:rPr>
+              <a:rPr lang="en-GB" b="1" baseline="-25000" dirty="0"/>
               <a:t>T</a:t>
             </a:r>
           </a:p>
@@ -10119,7 +11170,7 @@
         </p:nvSpPr>
         <p:spPr>
           <a:xfrm>
-            <a:off x="3209308" y="5362627"/>
+            <a:off x="3209308" y="5672123"/>
             <a:ext cx="2220242" cy="923330"/>
           </a:xfrm>
           <a:prstGeom prst="rect">
@@ -10155,7 +11206,7 @@
         </p:nvGrpSpPr>
         <p:grpSpPr>
           <a:xfrm>
-            <a:off x="601073" y="2442944"/>
+            <a:off x="587005" y="2724304"/>
             <a:ext cx="2494916" cy="982289"/>
             <a:chOff x="401216" y="2528564"/>
             <a:chExt cx="2494916" cy="982289"/>
@@ -10434,12 +11485,383 @@
           </p:style>
         </p:cxnSp>
       </p:grpSp>
-      <p:sp>
-        <p:nvSpPr>
-          <p:cNvPr id="50" name="TextBox 49">
-            <a:extLst>
-              <a:ext uri="{FF2B5EF4-FFF2-40B4-BE49-F238E27FC236}">
-                <a16:creationId xmlns:a16="http://schemas.microsoft.com/office/drawing/2014/main" id="{A37673ED-38E4-4612-8B43-017F4B88C867}"/>
+      <p:grpSp>
+        <p:nvGrpSpPr>
+          <p:cNvPr id="17" name="Group 16">
+            <a:extLst>
+              <a:ext uri="{FF2B5EF4-FFF2-40B4-BE49-F238E27FC236}">
+                <a16:creationId xmlns:a16="http://schemas.microsoft.com/office/drawing/2014/main" id="{8641B4FC-5FA5-4126-9A20-B7C831C79A4D}"/>
+              </a:ext>
+            </a:extLst>
+          </p:cNvPr>
+          <p:cNvGrpSpPr/>
+          <p:nvPr/>
+        </p:nvGrpSpPr>
+        <p:grpSpPr>
+          <a:xfrm>
+            <a:off x="5651911" y="3813144"/>
+            <a:ext cx="914587" cy="2028796"/>
+            <a:chOff x="5651911" y="3503648"/>
+            <a:chExt cx="914587" cy="2028796"/>
+          </a:xfrm>
+        </p:grpSpPr>
+        <p:grpSp>
+          <p:nvGrpSpPr>
+            <p:cNvPr id="13" name="Group 12">
+              <a:extLst>
+                <a:ext uri="{FF2B5EF4-FFF2-40B4-BE49-F238E27FC236}">
+                  <a16:creationId xmlns:a16="http://schemas.microsoft.com/office/drawing/2014/main" id="{8E7F2298-7E2D-4968-84C1-68B218561A82}"/>
+                </a:ext>
+              </a:extLst>
+            </p:cNvPr>
+            <p:cNvGrpSpPr/>
+            <p:nvPr/>
+          </p:nvGrpSpPr>
+          <p:grpSpPr>
+            <a:xfrm>
+              <a:off x="5651911" y="3503648"/>
+              <a:ext cx="914587" cy="2028796"/>
+              <a:chOff x="4139662" y="671807"/>
+              <a:chExt cx="914587" cy="4953167"/>
+            </a:xfrm>
+          </p:grpSpPr>
+          <p:sp>
+            <p:nvSpPr>
+              <p:cNvPr id="4" name="Flowchart: Connector 3">
+                <a:extLst>
+                  <a:ext uri="{FF2B5EF4-FFF2-40B4-BE49-F238E27FC236}">
+                    <a16:creationId xmlns:a16="http://schemas.microsoft.com/office/drawing/2014/main" id="{BA585709-271D-4722-B9F7-FFC1BD12DBEE}"/>
+                  </a:ext>
+                </a:extLst>
+              </p:cNvPr>
+              <p:cNvSpPr>
+                <a:spLocks noChangeAspect="1"/>
+              </p:cNvSpPr>
+              <p:nvPr/>
+            </p:nvSpPr>
+            <p:spPr>
+              <a:xfrm>
+                <a:off x="4139662" y="4715146"/>
+                <a:ext cx="909828" cy="909828"/>
+              </a:xfrm>
+              <a:prstGeom prst="flowChartConnector">
+                <a:avLst/>
+              </a:prstGeom>
+              <a:solidFill>
+                <a:srgbClr val="FFC000"/>
+              </a:solidFill>
+              <a:ln w="50800">
+                <a:solidFill>
+                  <a:schemeClr val="accent1">
+                    <a:lumMod val="60000"/>
+                    <a:lumOff val="40000"/>
+                  </a:schemeClr>
+                </a:solidFill>
+              </a:ln>
+            </p:spPr>
+            <p:style>
+              <a:lnRef idx="2">
+                <a:schemeClr val="accent1">
+                  <a:shade val="50000"/>
+                </a:schemeClr>
+              </a:lnRef>
+              <a:fillRef idx="1">
+                <a:schemeClr val="accent1"/>
+              </a:fillRef>
+              <a:effectRef idx="0">
+                <a:schemeClr val="accent1"/>
+              </a:effectRef>
+              <a:fontRef idx="minor">
+                <a:schemeClr val="lt1"/>
+              </a:fontRef>
+            </p:style>
+            <p:txBody>
+              <a:bodyPr rtlCol="0" anchor="ctr"/>
+              <a:lstStyle/>
+              <a:p>
+                <a:pPr algn="ctr"/>
+                <a:endParaRPr lang="en-GB"/>
+              </a:p>
+            </p:txBody>
+          </p:sp>
+          <p:sp>
+            <p:nvSpPr>
+              <p:cNvPr id="5" name="Rectangle 4">
+                <a:extLst>
+                  <a:ext uri="{FF2B5EF4-FFF2-40B4-BE49-F238E27FC236}">
+                    <a16:creationId xmlns:a16="http://schemas.microsoft.com/office/drawing/2014/main" id="{FB922E8E-B060-4FBA-BB5E-5A8FCEE2FC01}"/>
+                  </a:ext>
+                </a:extLst>
+              </p:cNvPr>
+              <p:cNvSpPr/>
+              <p:nvPr/>
+            </p:nvSpPr>
+            <p:spPr>
+              <a:xfrm>
+                <a:off x="4139849" y="671807"/>
+                <a:ext cx="914400" cy="4467974"/>
+              </a:xfrm>
+              <a:prstGeom prst="rect">
+                <a:avLst/>
+              </a:prstGeom>
+              <a:solidFill>
+                <a:srgbClr val="FFC000"/>
+              </a:solidFill>
+              <a:ln w="50800">
+                <a:solidFill>
+                  <a:schemeClr val="accent1">
+                    <a:lumMod val="60000"/>
+                    <a:lumOff val="40000"/>
+                  </a:schemeClr>
+                </a:solidFill>
+              </a:ln>
+            </p:spPr>
+            <p:style>
+              <a:lnRef idx="2">
+                <a:schemeClr val="accent1">
+                  <a:shade val="50000"/>
+                </a:schemeClr>
+              </a:lnRef>
+              <a:fillRef idx="1">
+                <a:schemeClr val="accent1"/>
+              </a:fillRef>
+              <a:effectRef idx="0">
+                <a:schemeClr val="accent1"/>
+              </a:effectRef>
+              <a:fontRef idx="minor">
+                <a:schemeClr val="lt1"/>
+              </a:fontRef>
+            </p:style>
+            <p:txBody>
+              <a:bodyPr rtlCol="0" anchor="ctr"/>
+              <a:lstStyle/>
+              <a:p>
+                <a:pPr algn="ctr"/>
+                <a:endParaRPr lang="en-GB"/>
+              </a:p>
+            </p:txBody>
+          </p:sp>
+          <p:cxnSp>
+            <p:nvCxnSpPr>
+              <p:cNvPr id="7" name="Straight Connector 6">
+                <a:extLst>
+                  <a:ext uri="{FF2B5EF4-FFF2-40B4-BE49-F238E27FC236}">
+                    <a16:creationId xmlns:a16="http://schemas.microsoft.com/office/drawing/2014/main" id="{DF5A284F-D56C-4704-9FBE-33DD6EA0CB3F}"/>
+                  </a:ext>
+                </a:extLst>
+              </p:cNvPr>
+              <p:cNvCxnSpPr>
+                <a:cxnSpLocks/>
+              </p:cNvCxnSpPr>
+              <p:nvPr/>
+            </p:nvCxnSpPr>
+            <p:spPr>
+              <a:xfrm>
+                <a:off x="4174380" y="5139781"/>
+                <a:ext cx="864000" cy="0"/>
+              </a:xfrm>
+              <a:prstGeom prst="line">
+                <a:avLst/>
+              </a:prstGeom>
+              <a:ln w="50800">
+                <a:solidFill>
+                  <a:srgbClr val="FFC000"/>
+                </a:solidFill>
+              </a:ln>
+            </p:spPr>
+            <p:style>
+              <a:lnRef idx="1">
+                <a:schemeClr val="accent1"/>
+              </a:lnRef>
+              <a:fillRef idx="0">
+                <a:schemeClr val="accent1"/>
+              </a:fillRef>
+              <a:effectRef idx="0">
+                <a:schemeClr val="accent1"/>
+              </a:effectRef>
+              <a:fontRef idx="minor">
+                <a:schemeClr val="tx1"/>
+              </a:fontRef>
+            </p:style>
+          </p:cxnSp>
+          <p:cxnSp>
+            <p:nvCxnSpPr>
+              <p:cNvPr id="12" name="Straight Connector 11">
+                <a:extLst>
+                  <a:ext uri="{FF2B5EF4-FFF2-40B4-BE49-F238E27FC236}">
+                    <a16:creationId xmlns:a16="http://schemas.microsoft.com/office/drawing/2014/main" id="{C36FA21C-FE1F-4273-BE49-8EDC25E37E70}"/>
+                  </a:ext>
+                </a:extLst>
+              </p:cNvPr>
+              <p:cNvCxnSpPr>
+                <a:cxnSpLocks/>
+              </p:cNvCxnSpPr>
+              <p:nvPr/>
+            </p:nvCxnSpPr>
+            <p:spPr>
+              <a:xfrm>
+                <a:off x="4171587" y="671807"/>
+                <a:ext cx="864000" cy="0"/>
+              </a:xfrm>
+              <a:prstGeom prst="line">
+                <a:avLst/>
+              </a:prstGeom>
+              <a:ln w="50800">
+                <a:solidFill>
+                  <a:srgbClr val="FFC000"/>
+                </a:solidFill>
+              </a:ln>
+            </p:spPr>
+            <p:style>
+              <a:lnRef idx="1">
+                <a:schemeClr val="accent1"/>
+              </a:lnRef>
+              <a:fillRef idx="0">
+                <a:schemeClr val="accent1"/>
+              </a:fillRef>
+              <a:effectRef idx="0">
+                <a:schemeClr val="accent1"/>
+              </a:effectRef>
+              <a:fontRef idx="minor">
+                <a:schemeClr val="tx1"/>
+              </a:fontRef>
+            </p:style>
+          </p:cxnSp>
+        </p:grpSp>
+        <p:sp>
+          <p:nvSpPr>
+            <p:cNvPr id="50" name="TextBox 49">
+              <a:extLst>
+                <a:ext uri="{FF2B5EF4-FFF2-40B4-BE49-F238E27FC236}">
+                  <a16:creationId xmlns:a16="http://schemas.microsoft.com/office/drawing/2014/main" id="{A37673ED-38E4-4612-8B43-017F4B88C867}"/>
+                </a:ext>
+              </a:extLst>
+            </p:cNvPr>
+            <p:cNvSpPr txBox="1"/>
+            <p:nvPr/>
+          </p:nvSpPr>
+          <p:spPr>
+            <a:xfrm>
+              <a:off x="5954305" y="4841057"/>
+              <a:ext cx="306494" cy="369332"/>
+            </a:xfrm>
+            <a:prstGeom prst="rect">
+              <a:avLst/>
+            </a:prstGeom>
+            <a:noFill/>
+          </p:spPr>
+          <p:txBody>
+            <a:bodyPr wrap="square" rtlCol="0">
+              <a:spAutoFit/>
+            </a:bodyPr>
+            <a:lstStyle/>
+            <a:p>
+              <a:r>
+                <a:rPr lang="en-GB" b="1" dirty="0"/>
+                <a:t>d</a:t>
+              </a:r>
+            </a:p>
+          </p:txBody>
+        </p:sp>
+        <p:cxnSp>
+          <p:nvCxnSpPr>
+            <p:cNvPr id="52" name="Straight Arrow Connector 51">
+              <a:extLst>
+                <a:ext uri="{FF2B5EF4-FFF2-40B4-BE49-F238E27FC236}">
+                  <a16:creationId xmlns:a16="http://schemas.microsoft.com/office/drawing/2014/main" id="{5A86AD31-082A-4ABF-8755-A9F8F6CE03E7}"/>
+                </a:ext>
+              </a:extLst>
+            </p:cNvPr>
+            <p:cNvCxnSpPr>
+              <a:cxnSpLocks/>
+            </p:cNvCxnSpPr>
+            <p:nvPr/>
+          </p:nvCxnSpPr>
+          <p:spPr>
+            <a:xfrm>
+              <a:off x="5677298" y="4846529"/>
+              <a:ext cx="864000" cy="0"/>
+            </a:xfrm>
+            <a:prstGeom prst="straightConnector1">
+              <a:avLst/>
+            </a:prstGeom>
+            <a:ln w="19050">
+              <a:solidFill>
+                <a:schemeClr val="tx1"/>
+              </a:solidFill>
+              <a:headEnd type="triangle" w="lg" len="med"/>
+              <a:tailEnd type="triangle" w="lg" len="med"/>
+            </a:ln>
+          </p:spPr>
+          <p:style>
+            <a:lnRef idx="1">
+              <a:schemeClr val="accent1"/>
+            </a:lnRef>
+            <a:fillRef idx="0">
+              <a:schemeClr val="accent1"/>
+            </a:fillRef>
+            <a:effectRef idx="0">
+              <a:schemeClr val="accent1"/>
+            </a:effectRef>
+            <a:fontRef idx="minor">
+              <a:schemeClr val="tx1"/>
+            </a:fontRef>
+          </p:style>
+        </p:cxnSp>
+        <p:sp>
+          <p:nvSpPr>
+            <p:cNvPr id="54" name="TextBox 53">
+              <a:extLst>
+                <a:ext uri="{FF2B5EF4-FFF2-40B4-BE49-F238E27FC236}">
+                  <a16:creationId xmlns:a16="http://schemas.microsoft.com/office/drawing/2014/main" id="{6F2F37FF-84A8-4C4B-B983-A3A232241D06}"/>
+                </a:ext>
+              </a:extLst>
+            </p:cNvPr>
+            <p:cNvSpPr txBox="1"/>
+            <p:nvPr/>
+          </p:nvSpPr>
+          <p:spPr>
+            <a:xfrm>
+              <a:off x="5810170" y="4248298"/>
+              <a:ext cx="657552" cy="369332"/>
+            </a:xfrm>
+            <a:prstGeom prst="rect">
+              <a:avLst/>
+            </a:prstGeom>
+            <a:noFill/>
+          </p:spPr>
+          <p:txBody>
+            <a:bodyPr wrap="square" rtlCol="0">
+              <a:spAutoFit/>
+            </a:bodyPr>
+            <a:lstStyle/>
+            <a:p>
+              <a:r>
+                <a:rPr lang="en-GB" b="1" dirty="0" err="1"/>
+                <a:t>ε</a:t>
+              </a:r>
+              <a:r>
+                <a:rPr lang="en-GB" b="1" baseline="-25000" dirty="0" err="1"/>
+                <a:t>λ</a:t>
+              </a:r>
+              <a:r>
+                <a:rPr lang="en-GB" b="1" baseline="-25000" dirty="0"/>
+                <a:t> </a:t>
+              </a:r>
+              <a:r>
+                <a:rPr lang="en-GB" b="1" dirty="0"/>
+                <a:t>, c </a:t>
+              </a:r>
+            </a:p>
+          </p:txBody>
+        </p:sp>
+      </p:grpSp>
+      <p:sp>
+        <p:nvSpPr>
+          <p:cNvPr id="68" name="TextBox 67">
+            <a:extLst>
+              <a:ext uri="{FF2B5EF4-FFF2-40B4-BE49-F238E27FC236}">
+                <a16:creationId xmlns:a16="http://schemas.microsoft.com/office/drawing/2014/main" id="{8E2A7D64-2B5E-42F2-B027-DAF28C3BC5EB}"/>
               </a:ext>
             </a:extLst>
           </p:cNvPr>
@@ -10448,8 +11870,8 @@
         </p:nvSpPr>
         <p:spPr>
           <a:xfrm>
-            <a:off x="5954305" y="5052077"/>
-            <a:ext cx="306494" cy="369332"/>
+            <a:off x="9021043" y="5680817"/>
+            <a:ext cx="1077393" cy="646331"/>
           </a:xfrm>
           <a:prstGeom prst="rect">
             <a:avLst/>
@@ -10462,153 +11884,6 @@
           </a:bodyPr>
           <a:lstStyle/>
           <a:p>
-            <a:r>
-              <a:rPr lang="en-GB" dirty="0">
-                <a:solidFill>
-                  <a:schemeClr val="bg1"/>
-                </a:solidFill>
-              </a:rPr>
-              <a:t>d</a:t>
-            </a:r>
-          </a:p>
-        </p:txBody>
-      </p:sp>
-      <p:cxnSp>
-        <p:nvCxnSpPr>
-          <p:cNvPr id="52" name="Straight Arrow Connector 51">
-            <a:extLst>
-              <a:ext uri="{FF2B5EF4-FFF2-40B4-BE49-F238E27FC236}">
-                <a16:creationId xmlns:a16="http://schemas.microsoft.com/office/drawing/2014/main" id="{5A86AD31-082A-4ABF-8755-A9F8F6CE03E7}"/>
-              </a:ext>
-            </a:extLst>
-          </p:cNvPr>
-          <p:cNvCxnSpPr>
-            <a:cxnSpLocks/>
-          </p:cNvCxnSpPr>
-          <p:nvPr/>
-        </p:nvCxnSpPr>
-        <p:spPr>
-          <a:xfrm>
-            <a:off x="5677298" y="5057549"/>
-            <a:ext cx="864000" cy="0"/>
-          </a:xfrm>
-          <a:prstGeom prst="straightConnector1">
-            <a:avLst/>
-          </a:prstGeom>
-          <a:ln>
-            <a:solidFill>
-              <a:schemeClr val="bg1"/>
-            </a:solidFill>
-            <a:headEnd type="triangle" w="lg" len="med"/>
-            <a:tailEnd type="triangle" w="lg" len="med"/>
-          </a:ln>
-        </p:spPr>
-        <p:style>
-          <a:lnRef idx="1">
-            <a:schemeClr val="accent1"/>
-          </a:lnRef>
-          <a:fillRef idx="0">
-            <a:schemeClr val="accent1"/>
-          </a:fillRef>
-          <a:effectRef idx="0">
-            <a:schemeClr val="accent1"/>
-          </a:effectRef>
-          <a:fontRef idx="minor">
-            <a:schemeClr val="tx1"/>
-          </a:fontRef>
-        </p:style>
-      </p:cxnSp>
-      <p:sp>
-        <p:nvSpPr>
-          <p:cNvPr id="54" name="TextBox 53">
-            <a:extLst>
-              <a:ext uri="{FF2B5EF4-FFF2-40B4-BE49-F238E27FC236}">
-                <a16:creationId xmlns:a16="http://schemas.microsoft.com/office/drawing/2014/main" id="{6F2F37FF-84A8-4C4B-B983-A3A232241D06}"/>
-              </a:ext>
-            </a:extLst>
-          </p:cNvPr>
-          <p:cNvSpPr txBox="1"/>
-          <p:nvPr/>
-        </p:nvSpPr>
-        <p:spPr>
-          <a:xfrm>
-            <a:off x="5827610" y="3949055"/>
-            <a:ext cx="657552" cy="369332"/>
-          </a:xfrm>
-          <a:prstGeom prst="rect">
-            <a:avLst/>
-          </a:prstGeom>
-          <a:noFill/>
-        </p:spPr>
-        <p:txBody>
-          <a:bodyPr wrap="square" rtlCol="0">
-            <a:spAutoFit/>
-          </a:bodyPr>
-          <a:lstStyle/>
-          <a:p>
-            <a:r>
-              <a:rPr lang="en-GB" dirty="0" err="1">
-                <a:solidFill>
-                  <a:schemeClr val="bg1"/>
-                </a:solidFill>
-              </a:rPr>
-              <a:t>ε</a:t>
-            </a:r>
-            <a:r>
-              <a:rPr lang="en-GB" baseline="-25000" dirty="0" err="1">
-                <a:solidFill>
-                  <a:schemeClr val="bg1"/>
-                </a:solidFill>
-              </a:rPr>
-              <a:t>λ</a:t>
-            </a:r>
-            <a:r>
-              <a:rPr lang="en-GB" baseline="-25000" dirty="0">
-                <a:solidFill>
-                  <a:schemeClr val="bg1"/>
-                </a:solidFill>
-              </a:rPr>
-              <a:t> </a:t>
-            </a:r>
-            <a:r>
-              <a:rPr lang="en-GB" dirty="0">
-                <a:solidFill>
-                  <a:schemeClr val="bg1"/>
-                </a:solidFill>
-              </a:rPr>
-              <a:t>, c </a:t>
-            </a:r>
-          </a:p>
-        </p:txBody>
-      </p:sp>
-      <p:sp>
-        <p:nvSpPr>
-          <p:cNvPr id="68" name="TextBox 67">
-            <a:extLst>
-              <a:ext uri="{FF2B5EF4-FFF2-40B4-BE49-F238E27FC236}">
-                <a16:creationId xmlns:a16="http://schemas.microsoft.com/office/drawing/2014/main" id="{8E2A7D64-2B5E-42F2-B027-DAF28C3BC5EB}"/>
-              </a:ext>
-            </a:extLst>
-          </p:cNvPr>
-          <p:cNvSpPr txBox="1"/>
-          <p:nvPr/>
-        </p:nvSpPr>
-        <p:spPr>
-          <a:xfrm>
-            <a:off x="8980041" y="5371321"/>
-            <a:ext cx="1077393" cy="646331"/>
-          </a:xfrm>
-          <a:prstGeom prst="rect">
-            <a:avLst/>
-          </a:prstGeom>
-          <a:noFill/>
-        </p:spPr>
-        <p:txBody>
-          <a:bodyPr wrap="square" rtlCol="0">
-            <a:spAutoFit/>
-          </a:bodyPr>
-          <a:lstStyle/>
-          <a:p>
             <a:pPr algn="ctr"/>
             <a:r>
               <a:rPr lang="en-GB" dirty="0"/>
@@ -10638,7 +11913,7 @@
         </p:nvGrpSpPr>
         <p:grpSpPr>
           <a:xfrm>
-            <a:off x="9356439" y="2152673"/>
+            <a:off x="9473422" y="2348989"/>
             <a:ext cx="220897" cy="1620685"/>
             <a:chOff x="9375896" y="2238293"/>
             <a:chExt cx="220897" cy="1620685"/>
@@ -10775,7 +12050,7 @@
         </p:nvSpPr>
         <p:spPr>
           <a:xfrm>
-            <a:off x="1863982" y="5376366"/>
+            <a:off x="1863982" y="5685862"/>
             <a:ext cx="1077153" cy="646331"/>
           </a:xfrm>
           <a:prstGeom prst="rect">
@@ -10818,7 +12093,7 @@
         </p:nvSpPr>
         <p:spPr>
           <a:xfrm>
-            <a:off x="5662197" y="5632204"/>
+            <a:off x="5662197" y="5941700"/>
             <a:ext cx="1036833" cy="369332"/>
           </a:xfrm>
           <a:prstGeom prst="rect">
@@ -10853,7 +12128,7 @@
         </p:nvSpPr>
         <p:spPr>
           <a:xfrm>
-            <a:off x="10177482" y="5371321"/>
+            <a:off x="10177482" y="5680817"/>
             <a:ext cx="1401009" cy="923330"/>
           </a:xfrm>
           <a:prstGeom prst="rect">
@@ -10877,7 +12152,7 @@
             </a:br>
             <a:r>
               <a:rPr lang="en-GB" dirty="0"/>
-              <a:t>unit</a:t>
+              <a:t>units</a:t>
             </a:r>
           </a:p>
         </p:txBody>
@@ -10896,10 +12171,10 @@
         </p:nvGrpSpPr>
         <p:grpSpPr>
           <a:xfrm>
-            <a:off x="10072215" y="2468000"/>
-            <a:ext cx="1506276" cy="983574"/>
-            <a:chOff x="10091672" y="2553620"/>
-            <a:chExt cx="1506276" cy="983574"/>
+            <a:off x="10057434" y="2749360"/>
+            <a:ext cx="1682380" cy="983574"/>
+            <a:chOff x="10090959" y="2553620"/>
+            <a:chExt cx="1682380" cy="983574"/>
           </a:xfrm>
         </p:grpSpPr>
         <p:sp>
@@ -10975,8 +12250,8 @@
           </p:nvSpPr>
           <p:spPr>
             <a:xfrm>
-              <a:off x="10177482" y="2691464"/>
-              <a:ext cx="1353256" cy="707886"/>
+              <a:off x="10090959" y="2753019"/>
+              <a:ext cx="1682380" cy="584775"/>
             </a:xfrm>
             <a:prstGeom prst="rect">
               <a:avLst/>
@@ -10984,19 +12259,16 @@
             <a:noFill/>
           </p:spPr>
           <p:txBody>
-            <a:bodyPr wrap="none" rtlCol="0">
+            <a:bodyPr wrap="square" rtlCol="0">
               <a:spAutoFit/>
             </a:bodyPr>
             <a:lstStyle/>
             <a:p>
               <a:r>
-                <a:rPr lang="en-GB" sz="4000" dirty="0">
-                  <a:solidFill>
-                    <a:schemeClr val="bg1"/>
-                  </a:solidFill>
+                <a:rPr lang="en-GB" sz="3200" b="1" dirty="0">
                   <a:cs typeface="Aparajita" panose="020B0502040204020203" pitchFamily="18" charset="0"/>
                 </a:rPr>
-                <a:t>0.664</a:t>
+                <a:t>0.66484</a:t>
               </a:r>
             </a:p>
           </p:txBody>
@@ -11016,7 +12288,7 @@
         </p:nvSpPr>
         <p:spPr>
           <a:xfrm>
-            <a:off x="5240362" y="2862790"/>
+            <a:off x="5240362" y="3172286"/>
             <a:ext cx="1731756" cy="646331"/>
           </a:xfrm>
           <a:prstGeom prst="rect">
@@ -11299,7 +12571,7 @@
         <p:spPr>
           <a:xfrm>
             <a:off x="4027361" y="1319161"/>
-            <a:ext cx="292068" cy="369332"/>
+            <a:ext cx="296876" cy="369332"/>
           </a:xfrm>
           <a:prstGeom prst="rect">
             <a:avLst/>
@@ -11313,11 +12585,7 @@
           <a:lstStyle/>
           <a:p>
             <a:r>
-              <a:rPr lang="en-GB" dirty="0">
-                <a:solidFill>
-                  <a:schemeClr val="bg1"/>
-                </a:solidFill>
-              </a:rPr>
+              <a:rPr lang="en-GB" b="1" dirty="0"/>
               <a:t>λ</a:t>
             </a:r>
           </a:p>
@@ -11337,8 +12605,8 @@
         </p:nvSpPr>
         <p:spPr>
           <a:xfrm>
-            <a:off x="4027361" y="4251189"/>
-            <a:ext cx="292068" cy="369332"/>
+            <a:off x="4027361" y="4543509"/>
+            <a:ext cx="296876" cy="369332"/>
           </a:xfrm>
           <a:prstGeom prst="rect">
             <a:avLst/>
@@ -11352,11 +12620,7 @@
           <a:lstStyle/>
           <a:p>
             <a:r>
-              <a:rPr lang="en-GB" dirty="0">
-                <a:solidFill>
-                  <a:schemeClr val="bg1"/>
-                </a:solidFill>
-              </a:rPr>
+              <a:rPr lang="en-GB" b="1" dirty="0"/>
               <a:t>λ</a:t>
             </a:r>
           </a:p>
@@ -11376,7 +12640,7 @@
         </p:nvSpPr>
         <p:spPr>
           <a:xfrm>
-            <a:off x="10134148" y="3503648"/>
+            <a:off x="10120080" y="3785008"/>
             <a:ext cx="1401009" cy="369332"/>
           </a:xfrm>
           <a:prstGeom prst="rect">
@@ -11424,6 +12688,129 @@
               <a:t>c</a:t>
             </a:r>
             <a:endParaRPr lang="en-GB" dirty="0"/>
+          </a:p>
+        </p:txBody>
+      </p:sp>
+      <p:cxnSp>
+        <p:nvCxnSpPr>
+          <p:cNvPr id="11" name="Straight Arrow Connector 10">
+            <a:extLst>
+              <a:ext uri="{FF2B5EF4-FFF2-40B4-BE49-F238E27FC236}">
+                <a16:creationId xmlns:a16="http://schemas.microsoft.com/office/drawing/2014/main" id="{B04D3C7A-A252-4312-A6CD-FC2C77E97DA1}"/>
+              </a:ext>
+            </a:extLst>
+          </p:cNvPr>
+          <p:cNvCxnSpPr/>
+          <p:nvPr/>
+        </p:nvCxnSpPr>
+        <p:spPr>
+          <a:xfrm>
+            <a:off x="3294551" y="3144150"/>
+            <a:ext cx="5976895" cy="0"/>
+          </a:xfrm>
+          <a:prstGeom prst="straightConnector1">
+            <a:avLst/>
+          </a:prstGeom>
+          <a:ln w="22225">
+            <a:solidFill>
+              <a:srgbClr val="00B050"/>
+            </a:solidFill>
+            <a:headEnd w="lg" len="med"/>
+            <a:tailEnd type="triangle"/>
+          </a:ln>
+        </p:spPr>
+        <p:style>
+          <a:lnRef idx="1">
+            <a:schemeClr val="accent1"/>
+          </a:lnRef>
+          <a:fillRef idx="0">
+            <a:schemeClr val="accent1"/>
+          </a:fillRef>
+          <a:effectRef idx="0">
+            <a:schemeClr val="accent1"/>
+          </a:effectRef>
+          <a:fontRef idx="minor">
+            <a:schemeClr val="tx1"/>
+          </a:fontRef>
+        </p:style>
+      </p:cxnSp>
+      <p:sp>
+        <p:nvSpPr>
+          <p:cNvPr id="19" name="TextBox 18">
+            <a:extLst>
+              <a:ext uri="{FF2B5EF4-FFF2-40B4-BE49-F238E27FC236}">
+                <a16:creationId xmlns:a16="http://schemas.microsoft.com/office/drawing/2014/main" id="{1EB3C199-4DBC-4244-9D8B-18D43747B135}"/>
+              </a:ext>
+            </a:extLst>
+          </p:cNvPr>
+          <p:cNvSpPr txBox="1"/>
+          <p:nvPr/>
+        </p:nvSpPr>
+        <p:spPr>
+          <a:xfrm>
+            <a:off x="3193731" y="2818607"/>
+            <a:ext cx="1282723" cy="646331"/>
+          </a:xfrm>
+          <a:prstGeom prst="rect">
+            <a:avLst/>
+          </a:prstGeom>
+          <a:noFill/>
+        </p:spPr>
+        <p:txBody>
+          <a:bodyPr wrap="none" rtlCol="0">
+            <a:spAutoFit/>
+          </a:bodyPr>
+          <a:lstStyle/>
+          <a:p>
+            <a:r>
+              <a:rPr lang="en-GB" dirty="0"/>
+              <a:t>Beam angle</a:t>
+            </a:r>
+          </a:p>
+          <a:p>
+            <a:r>
+              <a:rPr lang="en-GB" dirty="0"/>
+              <a:t>180 </a:t>
+            </a:r>
+            <a:r>
+              <a:rPr lang="en-GB" baseline="30000" dirty="0"/>
+              <a:t>0</a:t>
+            </a:r>
+          </a:p>
+        </p:txBody>
+      </p:sp>
+      <p:sp>
+        <p:nvSpPr>
+          <p:cNvPr id="21" name="TextBox 20">
+            <a:extLst>
+              <a:ext uri="{FF2B5EF4-FFF2-40B4-BE49-F238E27FC236}">
+                <a16:creationId xmlns:a16="http://schemas.microsoft.com/office/drawing/2014/main" id="{65547CE4-4285-4FE6-8869-4F6C5FA7CA5D}"/>
+              </a:ext>
+            </a:extLst>
+          </p:cNvPr>
+          <p:cNvSpPr txBox="1"/>
+          <p:nvPr/>
+        </p:nvSpPr>
+        <p:spPr>
+          <a:xfrm>
+            <a:off x="4574193" y="2829393"/>
+            <a:ext cx="3254417" cy="369332"/>
+          </a:xfrm>
+          <a:prstGeom prst="rect">
+            <a:avLst/>
+          </a:prstGeom>
+          <a:noFill/>
+        </p:spPr>
+        <p:txBody>
+          <a:bodyPr wrap="none" rtlCol="0">
+            <a:spAutoFit/>
+          </a:bodyPr>
+          <a:lstStyle/>
+          <a:p>
+            <a:r>
+              <a:rPr lang="en-GB" dirty="0"/>
+              <a:t>Transmitted light measurement</a:t>
+            </a:r>
           </a:p>
         </p:txBody>
       </p:sp>
@@ -12039,9 +13426,9 @@
         <p:grpSpPr>
           <a:xfrm>
             <a:off x="1752113" y="1974825"/>
-            <a:ext cx="2494916" cy="982289"/>
+            <a:ext cx="2468240" cy="982289"/>
             <a:chOff x="401216" y="2528564"/>
-            <a:chExt cx="2494916" cy="982289"/>
+            <a:chExt cx="2468240" cy="982289"/>
           </a:xfrm>
         </p:grpSpPr>
         <p:grpSp>
@@ -12059,9 +13446,9 @@
           <p:grpSpPr>
             <a:xfrm>
               <a:off x="1616016" y="2528564"/>
-              <a:ext cx="1280116" cy="982289"/>
+              <a:ext cx="1253440" cy="982289"/>
               <a:chOff x="1590962" y="2537895"/>
-              <a:chExt cx="1280116" cy="982289"/>
+              <a:chExt cx="1253440" cy="982289"/>
             </a:xfrm>
           </p:grpSpPr>
           <p:sp>
@@ -12081,7 +13468,7 @@
             <p:spPr>
               <a:xfrm>
                 <a:off x="2070978" y="2628616"/>
-                <a:ext cx="800100" cy="800100"/>
+                <a:ext cx="773424" cy="773424"/>
               </a:xfrm>
               <a:prstGeom prst="flowChartConnector">
                 <a:avLst/>
@@ -12347,10 +13734,2030 @@
           <a:chExt cx="0" cy="0"/>
         </a:xfrm>
       </p:grpSpPr>
+      <p:sp>
+        <p:nvSpPr>
+          <p:cNvPr id="7" name="Flowchart: Connector 6">
+            <a:extLst>
+              <a:ext uri="{FF2B5EF4-FFF2-40B4-BE49-F238E27FC236}">
+                <a16:creationId xmlns:a16="http://schemas.microsoft.com/office/drawing/2014/main" id="{99434963-4B37-4237-A845-FC7618EB3815}"/>
+              </a:ext>
+            </a:extLst>
+          </p:cNvPr>
+          <p:cNvSpPr>
+            <a:spLocks noChangeAspect="1"/>
+          </p:cNvSpPr>
+          <p:nvPr/>
+        </p:nvSpPr>
+        <p:spPr>
+          <a:xfrm>
+            <a:off x="5618195" y="931641"/>
+            <a:ext cx="955610" cy="955610"/>
+          </a:xfrm>
+          <a:prstGeom prst="flowChartConnector">
+            <a:avLst/>
+          </a:prstGeom>
+          <a:solidFill>
+            <a:schemeClr val="accent5">
+              <a:lumMod val="20000"/>
+              <a:lumOff val="80000"/>
+            </a:schemeClr>
+          </a:solidFill>
+          <a:ln w="50800">
+            <a:solidFill>
+              <a:schemeClr val="accent1">
+                <a:lumMod val="60000"/>
+                <a:lumOff val="40000"/>
+              </a:schemeClr>
+            </a:solidFill>
+          </a:ln>
+        </p:spPr>
+        <p:style>
+          <a:lnRef idx="2">
+            <a:schemeClr val="accent1">
+              <a:shade val="50000"/>
+            </a:schemeClr>
+          </a:lnRef>
+          <a:fillRef idx="1">
+            <a:schemeClr val="accent1"/>
+          </a:fillRef>
+          <a:effectRef idx="0">
+            <a:schemeClr val="accent1"/>
+          </a:effectRef>
+          <a:fontRef idx="minor">
+            <a:schemeClr val="lt1"/>
+          </a:fontRef>
+        </p:style>
+        <p:txBody>
+          <a:bodyPr rtlCol="0" anchor="ctr"/>
+          <a:lstStyle/>
+          <a:p>
+            <a:pPr algn="ctr"/>
+            <a:endParaRPr lang="en-GB"/>
+          </a:p>
+        </p:txBody>
+      </p:sp>
+      <p:grpSp>
+        <p:nvGrpSpPr>
+          <p:cNvPr id="14" name="Group 13">
+            <a:extLst>
+              <a:ext uri="{FF2B5EF4-FFF2-40B4-BE49-F238E27FC236}">
+                <a16:creationId xmlns:a16="http://schemas.microsoft.com/office/drawing/2014/main" id="{8826E3FB-DA11-49EA-9833-19740449D6B0}"/>
+              </a:ext>
+            </a:extLst>
+          </p:cNvPr>
+          <p:cNvGrpSpPr/>
+          <p:nvPr/>
+        </p:nvGrpSpPr>
+        <p:grpSpPr>
+          <a:xfrm>
+            <a:off x="640765" y="904962"/>
+            <a:ext cx="2468240" cy="982289"/>
+            <a:chOff x="401216" y="2528564"/>
+            <a:chExt cx="2468240" cy="982289"/>
+          </a:xfrm>
+        </p:grpSpPr>
+        <p:grpSp>
+          <p:nvGrpSpPr>
+            <p:cNvPr id="15" name="Group 14">
+              <a:extLst>
+                <a:ext uri="{FF2B5EF4-FFF2-40B4-BE49-F238E27FC236}">
+                  <a16:creationId xmlns:a16="http://schemas.microsoft.com/office/drawing/2014/main" id="{11E7B514-37CC-40D7-8B08-BF76D6B172AF}"/>
+                </a:ext>
+              </a:extLst>
+            </p:cNvPr>
+            <p:cNvGrpSpPr/>
+            <p:nvPr/>
+          </p:nvGrpSpPr>
+          <p:grpSpPr>
+            <a:xfrm>
+              <a:off x="1616016" y="2528564"/>
+              <a:ext cx="1253440" cy="982289"/>
+              <a:chOff x="1590962" y="2537895"/>
+              <a:chExt cx="1253440" cy="982289"/>
+            </a:xfrm>
+          </p:grpSpPr>
+          <p:sp>
+            <p:nvSpPr>
+              <p:cNvPr id="18" name="Flowchart: Connector 17">
+                <a:extLst>
+                  <a:ext uri="{FF2B5EF4-FFF2-40B4-BE49-F238E27FC236}">
+                    <a16:creationId xmlns:a16="http://schemas.microsoft.com/office/drawing/2014/main" id="{75C28F05-9F03-40EF-9456-F3B1DD7BB59D}"/>
+                  </a:ext>
+                </a:extLst>
+              </p:cNvPr>
+              <p:cNvSpPr>
+                <a:spLocks noChangeAspect="1"/>
+              </p:cNvSpPr>
+              <p:nvPr/>
+            </p:nvSpPr>
+            <p:spPr>
+              <a:xfrm>
+                <a:off x="2070978" y="2628616"/>
+                <a:ext cx="773424" cy="773424"/>
+              </a:xfrm>
+              <a:prstGeom prst="flowChartConnector">
+                <a:avLst/>
+              </a:prstGeom>
+              <a:solidFill>
+                <a:schemeClr val="bg1">
+                  <a:lumMod val="85000"/>
+                </a:schemeClr>
+              </a:solidFill>
+              <a:ln>
+                <a:noFill/>
+              </a:ln>
+            </p:spPr>
+            <p:style>
+              <a:lnRef idx="2">
+                <a:schemeClr val="accent1">
+                  <a:shade val="50000"/>
+                </a:schemeClr>
+              </a:lnRef>
+              <a:fillRef idx="1">
+                <a:schemeClr val="accent1"/>
+              </a:fillRef>
+              <a:effectRef idx="0">
+                <a:schemeClr val="accent1"/>
+              </a:effectRef>
+              <a:fontRef idx="minor">
+                <a:schemeClr val="lt1"/>
+              </a:fontRef>
+            </p:style>
+            <p:txBody>
+              <a:bodyPr rtlCol="0" anchor="ctr"/>
+              <a:lstStyle/>
+              <a:p>
+                <a:pPr algn="ctr"/>
+                <a:endParaRPr lang="en-GB" sz="2000"/>
+              </a:p>
+            </p:txBody>
+          </p:sp>
+          <p:sp>
+            <p:nvSpPr>
+              <p:cNvPr id="19" name="Rectangle 18">
+                <a:extLst>
+                  <a:ext uri="{FF2B5EF4-FFF2-40B4-BE49-F238E27FC236}">
+                    <a16:creationId xmlns:a16="http://schemas.microsoft.com/office/drawing/2014/main" id="{6C88E62B-7DA1-4EBC-9346-361BF1317942}"/>
+                  </a:ext>
+                </a:extLst>
+              </p:cNvPr>
+              <p:cNvSpPr/>
+              <p:nvPr/>
+            </p:nvSpPr>
+            <p:spPr>
+              <a:xfrm>
+                <a:off x="1644292" y="2628614"/>
+                <a:ext cx="800100" cy="795528"/>
+              </a:xfrm>
+              <a:prstGeom prst="rect">
+                <a:avLst/>
+              </a:prstGeom>
+              <a:solidFill>
+                <a:schemeClr val="bg1">
+                  <a:lumMod val="85000"/>
+                </a:schemeClr>
+              </a:solidFill>
+              <a:ln>
+                <a:noFill/>
+              </a:ln>
+            </p:spPr>
+            <p:style>
+              <a:lnRef idx="2">
+                <a:schemeClr val="accent1">
+                  <a:shade val="50000"/>
+                </a:schemeClr>
+              </a:lnRef>
+              <a:fillRef idx="1">
+                <a:schemeClr val="accent1"/>
+              </a:fillRef>
+              <a:effectRef idx="0">
+                <a:schemeClr val="accent1"/>
+              </a:effectRef>
+              <a:fontRef idx="minor">
+                <a:schemeClr val="lt1"/>
+              </a:fontRef>
+            </p:style>
+            <p:txBody>
+              <a:bodyPr rtlCol="0" anchor="ctr"/>
+              <a:lstStyle/>
+              <a:p>
+                <a:pPr algn="ctr"/>
+                <a:endParaRPr lang="en-GB" dirty="0"/>
+              </a:p>
+            </p:txBody>
+          </p:sp>
+          <p:sp>
+            <p:nvSpPr>
+              <p:cNvPr id="20" name="Rectangle 19">
+                <a:extLst>
+                  <a:ext uri="{FF2B5EF4-FFF2-40B4-BE49-F238E27FC236}">
+                    <a16:creationId xmlns:a16="http://schemas.microsoft.com/office/drawing/2014/main" id="{8A54825C-9964-4CBC-8353-8DD74ACCD22C}"/>
+                  </a:ext>
+                </a:extLst>
+              </p:cNvPr>
+              <p:cNvSpPr/>
+              <p:nvPr/>
+            </p:nvSpPr>
+            <p:spPr>
+              <a:xfrm>
+                <a:off x="1590962" y="2537895"/>
+                <a:ext cx="74095" cy="982289"/>
+              </a:xfrm>
+              <a:prstGeom prst="rect">
+                <a:avLst/>
+              </a:prstGeom>
+              <a:solidFill>
+                <a:schemeClr val="bg1">
+                  <a:lumMod val="85000"/>
+                </a:schemeClr>
+              </a:solidFill>
+              <a:ln>
+                <a:noFill/>
+              </a:ln>
+            </p:spPr>
+            <p:style>
+              <a:lnRef idx="2">
+                <a:schemeClr val="accent1">
+                  <a:shade val="50000"/>
+                </a:schemeClr>
+              </a:lnRef>
+              <a:fillRef idx="1">
+                <a:schemeClr val="accent1"/>
+              </a:fillRef>
+              <a:effectRef idx="0">
+                <a:schemeClr val="accent1"/>
+              </a:effectRef>
+              <a:fontRef idx="minor">
+                <a:schemeClr val="lt1"/>
+              </a:fontRef>
+            </p:style>
+            <p:txBody>
+              <a:bodyPr rtlCol="0" anchor="ctr"/>
+              <a:lstStyle/>
+              <a:p>
+                <a:pPr algn="ctr"/>
+                <a:endParaRPr lang="en-GB"/>
+              </a:p>
+            </p:txBody>
+          </p:sp>
+        </p:grpSp>
+        <p:cxnSp>
+          <p:nvCxnSpPr>
+            <p:cNvPr id="16" name="Straight Connector 15">
+              <a:extLst>
+                <a:ext uri="{FF2B5EF4-FFF2-40B4-BE49-F238E27FC236}">
+                  <a16:creationId xmlns:a16="http://schemas.microsoft.com/office/drawing/2014/main" id="{081261FB-01DF-415D-800E-1BD09F443764}"/>
+                </a:ext>
+              </a:extLst>
+            </p:cNvPr>
+            <p:cNvCxnSpPr/>
+            <p:nvPr/>
+          </p:nvCxnSpPr>
+          <p:spPr>
+            <a:xfrm>
+              <a:off x="662473" y="2867009"/>
+              <a:ext cx="953543" cy="0"/>
+            </a:xfrm>
+            <a:prstGeom prst="line">
+              <a:avLst/>
+            </a:prstGeom>
+            <a:ln w="31750">
+              <a:solidFill>
+                <a:schemeClr val="tx1"/>
+              </a:solidFill>
+            </a:ln>
+          </p:spPr>
+          <p:style>
+            <a:lnRef idx="1">
+              <a:schemeClr val="accent1"/>
+            </a:lnRef>
+            <a:fillRef idx="0">
+              <a:schemeClr val="accent1"/>
+            </a:fillRef>
+            <a:effectRef idx="0">
+              <a:schemeClr val="accent1"/>
+            </a:effectRef>
+            <a:fontRef idx="minor">
+              <a:schemeClr val="tx1"/>
+            </a:fontRef>
+          </p:style>
+        </p:cxnSp>
+        <p:cxnSp>
+          <p:nvCxnSpPr>
+            <p:cNvPr id="17" name="Straight Connector 16">
+              <a:extLst>
+                <a:ext uri="{FF2B5EF4-FFF2-40B4-BE49-F238E27FC236}">
+                  <a16:creationId xmlns:a16="http://schemas.microsoft.com/office/drawing/2014/main" id="{43AEE6A9-39F1-4742-B353-8748B5FCD9CA}"/>
+                </a:ext>
+              </a:extLst>
+            </p:cNvPr>
+            <p:cNvCxnSpPr>
+              <a:cxnSpLocks/>
+            </p:cNvCxnSpPr>
+            <p:nvPr/>
+          </p:nvCxnSpPr>
+          <p:spPr>
+            <a:xfrm>
+              <a:off x="401216" y="3122046"/>
+              <a:ext cx="1214799" cy="0"/>
+            </a:xfrm>
+            <a:prstGeom prst="line">
+              <a:avLst/>
+            </a:prstGeom>
+            <a:ln w="31750">
+              <a:solidFill>
+                <a:schemeClr val="tx1"/>
+              </a:solidFill>
+            </a:ln>
+          </p:spPr>
+          <p:style>
+            <a:lnRef idx="1">
+              <a:schemeClr val="accent1"/>
+            </a:lnRef>
+            <a:fillRef idx="0">
+              <a:schemeClr val="accent1"/>
+            </a:fillRef>
+            <a:effectRef idx="0">
+              <a:schemeClr val="accent1"/>
+            </a:effectRef>
+            <a:fontRef idx="minor">
+              <a:schemeClr val="tx1"/>
+            </a:fontRef>
+          </p:style>
+        </p:cxnSp>
+      </p:grpSp>
+      <p:grpSp>
+        <p:nvGrpSpPr>
+          <p:cNvPr id="21" name="Group 20">
+            <a:extLst>
+              <a:ext uri="{FF2B5EF4-FFF2-40B4-BE49-F238E27FC236}">
+                <a16:creationId xmlns:a16="http://schemas.microsoft.com/office/drawing/2014/main" id="{BC3D4B6D-E877-4CAC-B0E0-64FD59F57196}"/>
+              </a:ext>
+            </a:extLst>
+          </p:cNvPr>
+          <p:cNvGrpSpPr/>
+          <p:nvPr/>
+        </p:nvGrpSpPr>
+        <p:grpSpPr>
+          <a:xfrm rot="16200000">
+            <a:off x="4861880" y="5034095"/>
+            <a:ext cx="2468240" cy="982289"/>
+            <a:chOff x="401216" y="2528564"/>
+            <a:chExt cx="2468240" cy="982289"/>
+          </a:xfrm>
+        </p:grpSpPr>
+        <p:grpSp>
+          <p:nvGrpSpPr>
+            <p:cNvPr id="22" name="Group 21">
+              <a:extLst>
+                <a:ext uri="{FF2B5EF4-FFF2-40B4-BE49-F238E27FC236}">
+                  <a16:creationId xmlns:a16="http://schemas.microsoft.com/office/drawing/2014/main" id="{24B62DAB-3E3B-4CAB-A47F-8629601EE213}"/>
+                </a:ext>
+              </a:extLst>
+            </p:cNvPr>
+            <p:cNvGrpSpPr/>
+            <p:nvPr/>
+          </p:nvGrpSpPr>
+          <p:grpSpPr>
+            <a:xfrm>
+              <a:off x="1616016" y="2528564"/>
+              <a:ext cx="1253440" cy="982289"/>
+              <a:chOff x="1590962" y="2537895"/>
+              <a:chExt cx="1253440" cy="982289"/>
+            </a:xfrm>
+          </p:grpSpPr>
+          <p:sp>
+            <p:nvSpPr>
+              <p:cNvPr id="25" name="Flowchart: Connector 24">
+                <a:extLst>
+                  <a:ext uri="{FF2B5EF4-FFF2-40B4-BE49-F238E27FC236}">
+                    <a16:creationId xmlns:a16="http://schemas.microsoft.com/office/drawing/2014/main" id="{80EAA912-10B2-4E83-813A-8373886EDFB5}"/>
+                  </a:ext>
+                </a:extLst>
+              </p:cNvPr>
+              <p:cNvSpPr>
+                <a:spLocks noChangeAspect="1"/>
+              </p:cNvSpPr>
+              <p:nvPr/>
+            </p:nvSpPr>
+            <p:spPr>
+              <a:xfrm>
+                <a:off x="2070978" y="2628617"/>
+                <a:ext cx="773424" cy="773424"/>
+              </a:xfrm>
+              <a:prstGeom prst="flowChartConnector">
+                <a:avLst/>
+              </a:prstGeom>
+              <a:solidFill>
+                <a:schemeClr val="bg1">
+                  <a:lumMod val="85000"/>
+                </a:schemeClr>
+              </a:solidFill>
+              <a:ln>
+                <a:noFill/>
+              </a:ln>
+            </p:spPr>
+            <p:style>
+              <a:lnRef idx="2">
+                <a:schemeClr val="accent1">
+                  <a:shade val="50000"/>
+                </a:schemeClr>
+              </a:lnRef>
+              <a:fillRef idx="1">
+                <a:schemeClr val="accent1"/>
+              </a:fillRef>
+              <a:effectRef idx="0">
+                <a:schemeClr val="accent1"/>
+              </a:effectRef>
+              <a:fontRef idx="minor">
+                <a:schemeClr val="lt1"/>
+              </a:fontRef>
+            </p:style>
+            <p:txBody>
+              <a:bodyPr rtlCol="0" anchor="ctr"/>
+              <a:lstStyle/>
+              <a:p>
+                <a:pPr algn="ctr"/>
+                <a:endParaRPr lang="en-GB" sz="2000"/>
+              </a:p>
+            </p:txBody>
+          </p:sp>
+          <p:sp>
+            <p:nvSpPr>
+              <p:cNvPr id="26" name="Rectangle 25">
+                <a:extLst>
+                  <a:ext uri="{FF2B5EF4-FFF2-40B4-BE49-F238E27FC236}">
+                    <a16:creationId xmlns:a16="http://schemas.microsoft.com/office/drawing/2014/main" id="{7E3BE99D-E1DB-4650-930F-E95015ECE0A5}"/>
+                  </a:ext>
+                </a:extLst>
+              </p:cNvPr>
+              <p:cNvSpPr/>
+              <p:nvPr/>
+            </p:nvSpPr>
+            <p:spPr>
+              <a:xfrm>
+                <a:off x="1644292" y="2628614"/>
+                <a:ext cx="800100" cy="795528"/>
+              </a:xfrm>
+              <a:prstGeom prst="rect">
+                <a:avLst/>
+              </a:prstGeom>
+              <a:solidFill>
+                <a:schemeClr val="bg1">
+                  <a:lumMod val="85000"/>
+                </a:schemeClr>
+              </a:solidFill>
+              <a:ln>
+                <a:noFill/>
+              </a:ln>
+            </p:spPr>
+            <p:style>
+              <a:lnRef idx="2">
+                <a:schemeClr val="accent1">
+                  <a:shade val="50000"/>
+                </a:schemeClr>
+              </a:lnRef>
+              <a:fillRef idx="1">
+                <a:schemeClr val="accent1"/>
+              </a:fillRef>
+              <a:effectRef idx="0">
+                <a:schemeClr val="accent1"/>
+              </a:effectRef>
+              <a:fontRef idx="minor">
+                <a:schemeClr val="lt1"/>
+              </a:fontRef>
+            </p:style>
+            <p:txBody>
+              <a:bodyPr rtlCol="0" anchor="ctr"/>
+              <a:lstStyle/>
+              <a:p>
+                <a:pPr algn="ctr"/>
+                <a:endParaRPr lang="en-GB" dirty="0"/>
+              </a:p>
+            </p:txBody>
+          </p:sp>
+          <p:sp>
+            <p:nvSpPr>
+              <p:cNvPr id="27" name="Rectangle 26">
+                <a:extLst>
+                  <a:ext uri="{FF2B5EF4-FFF2-40B4-BE49-F238E27FC236}">
+                    <a16:creationId xmlns:a16="http://schemas.microsoft.com/office/drawing/2014/main" id="{1C6C81D2-E41B-4308-8FF6-B4BDB2A03E7E}"/>
+                  </a:ext>
+                </a:extLst>
+              </p:cNvPr>
+              <p:cNvSpPr/>
+              <p:nvPr/>
+            </p:nvSpPr>
+            <p:spPr>
+              <a:xfrm>
+                <a:off x="1590962" y="2537895"/>
+                <a:ext cx="74095" cy="982289"/>
+              </a:xfrm>
+              <a:prstGeom prst="rect">
+                <a:avLst/>
+              </a:prstGeom>
+              <a:solidFill>
+                <a:schemeClr val="bg1">
+                  <a:lumMod val="85000"/>
+                </a:schemeClr>
+              </a:solidFill>
+              <a:ln>
+                <a:noFill/>
+              </a:ln>
+            </p:spPr>
+            <p:style>
+              <a:lnRef idx="2">
+                <a:schemeClr val="accent1">
+                  <a:shade val="50000"/>
+                </a:schemeClr>
+              </a:lnRef>
+              <a:fillRef idx="1">
+                <a:schemeClr val="accent1"/>
+              </a:fillRef>
+              <a:effectRef idx="0">
+                <a:schemeClr val="accent1"/>
+              </a:effectRef>
+              <a:fontRef idx="minor">
+                <a:schemeClr val="lt1"/>
+              </a:fontRef>
+            </p:style>
+            <p:txBody>
+              <a:bodyPr rtlCol="0" anchor="ctr"/>
+              <a:lstStyle/>
+              <a:p>
+                <a:pPr algn="ctr"/>
+                <a:endParaRPr lang="en-GB"/>
+              </a:p>
+            </p:txBody>
+          </p:sp>
+        </p:grpSp>
+        <p:cxnSp>
+          <p:nvCxnSpPr>
+            <p:cNvPr id="23" name="Straight Connector 22">
+              <a:extLst>
+                <a:ext uri="{FF2B5EF4-FFF2-40B4-BE49-F238E27FC236}">
+                  <a16:creationId xmlns:a16="http://schemas.microsoft.com/office/drawing/2014/main" id="{79648CA4-8805-45A9-9F9E-6B91C549E99E}"/>
+                </a:ext>
+              </a:extLst>
+            </p:cNvPr>
+            <p:cNvCxnSpPr/>
+            <p:nvPr/>
+          </p:nvCxnSpPr>
+          <p:spPr>
+            <a:xfrm>
+              <a:off x="662473" y="2867009"/>
+              <a:ext cx="953543" cy="0"/>
+            </a:xfrm>
+            <a:prstGeom prst="line">
+              <a:avLst/>
+            </a:prstGeom>
+            <a:ln w="31750">
+              <a:solidFill>
+                <a:schemeClr val="tx1"/>
+              </a:solidFill>
+            </a:ln>
+          </p:spPr>
+          <p:style>
+            <a:lnRef idx="1">
+              <a:schemeClr val="accent1"/>
+            </a:lnRef>
+            <a:fillRef idx="0">
+              <a:schemeClr val="accent1"/>
+            </a:fillRef>
+            <a:effectRef idx="0">
+              <a:schemeClr val="accent1"/>
+            </a:effectRef>
+            <a:fontRef idx="minor">
+              <a:schemeClr val="tx1"/>
+            </a:fontRef>
+          </p:style>
+        </p:cxnSp>
+        <p:cxnSp>
+          <p:nvCxnSpPr>
+            <p:cNvPr id="24" name="Straight Connector 23">
+              <a:extLst>
+                <a:ext uri="{FF2B5EF4-FFF2-40B4-BE49-F238E27FC236}">
+                  <a16:creationId xmlns:a16="http://schemas.microsoft.com/office/drawing/2014/main" id="{D0DBDE8B-463A-4730-AD1E-166E15775B9B}"/>
+                </a:ext>
+              </a:extLst>
+            </p:cNvPr>
+            <p:cNvCxnSpPr>
+              <a:cxnSpLocks/>
+            </p:cNvCxnSpPr>
+            <p:nvPr/>
+          </p:nvCxnSpPr>
+          <p:spPr>
+            <a:xfrm>
+              <a:off x="401216" y="3122046"/>
+              <a:ext cx="1214799" cy="0"/>
+            </a:xfrm>
+            <a:prstGeom prst="line">
+              <a:avLst/>
+            </a:prstGeom>
+            <a:ln w="31750">
+              <a:solidFill>
+                <a:schemeClr val="tx1"/>
+              </a:solidFill>
+            </a:ln>
+          </p:spPr>
+          <p:style>
+            <a:lnRef idx="1">
+              <a:schemeClr val="accent1"/>
+            </a:lnRef>
+            <a:fillRef idx="0">
+              <a:schemeClr val="accent1"/>
+            </a:fillRef>
+            <a:effectRef idx="0">
+              <a:schemeClr val="accent1"/>
+            </a:effectRef>
+            <a:fontRef idx="minor">
+              <a:schemeClr val="tx1"/>
+            </a:fontRef>
+          </p:style>
+        </p:cxnSp>
+      </p:grpSp>
+      <p:sp>
+        <p:nvSpPr>
+          <p:cNvPr id="28" name="Arrow: Right 27">
+            <a:extLst>
+              <a:ext uri="{FF2B5EF4-FFF2-40B4-BE49-F238E27FC236}">
+                <a16:creationId xmlns:a16="http://schemas.microsoft.com/office/drawing/2014/main" id="{05B650BD-9410-46B8-B3BC-7C52A20E9D66}"/>
+              </a:ext>
+            </a:extLst>
+          </p:cNvPr>
+          <p:cNvSpPr>
+            <a:spLocks noChangeAspect="1"/>
+          </p:cNvSpPr>
+          <p:nvPr/>
+        </p:nvSpPr>
+        <p:spPr>
+          <a:xfrm>
+            <a:off x="3304743" y="773659"/>
+            <a:ext cx="2122942" cy="1239572"/>
+          </a:xfrm>
+          <a:prstGeom prst="rightArrow">
+            <a:avLst/>
+          </a:prstGeom>
+          <a:solidFill>
+            <a:schemeClr val="bg1">
+              <a:lumMod val="65000"/>
+            </a:schemeClr>
+          </a:solidFill>
+          <a:ln>
+            <a:noFill/>
+          </a:ln>
+        </p:spPr>
+        <p:style>
+          <a:lnRef idx="2">
+            <a:schemeClr val="accent1">
+              <a:shade val="50000"/>
+            </a:schemeClr>
+          </a:lnRef>
+          <a:fillRef idx="1">
+            <a:schemeClr val="accent1"/>
+          </a:fillRef>
+          <a:effectRef idx="0">
+            <a:schemeClr val="accent1"/>
+          </a:effectRef>
+          <a:fontRef idx="minor">
+            <a:schemeClr val="lt1"/>
+          </a:fontRef>
+        </p:style>
+        <p:txBody>
+          <a:bodyPr rtlCol="0" anchor="ctr"/>
+          <a:lstStyle/>
+          <a:p>
+            <a:pPr algn="ctr"/>
+            <a:endParaRPr lang="en-GB"/>
+          </a:p>
+        </p:txBody>
+      </p:sp>
+      <p:sp>
+        <p:nvSpPr>
+          <p:cNvPr id="29" name="Arrow: Right 28">
+            <a:extLst>
+              <a:ext uri="{FF2B5EF4-FFF2-40B4-BE49-F238E27FC236}">
+                <a16:creationId xmlns:a16="http://schemas.microsoft.com/office/drawing/2014/main" id="{1396E35A-B169-486B-B063-6BA677A60A85}"/>
+              </a:ext>
+            </a:extLst>
+          </p:cNvPr>
+          <p:cNvSpPr>
+            <a:spLocks noChangeAspect="1"/>
+          </p:cNvSpPr>
+          <p:nvPr/>
+        </p:nvSpPr>
+        <p:spPr>
+          <a:xfrm rot="16200000">
+            <a:off x="5077072" y="2496270"/>
+            <a:ext cx="2045831" cy="1194548"/>
+          </a:xfrm>
+          <a:prstGeom prst="rightArrow">
+            <a:avLst/>
+          </a:prstGeom>
+          <a:solidFill>
+            <a:schemeClr val="bg1">
+              <a:lumMod val="65000"/>
+            </a:schemeClr>
+          </a:solidFill>
+          <a:ln w="50800">
+            <a:solidFill>
+              <a:schemeClr val="tx1"/>
+            </a:solidFill>
+          </a:ln>
+        </p:spPr>
+        <p:style>
+          <a:lnRef idx="2">
+            <a:schemeClr val="accent1">
+              <a:shade val="50000"/>
+            </a:schemeClr>
+          </a:lnRef>
+          <a:fillRef idx="1">
+            <a:schemeClr val="accent1"/>
+          </a:fillRef>
+          <a:effectRef idx="0">
+            <a:schemeClr val="accent1"/>
+          </a:effectRef>
+          <a:fontRef idx="minor">
+            <a:schemeClr val="lt1"/>
+          </a:fontRef>
+        </p:style>
+        <p:txBody>
+          <a:bodyPr rtlCol="0" anchor="ctr"/>
+          <a:lstStyle/>
+          <a:p>
+            <a:pPr algn="ctr"/>
+            <a:endParaRPr lang="en-GB"/>
+          </a:p>
+        </p:txBody>
+      </p:sp>
+      <p:sp>
+        <p:nvSpPr>
+          <p:cNvPr id="30" name="Arrow: Right 29">
+            <a:extLst>
+              <a:ext uri="{FF2B5EF4-FFF2-40B4-BE49-F238E27FC236}">
+                <a16:creationId xmlns:a16="http://schemas.microsoft.com/office/drawing/2014/main" id="{42FEB97C-FB31-4891-9852-63FCB0B6BA97}"/>
+              </a:ext>
+            </a:extLst>
+          </p:cNvPr>
+          <p:cNvSpPr>
+            <a:spLocks/>
+          </p:cNvSpPr>
+          <p:nvPr/>
+        </p:nvSpPr>
+        <p:spPr>
+          <a:xfrm>
+            <a:off x="6792451" y="759594"/>
+            <a:ext cx="2122942" cy="491145"/>
+          </a:xfrm>
+          <a:prstGeom prst="rightArrow">
+            <a:avLst/>
+          </a:prstGeom>
+          <a:solidFill>
+            <a:schemeClr val="bg1">
+              <a:lumMod val="65000"/>
+            </a:schemeClr>
+          </a:solidFill>
+          <a:ln w="50800">
+            <a:solidFill>
+              <a:schemeClr val="bg1">
+                <a:lumMod val="65000"/>
+              </a:schemeClr>
+            </a:solidFill>
+          </a:ln>
+        </p:spPr>
+        <p:style>
+          <a:lnRef idx="2">
+            <a:schemeClr val="accent1">
+              <a:shade val="50000"/>
+            </a:schemeClr>
+          </a:lnRef>
+          <a:fillRef idx="1">
+            <a:schemeClr val="accent1"/>
+          </a:fillRef>
+          <a:effectRef idx="0">
+            <a:schemeClr val="accent1"/>
+          </a:effectRef>
+          <a:fontRef idx="minor">
+            <a:schemeClr val="lt1"/>
+          </a:fontRef>
+        </p:style>
+        <p:txBody>
+          <a:bodyPr rtlCol="0" anchor="ctr"/>
+          <a:lstStyle/>
+          <a:p>
+            <a:pPr algn="ctr"/>
+            <a:endParaRPr lang="en-GB"/>
+          </a:p>
+        </p:txBody>
+      </p:sp>
+      <p:grpSp>
+        <p:nvGrpSpPr>
+          <p:cNvPr id="31" name="Group 30">
+            <a:extLst>
+              <a:ext uri="{FF2B5EF4-FFF2-40B4-BE49-F238E27FC236}">
+                <a16:creationId xmlns:a16="http://schemas.microsoft.com/office/drawing/2014/main" id="{BE74F59C-CF7F-46C0-90C3-82BC6A4D5FB8}"/>
+              </a:ext>
+            </a:extLst>
+          </p:cNvPr>
+          <p:cNvGrpSpPr/>
+          <p:nvPr/>
+        </p:nvGrpSpPr>
+        <p:grpSpPr>
+          <a:xfrm>
+            <a:off x="9366100" y="599103"/>
+            <a:ext cx="220897" cy="1620685"/>
+            <a:chOff x="9375896" y="2238293"/>
+            <a:chExt cx="220897" cy="1620685"/>
+          </a:xfrm>
+        </p:grpSpPr>
+        <p:sp>
+          <p:nvSpPr>
+            <p:cNvPr id="32" name="Rectangle 31">
+              <a:extLst>
+                <a:ext uri="{FF2B5EF4-FFF2-40B4-BE49-F238E27FC236}">
+                  <a16:creationId xmlns:a16="http://schemas.microsoft.com/office/drawing/2014/main" id="{72F4A8BB-C948-4F0B-A10F-5CDD1F6BBBB3}"/>
+                </a:ext>
+              </a:extLst>
+            </p:cNvPr>
+            <p:cNvSpPr/>
+            <p:nvPr/>
+          </p:nvSpPr>
+          <p:spPr>
+            <a:xfrm>
+              <a:off x="9434868" y="2238293"/>
+              <a:ext cx="161925" cy="1620685"/>
+            </a:xfrm>
+            <a:prstGeom prst="rect">
+              <a:avLst/>
+            </a:prstGeom>
+            <a:solidFill>
+              <a:schemeClr val="accent1">
+                <a:lumMod val="75000"/>
+              </a:schemeClr>
+            </a:solidFill>
+            <a:ln>
+              <a:solidFill>
+                <a:schemeClr val="accent1">
+                  <a:lumMod val="75000"/>
+                </a:schemeClr>
+              </a:solidFill>
+            </a:ln>
+          </p:spPr>
+          <p:style>
+            <a:lnRef idx="2">
+              <a:schemeClr val="accent1">
+                <a:shade val="50000"/>
+              </a:schemeClr>
+            </a:lnRef>
+            <a:fillRef idx="1">
+              <a:schemeClr val="accent1"/>
+            </a:fillRef>
+            <a:effectRef idx="0">
+              <a:schemeClr val="accent1"/>
+            </a:effectRef>
+            <a:fontRef idx="minor">
+              <a:schemeClr val="lt1"/>
+            </a:fontRef>
+          </p:style>
+          <p:txBody>
+            <a:bodyPr rtlCol="0" anchor="ctr"/>
+            <a:lstStyle/>
+            <a:p>
+              <a:pPr algn="ctr"/>
+              <a:endParaRPr lang="en-GB"/>
+            </a:p>
+          </p:txBody>
+        </p:sp>
+        <p:sp>
+          <p:nvSpPr>
+            <p:cNvPr id="33" name="Rectangle 32">
+              <a:extLst>
+                <a:ext uri="{FF2B5EF4-FFF2-40B4-BE49-F238E27FC236}">
+                  <a16:creationId xmlns:a16="http://schemas.microsoft.com/office/drawing/2014/main" id="{6FFCB312-FF60-4CB9-BD6E-595AB244844B}"/>
+                </a:ext>
+              </a:extLst>
+            </p:cNvPr>
+            <p:cNvSpPr/>
+            <p:nvPr/>
+          </p:nvSpPr>
+          <p:spPr>
+            <a:xfrm>
+              <a:off x="9375896" y="2783571"/>
+              <a:ext cx="72250" cy="472276"/>
+            </a:xfrm>
+            <a:prstGeom prst="rect">
+              <a:avLst/>
+            </a:prstGeom>
+            <a:solidFill>
+              <a:schemeClr val="accent1">
+                <a:lumMod val="75000"/>
+              </a:schemeClr>
+            </a:solidFill>
+            <a:ln>
+              <a:solidFill>
+                <a:schemeClr val="accent1">
+                  <a:lumMod val="75000"/>
+                </a:schemeClr>
+              </a:solidFill>
+            </a:ln>
+          </p:spPr>
+          <p:style>
+            <a:lnRef idx="2">
+              <a:schemeClr val="accent1">
+                <a:shade val="50000"/>
+              </a:schemeClr>
+            </a:lnRef>
+            <a:fillRef idx="1">
+              <a:schemeClr val="accent1"/>
+            </a:fillRef>
+            <a:effectRef idx="0">
+              <a:schemeClr val="accent1"/>
+            </a:effectRef>
+            <a:fontRef idx="minor">
+              <a:schemeClr val="lt1"/>
+            </a:fontRef>
+          </p:style>
+          <p:txBody>
+            <a:bodyPr rtlCol="0" anchor="ctr"/>
+            <a:lstStyle/>
+            <a:p>
+              <a:pPr algn="ctr"/>
+              <a:endParaRPr lang="en-GB"/>
+            </a:p>
+          </p:txBody>
+        </p:sp>
+      </p:grpSp>
+      <p:grpSp>
+        <p:nvGrpSpPr>
+          <p:cNvPr id="34" name="Group 33">
+            <a:extLst>
+              <a:ext uri="{FF2B5EF4-FFF2-40B4-BE49-F238E27FC236}">
+                <a16:creationId xmlns:a16="http://schemas.microsoft.com/office/drawing/2014/main" id="{12DD13D6-3404-40ED-A87A-BA4AD0D924A0}"/>
+              </a:ext>
+            </a:extLst>
+          </p:cNvPr>
+          <p:cNvGrpSpPr/>
+          <p:nvPr/>
+        </p:nvGrpSpPr>
+        <p:grpSpPr>
+          <a:xfrm>
+            <a:off x="10043518" y="903677"/>
+            <a:ext cx="1682380" cy="983574"/>
+            <a:chOff x="10090959" y="2553620"/>
+            <a:chExt cx="1682380" cy="983574"/>
+          </a:xfrm>
+        </p:grpSpPr>
+        <p:sp>
+          <p:nvSpPr>
+            <p:cNvPr id="35" name="Rectangle: Rounded Corners 34">
+              <a:extLst>
+                <a:ext uri="{FF2B5EF4-FFF2-40B4-BE49-F238E27FC236}">
+                  <a16:creationId xmlns:a16="http://schemas.microsoft.com/office/drawing/2014/main" id="{10BB3B0F-6876-44DB-95FE-CC6187B4385C}"/>
+                </a:ext>
+              </a:extLst>
+            </p:cNvPr>
+            <p:cNvSpPr/>
+            <p:nvPr/>
+          </p:nvSpPr>
+          <p:spPr>
+            <a:xfrm>
+              <a:off x="10091672" y="2553620"/>
+              <a:ext cx="1506276" cy="983574"/>
+            </a:xfrm>
+            <a:prstGeom prst="roundRect">
+              <a:avLst/>
+            </a:prstGeom>
+            <a:solidFill>
+              <a:schemeClr val="accent2">
+                <a:lumMod val="20000"/>
+                <a:lumOff val="80000"/>
+              </a:schemeClr>
+            </a:solidFill>
+            <a:ln w="47625">
+              <a:solidFill>
+                <a:schemeClr val="accent2">
+                  <a:lumMod val="75000"/>
+                </a:schemeClr>
+              </a:solidFill>
+            </a:ln>
+          </p:spPr>
+          <p:style>
+            <a:lnRef idx="2">
+              <a:schemeClr val="accent1">
+                <a:shade val="50000"/>
+              </a:schemeClr>
+            </a:lnRef>
+            <a:fillRef idx="1">
+              <a:schemeClr val="accent1"/>
+            </a:fillRef>
+            <a:effectRef idx="0">
+              <a:schemeClr val="accent1"/>
+            </a:effectRef>
+            <a:fontRef idx="minor">
+              <a:schemeClr val="lt1"/>
+            </a:fontRef>
+          </p:style>
+          <p:txBody>
+            <a:bodyPr rtlCol="0" anchor="ctr"/>
+            <a:lstStyle/>
+            <a:p>
+              <a:pPr algn="ctr"/>
+              <a:endParaRPr lang="en-GB"/>
+            </a:p>
+          </p:txBody>
+        </p:sp>
+        <p:sp>
+          <p:nvSpPr>
+            <p:cNvPr id="36" name="TextBox 35">
+              <a:extLst>
+                <a:ext uri="{FF2B5EF4-FFF2-40B4-BE49-F238E27FC236}">
+                  <a16:creationId xmlns:a16="http://schemas.microsoft.com/office/drawing/2014/main" id="{F03D8D61-7C84-4C31-8DEE-53E805E64BF1}"/>
+                </a:ext>
+              </a:extLst>
+            </p:cNvPr>
+            <p:cNvSpPr txBox="1"/>
+            <p:nvPr/>
+          </p:nvSpPr>
+          <p:spPr>
+            <a:xfrm>
+              <a:off x="10090959" y="2753019"/>
+              <a:ext cx="1682380" cy="584775"/>
+            </a:xfrm>
+            <a:prstGeom prst="rect">
+              <a:avLst/>
+            </a:prstGeom>
+            <a:noFill/>
+          </p:spPr>
+          <p:txBody>
+            <a:bodyPr wrap="square" rtlCol="0">
+              <a:spAutoFit/>
+            </a:bodyPr>
+            <a:lstStyle/>
+            <a:p>
+              <a:r>
+                <a:rPr lang="en-GB" sz="3200" b="1" dirty="0">
+                  <a:cs typeface="Aparajita" panose="020B0502040204020203" pitchFamily="18" charset="0"/>
+                </a:rPr>
+                <a:t>1.25678</a:t>
+              </a:r>
+            </a:p>
+          </p:txBody>
+        </p:sp>
+      </p:grpSp>
+      <p:sp>
+        <p:nvSpPr>
+          <p:cNvPr id="37" name="Arrow: Right 36">
+            <a:extLst>
+              <a:ext uri="{FF2B5EF4-FFF2-40B4-BE49-F238E27FC236}">
+                <a16:creationId xmlns:a16="http://schemas.microsoft.com/office/drawing/2014/main" id="{BF6E9965-22B0-4740-AB68-8252EC61191C}"/>
+              </a:ext>
+            </a:extLst>
+          </p:cNvPr>
+          <p:cNvSpPr>
+            <a:spLocks/>
+          </p:cNvSpPr>
+          <p:nvPr/>
+        </p:nvSpPr>
+        <p:spPr>
+          <a:xfrm>
+            <a:off x="6792451" y="1477496"/>
+            <a:ext cx="2122942" cy="491145"/>
+          </a:xfrm>
+          <a:prstGeom prst="rightArrow">
+            <a:avLst/>
+          </a:prstGeom>
+          <a:solidFill>
+            <a:schemeClr val="bg1">
+              <a:lumMod val="65000"/>
+            </a:schemeClr>
+          </a:solidFill>
+          <a:ln w="50800">
+            <a:solidFill>
+              <a:schemeClr val="tx1"/>
+            </a:solidFill>
+          </a:ln>
+        </p:spPr>
+        <p:style>
+          <a:lnRef idx="2">
+            <a:schemeClr val="accent1">
+              <a:shade val="50000"/>
+            </a:schemeClr>
+          </a:lnRef>
+          <a:fillRef idx="1">
+            <a:schemeClr val="accent1"/>
+          </a:fillRef>
+          <a:effectRef idx="0">
+            <a:schemeClr val="accent1"/>
+          </a:effectRef>
+          <a:fontRef idx="minor">
+            <a:schemeClr val="lt1"/>
+          </a:fontRef>
+        </p:style>
+        <p:txBody>
+          <a:bodyPr rtlCol="0" anchor="ctr"/>
+          <a:lstStyle/>
+          <a:p>
+            <a:pPr algn="ctr"/>
+            <a:endParaRPr lang="en-GB"/>
+          </a:p>
+        </p:txBody>
+      </p:sp>
+      <p:sp>
+        <p:nvSpPr>
+          <p:cNvPr id="38" name="TextBox 37">
+            <a:extLst>
+              <a:ext uri="{FF2B5EF4-FFF2-40B4-BE49-F238E27FC236}">
+                <a16:creationId xmlns:a16="http://schemas.microsoft.com/office/drawing/2014/main" id="{313D5DDC-AA37-4428-AD44-780768581F89}"/>
+              </a:ext>
+            </a:extLst>
+          </p:cNvPr>
+          <p:cNvSpPr txBox="1"/>
+          <p:nvPr/>
+        </p:nvSpPr>
+        <p:spPr>
+          <a:xfrm>
+            <a:off x="3805838" y="1208779"/>
+            <a:ext cx="667170" cy="369332"/>
+          </a:xfrm>
+          <a:prstGeom prst="rect">
+            <a:avLst/>
+          </a:prstGeom>
+          <a:noFill/>
+        </p:spPr>
+        <p:txBody>
+          <a:bodyPr wrap="none" rtlCol="0">
+            <a:spAutoFit/>
+          </a:bodyPr>
+          <a:lstStyle/>
+          <a:p>
+            <a:r>
+              <a:rPr lang="en-GB" dirty="0"/>
+              <a:t>180 </a:t>
+            </a:r>
+            <a:r>
+              <a:rPr lang="en-GB" baseline="30000" dirty="0"/>
+              <a:t>0</a:t>
+            </a:r>
+          </a:p>
+        </p:txBody>
+      </p:sp>
+      <p:sp>
+        <p:nvSpPr>
+          <p:cNvPr id="39" name="TextBox 38">
+            <a:extLst>
+              <a:ext uri="{FF2B5EF4-FFF2-40B4-BE49-F238E27FC236}">
+                <a16:creationId xmlns:a16="http://schemas.microsoft.com/office/drawing/2014/main" id="{08D4178B-0C39-4306-BD67-74EDE21311A9}"/>
+              </a:ext>
+            </a:extLst>
+          </p:cNvPr>
+          <p:cNvSpPr txBox="1"/>
+          <p:nvPr/>
+        </p:nvSpPr>
+        <p:spPr>
+          <a:xfrm rot="16200000">
+            <a:off x="5824912" y="3017310"/>
+            <a:ext cx="550151" cy="369332"/>
+          </a:xfrm>
+          <a:prstGeom prst="rect">
+            <a:avLst/>
+          </a:prstGeom>
+          <a:noFill/>
+        </p:spPr>
+        <p:txBody>
+          <a:bodyPr wrap="none" rtlCol="0">
+            <a:spAutoFit/>
+          </a:bodyPr>
+          <a:lstStyle/>
+          <a:p>
+            <a:r>
+              <a:rPr lang="en-GB" dirty="0"/>
+              <a:t>90 </a:t>
+            </a:r>
+            <a:r>
+              <a:rPr lang="en-GB" baseline="30000" dirty="0"/>
+              <a:t>0</a:t>
+            </a:r>
+          </a:p>
+        </p:txBody>
+      </p:sp>
+      <p:sp>
+        <p:nvSpPr>
+          <p:cNvPr id="40" name="TextBox 39">
+            <a:extLst>
+              <a:ext uri="{FF2B5EF4-FFF2-40B4-BE49-F238E27FC236}">
+                <a16:creationId xmlns:a16="http://schemas.microsoft.com/office/drawing/2014/main" id="{2F9FD8A6-2BFC-4965-B269-D58118420A1B}"/>
+              </a:ext>
+            </a:extLst>
+          </p:cNvPr>
+          <p:cNvSpPr txBox="1"/>
+          <p:nvPr/>
+        </p:nvSpPr>
+        <p:spPr>
+          <a:xfrm>
+            <a:off x="3805838" y="2194198"/>
+            <a:ext cx="1282723" cy="369332"/>
+          </a:xfrm>
+          <a:prstGeom prst="rect">
+            <a:avLst/>
+          </a:prstGeom>
+          <a:noFill/>
+        </p:spPr>
+        <p:txBody>
+          <a:bodyPr wrap="none" rtlCol="0">
+            <a:spAutoFit/>
+          </a:bodyPr>
+          <a:lstStyle/>
+          <a:p>
+            <a:r>
+              <a:rPr lang="en-GB" dirty="0"/>
+              <a:t>Beam angle</a:t>
+            </a:r>
+          </a:p>
+        </p:txBody>
+      </p:sp>
+      <p:sp>
+        <p:nvSpPr>
+          <p:cNvPr id="42" name="TextBox 41">
+            <a:extLst>
+              <a:ext uri="{FF2B5EF4-FFF2-40B4-BE49-F238E27FC236}">
+                <a16:creationId xmlns:a16="http://schemas.microsoft.com/office/drawing/2014/main" id="{B722AEAE-658C-4736-99A4-B934546E0207}"/>
+              </a:ext>
+            </a:extLst>
+          </p:cNvPr>
+          <p:cNvSpPr txBox="1"/>
+          <p:nvPr/>
+        </p:nvSpPr>
+        <p:spPr>
+          <a:xfrm>
+            <a:off x="3805838" y="134428"/>
+            <a:ext cx="3130985" cy="646331"/>
+          </a:xfrm>
+          <a:prstGeom prst="rect">
+            <a:avLst/>
+          </a:prstGeom>
+          <a:noFill/>
+        </p:spPr>
+        <p:txBody>
+          <a:bodyPr wrap="none" rtlCol="0">
+            <a:spAutoFit/>
+          </a:bodyPr>
+          <a:lstStyle/>
+          <a:p>
+            <a:r>
+              <a:rPr lang="en-GB" dirty="0"/>
+              <a:t>Absorbance</a:t>
+            </a:r>
+          </a:p>
+          <a:p>
+            <a:r>
+              <a:rPr lang="en-GB" dirty="0"/>
+              <a:t>Transmitted light measurement</a:t>
+            </a:r>
+          </a:p>
+        </p:txBody>
+      </p:sp>
+      <p:sp>
+        <p:nvSpPr>
+          <p:cNvPr id="43" name="TextBox 42">
+            <a:extLst>
+              <a:ext uri="{FF2B5EF4-FFF2-40B4-BE49-F238E27FC236}">
+                <a16:creationId xmlns:a16="http://schemas.microsoft.com/office/drawing/2014/main" id="{9EF5E67D-1615-495D-9E7A-A36A12BEEE0A}"/>
+              </a:ext>
+            </a:extLst>
+          </p:cNvPr>
+          <p:cNvSpPr txBox="1"/>
+          <p:nvPr/>
+        </p:nvSpPr>
+        <p:spPr>
+          <a:xfrm>
+            <a:off x="6725398" y="2013231"/>
+            <a:ext cx="2889765" cy="646331"/>
+          </a:xfrm>
+          <a:prstGeom prst="rect">
+            <a:avLst/>
+          </a:prstGeom>
+          <a:noFill/>
+        </p:spPr>
+        <p:txBody>
+          <a:bodyPr wrap="none" rtlCol="0">
+            <a:spAutoFit/>
+          </a:bodyPr>
+          <a:lstStyle/>
+          <a:p>
+            <a:r>
+              <a:rPr lang="en-GB" i="1" dirty="0"/>
+              <a:t>Nephelometric turbidity</a:t>
+            </a:r>
+          </a:p>
+          <a:p>
+            <a:r>
+              <a:rPr lang="en-GB" i="1" dirty="0"/>
+              <a:t>Scattered light measurement</a:t>
+            </a:r>
+            <a:endParaRPr lang="en-GB" dirty="0"/>
+          </a:p>
+        </p:txBody>
+      </p:sp>
     </p:spTree>
     <p:extLst>
       <p:ext uri="{BB962C8B-B14F-4D97-AF65-F5344CB8AC3E}">
         <p14:creationId xmlns:p14="http://schemas.microsoft.com/office/powerpoint/2010/main" val="2098896582"/>
+      </p:ext>
+    </p:extLst>
+  </p:cSld>
+  <p:clrMapOvr>
+    <a:masterClrMapping/>
+  </p:clrMapOvr>
+</p:sld>
+</file>
+
+<file path=ppt/slides/slide6.xml><?xml version="1.0" encoding="utf-8"?>
+<p:sld xmlns:a="http://schemas.openxmlformats.org/drawingml/2006/main" xmlns:r="http://schemas.openxmlformats.org/officeDocument/2006/relationships" xmlns:p="http://schemas.openxmlformats.org/presentationml/2006/main">
+  <p:cSld>
+    <p:spTree>
+      <p:nvGrpSpPr>
+        <p:cNvPr id="1" name=""/>
+        <p:cNvGrpSpPr/>
+        <p:nvPr/>
+      </p:nvGrpSpPr>
+      <p:grpSpPr>
+        <a:xfrm>
+          <a:off x="0" y="0"/>
+          <a:ext cx="0" cy="0"/>
+          <a:chOff x="0" y="0"/>
+          <a:chExt cx="0" cy="0"/>
+        </a:xfrm>
+      </p:grpSpPr>
+      <p:pic>
+        <p:nvPicPr>
+          <p:cNvPr id="4" name="Picture 3">
+            <a:extLst>
+              <a:ext uri="{FF2B5EF4-FFF2-40B4-BE49-F238E27FC236}">
+                <a16:creationId xmlns:a16="http://schemas.microsoft.com/office/drawing/2014/main" id="{4AF4F12E-24C4-4ED3-9AA6-6CA9C46E6A46}"/>
+              </a:ext>
+            </a:extLst>
+          </p:cNvPr>
+          <p:cNvPicPr>
+            <a:picLocks noChangeAspect="1"/>
+          </p:cNvPicPr>
+          <p:nvPr/>
+        </p:nvPicPr>
+        <p:blipFill>
+          <a:blip r:embed="rId2"/>
+          <a:stretch>
+            <a:fillRect/>
+          </a:stretch>
+        </p:blipFill>
+        <p:spPr>
+          <a:xfrm>
+            <a:off x="1467655" y="1997246"/>
+            <a:ext cx="7934325" cy="4467225"/>
+          </a:xfrm>
+          <a:prstGeom prst="rect">
+            <a:avLst/>
+          </a:prstGeom>
+        </p:spPr>
+      </p:pic>
+    </p:spTree>
+    <p:extLst>
+      <p:ext uri="{BB962C8B-B14F-4D97-AF65-F5344CB8AC3E}">
+        <p14:creationId xmlns:p14="http://schemas.microsoft.com/office/powerpoint/2010/main" val="1527862093"/>
+      </p:ext>
+    </p:extLst>
+  </p:cSld>
+  <p:clrMapOvr>
+    <a:masterClrMapping/>
+  </p:clrMapOvr>
+</p:sld>
+</file>
+
+<file path=ppt/slides/slide7.xml><?xml version="1.0" encoding="utf-8"?>
+<p:sld xmlns:a="http://schemas.openxmlformats.org/drawingml/2006/main" xmlns:r="http://schemas.openxmlformats.org/officeDocument/2006/relationships" xmlns:p="http://schemas.openxmlformats.org/presentationml/2006/main">
+  <p:cSld>
+    <p:spTree>
+      <p:nvGrpSpPr>
+        <p:cNvPr id="1" name=""/>
+        <p:cNvGrpSpPr/>
+        <p:nvPr/>
+      </p:nvGrpSpPr>
+      <p:grpSpPr>
+        <a:xfrm>
+          <a:off x="0" y="0"/>
+          <a:ext cx="0" cy="0"/>
+          <a:chOff x="0" y="0"/>
+          <a:chExt cx="0" cy="0"/>
+        </a:xfrm>
+      </p:grpSpPr>
+      <p:pic>
+        <p:nvPicPr>
+          <p:cNvPr id="4" name="Picture 3">
+            <a:extLst>
+              <a:ext uri="{FF2B5EF4-FFF2-40B4-BE49-F238E27FC236}">
+                <a16:creationId xmlns:a16="http://schemas.microsoft.com/office/drawing/2014/main" id="{D8CDB52F-F161-41CF-AE47-B4CA13888243}"/>
+              </a:ext>
+            </a:extLst>
+          </p:cNvPr>
+          <p:cNvPicPr>
+            <a:picLocks noChangeAspect="1"/>
+          </p:cNvPicPr>
+          <p:nvPr/>
+        </p:nvPicPr>
+        <p:blipFill>
+          <a:blip r:embed="rId2"/>
+          <a:stretch>
+            <a:fillRect/>
+          </a:stretch>
+        </p:blipFill>
+        <p:spPr>
+          <a:xfrm>
+            <a:off x="2033587" y="1423987"/>
+            <a:ext cx="8124825" cy="4010025"/>
+          </a:xfrm>
+          <a:prstGeom prst="rect">
+            <a:avLst/>
+          </a:prstGeom>
+        </p:spPr>
+      </p:pic>
+    </p:spTree>
+    <p:extLst>
+      <p:ext uri="{BB962C8B-B14F-4D97-AF65-F5344CB8AC3E}">
+        <p14:creationId xmlns:p14="http://schemas.microsoft.com/office/powerpoint/2010/main" val="1865652712"/>
+      </p:ext>
+    </p:extLst>
+  </p:cSld>
+  <p:clrMapOvr>
+    <a:masterClrMapping/>
+  </p:clrMapOvr>
+</p:sld>
+</file>
+
+<file path=ppt/slides/slide8.xml><?xml version="1.0" encoding="utf-8"?>
+<p:sld xmlns:a="http://schemas.openxmlformats.org/drawingml/2006/main" xmlns:r="http://schemas.openxmlformats.org/officeDocument/2006/relationships" xmlns:p="http://schemas.openxmlformats.org/presentationml/2006/main">
+  <p:cSld>
+    <p:spTree>
+      <p:nvGrpSpPr>
+        <p:cNvPr id="1" name=""/>
+        <p:cNvGrpSpPr/>
+        <p:nvPr/>
+      </p:nvGrpSpPr>
+      <p:grpSpPr>
+        <a:xfrm>
+          <a:off x="0" y="0"/>
+          <a:ext cx="0" cy="0"/>
+          <a:chOff x="0" y="0"/>
+          <a:chExt cx="0" cy="0"/>
+        </a:xfrm>
+      </p:grpSpPr>
+      <p:graphicFrame>
+        <p:nvGraphicFramePr>
+          <p:cNvPr id="5" name="Chart 4">
+            <a:extLst>
+              <a:ext uri="{FF2B5EF4-FFF2-40B4-BE49-F238E27FC236}">
+                <a16:creationId xmlns:a16="http://schemas.microsoft.com/office/drawing/2014/main" id="{D88178CA-ABC3-4E17-9441-A4CD8F26EDCC}"/>
+              </a:ext>
+            </a:extLst>
+          </p:cNvPr>
+          <p:cNvGraphicFramePr>
+            <a:graphicFrameLocks noChangeAspect="1"/>
+          </p:cNvGraphicFramePr>
+          <p:nvPr>
+            <p:extLst>
+              <p:ext uri="{D42A27DB-BD31-4B8C-83A1-F6EECF244321}">
+                <p14:modId xmlns:p14="http://schemas.microsoft.com/office/powerpoint/2010/main" val="3360360248"/>
+              </p:ext>
+            </p:extLst>
+          </p:nvPr>
+        </p:nvGraphicFramePr>
+        <p:xfrm>
+          <a:off x="662336" y="1282188"/>
+          <a:ext cx="11184570" cy="3462644"/>
+        </p:xfrm>
+        <a:graphic>
+          <a:graphicData uri="http://schemas.openxmlformats.org/drawingml/2006/chart">
+            <c:chart xmlns:c="http://schemas.openxmlformats.org/drawingml/2006/chart" xmlns:r="http://schemas.openxmlformats.org/officeDocument/2006/relationships" r:id="rId2"/>
+          </a:graphicData>
+        </a:graphic>
+      </p:graphicFrame>
+      <p:sp>
+        <p:nvSpPr>
+          <p:cNvPr id="6" name="TextBox 5">
+            <a:extLst>
+              <a:ext uri="{FF2B5EF4-FFF2-40B4-BE49-F238E27FC236}">
+                <a16:creationId xmlns:a16="http://schemas.microsoft.com/office/drawing/2014/main" id="{66218646-17D2-49D6-8A82-C9EF74073A59}"/>
+              </a:ext>
+            </a:extLst>
+          </p:cNvPr>
+          <p:cNvSpPr txBox="1"/>
+          <p:nvPr/>
+        </p:nvSpPr>
+        <p:spPr>
+          <a:xfrm rot="16200000">
+            <a:off x="119422" y="2776321"/>
+            <a:ext cx="820674" cy="307777"/>
+          </a:xfrm>
+          <a:prstGeom prst="rect">
+            <a:avLst/>
+          </a:prstGeom>
+          <a:noFill/>
+        </p:spPr>
+        <p:txBody>
+          <a:bodyPr wrap="none" rtlCol="0">
+            <a:spAutoFit/>
+          </a:bodyPr>
+          <a:lstStyle/>
+          <a:p>
+            <a:r>
+              <a:rPr lang="en-GB" sz="1400" dirty="0"/>
+              <a:t>Intensity</a:t>
+            </a:r>
+          </a:p>
+        </p:txBody>
+      </p:sp>
+      <p:sp>
+        <p:nvSpPr>
+          <p:cNvPr id="7" name="TextBox 6">
+            <a:extLst>
+              <a:ext uri="{FF2B5EF4-FFF2-40B4-BE49-F238E27FC236}">
+                <a16:creationId xmlns:a16="http://schemas.microsoft.com/office/drawing/2014/main" id="{7CB84694-ADBB-4654-9219-2E406C204E60}"/>
+              </a:ext>
+            </a:extLst>
+          </p:cNvPr>
+          <p:cNvSpPr txBox="1"/>
+          <p:nvPr/>
+        </p:nvSpPr>
+        <p:spPr>
+          <a:xfrm>
+            <a:off x="5533494" y="4744832"/>
+            <a:ext cx="1442254" cy="307777"/>
+          </a:xfrm>
+          <a:prstGeom prst="rect">
+            <a:avLst/>
+          </a:prstGeom>
+          <a:noFill/>
+        </p:spPr>
+        <p:txBody>
+          <a:bodyPr wrap="none" rtlCol="0">
+            <a:spAutoFit/>
+          </a:bodyPr>
+          <a:lstStyle/>
+          <a:p>
+            <a:r>
+              <a:rPr lang="en-GB" sz="1400" dirty="0"/>
+              <a:t>Wavelength [nm]</a:t>
+            </a:r>
+          </a:p>
+        </p:txBody>
+      </p:sp>
+      <p:sp>
+        <p:nvSpPr>
+          <p:cNvPr id="8" name="TextBox 7">
+            <a:extLst>
+              <a:ext uri="{FF2B5EF4-FFF2-40B4-BE49-F238E27FC236}">
+                <a16:creationId xmlns:a16="http://schemas.microsoft.com/office/drawing/2014/main" id="{BD3D097D-7EA9-45BE-A538-E330F7AAA487}"/>
+              </a:ext>
+            </a:extLst>
+          </p:cNvPr>
+          <p:cNvSpPr txBox="1"/>
+          <p:nvPr/>
+        </p:nvSpPr>
+        <p:spPr>
+          <a:xfrm>
+            <a:off x="9860611" y="1445618"/>
+            <a:ext cx="327334" cy="307777"/>
+          </a:xfrm>
+          <a:prstGeom prst="rect">
+            <a:avLst/>
+          </a:prstGeom>
+          <a:noFill/>
+        </p:spPr>
+        <p:txBody>
+          <a:bodyPr wrap="none" rtlCol="0">
+            <a:spAutoFit/>
+          </a:bodyPr>
+          <a:lstStyle/>
+          <a:p>
+            <a:r>
+              <a:rPr lang="en-GB" sz="1400" dirty="0"/>
+              <a:t>IR</a:t>
+            </a:r>
+          </a:p>
+        </p:txBody>
+      </p:sp>
+      <p:sp>
+        <p:nvSpPr>
+          <p:cNvPr id="9" name="TextBox 8">
+            <a:extLst>
+              <a:ext uri="{FF2B5EF4-FFF2-40B4-BE49-F238E27FC236}">
+                <a16:creationId xmlns:a16="http://schemas.microsoft.com/office/drawing/2014/main" id="{EC8DC086-9FF9-4318-8585-5BA1896AC760}"/>
+              </a:ext>
+            </a:extLst>
+          </p:cNvPr>
+          <p:cNvSpPr txBox="1"/>
+          <p:nvPr/>
+        </p:nvSpPr>
+        <p:spPr>
+          <a:xfrm>
+            <a:off x="2650942" y="1445618"/>
+            <a:ext cx="498470" cy="307777"/>
+          </a:xfrm>
+          <a:prstGeom prst="rect">
+            <a:avLst/>
+          </a:prstGeom>
+          <a:noFill/>
+        </p:spPr>
+        <p:txBody>
+          <a:bodyPr wrap="none" rtlCol="0">
+            <a:spAutoFit/>
+          </a:bodyPr>
+          <a:lstStyle/>
+          <a:p>
+            <a:r>
+              <a:rPr lang="en-GB" sz="1400" dirty="0"/>
+              <a:t>UVA</a:t>
+            </a:r>
+          </a:p>
+        </p:txBody>
+      </p:sp>
+      <p:sp>
+        <p:nvSpPr>
+          <p:cNvPr id="10" name="TextBox 9">
+            <a:extLst>
+              <a:ext uri="{FF2B5EF4-FFF2-40B4-BE49-F238E27FC236}">
+                <a16:creationId xmlns:a16="http://schemas.microsoft.com/office/drawing/2014/main" id="{B57D7180-B2F9-4B18-8B4A-1355B0BAFD19}"/>
+              </a:ext>
+            </a:extLst>
+          </p:cNvPr>
+          <p:cNvSpPr txBox="1"/>
+          <p:nvPr/>
+        </p:nvSpPr>
+        <p:spPr>
+          <a:xfrm>
+            <a:off x="3959642" y="1445618"/>
+            <a:ext cx="508473" cy="307777"/>
+          </a:xfrm>
+          <a:prstGeom prst="rect">
+            <a:avLst/>
+          </a:prstGeom>
+          <a:noFill/>
+        </p:spPr>
+        <p:txBody>
+          <a:bodyPr wrap="none" rtlCol="0">
+            <a:spAutoFit/>
+          </a:bodyPr>
+          <a:lstStyle/>
+          <a:p>
+            <a:r>
+              <a:rPr lang="en-GB" sz="1400" dirty="0"/>
+              <a:t>Blue</a:t>
+            </a:r>
+          </a:p>
+        </p:txBody>
+      </p:sp>
+      <p:sp>
+        <p:nvSpPr>
+          <p:cNvPr id="11" name="TextBox 10">
+            <a:extLst>
+              <a:ext uri="{FF2B5EF4-FFF2-40B4-BE49-F238E27FC236}">
+                <a16:creationId xmlns:a16="http://schemas.microsoft.com/office/drawing/2014/main" id="{CE16B0D0-0A51-431C-8904-6BAD5731C6CF}"/>
+              </a:ext>
+            </a:extLst>
+          </p:cNvPr>
+          <p:cNvSpPr txBox="1"/>
+          <p:nvPr/>
+        </p:nvSpPr>
+        <p:spPr>
+          <a:xfrm>
+            <a:off x="6853116" y="1445619"/>
+            <a:ext cx="463653" cy="307777"/>
+          </a:xfrm>
+          <a:prstGeom prst="rect">
+            <a:avLst/>
+          </a:prstGeom>
+          <a:noFill/>
+        </p:spPr>
+        <p:txBody>
+          <a:bodyPr wrap="none" rtlCol="0">
+            <a:spAutoFit/>
+          </a:bodyPr>
+          <a:lstStyle/>
+          <a:p>
+            <a:r>
+              <a:rPr lang="en-GB" sz="1400" dirty="0"/>
+              <a:t>Red</a:t>
+            </a:r>
+          </a:p>
+        </p:txBody>
+      </p:sp>
+      <p:sp>
+        <p:nvSpPr>
+          <p:cNvPr id="12" name="TextBox 11">
+            <a:extLst>
+              <a:ext uri="{FF2B5EF4-FFF2-40B4-BE49-F238E27FC236}">
+                <a16:creationId xmlns:a16="http://schemas.microsoft.com/office/drawing/2014/main" id="{0F8CC49C-5B36-4EC6-A797-C37CF0877E03}"/>
+              </a:ext>
+            </a:extLst>
+          </p:cNvPr>
+          <p:cNvSpPr txBox="1"/>
+          <p:nvPr/>
+        </p:nvSpPr>
+        <p:spPr>
+          <a:xfrm>
+            <a:off x="5410149" y="1445618"/>
+            <a:ext cx="632737" cy="307777"/>
+          </a:xfrm>
+          <a:prstGeom prst="rect">
+            <a:avLst/>
+          </a:prstGeom>
+          <a:noFill/>
+        </p:spPr>
+        <p:txBody>
+          <a:bodyPr wrap="none" rtlCol="0">
+            <a:spAutoFit/>
+          </a:bodyPr>
+          <a:lstStyle/>
+          <a:p>
+            <a:r>
+              <a:rPr lang="en-GB" sz="1400" dirty="0"/>
+              <a:t>Green</a:t>
+            </a:r>
+          </a:p>
+        </p:txBody>
+      </p:sp>
+      <p:sp>
+        <p:nvSpPr>
+          <p:cNvPr id="13" name="TextBox 12">
+            <a:extLst>
+              <a:ext uri="{FF2B5EF4-FFF2-40B4-BE49-F238E27FC236}">
+                <a16:creationId xmlns:a16="http://schemas.microsoft.com/office/drawing/2014/main" id="{ABE6B09A-4002-4A1C-86E4-AC81AC30D8D8}"/>
+              </a:ext>
+            </a:extLst>
+          </p:cNvPr>
+          <p:cNvSpPr txBox="1"/>
+          <p:nvPr/>
+        </p:nvSpPr>
+        <p:spPr>
+          <a:xfrm>
+            <a:off x="3012911" y="1056126"/>
+            <a:ext cx="458780" cy="307777"/>
+          </a:xfrm>
+          <a:prstGeom prst="rect">
+            <a:avLst/>
+          </a:prstGeom>
+          <a:noFill/>
+        </p:spPr>
+        <p:txBody>
+          <a:bodyPr wrap="none" rtlCol="0">
+            <a:spAutoFit/>
+          </a:bodyPr>
+          <a:lstStyle/>
+          <a:p>
+            <a:r>
+              <a:rPr lang="en-GB" sz="1400" dirty="0"/>
+              <a:t>375</a:t>
+            </a:r>
+          </a:p>
+        </p:txBody>
+      </p:sp>
+      <p:sp>
+        <p:nvSpPr>
+          <p:cNvPr id="14" name="TextBox 13">
+            <a:extLst>
+              <a:ext uri="{FF2B5EF4-FFF2-40B4-BE49-F238E27FC236}">
+                <a16:creationId xmlns:a16="http://schemas.microsoft.com/office/drawing/2014/main" id="{1F2303E4-ADE2-4C3B-A726-B153E68F43A8}"/>
+              </a:ext>
+            </a:extLst>
+          </p:cNvPr>
+          <p:cNvSpPr txBox="1"/>
+          <p:nvPr/>
+        </p:nvSpPr>
+        <p:spPr>
+          <a:xfrm>
+            <a:off x="9306839" y="1056125"/>
+            <a:ext cx="458780" cy="307777"/>
+          </a:xfrm>
+          <a:prstGeom prst="rect">
+            <a:avLst/>
+          </a:prstGeom>
+          <a:noFill/>
+        </p:spPr>
+        <p:txBody>
+          <a:bodyPr wrap="none" rtlCol="0">
+            <a:spAutoFit/>
+          </a:bodyPr>
+          <a:lstStyle/>
+          <a:p>
+            <a:r>
+              <a:rPr lang="en-GB" sz="1400" dirty="0"/>
+              <a:t>850</a:t>
+            </a:r>
+          </a:p>
+        </p:txBody>
+      </p:sp>
+      <p:sp>
+        <p:nvSpPr>
+          <p:cNvPr id="15" name="TextBox 14">
+            <a:extLst>
+              <a:ext uri="{FF2B5EF4-FFF2-40B4-BE49-F238E27FC236}">
+                <a16:creationId xmlns:a16="http://schemas.microsoft.com/office/drawing/2014/main" id="{F9733EB4-B01A-4B4E-B74C-11AA20F3860D}"/>
+              </a:ext>
+            </a:extLst>
+          </p:cNvPr>
+          <p:cNvSpPr txBox="1"/>
+          <p:nvPr/>
+        </p:nvSpPr>
+        <p:spPr>
+          <a:xfrm>
+            <a:off x="6516968" y="1056124"/>
+            <a:ext cx="458780" cy="307777"/>
+          </a:xfrm>
+          <a:prstGeom prst="rect">
+            <a:avLst/>
+          </a:prstGeom>
+          <a:noFill/>
+        </p:spPr>
+        <p:txBody>
+          <a:bodyPr wrap="none" rtlCol="0">
+            <a:spAutoFit/>
+          </a:bodyPr>
+          <a:lstStyle/>
+          <a:p>
+            <a:r>
+              <a:rPr lang="en-GB" sz="1400" dirty="0"/>
+              <a:t>626</a:t>
+            </a:r>
+          </a:p>
+        </p:txBody>
+      </p:sp>
+      <p:sp>
+        <p:nvSpPr>
+          <p:cNvPr id="16" name="TextBox 15">
+            <a:extLst>
+              <a:ext uri="{FF2B5EF4-FFF2-40B4-BE49-F238E27FC236}">
+                <a16:creationId xmlns:a16="http://schemas.microsoft.com/office/drawing/2014/main" id="{7282A17C-A86A-4D03-9876-18D8E96ACCA2}"/>
+              </a:ext>
+            </a:extLst>
+          </p:cNvPr>
+          <p:cNvSpPr txBox="1"/>
+          <p:nvPr/>
+        </p:nvSpPr>
+        <p:spPr>
+          <a:xfrm>
+            <a:off x="5067740" y="1056124"/>
+            <a:ext cx="458780" cy="307777"/>
+          </a:xfrm>
+          <a:prstGeom prst="rect">
+            <a:avLst/>
+          </a:prstGeom>
+          <a:noFill/>
+        </p:spPr>
+        <p:txBody>
+          <a:bodyPr wrap="none" rtlCol="0">
+            <a:spAutoFit/>
+          </a:bodyPr>
+          <a:lstStyle/>
+          <a:p>
+            <a:r>
+              <a:rPr lang="en-GB" sz="1400" dirty="0"/>
+              <a:t>525</a:t>
+            </a:r>
+          </a:p>
+        </p:txBody>
+      </p:sp>
+      <p:sp>
+        <p:nvSpPr>
+          <p:cNvPr id="17" name="TextBox 16">
+            <a:extLst>
+              <a:ext uri="{FF2B5EF4-FFF2-40B4-BE49-F238E27FC236}">
+                <a16:creationId xmlns:a16="http://schemas.microsoft.com/office/drawing/2014/main" id="{E47576C7-01CA-41E8-8887-72EDD927EA35}"/>
+              </a:ext>
+            </a:extLst>
+          </p:cNvPr>
+          <p:cNvSpPr txBox="1"/>
+          <p:nvPr/>
+        </p:nvSpPr>
+        <p:spPr>
+          <a:xfrm>
+            <a:off x="4273291" y="1056124"/>
+            <a:ext cx="458780" cy="307777"/>
+          </a:xfrm>
+          <a:prstGeom prst="rect">
+            <a:avLst/>
+          </a:prstGeom>
+          <a:noFill/>
+        </p:spPr>
+        <p:txBody>
+          <a:bodyPr wrap="none" rtlCol="0">
+            <a:spAutoFit/>
+          </a:bodyPr>
+          <a:lstStyle/>
+          <a:p>
+            <a:r>
+              <a:rPr lang="en-GB" sz="1400" dirty="0"/>
+              <a:t>470</a:t>
+            </a:r>
+          </a:p>
+        </p:txBody>
+      </p:sp>
+    </p:spTree>
+    <p:extLst>
+      <p:ext uri="{BB962C8B-B14F-4D97-AF65-F5344CB8AC3E}">
+        <p14:creationId xmlns:p14="http://schemas.microsoft.com/office/powerpoint/2010/main" val="237549244"/>
+      </p:ext>
+    </p:extLst>
+  </p:cSld>
+  <p:clrMapOvr>
+    <a:masterClrMapping/>
+  </p:clrMapOvr>
+</p:sld>
+</file>
+
+<file path=ppt/slides/slide9.xml><?xml version="1.0" encoding="utf-8"?>
+<p:sld xmlns:a="http://schemas.openxmlformats.org/drawingml/2006/main" xmlns:r="http://schemas.openxmlformats.org/officeDocument/2006/relationships" xmlns:p="http://schemas.openxmlformats.org/presentationml/2006/main">
+  <p:cSld>
+    <p:spTree>
+      <p:nvGrpSpPr>
+        <p:cNvPr id="1" name=""/>
+        <p:cNvGrpSpPr/>
+        <p:nvPr/>
+      </p:nvGrpSpPr>
+      <p:grpSpPr>
+        <a:xfrm>
+          <a:off x="0" y="0"/>
+          <a:ext cx="0" cy="0"/>
+          <a:chOff x="0" y="0"/>
+          <a:chExt cx="0" cy="0"/>
+        </a:xfrm>
+      </p:grpSpPr>
+      <p:sp>
+        <p:nvSpPr>
+          <p:cNvPr id="4" name="TextBox 3">
+            <a:extLst>
+              <a:ext uri="{FF2B5EF4-FFF2-40B4-BE49-F238E27FC236}">
+                <a16:creationId xmlns:a16="http://schemas.microsoft.com/office/drawing/2014/main" id="{7DEE2069-AB74-430A-BD60-FB402FE016E1}"/>
+              </a:ext>
+            </a:extLst>
+          </p:cNvPr>
+          <p:cNvSpPr txBox="1"/>
+          <p:nvPr/>
+        </p:nvSpPr>
+        <p:spPr>
+          <a:xfrm>
+            <a:off x="4839286" y="858130"/>
+            <a:ext cx="1785169" cy="369332"/>
+          </a:xfrm>
+          <a:prstGeom prst="rect">
+            <a:avLst/>
+          </a:prstGeom>
+          <a:noFill/>
+        </p:spPr>
+        <p:txBody>
+          <a:bodyPr wrap="none" rtlCol="0">
+            <a:spAutoFit/>
+          </a:bodyPr>
+          <a:lstStyle/>
+          <a:p>
+            <a:r>
+              <a:rPr lang="de-DE" dirty="0"/>
+              <a:t>Warm White LED</a:t>
+            </a:r>
+            <a:endParaRPr lang="en-GB" dirty="0"/>
+          </a:p>
+        </p:txBody>
+      </p:sp>
+      <p:pic>
+        <p:nvPicPr>
+          <p:cNvPr id="5" name="Picture 4">
+            <a:extLst>
+              <a:ext uri="{FF2B5EF4-FFF2-40B4-BE49-F238E27FC236}">
+                <a16:creationId xmlns:a16="http://schemas.microsoft.com/office/drawing/2014/main" id="{34CB7B4F-0AF7-432E-AA62-0D2CB625F1C0}"/>
+              </a:ext>
+            </a:extLst>
+          </p:cNvPr>
+          <p:cNvPicPr>
+            <a:picLocks noChangeAspect="1"/>
+          </p:cNvPicPr>
+          <p:nvPr/>
+        </p:nvPicPr>
+        <p:blipFill>
+          <a:blip r:embed="rId2"/>
+          <a:stretch>
+            <a:fillRect/>
+          </a:stretch>
+        </p:blipFill>
+        <p:spPr>
+          <a:xfrm>
+            <a:off x="4695825" y="2171700"/>
+            <a:ext cx="2800350" cy="2514600"/>
+          </a:xfrm>
+          <a:prstGeom prst="rect">
+            <a:avLst/>
+          </a:prstGeom>
+        </p:spPr>
+      </p:pic>
+    </p:spTree>
+    <p:extLst>
+      <p:ext uri="{BB962C8B-B14F-4D97-AF65-F5344CB8AC3E}">
+        <p14:creationId xmlns:p14="http://schemas.microsoft.com/office/powerpoint/2010/main" val="1001993234"/>
       </p:ext>
     </p:extLst>
   </p:cSld>

--- a/setup/network.pptx
+++ b/setup/network.pptx
@@ -1555,7 +1555,7 @@
           <a:p>
             <a:fld id="{C3F690FB-D2F8-4FAA-B5D4-40764D6363E4}" type="datetimeFigureOut">
               <a:rPr lang="en-GB" smtClean="0"/>
-              <a:t>15/12/2020</a:t>
+              <a:t>16/12/2020</a:t>
             </a:fld>
             <a:endParaRPr lang="en-GB"/>
           </a:p>
@@ -1755,7 +1755,7 @@
           <a:p>
             <a:fld id="{C3F690FB-D2F8-4FAA-B5D4-40764D6363E4}" type="datetimeFigureOut">
               <a:rPr lang="en-GB" smtClean="0"/>
-              <a:t>15/12/2020</a:t>
+              <a:t>16/12/2020</a:t>
             </a:fld>
             <a:endParaRPr lang="en-GB"/>
           </a:p>
@@ -1965,7 +1965,7 @@
           <a:p>
             <a:fld id="{C3F690FB-D2F8-4FAA-B5D4-40764D6363E4}" type="datetimeFigureOut">
               <a:rPr lang="en-GB" smtClean="0"/>
-              <a:t>15/12/2020</a:t>
+              <a:t>16/12/2020</a:t>
             </a:fld>
             <a:endParaRPr lang="en-GB"/>
           </a:p>
@@ -2165,7 +2165,7 @@
           <a:p>
             <a:fld id="{C3F690FB-D2F8-4FAA-B5D4-40764D6363E4}" type="datetimeFigureOut">
               <a:rPr lang="en-GB" smtClean="0"/>
-              <a:t>15/12/2020</a:t>
+              <a:t>16/12/2020</a:t>
             </a:fld>
             <a:endParaRPr lang="en-GB"/>
           </a:p>
@@ -2441,7 +2441,7 @@
           <a:p>
             <a:fld id="{C3F690FB-D2F8-4FAA-B5D4-40764D6363E4}" type="datetimeFigureOut">
               <a:rPr lang="en-GB" smtClean="0"/>
-              <a:t>15/12/2020</a:t>
+              <a:t>16/12/2020</a:t>
             </a:fld>
             <a:endParaRPr lang="en-GB"/>
           </a:p>
@@ -2709,7 +2709,7 @@
           <a:p>
             <a:fld id="{C3F690FB-D2F8-4FAA-B5D4-40764D6363E4}" type="datetimeFigureOut">
               <a:rPr lang="en-GB" smtClean="0"/>
-              <a:t>15/12/2020</a:t>
+              <a:t>16/12/2020</a:t>
             </a:fld>
             <a:endParaRPr lang="en-GB"/>
           </a:p>
@@ -3124,7 +3124,7 @@
           <a:p>
             <a:fld id="{C3F690FB-D2F8-4FAA-B5D4-40764D6363E4}" type="datetimeFigureOut">
               <a:rPr lang="en-GB" smtClean="0"/>
-              <a:t>15/12/2020</a:t>
+              <a:t>16/12/2020</a:t>
             </a:fld>
             <a:endParaRPr lang="en-GB"/>
           </a:p>
@@ -3266,7 +3266,7 @@
           <a:p>
             <a:fld id="{C3F690FB-D2F8-4FAA-B5D4-40764D6363E4}" type="datetimeFigureOut">
               <a:rPr lang="en-GB" smtClean="0"/>
-              <a:t>15/12/2020</a:t>
+              <a:t>16/12/2020</a:t>
             </a:fld>
             <a:endParaRPr lang="en-GB"/>
           </a:p>
@@ -3379,7 +3379,7 @@
           <a:p>
             <a:fld id="{C3F690FB-D2F8-4FAA-B5D4-40764D6363E4}" type="datetimeFigureOut">
               <a:rPr lang="en-GB" smtClean="0"/>
-              <a:t>15/12/2020</a:t>
+              <a:t>16/12/2020</a:t>
             </a:fld>
             <a:endParaRPr lang="en-GB"/>
           </a:p>
@@ -3692,7 +3692,7 @@
           <a:p>
             <a:fld id="{C3F690FB-D2F8-4FAA-B5D4-40764D6363E4}" type="datetimeFigureOut">
               <a:rPr lang="en-GB" smtClean="0"/>
-              <a:t>15/12/2020</a:t>
+              <a:t>16/12/2020</a:t>
             </a:fld>
             <a:endParaRPr lang="en-GB"/>
           </a:p>
@@ -3981,7 +3981,7 @@
           <a:p>
             <a:fld id="{C3F690FB-D2F8-4FAA-B5D4-40764D6363E4}" type="datetimeFigureOut">
               <a:rPr lang="en-GB" smtClean="0"/>
-              <a:t>15/12/2020</a:t>
+              <a:t>16/12/2020</a:t>
             </a:fld>
             <a:endParaRPr lang="en-GB"/>
           </a:p>
@@ -4224,7 +4224,7 @@
           <a:p>
             <a:fld id="{C3F690FB-D2F8-4FAA-B5D4-40764D6363E4}" type="datetimeFigureOut">
               <a:rPr lang="en-GB" smtClean="0"/>
-              <a:t>15/12/2020</a:t>
+              <a:t>16/12/2020</a:t>
             </a:fld>
             <a:endParaRPr lang="en-GB"/>
           </a:p>

--- a/setup/network.pptx
+++ b/setup/network.pptx
@@ -136,17 +136,7 @@
   <c:chart>
     <c:autoTitleDeleted val="1"/>
     <c:plotArea>
-      <c:layout>
-        <c:manualLayout>
-          <c:layoutTarget val="inner"/>
-          <c:xMode val="edge"/>
-          <c:yMode val="edge"/>
-          <c:x val="2.5226897413132558E-2"/>
-          <c:y val="3.5077241552986672E-2"/>
-          <c:w val="0.94965595673272196"/>
-          <c:h val="0.88004226933054042"/>
-        </c:manualLayout>
-      </c:layout>
+      <c:layout/>
       <c:scatterChart>
         <c:scatterStyle val="smoothMarker"/>
         <c:varyColors val="0"/>
@@ -178,256 +168,229 @@
           </c:marker>
           <c:xVal>
             <c:numRef>
-              <c:f>Sheet1!$A$2:$A$80</c:f>
+              <c:f>Sheet1!$A$2:$A$81</c:f>
               <c:numCache>
                 <c:formatCode>General</c:formatCode>
-                <c:ptCount val="79"/>
+                <c:ptCount val="80"/>
                 <c:pt idx="0">
+                  <c:v>100</c:v>
+                </c:pt>
+                <c:pt idx="1">
                   <c:v>200</c:v>
                 </c:pt>
-                <c:pt idx="1">
+                <c:pt idx="2">
                   <c:v>300</c:v>
                 </c:pt>
-                <c:pt idx="2">
+                <c:pt idx="3">
                   <c:v>310</c:v>
                 </c:pt>
-                <c:pt idx="3">
+                <c:pt idx="4">
                   <c:v>320</c:v>
                 </c:pt>
-                <c:pt idx="4">
+                <c:pt idx="5">
                   <c:v>330</c:v>
                 </c:pt>
-                <c:pt idx="5">
+                <c:pt idx="6">
                   <c:v>340</c:v>
                 </c:pt>
-                <c:pt idx="6">
+                <c:pt idx="7">
                   <c:v>350</c:v>
                 </c:pt>
-                <c:pt idx="7">
+                <c:pt idx="8">
                   <c:v>360</c:v>
                 </c:pt>
-                <c:pt idx="8">
+                <c:pt idx="9">
                   <c:v>365</c:v>
                 </c:pt>
-                <c:pt idx="9">
+                <c:pt idx="10">
                   <c:v>370</c:v>
                 </c:pt>
-                <c:pt idx="10">
+                <c:pt idx="11">
                   <c:v>375</c:v>
                 </c:pt>
-                <c:pt idx="11">
+                <c:pt idx="12">
                   <c:v>380</c:v>
                 </c:pt>
-                <c:pt idx="12">
+                <c:pt idx="13">
                   <c:v>385</c:v>
                 </c:pt>
-                <c:pt idx="13">
+                <c:pt idx="14">
                   <c:v>390</c:v>
                 </c:pt>
-                <c:pt idx="14">
+                <c:pt idx="15">
                   <c:v>400</c:v>
                 </c:pt>
-                <c:pt idx="15">
+                <c:pt idx="16">
                   <c:v>410</c:v>
                 </c:pt>
-                <c:pt idx="16">
+                <c:pt idx="17">
                   <c:v>420</c:v>
                 </c:pt>
-                <c:pt idx="17">
+                <c:pt idx="18">
                   <c:v>430</c:v>
                 </c:pt>
-                <c:pt idx="18">
+                <c:pt idx="19">
                   <c:v>440</c:v>
                 </c:pt>
-                <c:pt idx="19">
+                <c:pt idx="20">
                   <c:v>450</c:v>
                 </c:pt>
-                <c:pt idx="20">
+                <c:pt idx="21">
                   <c:v>460</c:v>
                 </c:pt>
-                <c:pt idx="21">
+                <c:pt idx="22">
                   <c:v>470</c:v>
                 </c:pt>
-                <c:pt idx="22">
+                <c:pt idx="23">
                   <c:v>472</c:v>
                 </c:pt>
-                <c:pt idx="23">
+                <c:pt idx="24">
                   <c:v>474</c:v>
                 </c:pt>
-                <c:pt idx="24">
+                <c:pt idx="25">
                   <c:v>480</c:v>
                 </c:pt>
-                <c:pt idx="25">
+                <c:pt idx="26">
                   <c:v>490</c:v>
                 </c:pt>
-                <c:pt idx="26">
+                <c:pt idx="27">
                   <c:v>500</c:v>
                 </c:pt>
-                <c:pt idx="27">
+                <c:pt idx="28">
                   <c:v>510</c:v>
                 </c:pt>
-                <c:pt idx="28">
+                <c:pt idx="29">
                   <c:v>520</c:v>
                 </c:pt>
-                <c:pt idx="29">
+                <c:pt idx="30">
                   <c:v>525</c:v>
                 </c:pt>
-                <c:pt idx="30">
+                <c:pt idx="31">
                   <c:v>530</c:v>
                 </c:pt>
-                <c:pt idx="31">
+                <c:pt idx="32">
                   <c:v>540</c:v>
                 </c:pt>
-                <c:pt idx="32">
+                <c:pt idx="33">
                   <c:v>550</c:v>
                 </c:pt>
-                <c:pt idx="33">
+                <c:pt idx="34">
                   <c:v>560</c:v>
                 </c:pt>
-                <c:pt idx="34">
+                <c:pt idx="35">
                   <c:v>570</c:v>
                 </c:pt>
-                <c:pt idx="35">
+                <c:pt idx="36">
                   <c:v>580</c:v>
                 </c:pt>
-                <c:pt idx="36">
+                <c:pt idx="37">
                   <c:v>590</c:v>
                 </c:pt>
-                <c:pt idx="37">
+                <c:pt idx="38">
                   <c:v>600</c:v>
                 </c:pt>
-                <c:pt idx="38">
+                <c:pt idx="39">
                   <c:v>610</c:v>
                 </c:pt>
-                <c:pt idx="39">
+                <c:pt idx="40">
                   <c:v>620</c:v>
                 </c:pt>
-                <c:pt idx="40">
+                <c:pt idx="41">
                   <c:v>630</c:v>
                 </c:pt>
-                <c:pt idx="41">
+                <c:pt idx="42">
                   <c:v>636</c:v>
                 </c:pt>
-                <c:pt idx="42">
+                <c:pt idx="43">
                   <c:v>640</c:v>
                 </c:pt>
-                <c:pt idx="43">
+                <c:pt idx="44">
                   <c:v>650</c:v>
                 </c:pt>
-                <c:pt idx="44">
+                <c:pt idx="45">
                   <c:v>660</c:v>
                 </c:pt>
-                <c:pt idx="45">
+                <c:pt idx="46">
                   <c:v>670</c:v>
                 </c:pt>
-                <c:pt idx="46">
+                <c:pt idx="47">
                   <c:v>680</c:v>
                 </c:pt>
-                <c:pt idx="47">
+                <c:pt idx="48">
                   <c:v>690</c:v>
                 </c:pt>
-                <c:pt idx="48">
+                <c:pt idx="49">
                   <c:v>700</c:v>
                 </c:pt>
-                <c:pt idx="49">
+                <c:pt idx="50">
                   <c:v>710</c:v>
                 </c:pt>
-                <c:pt idx="50">
+                <c:pt idx="51">
                   <c:v>720</c:v>
                 </c:pt>
-                <c:pt idx="51">
+                <c:pt idx="52">
                   <c:v>730</c:v>
                 </c:pt>
-                <c:pt idx="52">
+                <c:pt idx="53">
                   <c:v>740</c:v>
                 </c:pt>
-                <c:pt idx="53">
+                <c:pt idx="54">
                   <c:v>750</c:v>
                 </c:pt>
-                <c:pt idx="54">
+                <c:pt idx="55">
                   <c:v>760</c:v>
                 </c:pt>
-                <c:pt idx="55">
+                <c:pt idx="56">
                   <c:v>770</c:v>
                 </c:pt>
-                <c:pt idx="56">
+                <c:pt idx="57">
                   <c:v>780</c:v>
                 </c:pt>
-                <c:pt idx="57">
+                <c:pt idx="58">
                   <c:v>790</c:v>
                 </c:pt>
-                <c:pt idx="58">
+                <c:pt idx="59">
                   <c:v>800</c:v>
                 </c:pt>
-                <c:pt idx="59">
+                <c:pt idx="60">
                   <c:v>810</c:v>
                 </c:pt>
-                <c:pt idx="60">
+                <c:pt idx="61">
                   <c:v>820</c:v>
                 </c:pt>
-                <c:pt idx="61">
+                <c:pt idx="62">
                   <c:v>830</c:v>
                 </c:pt>
-                <c:pt idx="62">
+                <c:pt idx="63">
                   <c:v>840</c:v>
                 </c:pt>
-                <c:pt idx="63">
+                <c:pt idx="64">
                   <c:v>850</c:v>
                 </c:pt>
-                <c:pt idx="64">
+                <c:pt idx="65">
                   <c:v>860</c:v>
                 </c:pt>
-                <c:pt idx="65">
+                <c:pt idx="66">
                   <c:v>870</c:v>
                 </c:pt>
-                <c:pt idx="66">
+                <c:pt idx="67">
                   <c:v>880</c:v>
                 </c:pt>
-                <c:pt idx="67">
+                <c:pt idx="68">
                   <c:v>890</c:v>
                 </c:pt>
-                <c:pt idx="68">
+                <c:pt idx="69">
                   <c:v>900</c:v>
-                </c:pt>
-                <c:pt idx="69">
-                  <c:v>910</c:v>
-                </c:pt>
-                <c:pt idx="70">
-                  <c:v>920</c:v>
-                </c:pt>
-                <c:pt idx="71">
-                  <c:v>930</c:v>
-                </c:pt>
-                <c:pt idx="72">
-                  <c:v>940</c:v>
-                </c:pt>
-                <c:pt idx="73">
-                  <c:v>950</c:v>
-                </c:pt>
-                <c:pt idx="74">
-                  <c:v>960</c:v>
-                </c:pt>
-                <c:pt idx="75">
-                  <c:v>970</c:v>
-                </c:pt>
-                <c:pt idx="76">
-                  <c:v>980</c:v>
-                </c:pt>
-                <c:pt idx="77">
-                  <c:v>990</c:v>
-                </c:pt>
-                <c:pt idx="78">
-                  <c:v>1000</c:v>
                 </c:pt>
               </c:numCache>
             </c:numRef>
           </c:xVal>
           <c:yVal>
             <c:numRef>
-              <c:f>Sheet1!$B$2:$B$80</c:f>
+              <c:f>Sheet1!$B$2:$B$81</c:f>
               <c:numCache>
                 <c:formatCode>General</c:formatCode>
-                <c:ptCount val="79"/>
+                <c:ptCount val="80"/>
                 <c:pt idx="0">
                   <c:v>0</c:v>
                 </c:pt>
@@ -450,124 +413,124 @@
                   <c:v>0</c:v>
                 </c:pt>
                 <c:pt idx="7">
+                  <c:v>0</c:v>
+                </c:pt>
+                <c:pt idx="8">
                   <c:v>0.02</c:v>
                 </c:pt>
-                <c:pt idx="8">
+                <c:pt idx="9">
                   <c:v>7.0000000000000007E-2</c:v>
                 </c:pt>
-                <c:pt idx="9">
+                <c:pt idx="10">
                   <c:v>0.32</c:v>
                 </c:pt>
-                <c:pt idx="10">
+                <c:pt idx="11">
                   <c:v>1</c:v>
                 </c:pt>
-                <c:pt idx="11">
+                <c:pt idx="12">
                   <c:v>0.5</c:v>
                 </c:pt>
-                <c:pt idx="12">
+                <c:pt idx="13">
                   <c:v>0.2</c:v>
                 </c:pt>
-                <c:pt idx="13">
+                <c:pt idx="14">
                   <c:v>0.08</c:v>
                 </c:pt>
-                <c:pt idx="14">
+                <c:pt idx="15">
                   <c:v>0.02</c:v>
-                </c:pt>
-                <c:pt idx="15">
-                  <c:v>5.0000000000000001E-3</c:v>
                 </c:pt>
                 <c:pt idx="16">
                   <c:v>5.0000000000000001E-3</c:v>
                 </c:pt>
                 <c:pt idx="17">
+                  <c:v>5.0000000000000001E-3</c:v>
+                </c:pt>
+                <c:pt idx="18">
                   <c:v>1.4999999999999999E-2</c:v>
                 </c:pt>
-                <c:pt idx="18">
+                <c:pt idx="19">
                   <c:v>3.5000000000000003E-2</c:v>
                 </c:pt>
-                <c:pt idx="19">
+                <c:pt idx="20">
                   <c:v>0.1</c:v>
                 </c:pt>
-                <c:pt idx="20">
+                <c:pt idx="21">
                   <c:v>0.5</c:v>
                 </c:pt>
-                <c:pt idx="21">
+                <c:pt idx="22">
                   <c:v>0.98</c:v>
                 </c:pt>
-                <c:pt idx="22">
+                <c:pt idx="23">
                   <c:v>1</c:v>
                 </c:pt>
-                <c:pt idx="23">
+                <c:pt idx="24">
                   <c:v>0.98</c:v>
                 </c:pt>
-                <c:pt idx="24">
+                <c:pt idx="25">
                   <c:v>0.7</c:v>
                 </c:pt>
-                <c:pt idx="25">
+                <c:pt idx="26">
                   <c:v>0.36</c:v>
                 </c:pt>
-                <c:pt idx="26">
+                <c:pt idx="27">
                   <c:v>0.19</c:v>
                 </c:pt>
-                <c:pt idx="27">
+                <c:pt idx="28">
                   <c:v>0.57999999999999996</c:v>
                 </c:pt>
-                <c:pt idx="28">
+                <c:pt idx="29">
                   <c:v>0.9</c:v>
                 </c:pt>
-                <c:pt idx="29">
+                <c:pt idx="30">
                   <c:v>1</c:v>
                 </c:pt>
-                <c:pt idx="30">
+                <c:pt idx="31">
                   <c:v>0.91</c:v>
                 </c:pt>
-                <c:pt idx="31">
+                <c:pt idx="32">
                   <c:v>0.61</c:v>
                 </c:pt>
-                <c:pt idx="32">
+                <c:pt idx="33">
                   <c:v>0.38</c:v>
                 </c:pt>
-                <c:pt idx="33">
+                <c:pt idx="34">
                   <c:v>0.2</c:v>
                 </c:pt>
-                <c:pt idx="34">
+                <c:pt idx="35">
                   <c:v>0.115</c:v>
                 </c:pt>
-                <c:pt idx="35">
+                <c:pt idx="36">
                   <c:v>0.06</c:v>
                 </c:pt>
-                <c:pt idx="36">
+                <c:pt idx="37">
                   <c:v>0.02</c:v>
                 </c:pt>
-                <c:pt idx="37">
+                <c:pt idx="38">
                   <c:v>0.04</c:v>
                 </c:pt>
-                <c:pt idx="38">
+                <c:pt idx="39">
                   <c:v>0.11</c:v>
                 </c:pt>
-                <c:pt idx="39">
+                <c:pt idx="40">
                   <c:v>0.3</c:v>
                 </c:pt>
-                <c:pt idx="40">
+                <c:pt idx="41">
                   <c:v>0.82</c:v>
                 </c:pt>
-                <c:pt idx="41">
+                <c:pt idx="42">
                   <c:v>1</c:v>
                 </c:pt>
-                <c:pt idx="42">
+                <c:pt idx="43">
                   <c:v>0.81</c:v>
                 </c:pt>
-                <c:pt idx="43">
+                <c:pt idx="44">
                   <c:v>0.16</c:v>
                 </c:pt>
-                <c:pt idx="44">
+                <c:pt idx="45">
                   <c:v>3.5000000000000003E-2</c:v>
                 </c:pt>
-                <c:pt idx="45">
+                <c:pt idx="46">
                   <c:v>0.01</c:v>
-                </c:pt>
-                <c:pt idx="46">
-                  <c:v>0</c:v>
                 </c:pt>
                 <c:pt idx="47">
                   <c:v>0</c:v>
@@ -600,70 +563,43 @@
                   <c:v>0</c:v>
                 </c:pt>
                 <c:pt idx="57">
+                  <c:v>0</c:v>
+                </c:pt>
+                <c:pt idx="58">
                   <c:v>0.02</c:v>
                 </c:pt>
-                <c:pt idx="58">
+                <c:pt idx="59">
                   <c:v>0.08</c:v>
                 </c:pt>
-                <c:pt idx="59">
+                <c:pt idx="60">
                   <c:v>0.18</c:v>
                 </c:pt>
-                <c:pt idx="60">
+                <c:pt idx="61">
                   <c:v>0.32</c:v>
                 </c:pt>
-                <c:pt idx="61">
+                <c:pt idx="62">
                   <c:v>0.6</c:v>
                 </c:pt>
-                <c:pt idx="62">
+                <c:pt idx="63">
                   <c:v>0.91</c:v>
                 </c:pt>
-                <c:pt idx="63">
+                <c:pt idx="64">
                   <c:v>1</c:v>
                 </c:pt>
-                <c:pt idx="64">
+                <c:pt idx="65">
                   <c:v>0.91</c:v>
                 </c:pt>
-                <c:pt idx="65">
+                <c:pt idx="66">
                   <c:v>0.63</c:v>
                 </c:pt>
-                <c:pt idx="66">
+                <c:pt idx="67">
                   <c:v>0.44</c:v>
                 </c:pt>
-                <c:pt idx="67">
+                <c:pt idx="68">
                   <c:v>0.28000000000000003</c:v>
                 </c:pt>
-                <c:pt idx="68">
+                <c:pt idx="69">
                   <c:v>0.18</c:v>
-                </c:pt>
-                <c:pt idx="69">
-                  <c:v>0.13</c:v>
-                </c:pt>
-                <c:pt idx="70">
-                  <c:v>0.09</c:v>
-                </c:pt>
-                <c:pt idx="71">
-                  <c:v>0.06</c:v>
-                </c:pt>
-                <c:pt idx="72">
-                  <c:v>0.03</c:v>
-                </c:pt>
-                <c:pt idx="73">
-                  <c:v>0.01</c:v>
-                </c:pt>
-                <c:pt idx="74">
-                  <c:v>0</c:v>
-                </c:pt>
-                <c:pt idx="75">
-                  <c:v>0</c:v>
-                </c:pt>
-                <c:pt idx="76">
-                  <c:v>0</c:v>
-                </c:pt>
-                <c:pt idx="77">
-                  <c:v>0</c:v>
-                </c:pt>
-                <c:pt idx="78">
-                  <c:v>0</c:v>
                 </c:pt>
               </c:numCache>
             </c:numRef>
@@ -671,7 +607,7 @@
           <c:smooth val="1"/>
           <c:extLst>
             <c:ext xmlns:c16="http://schemas.microsoft.com/office/drawing/2014/chart" uri="{C3380CC4-5D6E-409C-BE32-E72D297353CC}">
-              <c16:uniqueId val="{00000000-A623-49F2-9F73-22C45330CEEB}"/>
+              <c16:uniqueId val="{00000000-C9EF-4D70-BEE2-EF9FEC676F46}"/>
             </c:ext>
           </c:extLst>
         </c:ser>
@@ -690,8 +626,8 @@
         <c:axId val="1101444512"/>
         <c:scaling>
           <c:orientation val="minMax"/>
-          <c:max val="1000"/>
-          <c:min val="200"/>
+          <c:max val="900"/>
+          <c:min val="100"/>
         </c:scaling>
         <c:delete val="0"/>
         <c:axPos val="b"/>
@@ -812,7 +748,7 @@
           </a:p>
         </c:txPr>
         <c:crossAx val="1101444512"/>
-        <c:crossesAt val="200"/>
+        <c:crossesAt val="100"/>
         <c:crossBetween val="midCat"/>
       </c:valAx>
       <c:spPr>
@@ -15208,9 +15144,394 @@
           <a:chExt cx="0" cy="0"/>
         </a:xfrm>
       </p:grpSpPr>
+      <p:sp>
+        <p:nvSpPr>
+          <p:cNvPr id="7" name="TextBox 6">
+            <a:extLst>
+              <a:ext uri="{FF2B5EF4-FFF2-40B4-BE49-F238E27FC236}">
+                <a16:creationId xmlns:a16="http://schemas.microsoft.com/office/drawing/2014/main" id="{7CB84694-ADBB-4654-9219-2E406C204E60}"/>
+              </a:ext>
+            </a:extLst>
+          </p:cNvPr>
+          <p:cNvSpPr txBox="1"/>
+          <p:nvPr/>
+        </p:nvSpPr>
+        <p:spPr>
+          <a:xfrm>
+            <a:off x="5506736" y="6402944"/>
+            <a:ext cx="1178528" cy="261610"/>
+          </a:xfrm>
+          <a:prstGeom prst="rect">
+            <a:avLst/>
+          </a:prstGeom>
+          <a:noFill/>
+        </p:spPr>
+        <p:txBody>
+          <a:bodyPr wrap="none" rtlCol="0">
+            <a:spAutoFit/>
+          </a:bodyPr>
+          <a:lstStyle/>
+          <a:p>
+            <a:r>
+              <a:rPr lang="en-GB" sz="1100" dirty="0"/>
+              <a:t>Wavelength [nm]</a:t>
+            </a:r>
+          </a:p>
+        </p:txBody>
+      </p:sp>
+      <p:sp>
+        <p:nvSpPr>
+          <p:cNvPr id="8" name="TextBox 7">
+            <a:extLst>
+              <a:ext uri="{FF2B5EF4-FFF2-40B4-BE49-F238E27FC236}">
+                <a16:creationId xmlns:a16="http://schemas.microsoft.com/office/drawing/2014/main" id="{BD3D097D-7EA9-45BE-A538-E330F7AAA487}"/>
+              </a:ext>
+            </a:extLst>
+          </p:cNvPr>
+          <p:cNvSpPr txBox="1"/>
+          <p:nvPr/>
+        </p:nvSpPr>
+        <p:spPr>
+          <a:xfrm>
+            <a:off x="11253312" y="3026673"/>
+            <a:ext cx="296876" cy="261610"/>
+          </a:xfrm>
+          <a:prstGeom prst="rect">
+            <a:avLst/>
+          </a:prstGeom>
+          <a:noFill/>
+        </p:spPr>
+        <p:txBody>
+          <a:bodyPr wrap="none" rtlCol="0">
+            <a:spAutoFit/>
+          </a:bodyPr>
+          <a:lstStyle/>
+          <a:p>
+            <a:r>
+              <a:rPr lang="en-GB" sz="1100" dirty="0"/>
+              <a:t>IR</a:t>
+            </a:r>
+          </a:p>
+        </p:txBody>
+      </p:sp>
+      <p:sp>
+        <p:nvSpPr>
+          <p:cNvPr id="9" name="TextBox 8">
+            <a:extLst>
+              <a:ext uri="{FF2B5EF4-FFF2-40B4-BE49-F238E27FC236}">
+                <a16:creationId xmlns:a16="http://schemas.microsoft.com/office/drawing/2014/main" id="{EC8DC086-9FF9-4318-8585-5BA1896AC760}"/>
+              </a:ext>
+            </a:extLst>
+          </p:cNvPr>
+          <p:cNvSpPr txBox="1"/>
+          <p:nvPr/>
+        </p:nvSpPr>
+        <p:spPr>
+          <a:xfrm>
+            <a:off x="3853446" y="3026673"/>
+            <a:ext cx="436338" cy="261610"/>
+          </a:xfrm>
+          <a:prstGeom prst="rect">
+            <a:avLst/>
+          </a:prstGeom>
+          <a:noFill/>
+        </p:spPr>
+        <p:txBody>
+          <a:bodyPr wrap="none" rtlCol="0">
+            <a:spAutoFit/>
+          </a:bodyPr>
+          <a:lstStyle/>
+          <a:p>
+            <a:r>
+              <a:rPr lang="en-GB" sz="1100" dirty="0"/>
+              <a:t>UVA</a:t>
+            </a:r>
+          </a:p>
+        </p:txBody>
+      </p:sp>
+      <p:sp>
+        <p:nvSpPr>
+          <p:cNvPr id="10" name="TextBox 9">
+            <a:extLst>
+              <a:ext uri="{FF2B5EF4-FFF2-40B4-BE49-F238E27FC236}">
+                <a16:creationId xmlns:a16="http://schemas.microsoft.com/office/drawing/2014/main" id="{B57D7180-B2F9-4B18-8B4A-1355B0BAFD19}"/>
+              </a:ext>
+            </a:extLst>
+          </p:cNvPr>
+          <p:cNvSpPr txBox="1"/>
+          <p:nvPr/>
+        </p:nvSpPr>
+        <p:spPr>
+          <a:xfrm>
+            <a:off x="5191179" y="3026673"/>
+            <a:ext cx="437940" cy="261610"/>
+          </a:xfrm>
+          <a:prstGeom prst="rect">
+            <a:avLst/>
+          </a:prstGeom>
+          <a:noFill/>
+        </p:spPr>
+        <p:txBody>
+          <a:bodyPr wrap="none" rtlCol="0">
+            <a:spAutoFit/>
+          </a:bodyPr>
+          <a:lstStyle/>
+          <a:p>
+            <a:r>
+              <a:rPr lang="en-GB" sz="1100" dirty="0"/>
+              <a:t>Blue</a:t>
+            </a:r>
+          </a:p>
+        </p:txBody>
+      </p:sp>
+      <p:sp>
+        <p:nvSpPr>
+          <p:cNvPr id="11" name="TextBox 10">
+            <a:extLst>
+              <a:ext uri="{FF2B5EF4-FFF2-40B4-BE49-F238E27FC236}">
+                <a16:creationId xmlns:a16="http://schemas.microsoft.com/office/drawing/2014/main" id="{CE16B0D0-0A51-431C-8904-6BAD5731C6CF}"/>
+              </a:ext>
+            </a:extLst>
+          </p:cNvPr>
+          <p:cNvSpPr txBox="1"/>
+          <p:nvPr/>
+        </p:nvSpPr>
+        <p:spPr>
+          <a:xfrm>
+            <a:off x="8191392" y="3037386"/>
+            <a:ext cx="405880" cy="261610"/>
+          </a:xfrm>
+          <a:prstGeom prst="rect">
+            <a:avLst/>
+          </a:prstGeom>
+          <a:noFill/>
+        </p:spPr>
+        <p:txBody>
+          <a:bodyPr wrap="none" rtlCol="0">
+            <a:spAutoFit/>
+          </a:bodyPr>
+          <a:lstStyle/>
+          <a:p>
+            <a:r>
+              <a:rPr lang="en-GB" sz="1100" dirty="0"/>
+              <a:t>Red</a:t>
+            </a:r>
+          </a:p>
+        </p:txBody>
+      </p:sp>
+      <p:sp>
+        <p:nvSpPr>
+          <p:cNvPr id="12" name="TextBox 11">
+            <a:extLst>
+              <a:ext uri="{FF2B5EF4-FFF2-40B4-BE49-F238E27FC236}">
+                <a16:creationId xmlns:a16="http://schemas.microsoft.com/office/drawing/2014/main" id="{0F8CC49C-5B36-4EC6-A797-C37CF0877E03}"/>
+              </a:ext>
+            </a:extLst>
+          </p:cNvPr>
+          <p:cNvSpPr txBox="1"/>
+          <p:nvPr/>
+        </p:nvSpPr>
+        <p:spPr>
+          <a:xfrm>
+            <a:off x="6583651" y="3037386"/>
+            <a:ext cx="538930" cy="261610"/>
+          </a:xfrm>
+          <a:prstGeom prst="rect">
+            <a:avLst/>
+          </a:prstGeom>
+          <a:noFill/>
+        </p:spPr>
+        <p:txBody>
+          <a:bodyPr wrap="none" rtlCol="0">
+            <a:spAutoFit/>
+          </a:bodyPr>
+          <a:lstStyle/>
+          <a:p>
+            <a:r>
+              <a:rPr lang="en-GB" sz="1100" dirty="0"/>
+              <a:t>Green</a:t>
+            </a:r>
+          </a:p>
+        </p:txBody>
+      </p:sp>
+      <p:sp>
+        <p:nvSpPr>
+          <p:cNvPr id="13" name="TextBox 12">
+            <a:extLst>
+              <a:ext uri="{FF2B5EF4-FFF2-40B4-BE49-F238E27FC236}">
+                <a16:creationId xmlns:a16="http://schemas.microsoft.com/office/drawing/2014/main" id="{ABE6B09A-4002-4A1C-86E4-AC81AC30D8D8}"/>
+              </a:ext>
+            </a:extLst>
+          </p:cNvPr>
+          <p:cNvSpPr txBox="1"/>
+          <p:nvPr/>
+        </p:nvSpPr>
+        <p:spPr>
+          <a:xfrm>
+            <a:off x="4273291" y="2637181"/>
+            <a:ext cx="401072" cy="261610"/>
+          </a:xfrm>
+          <a:prstGeom prst="rect">
+            <a:avLst/>
+          </a:prstGeom>
+          <a:noFill/>
+        </p:spPr>
+        <p:txBody>
+          <a:bodyPr wrap="none" rtlCol="0">
+            <a:spAutoFit/>
+          </a:bodyPr>
+          <a:lstStyle/>
+          <a:p>
+            <a:r>
+              <a:rPr lang="en-GB" sz="1100" dirty="0"/>
+              <a:t>375</a:t>
+            </a:r>
+          </a:p>
+        </p:txBody>
+      </p:sp>
+      <p:sp>
+        <p:nvSpPr>
+          <p:cNvPr id="14" name="TextBox 13">
+            <a:extLst>
+              <a:ext uri="{FF2B5EF4-FFF2-40B4-BE49-F238E27FC236}">
+                <a16:creationId xmlns:a16="http://schemas.microsoft.com/office/drawing/2014/main" id="{1F2303E4-ADE2-4C3B-A726-B153E68F43A8}"/>
+              </a:ext>
+            </a:extLst>
+          </p:cNvPr>
+          <p:cNvSpPr txBox="1"/>
+          <p:nvPr/>
+        </p:nvSpPr>
+        <p:spPr>
+          <a:xfrm>
+            <a:off x="10852240" y="2633107"/>
+            <a:ext cx="401072" cy="261610"/>
+          </a:xfrm>
+          <a:prstGeom prst="rect">
+            <a:avLst/>
+          </a:prstGeom>
+          <a:noFill/>
+        </p:spPr>
+        <p:txBody>
+          <a:bodyPr wrap="none" rtlCol="0">
+            <a:spAutoFit/>
+          </a:bodyPr>
+          <a:lstStyle/>
+          <a:p>
+            <a:r>
+              <a:rPr lang="en-GB" sz="1100" dirty="0"/>
+              <a:t>850</a:t>
+            </a:r>
+          </a:p>
+        </p:txBody>
+      </p:sp>
+      <p:sp>
+        <p:nvSpPr>
+          <p:cNvPr id="15" name="TextBox 14">
+            <a:extLst>
+              <a:ext uri="{FF2B5EF4-FFF2-40B4-BE49-F238E27FC236}">
+                <a16:creationId xmlns:a16="http://schemas.microsoft.com/office/drawing/2014/main" id="{F9733EB4-B01A-4B4E-B74C-11AA20F3860D}"/>
+              </a:ext>
+            </a:extLst>
+          </p:cNvPr>
+          <p:cNvSpPr txBox="1"/>
+          <p:nvPr/>
+        </p:nvSpPr>
+        <p:spPr>
+          <a:xfrm>
+            <a:off x="7894021" y="2633107"/>
+            <a:ext cx="401072" cy="261610"/>
+          </a:xfrm>
+          <a:prstGeom prst="rect">
+            <a:avLst/>
+          </a:prstGeom>
+          <a:noFill/>
+        </p:spPr>
+        <p:txBody>
+          <a:bodyPr wrap="none" rtlCol="0">
+            <a:spAutoFit/>
+          </a:bodyPr>
+          <a:lstStyle/>
+          <a:p>
+            <a:r>
+              <a:rPr lang="en-GB" sz="1100" dirty="0"/>
+              <a:t>626</a:t>
+            </a:r>
+          </a:p>
+        </p:txBody>
+      </p:sp>
+      <p:sp>
+        <p:nvSpPr>
+          <p:cNvPr id="16" name="TextBox 15">
+            <a:extLst>
+              <a:ext uri="{FF2B5EF4-FFF2-40B4-BE49-F238E27FC236}">
+                <a16:creationId xmlns:a16="http://schemas.microsoft.com/office/drawing/2014/main" id="{7282A17C-A86A-4D03-9876-18D8E96ACCA2}"/>
+              </a:ext>
+            </a:extLst>
+          </p:cNvPr>
+          <p:cNvSpPr txBox="1"/>
+          <p:nvPr/>
+        </p:nvSpPr>
+        <p:spPr>
+          <a:xfrm>
+            <a:off x="6284192" y="2633107"/>
+            <a:ext cx="401072" cy="261610"/>
+          </a:xfrm>
+          <a:prstGeom prst="rect">
+            <a:avLst/>
+          </a:prstGeom>
+          <a:noFill/>
+        </p:spPr>
+        <p:txBody>
+          <a:bodyPr wrap="none" rtlCol="0">
+            <a:spAutoFit/>
+          </a:bodyPr>
+          <a:lstStyle/>
+          <a:p>
+            <a:r>
+              <a:rPr lang="en-GB" sz="1100" dirty="0"/>
+              <a:t>525</a:t>
+            </a:r>
+          </a:p>
+        </p:txBody>
+      </p:sp>
+      <p:sp>
+        <p:nvSpPr>
+          <p:cNvPr id="17" name="TextBox 16">
+            <a:extLst>
+              <a:ext uri="{FF2B5EF4-FFF2-40B4-BE49-F238E27FC236}">
+                <a16:creationId xmlns:a16="http://schemas.microsoft.com/office/drawing/2014/main" id="{E47576C7-01CA-41E8-8887-72EDD927EA35}"/>
+              </a:ext>
+            </a:extLst>
+          </p:cNvPr>
+          <p:cNvSpPr txBox="1"/>
+          <p:nvPr/>
+        </p:nvSpPr>
+        <p:spPr>
+          <a:xfrm>
+            <a:off x="5521105" y="2634258"/>
+            <a:ext cx="401072" cy="261610"/>
+          </a:xfrm>
+          <a:prstGeom prst="rect">
+            <a:avLst/>
+          </a:prstGeom>
+          <a:noFill/>
+        </p:spPr>
+        <p:txBody>
+          <a:bodyPr wrap="none" rtlCol="0">
+            <a:spAutoFit/>
+          </a:bodyPr>
+          <a:lstStyle/>
+          <a:p>
+            <a:r>
+              <a:rPr lang="en-GB" sz="1100" dirty="0"/>
+              <a:t>470</a:t>
+            </a:r>
+          </a:p>
+        </p:txBody>
+      </p:sp>
       <p:graphicFrame>
         <p:nvGraphicFramePr>
-          <p:cNvPr id="5" name="Chart 4">
+          <p:cNvPr id="18" name="Chart 17">
             <a:extLst>
               <a:ext uri="{FF2B5EF4-FFF2-40B4-BE49-F238E27FC236}">
                 <a16:creationId xmlns:a16="http://schemas.microsoft.com/office/drawing/2014/main" id="{D88178CA-ABC3-4E17-9441-A4CD8F26EDCC}"/>
@@ -15223,14 +15544,14 @@
           <p:nvPr>
             <p:extLst>
               <p:ext uri="{D42A27DB-BD31-4B8C-83A1-F6EECF244321}">
-                <p14:modId xmlns:p14="http://schemas.microsoft.com/office/powerpoint/2010/main" val="3360360248"/>
+                <p14:modId xmlns:p14="http://schemas.microsoft.com/office/powerpoint/2010/main" val="2885040795"/>
               </p:ext>
             </p:extLst>
           </p:nvPr>
         </p:nvGraphicFramePr>
         <p:xfrm>
-          <a:off x="662336" y="1282188"/>
-          <a:ext cx="11184570" cy="3462644"/>
+          <a:off x="220694" y="2767986"/>
+          <a:ext cx="11750612" cy="3637881"/>
         </p:xfrm>
         <a:graphic>
           <a:graphicData uri="http://schemas.openxmlformats.org/drawingml/2006/chart">
@@ -15238,426 +15559,6 @@
           </a:graphicData>
         </a:graphic>
       </p:graphicFrame>
-      <p:sp>
-        <p:nvSpPr>
-          <p:cNvPr id="6" name="TextBox 5">
-            <a:extLst>
-              <a:ext uri="{FF2B5EF4-FFF2-40B4-BE49-F238E27FC236}">
-                <a16:creationId xmlns:a16="http://schemas.microsoft.com/office/drawing/2014/main" id="{66218646-17D2-49D6-8A82-C9EF74073A59}"/>
-              </a:ext>
-            </a:extLst>
-          </p:cNvPr>
-          <p:cNvSpPr txBox="1"/>
-          <p:nvPr/>
-        </p:nvSpPr>
-        <p:spPr>
-          <a:xfrm rot="16200000">
-            <a:off x="119422" y="2776321"/>
-            <a:ext cx="820674" cy="307777"/>
-          </a:xfrm>
-          <a:prstGeom prst="rect">
-            <a:avLst/>
-          </a:prstGeom>
-          <a:noFill/>
-        </p:spPr>
-        <p:txBody>
-          <a:bodyPr wrap="none" rtlCol="0">
-            <a:spAutoFit/>
-          </a:bodyPr>
-          <a:lstStyle/>
-          <a:p>
-            <a:r>
-              <a:rPr lang="en-GB" sz="1400" dirty="0"/>
-              <a:t>Intensity</a:t>
-            </a:r>
-          </a:p>
-        </p:txBody>
-      </p:sp>
-      <p:sp>
-        <p:nvSpPr>
-          <p:cNvPr id="7" name="TextBox 6">
-            <a:extLst>
-              <a:ext uri="{FF2B5EF4-FFF2-40B4-BE49-F238E27FC236}">
-                <a16:creationId xmlns:a16="http://schemas.microsoft.com/office/drawing/2014/main" id="{7CB84694-ADBB-4654-9219-2E406C204E60}"/>
-              </a:ext>
-            </a:extLst>
-          </p:cNvPr>
-          <p:cNvSpPr txBox="1"/>
-          <p:nvPr/>
-        </p:nvSpPr>
-        <p:spPr>
-          <a:xfrm>
-            <a:off x="5533494" y="4744832"/>
-            <a:ext cx="1442254" cy="307777"/>
-          </a:xfrm>
-          <a:prstGeom prst="rect">
-            <a:avLst/>
-          </a:prstGeom>
-          <a:noFill/>
-        </p:spPr>
-        <p:txBody>
-          <a:bodyPr wrap="none" rtlCol="0">
-            <a:spAutoFit/>
-          </a:bodyPr>
-          <a:lstStyle/>
-          <a:p>
-            <a:r>
-              <a:rPr lang="en-GB" sz="1400" dirty="0"/>
-              <a:t>Wavelength [nm]</a:t>
-            </a:r>
-          </a:p>
-        </p:txBody>
-      </p:sp>
-      <p:sp>
-        <p:nvSpPr>
-          <p:cNvPr id="8" name="TextBox 7">
-            <a:extLst>
-              <a:ext uri="{FF2B5EF4-FFF2-40B4-BE49-F238E27FC236}">
-                <a16:creationId xmlns:a16="http://schemas.microsoft.com/office/drawing/2014/main" id="{BD3D097D-7EA9-45BE-A538-E330F7AAA487}"/>
-              </a:ext>
-            </a:extLst>
-          </p:cNvPr>
-          <p:cNvSpPr txBox="1"/>
-          <p:nvPr/>
-        </p:nvSpPr>
-        <p:spPr>
-          <a:xfrm>
-            <a:off x="9860611" y="1445618"/>
-            <a:ext cx="327334" cy="307777"/>
-          </a:xfrm>
-          <a:prstGeom prst="rect">
-            <a:avLst/>
-          </a:prstGeom>
-          <a:noFill/>
-        </p:spPr>
-        <p:txBody>
-          <a:bodyPr wrap="none" rtlCol="0">
-            <a:spAutoFit/>
-          </a:bodyPr>
-          <a:lstStyle/>
-          <a:p>
-            <a:r>
-              <a:rPr lang="en-GB" sz="1400" dirty="0"/>
-              <a:t>IR</a:t>
-            </a:r>
-          </a:p>
-        </p:txBody>
-      </p:sp>
-      <p:sp>
-        <p:nvSpPr>
-          <p:cNvPr id="9" name="TextBox 8">
-            <a:extLst>
-              <a:ext uri="{FF2B5EF4-FFF2-40B4-BE49-F238E27FC236}">
-                <a16:creationId xmlns:a16="http://schemas.microsoft.com/office/drawing/2014/main" id="{EC8DC086-9FF9-4318-8585-5BA1896AC760}"/>
-              </a:ext>
-            </a:extLst>
-          </p:cNvPr>
-          <p:cNvSpPr txBox="1"/>
-          <p:nvPr/>
-        </p:nvSpPr>
-        <p:spPr>
-          <a:xfrm>
-            <a:off x="2650942" y="1445618"/>
-            <a:ext cx="498470" cy="307777"/>
-          </a:xfrm>
-          <a:prstGeom prst="rect">
-            <a:avLst/>
-          </a:prstGeom>
-          <a:noFill/>
-        </p:spPr>
-        <p:txBody>
-          <a:bodyPr wrap="none" rtlCol="0">
-            <a:spAutoFit/>
-          </a:bodyPr>
-          <a:lstStyle/>
-          <a:p>
-            <a:r>
-              <a:rPr lang="en-GB" sz="1400" dirty="0"/>
-              <a:t>UVA</a:t>
-            </a:r>
-          </a:p>
-        </p:txBody>
-      </p:sp>
-      <p:sp>
-        <p:nvSpPr>
-          <p:cNvPr id="10" name="TextBox 9">
-            <a:extLst>
-              <a:ext uri="{FF2B5EF4-FFF2-40B4-BE49-F238E27FC236}">
-                <a16:creationId xmlns:a16="http://schemas.microsoft.com/office/drawing/2014/main" id="{B57D7180-B2F9-4B18-8B4A-1355B0BAFD19}"/>
-              </a:ext>
-            </a:extLst>
-          </p:cNvPr>
-          <p:cNvSpPr txBox="1"/>
-          <p:nvPr/>
-        </p:nvSpPr>
-        <p:spPr>
-          <a:xfrm>
-            <a:off x="3959642" y="1445618"/>
-            <a:ext cx="508473" cy="307777"/>
-          </a:xfrm>
-          <a:prstGeom prst="rect">
-            <a:avLst/>
-          </a:prstGeom>
-          <a:noFill/>
-        </p:spPr>
-        <p:txBody>
-          <a:bodyPr wrap="none" rtlCol="0">
-            <a:spAutoFit/>
-          </a:bodyPr>
-          <a:lstStyle/>
-          <a:p>
-            <a:r>
-              <a:rPr lang="en-GB" sz="1400" dirty="0"/>
-              <a:t>Blue</a:t>
-            </a:r>
-          </a:p>
-        </p:txBody>
-      </p:sp>
-      <p:sp>
-        <p:nvSpPr>
-          <p:cNvPr id="11" name="TextBox 10">
-            <a:extLst>
-              <a:ext uri="{FF2B5EF4-FFF2-40B4-BE49-F238E27FC236}">
-                <a16:creationId xmlns:a16="http://schemas.microsoft.com/office/drawing/2014/main" id="{CE16B0D0-0A51-431C-8904-6BAD5731C6CF}"/>
-              </a:ext>
-            </a:extLst>
-          </p:cNvPr>
-          <p:cNvSpPr txBox="1"/>
-          <p:nvPr/>
-        </p:nvSpPr>
-        <p:spPr>
-          <a:xfrm>
-            <a:off x="6853116" y="1445619"/>
-            <a:ext cx="463653" cy="307777"/>
-          </a:xfrm>
-          <a:prstGeom prst="rect">
-            <a:avLst/>
-          </a:prstGeom>
-          <a:noFill/>
-        </p:spPr>
-        <p:txBody>
-          <a:bodyPr wrap="none" rtlCol="0">
-            <a:spAutoFit/>
-          </a:bodyPr>
-          <a:lstStyle/>
-          <a:p>
-            <a:r>
-              <a:rPr lang="en-GB" sz="1400" dirty="0"/>
-              <a:t>Red</a:t>
-            </a:r>
-          </a:p>
-        </p:txBody>
-      </p:sp>
-      <p:sp>
-        <p:nvSpPr>
-          <p:cNvPr id="12" name="TextBox 11">
-            <a:extLst>
-              <a:ext uri="{FF2B5EF4-FFF2-40B4-BE49-F238E27FC236}">
-                <a16:creationId xmlns:a16="http://schemas.microsoft.com/office/drawing/2014/main" id="{0F8CC49C-5B36-4EC6-A797-C37CF0877E03}"/>
-              </a:ext>
-            </a:extLst>
-          </p:cNvPr>
-          <p:cNvSpPr txBox="1"/>
-          <p:nvPr/>
-        </p:nvSpPr>
-        <p:spPr>
-          <a:xfrm>
-            <a:off x="5410149" y="1445618"/>
-            <a:ext cx="632737" cy="307777"/>
-          </a:xfrm>
-          <a:prstGeom prst="rect">
-            <a:avLst/>
-          </a:prstGeom>
-          <a:noFill/>
-        </p:spPr>
-        <p:txBody>
-          <a:bodyPr wrap="none" rtlCol="0">
-            <a:spAutoFit/>
-          </a:bodyPr>
-          <a:lstStyle/>
-          <a:p>
-            <a:r>
-              <a:rPr lang="en-GB" sz="1400" dirty="0"/>
-              <a:t>Green</a:t>
-            </a:r>
-          </a:p>
-        </p:txBody>
-      </p:sp>
-      <p:sp>
-        <p:nvSpPr>
-          <p:cNvPr id="13" name="TextBox 12">
-            <a:extLst>
-              <a:ext uri="{FF2B5EF4-FFF2-40B4-BE49-F238E27FC236}">
-                <a16:creationId xmlns:a16="http://schemas.microsoft.com/office/drawing/2014/main" id="{ABE6B09A-4002-4A1C-86E4-AC81AC30D8D8}"/>
-              </a:ext>
-            </a:extLst>
-          </p:cNvPr>
-          <p:cNvSpPr txBox="1"/>
-          <p:nvPr/>
-        </p:nvSpPr>
-        <p:spPr>
-          <a:xfrm>
-            <a:off x="3012911" y="1056126"/>
-            <a:ext cx="458780" cy="307777"/>
-          </a:xfrm>
-          <a:prstGeom prst="rect">
-            <a:avLst/>
-          </a:prstGeom>
-          <a:noFill/>
-        </p:spPr>
-        <p:txBody>
-          <a:bodyPr wrap="none" rtlCol="0">
-            <a:spAutoFit/>
-          </a:bodyPr>
-          <a:lstStyle/>
-          <a:p>
-            <a:r>
-              <a:rPr lang="en-GB" sz="1400" dirty="0"/>
-              <a:t>375</a:t>
-            </a:r>
-          </a:p>
-        </p:txBody>
-      </p:sp>
-      <p:sp>
-        <p:nvSpPr>
-          <p:cNvPr id="14" name="TextBox 13">
-            <a:extLst>
-              <a:ext uri="{FF2B5EF4-FFF2-40B4-BE49-F238E27FC236}">
-                <a16:creationId xmlns:a16="http://schemas.microsoft.com/office/drawing/2014/main" id="{1F2303E4-ADE2-4C3B-A726-B153E68F43A8}"/>
-              </a:ext>
-            </a:extLst>
-          </p:cNvPr>
-          <p:cNvSpPr txBox="1"/>
-          <p:nvPr/>
-        </p:nvSpPr>
-        <p:spPr>
-          <a:xfrm>
-            <a:off x="9306839" y="1056125"/>
-            <a:ext cx="458780" cy="307777"/>
-          </a:xfrm>
-          <a:prstGeom prst="rect">
-            <a:avLst/>
-          </a:prstGeom>
-          <a:noFill/>
-        </p:spPr>
-        <p:txBody>
-          <a:bodyPr wrap="none" rtlCol="0">
-            <a:spAutoFit/>
-          </a:bodyPr>
-          <a:lstStyle/>
-          <a:p>
-            <a:r>
-              <a:rPr lang="en-GB" sz="1400" dirty="0"/>
-              <a:t>850</a:t>
-            </a:r>
-          </a:p>
-        </p:txBody>
-      </p:sp>
-      <p:sp>
-        <p:nvSpPr>
-          <p:cNvPr id="15" name="TextBox 14">
-            <a:extLst>
-              <a:ext uri="{FF2B5EF4-FFF2-40B4-BE49-F238E27FC236}">
-                <a16:creationId xmlns:a16="http://schemas.microsoft.com/office/drawing/2014/main" id="{F9733EB4-B01A-4B4E-B74C-11AA20F3860D}"/>
-              </a:ext>
-            </a:extLst>
-          </p:cNvPr>
-          <p:cNvSpPr txBox="1"/>
-          <p:nvPr/>
-        </p:nvSpPr>
-        <p:spPr>
-          <a:xfrm>
-            <a:off x="6516968" y="1056124"/>
-            <a:ext cx="458780" cy="307777"/>
-          </a:xfrm>
-          <a:prstGeom prst="rect">
-            <a:avLst/>
-          </a:prstGeom>
-          <a:noFill/>
-        </p:spPr>
-        <p:txBody>
-          <a:bodyPr wrap="none" rtlCol="0">
-            <a:spAutoFit/>
-          </a:bodyPr>
-          <a:lstStyle/>
-          <a:p>
-            <a:r>
-              <a:rPr lang="en-GB" sz="1400" dirty="0"/>
-              <a:t>626</a:t>
-            </a:r>
-          </a:p>
-        </p:txBody>
-      </p:sp>
-      <p:sp>
-        <p:nvSpPr>
-          <p:cNvPr id="16" name="TextBox 15">
-            <a:extLst>
-              <a:ext uri="{FF2B5EF4-FFF2-40B4-BE49-F238E27FC236}">
-                <a16:creationId xmlns:a16="http://schemas.microsoft.com/office/drawing/2014/main" id="{7282A17C-A86A-4D03-9876-18D8E96ACCA2}"/>
-              </a:ext>
-            </a:extLst>
-          </p:cNvPr>
-          <p:cNvSpPr txBox="1"/>
-          <p:nvPr/>
-        </p:nvSpPr>
-        <p:spPr>
-          <a:xfrm>
-            <a:off x="5067740" y="1056124"/>
-            <a:ext cx="458780" cy="307777"/>
-          </a:xfrm>
-          <a:prstGeom prst="rect">
-            <a:avLst/>
-          </a:prstGeom>
-          <a:noFill/>
-        </p:spPr>
-        <p:txBody>
-          <a:bodyPr wrap="none" rtlCol="0">
-            <a:spAutoFit/>
-          </a:bodyPr>
-          <a:lstStyle/>
-          <a:p>
-            <a:r>
-              <a:rPr lang="en-GB" sz="1400" dirty="0"/>
-              <a:t>525</a:t>
-            </a:r>
-          </a:p>
-        </p:txBody>
-      </p:sp>
-      <p:sp>
-        <p:nvSpPr>
-          <p:cNvPr id="17" name="TextBox 16">
-            <a:extLst>
-              <a:ext uri="{FF2B5EF4-FFF2-40B4-BE49-F238E27FC236}">
-                <a16:creationId xmlns:a16="http://schemas.microsoft.com/office/drawing/2014/main" id="{E47576C7-01CA-41E8-8887-72EDD927EA35}"/>
-              </a:ext>
-            </a:extLst>
-          </p:cNvPr>
-          <p:cNvSpPr txBox="1"/>
-          <p:nvPr/>
-        </p:nvSpPr>
-        <p:spPr>
-          <a:xfrm>
-            <a:off x="4273291" y="1056124"/>
-            <a:ext cx="458780" cy="307777"/>
-          </a:xfrm>
-          <a:prstGeom prst="rect">
-            <a:avLst/>
-          </a:prstGeom>
-          <a:noFill/>
-        </p:spPr>
-        <p:txBody>
-          <a:bodyPr wrap="none" rtlCol="0">
-            <a:spAutoFit/>
-          </a:bodyPr>
-          <a:lstStyle/>
-          <a:p>
-            <a:r>
-              <a:rPr lang="en-GB" sz="1400" dirty="0"/>
-              <a:t>470</a:t>
-            </a:r>
-          </a:p>
-        </p:txBody>
-      </p:sp>
     </p:spTree>
     <p:extLst>
       <p:ext uri="{BB962C8B-B14F-4D97-AF65-F5344CB8AC3E}">

--- a/setup/network.pptx
+++ b/setup/network.pptx
@@ -694,7 +694,7 @@
           <c:max val="1"/>
           <c:min val="0"/>
         </c:scaling>
-        <c:delete val="0"/>
+        <c:delete val="1"/>
         <c:axPos val="l"/>
         <c:majorGridlines>
           <c:spPr>
@@ -714,39 +714,6 @@
         <c:majorTickMark val="none"/>
         <c:minorTickMark val="none"/>
         <c:tickLblPos val="nextTo"/>
-        <c:spPr>
-          <a:noFill/>
-          <a:ln w="9525" cap="flat" cmpd="sng" algn="ctr">
-            <a:solidFill>
-              <a:schemeClr val="tx1">
-                <a:lumMod val="25000"/>
-                <a:lumOff val="75000"/>
-              </a:schemeClr>
-            </a:solidFill>
-            <a:round/>
-          </a:ln>
-          <a:effectLst/>
-        </c:spPr>
-        <c:txPr>
-          <a:bodyPr rot="-60000000" spcFirstLastPara="1" vertOverflow="ellipsis" vert="horz" wrap="square" anchor="ctr" anchorCtr="1"/>
-          <a:lstStyle/>
-          <a:p>
-            <a:pPr>
-              <a:defRPr sz="900" b="0" i="0" u="none" strike="noStrike" kern="1200" baseline="0">
-                <a:solidFill>
-                  <a:schemeClr val="tx1">
-                    <a:lumMod val="65000"/>
-                    <a:lumOff val="35000"/>
-                  </a:schemeClr>
-                </a:solidFill>
-                <a:latin typeface="+mn-lt"/>
-                <a:ea typeface="+mn-ea"/>
-                <a:cs typeface="+mn-cs"/>
-              </a:defRPr>
-            </a:pPr>
-            <a:endParaRPr lang="en-US"/>
-          </a:p>
-        </c:txPr>
         <c:crossAx val="1101444512"/>
         <c:crossesAt val="100"/>
         <c:crossBetween val="midCat"/>

--- a/setup/network.pptx
+++ b/setup/network.pptx
@@ -15335,7 +15335,7 @@
         </p:nvSpPr>
         <p:spPr>
           <a:xfrm>
-            <a:off x="4273291" y="2637181"/>
+            <a:off x="4126247" y="2633107"/>
             <a:ext cx="401072" cy="261610"/>
           </a:xfrm>
           <a:prstGeom prst="rect">
@@ -15370,7 +15370,7 @@
         </p:nvSpPr>
         <p:spPr>
           <a:xfrm>
-            <a:off x="10852240" y="2633107"/>
+            <a:off x="10777596" y="2633107"/>
             <a:ext cx="401072" cy="261610"/>
           </a:xfrm>
           <a:prstGeom prst="rect">
@@ -15405,7 +15405,7 @@
         </p:nvSpPr>
         <p:spPr>
           <a:xfrm>
-            <a:off x="7894021" y="2633107"/>
+            <a:off x="7813574" y="2641076"/>
             <a:ext cx="401072" cy="261610"/>
           </a:xfrm>
           <a:prstGeom prst="rect">
@@ -15421,7 +15421,7 @@
           <a:p>
             <a:r>
               <a:rPr lang="en-GB" sz="1100" dirty="0"/>
-              <a:t>626</a:t>
+              <a:t>636</a:t>
             </a:r>
           </a:p>
         </p:txBody>
@@ -15440,7 +15440,7 @@
         </p:nvSpPr>
         <p:spPr>
           <a:xfrm>
-            <a:off x="6284192" y="2633107"/>
+            <a:off x="6247731" y="2633107"/>
             <a:ext cx="401072" cy="261610"/>
           </a:xfrm>
           <a:prstGeom prst="rect">
@@ -15475,7 +15475,7 @@
         </p:nvSpPr>
         <p:spPr>
           <a:xfrm>
-            <a:off x="5521105" y="2634258"/>
+            <a:off x="5491554" y="2633107"/>
             <a:ext cx="401072" cy="261610"/>
           </a:xfrm>
           <a:prstGeom prst="rect">

--- a/setup/network.pptx
+++ b/setup/network.pptx
@@ -14,6 +14,7 @@
     <p:sldId id="262" r:id="rId8"/>
     <p:sldId id="267" r:id="rId9"/>
     <p:sldId id="266" r:id="rId10"/>
+    <p:sldId id="268" r:id="rId11"/>
   </p:sldIdLst>
   <p:sldSz cx="12192000" cy="6858000"/>
   <p:notesSz cx="6858000" cy="9144000"/>
@@ -7261,6 +7262,72 @@
     <p:extLst>
       <p:ext uri="{BB962C8B-B14F-4D97-AF65-F5344CB8AC3E}">
         <p14:creationId xmlns:p14="http://schemas.microsoft.com/office/powerpoint/2010/main" val="397903755"/>
+      </p:ext>
+    </p:extLst>
+  </p:cSld>
+  <p:clrMapOvr>
+    <a:masterClrMapping/>
+  </p:clrMapOvr>
+</p:sld>
+</file>
+
+<file path=ppt/slides/slide10.xml><?xml version="1.0" encoding="utf-8"?>
+<p:sld xmlns:a="http://schemas.openxmlformats.org/drawingml/2006/main" xmlns:r="http://schemas.openxmlformats.org/officeDocument/2006/relationships" xmlns:p="http://schemas.openxmlformats.org/presentationml/2006/main">
+  <p:cSld>
+    <p:spTree>
+      <p:nvGrpSpPr>
+        <p:cNvPr id="1" name=""/>
+        <p:cNvGrpSpPr/>
+        <p:nvPr/>
+      </p:nvGrpSpPr>
+      <p:grpSpPr>
+        <a:xfrm>
+          <a:off x="0" y="0"/>
+          <a:ext cx="0" cy="0"/>
+          <a:chOff x="0" y="0"/>
+          <a:chExt cx="0" cy="0"/>
+        </a:xfrm>
+      </p:grpSpPr>
+      <p:pic>
+        <p:nvPicPr>
+          <p:cNvPr id="5" name="Picture 4">
+            <a:extLst>
+              <a:ext uri="{FF2B5EF4-FFF2-40B4-BE49-F238E27FC236}">
+                <a16:creationId xmlns:a16="http://schemas.microsoft.com/office/drawing/2014/main" id="{FD151592-0993-476F-9505-90BD5E5AE35D}"/>
+              </a:ext>
+            </a:extLst>
+          </p:cNvPr>
+          <p:cNvPicPr>
+            <a:picLocks noChangeAspect="1"/>
+          </p:cNvPicPr>
+          <p:nvPr/>
+        </p:nvPicPr>
+        <p:blipFill>
+          <a:blip r:embed="rId2">
+            <a:extLst>
+              <a:ext uri="{28A0092B-C50C-407E-A947-70E740481C1C}">
+                <a14:useLocalDpi xmlns:a14="http://schemas.microsoft.com/office/drawing/2010/main" val="0"/>
+              </a:ext>
+            </a:extLst>
+          </a:blip>
+          <a:stretch>
+            <a:fillRect/>
+          </a:stretch>
+        </p:blipFill>
+        <p:spPr>
+          <a:xfrm>
+            <a:off x="153285" y="3021000"/>
+            <a:ext cx="11885429" cy="816000"/>
+          </a:xfrm>
+          <a:prstGeom prst="rect">
+            <a:avLst/>
+          </a:prstGeom>
+        </p:spPr>
+      </p:pic>
+    </p:spTree>
+    <p:extLst>
+      <p:ext uri="{BB962C8B-B14F-4D97-AF65-F5344CB8AC3E}">
+        <p14:creationId xmlns:p14="http://schemas.microsoft.com/office/powerpoint/2010/main" val="3688769623"/>
       </p:ext>
     </p:extLst>
   </p:cSld>

--- a/setup/network.pptx
+++ b/setup/network.pptx
@@ -10,11 +10,10 @@
     <p:sldId id="258" r:id="rId4"/>
     <p:sldId id="259" r:id="rId5"/>
     <p:sldId id="260" r:id="rId6"/>
-    <p:sldId id="261" r:id="rId7"/>
-    <p:sldId id="262" r:id="rId8"/>
-    <p:sldId id="267" r:id="rId9"/>
-    <p:sldId id="266" r:id="rId10"/>
-    <p:sldId id="268" r:id="rId11"/>
+    <p:sldId id="262" r:id="rId7"/>
+    <p:sldId id="267" r:id="rId8"/>
+    <p:sldId id="266" r:id="rId9"/>
+    <p:sldId id="268" r:id="rId10"/>
   </p:sldIdLst>
   <p:sldSz cx="12192000" cy="6858000"/>
   <p:notesSz cx="6858000" cy="9144000"/>
@@ -7262,72 +7261,6 @@
     <p:extLst>
       <p:ext uri="{BB962C8B-B14F-4D97-AF65-F5344CB8AC3E}">
         <p14:creationId xmlns:p14="http://schemas.microsoft.com/office/powerpoint/2010/main" val="397903755"/>
-      </p:ext>
-    </p:extLst>
-  </p:cSld>
-  <p:clrMapOvr>
-    <a:masterClrMapping/>
-  </p:clrMapOvr>
-</p:sld>
-</file>
-
-<file path=ppt/slides/slide10.xml><?xml version="1.0" encoding="utf-8"?>
-<p:sld xmlns:a="http://schemas.openxmlformats.org/drawingml/2006/main" xmlns:r="http://schemas.openxmlformats.org/officeDocument/2006/relationships" xmlns:p="http://schemas.openxmlformats.org/presentationml/2006/main">
-  <p:cSld>
-    <p:spTree>
-      <p:nvGrpSpPr>
-        <p:cNvPr id="1" name=""/>
-        <p:cNvGrpSpPr/>
-        <p:nvPr/>
-      </p:nvGrpSpPr>
-      <p:grpSpPr>
-        <a:xfrm>
-          <a:off x="0" y="0"/>
-          <a:ext cx="0" cy="0"/>
-          <a:chOff x="0" y="0"/>
-          <a:chExt cx="0" cy="0"/>
-        </a:xfrm>
-      </p:grpSpPr>
-      <p:pic>
-        <p:nvPicPr>
-          <p:cNvPr id="5" name="Picture 4">
-            <a:extLst>
-              <a:ext uri="{FF2B5EF4-FFF2-40B4-BE49-F238E27FC236}">
-                <a16:creationId xmlns:a16="http://schemas.microsoft.com/office/drawing/2014/main" id="{FD151592-0993-476F-9505-90BD5E5AE35D}"/>
-              </a:ext>
-            </a:extLst>
-          </p:cNvPr>
-          <p:cNvPicPr>
-            <a:picLocks noChangeAspect="1"/>
-          </p:cNvPicPr>
-          <p:nvPr/>
-        </p:nvPicPr>
-        <p:blipFill>
-          <a:blip r:embed="rId2">
-            <a:extLst>
-              <a:ext uri="{28A0092B-C50C-407E-A947-70E740481C1C}">
-                <a14:useLocalDpi xmlns:a14="http://schemas.microsoft.com/office/drawing/2010/main" val="0"/>
-              </a:ext>
-            </a:extLst>
-          </a:blip>
-          <a:stretch>
-            <a:fillRect/>
-          </a:stretch>
-        </p:blipFill>
-        <p:spPr>
-          <a:xfrm>
-            <a:off x="153285" y="3021000"/>
-            <a:ext cx="11885429" cy="816000"/>
-          </a:xfrm>
-          <a:prstGeom prst="rect">
-            <a:avLst/>
-          </a:prstGeom>
-        </p:spPr>
-      </p:pic>
-    </p:spTree>
-    <p:extLst>
-      <p:ext uri="{BB962C8B-B14F-4D97-AF65-F5344CB8AC3E}">
-        <p14:creationId xmlns:p14="http://schemas.microsoft.com/office/powerpoint/2010/main" val="3688769623"/>
       </p:ext>
     </p:extLst>
   </p:cSld>
@@ -15058,96 +14991,634 @@
           <a:chExt cx="0" cy="0"/>
         </a:xfrm>
       </p:grpSpPr>
-      <p:pic>
-        <p:nvPicPr>
-          <p:cNvPr id="4" name="Picture 3">
-            <a:extLst>
-              <a:ext uri="{FF2B5EF4-FFF2-40B4-BE49-F238E27FC236}">
-                <a16:creationId xmlns:a16="http://schemas.microsoft.com/office/drawing/2014/main" id="{4AF4F12E-24C4-4ED3-9AA6-6CA9C46E6A46}"/>
-              </a:ext>
-            </a:extLst>
-          </p:cNvPr>
-          <p:cNvPicPr>
-            <a:picLocks noChangeAspect="1"/>
-          </p:cNvPicPr>
+      <p:grpSp>
+        <p:nvGrpSpPr>
+          <p:cNvPr id="90" name="Group 89">
+            <a:extLst>
+              <a:ext uri="{FF2B5EF4-FFF2-40B4-BE49-F238E27FC236}">
+                <a16:creationId xmlns:a16="http://schemas.microsoft.com/office/drawing/2014/main" id="{3AA3ED5A-CFBF-4DC1-B618-C18C8A48D6D6}"/>
+              </a:ext>
+            </a:extLst>
+          </p:cNvPr>
+          <p:cNvGrpSpPr/>
           <p:nvPr/>
-        </p:nvPicPr>
-        <p:blipFill>
-          <a:blip r:embed="rId2"/>
-          <a:stretch>
-            <a:fillRect/>
-          </a:stretch>
-        </p:blipFill>
-        <p:spPr>
-          <a:xfrm>
-            <a:off x="1467655" y="1997246"/>
-            <a:ext cx="7934325" cy="4467225"/>
-          </a:xfrm>
-          <a:prstGeom prst="rect">
-            <a:avLst/>
-          </a:prstGeom>
-        </p:spPr>
-      </p:pic>
-    </p:spTree>
-    <p:extLst>
-      <p:ext uri="{BB962C8B-B14F-4D97-AF65-F5344CB8AC3E}">
-        <p14:creationId xmlns:p14="http://schemas.microsoft.com/office/powerpoint/2010/main" val="1527862093"/>
-      </p:ext>
-    </p:extLst>
-  </p:cSld>
-  <p:clrMapOvr>
-    <a:masterClrMapping/>
-  </p:clrMapOvr>
-</p:sld>
-</file>
-
-<file path=ppt/slides/slide7.xml><?xml version="1.0" encoding="utf-8"?>
-<p:sld xmlns:a="http://schemas.openxmlformats.org/drawingml/2006/main" xmlns:r="http://schemas.openxmlformats.org/officeDocument/2006/relationships" xmlns:p="http://schemas.openxmlformats.org/presentationml/2006/main">
-  <p:cSld>
-    <p:spTree>
-      <p:nvGrpSpPr>
-        <p:cNvPr id="1" name=""/>
-        <p:cNvGrpSpPr/>
-        <p:nvPr/>
-      </p:nvGrpSpPr>
-      <p:grpSpPr>
-        <a:xfrm>
-          <a:off x="0" y="0"/>
-          <a:ext cx="0" cy="0"/>
-          <a:chOff x="0" y="0"/>
-          <a:chExt cx="0" cy="0"/>
-        </a:xfrm>
-      </p:grpSpPr>
-      <p:pic>
-        <p:nvPicPr>
-          <p:cNvPr id="4" name="Picture 3">
-            <a:extLst>
-              <a:ext uri="{FF2B5EF4-FFF2-40B4-BE49-F238E27FC236}">
-                <a16:creationId xmlns:a16="http://schemas.microsoft.com/office/drawing/2014/main" id="{D8CDB52F-F161-41CF-AE47-B4CA13888243}"/>
-              </a:ext>
-            </a:extLst>
-          </p:cNvPr>
-          <p:cNvPicPr>
-            <a:picLocks noChangeAspect="1"/>
-          </p:cNvPicPr>
-          <p:nvPr/>
-        </p:nvPicPr>
-        <p:blipFill>
-          <a:blip r:embed="rId2"/>
-          <a:stretch>
-            <a:fillRect/>
-          </a:stretch>
-        </p:blipFill>
-        <p:spPr>
-          <a:xfrm>
-            <a:off x="2033587" y="1423987"/>
-            <a:ext cx="8124825" cy="4010025"/>
-          </a:xfrm>
-          <a:prstGeom prst="rect">
-            <a:avLst/>
-          </a:prstGeom>
-        </p:spPr>
-      </p:pic>
+        </p:nvGrpSpPr>
+        <p:grpSpPr>
+          <a:xfrm>
+            <a:off x="4562670" y="1898367"/>
+            <a:ext cx="3760323" cy="3142351"/>
+            <a:chOff x="4562670" y="1898367"/>
+            <a:chExt cx="3760323" cy="3142351"/>
+          </a:xfrm>
+        </p:grpSpPr>
+        <p:pic>
+          <p:nvPicPr>
+            <p:cNvPr id="2" name="Picture 1">
+              <a:extLst>
+                <a:ext uri="{FF2B5EF4-FFF2-40B4-BE49-F238E27FC236}">
+                  <a16:creationId xmlns:a16="http://schemas.microsoft.com/office/drawing/2014/main" id="{1BB05299-BFDB-40AB-B387-2304AB422CE5}"/>
+                </a:ext>
+              </a:extLst>
+            </p:cNvPr>
+            <p:cNvPicPr>
+              <a:picLocks noChangeAspect="1"/>
+            </p:cNvPicPr>
+            <p:nvPr/>
+          </p:nvPicPr>
+          <p:blipFill>
+            <a:blip r:embed="rId2"/>
+            <a:stretch>
+              <a:fillRect/>
+            </a:stretch>
+          </p:blipFill>
+          <p:spPr>
+            <a:xfrm>
+              <a:off x="4893993" y="1898367"/>
+              <a:ext cx="3429000" cy="2714625"/>
+            </a:xfrm>
+            <a:prstGeom prst="rect">
+              <a:avLst/>
+            </a:prstGeom>
+          </p:spPr>
+        </p:pic>
+        <p:cxnSp>
+          <p:nvCxnSpPr>
+            <p:cNvPr id="5" name="Straight Connector 4">
+              <a:extLst>
+                <a:ext uri="{FF2B5EF4-FFF2-40B4-BE49-F238E27FC236}">
+                  <a16:creationId xmlns:a16="http://schemas.microsoft.com/office/drawing/2014/main" id="{1339B68E-80AB-4BBF-B6FD-645A971D52E9}"/>
+                </a:ext>
+              </a:extLst>
+            </p:cNvPr>
+            <p:cNvCxnSpPr>
+              <a:cxnSpLocks/>
+            </p:cNvCxnSpPr>
+            <p:nvPr/>
+          </p:nvCxnSpPr>
+          <p:spPr>
+            <a:xfrm flipV="1">
+              <a:off x="5010540" y="2186570"/>
+              <a:ext cx="2904735" cy="2058861"/>
+            </a:xfrm>
+            <a:prstGeom prst="line">
+              <a:avLst/>
+            </a:prstGeom>
+            <a:ln w="25400">
+              <a:solidFill>
+                <a:schemeClr val="accent1">
+                  <a:lumMod val="60000"/>
+                  <a:lumOff val="40000"/>
+                </a:schemeClr>
+              </a:solidFill>
+              <a:prstDash val="sysDash"/>
+            </a:ln>
+          </p:spPr>
+          <p:style>
+            <a:lnRef idx="1">
+              <a:schemeClr val="accent1"/>
+            </a:lnRef>
+            <a:fillRef idx="0">
+              <a:schemeClr val="accent1"/>
+            </a:fillRef>
+            <a:effectRef idx="0">
+              <a:schemeClr val="accent1"/>
+            </a:effectRef>
+            <a:fontRef idx="minor">
+              <a:schemeClr val="tx1"/>
+            </a:fontRef>
+          </p:style>
+        </p:cxnSp>
+        <p:sp>
+          <p:nvSpPr>
+            <p:cNvPr id="15" name="TextBox 14">
+              <a:extLst>
+                <a:ext uri="{FF2B5EF4-FFF2-40B4-BE49-F238E27FC236}">
+                  <a16:creationId xmlns:a16="http://schemas.microsoft.com/office/drawing/2014/main" id="{949942F9-E2B8-49B4-B957-3653A1BD4CC2}"/>
+                </a:ext>
+              </a:extLst>
+            </p:cNvPr>
+            <p:cNvSpPr txBox="1"/>
+            <p:nvPr/>
+          </p:nvSpPr>
+          <p:spPr>
+            <a:xfrm>
+              <a:off x="4749728" y="2048070"/>
+              <a:ext cx="260008" cy="276999"/>
+            </a:xfrm>
+            <a:prstGeom prst="rect">
+              <a:avLst/>
+            </a:prstGeom>
+            <a:noFill/>
+          </p:spPr>
+          <p:txBody>
+            <a:bodyPr wrap="none" rtlCol="0">
+              <a:spAutoFit/>
+            </a:bodyPr>
+            <a:lstStyle/>
+            <a:p>
+              <a:r>
+                <a:rPr lang="en-GB" sz="1200"/>
+                <a:t>E</a:t>
+              </a:r>
+            </a:p>
+          </p:txBody>
+        </p:sp>
+        <p:sp>
+          <p:nvSpPr>
+            <p:cNvPr id="16" name="TextBox 15">
+              <a:extLst>
+                <a:ext uri="{FF2B5EF4-FFF2-40B4-BE49-F238E27FC236}">
+                  <a16:creationId xmlns:a16="http://schemas.microsoft.com/office/drawing/2014/main" id="{61C8F373-CE13-4464-8C76-BBCCC71A9316}"/>
+                </a:ext>
+              </a:extLst>
+            </p:cNvPr>
+            <p:cNvSpPr txBox="1"/>
+            <p:nvPr/>
+          </p:nvSpPr>
+          <p:spPr>
+            <a:xfrm>
+              <a:off x="7947409" y="4543861"/>
+              <a:ext cx="250390" cy="276999"/>
+            </a:xfrm>
+            <a:prstGeom prst="rect">
+              <a:avLst/>
+            </a:prstGeom>
+            <a:noFill/>
+          </p:spPr>
+          <p:txBody>
+            <a:bodyPr wrap="none" rtlCol="0">
+              <a:spAutoFit/>
+            </a:bodyPr>
+            <a:lstStyle/>
+            <a:p>
+              <a:r>
+                <a:rPr lang="en-GB" sz="1200"/>
+                <a:t>c</a:t>
+              </a:r>
+            </a:p>
+          </p:txBody>
+        </p:sp>
+        <p:cxnSp>
+          <p:nvCxnSpPr>
+            <p:cNvPr id="18" name="Straight Connector 17">
+              <a:extLst>
+                <a:ext uri="{FF2B5EF4-FFF2-40B4-BE49-F238E27FC236}">
+                  <a16:creationId xmlns:a16="http://schemas.microsoft.com/office/drawing/2014/main" id="{5E36CED9-510D-4E09-B378-40F389A7047F}"/>
+                </a:ext>
+              </a:extLst>
+            </p:cNvPr>
+            <p:cNvCxnSpPr>
+              <a:cxnSpLocks/>
+            </p:cNvCxnSpPr>
+            <p:nvPr/>
+          </p:nvCxnSpPr>
+          <p:spPr>
+            <a:xfrm>
+              <a:off x="5206482" y="4096139"/>
+              <a:ext cx="0" cy="765110"/>
+            </a:xfrm>
+            <a:prstGeom prst="line">
+              <a:avLst/>
+            </a:prstGeom>
+          </p:spPr>
+          <p:style>
+            <a:lnRef idx="1">
+              <a:schemeClr val="accent1"/>
+            </a:lnRef>
+            <a:fillRef idx="0">
+              <a:schemeClr val="accent1"/>
+            </a:fillRef>
+            <a:effectRef idx="0">
+              <a:schemeClr val="accent1"/>
+            </a:effectRef>
+            <a:fontRef idx="minor">
+              <a:schemeClr val="tx1"/>
+            </a:fontRef>
+          </p:style>
+        </p:cxnSp>
+        <p:cxnSp>
+          <p:nvCxnSpPr>
+            <p:cNvPr id="20" name="Straight Connector 19">
+              <a:extLst>
+                <a:ext uri="{FF2B5EF4-FFF2-40B4-BE49-F238E27FC236}">
+                  <a16:creationId xmlns:a16="http://schemas.microsoft.com/office/drawing/2014/main" id="{876E9989-D867-435F-BBE8-613F36D2354E}"/>
+                </a:ext>
+              </a:extLst>
+            </p:cNvPr>
+            <p:cNvCxnSpPr>
+              <a:cxnSpLocks/>
+            </p:cNvCxnSpPr>
+            <p:nvPr/>
+          </p:nvCxnSpPr>
+          <p:spPr>
+            <a:xfrm>
+              <a:off x="7604450" y="2404378"/>
+              <a:ext cx="0" cy="2456871"/>
+            </a:xfrm>
+            <a:prstGeom prst="line">
+              <a:avLst/>
+            </a:prstGeom>
+          </p:spPr>
+          <p:style>
+            <a:lnRef idx="1">
+              <a:schemeClr val="accent1"/>
+            </a:lnRef>
+            <a:fillRef idx="0">
+              <a:schemeClr val="accent1"/>
+            </a:fillRef>
+            <a:effectRef idx="0">
+              <a:schemeClr val="accent1"/>
+            </a:effectRef>
+            <a:fontRef idx="minor">
+              <a:schemeClr val="tx1"/>
+            </a:fontRef>
+          </p:style>
+        </p:cxnSp>
+        <p:cxnSp>
+          <p:nvCxnSpPr>
+            <p:cNvPr id="29" name="Straight Connector 28">
+              <a:extLst>
+                <a:ext uri="{FF2B5EF4-FFF2-40B4-BE49-F238E27FC236}">
+                  <a16:creationId xmlns:a16="http://schemas.microsoft.com/office/drawing/2014/main" id="{243CC3E1-13F0-47C0-9678-5E98AACAB666}"/>
+                </a:ext>
+              </a:extLst>
+            </p:cNvPr>
+            <p:cNvCxnSpPr>
+              <a:cxnSpLocks/>
+            </p:cNvCxnSpPr>
+            <p:nvPr/>
+          </p:nvCxnSpPr>
+          <p:spPr>
+            <a:xfrm>
+              <a:off x="4562670" y="4239308"/>
+              <a:ext cx="2915113" cy="0"/>
+            </a:xfrm>
+            <a:prstGeom prst="line">
+              <a:avLst/>
+            </a:prstGeom>
+          </p:spPr>
+          <p:style>
+            <a:lnRef idx="1">
+              <a:schemeClr val="accent1"/>
+            </a:lnRef>
+            <a:fillRef idx="0">
+              <a:schemeClr val="accent1"/>
+            </a:fillRef>
+            <a:effectRef idx="0">
+              <a:schemeClr val="accent1"/>
+            </a:effectRef>
+            <a:fontRef idx="minor">
+              <a:schemeClr val="tx1"/>
+            </a:fontRef>
+          </p:style>
+        </p:cxnSp>
+        <p:cxnSp>
+          <p:nvCxnSpPr>
+            <p:cNvPr id="31" name="Straight Connector 30">
+              <a:extLst>
+                <a:ext uri="{FF2B5EF4-FFF2-40B4-BE49-F238E27FC236}">
+                  <a16:creationId xmlns:a16="http://schemas.microsoft.com/office/drawing/2014/main" id="{AB62E875-67A7-422C-A19E-7A751C3873E9}"/>
+                </a:ext>
+              </a:extLst>
+            </p:cNvPr>
+            <p:cNvCxnSpPr>
+              <a:cxnSpLocks/>
+            </p:cNvCxnSpPr>
+            <p:nvPr/>
+          </p:nvCxnSpPr>
+          <p:spPr>
+            <a:xfrm flipV="1">
+              <a:off x="7305869" y="2600322"/>
+              <a:ext cx="0" cy="1638986"/>
+            </a:xfrm>
+            <a:prstGeom prst="line">
+              <a:avLst/>
+            </a:prstGeom>
+            <a:ln>
+              <a:headEnd type="triangle"/>
+              <a:tailEnd type="triangle"/>
+            </a:ln>
+          </p:spPr>
+          <p:style>
+            <a:lnRef idx="1">
+              <a:schemeClr val="accent1"/>
+            </a:lnRef>
+            <a:fillRef idx="0">
+              <a:schemeClr val="accent1"/>
+            </a:fillRef>
+            <a:effectRef idx="0">
+              <a:schemeClr val="accent1"/>
+            </a:effectRef>
+            <a:fontRef idx="minor">
+              <a:schemeClr val="tx1"/>
+            </a:fontRef>
+          </p:style>
+        </p:cxnSp>
+        <p:cxnSp>
+          <p:nvCxnSpPr>
+            <p:cNvPr id="36" name="Straight Connector 35">
+              <a:extLst>
+                <a:ext uri="{FF2B5EF4-FFF2-40B4-BE49-F238E27FC236}">
+                  <a16:creationId xmlns:a16="http://schemas.microsoft.com/office/drawing/2014/main" id="{C50798A8-C8E0-41EE-B644-E3409E06E966}"/>
+                </a:ext>
+              </a:extLst>
+            </p:cNvPr>
+            <p:cNvCxnSpPr>
+              <a:cxnSpLocks/>
+            </p:cNvCxnSpPr>
+            <p:nvPr/>
+          </p:nvCxnSpPr>
+          <p:spPr>
+            <a:xfrm>
+              <a:off x="5010540" y="2600321"/>
+              <a:ext cx="2313991" cy="0"/>
+            </a:xfrm>
+            <a:prstGeom prst="line">
+              <a:avLst/>
+            </a:prstGeom>
+            <a:ln>
+              <a:headEnd type="triangle"/>
+              <a:tailEnd type="triangle"/>
+            </a:ln>
+          </p:spPr>
+          <p:style>
+            <a:lnRef idx="1">
+              <a:schemeClr val="accent1"/>
+            </a:lnRef>
+            <a:fillRef idx="0">
+              <a:schemeClr val="accent1"/>
+            </a:fillRef>
+            <a:effectRef idx="0">
+              <a:schemeClr val="accent1"/>
+            </a:effectRef>
+            <a:fontRef idx="minor">
+              <a:schemeClr val="tx1"/>
+            </a:fontRef>
+          </p:style>
+        </p:cxnSp>
+        <p:cxnSp>
+          <p:nvCxnSpPr>
+            <p:cNvPr id="48" name="Straight Connector 47">
+              <a:extLst>
+                <a:ext uri="{FF2B5EF4-FFF2-40B4-BE49-F238E27FC236}">
+                  <a16:creationId xmlns:a16="http://schemas.microsoft.com/office/drawing/2014/main" id="{733115E3-3D32-4F24-B4AE-8A96E3E23928}"/>
+                </a:ext>
+              </a:extLst>
+            </p:cNvPr>
+            <p:cNvCxnSpPr>
+              <a:cxnSpLocks/>
+            </p:cNvCxnSpPr>
+            <p:nvPr/>
+          </p:nvCxnSpPr>
+          <p:spPr>
+            <a:xfrm>
+              <a:off x="5206482" y="4758803"/>
+              <a:ext cx="2397968" cy="0"/>
+            </a:xfrm>
+            <a:prstGeom prst="line">
+              <a:avLst/>
+            </a:prstGeom>
+            <a:ln>
+              <a:headEnd type="triangle"/>
+              <a:tailEnd type="triangle"/>
+            </a:ln>
+          </p:spPr>
+          <p:style>
+            <a:lnRef idx="1">
+              <a:schemeClr val="accent1"/>
+            </a:lnRef>
+            <a:fillRef idx="0">
+              <a:schemeClr val="accent1"/>
+            </a:fillRef>
+            <a:effectRef idx="0">
+              <a:schemeClr val="accent1"/>
+            </a:effectRef>
+            <a:fontRef idx="minor">
+              <a:schemeClr val="tx1"/>
+            </a:fontRef>
+          </p:style>
+        </p:cxnSp>
+        <p:sp>
+          <p:nvSpPr>
+            <p:cNvPr id="57" name="TextBox 56">
+              <a:extLst>
+                <a:ext uri="{FF2B5EF4-FFF2-40B4-BE49-F238E27FC236}">
+                  <a16:creationId xmlns:a16="http://schemas.microsoft.com/office/drawing/2014/main" id="{61D07571-00D4-426C-8FD9-71FED631D34D}"/>
+                </a:ext>
+              </a:extLst>
+            </p:cNvPr>
+            <p:cNvSpPr txBox="1"/>
+            <p:nvPr/>
+          </p:nvSpPr>
+          <p:spPr>
+            <a:xfrm>
+              <a:off x="4586529" y="4247972"/>
+              <a:ext cx="284052" cy="276999"/>
+            </a:xfrm>
+            <a:prstGeom prst="rect">
+              <a:avLst/>
+            </a:prstGeom>
+            <a:noFill/>
+          </p:spPr>
+          <p:txBody>
+            <a:bodyPr wrap="none" rtlCol="0">
+              <a:spAutoFit/>
+            </a:bodyPr>
+            <a:lstStyle/>
+            <a:p>
+              <a:r>
+                <a:rPr lang="en-GB" sz="1200"/>
+                <a:t>N</a:t>
+              </a:r>
+            </a:p>
+          </p:txBody>
+        </p:sp>
+        <p:cxnSp>
+          <p:nvCxnSpPr>
+            <p:cNvPr id="78" name="Straight Connector 77">
+              <a:extLst>
+                <a:ext uri="{FF2B5EF4-FFF2-40B4-BE49-F238E27FC236}">
+                  <a16:creationId xmlns:a16="http://schemas.microsoft.com/office/drawing/2014/main" id="{E04B0EF2-EB9B-4C27-B095-A3B2120B6FE4}"/>
+                </a:ext>
+              </a:extLst>
+            </p:cNvPr>
+            <p:cNvCxnSpPr>
+              <a:cxnSpLocks/>
+            </p:cNvCxnSpPr>
+            <p:nvPr/>
+          </p:nvCxnSpPr>
+          <p:spPr>
+            <a:xfrm flipH="1">
+              <a:off x="4562670" y="4533634"/>
+              <a:ext cx="436875" cy="0"/>
+            </a:xfrm>
+            <a:prstGeom prst="line">
+              <a:avLst/>
+            </a:prstGeom>
+          </p:spPr>
+          <p:style>
+            <a:lnRef idx="1">
+              <a:schemeClr val="accent1"/>
+            </a:lnRef>
+            <a:fillRef idx="0">
+              <a:schemeClr val="accent1"/>
+            </a:fillRef>
+            <a:effectRef idx="0">
+              <a:schemeClr val="accent1"/>
+            </a:effectRef>
+            <a:fontRef idx="minor">
+              <a:schemeClr val="tx1"/>
+            </a:fontRef>
+          </p:style>
+        </p:cxnSp>
+        <p:cxnSp>
+          <p:nvCxnSpPr>
+            <p:cNvPr id="80" name="Straight Connector 79">
+              <a:extLst>
+                <a:ext uri="{FF2B5EF4-FFF2-40B4-BE49-F238E27FC236}">
+                  <a16:creationId xmlns:a16="http://schemas.microsoft.com/office/drawing/2014/main" id="{508F3479-371E-4156-AF58-8981CB19F0C1}"/>
+                </a:ext>
+              </a:extLst>
+            </p:cNvPr>
+            <p:cNvCxnSpPr>
+              <a:cxnSpLocks/>
+            </p:cNvCxnSpPr>
+            <p:nvPr/>
+          </p:nvCxnSpPr>
+          <p:spPr>
+            <a:xfrm>
+              <a:off x="4853812" y="4248492"/>
+              <a:ext cx="0" cy="295369"/>
+            </a:xfrm>
+            <a:prstGeom prst="line">
+              <a:avLst/>
+            </a:prstGeom>
+            <a:ln>
+              <a:headEnd type="triangle"/>
+              <a:tailEnd type="triangle"/>
+            </a:ln>
+          </p:spPr>
+          <p:style>
+            <a:lnRef idx="1">
+              <a:schemeClr val="accent1"/>
+            </a:lnRef>
+            <a:fillRef idx="0">
+              <a:schemeClr val="accent1"/>
+            </a:fillRef>
+            <a:effectRef idx="0">
+              <a:schemeClr val="accent1"/>
+            </a:effectRef>
+            <a:fontRef idx="minor">
+              <a:schemeClr val="tx1"/>
+            </a:fontRef>
+          </p:style>
+        </p:cxnSp>
+        <p:sp>
+          <p:nvSpPr>
+            <p:cNvPr id="87" name="TextBox 86">
+              <a:extLst>
+                <a:ext uri="{FF2B5EF4-FFF2-40B4-BE49-F238E27FC236}">
+                  <a16:creationId xmlns:a16="http://schemas.microsoft.com/office/drawing/2014/main" id="{77D07E22-F2D5-4C93-BD4B-096B17CAF4CC}"/>
+                </a:ext>
+              </a:extLst>
+            </p:cNvPr>
+            <p:cNvSpPr txBox="1"/>
+            <p:nvPr/>
+          </p:nvSpPr>
+          <p:spPr>
+            <a:xfrm>
+              <a:off x="5614110" y="4763719"/>
+              <a:ext cx="1452770" cy="276999"/>
+            </a:xfrm>
+            <a:prstGeom prst="rect">
+              <a:avLst/>
+            </a:prstGeom>
+            <a:noFill/>
+          </p:spPr>
+          <p:txBody>
+            <a:bodyPr wrap="none" rtlCol="0">
+              <a:spAutoFit/>
+            </a:bodyPr>
+            <a:lstStyle/>
+            <a:p>
+              <a:r>
+                <a:rPr lang="en-GB" sz="1200"/>
+                <a:t>Measurement range</a:t>
+              </a:r>
+            </a:p>
+          </p:txBody>
+        </p:sp>
+        <p:sp>
+          <p:nvSpPr>
+            <p:cNvPr id="88" name="TextBox 87">
+              <a:extLst>
+                <a:ext uri="{FF2B5EF4-FFF2-40B4-BE49-F238E27FC236}">
+                  <a16:creationId xmlns:a16="http://schemas.microsoft.com/office/drawing/2014/main" id="{87817335-EFAD-4D49-864A-F781371ECE96}"/>
+                </a:ext>
+              </a:extLst>
+            </p:cNvPr>
+            <p:cNvSpPr txBox="1"/>
+            <p:nvPr/>
+          </p:nvSpPr>
+          <p:spPr>
+            <a:xfrm>
+              <a:off x="5967724" y="2594431"/>
+              <a:ext cx="336952" cy="276999"/>
+            </a:xfrm>
+            <a:prstGeom prst="rect">
+              <a:avLst/>
+            </a:prstGeom>
+            <a:noFill/>
+          </p:spPr>
+          <p:txBody>
+            <a:bodyPr wrap="none" rtlCol="0">
+              <a:spAutoFit/>
+            </a:bodyPr>
+            <a:lstStyle/>
+            <a:p>
+              <a:r>
+                <a:rPr lang="en-GB" sz="1200"/>
+                <a:t>Δc</a:t>
+              </a:r>
+            </a:p>
+          </p:txBody>
+        </p:sp>
+        <p:sp>
+          <p:nvSpPr>
+            <p:cNvPr id="89" name="TextBox 88">
+              <a:extLst>
+                <a:ext uri="{FF2B5EF4-FFF2-40B4-BE49-F238E27FC236}">
+                  <a16:creationId xmlns:a16="http://schemas.microsoft.com/office/drawing/2014/main" id="{570F6D0F-648D-4C6A-8A1D-A001466113E2}"/>
+                </a:ext>
+              </a:extLst>
+            </p:cNvPr>
+            <p:cNvSpPr txBox="1"/>
+            <p:nvPr/>
+          </p:nvSpPr>
+          <p:spPr>
+            <a:xfrm>
+              <a:off x="6989517" y="3283179"/>
+              <a:ext cx="346570" cy="276999"/>
+            </a:xfrm>
+            <a:prstGeom prst="rect">
+              <a:avLst/>
+            </a:prstGeom>
+            <a:noFill/>
+          </p:spPr>
+          <p:txBody>
+            <a:bodyPr wrap="none" rtlCol="0">
+              <a:spAutoFit/>
+            </a:bodyPr>
+            <a:lstStyle/>
+            <a:p>
+              <a:r>
+                <a:rPr lang="en-GB" sz="1200"/>
+                <a:t>ΔE</a:t>
+              </a:r>
+            </a:p>
+          </p:txBody>
+        </p:sp>
+      </p:grpSp>
     </p:spTree>
     <p:extLst>
       <p:ext uri="{BB962C8B-B14F-4D97-AF65-F5344CB8AC3E}">
@@ -15161,7 +15632,7 @@
 </p:sld>
 </file>
 
-<file path=ppt/slides/slide8.xml><?xml version="1.0" encoding="utf-8"?>
+<file path=ppt/slides/slide7.xml><?xml version="1.0" encoding="utf-8"?>
 <p:sld xmlns:a="http://schemas.openxmlformats.org/drawingml/2006/main" xmlns:r="http://schemas.openxmlformats.org/officeDocument/2006/relationships" xmlns:p="http://schemas.openxmlformats.org/presentationml/2006/main">
   <p:cSld>
     <p:spTree>
@@ -15606,7 +16077,7 @@
 </p:sld>
 </file>
 
-<file path=ppt/slides/slide9.xml><?xml version="1.0" encoding="utf-8"?>
+<file path=ppt/slides/slide8.xml><?xml version="1.0" encoding="utf-8"?>
 <p:sld xmlns:a="http://schemas.openxmlformats.org/drawingml/2006/main" xmlns:r="http://schemas.openxmlformats.org/officeDocument/2006/relationships" xmlns:p="http://schemas.openxmlformats.org/presentationml/2006/main">
   <p:cSld>
     <p:spTree>
@@ -15693,6 +16164,72 @@
     <p:extLst>
       <p:ext uri="{BB962C8B-B14F-4D97-AF65-F5344CB8AC3E}">
         <p14:creationId xmlns:p14="http://schemas.microsoft.com/office/powerpoint/2010/main" val="1001993234"/>
+      </p:ext>
+    </p:extLst>
+  </p:cSld>
+  <p:clrMapOvr>
+    <a:masterClrMapping/>
+  </p:clrMapOvr>
+</p:sld>
+</file>
+
+<file path=ppt/slides/slide9.xml><?xml version="1.0" encoding="utf-8"?>
+<p:sld xmlns:a="http://schemas.openxmlformats.org/drawingml/2006/main" xmlns:r="http://schemas.openxmlformats.org/officeDocument/2006/relationships" xmlns:p="http://schemas.openxmlformats.org/presentationml/2006/main">
+  <p:cSld>
+    <p:spTree>
+      <p:nvGrpSpPr>
+        <p:cNvPr id="1" name=""/>
+        <p:cNvGrpSpPr/>
+        <p:nvPr/>
+      </p:nvGrpSpPr>
+      <p:grpSpPr>
+        <a:xfrm>
+          <a:off x="0" y="0"/>
+          <a:ext cx="0" cy="0"/>
+          <a:chOff x="0" y="0"/>
+          <a:chExt cx="0" cy="0"/>
+        </a:xfrm>
+      </p:grpSpPr>
+      <p:pic>
+        <p:nvPicPr>
+          <p:cNvPr id="5" name="Picture 4">
+            <a:extLst>
+              <a:ext uri="{FF2B5EF4-FFF2-40B4-BE49-F238E27FC236}">
+                <a16:creationId xmlns:a16="http://schemas.microsoft.com/office/drawing/2014/main" id="{FD151592-0993-476F-9505-90BD5E5AE35D}"/>
+              </a:ext>
+            </a:extLst>
+          </p:cNvPr>
+          <p:cNvPicPr>
+            <a:picLocks noChangeAspect="1"/>
+          </p:cNvPicPr>
+          <p:nvPr/>
+        </p:nvPicPr>
+        <p:blipFill>
+          <a:blip r:embed="rId2">
+            <a:extLst>
+              <a:ext uri="{28A0092B-C50C-407E-A947-70E740481C1C}">
+                <a14:useLocalDpi xmlns:a14="http://schemas.microsoft.com/office/drawing/2010/main" val="0"/>
+              </a:ext>
+            </a:extLst>
+          </a:blip>
+          <a:stretch>
+            <a:fillRect/>
+          </a:stretch>
+        </p:blipFill>
+        <p:spPr>
+          <a:xfrm>
+            <a:off x="153285" y="3021000"/>
+            <a:ext cx="11885429" cy="816000"/>
+          </a:xfrm>
+          <a:prstGeom prst="rect">
+            <a:avLst/>
+          </a:prstGeom>
+        </p:spPr>
+      </p:pic>
+    </p:spTree>
+    <p:extLst>
+      <p:ext uri="{BB962C8B-B14F-4D97-AF65-F5344CB8AC3E}">
+        <p14:creationId xmlns:p14="http://schemas.microsoft.com/office/powerpoint/2010/main" val="3688769623"/>
       </p:ext>
     </p:extLst>
   </p:cSld>

--- a/setup/network.pptx
+++ b/setup/network.pptx
@@ -15117,7 +15117,7 @@
             <a:lstStyle/>
             <a:p>
               <a:r>
-                <a:rPr lang="en-GB" sz="1200"/>
+                <a:rPr lang="en-GB" sz="1200" b="1"/>
                 <a:t>E</a:t>
               </a:r>
             </a:p>
@@ -15152,7 +15152,7 @@
             <a:lstStyle/>
             <a:p>
               <a:r>
-                <a:rPr lang="en-GB" sz="1200"/>
+                <a:rPr lang="en-GB" sz="1200" b="1"/>
                 <a:t>c</a:t>
               </a:r>
             </a:p>
@@ -15577,7 +15577,7 @@
             <a:lstStyle/>
             <a:p>
               <a:r>
-                <a:rPr lang="en-GB" sz="1200"/>
+                <a:rPr lang="en-GB" sz="1200" b="1"/>
                 <a:t>Δc</a:t>
               </a:r>
             </a:p>
@@ -15597,8 +15597,8 @@
           </p:nvSpPr>
           <p:spPr>
             <a:xfrm>
-              <a:off x="6989517" y="3283179"/>
-              <a:ext cx="346570" cy="276999"/>
+              <a:off x="6949127" y="3324537"/>
+              <a:ext cx="394660" cy="461665"/>
             </a:xfrm>
             <a:prstGeom prst="rect">
               <a:avLst/>
@@ -15612,9 +15612,16 @@
             <a:lstStyle/>
             <a:p>
               <a:r>
-                <a:rPr lang="en-GB" sz="1200"/>
+                <a:rPr lang="en-GB" sz="1200" b="1"/>
                 <a:t>ΔE</a:t>
               </a:r>
+              <a:r>
+                <a:rPr lang="en-GB" sz="1200" b="1" baseline="-25000"/>
+                <a:t>λ</a:t>
+              </a:r>
+            </a:p>
+            <a:p>
+              <a:endParaRPr lang="en-GB" sz="1200" b="1"/>
             </a:p>
           </p:txBody>
         </p:sp>

--- a/setup/network.pptx
+++ b/setup/network.pptx
@@ -11,9 +11,10 @@
     <p:sldId id="259" r:id="rId5"/>
     <p:sldId id="260" r:id="rId6"/>
     <p:sldId id="262" r:id="rId7"/>
-    <p:sldId id="267" r:id="rId8"/>
-    <p:sldId id="266" r:id="rId9"/>
-    <p:sldId id="268" r:id="rId10"/>
+    <p:sldId id="269" r:id="rId8"/>
+    <p:sldId id="270" r:id="rId9"/>
+    <p:sldId id="266" r:id="rId10"/>
+    <p:sldId id="268" r:id="rId11"/>
   </p:sldIdLst>
   <p:sldSz cx="12192000" cy="6858000"/>
   <p:notesSz cx="6858000" cy="9144000"/>
@@ -124,7 +125,7 @@
 <c:chartSpace xmlns:c="http://schemas.openxmlformats.org/drawingml/2006/chart" xmlns:a="http://schemas.openxmlformats.org/drawingml/2006/main" xmlns:r="http://schemas.openxmlformats.org/officeDocument/2006/relationships" xmlns:c16r2="http://schemas.microsoft.com/office/drawing/2015/06/chart">
   <c:date1904 val="0"/>
   <c:lang val="en-US"/>
-  <c:roundedCorners val="1"/>
+  <c:roundedCorners val="0"/>
   <mc:AlternateContent xmlns:mc="http://schemas.openxmlformats.org/markup-compatibility/2006">
     <mc:Choice xmlns:c14="http://schemas.microsoft.com/office/drawing/2007/8/2/chart" Requires="c14">
       <c14:style val="102"/>
@@ -136,26 +137,36 @@
   <c:chart>
     <c:autoTitleDeleted val="1"/>
     <c:plotArea>
-      <c:layout/>
+      <c:layout>
+        <c:manualLayout>
+          <c:layoutTarget val="inner"/>
+          <c:xMode val="edge"/>
+          <c:yMode val="edge"/>
+          <c:x val="2.3577716319632049E-2"/>
+          <c:y val="3.979631805718762E-2"/>
+          <c:w val="0.95963277743356667"/>
+          <c:h val="0.87627589644980952"/>
+        </c:manualLayout>
+      </c:layout>
       <c:scatterChart>
-        <c:scatterStyle val="smoothMarker"/>
+        <c:scatterStyle val="lineMarker"/>
         <c:varyColors val="0"/>
         <c:ser>
           <c:idx val="0"/>
           <c:order val="0"/>
           <c:tx>
             <c:strRef>
-              <c:f>Sheet1!$B$1</c:f>
+              <c:f>'[Worksheet in network.pptx]Sheet1'!$B$1</c:f>
               <c:strCache>
                 <c:ptCount val="1"/>
                 <c:pt idx="0">
-                  <c:v>Intensity</c:v>
+                  <c:v>I</c:v>
                 </c:pt>
               </c:strCache>
             </c:strRef>
           </c:tx>
           <c:spPr>
-            <a:ln w="28575" cap="rnd">
+            <a:ln w="25400" cap="rnd">
               <a:solidFill>
                 <a:schemeClr val="accent1"/>
               </a:solidFill>
@@ -168,218 +179,251 @@
           </c:marker>
           <c:xVal>
             <c:numRef>
-              <c:f>Sheet1!$A$2:$A$81</c:f>
+              <c:f>'[Worksheet in network.pptx]Sheet1'!$A$2:$A$199</c:f>
               <c:numCache>
                 <c:formatCode>General</c:formatCode>
-                <c:ptCount val="80"/>
+                <c:ptCount val="198"/>
                 <c:pt idx="0">
                   <c:v>100</c:v>
                 </c:pt>
                 <c:pt idx="1">
+                  <c:v>110</c:v>
+                </c:pt>
+                <c:pt idx="2">
+                  <c:v>120</c:v>
+                </c:pt>
+                <c:pt idx="3">
+                  <c:v>130</c:v>
+                </c:pt>
+                <c:pt idx="4">
+                  <c:v>140</c:v>
+                </c:pt>
+                <c:pt idx="5">
+                  <c:v>150</c:v>
+                </c:pt>
+                <c:pt idx="6">
+                  <c:v>160</c:v>
+                </c:pt>
+                <c:pt idx="7">
+                  <c:v>170</c:v>
+                </c:pt>
+                <c:pt idx="8">
+                  <c:v>180</c:v>
+                </c:pt>
+                <c:pt idx="9">
+                  <c:v>190</c:v>
+                </c:pt>
+                <c:pt idx="10">
                   <c:v>200</c:v>
                 </c:pt>
-                <c:pt idx="2">
+                <c:pt idx="11">
+                  <c:v>210</c:v>
+                </c:pt>
+                <c:pt idx="12">
+                  <c:v>220</c:v>
+                </c:pt>
+                <c:pt idx="13">
+                  <c:v>230</c:v>
+                </c:pt>
+                <c:pt idx="14">
+                  <c:v>240</c:v>
+                </c:pt>
+                <c:pt idx="15">
+                  <c:v>250</c:v>
+                </c:pt>
+                <c:pt idx="16">
+                  <c:v>260</c:v>
+                </c:pt>
+                <c:pt idx="17">
+                  <c:v>270</c:v>
+                </c:pt>
+                <c:pt idx="18">
+                  <c:v>280</c:v>
+                </c:pt>
+                <c:pt idx="19">
+                  <c:v>290</c:v>
+                </c:pt>
+                <c:pt idx="20">
                   <c:v>300</c:v>
                 </c:pt>
-                <c:pt idx="3">
+                <c:pt idx="21">
                   <c:v>310</c:v>
                 </c:pt>
-                <c:pt idx="4">
+                <c:pt idx="22">
                   <c:v>320</c:v>
                 </c:pt>
-                <c:pt idx="5">
+                <c:pt idx="23">
                   <c:v>330</c:v>
                 </c:pt>
-                <c:pt idx="6">
+                <c:pt idx="24">
                   <c:v>340</c:v>
                 </c:pt>
-                <c:pt idx="7">
+                <c:pt idx="25">
                   <c:v>350</c:v>
                 </c:pt>
-                <c:pt idx="8">
+                <c:pt idx="26">
                   <c:v>360</c:v>
                 </c:pt>
-                <c:pt idx="9">
-                  <c:v>365</c:v>
-                </c:pt>
-                <c:pt idx="10">
+                <c:pt idx="27">
                   <c:v>370</c:v>
                 </c:pt>
-                <c:pt idx="11">
+                <c:pt idx="28">
                   <c:v>375</c:v>
                 </c:pt>
-                <c:pt idx="12">
+                <c:pt idx="29">
                   <c:v>380</c:v>
                 </c:pt>
-                <c:pt idx="13">
-                  <c:v>385</c:v>
-                </c:pt>
-                <c:pt idx="14">
+                <c:pt idx="30">
                   <c:v>390</c:v>
                 </c:pt>
-                <c:pt idx="15">
+                <c:pt idx="31">
                   <c:v>400</c:v>
                 </c:pt>
-                <c:pt idx="16">
+                <c:pt idx="32">
                   <c:v>410</c:v>
                 </c:pt>
-                <c:pt idx="17">
+                <c:pt idx="33">
                   <c:v>420</c:v>
                 </c:pt>
-                <c:pt idx="18">
+                <c:pt idx="34">
                   <c:v>430</c:v>
                 </c:pt>
-                <c:pt idx="19">
+                <c:pt idx="35">
                   <c:v>440</c:v>
                 </c:pt>
-                <c:pt idx="20">
+                <c:pt idx="36">
                   <c:v>450</c:v>
                 </c:pt>
-                <c:pt idx="21">
+                <c:pt idx="37">
                   <c:v>460</c:v>
                 </c:pt>
-                <c:pt idx="22">
-                  <c:v>470</c:v>
-                </c:pt>
-                <c:pt idx="23">
+                <c:pt idx="38">
                   <c:v>472</c:v>
                 </c:pt>
-                <c:pt idx="24">
-                  <c:v>474</c:v>
-                </c:pt>
-                <c:pt idx="25">
+                <c:pt idx="39">
                   <c:v>480</c:v>
                 </c:pt>
-                <c:pt idx="26">
+                <c:pt idx="40">
                   <c:v>490</c:v>
                 </c:pt>
-                <c:pt idx="27">
+                <c:pt idx="41">
                   <c:v>500</c:v>
                 </c:pt>
-                <c:pt idx="28">
+                <c:pt idx="42">
                   <c:v>510</c:v>
                 </c:pt>
-                <c:pt idx="29">
-                  <c:v>520</c:v>
-                </c:pt>
-                <c:pt idx="30">
+                <c:pt idx="43">
                   <c:v>525</c:v>
                 </c:pt>
-                <c:pt idx="31">
-                  <c:v>530</c:v>
-                </c:pt>
-                <c:pt idx="32">
+                <c:pt idx="44">
                   <c:v>540</c:v>
                 </c:pt>
-                <c:pt idx="33">
+                <c:pt idx="45">
                   <c:v>550</c:v>
                 </c:pt>
-                <c:pt idx="34">
+                <c:pt idx="46">
                   <c:v>560</c:v>
                 </c:pt>
-                <c:pt idx="35">
+                <c:pt idx="47">
                   <c:v>570</c:v>
                 </c:pt>
-                <c:pt idx="36">
+                <c:pt idx="48">
                   <c:v>580</c:v>
                 </c:pt>
-                <c:pt idx="37">
+                <c:pt idx="49">
                   <c:v>590</c:v>
                 </c:pt>
-                <c:pt idx="38">
+                <c:pt idx="50">
                   <c:v>600</c:v>
                 </c:pt>
-                <c:pt idx="39">
-                  <c:v>610</c:v>
+                <c:pt idx="51">
+                  <c:v>608</c:v>
                 </c:pt>
-                <c:pt idx="40">
-                  <c:v>620</c:v>
+                <c:pt idx="52">
+                  <c:v>617</c:v>
                 </c:pt>
-                <c:pt idx="41">
-                  <c:v>630</c:v>
+                <c:pt idx="53">
+                  <c:v>626</c:v>
                 </c:pt>
-                <c:pt idx="42">
-                  <c:v>636</c:v>
-                </c:pt>
-                <c:pt idx="43">
+                <c:pt idx="54">
                   <c:v>640</c:v>
                 </c:pt>
-                <c:pt idx="44">
+                <c:pt idx="55">
                   <c:v>650</c:v>
                 </c:pt>
-                <c:pt idx="45">
+                <c:pt idx="56">
                   <c:v>660</c:v>
                 </c:pt>
-                <c:pt idx="46">
+                <c:pt idx="57">
                   <c:v>670</c:v>
                 </c:pt>
-                <c:pt idx="47">
+                <c:pt idx="58">
                   <c:v>680</c:v>
                 </c:pt>
-                <c:pt idx="48">
+                <c:pt idx="59">
                   <c:v>690</c:v>
                 </c:pt>
-                <c:pt idx="49">
+                <c:pt idx="60">
                   <c:v>700</c:v>
                 </c:pt>
-                <c:pt idx="50">
+                <c:pt idx="61">
                   <c:v>710</c:v>
                 </c:pt>
-                <c:pt idx="51">
+                <c:pt idx="62">
                   <c:v>720</c:v>
                 </c:pt>
-                <c:pt idx="52">
+                <c:pt idx="63">
                   <c:v>730</c:v>
                 </c:pt>
-                <c:pt idx="53">
+                <c:pt idx="64">
                   <c:v>740</c:v>
                 </c:pt>
-                <c:pt idx="54">
+                <c:pt idx="65">
                   <c:v>750</c:v>
                 </c:pt>
-                <c:pt idx="55">
+                <c:pt idx="66">
                   <c:v>760</c:v>
                 </c:pt>
-                <c:pt idx="56">
+                <c:pt idx="67">
                   <c:v>770</c:v>
                 </c:pt>
-                <c:pt idx="57">
+                <c:pt idx="68">
                   <c:v>780</c:v>
                 </c:pt>
-                <c:pt idx="58">
+                <c:pt idx="69">
                   <c:v>790</c:v>
                 </c:pt>
-                <c:pt idx="59">
+                <c:pt idx="70">
                   <c:v>800</c:v>
                 </c:pt>
-                <c:pt idx="60">
+                <c:pt idx="71">
                   <c:v>810</c:v>
                 </c:pt>
-                <c:pt idx="61">
+                <c:pt idx="72">
                   <c:v>820</c:v>
                 </c:pt>
-                <c:pt idx="62">
+                <c:pt idx="73">
                   <c:v>830</c:v>
                 </c:pt>
-                <c:pt idx="63">
+                <c:pt idx="74">
                   <c:v>840</c:v>
                 </c:pt>
-                <c:pt idx="64">
+                <c:pt idx="75">
                   <c:v>850</c:v>
                 </c:pt>
-                <c:pt idx="65">
+                <c:pt idx="76">
                   <c:v>860</c:v>
                 </c:pt>
-                <c:pt idx="66">
+                <c:pt idx="77">
                   <c:v>870</c:v>
                 </c:pt>
-                <c:pt idx="67">
+                <c:pt idx="78">
                   <c:v>880</c:v>
                 </c:pt>
-                <c:pt idx="68">
+                <c:pt idx="79">
                   <c:v>890</c:v>
                 </c:pt>
-                <c:pt idx="69">
+                <c:pt idx="80">
                   <c:v>900</c:v>
                 </c:pt>
               </c:numCache>
@@ -387,10 +431,10 @@
           </c:xVal>
           <c:yVal>
             <c:numRef>
-              <c:f>Sheet1!$B$2:$B$81</c:f>
+              <c:f>'[Worksheet in network.pptx]Sheet1'!$B$2:$B$199</c:f>
               <c:numCache>
                 <c:formatCode>General</c:formatCode>
-                <c:ptCount val="80"/>
+                <c:ptCount val="198"/>
                 <c:pt idx="0">
                   <c:v>0</c:v>
                 </c:pt>
@@ -416,190 +460,223 @@
                   <c:v>0</c:v>
                 </c:pt>
                 <c:pt idx="8">
+                  <c:v>0</c:v>
+                </c:pt>
+                <c:pt idx="9">
+                  <c:v>0</c:v>
+                </c:pt>
+                <c:pt idx="10">
+                  <c:v>0</c:v>
+                </c:pt>
+                <c:pt idx="11">
+                  <c:v>0</c:v>
+                </c:pt>
+                <c:pt idx="12">
+                  <c:v>0</c:v>
+                </c:pt>
+                <c:pt idx="13">
+                  <c:v>0</c:v>
+                </c:pt>
+                <c:pt idx="14">
+                  <c:v>0</c:v>
+                </c:pt>
+                <c:pt idx="15">
+                  <c:v>0</c:v>
+                </c:pt>
+                <c:pt idx="16">
+                  <c:v>0</c:v>
+                </c:pt>
+                <c:pt idx="17">
+                  <c:v>0</c:v>
+                </c:pt>
+                <c:pt idx="18">
+                  <c:v>0</c:v>
+                </c:pt>
+                <c:pt idx="19">
+                  <c:v>0</c:v>
+                </c:pt>
+                <c:pt idx="20">
+                  <c:v>0</c:v>
+                </c:pt>
+                <c:pt idx="21">
+                  <c:v>0</c:v>
+                </c:pt>
+                <c:pt idx="22">
+                  <c:v>0</c:v>
+                </c:pt>
+                <c:pt idx="23">
+                  <c:v>0</c:v>
+                </c:pt>
+                <c:pt idx="24">
+                  <c:v>0</c:v>
+                </c:pt>
+                <c:pt idx="25">
+                  <c:v>0</c:v>
+                </c:pt>
+                <c:pt idx="26">
                   <c:v>0.02</c:v>
                 </c:pt>
-                <c:pt idx="9">
+                <c:pt idx="27">
+                  <c:v>0.42</c:v>
+                </c:pt>
+                <c:pt idx="28">
+                  <c:v>1</c:v>
+                </c:pt>
+                <c:pt idx="29">
+                  <c:v>0.49</c:v>
+                </c:pt>
+                <c:pt idx="30">
                   <c:v>7.0000000000000007E-2</c:v>
                 </c:pt>
-                <c:pt idx="10">
+                <c:pt idx="31">
+                  <c:v>0.02</c:v>
+                </c:pt>
+                <c:pt idx="32">
+                  <c:v>0.01</c:v>
+                </c:pt>
+                <c:pt idx="33">
+                  <c:v>0.01</c:v>
+                </c:pt>
+                <c:pt idx="34">
+                  <c:v>1.4999999999999999E-2</c:v>
+                </c:pt>
+                <c:pt idx="35">
+                  <c:v>3.5000000000000003E-2</c:v>
+                </c:pt>
+                <c:pt idx="36">
+                  <c:v>0.09</c:v>
+                </c:pt>
+                <c:pt idx="37">
+                  <c:v>0.41</c:v>
+                </c:pt>
+                <c:pt idx="38">
+                  <c:v>1</c:v>
+                </c:pt>
+                <c:pt idx="39">
+                  <c:v>0.74</c:v>
+                </c:pt>
+                <c:pt idx="40">
+                  <c:v>0.38</c:v>
+                </c:pt>
+                <c:pt idx="41">
+                  <c:v>0.19</c:v>
+                </c:pt>
+                <c:pt idx="42">
+                  <c:v>0.52</c:v>
+                </c:pt>
+                <c:pt idx="43">
+                  <c:v>1</c:v>
+                </c:pt>
+                <c:pt idx="44">
+                  <c:v>0.61</c:v>
+                </c:pt>
+                <c:pt idx="45">
+                  <c:v>0.38</c:v>
+                </c:pt>
+                <c:pt idx="46">
+                  <c:v>0.22</c:v>
+                </c:pt>
+                <c:pt idx="47">
+                  <c:v>0.12</c:v>
+                </c:pt>
+                <c:pt idx="48">
+                  <c:v>7.0000000000000007E-2</c:v>
+                </c:pt>
+                <c:pt idx="49">
+                  <c:v>0.05</c:v>
+                </c:pt>
+                <c:pt idx="50">
+                  <c:v>0.06</c:v>
+                </c:pt>
+                <c:pt idx="51">
+                  <c:v>0.12</c:v>
+                </c:pt>
+                <c:pt idx="52">
                   <c:v>0.32</c:v>
                 </c:pt>
-                <c:pt idx="11">
+                <c:pt idx="53">
                   <c:v>1</c:v>
                 </c:pt>
-                <c:pt idx="12">
-                  <c:v>0.5</c:v>
+                <c:pt idx="54">
+                  <c:v>0.52</c:v>
                 </c:pt>
-                <c:pt idx="13">
-                  <c:v>0.2</c:v>
+                <c:pt idx="55">
+                  <c:v>0.21</c:v>
                 </c:pt>
-                <c:pt idx="14">
-                  <c:v>0.08</c:v>
+                <c:pt idx="56">
+                  <c:v>0.05</c:v>
                 </c:pt>
-                <c:pt idx="15">
+                <c:pt idx="57">
+                  <c:v>0.01</c:v>
+                </c:pt>
+                <c:pt idx="58">
+                  <c:v>0</c:v>
+                </c:pt>
+                <c:pt idx="59">
+                  <c:v>0</c:v>
+                </c:pt>
+                <c:pt idx="60">
+                  <c:v>0</c:v>
+                </c:pt>
+                <c:pt idx="61">
+                  <c:v>0</c:v>
+                </c:pt>
+                <c:pt idx="62">
+                  <c:v>0</c:v>
+                </c:pt>
+                <c:pt idx="63">
+                  <c:v>0</c:v>
+                </c:pt>
+                <c:pt idx="64">
+                  <c:v>0</c:v>
+                </c:pt>
+                <c:pt idx="65">
+                  <c:v>0</c:v>
+                </c:pt>
+                <c:pt idx="66">
+                  <c:v>0</c:v>
+                </c:pt>
+                <c:pt idx="67">
+                  <c:v>0</c:v>
+                </c:pt>
+                <c:pt idx="68">
+                  <c:v>5.0000000000000001E-3</c:v>
+                </c:pt>
+                <c:pt idx="69">
                   <c:v>0.02</c:v>
                 </c:pt>
-                <c:pt idx="16">
-                  <c:v>5.0000000000000001E-3</c:v>
+                <c:pt idx="70">
+                  <c:v>0.06</c:v>
                 </c:pt>
-                <c:pt idx="17">
-                  <c:v>5.0000000000000001E-3</c:v>
+                <c:pt idx="71">
+                  <c:v>0.15</c:v>
                 </c:pt>
-                <c:pt idx="18">
-                  <c:v>1.4999999999999999E-2</c:v>
+                <c:pt idx="72">
+                  <c:v>0.35</c:v>
                 </c:pt>
-                <c:pt idx="19">
-                  <c:v>3.5000000000000003E-2</c:v>
+                <c:pt idx="73">
+                  <c:v>0.6</c:v>
                 </c:pt>
-                <c:pt idx="20">
-                  <c:v>0.1</c:v>
+                <c:pt idx="74">
+                  <c:v>0.83</c:v>
                 </c:pt>
-                <c:pt idx="21">
-                  <c:v>0.5</c:v>
-                </c:pt>
-                <c:pt idx="22">
-                  <c:v>0.98</c:v>
-                </c:pt>
-                <c:pt idx="23">
+                <c:pt idx="75">
                   <c:v>1</c:v>
                 </c:pt>
-                <c:pt idx="24">
-                  <c:v>0.98</c:v>
+                <c:pt idx="76">
+                  <c:v>0.85</c:v>
                 </c:pt>
-                <c:pt idx="25">
-                  <c:v>0.7</c:v>
-                </c:pt>
-                <c:pt idx="26">
-                  <c:v>0.36</c:v>
-                </c:pt>
-                <c:pt idx="27">
-                  <c:v>0.19</c:v>
-                </c:pt>
-                <c:pt idx="28">
-                  <c:v>0.57999999999999996</c:v>
-                </c:pt>
-                <c:pt idx="29">
-                  <c:v>0.9</c:v>
-                </c:pt>
-                <c:pt idx="30">
-                  <c:v>1</c:v>
-                </c:pt>
-                <c:pt idx="31">
-                  <c:v>0.91</c:v>
-                </c:pt>
-                <c:pt idx="32">
-                  <c:v>0.61</c:v>
-                </c:pt>
-                <c:pt idx="33">
-                  <c:v>0.38</c:v>
-                </c:pt>
-                <c:pt idx="34">
-                  <c:v>0.2</c:v>
-                </c:pt>
-                <c:pt idx="35">
-                  <c:v>0.115</c:v>
-                </c:pt>
-                <c:pt idx="36">
-                  <c:v>0.06</c:v>
-                </c:pt>
-                <c:pt idx="37">
-                  <c:v>0.02</c:v>
-                </c:pt>
-                <c:pt idx="38">
-                  <c:v>0.04</c:v>
-                </c:pt>
-                <c:pt idx="39">
-                  <c:v>0.11</c:v>
-                </c:pt>
-                <c:pt idx="40">
-                  <c:v>0.3</c:v>
-                </c:pt>
-                <c:pt idx="41">
-                  <c:v>0.82</c:v>
-                </c:pt>
-                <c:pt idx="42">
-                  <c:v>1</c:v>
-                </c:pt>
-                <c:pt idx="43">
-                  <c:v>0.81</c:v>
-                </c:pt>
-                <c:pt idx="44">
-                  <c:v>0.16</c:v>
-                </c:pt>
-                <c:pt idx="45">
-                  <c:v>3.5000000000000003E-2</c:v>
-                </c:pt>
-                <c:pt idx="46">
-                  <c:v>0.01</c:v>
-                </c:pt>
-                <c:pt idx="47">
-                  <c:v>0</c:v>
-                </c:pt>
-                <c:pt idx="48">
-                  <c:v>0</c:v>
-                </c:pt>
-                <c:pt idx="49">
-                  <c:v>0</c:v>
-                </c:pt>
-                <c:pt idx="50">
-                  <c:v>0</c:v>
-                </c:pt>
-                <c:pt idx="51">
-                  <c:v>0</c:v>
-                </c:pt>
-                <c:pt idx="52">
-                  <c:v>0</c:v>
-                </c:pt>
-                <c:pt idx="53">
-                  <c:v>0</c:v>
-                </c:pt>
-                <c:pt idx="54">
-                  <c:v>0</c:v>
-                </c:pt>
-                <c:pt idx="55">
-                  <c:v>0</c:v>
-                </c:pt>
-                <c:pt idx="56">
-                  <c:v>0</c:v>
-                </c:pt>
-                <c:pt idx="57">
-                  <c:v>0</c:v>
-                </c:pt>
-                <c:pt idx="58">
-                  <c:v>0.02</c:v>
-                </c:pt>
-                <c:pt idx="59">
-                  <c:v>0.08</c:v>
-                </c:pt>
-                <c:pt idx="60">
-                  <c:v>0.18</c:v>
-                </c:pt>
-                <c:pt idx="61">
-                  <c:v>0.32</c:v>
-                </c:pt>
-                <c:pt idx="62">
-                  <c:v>0.6</c:v>
-                </c:pt>
-                <c:pt idx="63">
-                  <c:v>0.91</c:v>
-                </c:pt>
-                <c:pt idx="64">
-                  <c:v>1</c:v>
-                </c:pt>
-                <c:pt idx="65">
-                  <c:v>0.91</c:v>
-                </c:pt>
-                <c:pt idx="66">
+                <c:pt idx="77">
                   <c:v>0.63</c:v>
                 </c:pt>
-                <c:pt idx="67">
-                  <c:v>0.44</c:v>
+                <c:pt idx="78">
+                  <c:v>0.42</c:v>
                 </c:pt>
-                <c:pt idx="68">
-                  <c:v>0.28000000000000003</c:v>
+                <c:pt idx="79">
+                  <c:v>0.24</c:v>
                 </c:pt>
-                <c:pt idx="69">
-                  <c:v>0.18</c:v>
+                <c:pt idx="80">
+                  <c:v>0.17</c:v>
                 </c:pt>
               </c:numCache>
             </c:numRef>
@@ -607,7 +684,7 @@
           <c:smooth val="1"/>
           <c:extLst>
             <c:ext xmlns:c16="http://schemas.microsoft.com/office/drawing/2014/chart" uri="{C3380CC4-5D6E-409C-BE32-E72D297353CC}">
-              <c16:uniqueId val="{00000000-C9EF-4D70-BEE2-EF9FEC676F46}"/>
+              <c16:uniqueId val="{00000000-B909-42B6-857D-6D955A2ACBDA}"/>
             </c:ext>
           </c:extLst>
         </c:ser>
@@ -619,11 +696,11 @@
           <c:showPercent val="0"/>
           <c:showBubbleSize val="0"/>
         </c:dLbls>
-        <c:axId val="1101444512"/>
-        <c:axId val="1101450744"/>
+        <c:axId val="560877728"/>
+        <c:axId val="560870840"/>
       </c:scatterChart>
       <c:valAx>
-        <c:axId val="1101444512"/>
+        <c:axId val="560877728"/>
         <c:scaling>
           <c:orientation val="minMax"/>
           <c:max val="900"/>
@@ -682,13 +759,14 @@
             <a:endParaRPr lang="en-US"/>
           </a:p>
         </c:txPr>
-        <c:crossAx val="1101450744"/>
+        <c:crossAx val="560870840"/>
         <c:crosses val="autoZero"/>
         <c:crossBetween val="midCat"/>
         <c:majorUnit val="20"/>
+        <c:minorUnit val="10"/>
       </c:valAx>
       <c:valAx>
-        <c:axId val="1101450744"/>
+        <c:axId val="560870840"/>
         <c:scaling>
           <c:orientation val="minMax"/>
           <c:max val="1"/>
@@ -711,11 +789,11 @@
           </c:spPr>
         </c:majorGridlines>
         <c:numFmt formatCode="General" sourceLinked="1"/>
-        <c:majorTickMark val="none"/>
+        <c:majorTickMark val="out"/>
         <c:minorTickMark val="none"/>
         <c:tickLblPos val="nextTo"/>
-        <c:crossAx val="1101444512"/>
-        <c:crossesAt val="100"/>
+        <c:crossAx val="560877728"/>
+        <c:crosses val="autoZero"/>
         <c:crossBetween val="midCat"/>
       </c:valAx>
       <c:spPr>
@@ -750,6 +828,7 @@
   <c:externalData r:id="rId3">
     <c:autoUpdate val="0"/>
   </c:externalData>
+  <c:userShapes r:id="rId4"/>
 </c:chartSpace>
 </file>
 
@@ -1309,6 +1388,995 @@
 </cs:chartStyle>
 </file>
 
+<file path=ppt/drawings/drawing1.xml><?xml version="1.0" encoding="utf-8"?>
+<c:userShapes xmlns:c="http://schemas.openxmlformats.org/drawingml/2006/chart">
+  <cdr:relSizeAnchor xmlns:cdr="http://schemas.openxmlformats.org/drawingml/2006/chartDrawing">
+    <cdr:from>
+      <cdr:x>0.8941</cdr:x>
+      <cdr:y>0.47319</cdr:y>
+    </cdr:from>
+    <cdr:to>
+      <cdr:x>0.95414</cdr:x>
+      <cdr:y>0.91786</cdr:y>
+    </cdr:to>
+    <cdr:sp macro="" textlink="">
+      <cdr:nvSpPr>
+        <cdr:cNvPr id="9" name="Rectangle 8">
+          <a:extLst xmlns:a="http://schemas.openxmlformats.org/drawingml/2006/main">
+            <a:ext uri="{FF2B5EF4-FFF2-40B4-BE49-F238E27FC236}">
+              <a16:creationId xmlns:a16="http://schemas.microsoft.com/office/drawing/2014/main" id="{8B16B314-CB88-4973-BAF3-94F64DC77772}"/>
+            </a:ext>
+          </a:extLst>
+        </cdr:cNvPr>
+        <cdr:cNvSpPr/>
+      </cdr:nvSpPr>
+      <cdr:spPr>
+        <a:xfrm xmlns:a="http://schemas.openxmlformats.org/drawingml/2006/main">
+          <a:off x="10036627" y="1661059"/>
+          <a:ext cx="673975" cy="1560979"/>
+        </a:xfrm>
+        <a:prstGeom xmlns:a="http://schemas.openxmlformats.org/drawingml/2006/main" prst="rect">
+          <a:avLst/>
+        </a:prstGeom>
+        <a:solidFill xmlns:a="http://schemas.openxmlformats.org/drawingml/2006/main">
+          <a:schemeClr val="accent6">
+            <a:lumMod val="20000"/>
+            <a:lumOff val="80000"/>
+            <a:alpha val="50000"/>
+          </a:schemeClr>
+        </a:solidFill>
+        <a:ln xmlns:a="http://schemas.openxmlformats.org/drawingml/2006/main">
+          <a:noFill/>
+        </a:ln>
+      </cdr:spPr>
+      <cdr:style>
+        <a:lnRef xmlns:a="http://schemas.openxmlformats.org/drawingml/2006/main" idx="2">
+          <a:schemeClr val="accent1">
+            <a:shade val="50000"/>
+          </a:schemeClr>
+        </a:lnRef>
+        <a:fillRef xmlns:a="http://schemas.openxmlformats.org/drawingml/2006/main" idx="1">
+          <a:schemeClr val="accent1"/>
+        </a:fillRef>
+        <a:effectRef xmlns:a="http://schemas.openxmlformats.org/drawingml/2006/main" idx="0">
+          <a:schemeClr val="accent1"/>
+        </a:effectRef>
+        <a:fontRef xmlns:a="http://schemas.openxmlformats.org/drawingml/2006/main" idx="minor">
+          <a:schemeClr val="lt1"/>
+        </a:fontRef>
+      </cdr:style>
+      <cdr:txBody>
+        <a:bodyPr xmlns:a="http://schemas.openxmlformats.org/drawingml/2006/main"/>
+        <a:lstStyle xmlns:a="http://schemas.openxmlformats.org/drawingml/2006/main">
+          <a:lvl1pPr marL="0" indent="0">
+            <a:defRPr sz="1100">
+              <a:solidFill>
+                <a:schemeClr val="lt1"/>
+              </a:solidFill>
+              <a:latin typeface="+mn-lt"/>
+              <a:ea typeface="+mn-ea"/>
+              <a:cs typeface="+mn-cs"/>
+            </a:defRPr>
+          </a:lvl1pPr>
+          <a:lvl2pPr marL="457200" indent="0">
+            <a:defRPr sz="1100">
+              <a:solidFill>
+                <a:schemeClr val="lt1"/>
+              </a:solidFill>
+              <a:latin typeface="+mn-lt"/>
+              <a:ea typeface="+mn-ea"/>
+              <a:cs typeface="+mn-cs"/>
+            </a:defRPr>
+          </a:lvl2pPr>
+          <a:lvl3pPr marL="914400" indent="0">
+            <a:defRPr sz="1100">
+              <a:solidFill>
+                <a:schemeClr val="lt1"/>
+              </a:solidFill>
+              <a:latin typeface="+mn-lt"/>
+              <a:ea typeface="+mn-ea"/>
+              <a:cs typeface="+mn-cs"/>
+            </a:defRPr>
+          </a:lvl3pPr>
+          <a:lvl4pPr marL="1371600" indent="0">
+            <a:defRPr sz="1100">
+              <a:solidFill>
+                <a:schemeClr val="lt1"/>
+              </a:solidFill>
+              <a:latin typeface="+mn-lt"/>
+              <a:ea typeface="+mn-ea"/>
+              <a:cs typeface="+mn-cs"/>
+            </a:defRPr>
+          </a:lvl4pPr>
+          <a:lvl5pPr marL="1828800" indent="0">
+            <a:defRPr sz="1100">
+              <a:solidFill>
+                <a:schemeClr val="lt1"/>
+              </a:solidFill>
+              <a:latin typeface="+mn-lt"/>
+              <a:ea typeface="+mn-ea"/>
+              <a:cs typeface="+mn-cs"/>
+            </a:defRPr>
+          </a:lvl5pPr>
+          <a:lvl6pPr marL="2286000" indent="0">
+            <a:defRPr sz="1100">
+              <a:solidFill>
+                <a:schemeClr val="lt1"/>
+              </a:solidFill>
+              <a:latin typeface="+mn-lt"/>
+              <a:ea typeface="+mn-ea"/>
+              <a:cs typeface="+mn-cs"/>
+            </a:defRPr>
+          </a:lvl6pPr>
+          <a:lvl7pPr marL="2743200" indent="0">
+            <a:defRPr sz="1100">
+              <a:solidFill>
+                <a:schemeClr val="lt1"/>
+              </a:solidFill>
+              <a:latin typeface="+mn-lt"/>
+              <a:ea typeface="+mn-ea"/>
+              <a:cs typeface="+mn-cs"/>
+            </a:defRPr>
+          </a:lvl7pPr>
+          <a:lvl8pPr marL="3200400" indent="0">
+            <a:defRPr sz="1100">
+              <a:solidFill>
+                <a:schemeClr val="lt1"/>
+              </a:solidFill>
+              <a:latin typeface="+mn-lt"/>
+              <a:ea typeface="+mn-ea"/>
+              <a:cs typeface="+mn-cs"/>
+            </a:defRPr>
+          </a:lvl8pPr>
+          <a:lvl9pPr marL="3657600" indent="0">
+            <a:defRPr sz="1100">
+              <a:solidFill>
+                <a:schemeClr val="lt1"/>
+              </a:solidFill>
+              <a:latin typeface="+mn-lt"/>
+              <a:ea typeface="+mn-ea"/>
+              <a:cs typeface="+mn-cs"/>
+            </a:defRPr>
+          </a:lvl9pPr>
+        </a:lstStyle>
+        <a:p xmlns:a="http://schemas.openxmlformats.org/drawingml/2006/main">
+          <a:endParaRPr lang="en-US"/>
+        </a:p>
+      </cdr:txBody>
+    </cdr:sp>
+  </cdr:relSizeAnchor>
+  <cdr:relSizeAnchor xmlns:cdr="http://schemas.openxmlformats.org/drawingml/2006/chartDrawing">
+    <cdr:from>
+      <cdr:x>0.51459</cdr:x>
+      <cdr:y>0.4678</cdr:y>
+    </cdr:from>
+    <cdr:to>
+      <cdr:x>0.55897</cdr:x>
+      <cdr:y>0.91247</cdr:y>
+    </cdr:to>
+    <cdr:sp macro="" textlink="">
+      <cdr:nvSpPr>
+        <cdr:cNvPr id="7" name="Rectangle 6">
+          <a:extLst xmlns:a="http://schemas.openxmlformats.org/drawingml/2006/main">
+            <a:ext uri="{FF2B5EF4-FFF2-40B4-BE49-F238E27FC236}">
+              <a16:creationId xmlns:a16="http://schemas.microsoft.com/office/drawing/2014/main" id="{4C125C83-CB32-473E-8E54-C0D587ED4979}"/>
+            </a:ext>
+          </a:extLst>
+        </cdr:cNvPr>
+        <cdr:cNvSpPr/>
+      </cdr:nvSpPr>
+      <cdr:spPr>
+        <a:xfrm xmlns:a="http://schemas.openxmlformats.org/drawingml/2006/main">
+          <a:off x="5776505" y="1642138"/>
+          <a:ext cx="498173" cy="1560979"/>
+        </a:xfrm>
+        <a:prstGeom xmlns:a="http://schemas.openxmlformats.org/drawingml/2006/main" prst="rect">
+          <a:avLst/>
+        </a:prstGeom>
+        <a:solidFill xmlns:a="http://schemas.openxmlformats.org/drawingml/2006/main">
+          <a:schemeClr val="accent6">
+            <a:lumMod val="20000"/>
+            <a:lumOff val="80000"/>
+            <a:alpha val="50000"/>
+          </a:schemeClr>
+        </a:solidFill>
+        <a:ln xmlns:a="http://schemas.openxmlformats.org/drawingml/2006/main">
+          <a:noFill/>
+        </a:ln>
+      </cdr:spPr>
+      <cdr:style>
+        <a:lnRef xmlns:a="http://schemas.openxmlformats.org/drawingml/2006/main" idx="2">
+          <a:schemeClr val="accent1">
+            <a:shade val="50000"/>
+          </a:schemeClr>
+        </a:lnRef>
+        <a:fillRef xmlns:a="http://schemas.openxmlformats.org/drawingml/2006/main" idx="1">
+          <a:schemeClr val="accent1"/>
+        </a:fillRef>
+        <a:effectRef xmlns:a="http://schemas.openxmlformats.org/drawingml/2006/main" idx="0">
+          <a:schemeClr val="accent1"/>
+        </a:effectRef>
+        <a:fontRef xmlns:a="http://schemas.openxmlformats.org/drawingml/2006/main" idx="minor">
+          <a:schemeClr val="lt1"/>
+        </a:fontRef>
+      </cdr:style>
+      <cdr:txBody>
+        <a:bodyPr xmlns:a="http://schemas.openxmlformats.org/drawingml/2006/main"/>
+        <a:lstStyle xmlns:a="http://schemas.openxmlformats.org/drawingml/2006/main">
+          <a:lvl1pPr marL="0" indent="0">
+            <a:defRPr sz="1100">
+              <a:solidFill>
+                <a:schemeClr val="lt1"/>
+              </a:solidFill>
+              <a:latin typeface="+mn-lt"/>
+              <a:ea typeface="+mn-ea"/>
+              <a:cs typeface="+mn-cs"/>
+            </a:defRPr>
+          </a:lvl1pPr>
+          <a:lvl2pPr marL="457200" indent="0">
+            <a:defRPr sz="1100">
+              <a:solidFill>
+                <a:schemeClr val="lt1"/>
+              </a:solidFill>
+              <a:latin typeface="+mn-lt"/>
+              <a:ea typeface="+mn-ea"/>
+              <a:cs typeface="+mn-cs"/>
+            </a:defRPr>
+          </a:lvl2pPr>
+          <a:lvl3pPr marL="914400" indent="0">
+            <a:defRPr sz="1100">
+              <a:solidFill>
+                <a:schemeClr val="lt1"/>
+              </a:solidFill>
+              <a:latin typeface="+mn-lt"/>
+              <a:ea typeface="+mn-ea"/>
+              <a:cs typeface="+mn-cs"/>
+            </a:defRPr>
+          </a:lvl3pPr>
+          <a:lvl4pPr marL="1371600" indent="0">
+            <a:defRPr sz="1100">
+              <a:solidFill>
+                <a:schemeClr val="lt1"/>
+              </a:solidFill>
+              <a:latin typeface="+mn-lt"/>
+              <a:ea typeface="+mn-ea"/>
+              <a:cs typeface="+mn-cs"/>
+            </a:defRPr>
+          </a:lvl4pPr>
+          <a:lvl5pPr marL="1828800" indent="0">
+            <a:defRPr sz="1100">
+              <a:solidFill>
+                <a:schemeClr val="lt1"/>
+              </a:solidFill>
+              <a:latin typeface="+mn-lt"/>
+              <a:ea typeface="+mn-ea"/>
+              <a:cs typeface="+mn-cs"/>
+            </a:defRPr>
+          </a:lvl5pPr>
+          <a:lvl6pPr marL="2286000" indent="0">
+            <a:defRPr sz="1100">
+              <a:solidFill>
+                <a:schemeClr val="lt1"/>
+              </a:solidFill>
+              <a:latin typeface="+mn-lt"/>
+              <a:ea typeface="+mn-ea"/>
+              <a:cs typeface="+mn-cs"/>
+            </a:defRPr>
+          </a:lvl6pPr>
+          <a:lvl7pPr marL="2743200" indent="0">
+            <a:defRPr sz="1100">
+              <a:solidFill>
+                <a:schemeClr val="lt1"/>
+              </a:solidFill>
+              <a:latin typeface="+mn-lt"/>
+              <a:ea typeface="+mn-ea"/>
+              <a:cs typeface="+mn-cs"/>
+            </a:defRPr>
+          </a:lvl7pPr>
+          <a:lvl8pPr marL="3200400" indent="0">
+            <a:defRPr sz="1100">
+              <a:solidFill>
+                <a:schemeClr val="lt1"/>
+              </a:solidFill>
+              <a:latin typeface="+mn-lt"/>
+              <a:ea typeface="+mn-ea"/>
+              <a:cs typeface="+mn-cs"/>
+            </a:defRPr>
+          </a:lvl8pPr>
+          <a:lvl9pPr marL="3657600" indent="0">
+            <a:defRPr sz="1100">
+              <a:solidFill>
+                <a:schemeClr val="lt1"/>
+              </a:solidFill>
+              <a:latin typeface="+mn-lt"/>
+              <a:ea typeface="+mn-ea"/>
+              <a:cs typeface="+mn-cs"/>
+            </a:defRPr>
+          </a:lvl9pPr>
+        </a:lstStyle>
+        <a:p xmlns:a="http://schemas.openxmlformats.org/drawingml/2006/main">
+          <a:endParaRPr lang="en-US" dirty="0"/>
+        </a:p>
+      </cdr:txBody>
+    </cdr:sp>
+  </cdr:relSizeAnchor>
+  <cdr:relSizeAnchor xmlns:cdr="http://schemas.openxmlformats.org/drawingml/2006/chartDrawing">
+    <cdr:from>
+      <cdr:x>0.64609</cdr:x>
+      <cdr:y>0.47404</cdr:y>
+    </cdr:from>
+    <cdr:to>
+      <cdr:x>0.67193</cdr:x>
+      <cdr:y>0.91871</cdr:y>
+    </cdr:to>
+    <cdr:sp macro="" textlink="">
+      <cdr:nvSpPr>
+        <cdr:cNvPr id="8" name="Rectangle 7">
+          <a:extLst xmlns:a="http://schemas.openxmlformats.org/drawingml/2006/main">
+            <a:ext uri="{FF2B5EF4-FFF2-40B4-BE49-F238E27FC236}">
+              <a16:creationId xmlns:a16="http://schemas.microsoft.com/office/drawing/2014/main" id="{884264A0-A7DF-419F-BB0B-541A81DC5018}"/>
+            </a:ext>
+          </a:extLst>
+        </cdr:cNvPr>
+        <cdr:cNvSpPr/>
+      </cdr:nvSpPr>
+      <cdr:spPr>
+        <a:xfrm xmlns:a="http://schemas.openxmlformats.org/drawingml/2006/main">
+          <a:off x="7252609" y="1664047"/>
+          <a:ext cx="289993" cy="1560979"/>
+        </a:xfrm>
+        <a:prstGeom xmlns:a="http://schemas.openxmlformats.org/drawingml/2006/main" prst="rect">
+          <a:avLst/>
+        </a:prstGeom>
+        <a:solidFill xmlns:a="http://schemas.openxmlformats.org/drawingml/2006/main">
+          <a:schemeClr val="accent6">
+            <a:lumMod val="20000"/>
+            <a:lumOff val="80000"/>
+            <a:alpha val="50000"/>
+          </a:schemeClr>
+        </a:solidFill>
+        <a:ln xmlns:a="http://schemas.openxmlformats.org/drawingml/2006/main">
+          <a:noFill/>
+        </a:ln>
+      </cdr:spPr>
+      <cdr:style>
+        <a:lnRef xmlns:a="http://schemas.openxmlformats.org/drawingml/2006/main" idx="2">
+          <a:schemeClr val="accent1">
+            <a:shade val="50000"/>
+          </a:schemeClr>
+        </a:lnRef>
+        <a:fillRef xmlns:a="http://schemas.openxmlformats.org/drawingml/2006/main" idx="1">
+          <a:schemeClr val="accent1"/>
+        </a:fillRef>
+        <a:effectRef xmlns:a="http://schemas.openxmlformats.org/drawingml/2006/main" idx="0">
+          <a:schemeClr val="accent1"/>
+        </a:effectRef>
+        <a:fontRef xmlns:a="http://schemas.openxmlformats.org/drawingml/2006/main" idx="minor">
+          <a:schemeClr val="lt1"/>
+        </a:fontRef>
+      </cdr:style>
+      <cdr:txBody>
+        <a:bodyPr xmlns:a="http://schemas.openxmlformats.org/drawingml/2006/main"/>
+        <a:lstStyle xmlns:a="http://schemas.openxmlformats.org/drawingml/2006/main">
+          <a:lvl1pPr marL="0" indent="0">
+            <a:defRPr sz="1100">
+              <a:solidFill>
+                <a:schemeClr val="lt1"/>
+              </a:solidFill>
+              <a:latin typeface="+mn-lt"/>
+              <a:ea typeface="+mn-ea"/>
+              <a:cs typeface="+mn-cs"/>
+            </a:defRPr>
+          </a:lvl1pPr>
+          <a:lvl2pPr marL="457200" indent="0">
+            <a:defRPr sz="1100">
+              <a:solidFill>
+                <a:schemeClr val="lt1"/>
+              </a:solidFill>
+              <a:latin typeface="+mn-lt"/>
+              <a:ea typeface="+mn-ea"/>
+              <a:cs typeface="+mn-cs"/>
+            </a:defRPr>
+          </a:lvl2pPr>
+          <a:lvl3pPr marL="914400" indent="0">
+            <a:defRPr sz="1100">
+              <a:solidFill>
+                <a:schemeClr val="lt1"/>
+              </a:solidFill>
+              <a:latin typeface="+mn-lt"/>
+              <a:ea typeface="+mn-ea"/>
+              <a:cs typeface="+mn-cs"/>
+            </a:defRPr>
+          </a:lvl3pPr>
+          <a:lvl4pPr marL="1371600" indent="0">
+            <a:defRPr sz="1100">
+              <a:solidFill>
+                <a:schemeClr val="lt1"/>
+              </a:solidFill>
+              <a:latin typeface="+mn-lt"/>
+              <a:ea typeface="+mn-ea"/>
+              <a:cs typeface="+mn-cs"/>
+            </a:defRPr>
+          </a:lvl4pPr>
+          <a:lvl5pPr marL="1828800" indent="0">
+            <a:defRPr sz="1100">
+              <a:solidFill>
+                <a:schemeClr val="lt1"/>
+              </a:solidFill>
+              <a:latin typeface="+mn-lt"/>
+              <a:ea typeface="+mn-ea"/>
+              <a:cs typeface="+mn-cs"/>
+            </a:defRPr>
+          </a:lvl5pPr>
+          <a:lvl6pPr marL="2286000" indent="0">
+            <a:defRPr sz="1100">
+              <a:solidFill>
+                <a:schemeClr val="lt1"/>
+              </a:solidFill>
+              <a:latin typeface="+mn-lt"/>
+              <a:ea typeface="+mn-ea"/>
+              <a:cs typeface="+mn-cs"/>
+            </a:defRPr>
+          </a:lvl6pPr>
+          <a:lvl7pPr marL="2743200" indent="0">
+            <a:defRPr sz="1100">
+              <a:solidFill>
+                <a:schemeClr val="lt1"/>
+              </a:solidFill>
+              <a:latin typeface="+mn-lt"/>
+              <a:ea typeface="+mn-ea"/>
+              <a:cs typeface="+mn-cs"/>
+            </a:defRPr>
+          </a:lvl7pPr>
+          <a:lvl8pPr marL="3200400" indent="0">
+            <a:defRPr sz="1100">
+              <a:solidFill>
+                <a:schemeClr val="lt1"/>
+              </a:solidFill>
+              <a:latin typeface="+mn-lt"/>
+              <a:ea typeface="+mn-ea"/>
+              <a:cs typeface="+mn-cs"/>
+            </a:defRPr>
+          </a:lvl8pPr>
+          <a:lvl9pPr marL="3657600" indent="0">
+            <a:defRPr sz="1100">
+              <a:solidFill>
+                <a:schemeClr val="lt1"/>
+              </a:solidFill>
+              <a:latin typeface="+mn-lt"/>
+              <a:ea typeface="+mn-ea"/>
+              <a:cs typeface="+mn-cs"/>
+            </a:defRPr>
+          </a:lvl9pPr>
+        </a:lstStyle>
+        <a:p xmlns:a="http://schemas.openxmlformats.org/drawingml/2006/main">
+          <a:endParaRPr lang="en-US"/>
+        </a:p>
+      </cdr:txBody>
+    </cdr:sp>
+  </cdr:relSizeAnchor>
+  <cdr:relSizeAnchor xmlns:cdr="http://schemas.openxmlformats.org/drawingml/2006/chartDrawing">
+    <cdr:from>
+      <cdr:x>0.45794</cdr:x>
+      <cdr:y>0.47063</cdr:y>
+    </cdr:from>
+    <cdr:to>
+      <cdr:x>0.48616</cdr:x>
+      <cdr:y>0.91531</cdr:y>
+    </cdr:to>
+    <cdr:sp macro="" textlink="">
+      <cdr:nvSpPr>
+        <cdr:cNvPr id="6" name="Rectangle 5">
+          <a:extLst xmlns:a="http://schemas.openxmlformats.org/drawingml/2006/main">
+            <a:ext uri="{FF2B5EF4-FFF2-40B4-BE49-F238E27FC236}">
+              <a16:creationId xmlns:a16="http://schemas.microsoft.com/office/drawing/2014/main" id="{FE30D679-336E-4E11-9C5E-77EC1730668C}"/>
+            </a:ext>
+          </a:extLst>
+        </cdr:cNvPr>
+        <cdr:cNvSpPr/>
+      </cdr:nvSpPr>
+      <cdr:spPr>
+        <a:xfrm xmlns:a="http://schemas.openxmlformats.org/drawingml/2006/main">
+          <a:off x="5140532" y="1652094"/>
+          <a:ext cx="316753" cy="1560979"/>
+        </a:xfrm>
+        <a:prstGeom xmlns:a="http://schemas.openxmlformats.org/drawingml/2006/main" prst="rect">
+          <a:avLst/>
+        </a:prstGeom>
+        <a:solidFill xmlns:a="http://schemas.openxmlformats.org/drawingml/2006/main">
+          <a:schemeClr val="accent6">
+            <a:lumMod val="20000"/>
+            <a:lumOff val="80000"/>
+            <a:alpha val="50000"/>
+          </a:schemeClr>
+        </a:solidFill>
+        <a:ln xmlns:a="http://schemas.openxmlformats.org/drawingml/2006/main">
+          <a:noFill/>
+        </a:ln>
+      </cdr:spPr>
+      <cdr:style>
+        <a:lnRef xmlns:a="http://schemas.openxmlformats.org/drawingml/2006/main" idx="2">
+          <a:schemeClr val="accent1">
+            <a:shade val="50000"/>
+          </a:schemeClr>
+        </a:lnRef>
+        <a:fillRef xmlns:a="http://schemas.openxmlformats.org/drawingml/2006/main" idx="1">
+          <a:schemeClr val="accent1"/>
+        </a:fillRef>
+        <a:effectRef xmlns:a="http://schemas.openxmlformats.org/drawingml/2006/main" idx="0">
+          <a:schemeClr val="accent1"/>
+        </a:effectRef>
+        <a:fontRef xmlns:a="http://schemas.openxmlformats.org/drawingml/2006/main" idx="minor">
+          <a:schemeClr val="lt1"/>
+        </a:fontRef>
+      </cdr:style>
+      <cdr:txBody>
+        <a:bodyPr xmlns:a="http://schemas.openxmlformats.org/drawingml/2006/main"/>
+        <a:lstStyle xmlns:a="http://schemas.openxmlformats.org/drawingml/2006/main">
+          <a:lvl1pPr marL="0" indent="0">
+            <a:defRPr sz="1100">
+              <a:solidFill>
+                <a:schemeClr val="lt1"/>
+              </a:solidFill>
+              <a:latin typeface="+mn-lt"/>
+              <a:ea typeface="+mn-ea"/>
+              <a:cs typeface="+mn-cs"/>
+            </a:defRPr>
+          </a:lvl1pPr>
+          <a:lvl2pPr marL="457200" indent="0">
+            <a:defRPr sz="1100">
+              <a:solidFill>
+                <a:schemeClr val="lt1"/>
+              </a:solidFill>
+              <a:latin typeface="+mn-lt"/>
+              <a:ea typeface="+mn-ea"/>
+              <a:cs typeface="+mn-cs"/>
+            </a:defRPr>
+          </a:lvl2pPr>
+          <a:lvl3pPr marL="914400" indent="0">
+            <a:defRPr sz="1100">
+              <a:solidFill>
+                <a:schemeClr val="lt1"/>
+              </a:solidFill>
+              <a:latin typeface="+mn-lt"/>
+              <a:ea typeface="+mn-ea"/>
+              <a:cs typeface="+mn-cs"/>
+            </a:defRPr>
+          </a:lvl3pPr>
+          <a:lvl4pPr marL="1371600" indent="0">
+            <a:defRPr sz="1100">
+              <a:solidFill>
+                <a:schemeClr val="lt1"/>
+              </a:solidFill>
+              <a:latin typeface="+mn-lt"/>
+              <a:ea typeface="+mn-ea"/>
+              <a:cs typeface="+mn-cs"/>
+            </a:defRPr>
+          </a:lvl4pPr>
+          <a:lvl5pPr marL="1828800" indent="0">
+            <a:defRPr sz="1100">
+              <a:solidFill>
+                <a:schemeClr val="lt1"/>
+              </a:solidFill>
+              <a:latin typeface="+mn-lt"/>
+              <a:ea typeface="+mn-ea"/>
+              <a:cs typeface="+mn-cs"/>
+            </a:defRPr>
+          </a:lvl5pPr>
+          <a:lvl6pPr marL="2286000" indent="0">
+            <a:defRPr sz="1100">
+              <a:solidFill>
+                <a:schemeClr val="lt1"/>
+              </a:solidFill>
+              <a:latin typeface="+mn-lt"/>
+              <a:ea typeface="+mn-ea"/>
+              <a:cs typeface="+mn-cs"/>
+            </a:defRPr>
+          </a:lvl6pPr>
+          <a:lvl7pPr marL="2743200" indent="0">
+            <a:defRPr sz="1100">
+              <a:solidFill>
+                <a:schemeClr val="lt1"/>
+              </a:solidFill>
+              <a:latin typeface="+mn-lt"/>
+              <a:ea typeface="+mn-ea"/>
+              <a:cs typeface="+mn-cs"/>
+            </a:defRPr>
+          </a:lvl7pPr>
+          <a:lvl8pPr marL="3200400" indent="0">
+            <a:defRPr sz="1100">
+              <a:solidFill>
+                <a:schemeClr val="lt1"/>
+              </a:solidFill>
+              <a:latin typeface="+mn-lt"/>
+              <a:ea typeface="+mn-ea"/>
+              <a:cs typeface="+mn-cs"/>
+            </a:defRPr>
+          </a:lvl8pPr>
+          <a:lvl9pPr marL="3657600" indent="0">
+            <a:defRPr sz="1100">
+              <a:solidFill>
+                <a:schemeClr val="lt1"/>
+              </a:solidFill>
+              <a:latin typeface="+mn-lt"/>
+              <a:ea typeface="+mn-ea"/>
+              <a:cs typeface="+mn-cs"/>
+            </a:defRPr>
+          </a:lvl9pPr>
+        </a:lstStyle>
+        <a:p xmlns:a="http://schemas.openxmlformats.org/drawingml/2006/main">
+          <a:endParaRPr lang="en-US"/>
+        </a:p>
+      </cdr:txBody>
+    </cdr:sp>
+  </cdr:relSizeAnchor>
+  <cdr:relSizeAnchor xmlns:cdr="http://schemas.openxmlformats.org/drawingml/2006/chartDrawing">
+    <cdr:from>
+      <cdr:x>0.34856</cdr:x>
+      <cdr:y>0.4685</cdr:y>
+    </cdr:from>
+    <cdr:to>
+      <cdr:x>0.36029</cdr:x>
+      <cdr:y>0.91317</cdr:y>
+    </cdr:to>
+    <cdr:sp macro="" textlink="">
+      <cdr:nvSpPr>
+        <cdr:cNvPr id="5" name="Rectangle 4">
+          <a:extLst xmlns:a="http://schemas.openxmlformats.org/drawingml/2006/main">
+            <a:ext uri="{FF2B5EF4-FFF2-40B4-BE49-F238E27FC236}">
+              <a16:creationId xmlns:a16="http://schemas.microsoft.com/office/drawing/2014/main" id="{D61E47C3-C829-418E-847F-513694F12B42}"/>
+            </a:ext>
+          </a:extLst>
+        </cdr:cNvPr>
+        <cdr:cNvSpPr/>
+      </cdr:nvSpPr>
+      <cdr:spPr>
+        <a:xfrm xmlns:a="http://schemas.openxmlformats.org/drawingml/2006/main">
+          <a:off x="3912697" y="1644597"/>
+          <a:ext cx="131650" cy="1560979"/>
+        </a:xfrm>
+        <a:prstGeom xmlns:a="http://schemas.openxmlformats.org/drawingml/2006/main" prst="rect">
+          <a:avLst/>
+        </a:prstGeom>
+        <a:solidFill xmlns:a="http://schemas.openxmlformats.org/drawingml/2006/main">
+          <a:schemeClr val="accent6">
+            <a:lumMod val="20000"/>
+            <a:lumOff val="80000"/>
+            <a:alpha val="50000"/>
+          </a:schemeClr>
+        </a:solidFill>
+        <a:ln xmlns:a="http://schemas.openxmlformats.org/drawingml/2006/main">
+          <a:noFill/>
+        </a:ln>
+      </cdr:spPr>
+      <cdr:style>
+        <a:lnRef xmlns:a="http://schemas.openxmlformats.org/drawingml/2006/main" idx="2">
+          <a:schemeClr val="accent1">
+            <a:shade val="50000"/>
+          </a:schemeClr>
+        </a:lnRef>
+        <a:fillRef xmlns:a="http://schemas.openxmlformats.org/drawingml/2006/main" idx="1">
+          <a:schemeClr val="accent1"/>
+        </a:fillRef>
+        <a:effectRef xmlns:a="http://schemas.openxmlformats.org/drawingml/2006/main" idx="0">
+          <a:schemeClr val="accent1"/>
+        </a:effectRef>
+        <a:fontRef xmlns:a="http://schemas.openxmlformats.org/drawingml/2006/main" idx="minor">
+          <a:schemeClr val="lt1"/>
+        </a:fontRef>
+      </cdr:style>
+      <cdr:txBody>
+        <a:bodyPr xmlns:a="http://schemas.openxmlformats.org/drawingml/2006/main" vertOverflow="clip"/>
+        <a:lstStyle xmlns:a="http://schemas.openxmlformats.org/drawingml/2006/main"/>
+        <a:p xmlns:a="http://schemas.openxmlformats.org/drawingml/2006/main">
+          <a:endParaRPr lang="en-US"/>
+        </a:p>
+      </cdr:txBody>
+    </cdr:sp>
+  </cdr:relSizeAnchor>
+  <cdr:relSizeAnchor xmlns:cdr="http://schemas.openxmlformats.org/drawingml/2006/chartDrawing">
+    <cdr:from>
+      <cdr:x>0.02289</cdr:x>
+      <cdr:y>0.47181</cdr:y>
+    </cdr:from>
+    <cdr:to>
+      <cdr:x>0.98111</cdr:x>
+      <cdr:y>0.47181</cdr:y>
+    </cdr:to>
+    <cdr:cxnSp macro="">
+      <cdr:nvCxnSpPr>
+        <cdr:cNvPr id="3" name="Straight Connector 2">
+          <a:extLst xmlns:a="http://schemas.openxmlformats.org/drawingml/2006/main">
+            <a:ext uri="{FF2B5EF4-FFF2-40B4-BE49-F238E27FC236}">
+              <a16:creationId xmlns:a16="http://schemas.microsoft.com/office/drawing/2014/main" id="{AE50E7FC-E0DA-4868-BE6A-48480ABA2823}"/>
+            </a:ext>
+          </a:extLst>
+        </cdr:cNvPr>
+        <cdr:cNvCxnSpPr/>
+      </cdr:nvCxnSpPr>
+      <cdr:spPr>
+        <a:xfrm xmlns:a="http://schemas.openxmlformats.org/drawingml/2006/main">
+          <a:off x="256902" y="1656242"/>
+          <a:ext cx="10756446" cy="0"/>
+        </a:xfrm>
+        <a:prstGeom xmlns:a="http://schemas.openxmlformats.org/drawingml/2006/main" prst="line">
+          <a:avLst/>
+        </a:prstGeom>
+        <a:ln xmlns:a="http://schemas.openxmlformats.org/drawingml/2006/main" w="19050">
+          <a:solidFill>
+            <a:srgbClr val="00B050"/>
+          </a:solidFill>
+        </a:ln>
+      </cdr:spPr>
+      <cdr:style>
+        <a:lnRef xmlns:a="http://schemas.openxmlformats.org/drawingml/2006/main" idx="1">
+          <a:schemeClr val="accent1"/>
+        </a:lnRef>
+        <a:fillRef xmlns:a="http://schemas.openxmlformats.org/drawingml/2006/main" idx="0">
+          <a:schemeClr val="accent1"/>
+        </a:fillRef>
+        <a:effectRef xmlns:a="http://schemas.openxmlformats.org/drawingml/2006/main" idx="0">
+          <a:schemeClr val="accent1"/>
+        </a:effectRef>
+        <a:fontRef xmlns:a="http://schemas.openxmlformats.org/drawingml/2006/main" idx="minor">
+          <a:schemeClr val="tx1"/>
+        </a:fontRef>
+      </cdr:style>
+    </cdr:cxnSp>
+  </cdr:relSizeAnchor>
+  <cdr:relSizeAnchor xmlns:cdr="http://schemas.openxmlformats.org/drawingml/2006/chartDrawing">
+    <cdr:from>
+      <cdr:x>0.35371</cdr:x>
+      <cdr:y>0.03726</cdr:y>
+    </cdr:from>
+    <cdr:to>
+      <cdr:x>0.35371</cdr:x>
+      <cdr:y>0.91657</cdr:y>
+    </cdr:to>
+    <cdr:cxnSp macro="">
+      <cdr:nvCxnSpPr>
+        <cdr:cNvPr id="12" name="Straight Connector 11">
+          <a:extLst xmlns:a="http://schemas.openxmlformats.org/drawingml/2006/main">
+            <a:ext uri="{FF2B5EF4-FFF2-40B4-BE49-F238E27FC236}">
+              <a16:creationId xmlns:a16="http://schemas.microsoft.com/office/drawing/2014/main" id="{D5BCA294-B15D-48C3-941D-4C41F0A21E4C}"/>
+            </a:ext>
+          </a:extLst>
+        </cdr:cNvPr>
+        <cdr:cNvCxnSpPr/>
+      </cdr:nvCxnSpPr>
+      <cdr:spPr>
+        <a:xfrm xmlns:a="http://schemas.openxmlformats.org/drawingml/2006/main">
+          <a:off x="3970570" y="130805"/>
+          <a:ext cx="0" cy="3086698"/>
+        </a:xfrm>
+        <a:prstGeom xmlns:a="http://schemas.openxmlformats.org/drawingml/2006/main" prst="line">
+          <a:avLst/>
+        </a:prstGeom>
+        <a:ln xmlns:a="http://schemas.openxmlformats.org/drawingml/2006/main" w="19050">
+          <a:solidFill>
+            <a:srgbClr val="00B050"/>
+          </a:solidFill>
+        </a:ln>
+      </cdr:spPr>
+      <cdr:style>
+        <a:lnRef xmlns:a="http://schemas.openxmlformats.org/drawingml/2006/main" idx="1">
+          <a:schemeClr val="accent1"/>
+        </a:lnRef>
+        <a:fillRef xmlns:a="http://schemas.openxmlformats.org/drawingml/2006/main" idx="0">
+          <a:schemeClr val="accent1"/>
+        </a:fillRef>
+        <a:effectRef xmlns:a="http://schemas.openxmlformats.org/drawingml/2006/main" idx="0">
+          <a:schemeClr val="accent1"/>
+        </a:effectRef>
+        <a:fontRef xmlns:a="http://schemas.openxmlformats.org/drawingml/2006/main" idx="minor">
+          <a:schemeClr val="tx1"/>
+        </a:fontRef>
+      </cdr:style>
+    </cdr:cxnSp>
+  </cdr:relSizeAnchor>
+  <cdr:relSizeAnchor xmlns:cdr="http://schemas.openxmlformats.org/drawingml/2006/chartDrawing">
+    <cdr:from>
+      <cdr:x>0.47133</cdr:x>
+      <cdr:y>0.03726</cdr:y>
+    </cdr:from>
+    <cdr:to>
+      <cdr:x>0.47133</cdr:x>
+      <cdr:y>0.91324</cdr:y>
+    </cdr:to>
+    <cdr:cxnSp macro="">
+      <cdr:nvCxnSpPr>
+        <cdr:cNvPr id="19" name="Straight Connector 18">
+          <a:extLst xmlns:a="http://schemas.openxmlformats.org/drawingml/2006/main">
+            <a:ext uri="{FF2B5EF4-FFF2-40B4-BE49-F238E27FC236}">
+              <a16:creationId xmlns:a16="http://schemas.microsoft.com/office/drawing/2014/main" id="{BF7988B6-8AC2-46A7-AA3C-E6B431507F88}"/>
+            </a:ext>
+          </a:extLst>
+        </cdr:cNvPr>
+        <cdr:cNvCxnSpPr/>
+      </cdr:nvCxnSpPr>
+      <cdr:spPr>
+        <a:xfrm xmlns:a="http://schemas.openxmlformats.org/drawingml/2006/main">
+          <a:off x="5290797" y="130805"/>
+          <a:ext cx="0" cy="3074993"/>
+        </a:xfrm>
+        <a:prstGeom xmlns:a="http://schemas.openxmlformats.org/drawingml/2006/main" prst="line">
+          <a:avLst/>
+        </a:prstGeom>
+        <a:ln xmlns:a="http://schemas.openxmlformats.org/drawingml/2006/main" w="19050">
+          <a:solidFill>
+            <a:srgbClr val="00B050"/>
+          </a:solidFill>
+        </a:ln>
+      </cdr:spPr>
+      <cdr:style>
+        <a:lnRef xmlns:a="http://schemas.openxmlformats.org/drawingml/2006/main" idx="1">
+          <a:schemeClr val="accent1"/>
+        </a:lnRef>
+        <a:fillRef xmlns:a="http://schemas.openxmlformats.org/drawingml/2006/main" idx="0">
+          <a:schemeClr val="accent1"/>
+        </a:fillRef>
+        <a:effectRef xmlns:a="http://schemas.openxmlformats.org/drawingml/2006/main" idx="0">
+          <a:schemeClr val="accent1"/>
+        </a:effectRef>
+        <a:fontRef xmlns:a="http://schemas.openxmlformats.org/drawingml/2006/main" idx="minor">
+          <a:schemeClr val="tx1"/>
+        </a:fontRef>
+      </cdr:style>
+    </cdr:cxnSp>
+  </cdr:relSizeAnchor>
+  <cdr:relSizeAnchor xmlns:cdr="http://schemas.openxmlformats.org/drawingml/2006/chartDrawing">
+    <cdr:from>
+      <cdr:x>0.53497</cdr:x>
+      <cdr:y>0.03726</cdr:y>
+    </cdr:from>
+    <cdr:to>
+      <cdr:x>0.53497</cdr:x>
+      <cdr:y>0.91324</cdr:y>
+    </cdr:to>
+    <cdr:cxnSp macro="">
+      <cdr:nvCxnSpPr>
+        <cdr:cNvPr id="20" name="Straight Connector 19">
+          <a:extLst xmlns:a="http://schemas.openxmlformats.org/drawingml/2006/main">
+            <a:ext uri="{FF2B5EF4-FFF2-40B4-BE49-F238E27FC236}">
+              <a16:creationId xmlns:a16="http://schemas.microsoft.com/office/drawing/2014/main" id="{4BA76AA7-62D3-4999-B8B8-64A9080C2C96}"/>
+            </a:ext>
+          </a:extLst>
+        </cdr:cNvPr>
+        <cdr:cNvCxnSpPr/>
+      </cdr:nvCxnSpPr>
+      <cdr:spPr>
+        <a:xfrm xmlns:a="http://schemas.openxmlformats.org/drawingml/2006/main">
+          <a:off x="6005169" y="130805"/>
+          <a:ext cx="0" cy="3074993"/>
+        </a:xfrm>
+        <a:prstGeom xmlns:a="http://schemas.openxmlformats.org/drawingml/2006/main" prst="line">
+          <a:avLst/>
+        </a:prstGeom>
+        <a:ln xmlns:a="http://schemas.openxmlformats.org/drawingml/2006/main" w="19050">
+          <a:solidFill>
+            <a:srgbClr val="00B050"/>
+          </a:solidFill>
+        </a:ln>
+      </cdr:spPr>
+      <cdr:style>
+        <a:lnRef xmlns:a="http://schemas.openxmlformats.org/drawingml/2006/main" idx="1">
+          <a:schemeClr val="accent1"/>
+        </a:lnRef>
+        <a:fillRef xmlns:a="http://schemas.openxmlformats.org/drawingml/2006/main" idx="0">
+          <a:schemeClr val="accent1"/>
+        </a:fillRef>
+        <a:effectRef xmlns:a="http://schemas.openxmlformats.org/drawingml/2006/main" idx="0">
+          <a:schemeClr val="accent1"/>
+        </a:effectRef>
+        <a:fontRef xmlns:a="http://schemas.openxmlformats.org/drawingml/2006/main" idx="minor">
+          <a:schemeClr val="tx1"/>
+        </a:fontRef>
+      </cdr:style>
+    </cdr:cxnSp>
+  </cdr:relSizeAnchor>
+  <cdr:relSizeAnchor xmlns:cdr="http://schemas.openxmlformats.org/drawingml/2006/chartDrawing">
+    <cdr:from>
+      <cdr:x>0.65659</cdr:x>
+      <cdr:y>0.03726</cdr:y>
+    </cdr:from>
+    <cdr:to>
+      <cdr:x>0.65659</cdr:x>
+      <cdr:y>0.91324</cdr:y>
+    </cdr:to>
+    <cdr:cxnSp macro="">
+      <cdr:nvCxnSpPr>
+        <cdr:cNvPr id="21" name="Straight Connector 20">
+          <a:extLst xmlns:a="http://schemas.openxmlformats.org/drawingml/2006/main">
+            <a:ext uri="{FF2B5EF4-FFF2-40B4-BE49-F238E27FC236}">
+              <a16:creationId xmlns:a16="http://schemas.microsoft.com/office/drawing/2014/main" id="{9FE50073-03BD-4C01-BFEC-6FA2625DD430}"/>
+            </a:ext>
+          </a:extLst>
+        </cdr:cNvPr>
+        <cdr:cNvCxnSpPr/>
+      </cdr:nvCxnSpPr>
+      <cdr:spPr>
+        <a:xfrm xmlns:a="http://schemas.openxmlformats.org/drawingml/2006/main">
+          <a:off x="7370419" y="130805"/>
+          <a:ext cx="0" cy="3074993"/>
+        </a:xfrm>
+        <a:prstGeom xmlns:a="http://schemas.openxmlformats.org/drawingml/2006/main" prst="line">
+          <a:avLst/>
+        </a:prstGeom>
+        <a:ln xmlns:a="http://schemas.openxmlformats.org/drawingml/2006/main" w="19050">
+          <a:solidFill>
+            <a:srgbClr val="00B050"/>
+          </a:solidFill>
+        </a:ln>
+      </cdr:spPr>
+      <cdr:style>
+        <a:lnRef xmlns:a="http://schemas.openxmlformats.org/drawingml/2006/main" idx="1">
+          <a:schemeClr val="accent1"/>
+        </a:lnRef>
+        <a:fillRef xmlns:a="http://schemas.openxmlformats.org/drawingml/2006/main" idx="0">
+          <a:schemeClr val="accent1"/>
+        </a:fillRef>
+        <a:effectRef xmlns:a="http://schemas.openxmlformats.org/drawingml/2006/main" idx="0">
+          <a:schemeClr val="accent1"/>
+        </a:effectRef>
+        <a:fontRef xmlns:a="http://schemas.openxmlformats.org/drawingml/2006/main" idx="minor">
+          <a:schemeClr val="tx1"/>
+        </a:fontRef>
+      </cdr:style>
+    </cdr:cxnSp>
+  </cdr:relSizeAnchor>
+  <cdr:relSizeAnchor xmlns:cdr="http://schemas.openxmlformats.org/drawingml/2006/chartDrawing">
+    <cdr:from>
+      <cdr:x>0.92348</cdr:x>
+      <cdr:y>0.03726</cdr:y>
+    </cdr:from>
+    <cdr:to>
+      <cdr:x>0.92348</cdr:x>
+      <cdr:y>0.91324</cdr:y>
+    </cdr:to>
+    <cdr:cxnSp macro="">
+      <cdr:nvCxnSpPr>
+        <cdr:cNvPr id="22" name="Straight Connector 21">
+          <a:extLst xmlns:a="http://schemas.openxmlformats.org/drawingml/2006/main">
+            <a:ext uri="{FF2B5EF4-FFF2-40B4-BE49-F238E27FC236}">
+              <a16:creationId xmlns:a16="http://schemas.microsoft.com/office/drawing/2014/main" id="{87E24A87-3F0F-4788-993F-9001A6DCCA96}"/>
+            </a:ext>
+          </a:extLst>
+        </cdr:cNvPr>
+        <cdr:cNvCxnSpPr/>
+      </cdr:nvCxnSpPr>
+      <cdr:spPr>
+        <a:xfrm xmlns:a="http://schemas.openxmlformats.org/drawingml/2006/main">
+          <a:off x="10366349" y="130805"/>
+          <a:ext cx="0" cy="3074993"/>
+        </a:xfrm>
+        <a:prstGeom xmlns:a="http://schemas.openxmlformats.org/drawingml/2006/main" prst="line">
+          <a:avLst/>
+        </a:prstGeom>
+        <a:ln xmlns:a="http://schemas.openxmlformats.org/drawingml/2006/main" w="19050">
+          <a:solidFill>
+            <a:srgbClr val="00B050"/>
+          </a:solidFill>
+        </a:ln>
+      </cdr:spPr>
+      <cdr:style>
+        <a:lnRef xmlns:a="http://schemas.openxmlformats.org/drawingml/2006/main" idx="1">
+          <a:schemeClr val="accent1"/>
+        </a:lnRef>
+        <a:fillRef xmlns:a="http://schemas.openxmlformats.org/drawingml/2006/main" idx="0">
+          <a:schemeClr val="accent1"/>
+        </a:fillRef>
+        <a:effectRef xmlns:a="http://schemas.openxmlformats.org/drawingml/2006/main" idx="0">
+          <a:schemeClr val="accent1"/>
+        </a:effectRef>
+        <a:fontRef xmlns:a="http://schemas.openxmlformats.org/drawingml/2006/main" idx="minor">
+          <a:schemeClr val="tx1"/>
+        </a:fontRef>
+      </cdr:style>
+    </cdr:cxnSp>
+  </cdr:relSizeAnchor>
+</c:userShapes>
+</file>
+
 <file path=ppt/slideLayouts/slideLayout1.xml><?xml version="1.0" encoding="utf-8"?>
 <p:sldLayout xmlns:a="http://schemas.openxmlformats.org/drawingml/2006/main" xmlns:r="http://schemas.openxmlformats.org/officeDocument/2006/relationships" xmlns:p="http://schemas.openxmlformats.org/presentationml/2006/main" type="title" preserve="1">
   <p:cSld name="Title Slide">
@@ -1458,7 +2526,7 @@
           <a:p>
             <a:fld id="{C3F690FB-D2F8-4FAA-B5D4-40764D6363E4}" type="datetimeFigureOut">
               <a:rPr lang="en-GB" smtClean="0"/>
-              <a:t>16/12/2020</a:t>
+              <a:t>17/12/2020</a:t>
             </a:fld>
             <a:endParaRPr lang="en-GB"/>
           </a:p>
@@ -1658,7 +2726,7 @@
           <a:p>
             <a:fld id="{C3F690FB-D2F8-4FAA-B5D4-40764D6363E4}" type="datetimeFigureOut">
               <a:rPr lang="en-GB" smtClean="0"/>
-              <a:t>16/12/2020</a:t>
+              <a:t>17/12/2020</a:t>
             </a:fld>
             <a:endParaRPr lang="en-GB"/>
           </a:p>
@@ -1868,7 +2936,7 @@
           <a:p>
             <a:fld id="{C3F690FB-D2F8-4FAA-B5D4-40764D6363E4}" type="datetimeFigureOut">
               <a:rPr lang="en-GB" smtClean="0"/>
-              <a:t>16/12/2020</a:t>
+              <a:t>17/12/2020</a:t>
             </a:fld>
             <a:endParaRPr lang="en-GB"/>
           </a:p>
@@ -2068,7 +3136,7 @@
           <a:p>
             <a:fld id="{C3F690FB-D2F8-4FAA-B5D4-40764D6363E4}" type="datetimeFigureOut">
               <a:rPr lang="en-GB" smtClean="0"/>
-              <a:t>16/12/2020</a:t>
+              <a:t>17/12/2020</a:t>
             </a:fld>
             <a:endParaRPr lang="en-GB"/>
           </a:p>
@@ -2344,7 +3412,7 @@
           <a:p>
             <a:fld id="{C3F690FB-D2F8-4FAA-B5D4-40764D6363E4}" type="datetimeFigureOut">
               <a:rPr lang="en-GB" smtClean="0"/>
-              <a:t>16/12/2020</a:t>
+              <a:t>17/12/2020</a:t>
             </a:fld>
             <a:endParaRPr lang="en-GB"/>
           </a:p>
@@ -2612,7 +3680,7 @@
           <a:p>
             <a:fld id="{C3F690FB-D2F8-4FAA-B5D4-40764D6363E4}" type="datetimeFigureOut">
               <a:rPr lang="en-GB" smtClean="0"/>
-              <a:t>16/12/2020</a:t>
+              <a:t>17/12/2020</a:t>
             </a:fld>
             <a:endParaRPr lang="en-GB"/>
           </a:p>
@@ -3027,7 +4095,7 @@
           <a:p>
             <a:fld id="{C3F690FB-D2F8-4FAA-B5D4-40764D6363E4}" type="datetimeFigureOut">
               <a:rPr lang="en-GB" smtClean="0"/>
-              <a:t>16/12/2020</a:t>
+              <a:t>17/12/2020</a:t>
             </a:fld>
             <a:endParaRPr lang="en-GB"/>
           </a:p>
@@ -3169,7 +4237,7 @@
           <a:p>
             <a:fld id="{C3F690FB-D2F8-4FAA-B5D4-40764D6363E4}" type="datetimeFigureOut">
               <a:rPr lang="en-GB" smtClean="0"/>
-              <a:t>16/12/2020</a:t>
+              <a:t>17/12/2020</a:t>
             </a:fld>
             <a:endParaRPr lang="en-GB"/>
           </a:p>
@@ -3282,7 +4350,7 @@
           <a:p>
             <a:fld id="{C3F690FB-D2F8-4FAA-B5D4-40764D6363E4}" type="datetimeFigureOut">
               <a:rPr lang="en-GB" smtClean="0"/>
-              <a:t>16/12/2020</a:t>
+              <a:t>17/12/2020</a:t>
             </a:fld>
             <a:endParaRPr lang="en-GB"/>
           </a:p>
@@ -3595,7 +4663,7 @@
           <a:p>
             <a:fld id="{C3F690FB-D2F8-4FAA-B5D4-40764D6363E4}" type="datetimeFigureOut">
               <a:rPr lang="en-GB" smtClean="0"/>
-              <a:t>16/12/2020</a:t>
+              <a:t>17/12/2020</a:t>
             </a:fld>
             <a:endParaRPr lang="en-GB"/>
           </a:p>
@@ -3884,7 +4952,7 @@
           <a:p>
             <a:fld id="{C3F690FB-D2F8-4FAA-B5D4-40764D6363E4}" type="datetimeFigureOut">
               <a:rPr lang="en-GB" smtClean="0"/>
-              <a:t>16/12/2020</a:t>
+              <a:t>17/12/2020</a:t>
             </a:fld>
             <a:endParaRPr lang="en-GB"/>
           </a:p>
@@ -4127,7 +5195,7 @@
           <a:p>
             <a:fld id="{C3F690FB-D2F8-4FAA-B5D4-40764D6363E4}" type="datetimeFigureOut">
               <a:rPr lang="en-GB" smtClean="0"/>
-              <a:t>16/12/2020</a:t>
+              <a:t>17/12/2020</a:t>
             </a:fld>
             <a:endParaRPr lang="en-GB"/>
           </a:p>
@@ -7261,6 +8329,72 @@
     <p:extLst>
       <p:ext uri="{BB962C8B-B14F-4D97-AF65-F5344CB8AC3E}">
         <p14:creationId xmlns:p14="http://schemas.microsoft.com/office/powerpoint/2010/main" val="397903755"/>
+      </p:ext>
+    </p:extLst>
+  </p:cSld>
+  <p:clrMapOvr>
+    <a:masterClrMapping/>
+  </p:clrMapOvr>
+</p:sld>
+</file>
+
+<file path=ppt/slides/slide10.xml><?xml version="1.0" encoding="utf-8"?>
+<p:sld xmlns:a="http://schemas.openxmlformats.org/drawingml/2006/main" xmlns:r="http://schemas.openxmlformats.org/officeDocument/2006/relationships" xmlns:p="http://schemas.openxmlformats.org/presentationml/2006/main">
+  <p:cSld>
+    <p:spTree>
+      <p:nvGrpSpPr>
+        <p:cNvPr id="1" name=""/>
+        <p:cNvGrpSpPr/>
+        <p:nvPr/>
+      </p:nvGrpSpPr>
+      <p:grpSpPr>
+        <a:xfrm>
+          <a:off x="0" y="0"/>
+          <a:ext cx="0" cy="0"/>
+          <a:chOff x="0" y="0"/>
+          <a:chExt cx="0" cy="0"/>
+        </a:xfrm>
+      </p:grpSpPr>
+      <p:pic>
+        <p:nvPicPr>
+          <p:cNvPr id="5" name="Picture 4">
+            <a:extLst>
+              <a:ext uri="{FF2B5EF4-FFF2-40B4-BE49-F238E27FC236}">
+                <a16:creationId xmlns:a16="http://schemas.microsoft.com/office/drawing/2014/main" id="{FD151592-0993-476F-9505-90BD5E5AE35D}"/>
+              </a:ext>
+            </a:extLst>
+          </p:cNvPr>
+          <p:cNvPicPr>
+            <a:picLocks noChangeAspect="1"/>
+          </p:cNvPicPr>
+          <p:nvPr/>
+        </p:nvPicPr>
+        <p:blipFill>
+          <a:blip r:embed="rId2">
+            <a:extLst>
+              <a:ext uri="{28A0092B-C50C-407E-A947-70E740481C1C}">
+                <a14:useLocalDpi xmlns:a14="http://schemas.microsoft.com/office/drawing/2010/main" val="0"/>
+              </a:ext>
+            </a:extLst>
+          </a:blip>
+          <a:stretch>
+            <a:fillRect/>
+          </a:stretch>
+        </p:blipFill>
+        <p:spPr>
+          <a:xfrm>
+            <a:off x="153285" y="3021000"/>
+            <a:ext cx="11885429" cy="816000"/>
+          </a:xfrm>
+          <a:prstGeom prst="rect">
+            <a:avLst/>
+          </a:prstGeom>
+        </p:spPr>
+      </p:pic>
+    </p:spTree>
+    <p:extLst>
+      <p:ext uri="{BB962C8B-B14F-4D97-AF65-F5344CB8AC3E}">
+        <p14:creationId xmlns:p14="http://schemas.microsoft.com/office/powerpoint/2010/main" val="3688769623"/>
       </p:ext>
     </p:extLst>
   </p:cSld>
@@ -15656,397 +16790,12 @@
           <a:chExt cx="0" cy="0"/>
         </a:xfrm>
       </p:grpSpPr>
-      <p:sp>
-        <p:nvSpPr>
-          <p:cNvPr id="7" name="TextBox 6">
-            <a:extLst>
-              <a:ext uri="{FF2B5EF4-FFF2-40B4-BE49-F238E27FC236}">
-                <a16:creationId xmlns:a16="http://schemas.microsoft.com/office/drawing/2014/main" id="{7CB84694-ADBB-4654-9219-2E406C204E60}"/>
-              </a:ext>
-            </a:extLst>
-          </p:cNvPr>
-          <p:cNvSpPr txBox="1"/>
-          <p:nvPr/>
-        </p:nvSpPr>
-        <p:spPr>
-          <a:xfrm>
-            <a:off x="5506736" y="6402944"/>
-            <a:ext cx="1178528" cy="261610"/>
-          </a:xfrm>
-          <a:prstGeom prst="rect">
-            <a:avLst/>
-          </a:prstGeom>
-          <a:noFill/>
-        </p:spPr>
-        <p:txBody>
-          <a:bodyPr wrap="none" rtlCol="0">
-            <a:spAutoFit/>
-          </a:bodyPr>
-          <a:lstStyle/>
-          <a:p>
-            <a:r>
-              <a:rPr lang="en-GB" sz="1100" dirty="0"/>
-              <a:t>Wavelength [nm]</a:t>
-            </a:r>
-          </a:p>
-        </p:txBody>
-      </p:sp>
-      <p:sp>
-        <p:nvSpPr>
-          <p:cNvPr id="8" name="TextBox 7">
-            <a:extLst>
-              <a:ext uri="{FF2B5EF4-FFF2-40B4-BE49-F238E27FC236}">
-                <a16:creationId xmlns:a16="http://schemas.microsoft.com/office/drawing/2014/main" id="{BD3D097D-7EA9-45BE-A538-E330F7AAA487}"/>
-              </a:ext>
-            </a:extLst>
-          </p:cNvPr>
-          <p:cNvSpPr txBox="1"/>
-          <p:nvPr/>
-        </p:nvSpPr>
-        <p:spPr>
-          <a:xfrm>
-            <a:off x="11253312" y="3026673"/>
-            <a:ext cx="296876" cy="261610"/>
-          </a:xfrm>
-          <a:prstGeom prst="rect">
-            <a:avLst/>
-          </a:prstGeom>
-          <a:noFill/>
-        </p:spPr>
-        <p:txBody>
-          <a:bodyPr wrap="none" rtlCol="0">
-            <a:spAutoFit/>
-          </a:bodyPr>
-          <a:lstStyle/>
-          <a:p>
-            <a:r>
-              <a:rPr lang="en-GB" sz="1100" dirty="0"/>
-              <a:t>IR</a:t>
-            </a:r>
-          </a:p>
-        </p:txBody>
-      </p:sp>
-      <p:sp>
-        <p:nvSpPr>
-          <p:cNvPr id="9" name="TextBox 8">
-            <a:extLst>
-              <a:ext uri="{FF2B5EF4-FFF2-40B4-BE49-F238E27FC236}">
-                <a16:creationId xmlns:a16="http://schemas.microsoft.com/office/drawing/2014/main" id="{EC8DC086-9FF9-4318-8585-5BA1896AC760}"/>
-              </a:ext>
-            </a:extLst>
-          </p:cNvPr>
-          <p:cNvSpPr txBox="1"/>
-          <p:nvPr/>
-        </p:nvSpPr>
-        <p:spPr>
-          <a:xfrm>
-            <a:off x="3853446" y="3026673"/>
-            <a:ext cx="436338" cy="261610"/>
-          </a:xfrm>
-          <a:prstGeom prst="rect">
-            <a:avLst/>
-          </a:prstGeom>
-          <a:noFill/>
-        </p:spPr>
-        <p:txBody>
-          <a:bodyPr wrap="none" rtlCol="0">
-            <a:spAutoFit/>
-          </a:bodyPr>
-          <a:lstStyle/>
-          <a:p>
-            <a:r>
-              <a:rPr lang="en-GB" sz="1100" dirty="0"/>
-              <a:t>UVA</a:t>
-            </a:r>
-          </a:p>
-        </p:txBody>
-      </p:sp>
-      <p:sp>
-        <p:nvSpPr>
-          <p:cNvPr id="10" name="TextBox 9">
-            <a:extLst>
-              <a:ext uri="{FF2B5EF4-FFF2-40B4-BE49-F238E27FC236}">
-                <a16:creationId xmlns:a16="http://schemas.microsoft.com/office/drawing/2014/main" id="{B57D7180-B2F9-4B18-8B4A-1355B0BAFD19}"/>
-              </a:ext>
-            </a:extLst>
-          </p:cNvPr>
-          <p:cNvSpPr txBox="1"/>
-          <p:nvPr/>
-        </p:nvSpPr>
-        <p:spPr>
-          <a:xfrm>
-            <a:off x="5191179" y="3026673"/>
-            <a:ext cx="437940" cy="261610"/>
-          </a:xfrm>
-          <a:prstGeom prst="rect">
-            <a:avLst/>
-          </a:prstGeom>
-          <a:noFill/>
-        </p:spPr>
-        <p:txBody>
-          <a:bodyPr wrap="none" rtlCol="0">
-            <a:spAutoFit/>
-          </a:bodyPr>
-          <a:lstStyle/>
-          <a:p>
-            <a:r>
-              <a:rPr lang="en-GB" sz="1100" dirty="0"/>
-              <a:t>Blue</a:t>
-            </a:r>
-          </a:p>
-        </p:txBody>
-      </p:sp>
-      <p:sp>
-        <p:nvSpPr>
-          <p:cNvPr id="11" name="TextBox 10">
-            <a:extLst>
-              <a:ext uri="{FF2B5EF4-FFF2-40B4-BE49-F238E27FC236}">
-                <a16:creationId xmlns:a16="http://schemas.microsoft.com/office/drawing/2014/main" id="{CE16B0D0-0A51-431C-8904-6BAD5731C6CF}"/>
-              </a:ext>
-            </a:extLst>
-          </p:cNvPr>
-          <p:cNvSpPr txBox="1"/>
-          <p:nvPr/>
-        </p:nvSpPr>
-        <p:spPr>
-          <a:xfrm>
-            <a:off x="8191392" y="3037386"/>
-            <a:ext cx="405880" cy="261610"/>
-          </a:xfrm>
-          <a:prstGeom prst="rect">
-            <a:avLst/>
-          </a:prstGeom>
-          <a:noFill/>
-        </p:spPr>
-        <p:txBody>
-          <a:bodyPr wrap="none" rtlCol="0">
-            <a:spAutoFit/>
-          </a:bodyPr>
-          <a:lstStyle/>
-          <a:p>
-            <a:r>
-              <a:rPr lang="en-GB" sz="1100" dirty="0"/>
-              <a:t>Red</a:t>
-            </a:r>
-          </a:p>
-        </p:txBody>
-      </p:sp>
-      <p:sp>
-        <p:nvSpPr>
-          <p:cNvPr id="12" name="TextBox 11">
-            <a:extLst>
-              <a:ext uri="{FF2B5EF4-FFF2-40B4-BE49-F238E27FC236}">
-                <a16:creationId xmlns:a16="http://schemas.microsoft.com/office/drawing/2014/main" id="{0F8CC49C-5B36-4EC6-A797-C37CF0877E03}"/>
-              </a:ext>
-            </a:extLst>
-          </p:cNvPr>
-          <p:cNvSpPr txBox="1"/>
-          <p:nvPr/>
-        </p:nvSpPr>
-        <p:spPr>
-          <a:xfrm>
-            <a:off x="6583651" y="3037386"/>
-            <a:ext cx="538930" cy="261610"/>
-          </a:xfrm>
-          <a:prstGeom prst="rect">
-            <a:avLst/>
-          </a:prstGeom>
-          <a:noFill/>
-        </p:spPr>
-        <p:txBody>
-          <a:bodyPr wrap="none" rtlCol="0">
-            <a:spAutoFit/>
-          </a:bodyPr>
-          <a:lstStyle/>
-          <a:p>
-            <a:r>
-              <a:rPr lang="en-GB" sz="1100" dirty="0"/>
-              <a:t>Green</a:t>
-            </a:r>
-          </a:p>
-        </p:txBody>
-      </p:sp>
-      <p:sp>
-        <p:nvSpPr>
-          <p:cNvPr id="13" name="TextBox 12">
-            <a:extLst>
-              <a:ext uri="{FF2B5EF4-FFF2-40B4-BE49-F238E27FC236}">
-                <a16:creationId xmlns:a16="http://schemas.microsoft.com/office/drawing/2014/main" id="{ABE6B09A-4002-4A1C-86E4-AC81AC30D8D8}"/>
-              </a:ext>
-            </a:extLst>
-          </p:cNvPr>
-          <p:cNvSpPr txBox="1"/>
-          <p:nvPr/>
-        </p:nvSpPr>
-        <p:spPr>
-          <a:xfrm>
-            <a:off x="4126247" y="2633107"/>
-            <a:ext cx="401072" cy="261610"/>
-          </a:xfrm>
-          <a:prstGeom prst="rect">
-            <a:avLst/>
-          </a:prstGeom>
-          <a:noFill/>
-        </p:spPr>
-        <p:txBody>
-          <a:bodyPr wrap="none" rtlCol="0">
-            <a:spAutoFit/>
-          </a:bodyPr>
-          <a:lstStyle/>
-          <a:p>
-            <a:r>
-              <a:rPr lang="en-GB" sz="1100" dirty="0"/>
-              <a:t>375</a:t>
-            </a:r>
-          </a:p>
-        </p:txBody>
-      </p:sp>
-      <p:sp>
-        <p:nvSpPr>
-          <p:cNvPr id="14" name="TextBox 13">
-            <a:extLst>
-              <a:ext uri="{FF2B5EF4-FFF2-40B4-BE49-F238E27FC236}">
-                <a16:creationId xmlns:a16="http://schemas.microsoft.com/office/drawing/2014/main" id="{1F2303E4-ADE2-4C3B-A726-B153E68F43A8}"/>
-              </a:ext>
-            </a:extLst>
-          </p:cNvPr>
-          <p:cNvSpPr txBox="1"/>
-          <p:nvPr/>
-        </p:nvSpPr>
-        <p:spPr>
-          <a:xfrm>
-            <a:off x="10777596" y="2633107"/>
-            <a:ext cx="401072" cy="261610"/>
-          </a:xfrm>
-          <a:prstGeom prst="rect">
-            <a:avLst/>
-          </a:prstGeom>
-          <a:noFill/>
-        </p:spPr>
-        <p:txBody>
-          <a:bodyPr wrap="none" rtlCol="0">
-            <a:spAutoFit/>
-          </a:bodyPr>
-          <a:lstStyle/>
-          <a:p>
-            <a:r>
-              <a:rPr lang="en-GB" sz="1100" dirty="0"/>
-              <a:t>850</a:t>
-            </a:r>
-          </a:p>
-        </p:txBody>
-      </p:sp>
-      <p:sp>
-        <p:nvSpPr>
-          <p:cNvPr id="15" name="TextBox 14">
-            <a:extLst>
-              <a:ext uri="{FF2B5EF4-FFF2-40B4-BE49-F238E27FC236}">
-                <a16:creationId xmlns:a16="http://schemas.microsoft.com/office/drawing/2014/main" id="{F9733EB4-B01A-4B4E-B74C-11AA20F3860D}"/>
-              </a:ext>
-            </a:extLst>
-          </p:cNvPr>
-          <p:cNvSpPr txBox="1"/>
-          <p:nvPr/>
-        </p:nvSpPr>
-        <p:spPr>
-          <a:xfrm>
-            <a:off x="7813574" y="2641076"/>
-            <a:ext cx="401072" cy="261610"/>
-          </a:xfrm>
-          <a:prstGeom prst="rect">
-            <a:avLst/>
-          </a:prstGeom>
-          <a:noFill/>
-        </p:spPr>
-        <p:txBody>
-          <a:bodyPr wrap="none" rtlCol="0">
-            <a:spAutoFit/>
-          </a:bodyPr>
-          <a:lstStyle/>
-          <a:p>
-            <a:r>
-              <a:rPr lang="en-GB" sz="1100" dirty="0"/>
-              <a:t>636</a:t>
-            </a:r>
-          </a:p>
-        </p:txBody>
-      </p:sp>
-      <p:sp>
-        <p:nvSpPr>
-          <p:cNvPr id="16" name="TextBox 15">
-            <a:extLst>
-              <a:ext uri="{FF2B5EF4-FFF2-40B4-BE49-F238E27FC236}">
-                <a16:creationId xmlns:a16="http://schemas.microsoft.com/office/drawing/2014/main" id="{7282A17C-A86A-4D03-9876-18D8E96ACCA2}"/>
-              </a:ext>
-            </a:extLst>
-          </p:cNvPr>
-          <p:cNvSpPr txBox="1"/>
-          <p:nvPr/>
-        </p:nvSpPr>
-        <p:spPr>
-          <a:xfrm>
-            <a:off x="6247731" y="2633107"/>
-            <a:ext cx="401072" cy="261610"/>
-          </a:xfrm>
-          <a:prstGeom prst="rect">
-            <a:avLst/>
-          </a:prstGeom>
-          <a:noFill/>
-        </p:spPr>
-        <p:txBody>
-          <a:bodyPr wrap="none" rtlCol="0">
-            <a:spAutoFit/>
-          </a:bodyPr>
-          <a:lstStyle/>
-          <a:p>
-            <a:r>
-              <a:rPr lang="en-GB" sz="1100" dirty="0"/>
-              <a:t>525</a:t>
-            </a:r>
-          </a:p>
-        </p:txBody>
-      </p:sp>
-      <p:sp>
-        <p:nvSpPr>
-          <p:cNvPr id="17" name="TextBox 16">
-            <a:extLst>
-              <a:ext uri="{FF2B5EF4-FFF2-40B4-BE49-F238E27FC236}">
-                <a16:creationId xmlns:a16="http://schemas.microsoft.com/office/drawing/2014/main" id="{E47576C7-01CA-41E8-8887-72EDD927EA35}"/>
-              </a:ext>
-            </a:extLst>
-          </p:cNvPr>
-          <p:cNvSpPr txBox="1"/>
-          <p:nvPr/>
-        </p:nvSpPr>
-        <p:spPr>
-          <a:xfrm>
-            <a:off x="5491554" y="2633107"/>
-            <a:ext cx="401072" cy="261610"/>
-          </a:xfrm>
-          <a:prstGeom prst="rect">
-            <a:avLst/>
-          </a:prstGeom>
-          <a:noFill/>
-        </p:spPr>
-        <p:txBody>
-          <a:bodyPr wrap="none" rtlCol="0">
-            <a:spAutoFit/>
-          </a:bodyPr>
-          <a:lstStyle/>
-          <a:p>
-            <a:r>
-              <a:rPr lang="en-GB" sz="1100" dirty="0"/>
-              <a:t>470</a:t>
-            </a:r>
-          </a:p>
-        </p:txBody>
-      </p:sp>
       <p:graphicFrame>
         <p:nvGraphicFramePr>
-          <p:cNvPr id="18" name="Chart 17">
-            <a:extLst>
-              <a:ext uri="{FF2B5EF4-FFF2-40B4-BE49-F238E27FC236}">
-                <a16:creationId xmlns:a16="http://schemas.microsoft.com/office/drawing/2014/main" id="{D88178CA-ABC3-4E17-9441-A4CD8F26EDCC}"/>
+          <p:cNvPr id="4" name="Object 3">
+            <a:extLst>
+              <a:ext uri="{FF2B5EF4-FFF2-40B4-BE49-F238E27FC236}">
+                <a16:creationId xmlns:a16="http://schemas.microsoft.com/office/drawing/2014/main" id="{933273F8-D4F7-4BFF-8F60-14C3358B809B}"/>
               </a:ext>
             </a:extLst>
           </p:cNvPr>
@@ -16056,25 +16805,58 @@
           <p:nvPr>
             <p:extLst>
               <p:ext uri="{D42A27DB-BD31-4B8C-83A1-F6EECF244321}">
-                <p14:modId xmlns:p14="http://schemas.microsoft.com/office/powerpoint/2010/main" val="2885040795"/>
+                <p14:modId xmlns:p14="http://schemas.microsoft.com/office/powerpoint/2010/main" val="1513837919"/>
               </p:ext>
             </p:extLst>
           </p:nvPr>
         </p:nvGraphicFramePr>
         <p:xfrm>
-          <a:off x="220694" y="2767986"/>
-          <a:ext cx="11750612" cy="3637881"/>
+          <a:off x="0" y="161487"/>
+          <a:ext cx="11799888" cy="6316662"/>
         </p:xfrm>
         <a:graphic>
-          <a:graphicData uri="http://schemas.openxmlformats.org/drawingml/2006/chart">
-            <c:chart xmlns:c="http://schemas.openxmlformats.org/drawingml/2006/chart" xmlns:r="http://schemas.openxmlformats.org/officeDocument/2006/relationships" r:id="rId2"/>
+          <a:graphicData uri="http://schemas.openxmlformats.org/presentationml/2006/ole">
+            <mc:AlternateContent xmlns:mc="http://schemas.openxmlformats.org/markup-compatibility/2006">
+              <mc:Choice xmlns:v="urn:schemas-microsoft-com:vml" Requires="v">
+                <p:oleObj spid="_x0000_s1034" name="Worksheet" r:id="rId3" imgW="11763331" imgH="6296280" progId="Excel.Sheet.12">
+                  <p:embed/>
+                </p:oleObj>
+              </mc:Choice>
+              <mc:Fallback>
+                <p:oleObj name="Worksheet" r:id="rId3" imgW="11763331" imgH="6296280" progId="Excel.Sheet.12">
+                  <p:embed/>
+                  <p:pic>
+                    <p:nvPicPr>
+                      <p:cNvPr id="0" name=""/>
+                      <p:cNvPicPr/>
+                      <p:nvPr/>
+                    </p:nvPicPr>
+                    <p:blipFill>
+                      <a:blip r:embed="rId4"/>
+                      <a:stretch>
+                        <a:fillRect/>
+                      </a:stretch>
+                    </p:blipFill>
+                    <p:spPr>
+                      <a:xfrm>
+                        <a:off x="0" y="161487"/>
+                        <a:ext cx="11799888" cy="6316662"/>
+                      </a:xfrm>
+                      <a:prstGeom prst="rect">
+                        <a:avLst/>
+                      </a:prstGeom>
+                    </p:spPr>
+                  </p:pic>
+                </p:oleObj>
+              </mc:Fallback>
+            </mc:AlternateContent>
           </a:graphicData>
         </a:graphic>
       </p:graphicFrame>
     </p:spTree>
     <p:extLst>
       <p:ext uri="{BB962C8B-B14F-4D97-AF65-F5344CB8AC3E}">
-        <p14:creationId xmlns:p14="http://schemas.microsoft.com/office/powerpoint/2010/main" val="237549244"/>
+        <p14:creationId xmlns:p14="http://schemas.microsoft.com/office/powerpoint/2010/main" val="3278540292"/>
       </p:ext>
     </p:extLst>
   </p:cSld>
@@ -16101,12 +16883,42 @@
           <a:chExt cx="0" cy="0"/>
         </a:xfrm>
       </p:grpSpPr>
+      <p:graphicFrame>
+        <p:nvGraphicFramePr>
+          <p:cNvPr id="16" name="Chart 15">
+            <a:extLst>
+              <a:ext uri="{FF2B5EF4-FFF2-40B4-BE49-F238E27FC236}">
+                <a16:creationId xmlns:a16="http://schemas.microsoft.com/office/drawing/2014/main" id="{C45DB447-AA40-4F25-8F94-2F28FBEAE8EF}"/>
+              </a:ext>
+            </a:extLst>
+          </p:cNvPr>
+          <p:cNvGraphicFramePr>
+            <a:graphicFrameLocks/>
+          </p:cNvGraphicFramePr>
+          <p:nvPr>
+            <p:extLst>
+              <p:ext uri="{D42A27DB-BD31-4B8C-83A1-F6EECF244321}">
+                <p14:modId xmlns:p14="http://schemas.microsoft.com/office/powerpoint/2010/main" val="847916329"/>
+              </p:ext>
+            </p:extLst>
+          </p:nvPr>
+        </p:nvGraphicFramePr>
+        <p:xfrm>
+          <a:off x="483327" y="1673812"/>
+          <a:ext cx="11225345" cy="3510375"/>
+        </p:xfrm>
+        <a:graphic>
+          <a:graphicData uri="http://schemas.openxmlformats.org/drawingml/2006/chart">
+            <c:chart xmlns:c="http://schemas.openxmlformats.org/drawingml/2006/chart" xmlns:r="http://schemas.openxmlformats.org/officeDocument/2006/relationships" r:id="rId2"/>
+          </a:graphicData>
+        </a:graphic>
+      </p:graphicFrame>
       <p:sp>
         <p:nvSpPr>
-          <p:cNvPr id="4" name="TextBox 3">
-            <a:extLst>
-              <a:ext uri="{FF2B5EF4-FFF2-40B4-BE49-F238E27FC236}">
-                <a16:creationId xmlns:a16="http://schemas.microsoft.com/office/drawing/2014/main" id="{7DEE2069-AB74-430A-BD60-FB402FE016E1}"/>
+          <p:cNvPr id="17" name="TextBox 16">
+            <a:extLst>
+              <a:ext uri="{FF2B5EF4-FFF2-40B4-BE49-F238E27FC236}">
+                <a16:creationId xmlns:a16="http://schemas.microsoft.com/office/drawing/2014/main" id="{3F7A7EA1-6357-43B6-B4FB-D3F14C9C6FE0}"/>
               </a:ext>
             </a:extLst>
           </p:cNvPr>
@@ -16115,8 +16927,8 @@
         </p:nvSpPr>
         <p:spPr>
           <a:xfrm>
-            <a:off x="4839286" y="858130"/>
-            <a:ext cx="1785169" cy="369332"/>
+            <a:off x="10385052" y="1826833"/>
+            <a:ext cx="296876" cy="261610"/>
           </a:xfrm>
           <a:prstGeom prst="rect">
             <a:avLst/>
@@ -16130,47 +16942,576 @@
           <a:lstStyle/>
           <a:p>
             <a:r>
-              <a:rPr lang="de-DE" dirty="0"/>
-              <a:t>Warm White LED</a:t>
+              <a:rPr lang="en-GB" sz="1100" dirty="0"/>
+              <a:t>IR</a:t>
             </a:r>
-            <a:endParaRPr lang="en-GB" dirty="0"/>
           </a:p>
         </p:txBody>
       </p:sp>
-      <p:pic>
-        <p:nvPicPr>
-          <p:cNvPr id="5" name="Picture 4">
-            <a:extLst>
-              <a:ext uri="{FF2B5EF4-FFF2-40B4-BE49-F238E27FC236}">
-                <a16:creationId xmlns:a16="http://schemas.microsoft.com/office/drawing/2014/main" id="{34CB7B4F-0AF7-432E-AA62-0D2CB625F1C0}"/>
-              </a:ext>
-            </a:extLst>
-          </p:cNvPr>
-          <p:cNvPicPr>
-            <a:picLocks noChangeAspect="1"/>
-          </p:cNvPicPr>
+      <p:sp>
+        <p:nvSpPr>
+          <p:cNvPr id="18" name="TextBox 17">
+            <a:extLst>
+              <a:ext uri="{FF2B5EF4-FFF2-40B4-BE49-F238E27FC236}">
+                <a16:creationId xmlns:a16="http://schemas.microsoft.com/office/drawing/2014/main" id="{3B0EBD67-2194-473E-892E-F4C4674DB98D}"/>
+              </a:ext>
+            </a:extLst>
+          </p:cNvPr>
+          <p:cNvSpPr txBox="1"/>
           <p:nvPr/>
-        </p:nvPicPr>
-        <p:blipFill>
-          <a:blip r:embed="rId2"/>
-          <a:stretch>
-            <a:fillRect/>
-          </a:stretch>
-        </p:blipFill>
+        </p:nvSpPr>
         <p:spPr>
           <a:xfrm>
-            <a:off x="4695825" y="2171700"/>
-            <a:ext cx="2800350" cy="2514600"/>
+            <a:off x="3931856" y="1826833"/>
+            <a:ext cx="436338" cy="261610"/>
           </a:xfrm>
           <a:prstGeom prst="rect">
             <a:avLst/>
           </a:prstGeom>
+          <a:noFill/>
         </p:spPr>
-      </p:pic>
+        <p:txBody>
+          <a:bodyPr wrap="none" rtlCol="0">
+            <a:spAutoFit/>
+          </a:bodyPr>
+          <a:lstStyle/>
+          <a:p>
+            <a:r>
+              <a:rPr lang="en-GB" sz="1100" dirty="0"/>
+              <a:t>UVA</a:t>
+            </a:r>
+          </a:p>
+        </p:txBody>
+      </p:sp>
+      <p:sp>
+        <p:nvSpPr>
+          <p:cNvPr id="19" name="TextBox 18">
+            <a:extLst>
+              <a:ext uri="{FF2B5EF4-FFF2-40B4-BE49-F238E27FC236}">
+                <a16:creationId xmlns:a16="http://schemas.microsoft.com/office/drawing/2014/main" id="{37579977-F074-4CD6-BDBC-ED26D4C47F92}"/>
+              </a:ext>
+            </a:extLst>
+          </p:cNvPr>
+          <p:cNvSpPr txBox="1"/>
+          <p:nvPr/>
+        </p:nvSpPr>
+        <p:spPr>
+          <a:xfrm>
+            <a:off x="5225563" y="1826833"/>
+            <a:ext cx="437940" cy="261610"/>
+          </a:xfrm>
+          <a:prstGeom prst="rect">
+            <a:avLst/>
+          </a:prstGeom>
+          <a:noFill/>
+        </p:spPr>
+        <p:txBody>
+          <a:bodyPr wrap="none" rtlCol="0">
+            <a:spAutoFit/>
+          </a:bodyPr>
+          <a:lstStyle/>
+          <a:p>
+            <a:r>
+              <a:rPr lang="en-GB" sz="1100" dirty="0"/>
+              <a:t>Blue</a:t>
+            </a:r>
+          </a:p>
+        </p:txBody>
+      </p:sp>
+      <p:sp>
+        <p:nvSpPr>
+          <p:cNvPr id="20" name="TextBox 19">
+            <a:extLst>
+              <a:ext uri="{FF2B5EF4-FFF2-40B4-BE49-F238E27FC236}">
+                <a16:creationId xmlns:a16="http://schemas.microsoft.com/office/drawing/2014/main" id="{3775AB9F-AB22-468C-832B-40C249AFFC3E}"/>
+              </a:ext>
+            </a:extLst>
+          </p:cNvPr>
+          <p:cNvSpPr txBox="1"/>
+          <p:nvPr/>
+        </p:nvSpPr>
+        <p:spPr>
+          <a:xfrm>
+            <a:off x="8025929" y="1826833"/>
+            <a:ext cx="405880" cy="261610"/>
+          </a:xfrm>
+          <a:prstGeom prst="rect">
+            <a:avLst/>
+          </a:prstGeom>
+          <a:noFill/>
+        </p:spPr>
+        <p:txBody>
+          <a:bodyPr wrap="none" rtlCol="0">
+            <a:spAutoFit/>
+          </a:bodyPr>
+          <a:lstStyle/>
+          <a:p>
+            <a:r>
+              <a:rPr lang="en-GB" sz="1100" dirty="0"/>
+              <a:t>Red</a:t>
+            </a:r>
+          </a:p>
+        </p:txBody>
+      </p:sp>
+      <p:sp>
+        <p:nvSpPr>
+          <p:cNvPr id="21" name="TextBox 20">
+            <a:extLst>
+              <a:ext uri="{FF2B5EF4-FFF2-40B4-BE49-F238E27FC236}">
+                <a16:creationId xmlns:a16="http://schemas.microsoft.com/office/drawing/2014/main" id="{861F4B06-A7C7-4179-AAC2-5CDEF09364EC}"/>
+              </a:ext>
+            </a:extLst>
+          </p:cNvPr>
+          <p:cNvSpPr txBox="1"/>
+          <p:nvPr/>
+        </p:nvSpPr>
+        <p:spPr>
+          <a:xfrm>
+            <a:off x="6629630" y="1826833"/>
+            <a:ext cx="538930" cy="261610"/>
+          </a:xfrm>
+          <a:prstGeom prst="rect">
+            <a:avLst/>
+          </a:prstGeom>
+          <a:noFill/>
+        </p:spPr>
+        <p:txBody>
+          <a:bodyPr wrap="none" rtlCol="0">
+            <a:spAutoFit/>
+          </a:bodyPr>
+          <a:lstStyle/>
+          <a:p>
+            <a:r>
+              <a:rPr lang="en-GB" sz="1100" dirty="0"/>
+              <a:t>Green</a:t>
+            </a:r>
+          </a:p>
+        </p:txBody>
+      </p:sp>
+      <p:sp>
+        <p:nvSpPr>
+          <p:cNvPr id="22" name="TextBox 21">
+            <a:extLst>
+              <a:ext uri="{FF2B5EF4-FFF2-40B4-BE49-F238E27FC236}">
+                <a16:creationId xmlns:a16="http://schemas.microsoft.com/office/drawing/2014/main" id="{F7B3418D-A049-49D9-B8F3-077A9154D3E3}"/>
+              </a:ext>
+            </a:extLst>
+          </p:cNvPr>
+          <p:cNvSpPr txBox="1"/>
+          <p:nvPr/>
+        </p:nvSpPr>
+        <p:spPr>
+          <a:xfrm>
+            <a:off x="4229552" y="1543007"/>
+            <a:ext cx="401072" cy="261610"/>
+          </a:xfrm>
+          <a:prstGeom prst="rect">
+            <a:avLst/>
+          </a:prstGeom>
+          <a:noFill/>
+        </p:spPr>
+        <p:txBody>
+          <a:bodyPr wrap="square" rtlCol="0">
+            <a:spAutoFit/>
+          </a:bodyPr>
+          <a:lstStyle/>
+          <a:p>
+            <a:r>
+              <a:rPr lang="en-GB" sz="1100" dirty="0"/>
+              <a:t>375</a:t>
+            </a:r>
+          </a:p>
+        </p:txBody>
+      </p:sp>
+      <p:sp>
+        <p:nvSpPr>
+          <p:cNvPr id="23" name="TextBox 22">
+            <a:extLst>
+              <a:ext uri="{FF2B5EF4-FFF2-40B4-BE49-F238E27FC236}">
+                <a16:creationId xmlns:a16="http://schemas.microsoft.com/office/drawing/2014/main" id="{99F997AF-9052-4315-B449-3AC48D883B83}"/>
+              </a:ext>
+            </a:extLst>
+          </p:cNvPr>
+          <p:cNvSpPr txBox="1"/>
+          <p:nvPr/>
+        </p:nvSpPr>
+        <p:spPr>
+          <a:xfrm>
+            <a:off x="10612133" y="1543007"/>
+            <a:ext cx="401072" cy="261610"/>
+          </a:xfrm>
+          <a:prstGeom prst="rect">
+            <a:avLst/>
+          </a:prstGeom>
+          <a:noFill/>
+        </p:spPr>
+        <p:txBody>
+          <a:bodyPr wrap="none" rtlCol="0">
+            <a:spAutoFit/>
+          </a:bodyPr>
+          <a:lstStyle/>
+          <a:p>
+            <a:r>
+              <a:rPr lang="en-GB" sz="1100" dirty="0"/>
+              <a:t>850</a:t>
+            </a:r>
+          </a:p>
+        </p:txBody>
+      </p:sp>
+      <p:sp>
+        <p:nvSpPr>
+          <p:cNvPr id="24" name="TextBox 23">
+            <a:extLst>
+              <a:ext uri="{FF2B5EF4-FFF2-40B4-BE49-F238E27FC236}">
+                <a16:creationId xmlns:a16="http://schemas.microsoft.com/office/drawing/2014/main" id="{C794E27D-D653-4DEA-9C53-3795E55A5BC5}"/>
+              </a:ext>
+            </a:extLst>
+          </p:cNvPr>
+          <p:cNvSpPr txBox="1"/>
+          <p:nvPr/>
+        </p:nvSpPr>
+        <p:spPr>
+          <a:xfrm>
+            <a:off x="7624857" y="1543007"/>
+            <a:ext cx="401072" cy="261610"/>
+          </a:xfrm>
+          <a:prstGeom prst="rect">
+            <a:avLst/>
+          </a:prstGeom>
+          <a:noFill/>
+        </p:spPr>
+        <p:txBody>
+          <a:bodyPr wrap="none" rtlCol="0">
+            <a:spAutoFit/>
+          </a:bodyPr>
+          <a:lstStyle/>
+          <a:p>
+            <a:r>
+              <a:rPr lang="en-GB" sz="1100" dirty="0"/>
+              <a:t>626</a:t>
+            </a:r>
+          </a:p>
+        </p:txBody>
+      </p:sp>
+      <p:sp>
+        <p:nvSpPr>
+          <p:cNvPr id="25" name="TextBox 24">
+            <a:extLst>
+              <a:ext uri="{FF2B5EF4-FFF2-40B4-BE49-F238E27FC236}">
+                <a16:creationId xmlns:a16="http://schemas.microsoft.com/office/drawing/2014/main" id="{AEB688CD-D2DF-4991-BF3F-ED37763116A4}"/>
+              </a:ext>
+            </a:extLst>
+          </p:cNvPr>
+          <p:cNvSpPr txBox="1"/>
+          <p:nvPr/>
+        </p:nvSpPr>
+        <p:spPr>
+          <a:xfrm>
+            <a:off x="6259832" y="1543007"/>
+            <a:ext cx="401072" cy="261610"/>
+          </a:xfrm>
+          <a:prstGeom prst="rect">
+            <a:avLst/>
+          </a:prstGeom>
+          <a:noFill/>
+        </p:spPr>
+        <p:txBody>
+          <a:bodyPr wrap="none" rtlCol="0">
+            <a:spAutoFit/>
+          </a:bodyPr>
+          <a:lstStyle/>
+          <a:p>
+            <a:r>
+              <a:rPr lang="en-GB" sz="1100" dirty="0"/>
+              <a:t>525</a:t>
+            </a:r>
+          </a:p>
+        </p:txBody>
+      </p:sp>
+      <p:sp>
+        <p:nvSpPr>
+          <p:cNvPr id="26" name="TextBox 25">
+            <a:extLst>
+              <a:ext uri="{FF2B5EF4-FFF2-40B4-BE49-F238E27FC236}">
+                <a16:creationId xmlns:a16="http://schemas.microsoft.com/office/drawing/2014/main" id="{E59EAC8A-9096-41EE-A6C2-636A56FACA1F}"/>
+              </a:ext>
+            </a:extLst>
+          </p:cNvPr>
+          <p:cNvSpPr txBox="1"/>
+          <p:nvPr/>
+        </p:nvSpPr>
+        <p:spPr>
+          <a:xfrm>
+            <a:off x="5537760" y="1543007"/>
+            <a:ext cx="401072" cy="261610"/>
+          </a:xfrm>
+          <a:prstGeom prst="rect">
+            <a:avLst/>
+          </a:prstGeom>
+          <a:noFill/>
+        </p:spPr>
+        <p:txBody>
+          <a:bodyPr wrap="none" rtlCol="0">
+            <a:spAutoFit/>
+          </a:bodyPr>
+          <a:lstStyle/>
+          <a:p>
+            <a:r>
+              <a:rPr lang="en-GB" sz="1100" dirty="0"/>
+              <a:t>470</a:t>
+            </a:r>
+          </a:p>
+        </p:txBody>
+      </p:sp>
+      <p:sp>
+        <p:nvSpPr>
+          <p:cNvPr id="27" name="TextBox 26">
+            <a:extLst>
+              <a:ext uri="{FF2B5EF4-FFF2-40B4-BE49-F238E27FC236}">
+                <a16:creationId xmlns:a16="http://schemas.microsoft.com/office/drawing/2014/main" id="{EE7626AB-5590-4819-86A6-B550B4C42B2D}"/>
+              </a:ext>
+            </a:extLst>
+          </p:cNvPr>
+          <p:cNvSpPr txBox="1"/>
+          <p:nvPr/>
+        </p:nvSpPr>
+        <p:spPr>
+          <a:xfrm>
+            <a:off x="792416" y="1826833"/>
+            <a:ext cx="1356462" cy="261610"/>
+          </a:xfrm>
+          <a:prstGeom prst="rect">
+            <a:avLst/>
+          </a:prstGeom>
+          <a:noFill/>
+        </p:spPr>
+        <p:txBody>
+          <a:bodyPr wrap="none" rtlCol="0">
+            <a:spAutoFit/>
+          </a:bodyPr>
+          <a:lstStyle/>
+          <a:p>
+            <a:r>
+              <a:rPr lang="en-GB" sz="1100" dirty="0"/>
+              <a:t>Light sources (LEDs):</a:t>
+            </a:r>
+          </a:p>
+        </p:txBody>
+      </p:sp>
+      <p:sp>
+        <p:nvSpPr>
+          <p:cNvPr id="28" name="TextBox 27">
+            <a:extLst>
+              <a:ext uri="{FF2B5EF4-FFF2-40B4-BE49-F238E27FC236}">
+                <a16:creationId xmlns:a16="http://schemas.microsoft.com/office/drawing/2014/main" id="{5523807C-F0EC-4604-B0E5-72359D0E93E2}"/>
+              </a:ext>
+            </a:extLst>
+          </p:cNvPr>
+          <p:cNvSpPr txBox="1"/>
+          <p:nvPr/>
+        </p:nvSpPr>
+        <p:spPr>
+          <a:xfrm>
+            <a:off x="792416" y="3041330"/>
+            <a:ext cx="1645002" cy="261610"/>
+          </a:xfrm>
+          <a:prstGeom prst="rect">
+            <a:avLst/>
+          </a:prstGeom>
+          <a:noFill/>
+        </p:spPr>
+        <p:txBody>
+          <a:bodyPr wrap="none" rtlCol="0">
+            <a:spAutoFit/>
+          </a:bodyPr>
+          <a:lstStyle/>
+          <a:p>
+            <a:r>
+              <a:rPr lang="en-GB" sz="1100" noProof="1"/>
+              <a:t>Spectrum half width (Δλ):</a:t>
+            </a:r>
+          </a:p>
+        </p:txBody>
+      </p:sp>
+      <p:sp>
+        <p:nvSpPr>
+          <p:cNvPr id="29" name="TextBox 28">
+            <a:extLst>
+              <a:ext uri="{FF2B5EF4-FFF2-40B4-BE49-F238E27FC236}">
+                <a16:creationId xmlns:a16="http://schemas.microsoft.com/office/drawing/2014/main" id="{3131B0A3-0D07-429B-B90C-E13ADB9BD29D}"/>
+              </a:ext>
+            </a:extLst>
+          </p:cNvPr>
+          <p:cNvSpPr txBox="1"/>
+          <p:nvPr/>
+        </p:nvSpPr>
+        <p:spPr>
+          <a:xfrm>
+            <a:off x="4101151" y="3041330"/>
+            <a:ext cx="256802" cy="261610"/>
+          </a:xfrm>
+          <a:prstGeom prst="rect">
+            <a:avLst/>
+          </a:prstGeom>
+          <a:noFill/>
+        </p:spPr>
+        <p:txBody>
+          <a:bodyPr wrap="none" rtlCol="0">
+            <a:spAutoFit/>
+          </a:bodyPr>
+          <a:lstStyle/>
+          <a:p>
+            <a:r>
+              <a:rPr lang="en-GB" sz="1100" dirty="0"/>
+              <a:t>9</a:t>
+            </a:r>
+          </a:p>
+        </p:txBody>
+      </p:sp>
+      <p:sp>
+        <p:nvSpPr>
+          <p:cNvPr id="30" name="TextBox 29">
+            <a:extLst>
+              <a:ext uri="{FF2B5EF4-FFF2-40B4-BE49-F238E27FC236}">
+                <a16:creationId xmlns:a16="http://schemas.microsoft.com/office/drawing/2014/main" id="{F2A9E562-BFC9-4074-B819-B00061525E6E}"/>
+              </a:ext>
+            </a:extLst>
+          </p:cNvPr>
+          <p:cNvSpPr txBox="1"/>
+          <p:nvPr/>
+        </p:nvSpPr>
+        <p:spPr>
+          <a:xfrm>
+            <a:off x="10123542" y="3026309"/>
+            <a:ext cx="328936" cy="261610"/>
+          </a:xfrm>
+          <a:prstGeom prst="rect">
+            <a:avLst/>
+          </a:prstGeom>
+          <a:noFill/>
+        </p:spPr>
+        <p:txBody>
+          <a:bodyPr wrap="none" rtlCol="0">
+            <a:spAutoFit/>
+          </a:bodyPr>
+          <a:lstStyle/>
+          <a:p>
+            <a:r>
+              <a:rPr lang="en-GB" sz="1100" dirty="0"/>
+              <a:t>45</a:t>
+            </a:r>
+          </a:p>
+        </p:txBody>
+      </p:sp>
+      <p:sp>
+        <p:nvSpPr>
+          <p:cNvPr id="31" name="TextBox 30">
+            <a:extLst>
+              <a:ext uri="{FF2B5EF4-FFF2-40B4-BE49-F238E27FC236}">
+                <a16:creationId xmlns:a16="http://schemas.microsoft.com/office/drawing/2014/main" id="{D0F9E702-31AB-47E7-9107-30427D26DA8F}"/>
+              </a:ext>
+            </a:extLst>
+          </p:cNvPr>
+          <p:cNvSpPr txBox="1"/>
+          <p:nvPr/>
+        </p:nvSpPr>
+        <p:spPr>
+          <a:xfrm>
+            <a:off x="8064401" y="3026309"/>
+            <a:ext cx="328936" cy="261610"/>
+          </a:xfrm>
+          <a:prstGeom prst="rect">
+            <a:avLst/>
+          </a:prstGeom>
+          <a:noFill/>
+        </p:spPr>
+        <p:txBody>
+          <a:bodyPr wrap="none" rtlCol="0">
+            <a:spAutoFit/>
+          </a:bodyPr>
+          <a:lstStyle/>
+          <a:p>
+            <a:r>
+              <a:rPr lang="en-GB" sz="1100" dirty="0"/>
+              <a:t>20</a:t>
+            </a:r>
+          </a:p>
+        </p:txBody>
+      </p:sp>
+      <p:sp>
+        <p:nvSpPr>
+          <p:cNvPr id="32" name="TextBox 31">
+            <a:extLst>
+              <a:ext uri="{FF2B5EF4-FFF2-40B4-BE49-F238E27FC236}">
+                <a16:creationId xmlns:a16="http://schemas.microsoft.com/office/drawing/2014/main" id="{B2BD5A07-E708-4FE4-909F-B686250565B5}"/>
+              </a:ext>
+            </a:extLst>
+          </p:cNvPr>
+          <p:cNvSpPr txBox="1"/>
+          <p:nvPr/>
+        </p:nvSpPr>
+        <p:spPr>
+          <a:xfrm>
+            <a:off x="6764502" y="3029661"/>
+            <a:ext cx="328936" cy="261610"/>
+          </a:xfrm>
+          <a:prstGeom prst="rect">
+            <a:avLst/>
+          </a:prstGeom>
+          <a:noFill/>
+        </p:spPr>
+        <p:txBody>
+          <a:bodyPr wrap="none" rtlCol="0">
+            <a:spAutoFit/>
+          </a:bodyPr>
+          <a:lstStyle/>
+          <a:p>
+            <a:r>
+              <a:rPr lang="en-GB" sz="1100" dirty="0"/>
+              <a:t>40</a:t>
+            </a:r>
+          </a:p>
+        </p:txBody>
+      </p:sp>
+      <p:sp>
+        <p:nvSpPr>
+          <p:cNvPr id="33" name="TextBox 32">
+            <a:extLst>
+              <a:ext uri="{FF2B5EF4-FFF2-40B4-BE49-F238E27FC236}">
+                <a16:creationId xmlns:a16="http://schemas.microsoft.com/office/drawing/2014/main" id="{555847B5-777E-4B36-BB2D-3C691A9EE107}"/>
+              </a:ext>
+            </a:extLst>
+          </p:cNvPr>
+          <p:cNvSpPr txBox="1"/>
+          <p:nvPr/>
+        </p:nvSpPr>
+        <p:spPr>
+          <a:xfrm>
+            <a:off x="5258209" y="3026309"/>
+            <a:ext cx="328936" cy="261610"/>
+          </a:xfrm>
+          <a:prstGeom prst="rect">
+            <a:avLst/>
+          </a:prstGeom>
+          <a:noFill/>
+        </p:spPr>
+        <p:txBody>
+          <a:bodyPr wrap="none" rtlCol="0">
+            <a:spAutoFit/>
+          </a:bodyPr>
+          <a:lstStyle/>
+          <a:p>
+            <a:r>
+              <a:rPr lang="en-GB" sz="1100" dirty="0"/>
+              <a:t>26</a:t>
+            </a:r>
+          </a:p>
+        </p:txBody>
+      </p:sp>
     </p:spTree>
     <p:extLst>
       <p:ext uri="{BB962C8B-B14F-4D97-AF65-F5344CB8AC3E}">
-        <p14:creationId xmlns:p14="http://schemas.microsoft.com/office/powerpoint/2010/main" val="1001993234"/>
+        <p14:creationId xmlns:p14="http://schemas.microsoft.com/office/powerpoint/2010/main" val="117233692"/>
       </p:ext>
     </p:extLst>
   </p:cSld>
@@ -16197,12 +17538,48 @@
           <a:chExt cx="0" cy="0"/>
         </a:xfrm>
       </p:grpSpPr>
+      <p:sp>
+        <p:nvSpPr>
+          <p:cNvPr id="4" name="TextBox 3">
+            <a:extLst>
+              <a:ext uri="{FF2B5EF4-FFF2-40B4-BE49-F238E27FC236}">
+                <a16:creationId xmlns:a16="http://schemas.microsoft.com/office/drawing/2014/main" id="{7DEE2069-AB74-430A-BD60-FB402FE016E1}"/>
+              </a:ext>
+            </a:extLst>
+          </p:cNvPr>
+          <p:cNvSpPr txBox="1"/>
+          <p:nvPr/>
+        </p:nvSpPr>
+        <p:spPr>
+          <a:xfrm>
+            <a:off x="4839286" y="858130"/>
+            <a:ext cx="1785169" cy="369332"/>
+          </a:xfrm>
+          <a:prstGeom prst="rect">
+            <a:avLst/>
+          </a:prstGeom>
+          <a:noFill/>
+        </p:spPr>
+        <p:txBody>
+          <a:bodyPr wrap="none" rtlCol="0">
+            <a:spAutoFit/>
+          </a:bodyPr>
+          <a:lstStyle/>
+          <a:p>
+            <a:r>
+              <a:rPr lang="de-DE" dirty="0"/>
+              <a:t>Warm White LED</a:t>
+            </a:r>
+            <a:endParaRPr lang="en-GB" dirty="0"/>
+          </a:p>
+        </p:txBody>
+      </p:sp>
       <p:pic>
         <p:nvPicPr>
           <p:cNvPr id="5" name="Picture 4">
             <a:extLst>
               <a:ext uri="{FF2B5EF4-FFF2-40B4-BE49-F238E27FC236}">
-                <a16:creationId xmlns:a16="http://schemas.microsoft.com/office/drawing/2014/main" id="{FD151592-0993-476F-9505-90BD5E5AE35D}"/>
+                <a16:creationId xmlns:a16="http://schemas.microsoft.com/office/drawing/2014/main" id="{34CB7B4F-0AF7-432E-AA62-0D2CB625F1C0}"/>
               </a:ext>
             </a:extLst>
           </p:cNvPr>
@@ -16212,21 +17589,15 @@
           <p:nvPr/>
         </p:nvPicPr>
         <p:blipFill>
-          <a:blip r:embed="rId2">
-            <a:extLst>
-              <a:ext uri="{28A0092B-C50C-407E-A947-70E740481C1C}">
-                <a14:useLocalDpi xmlns:a14="http://schemas.microsoft.com/office/drawing/2010/main" val="0"/>
-              </a:ext>
-            </a:extLst>
-          </a:blip>
+          <a:blip r:embed="rId2"/>
           <a:stretch>
             <a:fillRect/>
           </a:stretch>
         </p:blipFill>
         <p:spPr>
           <a:xfrm>
-            <a:off x="153285" y="3021000"/>
-            <a:ext cx="11885429" cy="816000"/>
+            <a:off x="4695825" y="2171700"/>
+            <a:ext cx="2800350" cy="2514600"/>
           </a:xfrm>
           <a:prstGeom prst="rect">
             <a:avLst/>
@@ -16236,7 +17607,7 @@
     </p:spTree>
     <p:extLst>
       <p:ext uri="{BB962C8B-B14F-4D97-AF65-F5344CB8AC3E}">
-        <p14:creationId xmlns:p14="http://schemas.microsoft.com/office/powerpoint/2010/main" val="3688769623"/>
+        <p14:creationId xmlns:p14="http://schemas.microsoft.com/office/powerpoint/2010/main" val="1001993234"/>
       </p:ext>
     </p:extLst>
   </p:cSld>

--- a/setup/network.pptx
+++ b/setup/network.pptx
@@ -9,12 +9,13 @@
     <p:sldId id="257" r:id="rId3"/>
     <p:sldId id="258" r:id="rId4"/>
     <p:sldId id="259" r:id="rId5"/>
-    <p:sldId id="260" r:id="rId6"/>
-    <p:sldId id="262" r:id="rId7"/>
-    <p:sldId id="269" r:id="rId8"/>
-    <p:sldId id="270" r:id="rId9"/>
-    <p:sldId id="266" r:id="rId10"/>
-    <p:sldId id="268" r:id="rId11"/>
+    <p:sldId id="271" r:id="rId6"/>
+    <p:sldId id="260" r:id="rId7"/>
+    <p:sldId id="262" r:id="rId8"/>
+    <p:sldId id="269" r:id="rId9"/>
+    <p:sldId id="270" r:id="rId10"/>
+    <p:sldId id="266" r:id="rId11"/>
+    <p:sldId id="268" r:id="rId12"/>
   </p:sldIdLst>
   <p:sldSz cx="12192000" cy="6858000"/>
   <p:notesSz cx="6858000" cy="9144000"/>
@@ -2526,7 +2527,7 @@
           <a:p>
             <a:fld id="{C3F690FB-D2F8-4FAA-B5D4-40764D6363E4}" type="datetimeFigureOut">
               <a:rPr lang="en-GB" smtClean="0"/>
-              <a:t>17/12/2020</a:t>
+              <a:t>18/12/2020</a:t>
             </a:fld>
             <a:endParaRPr lang="en-GB"/>
           </a:p>
@@ -2726,7 +2727,7 @@
           <a:p>
             <a:fld id="{C3F690FB-D2F8-4FAA-B5D4-40764D6363E4}" type="datetimeFigureOut">
               <a:rPr lang="en-GB" smtClean="0"/>
-              <a:t>17/12/2020</a:t>
+              <a:t>18/12/2020</a:t>
             </a:fld>
             <a:endParaRPr lang="en-GB"/>
           </a:p>
@@ -2936,7 +2937,7 @@
           <a:p>
             <a:fld id="{C3F690FB-D2F8-4FAA-B5D4-40764D6363E4}" type="datetimeFigureOut">
               <a:rPr lang="en-GB" smtClean="0"/>
-              <a:t>17/12/2020</a:t>
+              <a:t>18/12/2020</a:t>
             </a:fld>
             <a:endParaRPr lang="en-GB"/>
           </a:p>
@@ -3136,7 +3137,7 @@
           <a:p>
             <a:fld id="{C3F690FB-D2F8-4FAA-B5D4-40764D6363E4}" type="datetimeFigureOut">
               <a:rPr lang="en-GB" smtClean="0"/>
-              <a:t>17/12/2020</a:t>
+              <a:t>18/12/2020</a:t>
             </a:fld>
             <a:endParaRPr lang="en-GB"/>
           </a:p>
@@ -3412,7 +3413,7 @@
           <a:p>
             <a:fld id="{C3F690FB-D2F8-4FAA-B5D4-40764D6363E4}" type="datetimeFigureOut">
               <a:rPr lang="en-GB" smtClean="0"/>
-              <a:t>17/12/2020</a:t>
+              <a:t>18/12/2020</a:t>
             </a:fld>
             <a:endParaRPr lang="en-GB"/>
           </a:p>
@@ -3680,7 +3681,7 @@
           <a:p>
             <a:fld id="{C3F690FB-D2F8-4FAA-B5D4-40764D6363E4}" type="datetimeFigureOut">
               <a:rPr lang="en-GB" smtClean="0"/>
-              <a:t>17/12/2020</a:t>
+              <a:t>18/12/2020</a:t>
             </a:fld>
             <a:endParaRPr lang="en-GB"/>
           </a:p>
@@ -4095,7 +4096,7 @@
           <a:p>
             <a:fld id="{C3F690FB-D2F8-4FAA-B5D4-40764D6363E4}" type="datetimeFigureOut">
               <a:rPr lang="en-GB" smtClean="0"/>
-              <a:t>17/12/2020</a:t>
+              <a:t>18/12/2020</a:t>
             </a:fld>
             <a:endParaRPr lang="en-GB"/>
           </a:p>
@@ -4237,7 +4238,7 @@
           <a:p>
             <a:fld id="{C3F690FB-D2F8-4FAA-B5D4-40764D6363E4}" type="datetimeFigureOut">
               <a:rPr lang="en-GB" smtClean="0"/>
-              <a:t>17/12/2020</a:t>
+              <a:t>18/12/2020</a:t>
             </a:fld>
             <a:endParaRPr lang="en-GB"/>
           </a:p>
@@ -4350,7 +4351,7 @@
           <a:p>
             <a:fld id="{C3F690FB-D2F8-4FAA-B5D4-40764D6363E4}" type="datetimeFigureOut">
               <a:rPr lang="en-GB" smtClean="0"/>
-              <a:t>17/12/2020</a:t>
+              <a:t>18/12/2020</a:t>
             </a:fld>
             <a:endParaRPr lang="en-GB"/>
           </a:p>
@@ -4663,7 +4664,7 @@
           <a:p>
             <a:fld id="{C3F690FB-D2F8-4FAA-B5D4-40764D6363E4}" type="datetimeFigureOut">
               <a:rPr lang="en-GB" smtClean="0"/>
-              <a:t>17/12/2020</a:t>
+              <a:t>18/12/2020</a:t>
             </a:fld>
             <a:endParaRPr lang="en-GB"/>
           </a:p>
@@ -4952,7 +4953,7 @@
           <a:p>
             <a:fld id="{C3F690FB-D2F8-4FAA-B5D4-40764D6363E4}" type="datetimeFigureOut">
               <a:rPr lang="en-GB" smtClean="0"/>
-              <a:t>17/12/2020</a:t>
+              <a:t>18/12/2020</a:t>
             </a:fld>
             <a:endParaRPr lang="en-GB"/>
           </a:p>
@@ -5195,7 +5196,7 @@
           <a:p>
             <a:fld id="{C3F690FB-D2F8-4FAA-B5D4-40764D6363E4}" type="datetimeFigureOut">
               <a:rPr lang="en-GB" smtClean="0"/>
-              <a:t>17/12/2020</a:t>
+              <a:t>18/12/2020</a:t>
             </a:fld>
             <a:endParaRPr lang="en-GB"/>
           </a:p>
@@ -8339,6 +8340,102 @@
 </file>
 
 <file path=ppt/slides/slide10.xml><?xml version="1.0" encoding="utf-8"?>
+<p:sld xmlns:a="http://schemas.openxmlformats.org/drawingml/2006/main" xmlns:r="http://schemas.openxmlformats.org/officeDocument/2006/relationships" xmlns:p="http://schemas.openxmlformats.org/presentationml/2006/main">
+  <p:cSld>
+    <p:spTree>
+      <p:nvGrpSpPr>
+        <p:cNvPr id="1" name=""/>
+        <p:cNvGrpSpPr/>
+        <p:nvPr/>
+      </p:nvGrpSpPr>
+      <p:grpSpPr>
+        <a:xfrm>
+          <a:off x="0" y="0"/>
+          <a:ext cx="0" cy="0"/>
+          <a:chOff x="0" y="0"/>
+          <a:chExt cx="0" cy="0"/>
+        </a:xfrm>
+      </p:grpSpPr>
+      <p:sp>
+        <p:nvSpPr>
+          <p:cNvPr id="4" name="TextBox 3">
+            <a:extLst>
+              <a:ext uri="{FF2B5EF4-FFF2-40B4-BE49-F238E27FC236}">
+                <a16:creationId xmlns:a16="http://schemas.microsoft.com/office/drawing/2014/main" id="{7DEE2069-AB74-430A-BD60-FB402FE016E1}"/>
+              </a:ext>
+            </a:extLst>
+          </p:cNvPr>
+          <p:cNvSpPr txBox="1"/>
+          <p:nvPr/>
+        </p:nvSpPr>
+        <p:spPr>
+          <a:xfrm>
+            <a:off x="4839286" y="858130"/>
+            <a:ext cx="1785169" cy="369332"/>
+          </a:xfrm>
+          <a:prstGeom prst="rect">
+            <a:avLst/>
+          </a:prstGeom>
+          <a:noFill/>
+        </p:spPr>
+        <p:txBody>
+          <a:bodyPr wrap="none" rtlCol="0">
+            <a:spAutoFit/>
+          </a:bodyPr>
+          <a:lstStyle/>
+          <a:p>
+            <a:r>
+              <a:rPr lang="de-DE" dirty="0"/>
+              <a:t>Warm White LED</a:t>
+            </a:r>
+            <a:endParaRPr lang="en-GB" dirty="0"/>
+          </a:p>
+        </p:txBody>
+      </p:sp>
+      <p:pic>
+        <p:nvPicPr>
+          <p:cNvPr id="5" name="Picture 4">
+            <a:extLst>
+              <a:ext uri="{FF2B5EF4-FFF2-40B4-BE49-F238E27FC236}">
+                <a16:creationId xmlns:a16="http://schemas.microsoft.com/office/drawing/2014/main" id="{34CB7B4F-0AF7-432E-AA62-0D2CB625F1C0}"/>
+              </a:ext>
+            </a:extLst>
+          </p:cNvPr>
+          <p:cNvPicPr>
+            <a:picLocks noChangeAspect="1"/>
+          </p:cNvPicPr>
+          <p:nvPr/>
+        </p:nvPicPr>
+        <p:blipFill>
+          <a:blip r:embed="rId2"/>
+          <a:stretch>
+            <a:fillRect/>
+          </a:stretch>
+        </p:blipFill>
+        <p:spPr>
+          <a:xfrm>
+            <a:off x="4695825" y="2171700"/>
+            <a:ext cx="2800350" cy="2514600"/>
+          </a:xfrm>
+          <a:prstGeom prst="rect">
+            <a:avLst/>
+          </a:prstGeom>
+        </p:spPr>
+      </p:pic>
+    </p:spTree>
+    <p:extLst>
+      <p:ext uri="{BB962C8B-B14F-4D97-AF65-F5344CB8AC3E}">
+        <p14:creationId xmlns:p14="http://schemas.microsoft.com/office/powerpoint/2010/main" val="1001993234"/>
+      </p:ext>
+    </p:extLst>
+  </p:cSld>
+  <p:clrMapOvr>
+    <a:masterClrMapping/>
+  </p:clrMapOvr>
+</p:sld>
+</file>
+
+<file path=ppt/slides/slide11.xml><?xml version="1.0" encoding="utf-8"?>
 <p:sld xmlns:a="http://schemas.openxmlformats.org/drawingml/2006/main" xmlns:r="http://schemas.openxmlformats.org/officeDocument/2006/relationships" xmlns:p="http://schemas.openxmlformats.org/presentationml/2006/main">
   <p:cSld>
     <p:spTree>
@@ -14771,6 +14868,3598 @@
           <a:chExt cx="0" cy="0"/>
         </a:xfrm>
       </p:grpSpPr>
+      <p:grpSp>
+        <p:nvGrpSpPr>
+          <p:cNvPr id="4" name="Group 3">
+            <a:extLst>
+              <a:ext uri="{FF2B5EF4-FFF2-40B4-BE49-F238E27FC236}">
+                <a16:creationId xmlns:a16="http://schemas.microsoft.com/office/drawing/2014/main" id="{65FE254B-7CAA-4BD8-9D6C-5FB205ED13BC}"/>
+              </a:ext>
+            </a:extLst>
+          </p:cNvPr>
+          <p:cNvGrpSpPr/>
+          <p:nvPr/>
+        </p:nvGrpSpPr>
+        <p:grpSpPr>
+          <a:xfrm>
+            <a:off x="6323207" y="671807"/>
+            <a:ext cx="914400" cy="4942245"/>
+            <a:chOff x="4139849" y="671807"/>
+            <a:chExt cx="914400" cy="4942245"/>
+          </a:xfrm>
+        </p:grpSpPr>
+        <p:sp>
+          <p:nvSpPr>
+            <p:cNvPr id="5" name="Flowchart: Connector 4">
+              <a:extLst>
+                <a:ext uri="{FF2B5EF4-FFF2-40B4-BE49-F238E27FC236}">
+                  <a16:creationId xmlns:a16="http://schemas.microsoft.com/office/drawing/2014/main" id="{E4C27693-4BEA-45EE-8AA5-200D7BA86054}"/>
+                </a:ext>
+              </a:extLst>
+            </p:cNvPr>
+            <p:cNvSpPr>
+              <a:spLocks noChangeAspect="1"/>
+            </p:cNvSpPr>
+            <p:nvPr/>
+          </p:nvSpPr>
+          <p:spPr>
+            <a:xfrm>
+              <a:off x="4146012" y="4708796"/>
+              <a:ext cx="905256" cy="905256"/>
+            </a:xfrm>
+            <a:prstGeom prst="flowChartConnector">
+              <a:avLst/>
+            </a:prstGeom>
+            <a:solidFill>
+              <a:schemeClr val="accent5">
+                <a:lumMod val="20000"/>
+                <a:lumOff val="80000"/>
+              </a:schemeClr>
+            </a:solidFill>
+            <a:ln w="50800">
+              <a:solidFill>
+                <a:schemeClr val="accent1">
+                  <a:lumMod val="60000"/>
+                  <a:lumOff val="40000"/>
+                </a:schemeClr>
+              </a:solidFill>
+            </a:ln>
+          </p:spPr>
+          <p:style>
+            <a:lnRef idx="2">
+              <a:schemeClr val="accent1">
+                <a:shade val="50000"/>
+              </a:schemeClr>
+            </a:lnRef>
+            <a:fillRef idx="1">
+              <a:schemeClr val="accent1"/>
+            </a:fillRef>
+            <a:effectRef idx="0">
+              <a:schemeClr val="accent1"/>
+            </a:effectRef>
+            <a:fontRef idx="minor">
+              <a:schemeClr val="lt1"/>
+            </a:fontRef>
+          </p:style>
+          <p:txBody>
+            <a:bodyPr rtlCol="0" anchor="ctr"/>
+            <a:lstStyle/>
+            <a:p>
+              <a:pPr algn="ctr"/>
+              <a:endParaRPr lang="en-GB"/>
+            </a:p>
+          </p:txBody>
+        </p:sp>
+        <p:sp>
+          <p:nvSpPr>
+            <p:cNvPr id="6" name="Rectangle 5">
+              <a:extLst>
+                <a:ext uri="{FF2B5EF4-FFF2-40B4-BE49-F238E27FC236}">
+                  <a16:creationId xmlns:a16="http://schemas.microsoft.com/office/drawing/2014/main" id="{8A4D8A11-25CB-4E70-9D6C-47C3AD89E7DD}"/>
+                </a:ext>
+              </a:extLst>
+            </p:cNvPr>
+            <p:cNvSpPr/>
+            <p:nvPr/>
+          </p:nvSpPr>
+          <p:spPr>
+            <a:xfrm>
+              <a:off x="4139849" y="671807"/>
+              <a:ext cx="914400" cy="4467974"/>
+            </a:xfrm>
+            <a:prstGeom prst="rect">
+              <a:avLst/>
+            </a:prstGeom>
+            <a:solidFill>
+              <a:schemeClr val="accent5">
+                <a:lumMod val="20000"/>
+                <a:lumOff val="80000"/>
+              </a:schemeClr>
+            </a:solidFill>
+            <a:ln w="50800">
+              <a:solidFill>
+                <a:schemeClr val="accent1">
+                  <a:lumMod val="60000"/>
+                  <a:lumOff val="40000"/>
+                </a:schemeClr>
+              </a:solidFill>
+            </a:ln>
+          </p:spPr>
+          <p:style>
+            <a:lnRef idx="2">
+              <a:schemeClr val="accent1">
+                <a:shade val="50000"/>
+              </a:schemeClr>
+            </a:lnRef>
+            <a:fillRef idx="1">
+              <a:schemeClr val="accent1"/>
+            </a:fillRef>
+            <a:effectRef idx="0">
+              <a:schemeClr val="accent1"/>
+            </a:effectRef>
+            <a:fontRef idx="minor">
+              <a:schemeClr val="lt1"/>
+            </a:fontRef>
+          </p:style>
+          <p:txBody>
+            <a:bodyPr rtlCol="0" anchor="ctr"/>
+            <a:lstStyle/>
+            <a:p>
+              <a:pPr algn="ctr"/>
+              <a:endParaRPr lang="en-GB"/>
+            </a:p>
+          </p:txBody>
+        </p:sp>
+        <p:cxnSp>
+          <p:nvCxnSpPr>
+            <p:cNvPr id="7" name="Straight Connector 6">
+              <a:extLst>
+                <a:ext uri="{FF2B5EF4-FFF2-40B4-BE49-F238E27FC236}">
+                  <a16:creationId xmlns:a16="http://schemas.microsoft.com/office/drawing/2014/main" id="{A88E747D-AC96-4B9C-A206-5B0578796406}"/>
+                </a:ext>
+              </a:extLst>
+            </p:cNvPr>
+            <p:cNvCxnSpPr>
+              <a:cxnSpLocks/>
+            </p:cNvCxnSpPr>
+            <p:nvPr/>
+          </p:nvCxnSpPr>
+          <p:spPr>
+            <a:xfrm>
+              <a:off x="4174380" y="5139781"/>
+              <a:ext cx="864000" cy="0"/>
+            </a:xfrm>
+            <a:prstGeom prst="line">
+              <a:avLst/>
+            </a:prstGeom>
+            <a:ln w="50800">
+              <a:solidFill>
+                <a:schemeClr val="accent5">
+                  <a:lumMod val="20000"/>
+                  <a:lumOff val="80000"/>
+                </a:schemeClr>
+              </a:solidFill>
+            </a:ln>
+          </p:spPr>
+          <p:style>
+            <a:lnRef idx="1">
+              <a:schemeClr val="accent1"/>
+            </a:lnRef>
+            <a:fillRef idx="0">
+              <a:schemeClr val="accent1"/>
+            </a:fillRef>
+            <a:effectRef idx="0">
+              <a:schemeClr val="accent1"/>
+            </a:effectRef>
+            <a:fontRef idx="minor">
+              <a:schemeClr val="tx1"/>
+            </a:fontRef>
+          </p:style>
+        </p:cxnSp>
+        <p:cxnSp>
+          <p:nvCxnSpPr>
+            <p:cNvPr id="8" name="Straight Connector 7">
+              <a:extLst>
+                <a:ext uri="{FF2B5EF4-FFF2-40B4-BE49-F238E27FC236}">
+                  <a16:creationId xmlns:a16="http://schemas.microsoft.com/office/drawing/2014/main" id="{CDFD7F36-487B-40B1-80B6-8AB0E95C4D19}"/>
+                </a:ext>
+              </a:extLst>
+            </p:cNvPr>
+            <p:cNvCxnSpPr>
+              <a:cxnSpLocks/>
+            </p:cNvCxnSpPr>
+            <p:nvPr/>
+          </p:nvCxnSpPr>
+          <p:spPr>
+            <a:xfrm>
+              <a:off x="4171587" y="671807"/>
+              <a:ext cx="864000" cy="0"/>
+            </a:xfrm>
+            <a:prstGeom prst="line">
+              <a:avLst/>
+            </a:prstGeom>
+            <a:ln w="50800">
+              <a:solidFill>
+                <a:schemeClr val="accent5">
+                  <a:lumMod val="20000"/>
+                  <a:lumOff val="80000"/>
+                </a:schemeClr>
+              </a:solidFill>
+            </a:ln>
+          </p:spPr>
+          <p:style>
+            <a:lnRef idx="1">
+              <a:schemeClr val="accent1"/>
+            </a:lnRef>
+            <a:fillRef idx="0">
+              <a:schemeClr val="accent1"/>
+            </a:fillRef>
+            <a:effectRef idx="0">
+              <a:schemeClr val="accent1"/>
+            </a:effectRef>
+            <a:fontRef idx="minor">
+              <a:schemeClr val="tx1"/>
+            </a:fontRef>
+          </p:style>
+        </p:cxnSp>
+      </p:grpSp>
+      <p:sp>
+        <p:nvSpPr>
+          <p:cNvPr id="10" name="TextBox 9">
+            <a:extLst>
+              <a:ext uri="{FF2B5EF4-FFF2-40B4-BE49-F238E27FC236}">
+                <a16:creationId xmlns:a16="http://schemas.microsoft.com/office/drawing/2014/main" id="{B6027752-24E1-4069-9EC0-DA3AD271858A}"/>
+              </a:ext>
+            </a:extLst>
+          </p:cNvPr>
+          <p:cNvSpPr txBox="1"/>
+          <p:nvPr/>
+        </p:nvSpPr>
+        <p:spPr>
+          <a:xfrm>
+            <a:off x="9014749" y="2257178"/>
+            <a:ext cx="1393523" cy="369332"/>
+          </a:xfrm>
+          <a:prstGeom prst="rect">
+            <a:avLst/>
+          </a:prstGeom>
+          <a:noFill/>
+        </p:spPr>
+        <p:txBody>
+          <a:bodyPr wrap="none" rtlCol="0">
+            <a:spAutoFit/>
+          </a:bodyPr>
+          <a:lstStyle/>
+          <a:p>
+            <a:r>
+              <a:rPr lang="en-GB" dirty="0"/>
+              <a:t>Transmission</a:t>
+            </a:r>
+          </a:p>
+        </p:txBody>
+      </p:sp>
+      <p:sp>
+        <p:nvSpPr>
+          <p:cNvPr id="11" name="TextBox 10">
+            <a:extLst>
+              <a:ext uri="{FF2B5EF4-FFF2-40B4-BE49-F238E27FC236}">
+                <a16:creationId xmlns:a16="http://schemas.microsoft.com/office/drawing/2014/main" id="{2EA37963-865F-4B6A-83C0-9BA721223D01}"/>
+              </a:ext>
+            </a:extLst>
+          </p:cNvPr>
+          <p:cNvSpPr txBox="1"/>
+          <p:nvPr/>
+        </p:nvSpPr>
+        <p:spPr>
+          <a:xfrm>
+            <a:off x="9014749" y="1685296"/>
+            <a:ext cx="991682" cy="369332"/>
+          </a:xfrm>
+          <a:prstGeom prst="rect">
+            <a:avLst/>
+          </a:prstGeom>
+          <a:noFill/>
+        </p:spPr>
+        <p:txBody>
+          <a:bodyPr wrap="none" rtlCol="0">
+            <a:spAutoFit/>
+          </a:bodyPr>
+          <a:lstStyle/>
+          <a:p>
+            <a:r>
+              <a:rPr lang="en-GB" dirty="0" err="1"/>
+              <a:t>Refexion</a:t>
+            </a:r>
+            <a:endParaRPr lang="en-GB" dirty="0"/>
+          </a:p>
+        </p:txBody>
+      </p:sp>
+      <p:sp>
+        <p:nvSpPr>
+          <p:cNvPr id="12" name="TextBox 11">
+            <a:extLst>
+              <a:ext uri="{FF2B5EF4-FFF2-40B4-BE49-F238E27FC236}">
+                <a16:creationId xmlns:a16="http://schemas.microsoft.com/office/drawing/2014/main" id="{74AFBA1E-0688-431C-BD9F-B33E9E358F57}"/>
+              </a:ext>
+            </a:extLst>
+          </p:cNvPr>
+          <p:cNvSpPr txBox="1"/>
+          <p:nvPr/>
+        </p:nvSpPr>
+        <p:spPr>
+          <a:xfrm>
+            <a:off x="9014749" y="2852622"/>
+            <a:ext cx="1122230" cy="369332"/>
+          </a:xfrm>
+          <a:prstGeom prst="rect">
+            <a:avLst/>
+          </a:prstGeom>
+          <a:noFill/>
+        </p:spPr>
+        <p:txBody>
+          <a:bodyPr wrap="none" rtlCol="0">
+            <a:spAutoFit/>
+          </a:bodyPr>
+          <a:lstStyle/>
+          <a:p>
+            <a:r>
+              <a:rPr lang="en-GB" dirty="0"/>
+              <a:t>Scattering</a:t>
+            </a:r>
+          </a:p>
+        </p:txBody>
+      </p:sp>
+      <p:sp>
+        <p:nvSpPr>
+          <p:cNvPr id="13" name="Arrow: Right 12">
+            <a:extLst>
+              <a:ext uri="{FF2B5EF4-FFF2-40B4-BE49-F238E27FC236}">
+                <a16:creationId xmlns:a16="http://schemas.microsoft.com/office/drawing/2014/main" id="{24A76EFD-37CD-4AF0-BD3A-C628D009E29D}"/>
+              </a:ext>
+            </a:extLst>
+          </p:cNvPr>
+          <p:cNvSpPr/>
+          <p:nvPr/>
+        </p:nvSpPr>
+        <p:spPr>
+          <a:xfrm>
+            <a:off x="4776713" y="2257178"/>
+            <a:ext cx="4041873" cy="369332"/>
+          </a:xfrm>
+          <a:prstGeom prst="rightArrow">
+            <a:avLst/>
+          </a:prstGeom>
+          <a:solidFill>
+            <a:schemeClr val="bg1">
+              <a:lumMod val="65000"/>
+              <a:alpha val="75000"/>
+            </a:schemeClr>
+          </a:solidFill>
+          <a:ln>
+            <a:noFill/>
+          </a:ln>
+        </p:spPr>
+        <p:style>
+          <a:lnRef idx="2">
+            <a:schemeClr val="accent1">
+              <a:shade val="50000"/>
+            </a:schemeClr>
+          </a:lnRef>
+          <a:fillRef idx="1">
+            <a:schemeClr val="accent1"/>
+          </a:fillRef>
+          <a:effectRef idx="0">
+            <a:schemeClr val="accent1"/>
+          </a:effectRef>
+          <a:fontRef idx="minor">
+            <a:schemeClr val="lt1"/>
+          </a:fontRef>
+        </p:style>
+        <p:txBody>
+          <a:bodyPr rtlCol="0" anchor="ctr"/>
+          <a:lstStyle/>
+          <a:p>
+            <a:pPr algn="ctr"/>
+            <a:endParaRPr lang="en-GB"/>
+          </a:p>
+        </p:txBody>
+      </p:sp>
+      <p:sp>
+        <p:nvSpPr>
+          <p:cNvPr id="17" name="Arrow: Right 16">
+            <a:extLst>
+              <a:ext uri="{FF2B5EF4-FFF2-40B4-BE49-F238E27FC236}">
+                <a16:creationId xmlns:a16="http://schemas.microsoft.com/office/drawing/2014/main" id="{EBDC8AD6-108F-4EA6-B554-621711DF53A6}"/>
+              </a:ext>
+            </a:extLst>
+          </p:cNvPr>
+          <p:cNvSpPr/>
+          <p:nvPr/>
+        </p:nvSpPr>
+        <p:spPr>
+          <a:xfrm rot="10800000">
+            <a:off x="4780868" y="1703065"/>
+            <a:ext cx="2073334" cy="369332"/>
+          </a:xfrm>
+          <a:prstGeom prst="rightArrow">
+            <a:avLst/>
+          </a:prstGeom>
+          <a:solidFill>
+            <a:schemeClr val="bg1">
+              <a:lumMod val="65000"/>
+              <a:alpha val="75000"/>
+            </a:schemeClr>
+          </a:solidFill>
+          <a:ln>
+            <a:noFill/>
+          </a:ln>
+        </p:spPr>
+        <p:style>
+          <a:lnRef idx="2">
+            <a:schemeClr val="accent1">
+              <a:shade val="50000"/>
+            </a:schemeClr>
+          </a:lnRef>
+          <a:fillRef idx="1">
+            <a:schemeClr val="accent1"/>
+          </a:fillRef>
+          <a:effectRef idx="0">
+            <a:schemeClr val="accent1"/>
+          </a:effectRef>
+          <a:fontRef idx="minor">
+            <a:schemeClr val="lt1"/>
+          </a:fontRef>
+        </p:style>
+        <p:txBody>
+          <a:bodyPr rtlCol="0" anchor="ctr"/>
+          <a:lstStyle/>
+          <a:p>
+            <a:pPr algn="ctr"/>
+            <a:endParaRPr lang="en-GB"/>
+          </a:p>
+        </p:txBody>
+      </p:sp>
+      <p:grpSp>
+        <p:nvGrpSpPr>
+          <p:cNvPr id="19" name="Group 18">
+            <a:extLst>
+              <a:ext uri="{FF2B5EF4-FFF2-40B4-BE49-F238E27FC236}">
+                <a16:creationId xmlns:a16="http://schemas.microsoft.com/office/drawing/2014/main" id="{EB8358A6-6ED6-49C6-A061-28ECAD24AF1C}"/>
+              </a:ext>
+            </a:extLst>
+          </p:cNvPr>
+          <p:cNvGrpSpPr/>
+          <p:nvPr/>
+        </p:nvGrpSpPr>
+        <p:grpSpPr>
+          <a:xfrm>
+            <a:off x="4776713" y="2890416"/>
+            <a:ext cx="1985786" cy="960903"/>
+            <a:chOff x="4383448" y="3181738"/>
+            <a:chExt cx="1985786" cy="960903"/>
+          </a:xfrm>
+        </p:grpSpPr>
+        <p:sp>
+          <p:nvSpPr>
+            <p:cNvPr id="15" name="Rectangle 14">
+              <a:extLst>
+                <a:ext uri="{FF2B5EF4-FFF2-40B4-BE49-F238E27FC236}">
+                  <a16:creationId xmlns:a16="http://schemas.microsoft.com/office/drawing/2014/main" id="{CF81F0A9-8D5D-44BD-8F22-1E5A53B6724C}"/>
+                </a:ext>
+              </a:extLst>
+            </p:cNvPr>
+            <p:cNvSpPr>
+              <a:spLocks noChangeAspect="1"/>
+            </p:cNvSpPr>
+            <p:nvPr/>
+          </p:nvSpPr>
+          <p:spPr>
+            <a:xfrm>
+              <a:off x="4383448" y="3181738"/>
+              <a:ext cx="1985786" cy="201168"/>
+            </a:xfrm>
+            <a:prstGeom prst="rect">
+              <a:avLst/>
+            </a:prstGeom>
+            <a:solidFill>
+              <a:schemeClr val="bg1">
+                <a:lumMod val="65000"/>
+                <a:alpha val="90000"/>
+              </a:schemeClr>
+            </a:solidFill>
+            <a:ln>
+              <a:noFill/>
+            </a:ln>
+          </p:spPr>
+          <p:style>
+            <a:lnRef idx="2">
+              <a:schemeClr val="accent1">
+                <a:shade val="50000"/>
+              </a:schemeClr>
+            </a:lnRef>
+            <a:fillRef idx="1">
+              <a:schemeClr val="accent1"/>
+            </a:fillRef>
+            <a:effectRef idx="0">
+              <a:schemeClr val="accent1"/>
+            </a:effectRef>
+            <a:fontRef idx="minor">
+              <a:schemeClr val="lt1"/>
+            </a:fontRef>
+          </p:style>
+          <p:txBody>
+            <a:bodyPr rtlCol="0" anchor="ctr"/>
+            <a:lstStyle/>
+            <a:p>
+              <a:pPr algn="ctr"/>
+              <a:endParaRPr lang="en-GB"/>
+            </a:p>
+          </p:txBody>
+        </p:sp>
+        <p:sp>
+          <p:nvSpPr>
+            <p:cNvPr id="18" name="Arrow: Right 17">
+              <a:extLst>
+                <a:ext uri="{FF2B5EF4-FFF2-40B4-BE49-F238E27FC236}">
+                  <a16:creationId xmlns:a16="http://schemas.microsoft.com/office/drawing/2014/main" id="{41D4CFE1-C08F-4BB1-A10E-36BD93D9C3CF}"/>
+                </a:ext>
+              </a:extLst>
+            </p:cNvPr>
+            <p:cNvSpPr/>
+            <p:nvPr/>
+          </p:nvSpPr>
+          <p:spPr>
+            <a:xfrm rot="6393337">
+              <a:off x="5728829" y="3525975"/>
+              <a:ext cx="864000" cy="369332"/>
+            </a:xfrm>
+            <a:prstGeom prst="rightArrow">
+              <a:avLst/>
+            </a:prstGeom>
+            <a:solidFill>
+              <a:schemeClr val="bg1">
+                <a:lumMod val="65000"/>
+                <a:alpha val="90000"/>
+              </a:schemeClr>
+            </a:solidFill>
+            <a:ln>
+              <a:noFill/>
+            </a:ln>
+          </p:spPr>
+          <p:style>
+            <a:lnRef idx="2">
+              <a:schemeClr val="accent1">
+                <a:shade val="50000"/>
+              </a:schemeClr>
+            </a:lnRef>
+            <a:fillRef idx="1">
+              <a:schemeClr val="accent1"/>
+            </a:fillRef>
+            <a:effectRef idx="0">
+              <a:schemeClr val="accent1"/>
+            </a:effectRef>
+            <a:fontRef idx="minor">
+              <a:schemeClr val="lt1"/>
+            </a:fontRef>
+          </p:style>
+          <p:txBody>
+            <a:bodyPr rtlCol="0" anchor="ctr"/>
+            <a:lstStyle/>
+            <a:p>
+              <a:pPr algn="ctr"/>
+              <a:endParaRPr lang="en-GB"/>
+            </a:p>
+          </p:txBody>
+        </p:sp>
+      </p:grpSp>
+      <p:grpSp>
+        <p:nvGrpSpPr>
+          <p:cNvPr id="20" name="Group 19">
+            <a:extLst>
+              <a:ext uri="{FF2B5EF4-FFF2-40B4-BE49-F238E27FC236}">
+                <a16:creationId xmlns:a16="http://schemas.microsoft.com/office/drawing/2014/main" id="{18FDA49A-9699-477B-89F1-25A72BF6226B}"/>
+              </a:ext>
+            </a:extLst>
+          </p:cNvPr>
+          <p:cNvGrpSpPr/>
+          <p:nvPr/>
+        </p:nvGrpSpPr>
+        <p:grpSpPr>
+          <a:xfrm>
+            <a:off x="1752113" y="1974825"/>
+            <a:ext cx="2468240" cy="982289"/>
+            <a:chOff x="401216" y="2528564"/>
+            <a:chExt cx="2468240" cy="982289"/>
+          </a:xfrm>
+        </p:grpSpPr>
+        <p:grpSp>
+          <p:nvGrpSpPr>
+            <p:cNvPr id="21" name="Group 20">
+              <a:extLst>
+                <a:ext uri="{FF2B5EF4-FFF2-40B4-BE49-F238E27FC236}">
+                  <a16:creationId xmlns:a16="http://schemas.microsoft.com/office/drawing/2014/main" id="{A2ED0DFD-0F5E-41BE-A057-34D1C4248BAB}"/>
+                </a:ext>
+              </a:extLst>
+            </p:cNvPr>
+            <p:cNvGrpSpPr/>
+            <p:nvPr/>
+          </p:nvGrpSpPr>
+          <p:grpSpPr>
+            <a:xfrm>
+              <a:off x="1616016" y="2528564"/>
+              <a:ext cx="1253440" cy="982289"/>
+              <a:chOff x="1590962" y="2537895"/>
+              <a:chExt cx="1253440" cy="982289"/>
+            </a:xfrm>
+          </p:grpSpPr>
+          <p:sp>
+            <p:nvSpPr>
+              <p:cNvPr id="24" name="Flowchart: Connector 23">
+                <a:extLst>
+                  <a:ext uri="{FF2B5EF4-FFF2-40B4-BE49-F238E27FC236}">
+                    <a16:creationId xmlns:a16="http://schemas.microsoft.com/office/drawing/2014/main" id="{BBB909E8-DB96-4B77-AAD1-BF58DA284199}"/>
+                  </a:ext>
+                </a:extLst>
+              </p:cNvPr>
+              <p:cNvSpPr>
+                <a:spLocks noChangeAspect="1"/>
+              </p:cNvSpPr>
+              <p:nvPr/>
+            </p:nvSpPr>
+            <p:spPr>
+              <a:xfrm>
+                <a:off x="2070978" y="2637947"/>
+                <a:ext cx="773424" cy="773424"/>
+              </a:xfrm>
+              <a:prstGeom prst="flowChartConnector">
+                <a:avLst/>
+              </a:prstGeom>
+              <a:solidFill>
+                <a:schemeClr val="bg1">
+                  <a:lumMod val="85000"/>
+                </a:schemeClr>
+              </a:solidFill>
+              <a:ln>
+                <a:noFill/>
+              </a:ln>
+            </p:spPr>
+            <p:style>
+              <a:lnRef idx="2">
+                <a:schemeClr val="accent1">
+                  <a:shade val="50000"/>
+                </a:schemeClr>
+              </a:lnRef>
+              <a:fillRef idx="1">
+                <a:schemeClr val="accent1"/>
+              </a:fillRef>
+              <a:effectRef idx="0">
+                <a:schemeClr val="accent1"/>
+              </a:effectRef>
+              <a:fontRef idx="minor">
+                <a:schemeClr val="lt1"/>
+              </a:fontRef>
+            </p:style>
+            <p:txBody>
+              <a:bodyPr rtlCol="0" anchor="ctr"/>
+              <a:lstStyle/>
+              <a:p>
+                <a:pPr algn="ctr"/>
+                <a:endParaRPr lang="en-GB" sz="2000"/>
+              </a:p>
+            </p:txBody>
+          </p:sp>
+          <p:sp>
+            <p:nvSpPr>
+              <p:cNvPr id="25" name="Rectangle 24">
+                <a:extLst>
+                  <a:ext uri="{FF2B5EF4-FFF2-40B4-BE49-F238E27FC236}">
+                    <a16:creationId xmlns:a16="http://schemas.microsoft.com/office/drawing/2014/main" id="{B61FEBB7-5A33-46A8-888E-21040F144318}"/>
+                  </a:ext>
+                </a:extLst>
+              </p:cNvPr>
+              <p:cNvSpPr/>
+              <p:nvPr/>
+            </p:nvSpPr>
+            <p:spPr>
+              <a:xfrm>
+                <a:off x="1644292" y="2628614"/>
+                <a:ext cx="800100" cy="795528"/>
+              </a:xfrm>
+              <a:prstGeom prst="rect">
+                <a:avLst/>
+              </a:prstGeom>
+              <a:solidFill>
+                <a:schemeClr val="bg1">
+                  <a:lumMod val="85000"/>
+                </a:schemeClr>
+              </a:solidFill>
+              <a:ln>
+                <a:noFill/>
+              </a:ln>
+            </p:spPr>
+            <p:style>
+              <a:lnRef idx="2">
+                <a:schemeClr val="accent1">
+                  <a:shade val="50000"/>
+                </a:schemeClr>
+              </a:lnRef>
+              <a:fillRef idx="1">
+                <a:schemeClr val="accent1"/>
+              </a:fillRef>
+              <a:effectRef idx="0">
+                <a:schemeClr val="accent1"/>
+              </a:effectRef>
+              <a:fontRef idx="minor">
+                <a:schemeClr val="lt1"/>
+              </a:fontRef>
+            </p:style>
+            <p:txBody>
+              <a:bodyPr rtlCol="0" anchor="ctr"/>
+              <a:lstStyle/>
+              <a:p>
+                <a:pPr algn="ctr"/>
+                <a:endParaRPr lang="en-GB" dirty="0"/>
+              </a:p>
+            </p:txBody>
+          </p:sp>
+          <p:sp>
+            <p:nvSpPr>
+              <p:cNvPr id="26" name="Rectangle 25">
+                <a:extLst>
+                  <a:ext uri="{FF2B5EF4-FFF2-40B4-BE49-F238E27FC236}">
+                    <a16:creationId xmlns:a16="http://schemas.microsoft.com/office/drawing/2014/main" id="{518A0123-48F7-4577-9723-B07CA1B0559A}"/>
+                  </a:ext>
+                </a:extLst>
+              </p:cNvPr>
+              <p:cNvSpPr/>
+              <p:nvPr/>
+            </p:nvSpPr>
+            <p:spPr>
+              <a:xfrm>
+                <a:off x="1590962" y="2537895"/>
+                <a:ext cx="74095" cy="982289"/>
+              </a:xfrm>
+              <a:prstGeom prst="rect">
+                <a:avLst/>
+              </a:prstGeom>
+              <a:solidFill>
+                <a:schemeClr val="bg1">
+                  <a:lumMod val="85000"/>
+                </a:schemeClr>
+              </a:solidFill>
+              <a:ln>
+                <a:noFill/>
+              </a:ln>
+            </p:spPr>
+            <p:style>
+              <a:lnRef idx="2">
+                <a:schemeClr val="accent1">
+                  <a:shade val="50000"/>
+                </a:schemeClr>
+              </a:lnRef>
+              <a:fillRef idx="1">
+                <a:schemeClr val="accent1"/>
+              </a:fillRef>
+              <a:effectRef idx="0">
+                <a:schemeClr val="accent1"/>
+              </a:effectRef>
+              <a:fontRef idx="minor">
+                <a:schemeClr val="lt1"/>
+              </a:fontRef>
+            </p:style>
+            <p:txBody>
+              <a:bodyPr rtlCol="0" anchor="ctr"/>
+              <a:lstStyle/>
+              <a:p>
+                <a:pPr algn="ctr"/>
+                <a:endParaRPr lang="en-GB"/>
+              </a:p>
+            </p:txBody>
+          </p:sp>
+        </p:grpSp>
+        <p:cxnSp>
+          <p:nvCxnSpPr>
+            <p:cNvPr id="22" name="Straight Connector 21">
+              <a:extLst>
+                <a:ext uri="{FF2B5EF4-FFF2-40B4-BE49-F238E27FC236}">
+                  <a16:creationId xmlns:a16="http://schemas.microsoft.com/office/drawing/2014/main" id="{853DDC99-BE2E-4B21-B81B-DAFCC339BB8D}"/>
+                </a:ext>
+              </a:extLst>
+            </p:cNvPr>
+            <p:cNvCxnSpPr/>
+            <p:nvPr/>
+          </p:nvCxnSpPr>
+          <p:spPr>
+            <a:xfrm>
+              <a:off x="662473" y="2867009"/>
+              <a:ext cx="953543" cy="0"/>
+            </a:xfrm>
+            <a:prstGeom prst="line">
+              <a:avLst/>
+            </a:prstGeom>
+            <a:ln w="31750">
+              <a:solidFill>
+                <a:schemeClr val="tx1"/>
+              </a:solidFill>
+            </a:ln>
+          </p:spPr>
+          <p:style>
+            <a:lnRef idx="1">
+              <a:schemeClr val="accent1"/>
+            </a:lnRef>
+            <a:fillRef idx="0">
+              <a:schemeClr val="accent1"/>
+            </a:fillRef>
+            <a:effectRef idx="0">
+              <a:schemeClr val="accent1"/>
+            </a:effectRef>
+            <a:fontRef idx="minor">
+              <a:schemeClr val="tx1"/>
+            </a:fontRef>
+          </p:style>
+        </p:cxnSp>
+        <p:cxnSp>
+          <p:nvCxnSpPr>
+            <p:cNvPr id="23" name="Straight Connector 22">
+              <a:extLst>
+                <a:ext uri="{FF2B5EF4-FFF2-40B4-BE49-F238E27FC236}">
+                  <a16:creationId xmlns:a16="http://schemas.microsoft.com/office/drawing/2014/main" id="{1A7B3308-7960-4600-8D20-2048EAE3A821}"/>
+                </a:ext>
+              </a:extLst>
+            </p:cNvPr>
+            <p:cNvCxnSpPr>
+              <a:cxnSpLocks/>
+            </p:cNvCxnSpPr>
+            <p:nvPr/>
+          </p:nvCxnSpPr>
+          <p:spPr>
+            <a:xfrm>
+              <a:off x="401216" y="3122046"/>
+              <a:ext cx="1214799" cy="0"/>
+            </a:xfrm>
+            <a:prstGeom prst="line">
+              <a:avLst/>
+            </a:prstGeom>
+            <a:ln w="31750">
+              <a:solidFill>
+                <a:schemeClr val="tx1"/>
+              </a:solidFill>
+            </a:ln>
+          </p:spPr>
+          <p:style>
+            <a:lnRef idx="1">
+              <a:schemeClr val="accent1"/>
+            </a:lnRef>
+            <a:fillRef idx="0">
+              <a:schemeClr val="accent1"/>
+            </a:fillRef>
+            <a:effectRef idx="0">
+              <a:schemeClr val="accent1"/>
+            </a:effectRef>
+            <a:fontRef idx="minor">
+              <a:schemeClr val="tx1"/>
+            </a:fontRef>
+          </p:style>
+        </p:cxnSp>
+      </p:grpSp>
+      <p:sp>
+        <p:nvSpPr>
+          <p:cNvPr id="3" name="Flowchart: Connector 2">
+            <a:extLst>
+              <a:ext uri="{FF2B5EF4-FFF2-40B4-BE49-F238E27FC236}">
+                <a16:creationId xmlns:a16="http://schemas.microsoft.com/office/drawing/2014/main" id="{0FBB88B3-92DD-4A00-A23E-7F318528AE24}"/>
+              </a:ext>
+            </a:extLst>
+          </p:cNvPr>
+          <p:cNvSpPr>
+            <a:spLocks noChangeAspect="1"/>
+          </p:cNvSpPr>
+          <p:nvPr/>
+        </p:nvSpPr>
+        <p:spPr>
+          <a:xfrm>
+            <a:off x="6713134" y="1989948"/>
+            <a:ext cx="98730" cy="98730"/>
+          </a:xfrm>
+          <a:prstGeom prst="flowChartConnector">
+            <a:avLst/>
+          </a:prstGeom>
+        </p:spPr>
+        <p:style>
+          <a:lnRef idx="2">
+            <a:schemeClr val="accent1">
+              <a:shade val="50000"/>
+            </a:schemeClr>
+          </a:lnRef>
+          <a:fillRef idx="1">
+            <a:schemeClr val="accent1"/>
+          </a:fillRef>
+          <a:effectRef idx="0">
+            <a:schemeClr val="accent1"/>
+          </a:effectRef>
+          <a:fontRef idx="minor">
+            <a:schemeClr val="lt1"/>
+          </a:fontRef>
+        </p:style>
+        <p:txBody>
+          <a:bodyPr rtlCol="0" anchor="ctr"/>
+          <a:lstStyle/>
+          <a:p>
+            <a:pPr algn="ctr"/>
+            <a:endParaRPr lang="en-GB"/>
+          </a:p>
+        </p:txBody>
+      </p:sp>
+      <p:sp>
+        <p:nvSpPr>
+          <p:cNvPr id="27" name="Flowchart: Connector 26">
+            <a:extLst>
+              <a:ext uri="{FF2B5EF4-FFF2-40B4-BE49-F238E27FC236}">
+                <a16:creationId xmlns:a16="http://schemas.microsoft.com/office/drawing/2014/main" id="{47108535-B5DA-48B1-9D46-82488900E606}"/>
+              </a:ext>
+            </a:extLst>
+          </p:cNvPr>
+          <p:cNvSpPr>
+            <a:spLocks noChangeAspect="1"/>
+          </p:cNvSpPr>
+          <p:nvPr/>
+        </p:nvSpPr>
+        <p:spPr>
+          <a:xfrm>
+            <a:off x="6496764" y="2142764"/>
+            <a:ext cx="98730" cy="98730"/>
+          </a:xfrm>
+          <a:prstGeom prst="flowChartConnector">
+            <a:avLst/>
+          </a:prstGeom>
+        </p:spPr>
+        <p:style>
+          <a:lnRef idx="2">
+            <a:schemeClr val="accent1">
+              <a:shade val="50000"/>
+            </a:schemeClr>
+          </a:lnRef>
+          <a:fillRef idx="1">
+            <a:schemeClr val="accent1"/>
+          </a:fillRef>
+          <a:effectRef idx="0">
+            <a:schemeClr val="accent1"/>
+          </a:effectRef>
+          <a:fontRef idx="minor">
+            <a:schemeClr val="lt1"/>
+          </a:fontRef>
+        </p:style>
+        <p:txBody>
+          <a:bodyPr rtlCol="0" anchor="ctr"/>
+          <a:lstStyle/>
+          <a:p>
+            <a:pPr algn="ctr"/>
+            <a:endParaRPr lang="en-GB"/>
+          </a:p>
+        </p:txBody>
+      </p:sp>
+      <p:sp>
+        <p:nvSpPr>
+          <p:cNvPr id="28" name="Flowchart: Connector 27">
+            <a:extLst>
+              <a:ext uri="{FF2B5EF4-FFF2-40B4-BE49-F238E27FC236}">
+                <a16:creationId xmlns:a16="http://schemas.microsoft.com/office/drawing/2014/main" id="{D0AFF782-631D-4437-83B3-01269E0E41C4}"/>
+              </a:ext>
+            </a:extLst>
+          </p:cNvPr>
+          <p:cNvSpPr>
+            <a:spLocks noChangeAspect="1"/>
+          </p:cNvSpPr>
+          <p:nvPr/>
+        </p:nvSpPr>
+        <p:spPr>
+          <a:xfrm>
+            <a:off x="6594074" y="2864625"/>
+            <a:ext cx="98730" cy="98730"/>
+          </a:xfrm>
+          <a:prstGeom prst="flowChartConnector">
+            <a:avLst/>
+          </a:prstGeom>
+        </p:spPr>
+        <p:style>
+          <a:lnRef idx="2">
+            <a:schemeClr val="accent1">
+              <a:shade val="50000"/>
+            </a:schemeClr>
+          </a:lnRef>
+          <a:fillRef idx="1">
+            <a:schemeClr val="accent1"/>
+          </a:fillRef>
+          <a:effectRef idx="0">
+            <a:schemeClr val="accent1"/>
+          </a:effectRef>
+          <a:fontRef idx="minor">
+            <a:schemeClr val="lt1"/>
+          </a:fontRef>
+        </p:style>
+        <p:txBody>
+          <a:bodyPr rtlCol="0" anchor="ctr"/>
+          <a:lstStyle/>
+          <a:p>
+            <a:pPr algn="ctr"/>
+            <a:endParaRPr lang="en-GB"/>
+          </a:p>
+        </p:txBody>
+      </p:sp>
+      <p:sp>
+        <p:nvSpPr>
+          <p:cNvPr id="29" name="Flowchart: Connector 28">
+            <a:extLst>
+              <a:ext uri="{FF2B5EF4-FFF2-40B4-BE49-F238E27FC236}">
+                <a16:creationId xmlns:a16="http://schemas.microsoft.com/office/drawing/2014/main" id="{E69C9C10-0927-42B2-8792-2BB262CDA709}"/>
+              </a:ext>
+            </a:extLst>
+          </p:cNvPr>
+          <p:cNvSpPr>
+            <a:spLocks noChangeAspect="1"/>
+          </p:cNvSpPr>
+          <p:nvPr/>
+        </p:nvSpPr>
+        <p:spPr>
+          <a:xfrm>
+            <a:off x="6913626" y="2856624"/>
+            <a:ext cx="98730" cy="98730"/>
+          </a:xfrm>
+          <a:prstGeom prst="flowChartConnector">
+            <a:avLst/>
+          </a:prstGeom>
+        </p:spPr>
+        <p:style>
+          <a:lnRef idx="2">
+            <a:schemeClr val="accent1">
+              <a:shade val="50000"/>
+            </a:schemeClr>
+          </a:lnRef>
+          <a:fillRef idx="1">
+            <a:schemeClr val="accent1"/>
+          </a:fillRef>
+          <a:effectRef idx="0">
+            <a:schemeClr val="accent1"/>
+          </a:effectRef>
+          <a:fontRef idx="minor">
+            <a:schemeClr val="lt1"/>
+          </a:fontRef>
+        </p:style>
+        <p:txBody>
+          <a:bodyPr rtlCol="0" anchor="ctr"/>
+          <a:lstStyle/>
+          <a:p>
+            <a:pPr algn="ctr"/>
+            <a:endParaRPr lang="en-GB"/>
+          </a:p>
+        </p:txBody>
+      </p:sp>
+      <p:sp>
+        <p:nvSpPr>
+          <p:cNvPr id="30" name="Flowchart: Connector 29">
+            <a:extLst>
+              <a:ext uri="{FF2B5EF4-FFF2-40B4-BE49-F238E27FC236}">
+                <a16:creationId xmlns:a16="http://schemas.microsoft.com/office/drawing/2014/main" id="{A64985BE-9E31-4238-B14D-1923FDCFB21E}"/>
+              </a:ext>
+            </a:extLst>
+          </p:cNvPr>
+          <p:cNvSpPr>
+            <a:spLocks noChangeAspect="1"/>
+          </p:cNvSpPr>
+          <p:nvPr/>
+        </p:nvSpPr>
+        <p:spPr>
+          <a:xfrm>
+            <a:off x="7038643" y="2655899"/>
+            <a:ext cx="98730" cy="98730"/>
+          </a:xfrm>
+          <a:prstGeom prst="flowChartConnector">
+            <a:avLst/>
+          </a:prstGeom>
+        </p:spPr>
+        <p:style>
+          <a:lnRef idx="2">
+            <a:schemeClr val="accent1">
+              <a:shade val="50000"/>
+            </a:schemeClr>
+          </a:lnRef>
+          <a:fillRef idx="1">
+            <a:schemeClr val="accent1"/>
+          </a:fillRef>
+          <a:effectRef idx="0">
+            <a:schemeClr val="accent1"/>
+          </a:effectRef>
+          <a:fontRef idx="minor">
+            <a:schemeClr val="lt1"/>
+          </a:fontRef>
+        </p:style>
+        <p:txBody>
+          <a:bodyPr rtlCol="0" anchor="ctr"/>
+          <a:lstStyle/>
+          <a:p>
+            <a:pPr algn="ctr"/>
+            <a:endParaRPr lang="en-GB"/>
+          </a:p>
+        </p:txBody>
+      </p:sp>
+      <p:sp>
+        <p:nvSpPr>
+          <p:cNvPr id="31" name="Flowchart: Connector 30">
+            <a:extLst>
+              <a:ext uri="{FF2B5EF4-FFF2-40B4-BE49-F238E27FC236}">
+                <a16:creationId xmlns:a16="http://schemas.microsoft.com/office/drawing/2014/main" id="{C731AFE7-D55E-4819-B283-889E6B8B38AE}"/>
+              </a:ext>
+            </a:extLst>
+          </p:cNvPr>
+          <p:cNvSpPr>
+            <a:spLocks noChangeAspect="1"/>
+          </p:cNvSpPr>
+          <p:nvPr/>
+        </p:nvSpPr>
+        <p:spPr>
+          <a:xfrm>
+            <a:off x="6789146" y="2567598"/>
+            <a:ext cx="98730" cy="98730"/>
+          </a:xfrm>
+          <a:prstGeom prst="flowChartConnector">
+            <a:avLst/>
+          </a:prstGeom>
+        </p:spPr>
+        <p:style>
+          <a:lnRef idx="2">
+            <a:schemeClr val="accent1">
+              <a:shade val="50000"/>
+            </a:schemeClr>
+          </a:lnRef>
+          <a:fillRef idx="1">
+            <a:schemeClr val="accent1"/>
+          </a:fillRef>
+          <a:effectRef idx="0">
+            <a:schemeClr val="accent1"/>
+          </a:effectRef>
+          <a:fontRef idx="minor">
+            <a:schemeClr val="lt1"/>
+          </a:fontRef>
+        </p:style>
+        <p:txBody>
+          <a:bodyPr rtlCol="0" anchor="ctr"/>
+          <a:lstStyle/>
+          <a:p>
+            <a:pPr algn="ctr"/>
+            <a:endParaRPr lang="en-GB"/>
+          </a:p>
+        </p:txBody>
+      </p:sp>
+      <p:sp>
+        <p:nvSpPr>
+          <p:cNvPr id="32" name="Flowchart: Connector 31">
+            <a:extLst>
+              <a:ext uri="{FF2B5EF4-FFF2-40B4-BE49-F238E27FC236}">
+                <a16:creationId xmlns:a16="http://schemas.microsoft.com/office/drawing/2014/main" id="{710095E9-0E55-4AC9-802A-0AD0E0FC5F7C}"/>
+              </a:ext>
+            </a:extLst>
+          </p:cNvPr>
+          <p:cNvSpPr>
+            <a:spLocks noChangeAspect="1"/>
+          </p:cNvSpPr>
+          <p:nvPr/>
+        </p:nvSpPr>
+        <p:spPr>
+          <a:xfrm>
+            <a:off x="6447399" y="2672010"/>
+            <a:ext cx="98730" cy="98730"/>
+          </a:xfrm>
+          <a:prstGeom prst="flowChartConnector">
+            <a:avLst/>
+          </a:prstGeom>
+        </p:spPr>
+        <p:style>
+          <a:lnRef idx="2">
+            <a:schemeClr val="accent1">
+              <a:shade val="50000"/>
+            </a:schemeClr>
+          </a:lnRef>
+          <a:fillRef idx="1">
+            <a:schemeClr val="accent1"/>
+          </a:fillRef>
+          <a:effectRef idx="0">
+            <a:schemeClr val="accent1"/>
+          </a:effectRef>
+          <a:fontRef idx="minor">
+            <a:schemeClr val="lt1"/>
+          </a:fontRef>
+        </p:style>
+        <p:txBody>
+          <a:bodyPr rtlCol="0" anchor="ctr"/>
+          <a:lstStyle/>
+          <a:p>
+            <a:pPr algn="ctr"/>
+            <a:endParaRPr lang="en-GB"/>
+          </a:p>
+        </p:txBody>
+      </p:sp>
+      <p:sp>
+        <p:nvSpPr>
+          <p:cNvPr id="33" name="Flowchart: Connector 32">
+            <a:extLst>
+              <a:ext uri="{FF2B5EF4-FFF2-40B4-BE49-F238E27FC236}">
+                <a16:creationId xmlns:a16="http://schemas.microsoft.com/office/drawing/2014/main" id="{F1DC11FF-D6E4-4A6E-B0A9-6DB49044B0F2}"/>
+              </a:ext>
+            </a:extLst>
+          </p:cNvPr>
+          <p:cNvSpPr>
+            <a:spLocks noChangeAspect="1"/>
+          </p:cNvSpPr>
+          <p:nvPr/>
+        </p:nvSpPr>
+        <p:spPr>
+          <a:xfrm>
+            <a:off x="6474026" y="4296353"/>
+            <a:ext cx="98730" cy="98730"/>
+          </a:xfrm>
+          <a:prstGeom prst="flowChartConnector">
+            <a:avLst/>
+          </a:prstGeom>
+        </p:spPr>
+        <p:style>
+          <a:lnRef idx="2">
+            <a:schemeClr val="accent1">
+              <a:shade val="50000"/>
+            </a:schemeClr>
+          </a:lnRef>
+          <a:fillRef idx="1">
+            <a:schemeClr val="accent1"/>
+          </a:fillRef>
+          <a:effectRef idx="0">
+            <a:schemeClr val="accent1"/>
+          </a:effectRef>
+          <a:fontRef idx="minor">
+            <a:schemeClr val="lt1"/>
+          </a:fontRef>
+        </p:style>
+        <p:txBody>
+          <a:bodyPr rtlCol="0" anchor="ctr"/>
+          <a:lstStyle/>
+          <a:p>
+            <a:pPr algn="ctr"/>
+            <a:endParaRPr lang="en-GB"/>
+          </a:p>
+        </p:txBody>
+      </p:sp>
+      <p:sp>
+        <p:nvSpPr>
+          <p:cNvPr id="34" name="Flowchart: Connector 33">
+            <a:extLst>
+              <a:ext uri="{FF2B5EF4-FFF2-40B4-BE49-F238E27FC236}">
+                <a16:creationId xmlns:a16="http://schemas.microsoft.com/office/drawing/2014/main" id="{574CB6DC-966A-4B4E-99E3-B0F4D8635CDF}"/>
+              </a:ext>
+            </a:extLst>
+          </p:cNvPr>
+          <p:cNvSpPr>
+            <a:spLocks noChangeAspect="1"/>
+          </p:cNvSpPr>
+          <p:nvPr/>
+        </p:nvSpPr>
+        <p:spPr>
+          <a:xfrm>
+            <a:off x="7032114" y="3916975"/>
+            <a:ext cx="98730" cy="98730"/>
+          </a:xfrm>
+          <a:prstGeom prst="flowChartConnector">
+            <a:avLst/>
+          </a:prstGeom>
+        </p:spPr>
+        <p:style>
+          <a:lnRef idx="2">
+            <a:schemeClr val="accent1">
+              <a:shade val="50000"/>
+            </a:schemeClr>
+          </a:lnRef>
+          <a:fillRef idx="1">
+            <a:schemeClr val="accent1"/>
+          </a:fillRef>
+          <a:effectRef idx="0">
+            <a:schemeClr val="accent1"/>
+          </a:effectRef>
+          <a:fontRef idx="minor">
+            <a:schemeClr val="lt1"/>
+          </a:fontRef>
+        </p:style>
+        <p:txBody>
+          <a:bodyPr rtlCol="0" anchor="ctr"/>
+          <a:lstStyle/>
+          <a:p>
+            <a:pPr algn="ctr"/>
+            <a:endParaRPr lang="en-GB"/>
+          </a:p>
+        </p:txBody>
+      </p:sp>
+      <p:sp>
+        <p:nvSpPr>
+          <p:cNvPr id="35" name="Flowchart: Connector 34">
+            <a:extLst>
+              <a:ext uri="{FF2B5EF4-FFF2-40B4-BE49-F238E27FC236}">
+                <a16:creationId xmlns:a16="http://schemas.microsoft.com/office/drawing/2014/main" id="{00E4F682-8F28-4D18-BD81-C934D2132179}"/>
+              </a:ext>
+            </a:extLst>
+          </p:cNvPr>
+          <p:cNvSpPr>
+            <a:spLocks noChangeAspect="1"/>
+          </p:cNvSpPr>
+          <p:nvPr/>
+        </p:nvSpPr>
+        <p:spPr>
+          <a:xfrm>
+            <a:off x="6875578" y="4005759"/>
+            <a:ext cx="98730" cy="98730"/>
+          </a:xfrm>
+          <a:prstGeom prst="flowChartConnector">
+            <a:avLst/>
+          </a:prstGeom>
+        </p:spPr>
+        <p:style>
+          <a:lnRef idx="2">
+            <a:schemeClr val="accent1">
+              <a:shade val="50000"/>
+            </a:schemeClr>
+          </a:lnRef>
+          <a:fillRef idx="1">
+            <a:schemeClr val="accent1"/>
+          </a:fillRef>
+          <a:effectRef idx="0">
+            <a:schemeClr val="accent1"/>
+          </a:effectRef>
+          <a:fontRef idx="minor">
+            <a:schemeClr val="lt1"/>
+          </a:fontRef>
+        </p:style>
+        <p:txBody>
+          <a:bodyPr rtlCol="0" anchor="ctr"/>
+          <a:lstStyle/>
+          <a:p>
+            <a:pPr algn="ctr"/>
+            <a:endParaRPr lang="en-GB"/>
+          </a:p>
+        </p:txBody>
+      </p:sp>
+      <p:sp>
+        <p:nvSpPr>
+          <p:cNvPr id="36" name="Flowchart: Connector 35">
+            <a:extLst>
+              <a:ext uri="{FF2B5EF4-FFF2-40B4-BE49-F238E27FC236}">
+                <a16:creationId xmlns:a16="http://schemas.microsoft.com/office/drawing/2014/main" id="{61AB453B-0280-414D-BED1-66CCE0E62A07}"/>
+              </a:ext>
+            </a:extLst>
+          </p:cNvPr>
+          <p:cNvSpPr>
+            <a:spLocks noChangeAspect="1"/>
+          </p:cNvSpPr>
+          <p:nvPr/>
+        </p:nvSpPr>
+        <p:spPr>
+          <a:xfrm>
+            <a:off x="6572756" y="4089673"/>
+            <a:ext cx="98730" cy="98730"/>
+          </a:xfrm>
+          <a:prstGeom prst="flowChartConnector">
+            <a:avLst/>
+          </a:prstGeom>
+        </p:spPr>
+        <p:style>
+          <a:lnRef idx="2">
+            <a:schemeClr val="accent1">
+              <a:shade val="50000"/>
+            </a:schemeClr>
+          </a:lnRef>
+          <a:fillRef idx="1">
+            <a:schemeClr val="accent1"/>
+          </a:fillRef>
+          <a:effectRef idx="0">
+            <a:schemeClr val="accent1"/>
+          </a:effectRef>
+          <a:fontRef idx="minor">
+            <a:schemeClr val="lt1"/>
+          </a:fontRef>
+        </p:style>
+        <p:txBody>
+          <a:bodyPr rtlCol="0" anchor="ctr"/>
+          <a:lstStyle/>
+          <a:p>
+            <a:pPr algn="ctr"/>
+            <a:endParaRPr lang="en-GB"/>
+          </a:p>
+        </p:txBody>
+      </p:sp>
+      <p:sp>
+        <p:nvSpPr>
+          <p:cNvPr id="37" name="Flowchart: Connector 36">
+            <a:extLst>
+              <a:ext uri="{FF2B5EF4-FFF2-40B4-BE49-F238E27FC236}">
+                <a16:creationId xmlns:a16="http://schemas.microsoft.com/office/drawing/2014/main" id="{EAF68B29-A2F1-4A26-93E5-55A9E0134673}"/>
+              </a:ext>
+            </a:extLst>
+          </p:cNvPr>
+          <p:cNvSpPr>
+            <a:spLocks noChangeAspect="1"/>
+          </p:cNvSpPr>
+          <p:nvPr/>
+        </p:nvSpPr>
+        <p:spPr>
+          <a:xfrm>
+            <a:off x="6984627" y="3685020"/>
+            <a:ext cx="98730" cy="98730"/>
+          </a:xfrm>
+          <a:prstGeom prst="flowChartConnector">
+            <a:avLst/>
+          </a:prstGeom>
+        </p:spPr>
+        <p:style>
+          <a:lnRef idx="2">
+            <a:schemeClr val="accent1">
+              <a:shade val="50000"/>
+            </a:schemeClr>
+          </a:lnRef>
+          <a:fillRef idx="1">
+            <a:schemeClr val="accent1"/>
+          </a:fillRef>
+          <a:effectRef idx="0">
+            <a:schemeClr val="accent1"/>
+          </a:effectRef>
+          <a:fontRef idx="minor">
+            <a:schemeClr val="lt1"/>
+          </a:fontRef>
+        </p:style>
+        <p:txBody>
+          <a:bodyPr rtlCol="0" anchor="ctr"/>
+          <a:lstStyle/>
+          <a:p>
+            <a:pPr algn="ctr"/>
+            <a:endParaRPr lang="en-GB"/>
+          </a:p>
+        </p:txBody>
+      </p:sp>
+      <p:sp>
+        <p:nvSpPr>
+          <p:cNvPr id="38" name="Flowchart: Connector 37">
+            <a:extLst>
+              <a:ext uri="{FF2B5EF4-FFF2-40B4-BE49-F238E27FC236}">
+                <a16:creationId xmlns:a16="http://schemas.microsoft.com/office/drawing/2014/main" id="{6066328E-F7B4-46AE-8247-D827D0438A5B}"/>
+              </a:ext>
+            </a:extLst>
+          </p:cNvPr>
+          <p:cNvSpPr>
+            <a:spLocks noChangeAspect="1"/>
+          </p:cNvSpPr>
+          <p:nvPr/>
+        </p:nvSpPr>
+        <p:spPr>
+          <a:xfrm>
+            <a:off x="6729292" y="3857776"/>
+            <a:ext cx="98730" cy="98730"/>
+          </a:xfrm>
+          <a:prstGeom prst="flowChartConnector">
+            <a:avLst/>
+          </a:prstGeom>
+        </p:spPr>
+        <p:style>
+          <a:lnRef idx="2">
+            <a:schemeClr val="accent1">
+              <a:shade val="50000"/>
+            </a:schemeClr>
+          </a:lnRef>
+          <a:fillRef idx="1">
+            <a:schemeClr val="accent1"/>
+          </a:fillRef>
+          <a:effectRef idx="0">
+            <a:schemeClr val="accent1"/>
+          </a:effectRef>
+          <a:fontRef idx="minor">
+            <a:schemeClr val="lt1"/>
+          </a:fontRef>
+        </p:style>
+        <p:txBody>
+          <a:bodyPr rtlCol="0" anchor="ctr"/>
+          <a:lstStyle/>
+          <a:p>
+            <a:pPr algn="ctr"/>
+            <a:endParaRPr lang="en-GB"/>
+          </a:p>
+        </p:txBody>
+      </p:sp>
+      <p:sp>
+        <p:nvSpPr>
+          <p:cNvPr id="39" name="Flowchart: Connector 38">
+            <a:extLst>
+              <a:ext uri="{FF2B5EF4-FFF2-40B4-BE49-F238E27FC236}">
+                <a16:creationId xmlns:a16="http://schemas.microsoft.com/office/drawing/2014/main" id="{D97BAB74-3DAC-40D2-980A-78F0FF18F665}"/>
+              </a:ext>
+            </a:extLst>
+          </p:cNvPr>
+          <p:cNvSpPr>
+            <a:spLocks noChangeAspect="1"/>
+          </p:cNvSpPr>
+          <p:nvPr/>
+        </p:nvSpPr>
+        <p:spPr>
+          <a:xfrm>
+            <a:off x="7066089" y="3355253"/>
+            <a:ext cx="98730" cy="98730"/>
+          </a:xfrm>
+          <a:prstGeom prst="flowChartConnector">
+            <a:avLst/>
+          </a:prstGeom>
+        </p:spPr>
+        <p:style>
+          <a:lnRef idx="2">
+            <a:schemeClr val="accent1">
+              <a:shade val="50000"/>
+            </a:schemeClr>
+          </a:lnRef>
+          <a:fillRef idx="1">
+            <a:schemeClr val="accent1"/>
+          </a:fillRef>
+          <a:effectRef idx="0">
+            <a:schemeClr val="accent1"/>
+          </a:effectRef>
+          <a:fontRef idx="minor">
+            <a:schemeClr val="lt1"/>
+          </a:fontRef>
+        </p:style>
+        <p:txBody>
+          <a:bodyPr rtlCol="0" anchor="ctr"/>
+          <a:lstStyle/>
+          <a:p>
+            <a:pPr algn="ctr"/>
+            <a:endParaRPr lang="en-GB"/>
+          </a:p>
+        </p:txBody>
+      </p:sp>
+      <p:sp>
+        <p:nvSpPr>
+          <p:cNvPr id="40" name="Flowchart: Connector 39">
+            <a:extLst>
+              <a:ext uri="{FF2B5EF4-FFF2-40B4-BE49-F238E27FC236}">
+                <a16:creationId xmlns:a16="http://schemas.microsoft.com/office/drawing/2014/main" id="{19E9F5AA-6E0D-4E04-8B61-4C8293852370}"/>
+              </a:ext>
+            </a:extLst>
+          </p:cNvPr>
+          <p:cNvSpPr>
+            <a:spLocks noChangeAspect="1"/>
+          </p:cNvSpPr>
+          <p:nvPr/>
+        </p:nvSpPr>
+        <p:spPr>
+          <a:xfrm>
+            <a:off x="6941978" y="3497250"/>
+            <a:ext cx="98730" cy="98730"/>
+          </a:xfrm>
+          <a:prstGeom prst="flowChartConnector">
+            <a:avLst/>
+          </a:prstGeom>
+        </p:spPr>
+        <p:style>
+          <a:lnRef idx="2">
+            <a:schemeClr val="accent1">
+              <a:shade val="50000"/>
+            </a:schemeClr>
+          </a:lnRef>
+          <a:fillRef idx="1">
+            <a:schemeClr val="accent1"/>
+          </a:fillRef>
+          <a:effectRef idx="0">
+            <a:schemeClr val="accent1"/>
+          </a:effectRef>
+          <a:fontRef idx="minor">
+            <a:schemeClr val="lt1"/>
+          </a:fontRef>
+        </p:style>
+        <p:txBody>
+          <a:bodyPr rtlCol="0" anchor="ctr"/>
+          <a:lstStyle/>
+          <a:p>
+            <a:pPr algn="ctr"/>
+            <a:endParaRPr lang="en-GB"/>
+          </a:p>
+        </p:txBody>
+      </p:sp>
+      <p:sp>
+        <p:nvSpPr>
+          <p:cNvPr id="41" name="Flowchart: Connector 40">
+            <a:extLst>
+              <a:ext uri="{FF2B5EF4-FFF2-40B4-BE49-F238E27FC236}">
+                <a16:creationId xmlns:a16="http://schemas.microsoft.com/office/drawing/2014/main" id="{5344B74C-B7BE-4FC1-A359-2B54EF7EA39D}"/>
+              </a:ext>
+            </a:extLst>
+          </p:cNvPr>
+          <p:cNvSpPr>
+            <a:spLocks noChangeAspect="1"/>
+          </p:cNvSpPr>
+          <p:nvPr/>
+        </p:nvSpPr>
+        <p:spPr>
+          <a:xfrm>
+            <a:off x="6386048" y="3289973"/>
+            <a:ext cx="98730" cy="98730"/>
+          </a:xfrm>
+          <a:prstGeom prst="flowChartConnector">
+            <a:avLst/>
+          </a:prstGeom>
+        </p:spPr>
+        <p:style>
+          <a:lnRef idx="2">
+            <a:schemeClr val="accent1">
+              <a:shade val="50000"/>
+            </a:schemeClr>
+          </a:lnRef>
+          <a:fillRef idx="1">
+            <a:schemeClr val="accent1"/>
+          </a:fillRef>
+          <a:effectRef idx="0">
+            <a:schemeClr val="accent1"/>
+          </a:effectRef>
+          <a:fontRef idx="minor">
+            <a:schemeClr val="lt1"/>
+          </a:fontRef>
+        </p:style>
+        <p:txBody>
+          <a:bodyPr rtlCol="0" anchor="ctr"/>
+          <a:lstStyle/>
+          <a:p>
+            <a:pPr algn="ctr"/>
+            <a:endParaRPr lang="en-GB"/>
+          </a:p>
+        </p:txBody>
+      </p:sp>
+      <p:sp>
+        <p:nvSpPr>
+          <p:cNvPr id="42" name="Flowchart: Connector 41">
+            <a:extLst>
+              <a:ext uri="{FF2B5EF4-FFF2-40B4-BE49-F238E27FC236}">
+                <a16:creationId xmlns:a16="http://schemas.microsoft.com/office/drawing/2014/main" id="{2CD79A9F-FFD1-47DC-989B-5DEFECB3564B}"/>
+              </a:ext>
+            </a:extLst>
+          </p:cNvPr>
+          <p:cNvSpPr>
+            <a:spLocks noChangeAspect="1"/>
+          </p:cNvSpPr>
+          <p:nvPr/>
+        </p:nvSpPr>
+        <p:spPr>
+          <a:xfrm>
+            <a:off x="7038643" y="3168888"/>
+            <a:ext cx="98730" cy="98730"/>
+          </a:xfrm>
+          <a:prstGeom prst="flowChartConnector">
+            <a:avLst/>
+          </a:prstGeom>
+        </p:spPr>
+        <p:style>
+          <a:lnRef idx="2">
+            <a:schemeClr val="accent1">
+              <a:shade val="50000"/>
+            </a:schemeClr>
+          </a:lnRef>
+          <a:fillRef idx="1">
+            <a:schemeClr val="accent1"/>
+          </a:fillRef>
+          <a:effectRef idx="0">
+            <a:schemeClr val="accent1"/>
+          </a:effectRef>
+          <a:fontRef idx="minor">
+            <a:schemeClr val="lt1"/>
+          </a:fontRef>
+        </p:style>
+        <p:txBody>
+          <a:bodyPr rtlCol="0" anchor="ctr"/>
+          <a:lstStyle/>
+          <a:p>
+            <a:pPr algn="ctr"/>
+            <a:endParaRPr lang="en-GB"/>
+          </a:p>
+        </p:txBody>
+      </p:sp>
+      <p:sp>
+        <p:nvSpPr>
+          <p:cNvPr id="43" name="Flowchart: Connector 42">
+            <a:extLst>
+              <a:ext uri="{FF2B5EF4-FFF2-40B4-BE49-F238E27FC236}">
+                <a16:creationId xmlns:a16="http://schemas.microsoft.com/office/drawing/2014/main" id="{4D386F11-B75D-4B5B-8BAC-3A2E6240409A}"/>
+              </a:ext>
+            </a:extLst>
+          </p:cNvPr>
+          <p:cNvSpPr>
+            <a:spLocks noChangeAspect="1"/>
+          </p:cNvSpPr>
+          <p:nvPr/>
+        </p:nvSpPr>
+        <p:spPr>
+          <a:xfrm>
+            <a:off x="6838511" y="3096120"/>
+            <a:ext cx="98730" cy="98730"/>
+          </a:xfrm>
+          <a:prstGeom prst="flowChartConnector">
+            <a:avLst/>
+          </a:prstGeom>
+        </p:spPr>
+        <p:style>
+          <a:lnRef idx="2">
+            <a:schemeClr val="accent1">
+              <a:shade val="50000"/>
+            </a:schemeClr>
+          </a:lnRef>
+          <a:fillRef idx="1">
+            <a:schemeClr val="accent1"/>
+          </a:fillRef>
+          <a:effectRef idx="0">
+            <a:schemeClr val="accent1"/>
+          </a:effectRef>
+          <a:fontRef idx="minor">
+            <a:schemeClr val="lt1"/>
+          </a:fontRef>
+        </p:style>
+        <p:txBody>
+          <a:bodyPr rtlCol="0" anchor="ctr"/>
+          <a:lstStyle/>
+          <a:p>
+            <a:pPr algn="ctr"/>
+            <a:endParaRPr lang="en-GB"/>
+          </a:p>
+        </p:txBody>
+      </p:sp>
+      <p:sp>
+        <p:nvSpPr>
+          <p:cNvPr id="44" name="Flowchart: Connector 43">
+            <a:extLst>
+              <a:ext uri="{FF2B5EF4-FFF2-40B4-BE49-F238E27FC236}">
+                <a16:creationId xmlns:a16="http://schemas.microsoft.com/office/drawing/2014/main" id="{F5AEA5BE-BD56-4207-8373-6CB4ED4075AD}"/>
+              </a:ext>
+            </a:extLst>
+          </p:cNvPr>
+          <p:cNvSpPr>
+            <a:spLocks noChangeAspect="1"/>
+          </p:cNvSpPr>
+          <p:nvPr/>
+        </p:nvSpPr>
+        <p:spPr>
+          <a:xfrm>
+            <a:off x="6864261" y="3310087"/>
+            <a:ext cx="98730" cy="98730"/>
+          </a:xfrm>
+          <a:prstGeom prst="flowChartConnector">
+            <a:avLst/>
+          </a:prstGeom>
+        </p:spPr>
+        <p:style>
+          <a:lnRef idx="2">
+            <a:schemeClr val="accent1">
+              <a:shade val="50000"/>
+            </a:schemeClr>
+          </a:lnRef>
+          <a:fillRef idx="1">
+            <a:schemeClr val="accent1"/>
+          </a:fillRef>
+          <a:effectRef idx="0">
+            <a:schemeClr val="accent1"/>
+          </a:effectRef>
+          <a:fontRef idx="minor">
+            <a:schemeClr val="lt1"/>
+          </a:fontRef>
+        </p:style>
+        <p:txBody>
+          <a:bodyPr rtlCol="0" anchor="ctr"/>
+          <a:lstStyle/>
+          <a:p>
+            <a:pPr algn="ctr"/>
+            <a:endParaRPr lang="en-GB"/>
+          </a:p>
+        </p:txBody>
+      </p:sp>
+      <p:sp>
+        <p:nvSpPr>
+          <p:cNvPr id="45" name="Flowchart: Connector 44">
+            <a:extLst>
+              <a:ext uri="{FF2B5EF4-FFF2-40B4-BE49-F238E27FC236}">
+                <a16:creationId xmlns:a16="http://schemas.microsoft.com/office/drawing/2014/main" id="{8F965A08-9D91-4AE5-ADE3-D504DE159414}"/>
+              </a:ext>
+            </a:extLst>
+          </p:cNvPr>
+          <p:cNvSpPr>
+            <a:spLocks noChangeAspect="1"/>
+          </p:cNvSpPr>
+          <p:nvPr/>
+        </p:nvSpPr>
+        <p:spPr>
+          <a:xfrm>
+            <a:off x="6714074" y="3580024"/>
+            <a:ext cx="98730" cy="98730"/>
+          </a:xfrm>
+          <a:prstGeom prst="flowChartConnector">
+            <a:avLst/>
+          </a:prstGeom>
+        </p:spPr>
+        <p:style>
+          <a:lnRef idx="2">
+            <a:schemeClr val="accent1">
+              <a:shade val="50000"/>
+            </a:schemeClr>
+          </a:lnRef>
+          <a:fillRef idx="1">
+            <a:schemeClr val="accent1"/>
+          </a:fillRef>
+          <a:effectRef idx="0">
+            <a:schemeClr val="accent1"/>
+          </a:effectRef>
+          <a:fontRef idx="minor">
+            <a:schemeClr val="lt1"/>
+          </a:fontRef>
+        </p:style>
+        <p:txBody>
+          <a:bodyPr rtlCol="0" anchor="ctr"/>
+          <a:lstStyle/>
+          <a:p>
+            <a:pPr algn="ctr"/>
+            <a:endParaRPr lang="en-GB"/>
+          </a:p>
+        </p:txBody>
+      </p:sp>
+      <p:sp>
+        <p:nvSpPr>
+          <p:cNvPr id="46" name="Flowchart: Connector 45">
+            <a:extLst>
+              <a:ext uri="{FF2B5EF4-FFF2-40B4-BE49-F238E27FC236}">
+                <a16:creationId xmlns:a16="http://schemas.microsoft.com/office/drawing/2014/main" id="{19C73605-4360-4F08-B623-9D31A72B6AAA}"/>
+              </a:ext>
+            </a:extLst>
+          </p:cNvPr>
+          <p:cNvSpPr>
+            <a:spLocks noChangeAspect="1"/>
+          </p:cNvSpPr>
+          <p:nvPr/>
+        </p:nvSpPr>
+        <p:spPr>
+          <a:xfrm>
+            <a:off x="6398034" y="3926489"/>
+            <a:ext cx="98730" cy="98730"/>
+          </a:xfrm>
+          <a:prstGeom prst="flowChartConnector">
+            <a:avLst/>
+          </a:prstGeom>
+        </p:spPr>
+        <p:style>
+          <a:lnRef idx="2">
+            <a:schemeClr val="accent1">
+              <a:shade val="50000"/>
+            </a:schemeClr>
+          </a:lnRef>
+          <a:fillRef idx="1">
+            <a:schemeClr val="accent1"/>
+          </a:fillRef>
+          <a:effectRef idx="0">
+            <a:schemeClr val="accent1"/>
+          </a:effectRef>
+          <a:fontRef idx="minor">
+            <a:schemeClr val="lt1"/>
+          </a:fontRef>
+        </p:style>
+        <p:txBody>
+          <a:bodyPr rtlCol="0" anchor="ctr"/>
+          <a:lstStyle/>
+          <a:p>
+            <a:pPr algn="ctr"/>
+            <a:endParaRPr lang="en-GB"/>
+          </a:p>
+        </p:txBody>
+      </p:sp>
+      <p:sp>
+        <p:nvSpPr>
+          <p:cNvPr id="47" name="Flowchart: Connector 46">
+            <a:extLst>
+              <a:ext uri="{FF2B5EF4-FFF2-40B4-BE49-F238E27FC236}">
+                <a16:creationId xmlns:a16="http://schemas.microsoft.com/office/drawing/2014/main" id="{3C0F2E8A-1566-46C3-BA18-65856D3517C0}"/>
+              </a:ext>
+            </a:extLst>
+          </p:cNvPr>
+          <p:cNvSpPr>
+            <a:spLocks noChangeAspect="1"/>
+          </p:cNvSpPr>
+          <p:nvPr/>
+        </p:nvSpPr>
+        <p:spPr>
+          <a:xfrm>
+            <a:off x="6838511" y="2158191"/>
+            <a:ext cx="98730" cy="98730"/>
+          </a:xfrm>
+          <a:prstGeom prst="flowChartConnector">
+            <a:avLst/>
+          </a:prstGeom>
+        </p:spPr>
+        <p:style>
+          <a:lnRef idx="2">
+            <a:schemeClr val="accent1">
+              <a:shade val="50000"/>
+            </a:schemeClr>
+          </a:lnRef>
+          <a:fillRef idx="1">
+            <a:schemeClr val="accent1"/>
+          </a:fillRef>
+          <a:effectRef idx="0">
+            <a:schemeClr val="accent1"/>
+          </a:effectRef>
+          <a:fontRef idx="minor">
+            <a:schemeClr val="lt1"/>
+          </a:fontRef>
+        </p:style>
+        <p:txBody>
+          <a:bodyPr rtlCol="0" anchor="ctr"/>
+          <a:lstStyle/>
+          <a:p>
+            <a:pPr algn="ctr"/>
+            <a:endParaRPr lang="en-GB"/>
+          </a:p>
+        </p:txBody>
+      </p:sp>
+      <p:sp>
+        <p:nvSpPr>
+          <p:cNvPr id="48" name="Flowchart: Connector 47">
+            <a:extLst>
+              <a:ext uri="{FF2B5EF4-FFF2-40B4-BE49-F238E27FC236}">
+                <a16:creationId xmlns:a16="http://schemas.microsoft.com/office/drawing/2014/main" id="{1E87D37A-788A-4BE7-839C-567789445E04}"/>
+              </a:ext>
+            </a:extLst>
+          </p:cNvPr>
+          <p:cNvSpPr>
+            <a:spLocks noChangeAspect="1"/>
+          </p:cNvSpPr>
+          <p:nvPr/>
+        </p:nvSpPr>
+        <p:spPr>
+          <a:xfrm>
+            <a:off x="7053177" y="2038141"/>
+            <a:ext cx="98730" cy="98730"/>
+          </a:xfrm>
+          <a:prstGeom prst="flowChartConnector">
+            <a:avLst/>
+          </a:prstGeom>
+        </p:spPr>
+        <p:style>
+          <a:lnRef idx="2">
+            <a:schemeClr val="accent1">
+              <a:shade val="50000"/>
+            </a:schemeClr>
+          </a:lnRef>
+          <a:fillRef idx="1">
+            <a:schemeClr val="accent1"/>
+          </a:fillRef>
+          <a:effectRef idx="0">
+            <a:schemeClr val="accent1"/>
+          </a:effectRef>
+          <a:fontRef idx="minor">
+            <a:schemeClr val="lt1"/>
+          </a:fontRef>
+        </p:style>
+        <p:txBody>
+          <a:bodyPr rtlCol="0" anchor="ctr"/>
+          <a:lstStyle/>
+          <a:p>
+            <a:pPr algn="ctr"/>
+            <a:endParaRPr lang="en-GB"/>
+          </a:p>
+        </p:txBody>
+      </p:sp>
+      <p:sp>
+        <p:nvSpPr>
+          <p:cNvPr id="49" name="Flowchart: Connector 48">
+            <a:extLst>
+              <a:ext uri="{FF2B5EF4-FFF2-40B4-BE49-F238E27FC236}">
+                <a16:creationId xmlns:a16="http://schemas.microsoft.com/office/drawing/2014/main" id="{280E69B8-FE16-40B7-8441-3CBCAE1A011E}"/>
+              </a:ext>
+            </a:extLst>
+          </p:cNvPr>
+          <p:cNvSpPr>
+            <a:spLocks noChangeAspect="1"/>
+          </p:cNvSpPr>
+          <p:nvPr/>
+        </p:nvSpPr>
+        <p:spPr>
+          <a:xfrm>
+            <a:off x="6883442" y="1771232"/>
+            <a:ext cx="98730" cy="98730"/>
+          </a:xfrm>
+          <a:prstGeom prst="flowChartConnector">
+            <a:avLst/>
+          </a:prstGeom>
+        </p:spPr>
+        <p:style>
+          <a:lnRef idx="2">
+            <a:schemeClr val="accent1">
+              <a:shade val="50000"/>
+            </a:schemeClr>
+          </a:lnRef>
+          <a:fillRef idx="1">
+            <a:schemeClr val="accent1"/>
+          </a:fillRef>
+          <a:effectRef idx="0">
+            <a:schemeClr val="accent1"/>
+          </a:effectRef>
+          <a:fontRef idx="minor">
+            <a:schemeClr val="lt1"/>
+          </a:fontRef>
+        </p:style>
+        <p:txBody>
+          <a:bodyPr rtlCol="0" anchor="ctr"/>
+          <a:lstStyle/>
+          <a:p>
+            <a:pPr algn="ctr"/>
+            <a:endParaRPr lang="en-GB"/>
+          </a:p>
+        </p:txBody>
+      </p:sp>
+      <p:sp>
+        <p:nvSpPr>
+          <p:cNvPr id="50" name="Flowchart: Connector 49">
+            <a:extLst>
+              <a:ext uri="{FF2B5EF4-FFF2-40B4-BE49-F238E27FC236}">
+                <a16:creationId xmlns:a16="http://schemas.microsoft.com/office/drawing/2014/main" id="{6CE4741B-DB39-470C-A0A0-4192E610BD14}"/>
+              </a:ext>
+            </a:extLst>
+          </p:cNvPr>
+          <p:cNvSpPr>
+            <a:spLocks noChangeAspect="1"/>
+          </p:cNvSpPr>
+          <p:nvPr/>
+        </p:nvSpPr>
+        <p:spPr>
+          <a:xfrm>
+            <a:off x="6474026" y="1484769"/>
+            <a:ext cx="98730" cy="98730"/>
+          </a:xfrm>
+          <a:prstGeom prst="flowChartConnector">
+            <a:avLst/>
+          </a:prstGeom>
+        </p:spPr>
+        <p:style>
+          <a:lnRef idx="2">
+            <a:schemeClr val="accent1">
+              <a:shade val="50000"/>
+            </a:schemeClr>
+          </a:lnRef>
+          <a:fillRef idx="1">
+            <a:schemeClr val="accent1"/>
+          </a:fillRef>
+          <a:effectRef idx="0">
+            <a:schemeClr val="accent1"/>
+          </a:effectRef>
+          <a:fontRef idx="minor">
+            <a:schemeClr val="lt1"/>
+          </a:fontRef>
+        </p:style>
+        <p:txBody>
+          <a:bodyPr rtlCol="0" anchor="ctr"/>
+          <a:lstStyle/>
+          <a:p>
+            <a:pPr algn="ctr"/>
+            <a:endParaRPr lang="en-GB"/>
+          </a:p>
+        </p:txBody>
+      </p:sp>
+      <p:sp>
+        <p:nvSpPr>
+          <p:cNvPr id="51" name="Flowchart: Connector 50">
+            <a:extLst>
+              <a:ext uri="{FF2B5EF4-FFF2-40B4-BE49-F238E27FC236}">
+                <a16:creationId xmlns:a16="http://schemas.microsoft.com/office/drawing/2014/main" id="{F7726081-71E5-4FEF-9939-38025C82DB94}"/>
+              </a:ext>
+            </a:extLst>
+          </p:cNvPr>
+          <p:cNvSpPr>
+            <a:spLocks noChangeAspect="1"/>
+          </p:cNvSpPr>
+          <p:nvPr/>
+        </p:nvSpPr>
+        <p:spPr>
+          <a:xfrm>
+            <a:off x="6797649" y="1527482"/>
+            <a:ext cx="98730" cy="98730"/>
+          </a:xfrm>
+          <a:prstGeom prst="flowChartConnector">
+            <a:avLst/>
+          </a:prstGeom>
+        </p:spPr>
+        <p:style>
+          <a:lnRef idx="2">
+            <a:schemeClr val="accent1">
+              <a:shade val="50000"/>
+            </a:schemeClr>
+          </a:lnRef>
+          <a:fillRef idx="1">
+            <a:schemeClr val="accent1"/>
+          </a:fillRef>
+          <a:effectRef idx="0">
+            <a:schemeClr val="accent1"/>
+          </a:effectRef>
+          <a:fontRef idx="minor">
+            <a:schemeClr val="lt1"/>
+          </a:fontRef>
+        </p:style>
+        <p:txBody>
+          <a:bodyPr rtlCol="0" anchor="ctr"/>
+          <a:lstStyle/>
+          <a:p>
+            <a:pPr algn="ctr"/>
+            <a:endParaRPr lang="en-GB"/>
+          </a:p>
+        </p:txBody>
+      </p:sp>
+      <p:sp>
+        <p:nvSpPr>
+          <p:cNvPr id="52" name="Flowchart: Connector 51">
+            <a:extLst>
+              <a:ext uri="{FF2B5EF4-FFF2-40B4-BE49-F238E27FC236}">
+                <a16:creationId xmlns:a16="http://schemas.microsoft.com/office/drawing/2014/main" id="{EB107884-076B-4F92-83F4-D6E00A2A80CE}"/>
+              </a:ext>
+            </a:extLst>
+          </p:cNvPr>
+          <p:cNvSpPr>
+            <a:spLocks noChangeAspect="1"/>
+          </p:cNvSpPr>
+          <p:nvPr/>
+        </p:nvSpPr>
+        <p:spPr>
+          <a:xfrm>
+            <a:off x="7078431" y="1494046"/>
+            <a:ext cx="98730" cy="98730"/>
+          </a:xfrm>
+          <a:prstGeom prst="flowChartConnector">
+            <a:avLst/>
+          </a:prstGeom>
+        </p:spPr>
+        <p:style>
+          <a:lnRef idx="2">
+            <a:schemeClr val="accent1">
+              <a:shade val="50000"/>
+            </a:schemeClr>
+          </a:lnRef>
+          <a:fillRef idx="1">
+            <a:schemeClr val="accent1"/>
+          </a:fillRef>
+          <a:effectRef idx="0">
+            <a:schemeClr val="accent1"/>
+          </a:effectRef>
+          <a:fontRef idx="minor">
+            <a:schemeClr val="lt1"/>
+          </a:fontRef>
+        </p:style>
+        <p:txBody>
+          <a:bodyPr rtlCol="0" anchor="ctr"/>
+          <a:lstStyle/>
+          <a:p>
+            <a:pPr algn="ctr"/>
+            <a:endParaRPr lang="en-GB"/>
+          </a:p>
+        </p:txBody>
+      </p:sp>
+      <p:sp>
+        <p:nvSpPr>
+          <p:cNvPr id="53" name="Flowchart: Connector 52">
+            <a:extLst>
+              <a:ext uri="{FF2B5EF4-FFF2-40B4-BE49-F238E27FC236}">
+                <a16:creationId xmlns:a16="http://schemas.microsoft.com/office/drawing/2014/main" id="{0C3937FD-F71E-4902-834D-3EF88C4B81F8}"/>
+              </a:ext>
+            </a:extLst>
+          </p:cNvPr>
+          <p:cNvSpPr>
+            <a:spLocks noChangeAspect="1"/>
+          </p:cNvSpPr>
+          <p:nvPr/>
+        </p:nvSpPr>
+        <p:spPr>
+          <a:xfrm>
+            <a:off x="6941978" y="1337073"/>
+            <a:ext cx="98730" cy="98730"/>
+          </a:xfrm>
+          <a:prstGeom prst="flowChartConnector">
+            <a:avLst/>
+          </a:prstGeom>
+        </p:spPr>
+        <p:style>
+          <a:lnRef idx="2">
+            <a:schemeClr val="accent1">
+              <a:shade val="50000"/>
+            </a:schemeClr>
+          </a:lnRef>
+          <a:fillRef idx="1">
+            <a:schemeClr val="accent1"/>
+          </a:fillRef>
+          <a:effectRef idx="0">
+            <a:schemeClr val="accent1"/>
+          </a:effectRef>
+          <a:fontRef idx="minor">
+            <a:schemeClr val="lt1"/>
+          </a:fontRef>
+        </p:style>
+        <p:txBody>
+          <a:bodyPr rtlCol="0" anchor="ctr"/>
+          <a:lstStyle/>
+          <a:p>
+            <a:pPr algn="ctr"/>
+            <a:endParaRPr lang="en-GB"/>
+          </a:p>
+        </p:txBody>
+      </p:sp>
+      <p:sp>
+        <p:nvSpPr>
+          <p:cNvPr id="54" name="Flowchart: Connector 53">
+            <a:extLst>
+              <a:ext uri="{FF2B5EF4-FFF2-40B4-BE49-F238E27FC236}">
+                <a16:creationId xmlns:a16="http://schemas.microsoft.com/office/drawing/2014/main" id="{A7BDE537-C3E2-4596-9CAF-486AE677D4AD}"/>
+              </a:ext>
+            </a:extLst>
+          </p:cNvPr>
+          <p:cNvSpPr>
+            <a:spLocks noChangeAspect="1"/>
+          </p:cNvSpPr>
+          <p:nvPr/>
+        </p:nvSpPr>
+        <p:spPr>
+          <a:xfrm>
+            <a:off x="6903156" y="4628145"/>
+            <a:ext cx="98730" cy="98730"/>
+          </a:xfrm>
+          <a:prstGeom prst="flowChartConnector">
+            <a:avLst/>
+          </a:prstGeom>
+        </p:spPr>
+        <p:style>
+          <a:lnRef idx="2">
+            <a:schemeClr val="accent1">
+              <a:shade val="50000"/>
+            </a:schemeClr>
+          </a:lnRef>
+          <a:fillRef idx="1">
+            <a:schemeClr val="accent1"/>
+          </a:fillRef>
+          <a:effectRef idx="0">
+            <a:schemeClr val="accent1"/>
+          </a:effectRef>
+          <a:fontRef idx="minor">
+            <a:schemeClr val="lt1"/>
+          </a:fontRef>
+        </p:style>
+        <p:txBody>
+          <a:bodyPr rtlCol="0" anchor="ctr"/>
+          <a:lstStyle/>
+          <a:p>
+            <a:pPr algn="ctr"/>
+            <a:endParaRPr lang="en-GB"/>
+          </a:p>
+        </p:txBody>
+      </p:sp>
+      <p:sp>
+        <p:nvSpPr>
+          <p:cNvPr id="55" name="Flowchart: Connector 54">
+            <a:extLst>
+              <a:ext uri="{FF2B5EF4-FFF2-40B4-BE49-F238E27FC236}">
+                <a16:creationId xmlns:a16="http://schemas.microsoft.com/office/drawing/2014/main" id="{7EB6687F-6845-4148-BB92-E2D08B0C514E}"/>
+              </a:ext>
+            </a:extLst>
+          </p:cNvPr>
+          <p:cNvSpPr>
+            <a:spLocks noChangeAspect="1"/>
+          </p:cNvSpPr>
+          <p:nvPr/>
+        </p:nvSpPr>
+        <p:spPr>
+          <a:xfrm>
+            <a:off x="6424661" y="1137813"/>
+            <a:ext cx="98730" cy="98730"/>
+          </a:xfrm>
+          <a:prstGeom prst="flowChartConnector">
+            <a:avLst/>
+          </a:prstGeom>
+        </p:spPr>
+        <p:style>
+          <a:lnRef idx="2">
+            <a:schemeClr val="accent1">
+              <a:shade val="50000"/>
+            </a:schemeClr>
+          </a:lnRef>
+          <a:fillRef idx="1">
+            <a:schemeClr val="accent1"/>
+          </a:fillRef>
+          <a:effectRef idx="0">
+            <a:schemeClr val="accent1"/>
+          </a:effectRef>
+          <a:fontRef idx="minor">
+            <a:schemeClr val="lt1"/>
+          </a:fontRef>
+        </p:style>
+        <p:txBody>
+          <a:bodyPr rtlCol="0" anchor="ctr"/>
+          <a:lstStyle/>
+          <a:p>
+            <a:pPr algn="ctr"/>
+            <a:endParaRPr lang="en-GB"/>
+          </a:p>
+        </p:txBody>
+      </p:sp>
+      <p:sp>
+        <p:nvSpPr>
+          <p:cNvPr id="56" name="Flowchart: Connector 55">
+            <a:extLst>
+              <a:ext uri="{FF2B5EF4-FFF2-40B4-BE49-F238E27FC236}">
+                <a16:creationId xmlns:a16="http://schemas.microsoft.com/office/drawing/2014/main" id="{5167D08D-3459-49A1-8869-2D074AAFD8A8}"/>
+              </a:ext>
+            </a:extLst>
+          </p:cNvPr>
+          <p:cNvSpPr>
+            <a:spLocks noChangeAspect="1"/>
+          </p:cNvSpPr>
+          <p:nvPr/>
+        </p:nvSpPr>
+        <p:spPr>
+          <a:xfrm>
+            <a:off x="6962646" y="1084497"/>
+            <a:ext cx="98730" cy="98730"/>
+          </a:xfrm>
+          <a:prstGeom prst="flowChartConnector">
+            <a:avLst/>
+          </a:prstGeom>
+        </p:spPr>
+        <p:style>
+          <a:lnRef idx="2">
+            <a:schemeClr val="accent1">
+              <a:shade val="50000"/>
+            </a:schemeClr>
+          </a:lnRef>
+          <a:fillRef idx="1">
+            <a:schemeClr val="accent1"/>
+          </a:fillRef>
+          <a:effectRef idx="0">
+            <a:schemeClr val="accent1"/>
+          </a:effectRef>
+          <a:fontRef idx="minor">
+            <a:schemeClr val="lt1"/>
+          </a:fontRef>
+        </p:style>
+        <p:txBody>
+          <a:bodyPr rtlCol="0" anchor="ctr"/>
+          <a:lstStyle/>
+          <a:p>
+            <a:pPr algn="ctr"/>
+            <a:endParaRPr lang="en-GB"/>
+          </a:p>
+        </p:txBody>
+      </p:sp>
+      <p:sp>
+        <p:nvSpPr>
+          <p:cNvPr id="57" name="Flowchart: Connector 56">
+            <a:extLst>
+              <a:ext uri="{FF2B5EF4-FFF2-40B4-BE49-F238E27FC236}">
+                <a16:creationId xmlns:a16="http://schemas.microsoft.com/office/drawing/2014/main" id="{3B24D4EA-6D67-4EB7-8EFF-4DD5A4AB6836}"/>
+              </a:ext>
+            </a:extLst>
+          </p:cNvPr>
+          <p:cNvSpPr>
+            <a:spLocks noChangeAspect="1"/>
+          </p:cNvSpPr>
+          <p:nvPr/>
+        </p:nvSpPr>
+        <p:spPr>
+          <a:xfrm>
+            <a:off x="6729292" y="1051251"/>
+            <a:ext cx="98730" cy="98730"/>
+          </a:xfrm>
+          <a:prstGeom prst="flowChartConnector">
+            <a:avLst/>
+          </a:prstGeom>
+        </p:spPr>
+        <p:style>
+          <a:lnRef idx="2">
+            <a:schemeClr val="accent1">
+              <a:shade val="50000"/>
+            </a:schemeClr>
+          </a:lnRef>
+          <a:fillRef idx="1">
+            <a:schemeClr val="accent1"/>
+          </a:fillRef>
+          <a:effectRef idx="0">
+            <a:schemeClr val="accent1"/>
+          </a:effectRef>
+          <a:fontRef idx="minor">
+            <a:schemeClr val="lt1"/>
+          </a:fontRef>
+        </p:style>
+        <p:txBody>
+          <a:bodyPr rtlCol="0" anchor="ctr"/>
+          <a:lstStyle/>
+          <a:p>
+            <a:pPr algn="ctr"/>
+            <a:endParaRPr lang="en-GB"/>
+          </a:p>
+        </p:txBody>
+      </p:sp>
+      <p:sp>
+        <p:nvSpPr>
+          <p:cNvPr id="58" name="Flowchart: Connector 57">
+            <a:extLst>
+              <a:ext uri="{FF2B5EF4-FFF2-40B4-BE49-F238E27FC236}">
+                <a16:creationId xmlns:a16="http://schemas.microsoft.com/office/drawing/2014/main" id="{4A0EDA4D-550E-4827-887A-042236183E62}"/>
+              </a:ext>
+            </a:extLst>
+          </p:cNvPr>
+          <p:cNvSpPr>
+            <a:spLocks noChangeAspect="1"/>
+          </p:cNvSpPr>
+          <p:nvPr/>
+        </p:nvSpPr>
+        <p:spPr>
+          <a:xfrm>
+            <a:off x="6456334" y="876607"/>
+            <a:ext cx="98730" cy="98730"/>
+          </a:xfrm>
+          <a:prstGeom prst="flowChartConnector">
+            <a:avLst/>
+          </a:prstGeom>
+        </p:spPr>
+        <p:style>
+          <a:lnRef idx="2">
+            <a:schemeClr val="accent1">
+              <a:shade val="50000"/>
+            </a:schemeClr>
+          </a:lnRef>
+          <a:fillRef idx="1">
+            <a:schemeClr val="accent1"/>
+          </a:fillRef>
+          <a:effectRef idx="0">
+            <a:schemeClr val="accent1"/>
+          </a:effectRef>
+          <a:fontRef idx="minor">
+            <a:schemeClr val="lt1"/>
+          </a:fontRef>
+        </p:style>
+        <p:txBody>
+          <a:bodyPr rtlCol="0" anchor="ctr"/>
+          <a:lstStyle/>
+          <a:p>
+            <a:pPr algn="ctr"/>
+            <a:endParaRPr lang="en-GB"/>
+          </a:p>
+        </p:txBody>
+      </p:sp>
+      <p:sp>
+        <p:nvSpPr>
+          <p:cNvPr id="59" name="Flowchart: Connector 58">
+            <a:extLst>
+              <a:ext uri="{FF2B5EF4-FFF2-40B4-BE49-F238E27FC236}">
+                <a16:creationId xmlns:a16="http://schemas.microsoft.com/office/drawing/2014/main" id="{7EE747F4-C053-4AD7-8B96-25668FA510FB}"/>
+              </a:ext>
+            </a:extLst>
+          </p:cNvPr>
+          <p:cNvSpPr>
+            <a:spLocks noChangeAspect="1"/>
+          </p:cNvSpPr>
+          <p:nvPr/>
+        </p:nvSpPr>
+        <p:spPr>
+          <a:xfrm>
+            <a:off x="6801702" y="813799"/>
+            <a:ext cx="98730" cy="98730"/>
+          </a:xfrm>
+          <a:prstGeom prst="flowChartConnector">
+            <a:avLst/>
+          </a:prstGeom>
+        </p:spPr>
+        <p:style>
+          <a:lnRef idx="2">
+            <a:schemeClr val="accent1">
+              <a:shade val="50000"/>
+            </a:schemeClr>
+          </a:lnRef>
+          <a:fillRef idx="1">
+            <a:schemeClr val="accent1"/>
+          </a:fillRef>
+          <a:effectRef idx="0">
+            <a:schemeClr val="accent1"/>
+          </a:effectRef>
+          <a:fontRef idx="minor">
+            <a:schemeClr val="lt1"/>
+          </a:fontRef>
+        </p:style>
+        <p:txBody>
+          <a:bodyPr rtlCol="0" anchor="ctr"/>
+          <a:lstStyle/>
+          <a:p>
+            <a:pPr algn="ctr"/>
+            <a:endParaRPr lang="en-GB"/>
+          </a:p>
+        </p:txBody>
+      </p:sp>
+      <p:sp>
+        <p:nvSpPr>
+          <p:cNvPr id="60" name="Flowchart: Connector 59">
+            <a:extLst>
+              <a:ext uri="{FF2B5EF4-FFF2-40B4-BE49-F238E27FC236}">
+                <a16:creationId xmlns:a16="http://schemas.microsoft.com/office/drawing/2014/main" id="{225E54D9-7DEF-4F49-A91F-C34676C40283}"/>
+              </a:ext>
+            </a:extLst>
+          </p:cNvPr>
+          <p:cNvSpPr>
+            <a:spLocks noChangeAspect="1"/>
+          </p:cNvSpPr>
+          <p:nvPr/>
+        </p:nvSpPr>
+        <p:spPr>
+          <a:xfrm>
+            <a:off x="7048340" y="900407"/>
+            <a:ext cx="98730" cy="98730"/>
+          </a:xfrm>
+          <a:prstGeom prst="flowChartConnector">
+            <a:avLst/>
+          </a:prstGeom>
+        </p:spPr>
+        <p:style>
+          <a:lnRef idx="2">
+            <a:schemeClr val="accent1">
+              <a:shade val="50000"/>
+            </a:schemeClr>
+          </a:lnRef>
+          <a:fillRef idx="1">
+            <a:schemeClr val="accent1"/>
+          </a:fillRef>
+          <a:effectRef idx="0">
+            <a:schemeClr val="accent1"/>
+          </a:effectRef>
+          <a:fontRef idx="minor">
+            <a:schemeClr val="lt1"/>
+          </a:fontRef>
+        </p:style>
+        <p:txBody>
+          <a:bodyPr rtlCol="0" anchor="ctr"/>
+          <a:lstStyle/>
+          <a:p>
+            <a:pPr algn="ctr"/>
+            <a:endParaRPr lang="en-GB"/>
+          </a:p>
+        </p:txBody>
+      </p:sp>
+      <p:sp>
+        <p:nvSpPr>
+          <p:cNvPr id="61" name="Flowchart: Connector 60">
+            <a:extLst>
+              <a:ext uri="{FF2B5EF4-FFF2-40B4-BE49-F238E27FC236}">
+                <a16:creationId xmlns:a16="http://schemas.microsoft.com/office/drawing/2014/main" id="{ECB717E6-3E58-425D-912D-BC5B2C196FAC}"/>
+              </a:ext>
+            </a:extLst>
+          </p:cNvPr>
+          <p:cNvSpPr>
+            <a:spLocks noChangeAspect="1"/>
+          </p:cNvSpPr>
+          <p:nvPr/>
+        </p:nvSpPr>
+        <p:spPr>
+          <a:xfrm>
+            <a:off x="6806451" y="4226331"/>
+            <a:ext cx="98730" cy="98730"/>
+          </a:xfrm>
+          <a:prstGeom prst="flowChartConnector">
+            <a:avLst/>
+          </a:prstGeom>
+        </p:spPr>
+        <p:style>
+          <a:lnRef idx="2">
+            <a:schemeClr val="accent1">
+              <a:shade val="50000"/>
+            </a:schemeClr>
+          </a:lnRef>
+          <a:fillRef idx="1">
+            <a:schemeClr val="accent1"/>
+          </a:fillRef>
+          <a:effectRef idx="0">
+            <a:schemeClr val="accent1"/>
+          </a:effectRef>
+          <a:fontRef idx="minor">
+            <a:schemeClr val="lt1"/>
+          </a:fontRef>
+        </p:style>
+        <p:txBody>
+          <a:bodyPr rtlCol="0" anchor="ctr"/>
+          <a:lstStyle/>
+          <a:p>
+            <a:pPr algn="ctr"/>
+            <a:endParaRPr lang="en-GB"/>
+          </a:p>
+        </p:txBody>
+      </p:sp>
+      <p:sp>
+        <p:nvSpPr>
+          <p:cNvPr id="62" name="Flowchart: Connector 61">
+            <a:extLst>
+              <a:ext uri="{FF2B5EF4-FFF2-40B4-BE49-F238E27FC236}">
+                <a16:creationId xmlns:a16="http://schemas.microsoft.com/office/drawing/2014/main" id="{A684D270-4DC2-48A0-A17F-55613D6B0347}"/>
+              </a:ext>
+            </a:extLst>
+          </p:cNvPr>
+          <p:cNvSpPr>
+            <a:spLocks noChangeAspect="1"/>
+          </p:cNvSpPr>
+          <p:nvPr/>
+        </p:nvSpPr>
+        <p:spPr>
+          <a:xfrm>
+            <a:off x="7016724" y="4135795"/>
+            <a:ext cx="98730" cy="98730"/>
+          </a:xfrm>
+          <a:prstGeom prst="flowChartConnector">
+            <a:avLst/>
+          </a:prstGeom>
+        </p:spPr>
+        <p:style>
+          <a:lnRef idx="2">
+            <a:schemeClr val="accent1">
+              <a:shade val="50000"/>
+            </a:schemeClr>
+          </a:lnRef>
+          <a:fillRef idx="1">
+            <a:schemeClr val="accent1"/>
+          </a:fillRef>
+          <a:effectRef idx="0">
+            <a:schemeClr val="accent1"/>
+          </a:effectRef>
+          <a:fontRef idx="minor">
+            <a:schemeClr val="lt1"/>
+          </a:fontRef>
+        </p:style>
+        <p:txBody>
+          <a:bodyPr rtlCol="0" anchor="ctr"/>
+          <a:lstStyle/>
+          <a:p>
+            <a:pPr algn="ctr"/>
+            <a:endParaRPr lang="en-GB"/>
+          </a:p>
+        </p:txBody>
+      </p:sp>
+      <p:sp>
+        <p:nvSpPr>
+          <p:cNvPr id="63" name="Flowchart: Connector 62">
+            <a:extLst>
+              <a:ext uri="{FF2B5EF4-FFF2-40B4-BE49-F238E27FC236}">
+                <a16:creationId xmlns:a16="http://schemas.microsoft.com/office/drawing/2014/main" id="{7FB157FC-84D7-42F4-BE96-615842CB0F79}"/>
+              </a:ext>
+            </a:extLst>
+          </p:cNvPr>
+          <p:cNvSpPr>
+            <a:spLocks noChangeAspect="1"/>
+          </p:cNvSpPr>
+          <p:nvPr/>
+        </p:nvSpPr>
+        <p:spPr>
+          <a:xfrm>
+            <a:off x="6533292" y="4484123"/>
+            <a:ext cx="98730" cy="98730"/>
+          </a:xfrm>
+          <a:prstGeom prst="flowChartConnector">
+            <a:avLst/>
+          </a:prstGeom>
+        </p:spPr>
+        <p:style>
+          <a:lnRef idx="2">
+            <a:schemeClr val="accent1">
+              <a:shade val="50000"/>
+            </a:schemeClr>
+          </a:lnRef>
+          <a:fillRef idx="1">
+            <a:schemeClr val="accent1"/>
+          </a:fillRef>
+          <a:effectRef idx="0">
+            <a:schemeClr val="accent1"/>
+          </a:effectRef>
+          <a:fontRef idx="minor">
+            <a:schemeClr val="lt1"/>
+          </a:fontRef>
+        </p:style>
+        <p:txBody>
+          <a:bodyPr rtlCol="0" anchor="ctr"/>
+          <a:lstStyle/>
+          <a:p>
+            <a:pPr algn="ctr"/>
+            <a:endParaRPr lang="en-GB"/>
+          </a:p>
+        </p:txBody>
+      </p:sp>
+      <p:sp>
+        <p:nvSpPr>
+          <p:cNvPr id="64" name="Flowchart: Connector 63">
+            <a:extLst>
+              <a:ext uri="{FF2B5EF4-FFF2-40B4-BE49-F238E27FC236}">
+                <a16:creationId xmlns:a16="http://schemas.microsoft.com/office/drawing/2014/main" id="{5FB89EAE-EA0C-4926-B13F-0FEFD456A526}"/>
+              </a:ext>
+            </a:extLst>
+          </p:cNvPr>
+          <p:cNvSpPr>
+            <a:spLocks noChangeAspect="1"/>
+          </p:cNvSpPr>
+          <p:nvPr/>
+        </p:nvSpPr>
+        <p:spPr>
+          <a:xfrm>
+            <a:off x="6740939" y="4403845"/>
+            <a:ext cx="98730" cy="98730"/>
+          </a:xfrm>
+          <a:prstGeom prst="flowChartConnector">
+            <a:avLst/>
+          </a:prstGeom>
+        </p:spPr>
+        <p:style>
+          <a:lnRef idx="2">
+            <a:schemeClr val="accent1">
+              <a:shade val="50000"/>
+            </a:schemeClr>
+          </a:lnRef>
+          <a:fillRef idx="1">
+            <a:schemeClr val="accent1"/>
+          </a:fillRef>
+          <a:effectRef idx="0">
+            <a:schemeClr val="accent1"/>
+          </a:effectRef>
+          <a:fontRef idx="minor">
+            <a:schemeClr val="lt1"/>
+          </a:fontRef>
+        </p:style>
+        <p:txBody>
+          <a:bodyPr rtlCol="0" anchor="ctr"/>
+          <a:lstStyle/>
+          <a:p>
+            <a:pPr algn="ctr"/>
+            <a:endParaRPr lang="en-GB"/>
+          </a:p>
+        </p:txBody>
+      </p:sp>
+      <p:sp>
+        <p:nvSpPr>
+          <p:cNvPr id="65" name="Flowchart: Connector 64">
+            <a:extLst>
+              <a:ext uri="{FF2B5EF4-FFF2-40B4-BE49-F238E27FC236}">
+                <a16:creationId xmlns:a16="http://schemas.microsoft.com/office/drawing/2014/main" id="{5CD281A0-F7E4-4588-9E3B-ED0732AB5316}"/>
+              </a:ext>
+            </a:extLst>
+          </p:cNvPr>
+          <p:cNvSpPr>
+            <a:spLocks noChangeAspect="1"/>
+          </p:cNvSpPr>
+          <p:nvPr/>
+        </p:nvSpPr>
+        <p:spPr>
+          <a:xfrm>
+            <a:off x="7004125" y="4388002"/>
+            <a:ext cx="98730" cy="98730"/>
+          </a:xfrm>
+          <a:prstGeom prst="flowChartConnector">
+            <a:avLst/>
+          </a:prstGeom>
+        </p:spPr>
+        <p:style>
+          <a:lnRef idx="2">
+            <a:schemeClr val="accent1">
+              <a:shade val="50000"/>
+            </a:schemeClr>
+          </a:lnRef>
+          <a:fillRef idx="1">
+            <a:schemeClr val="accent1"/>
+          </a:fillRef>
+          <a:effectRef idx="0">
+            <a:schemeClr val="accent1"/>
+          </a:effectRef>
+          <a:fontRef idx="minor">
+            <a:schemeClr val="lt1"/>
+          </a:fontRef>
+        </p:style>
+        <p:txBody>
+          <a:bodyPr rtlCol="0" anchor="ctr"/>
+          <a:lstStyle/>
+          <a:p>
+            <a:pPr algn="ctr"/>
+            <a:endParaRPr lang="en-GB"/>
+          </a:p>
+        </p:txBody>
+      </p:sp>
+      <p:sp>
+        <p:nvSpPr>
+          <p:cNvPr id="66" name="Flowchart: Connector 65">
+            <a:extLst>
+              <a:ext uri="{FF2B5EF4-FFF2-40B4-BE49-F238E27FC236}">
+                <a16:creationId xmlns:a16="http://schemas.microsoft.com/office/drawing/2014/main" id="{D94294A1-B19F-4748-BD05-DFD50B644B00}"/>
+              </a:ext>
+            </a:extLst>
+          </p:cNvPr>
+          <p:cNvSpPr>
+            <a:spLocks noChangeAspect="1"/>
+          </p:cNvSpPr>
+          <p:nvPr/>
+        </p:nvSpPr>
+        <p:spPr>
+          <a:xfrm>
+            <a:off x="6391873" y="4668945"/>
+            <a:ext cx="98730" cy="98730"/>
+          </a:xfrm>
+          <a:prstGeom prst="flowChartConnector">
+            <a:avLst/>
+          </a:prstGeom>
+        </p:spPr>
+        <p:style>
+          <a:lnRef idx="2">
+            <a:schemeClr val="accent1">
+              <a:shade val="50000"/>
+            </a:schemeClr>
+          </a:lnRef>
+          <a:fillRef idx="1">
+            <a:schemeClr val="accent1"/>
+          </a:fillRef>
+          <a:effectRef idx="0">
+            <a:schemeClr val="accent1"/>
+          </a:effectRef>
+          <a:fontRef idx="minor">
+            <a:schemeClr val="lt1"/>
+          </a:fontRef>
+        </p:style>
+        <p:txBody>
+          <a:bodyPr rtlCol="0" anchor="ctr"/>
+          <a:lstStyle/>
+          <a:p>
+            <a:pPr algn="ctr"/>
+            <a:endParaRPr lang="en-GB"/>
+          </a:p>
+        </p:txBody>
+      </p:sp>
+      <p:sp>
+        <p:nvSpPr>
+          <p:cNvPr id="67" name="Flowchart: Connector 66">
+            <a:extLst>
+              <a:ext uri="{FF2B5EF4-FFF2-40B4-BE49-F238E27FC236}">
+                <a16:creationId xmlns:a16="http://schemas.microsoft.com/office/drawing/2014/main" id="{AC5C843A-5A18-4C64-A96F-645D2258F1B0}"/>
+              </a:ext>
+            </a:extLst>
+          </p:cNvPr>
+          <p:cNvSpPr>
+            <a:spLocks noChangeAspect="1"/>
+          </p:cNvSpPr>
+          <p:nvPr/>
+        </p:nvSpPr>
+        <p:spPr>
+          <a:xfrm>
+            <a:off x="6660263" y="4645141"/>
+            <a:ext cx="98730" cy="98730"/>
+          </a:xfrm>
+          <a:prstGeom prst="flowChartConnector">
+            <a:avLst/>
+          </a:prstGeom>
+        </p:spPr>
+        <p:style>
+          <a:lnRef idx="2">
+            <a:schemeClr val="accent1">
+              <a:shade val="50000"/>
+            </a:schemeClr>
+          </a:lnRef>
+          <a:fillRef idx="1">
+            <a:schemeClr val="accent1"/>
+          </a:fillRef>
+          <a:effectRef idx="0">
+            <a:schemeClr val="accent1"/>
+          </a:effectRef>
+          <a:fontRef idx="minor">
+            <a:schemeClr val="lt1"/>
+          </a:fontRef>
+        </p:style>
+        <p:txBody>
+          <a:bodyPr rtlCol="0" anchor="ctr"/>
+          <a:lstStyle/>
+          <a:p>
+            <a:pPr algn="ctr"/>
+            <a:endParaRPr lang="en-GB"/>
+          </a:p>
+        </p:txBody>
+      </p:sp>
+      <p:sp>
+        <p:nvSpPr>
+          <p:cNvPr id="68" name="Flowchart: Connector 67">
+            <a:extLst>
+              <a:ext uri="{FF2B5EF4-FFF2-40B4-BE49-F238E27FC236}">
+                <a16:creationId xmlns:a16="http://schemas.microsoft.com/office/drawing/2014/main" id="{00D55B92-CA9C-49FF-9416-BD043CF3C413}"/>
+              </a:ext>
+            </a:extLst>
+          </p:cNvPr>
+          <p:cNvSpPr>
+            <a:spLocks noChangeAspect="1"/>
+          </p:cNvSpPr>
+          <p:nvPr/>
+        </p:nvSpPr>
+        <p:spPr>
+          <a:xfrm>
+            <a:off x="6637178" y="1246608"/>
+            <a:ext cx="98730" cy="98730"/>
+          </a:xfrm>
+          <a:prstGeom prst="flowChartConnector">
+            <a:avLst/>
+          </a:prstGeom>
+        </p:spPr>
+        <p:style>
+          <a:lnRef idx="2">
+            <a:schemeClr val="accent1">
+              <a:shade val="50000"/>
+            </a:schemeClr>
+          </a:lnRef>
+          <a:fillRef idx="1">
+            <a:schemeClr val="accent1"/>
+          </a:fillRef>
+          <a:effectRef idx="0">
+            <a:schemeClr val="accent1"/>
+          </a:effectRef>
+          <a:fontRef idx="minor">
+            <a:schemeClr val="lt1"/>
+          </a:fontRef>
+        </p:style>
+        <p:txBody>
+          <a:bodyPr rtlCol="0" anchor="ctr"/>
+          <a:lstStyle/>
+          <a:p>
+            <a:pPr algn="ctr"/>
+            <a:endParaRPr lang="en-GB"/>
+          </a:p>
+        </p:txBody>
+      </p:sp>
+      <p:sp>
+        <p:nvSpPr>
+          <p:cNvPr id="69" name="Flowchart: Connector 68">
+            <a:extLst>
+              <a:ext uri="{FF2B5EF4-FFF2-40B4-BE49-F238E27FC236}">
+                <a16:creationId xmlns:a16="http://schemas.microsoft.com/office/drawing/2014/main" id="{9C48D71F-BD1D-4296-8FFC-40E94246A2F4}"/>
+              </a:ext>
+            </a:extLst>
+          </p:cNvPr>
+          <p:cNvSpPr>
+            <a:spLocks noChangeAspect="1"/>
+          </p:cNvSpPr>
+          <p:nvPr/>
+        </p:nvSpPr>
+        <p:spPr>
+          <a:xfrm>
+            <a:off x="6503149" y="4897029"/>
+            <a:ext cx="98730" cy="98730"/>
+          </a:xfrm>
+          <a:prstGeom prst="flowChartConnector">
+            <a:avLst/>
+          </a:prstGeom>
+        </p:spPr>
+        <p:style>
+          <a:lnRef idx="2">
+            <a:schemeClr val="accent1">
+              <a:shade val="50000"/>
+            </a:schemeClr>
+          </a:lnRef>
+          <a:fillRef idx="1">
+            <a:schemeClr val="accent1"/>
+          </a:fillRef>
+          <a:effectRef idx="0">
+            <a:schemeClr val="accent1"/>
+          </a:effectRef>
+          <a:fontRef idx="minor">
+            <a:schemeClr val="lt1"/>
+          </a:fontRef>
+        </p:style>
+        <p:txBody>
+          <a:bodyPr rtlCol="0" anchor="ctr"/>
+          <a:lstStyle/>
+          <a:p>
+            <a:pPr algn="ctr"/>
+            <a:endParaRPr lang="en-GB"/>
+          </a:p>
+        </p:txBody>
+      </p:sp>
+      <p:sp>
+        <p:nvSpPr>
+          <p:cNvPr id="70" name="Flowchart: Connector 69">
+            <a:extLst>
+              <a:ext uri="{FF2B5EF4-FFF2-40B4-BE49-F238E27FC236}">
+                <a16:creationId xmlns:a16="http://schemas.microsoft.com/office/drawing/2014/main" id="{DA2AA532-5937-46FD-8953-4470C38D5407}"/>
+              </a:ext>
+            </a:extLst>
+          </p:cNvPr>
+          <p:cNvSpPr>
+            <a:spLocks noChangeAspect="1"/>
+          </p:cNvSpPr>
+          <p:nvPr/>
+        </p:nvSpPr>
+        <p:spPr>
+          <a:xfrm>
+            <a:off x="6784712" y="4862017"/>
+            <a:ext cx="98730" cy="98730"/>
+          </a:xfrm>
+          <a:prstGeom prst="flowChartConnector">
+            <a:avLst/>
+          </a:prstGeom>
+        </p:spPr>
+        <p:style>
+          <a:lnRef idx="2">
+            <a:schemeClr val="accent1">
+              <a:shade val="50000"/>
+            </a:schemeClr>
+          </a:lnRef>
+          <a:fillRef idx="1">
+            <a:schemeClr val="accent1"/>
+          </a:fillRef>
+          <a:effectRef idx="0">
+            <a:schemeClr val="accent1"/>
+          </a:effectRef>
+          <a:fontRef idx="minor">
+            <a:schemeClr val="lt1"/>
+          </a:fontRef>
+        </p:style>
+        <p:txBody>
+          <a:bodyPr rtlCol="0" anchor="ctr"/>
+          <a:lstStyle/>
+          <a:p>
+            <a:pPr algn="ctr"/>
+            <a:endParaRPr lang="en-GB"/>
+          </a:p>
+        </p:txBody>
+      </p:sp>
+      <p:sp>
+        <p:nvSpPr>
+          <p:cNvPr id="71" name="Flowchart: Connector 70">
+            <a:extLst>
+              <a:ext uri="{FF2B5EF4-FFF2-40B4-BE49-F238E27FC236}">
+                <a16:creationId xmlns:a16="http://schemas.microsoft.com/office/drawing/2014/main" id="{BE03225F-123C-4EA2-9A14-6465DC1270C8}"/>
+              </a:ext>
+            </a:extLst>
+          </p:cNvPr>
+          <p:cNvSpPr>
+            <a:spLocks noChangeAspect="1"/>
+          </p:cNvSpPr>
+          <p:nvPr/>
+        </p:nvSpPr>
+        <p:spPr>
+          <a:xfrm>
+            <a:off x="6503151" y="1290283"/>
+            <a:ext cx="98730" cy="98730"/>
+          </a:xfrm>
+          <a:prstGeom prst="flowChartConnector">
+            <a:avLst/>
+          </a:prstGeom>
+        </p:spPr>
+        <p:style>
+          <a:lnRef idx="2">
+            <a:schemeClr val="accent1">
+              <a:shade val="50000"/>
+            </a:schemeClr>
+          </a:lnRef>
+          <a:fillRef idx="1">
+            <a:schemeClr val="accent1"/>
+          </a:fillRef>
+          <a:effectRef idx="0">
+            <a:schemeClr val="accent1"/>
+          </a:effectRef>
+          <a:fontRef idx="minor">
+            <a:schemeClr val="lt1"/>
+          </a:fontRef>
+        </p:style>
+        <p:txBody>
+          <a:bodyPr rtlCol="0" anchor="ctr"/>
+          <a:lstStyle/>
+          <a:p>
+            <a:pPr algn="ctr"/>
+            <a:endParaRPr lang="en-GB"/>
+          </a:p>
+        </p:txBody>
+      </p:sp>
+      <p:sp>
+        <p:nvSpPr>
+          <p:cNvPr id="72" name="Flowchart: Connector 71">
+            <a:extLst>
+              <a:ext uri="{FF2B5EF4-FFF2-40B4-BE49-F238E27FC236}">
+                <a16:creationId xmlns:a16="http://schemas.microsoft.com/office/drawing/2014/main" id="{F945F68B-F83B-4BC5-9D6D-FCB085BA298A}"/>
+              </a:ext>
+            </a:extLst>
+          </p:cNvPr>
+          <p:cNvSpPr>
+            <a:spLocks noChangeAspect="1"/>
+          </p:cNvSpPr>
+          <p:nvPr/>
+        </p:nvSpPr>
+        <p:spPr>
+          <a:xfrm>
+            <a:off x="6637178" y="1246608"/>
+            <a:ext cx="98730" cy="98730"/>
+          </a:xfrm>
+          <a:prstGeom prst="flowChartConnector">
+            <a:avLst/>
+          </a:prstGeom>
+        </p:spPr>
+        <p:style>
+          <a:lnRef idx="2">
+            <a:schemeClr val="accent1">
+              <a:shade val="50000"/>
+            </a:schemeClr>
+          </a:lnRef>
+          <a:fillRef idx="1">
+            <a:schemeClr val="accent1"/>
+          </a:fillRef>
+          <a:effectRef idx="0">
+            <a:schemeClr val="accent1"/>
+          </a:effectRef>
+          <a:fontRef idx="minor">
+            <a:schemeClr val="lt1"/>
+          </a:fontRef>
+        </p:style>
+        <p:txBody>
+          <a:bodyPr rtlCol="0" anchor="ctr"/>
+          <a:lstStyle/>
+          <a:p>
+            <a:pPr algn="ctr"/>
+            <a:endParaRPr lang="en-GB"/>
+          </a:p>
+        </p:txBody>
+      </p:sp>
+      <p:sp>
+        <p:nvSpPr>
+          <p:cNvPr id="73" name="Flowchart: Connector 72">
+            <a:extLst>
+              <a:ext uri="{FF2B5EF4-FFF2-40B4-BE49-F238E27FC236}">
+                <a16:creationId xmlns:a16="http://schemas.microsoft.com/office/drawing/2014/main" id="{7D5F1E7A-F9CE-4302-8ED9-4527F2911967}"/>
+              </a:ext>
+            </a:extLst>
+          </p:cNvPr>
+          <p:cNvSpPr>
+            <a:spLocks noChangeAspect="1"/>
+          </p:cNvSpPr>
+          <p:nvPr/>
+        </p:nvSpPr>
+        <p:spPr>
+          <a:xfrm>
+            <a:off x="6789578" y="1399008"/>
+            <a:ext cx="98730" cy="98730"/>
+          </a:xfrm>
+          <a:prstGeom prst="flowChartConnector">
+            <a:avLst/>
+          </a:prstGeom>
+        </p:spPr>
+        <p:style>
+          <a:lnRef idx="2">
+            <a:schemeClr val="accent1">
+              <a:shade val="50000"/>
+            </a:schemeClr>
+          </a:lnRef>
+          <a:fillRef idx="1">
+            <a:schemeClr val="accent1"/>
+          </a:fillRef>
+          <a:effectRef idx="0">
+            <a:schemeClr val="accent1"/>
+          </a:effectRef>
+          <a:fontRef idx="minor">
+            <a:schemeClr val="lt1"/>
+          </a:fontRef>
+        </p:style>
+        <p:txBody>
+          <a:bodyPr rtlCol="0" anchor="ctr"/>
+          <a:lstStyle/>
+          <a:p>
+            <a:pPr algn="ctr"/>
+            <a:endParaRPr lang="en-GB"/>
+          </a:p>
+        </p:txBody>
+      </p:sp>
+      <p:sp>
+        <p:nvSpPr>
+          <p:cNvPr id="74" name="Flowchart: Connector 73">
+            <a:extLst>
+              <a:ext uri="{FF2B5EF4-FFF2-40B4-BE49-F238E27FC236}">
+                <a16:creationId xmlns:a16="http://schemas.microsoft.com/office/drawing/2014/main" id="{BB8C8C8A-B520-4D73-A2DC-0BA6D76D9F4A}"/>
+              </a:ext>
+            </a:extLst>
+          </p:cNvPr>
+          <p:cNvSpPr>
+            <a:spLocks noChangeAspect="1"/>
+          </p:cNvSpPr>
+          <p:nvPr/>
+        </p:nvSpPr>
+        <p:spPr>
+          <a:xfrm>
+            <a:off x="6941978" y="1551408"/>
+            <a:ext cx="98730" cy="98730"/>
+          </a:xfrm>
+          <a:prstGeom prst="flowChartConnector">
+            <a:avLst/>
+          </a:prstGeom>
+        </p:spPr>
+        <p:style>
+          <a:lnRef idx="2">
+            <a:schemeClr val="accent1">
+              <a:shade val="50000"/>
+            </a:schemeClr>
+          </a:lnRef>
+          <a:fillRef idx="1">
+            <a:schemeClr val="accent1"/>
+          </a:fillRef>
+          <a:effectRef idx="0">
+            <a:schemeClr val="accent1"/>
+          </a:effectRef>
+          <a:fontRef idx="minor">
+            <a:schemeClr val="lt1"/>
+          </a:fontRef>
+        </p:style>
+        <p:txBody>
+          <a:bodyPr rtlCol="0" anchor="ctr"/>
+          <a:lstStyle/>
+          <a:p>
+            <a:pPr algn="ctr"/>
+            <a:endParaRPr lang="en-GB"/>
+          </a:p>
+        </p:txBody>
+      </p:sp>
+      <p:sp>
+        <p:nvSpPr>
+          <p:cNvPr id="75" name="Flowchart: Connector 74">
+            <a:extLst>
+              <a:ext uri="{FF2B5EF4-FFF2-40B4-BE49-F238E27FC236}">
+                <a16:creationId xmlns:a16="http://schemas.microsoft.com/office/drawing/2014/main" id="{43D8FCC7-CD0C-45CC-9438-F820D24BCA39}"/>
+              </a:ext>
+            </a:extLst>
+          </p:cNvPr>
+          <p:cNvSpPr>
+            <a:spLocks noChangeAspect="1"/>
+          </p:cNvSpPr>
+          <p:nvPr/>
+        </p:nvSpPr>
+        <p:spPr>
+          <a:xfrm>
+            <a:off x="7094378" y="1703808"/>
+            <a:ext cx="98730" cy="98730"/>
+          </a:xfrm>
+          <a:prstGeom prst="flowChartConnector">
+            <a:avLst/>
+          </a:prstGeom>
+        </p:spPr>
+        <p:style>
+          <a:lnRef idx="2">
+            <a:schemeClr val="accent1">
+              <a:shade val="50000"/>
+            </a:schemeClr>
+          </a:lnRef>
+          <a:fillRef idx="1">
+            <a:schemeClr val="accent1"/>
+          </a:fillRef>
+          <a:effectRef idx="0">
+            <a:schemeClr val="accent1"/>
+          </a:effectRef>
+          <a:fontRef idx="minor">
+            <a:schemeClr val="lt1"/>
+          </a:fontRef>
+        </p:style>
+        <p:txBody>
+          <a:bodyPr rtlCol="0" anchor="ctr"/>
+          <a:lstStyle/>
+          <a:p>
+            <a:pPr algn="ctr"/>
+            <a:endParaRPr lang="en-GB"/>
+          </a:p>
+        </p:txBody>
+      </p:sp>
+      <p:sp>
+        <p:nvSpPr>
+          <p:cNvPr id="76" name="Flowchart: Connector 75">
+            <a:extLst>
+              <a:ext uri="{FF2B5EF4-FFF2-40B4-BE49-F238E27FC236}">
+                <a16:creationId xmlns:a16="http://schemas.microsoft.com/office/drawing/2014/main" id="{162EC39B-B8EC-42BF-9AD8-3B698F926EA5}"/>
+              </a:ext>
+            </a:extLst>
+          </p:cNvPr>
+          <p:cNvSpPr>
+            <a:spLocks noChangeAspect="1"/>
+          </p:cNvSpPr>
+          <p:nvPr/>
+        </p:nvSpPr>
+        <p:spPr>
+          <a:xfrm>
+            <a:off x="6930336" y="5194796"/>
+            <a:ext cx="98730" cy="98730"/>
+          </a:xfrm>
+          <a:prstGeom prst="flowChartConnector">
+            <a:avLst/>
+          </a:prstGeom>
+        </p:spPr>
+        <p:style>
+          <a:lnRef idx="2">
+            <a:schemeClr val="accent1">
+              <a:shade val="50000"/>
+            </a:schemeClr>
+          </a:lnRef>
+          <a:fillRef idx="1">
+            <a:schemeClr val="accent1"/>
+          </a:fillRef>
+          <a:effectRef idx="0">
+            <a:schemeClr val="accent1"/>
+          </a:effectRef>
+          <a:fontRef idx="minor">
+            <a:schemeClr val="lt1"/>
+          </a:fontRef>
+        </p:style>
+        <p:txBody>
+          <a:bodyPr rtlCol="0" anchor="ctr"/>
+          <a:lstStyle/>
+          <a:p>
+            <a:pPr algn="ctr"/>
+            <a:endParaRPr lang="en-GB"/>
+          </a:p>
+        </p:txBody>
+      </p:sp>
+      <p:sp>
+        <p:nvSpPr>
+          <p:cNvPr id="77" name="Flowchart: Connector 76">
+            <a:extLst>
+              <a:ext uri="{FF2B5EF4-FFF2-40B4-BE49-F238E27FC236}">
+                <a16:creationId xmlns:a16="http://schemas.microsoft.com/office/drawing/2014/main" id="{80B0EF39-6379-473E-834A-C45B1636C5E1}"/>
+              </a:ext>
+            </a:extLst>
+          </p:cNvPr>
+          <p:cNvSpPr>
+            <a:spLocks noChangeAspect="1"/>
+          </p:cNvSpPr>
+          <p:nvPr/>
+        </p:nvSpPr>
+        <p:spPr>
+          <a:xfrm>
+            <a:off x="6604593" y="5331295"/>
+            <a:ext cx="98730" cy="98730"/>
+          </a:xfrm>
+          <a:prstGeom prst="flowChartConnector">
+            <a:avLst/>
+          </a:prstGeom>
+        </p:spPr>
+        <p:style>
+          <a:lnRef idx="2">
+            <a:schemeClr val="accent1">
+              <a:shade val="50000"/>
+            </a:schemeClr>
+          </a:lnRef>
+          <a:fillRef idx="1">
+            <a:schemeClr val="accent1"/>
+          </a:fillRef>
+          <a:effectRef idx="0">
+            <a:schemeClr val="accent1"/>
+          </a:effectRef>
+          <a:fontRef idx="minor">
+            <a:schemeClr val="lt1"/>
+          </a:fontRef>
+        </p:style>
+        <p:txBody>
+          <a:bodyPr rtlCol="0" anchor="ctr"/>
+          <a:lstStyle/>
+          <a:p>
+            <a:pPr algn="ctr"/>
+            <a:endParaRPr lang="en-GB"/>
+          </a:p>
+        </p:txBody>
+      </p:sp>
+      <p:sp>
+        <p:nvSpPr>
+          <p:cNvPr id="78" name="Flowchart: Connector 77">
+            <a:extLst>
+              <a:ext uri="{FF2B5EF4-FFF2-40B4-BE49-F238E27FC236}">
+                <a16:creationId xmlns:a16="http://schemas.microsoft.com/office/drawing/2014/main" id="{F560978D-04E0-4EF1-91B0-5ACDB4525373}"/>
+              </a:ext>
+            </a:extLst>
+          </p:cNvPr>
+          <p:cNvSpPr>
+            <a:spLocks noChangeAspect="1"/>
+          </p:cNvSpPr>
+          <p:nvPr/>
+        </p:nvSpPr>
+        <p:spPr>
+          <a:xfrm>
+            <a:off x="6962646" y="5034366"/>
+            <a:ext cx="98730" cy="98730"/>
+          </a:xfrm>
+          <a:prstGeom prst="flowChartConnector">
+            <a:avLst/>
+          </a:prstGeom>
+        </p:spPr>
+        <p:style>
+          <a:lnRef idx="2">
+            <a:schemeClr val="accent1">
+              <a:shade val="50000"/>
+            </a:schemeClr>
+          </a:lnRef>
+          <a:fillRef idx="1">
+            <a:schemeClr val="accent1"/>
+          </a:fillRef>
+          <a:effectRef idx="0">
+            <a:schemeClr val="accent1"/>
+          </a:effectRef>
+          <a:fontRef idx="minor">
+            <a:schemeClr val="lt1"/>
+          </a:fontRef>
+        </p:style>
+        <p:txBody>
+          <a:bodyPr rtlCol="0" anchor="ctr"/>
+          <a:lstStyle/>
+          <a:p>
+            <a:pPr algn="ctr"/>
+            <a:endParaRPr lang="en-GB"/>
+          </a:p>
+        </p:txBody>
+      </p:sp>
+      <p:sp>
+        <p:nvSpPr>
+          <p:cNvPr id="79" name="Flowchart: Connector 78">
+            <a:extLst>
+              <a:ext uri="{FF2B5EF4-FFF2-40B4-BE49-F238E27FC236}">
+                <a16:creationId xmlns:a16="http://schemas.microsoft.com/office/drawing/2014/main" id="{42393383-8F51-488F-9B38-2D33D9221D25}"/>
+              </a:ext>
+            </a:extLst>
+          </p:cNvPr>
+          <p:cNvSpPr>
+            <a:spLocks noChangeAspect="1"/>
+          </p:cNvSpPr>
+          <p:nvPr/>
+        </p:nvSpPr>
+        <p:spPr>
+          <a:xfrm>
+            <a:off x="6707520" y="5112046"/>
+            <a:ext cx="98730" cy="98730"/>
+          </a:xfrm>
+          <a:prstGeom prst="flowChartConnector">
+            <a:avLst/>
+          </a:prstGeom>
+        </p:spPr>
+        <p:style>
+          <a:lnRef idx="2">
+            <a:schemeClr val="accent1">
+              <a:shade val="50000"/>
+            </a:schemeClr>
+          </a:lnRef>
+          <a:fillRef idx="1">
+            <a:schemeClr val="accent1"/>
+          </a:fillRef>
+          <a:effectRef idx="0">
+            <a:schemeClr val="accent1"/>
+          </a:effectRef>
+          <a:fontRef idx="minor">
+            <a:schemeClr val="lt1"/>
+          </a:fontRef>
+        </p:style>
+        <p:txBody>
+          <a:bodyPr rtlCol="0" anchor="ctr"/>
+          <a:lstStyle/>
+          <a:p>
+            <a:pPr algn="ctr"/>
+            <a:endParaRPr lang="en-GB"/>
+          </a:p>
+        </p:txBody>
+      </p:sp>
+      <p:sp>
+        <p:nvSpPr>
+          <p:cNvPr id="80" name="Flowchart: Connector 79">
+            <a:extLst>
+              <a:ext uri="{FF2B5EF4-FFF2-40B4-BE49-F238E27FC236}">
+                <a16:creationId xmlns:a16="http://schemas.microsoft.com/office/drawing/2014/main" id="{2E9D40C9-0E02-4A02-A9F3-5E7F693F1F9B}"/>
+              </a:ext>
+            </a:extLst>
+          </p:cNvPr>
+          <p:cNvSpPr>
+            <a:spLocks noChangeAspect="1"/>
+          </p:cNvSpPr>
+          <p:nvPr/>
+        </p:nvSpPr>
+        <p:spPr>
+          <a:xfrm>
+            <a:off x="7029066" y="4762085"/>
+            <a:ext cx="98730" cy="98730"/>
+          </a:xfrm>
+          <a:prstGeom prst="flowChartConnector">
+            <a:avLst/>
+          </a:prstGeom>
+        </p:spPr>
+        <p:style>
+          <a:lnRef idx="2">
+            <a:schemeClr val="accent1">
+              <a:shade val="50000"/>
+            </a:schemeClr>
+          </a:lnRef>
+          <a:fillRef idx="1">
+            <a:schemeClr val="accent1"/>
+          </a:fillRef>
+          <a:effectRef idx="0">
+            <a:schemeClr val="accent1"/>
+          </a:effectRef>
+          <a:fontRef idx="minor">
+            <a:schemeClr val="lt1"/>
+          </a:fontRef>
+        </p:style>
+        <p:txBody>
+          <a:bodyPr rtlCol="0" anchor="ctr"/>
+          <a:lstStyle/>
+          <a:p>
+            <a:pPr algn="ctr"/>
+            <a:endParaRPr lang="en-GB"/>
+          </a:p>
+        </p:txBody>
+      </p:sp>
+      <p:sp>
+        <p:nvSpPr>
+          <p:cNvPr id="81" name="Flowchart: Connector 80">
+            <a:extLst>
+              <a:ext uri="{FF2B5EF4-FFF2-40B4-BE49-F238E27FC236}">
+                <a16:creationId xmlns:a16="http://schemas.microsoft.com/office/drawing/2014/main" id="{AAC5A6F0-5A43-47C2-9D2C-A847CF811EDB}"/>
+              </a:ext>
+            </a:extLst>
+          </p:cNvPr>
+          <p:cNvSpPr>
+            <a:spLocks noChangeAspect="1"/>
+          </p:cNvSpPr>
+          <p:nvPr/>
+        </p:nvSpPr>
+        <p:spPr>
+          <a:xfrm>
+            <a:off x="6443893" y="5110253"/>
+            <a:ext cx="98730" cy="98730"/>
+          </a:xfrm>
+          <a:prstGeom prst="flowChartConnector">
+            <a:avLst/>
+          </a:prstGeom>
+        </p:spPr>
+        <p:style>
+          <a:lnRef idx="2">
+            <a:schemeClr val="accent1">
+              <a:shade val="50000"/>
+            </a:schemeClr>
+          </a:lnRef>
+          <a:fillRef idx="1">
+            <a:schemeClr val="accent1"/>
+          </a:fillRef>
+          <a:effectRef idx="0">
+            <a:schemeClr val="accent1"/>
+          </a:effectRef>
+          <a:fontRef idx="minor">
+            <a:schemeClr val="lt1"/>
+          </a:fontRef>
+        </p:style>
+        <p:txBody>
+          <a:bodyPr rtlCol="0" anchor="ctr"/>
+          <a:lstStyle/>
+          <a:p>
+            <a:pPr algn="ctr"/>
+            <a:endParaRPr lang="en-GB"/>
+          </a:p>
+        </p:txBody>
+      </p:sp>
+    </p:spTree>
+    <p:extLst>
+      <p:ext uri="{BB962C8B-B14F-4D97-AF65-F5344CB8AC3E}">
+        <p14:creationId xmlns:p14="http://schemas.microsoft.com/office/powerpoint/2010/main" val="4027332088"/>
+      </p:ext>
+    </p:extLst>
+  </p:cSld>
+  <p:clrMapOvr>
+    <a:masterClrMapping/>
+  </p:clrMapOvr>
+</p:sld>
+</file>
+
+<file path=ppt/slides/slide6.xml><?xml version="1.0" encoding="utf-8"?>
+<p:sld xmlns:a="http://schemas.openxmlformats.org/drawingml/2006/main" xmlns:r="http://schemas.openxmlformats.org/officeDocument/2006/relationships" xmlns:p="http://schemas.openxmlformats.org/presentationml/2006/main">
+  <p:cSld>
+    <p:spTree>
+      <p:nvGrpSpPr>
+        <p:cNvPr id="1" name=""/>
+        <p:cNvGrpSpPr/>
+        <p:nvPr/>
+      </p:nvGrpSpPr>
+      <p:grpSpPr>
+        <a:xfrm>
+          <a:off x="0" y="0"/>
+          <a:ext cx="0" cy="0"/>
+          <a:chOff x="0" y="0"/>
+          <a:chExt cx="0" cy="0"/>
+        </a:xfrm>
+      </p:grpSpPr>
       <p:sp>
         <p:nvSpPr>
           <p:cNvPr id="7" name="Flowchart: Connector 6">
@@ -14943,7 +18632,7 @@
             </p:nvSpPr>
             <p:spPr>
               <a:xfrm>
-                <a:off x="1644292" y="2628614"/>
+                <a:off x="1644292" y="2611196"/>
                 <a:ext cx="800100" cy="795528"/>
               </a:xfrm>
               <a:prstGeom prst="rect">
@@ -16108,7 +19797,7 @@
 </p:sld>
 </file>
 
-<file path=ppt/slides/slide6.xml><?xml version="1.0" encoding="utf-8"?>
+<file path=ppt/slides/slide7.xml><?xml version="1.0" encoding="utf-8"?>
 <p:sld xmlns:a="http://schemas.openxmlformats.org/drawingml/2006/main" xmlns:r="http://schemas.openxmlformats.org/officeDocument/2006/relationships" xmlns:p="http://schemas.openxmlformats.org/presentationml/2006/main">
   <p:cSld>
     <p:spTree>
@@ -16773,7 +20462,7 @@
 </p:sld>
 </file>
 
-<file path=ppt/slides/slide7.xml><?xml version="1.0" encoding="utf-8"?>
+<file path=ppt/slides/slide8.xml><?xml version="1.0" encoding="utf-8"?>
 <p:sld xmlns:a="http://schemas.openxmlformats.org/drawingml/2006/main" xmlns:r="http://schemas.openxmlformats.org/officeDocument/2006/relationships" xmlns:p="http://schemas.openxmlformats.org/presentationml/2006/main">
   <p:cSld>
     <p:spTree>
@@ -16818,7 +20507,7 @@
           <a:graphicData uri="http://schemas.openxmlformats.org/presentationml/2006/ole">
             <mc:AlternateContent xmlns:mc="http://schemas.openxmlformats.org/markup-compatibility/2006">
               <mc:Choice xmlns:v="urn:schemas-microsoft-com:vml" Requires="v">
-                <p:oleObj spid="_x0000_s1034" name="Worksheet" r:id="rId3" imgW="11763331" imgH="6296280" progId="Excel.Sheet.12">
+                <p:oleObj spid="_x0000_s1036" name="Worksheet" r:id="rId3" imgW="11763331" imgH="6296280" progId="Excel.Sheet.12">
                   <p:embed/>
                 </p:oleObj>
               </mc:Choice>
@@ -16866,7 +20555,7 @@
 </p:sld>
 </file>
 
-<file path=ppt/slides/slide8.xml><?xml version="1.0" encoding="utf-8"?>
+<file path=ppt/slides/slide9.xml><?xml version="1.0" encoding="utf-8"?>
 <p:sld xmlns:a="http://schemas.openxmlformats.org/drawingml/2006/main" xmlns:r="http://schemas.openxmlformats.org/officeDocument/2006/relationships" xmlns:p="http://schemas.openxmlformats.org/presentationml/2006/main">
   <p:cSld>
     <p:spTree>
@@ -17512,102 +21201,6 @@
     <p:extLst>
       <p:ext uri="{BB962C8B-B14F-4D97-AF65-F5344CB8AC3E}">
         <p14:creationId xmlns:p14="http://schemas.microsoft.com/office/powerpoint/2010/main" val="117233692"/>
-      </p:ext>
-    </p:extLst>
-  </p:cSld>
-  <p:clrMapOvr>
-    <a:masterClrMapping/>
-  </p:clrMapOvr>
-</p:sld>
-</file>
-
-<file path=ppt/slides/slide9.xml><?xml version="1.0" encoding="utf-8"?>
-<p:sld xmlns:a="http://schemas.openxmlformats.org/drawingml/2006/main" xmlns:r="http://schemas.openxmlformats.org/officeDocument/2006/relationships" xmlns:p="http://schemas.openxmlformats.org/presentationml/2006/main">
-  <p:cSld>
-    <p:spTree>
-      <p:nvGrpSpPr>
-        <p:cNvPr id="1" name=""/>
-        <p:cNvGrpSpPr/>
-        <p:nvPr/>
-      </p:nvGrpSpPr>
-      <p:grpSpPr>
-        <a:xfrm>
-          <a:off x="0" y="0"/>
-          <a:ext cx="0" cy="0"/>
-          <a:chOff x="0" y="0"/>
-          <a:chExt cx="0" cy="0"/>
-        </a:xfrm>
-      </p:grpSpPr>
-      <p:sp>
-        <p:nvSpPr>
-          <p:cNvPr id="4" name="TextBox 3">
-            <a:extLst>
-              <a:ext uri="{FF2B5EF4-FFF2-40B4-BE49-F238E27FC236}">
-                <a16:creationId xmlns:a16="http://schemas.microsoft.com/office/drawing/2014/main" id="{7DEE2069-AB74-430A-BD60-FB402FE016E1}"/>
-              </a:ext>
-            </a:extLst>
-          </p:cNvPr>
-          <p:cNvSpPr txBox="1"/>
-          <p:nvPr/>
-        </p:nvSpPr>
-        <p:spPr>
-          <a:xfrm>
-            <a:off x="4839286" y="858130"/>
-            <a:ext cx="1785169" cy="369332"/>
-          </a:xfrm>
-          <a:prstGeom prst="rect">
-            <a:avLst/>
-          </a:prstGeom>
-          <a:noFill/>
-        </p:spPr>
-        <p:txBody>
-          <a:bodyPr wrap="none" rtlCol="0">
-            <a:spAutoFit/>
-          </a:bodyPr>
-          <a:lstStyle/>
-          <a:p>
-            <a:r>
-              <a:rPr lang="de-DE" dirty="0"/>
-              <a:t>Warm White LED</a:t>
-            </a:r>
-            <a:endParaRPr lang="en-GB" dirty="0"/>
-          </a:p>
-        </p:txBody>
-      </p:sp>
-      <p:pic>
-        <p:nvPicPr>
-          <p:cNvPr id="5" name="Picture 4">
-            <a:extLst>
-              <a:ext uri="{FF2B5EF4-FFF2-40B4-BE49-F238E27FC236}">
-                <a16:creationId xmlns:a16="http://schemas.microsoft.com/office/drawing/2014/main" id="{34CB7B4F-0AF7-432E-AA62-0D2CB625F1C0}"/>
-              </a:ext>
-            </a:extLst>
-          </p:cNvPr>
-          <p:cNvPicPr>
-            <a:picLocks noChangeAspect="1"/>
-          </p:cNvPicPr>
-          <p:nvPr/>
-        </p:nvPicPr>
-        <p:blipFill>
-          <a:blip r:embed="rId2"/>
-          <a:stretch>
-            <a:fillRect/>
-          </a:stretch>
-        </p:blipFill>
-        <p:spPr>
-          <a:xfrm>
-            <a:off x="4695825" y="2171700"/>
-            <a:ext cx="2800350" cy="2514600"/>
-          </a:xfrm>
-          <a:prstGeom prst="rect">
-            <a:avLst/>
-          </a:prstGeom>
-        </p:spPr>
-      </p:pic>
-    </p:spTree>
-    <p:extLst>
-      <p:ext uri="{BB962C8B-B14F-4D97-AF65-F5344CB8AC3E}">
-        <p14:creationId xmlns:p14="http://schemas.microsoft.com/office/powerpoint/2010/main" val="1001993234"/>
       </p:ext>
     </p:extLst>
   </p:cSld>

--- a/setup/network.pptx
+++ b/setup/network.pptx
@@ -15153,7 +15153,7 @@
         <p:spPr>
           <a:xfrm>
             <a:off x="9014749" y="1685296"/>
-            <a:ext cx="991682" cy="369332"/>
+            <a:ext cx="1050352" cy="369332"/>
           </a:xfrm>
           <a:prstGeom prst="rect">
             <a:avLst/>
@@ -15167,10 +15167,9 @@
           <a:lstStyle/>
           <a:p>
             <a:r>
-              <a:rPr lang="en-GB" dirty="0" err="1"/>
-              <a:t>Refexion</a:t>
+              <a:rPr lang="en-GB" dirty="0"/>
+              <a:t>Reflexion</a:t>
             </a:r>
-            <a:endParaRPr lang="en-GB" dirty="0"/>
           </a:p>
         </p:txBody>
       </p:sp>
@@ -20507,7 +20506,7 @@
           <a:graphicData uri="http://schemas.openxmlformats.org/presentationml/2006/ole">
             <mc:AlternateContent xmlns:mc="http://schemas.openxmlformats.org/markup-compatibility/2006">
               <mc:Choice xmlns:v="urn:schemas-microsoft-com:vml" Requires="v">
-                <p:oleObj spid="_x0000_s1036" name="Worksheet" r:id="rId3" imgW="11763331" imgH="6296280" progId="Excel.Sheet.12">
+                <p:oleObj spid="_x0000_s1037" name="Worksheet" r:id="rId3" imgW="11763331" imgH="6296280" progId="Excel.Sheet.12">
                   <p:embed/>
                 </p:oleObj>
               </mc:Choice>

--- a/setup/network.pptx
+++ b/setup/network.pptx
@@ -13,9 +13,11 @@
     <p:sldId id="260" r:id="rId7"/>
     <p:sldId id="262" r:id="rId8"/>
     <p:sldId id="269" r:id="rId9"/>
-    <p:sldId id="270" r:id="rId10"/>
-    <p:sldId id="266" r:id="rId11"/>
-    <p:sldId id="268" r:id="rId12"/>
+    <p:sldId id="272" r:id="rId10"/>
+    <p:sldId id="273" r:id="rId11"/>
+    <p:sldId id="270" r:id="rId12"/>
+    <p:sldId id="266" r:id="rId13"/>
+    <p:sldId id="268" r:id="rId14"/>
   </p:sldIdLst>
   <p:sldSz cx="12192000" cy="6858000"/>
   <p:notesSz cx="6858000" cy="9144000"/>
@@ -143,6 +145,1265 @@
           <c:layoutTarget val="inner"/>
           <c:xMode val="edge"/>
           <c:yMode val="edge"/>
+          <c:x val="1.8019940609194617E-2"/>
+          <c:y val="3.7986672170106893E-2"/>
+          <c:w val="0.9564876126781432"/>
+          <c:h val="0.87367918343651674"/>
+        </c:manualLayout>
+      </c:layout>
+      <c:scatterChart>
+        <c:scatterStyle val="lineMarker"/>
+        <c:varyColors val="0"/>
+        <c:ser>
+          <c:idx val="0"/>
+          <c:order val="0"/>
+          <c:tx>
+            <c:strRef>
+              <c:f>'[Worksheet in network.pptx]Sheet1'!$B$1</c:f>
+              <c:strCache>
+                <c:ptCount val="1"/>
+                <c:pt idx="0">
+                  <c:v>LED</c:v>
+                </c:pt>
+              </c:strCache>
+            </c:strRef>
+          </c:tx>
+          <c:spPr>
+            <a:ln w="25400" cap="rnd">
+              <a:solidFill>
+                <a:schemeClr val="accent1"/>
+              </a:solidFill>
+              <a:round/>
+            </a:ln>
+            <a:effectLst/>
+          </c:spPr>
+          <c:marker>
+            <c:symbol val="none"/>
+          </c:marker>
+          <c:xVal>
+            <c:numRef>
+              <c:f>'[Worksheet in network.pptx]Sheet1'!$A$2:$A$200</c:f>
+              <c:numCache>
+                <c:formatCode>General</c:formatCode>
+                <c:ptCount val="199"/>
+                <c:pt idx="0">
+                  <c:v>100</c:v>
+                </c:pt>
+                <c:pt idx="1">
+                  <c:v>110</c:v>
+                </c:pt>
+                <c:pt idx="2">
+                  <c:v>120</c:v>
+                </c:pt>
+                <c:pt idx="3">
+                  <c:v>130</c:v>
+                </c:pt>
+                <c:pt idx="4">
+                  <c:v>140</c:v>
+                </c:pt>
+                <c:pt idx="5">
+                  <c:v>150</c:v>
+                </c:pt>
+                <c:pt idx="6">
+                  <c:v>160</c:v>
+                </c:pt>
+                <c:pt idx="7">
+                  <c:v>170</c:v>
+                </c:pt>
+                <c:pt idx="8">
+                  <c:v>180</c:v>
+                </c:pt>
+                <c:pt idx="9">
+                  <c:v>190</c:v>
+                </c:pt>
+                <c:pt idx="10">
+                  <c:v>200</c:v>
+                </c:pt>
+                <c:pt idx="11">
+                  <c:v>210</c:v>
+                </c:pt>
+                <c:pt idx="12">
+                  <c:v>220</c:v>
+                </c:pt>
+                <c:pt idx="13">
+                  <c:v>230</c:v>
+                </c:pt>
+                <c:pt idx="14">
+                  <c:v>240</c:v>
+                </c:pt>
+                <c:pt idx="15">
+                  <c:v>250</c:v>
+                </c:pt>
+                <c:pt idx="16">
+                  <c:v>260</c:v>
+                </c:pt>
+                <c:pt idx="17">
+                  <c:v>270</c:v>
+                </c:pt>
+                <c:pt idx="18">
+                  <c:v>280</c:v>
+                </c:pt>
+                <c:pt idx="19">
+                  <c:v>290</c:v>
+                </c:pt>
+                <c:pt idx="20">
+                  <c:v>300</c:v>
+                </c:pt>
+                <c:pt idx="21">
+                  <c:v>310</c:v>
+                </c:pt>
+                <c:pt idx="22">
+                  <c:v>320</c:v>
+                </c:pt>
+                <c:pt idx="23">
+                  <c:v>330</c:v>
+                </c:pt>
+                <c:pt idx="24">
+                  <c:v>340</c:v>
+                </c:pt>
+                <c:pt idx="25">
+                  <c:v>350</c:v>
+                </c:pt>
+                <c:pt idx="26">
+                  <c:v>355</c:v>
+                </c:pt>
+                <c:pt idx="27">
+                  <c:v>360</c:v>
+                </c:pt>
+                <c:pt idx="28">
+                  <c:v>370</c:v>
+                </c:pt>
+                <c:pt idx="29">
+                  <c:v>375</c:v>
+                </c:pt>
+                <c:pt idx="30">
+                  <c:v>380</c:v>
+                </c:pt>
+                <c:pt idx="31">
+                  <c:v>390</c:v>
+                </c:pt>
+                <c:pt idx="32">
+                  <c:v>400</c:v>
+                </c:pt>
+                <c:pt idx="33">
+                  <c:v>410</c:v>
+                </c:pt>
+                <c:pt idx="34">
+                  <c:v>420</c:v>
+                </c:pt>
+                <c:pt idx="35">
+                  <c:v>430</c:v>
+                </c:pt>
+                <c:pt idx="36">
+                  <c:v>440</c:v>
+                </c:pt>
+                <c:pt idx="37">
+                  <c:v>450</c:v>
+                </c:pt>
+                <c:pt idx="38">
+                  <c:v>460</c:v>
+                </c:pt>
+                <c:pt idx="39">
+                  <c:v>472</c:v>
+                </c:pt>
+                <c:pt idx="40">
+                  <c:v>480</c:v>
+                </c:pt>
+                <c:pt idx="41">
+                  <c:v>490</c:v>
+                </c:pt>
+                <c:pt idx="42">
+                  <c:v>500</c:v>
+                </c:pt>
+                <c:pt idx="43">
+                  <c:v>510</c:v>
+                </c:pt>
+                <c:pt idx="44">
+                  <c:v>525</c:v>
+                </c:pt>
+                <c:pt idx="45">
+                  <c:v>540</c:v>
+                </c:pt>
+                <c:pt idx="46">
+                  <c:v>550</c:v>
+                </c:pt>
+                <c:pt idx="47">
+                  <c:v>560</c:v>
+                </c:pt>
+                <c:pt idx="48">
+                  <c:v>570</c:v>
+                </c:pt>
+                <c:pt idx="49">
+                  <c:v>580</c:v>
+                </c:pt>
+                <c:pt idx="50">
+                  <c:v>590</c:v>
+                </c:pt>
+                <c:pt idx="51">
+                  <c:v>600</c:v>
+                </c:pt>
+                <c:pt idx="52">
+                  <c:v>608</c:v>
+                </c:pt>
+                <c:pt idx="53">
+                  <c:v>617</c:v>
+                </c:pt>
+                <c:pt idx="54">
+                  <c:v>626</c:v>
+                </c:pt>
+                <c:pt idx="55">
+                  <c:v>640</c:v>
+                </c:pt>
+                <c:pt idx="56">
+                  <c:v>650</c:v>
+                </c:pt>
+                <c:pt idx="57">
+                  <c:v>660</c:v>
+                </c:pt>
+                <c:pt idx="58">
+                  <c:v>670</c:v>
+                </c:pt>
+                <c:pt idx="59">
+                  <c:v>680</c:v>
+                </c:pt>
+                <c:pt idx="60">
+                  <c:v>690</c:v>
+                </c:pt>
+                <c:pt idx="61">
+                  <c:v>700</c:v>
+                </c:pt>
+                <c:pt idx="62">
+                  <c:v>710</c:v>
+                </c:pt>
+                <c:pt idx="63">
+                  <c:v>720</c:v>
+                </c:pt>
+                <c:pt idx="64">
+                  <c:v>730</c:v>
+                </c:pt>
+                <c:pt idx="65">
+                  <c:v>740</c:v>
+                </c:pt>
+                <c:pt idx="66">
+                  <c:v>750</c:v>
+                </c:pt>
+                <c:pt idx="67">
+                  <c:v>760</c:v>
+                </c:pt>
+                <c:pt idx="68">
+                  <c:v>770</c:v>
+                </c:pt>
+                <c:pt idx="69">
+                  <c:v>780</c:v>
+                </c:pt>
+                <c:pt idx="70">
+                  <c:v>790</c:v>
+                </c:pt>
+                <c:pt idx="71">
+                  <c:v>800</c:v>
+                </c:pt>
+                <c:pt idx="72">
+                  <c:v>810</c:v>
+                </c:pt>
+                <c:pt idx="73">
+                  <c:v>820</c:v>
+                </c:pt>
+                <c:pt idx="74">
+                  <c:v>830</c:v>
+                </c:pt>
+                <c:pt idx="75">
+                  <c:v>840</c:v>
+                </c:pt>
+                <c:pt idx="76">
+                  <c:v>850</c:v>
+                </c:pt>
+                <c:pt idx="77">
+                  <c:v>860</c:v>
+                </c:pt>
+                <c:pt idx="78">
+                  <c:v>870</c:v>
+                </c:pt>
+                <c:pt idx="79">
+                  <c:v>880</c:v>
+                </c:pt>
+                <c:pt idx="80">
+                  <c:v>890</c:v>
+                </c:pt>
+                <c:pt idx="81">
+                  <c:v>900</c:v>
+                </c:pt>
+              </c:numCache>
+            </c:numRef>
+          </c:xVal>
+          <c:yVal>
+            <c:numRef>
+              <c:f>'[Worksheet in network.pptx]Sheet1'!$B$2:$B$200</c:f>
+              <c:numCache>
+                <c:formatCode>General</c:formatCode>
+                <c:ptCount val="199"/>
+                <c:pt idx="0">
+                  <c:v>0</c:v>
+                </c:pt>
+                <c:pt idx="1">
+                  <c:v>0</c:v>
+                </c:pt>
+                <c:pt idx="2">
+                  <c:v>0</c:v>
+                </c:pt>
+                <c:pt idx="3">
+                  <c:v>0</c:v>
+                </c:pt>
+                <c:pt idx="4">
+                  <c:v>0</c:v>
+                </c:pt>
+                <c:pt idx="5">
+                  <c:v>0</c:v>
+                </c:pt>
+                <c:pt idx="6">
+                  <c:v>0</c:v>
+                </c:pt>
+                <c:pt idx="7">
+                  <c:v>0</c:v>
+                </c:pt>
+                <c:pt idx="8">
+                  <c:v>0</c:v>
+                </c:pt>
+                <c:pt idx="9">
+                  <c:v>0</c:v>
+                </c:pt>
+                <c:pt idx="10">
+                  <c:v>0</c:v>
+                </c:pt>
+                <c:pt idx="11">
+                  <c:v>0</c:v>
+                </c:pt>
+                <c:pt idx="12">
+                  <c:v>0</c:v>
+                </c:pt>
+                <c:pt idx="13">
+                  <c:v>0</c:v>
+                </c:pt>
+                <c:pt idx="14">
+                  <c:v>0</c:v>
+                </c:pt>
+                <c:pt idx="15">
+                  <c:v>0</c:v>
+                </c:pt>
+                <c:pt idx="16">
+                  <c:v>0</c:v>
+                </c:pt>
+                <c:pt idx="17">
+                  <c:v>0</c:v>
+                </c:pt>
+                <c:pt idx="18">
+                  <c:v>0</c:v>
+                </c:pt>
+                <c:pt idx="19">
+                  <c:v>0</c:v>
+                </c:pt>
+                <c:pt idx="20">
+                  <c:v>0</c:v>
+                </c:pt>
+                <c:pt idx="21">
+                  <c:v>0</c:v>
+                </c:pt>
+                <c:pt idx="22">
+                  <c:v>0</c:v>
+                </c:pt>
+                <c:pt idx="23">
+                  <c:v>0</c:v>
+                </c:pt>
+                <c:pt idx="24">
+                  <c:v>0</c:v>
+                </c:pt>
+                <c:pt idx="25">
+                  <c:v>0</c:v>
+                </c:pt>
+                <c:pt idx="26">
+                  <c:v>0</c:v>
+                </c:pt>
+                <c:pt idx="27">
+                  <c:v>0.02</c:v>
+                </c:pt>
+                <c:pt idx="28">
+                  <c:v>0.42</c:v>
+                </c:pt>
+                <c:pt idx="29">
+                  <c:v>1</c:v>
+                </c:pt>
+                <c:pt idx="30">
+                  <c:v>0.49</c:v>
+                </c:pt>
+                <c:pt idx="31">
+                  <c:v>7.0000000000000007E-2</c:v>
+                </c:pt>
+                <c:pt idx="32">
+                  <c:v>0.02</c:v>
+                </c:pt>
+                <c:pt idx="33">
+                  <c:v>0.01</c:v>
+                </c:pt>
+                <c:pt idx="34">
+                  <c:v>0.01</c:v>
+                </c:pt>
+                <c:pt idx="35">
+                  <c:v>1.4999999999999999E-2</c:v>
+                </c:pt>
+                <c:pt idx="36">
+                  <c:v>3.5000000000000003E-2</c:v>
+                </c:pt>
+                <c:pt idx="37">
+                  <c:v>0.09</c:v>
+                </c:pt>
+                <c:pt idx="38">
+                  <c:v>0.41</c:v>
+                </c:pt>
+                <c:pt idx="39">
+                  <c:v>1</c:v>
+                </c:pt>
+                <c:pt idx="40">
+                  <c:v>0.74</c:v>
+                </c:pt>
+                <c:pt idx="41">
+                  <c:v>0.38</c:v>
+                </c:pt>
+                <c:pt idx="42">
+                  <c:v>0.19</c:v>
+                </c:pt>
+                <c:pt idx="43">
+                  <c:v>0.52</c:v>
+                </c:pt>
+                <c:pt idx="44">
+                  <c:v>1</c:v>
+                </c:pt>
+                <c:pt idx="45">
+                  <c:v>0.61</c:v>
+                </c:pt>
+                <c:pt idx="46">
+                  <c:v>0.38</c:v>
+                </c:pt>
+                <c:pt idx="47">
+                  <c:v>0.22</c:v>
+                </c:pt>
+                <c:pt idx="48">
+                  <c:v>0.12</c:v>
+                </c:pt>
+                <c:pt idx="49">
+                  <c:v>7.0000000000000007E-2</c:v>
+                </c:pt>
+                <c:pt idx="50">
+                  <c:v>0.05</c:v>
+                </c:pt>
+                <c:pt idx="51">
+                  <c:v>0.06</c:v>
+                </c:pt>
+                <c:pt idx="52">
+                  <c:v>0.12</c:v>
+                </c:pt>
+                <c:pt idx="53">
+                  <c:v>0.32</c:v>
+                </c:pt>
+                <c:pt idx="54">
+                  <c:v>1</c:v>
+                </c:pt>
+                <c:pt idx="55">
+                  <c:v>0.52</c:v>
+                </c:pt>
+                <c:pt idx="56">
+                  <c:v>0.21</c:v>
+                </c:pt>
+                <c:pt idx="57">
+                  <c:v>0.05</c:v>
+                </c:pt>
+                <c:pt idx="58">
+                  <c:v>0.01</c:v>
+                </c:pt>
+                <c:pt idx="59">
+                  <c:v>0</c:v>
+                </c:pt>
+                <c:pt idx="60">
+                  <c:v>0</c:v>
+                </c:pt>
+                <c:pt idx="61">
+                  <c:v>0</c:v>
+                </c:pt>
+                <c:pt idx="62">
+                  <c:v>0</c:v>
+                </c:pt>
+                <c:pt idx="63">
+                  <c:v>0</c:v>
+                </c:pt>
+                <c:pt idx="64">
+                  <c:v>0</c:v>
+                </c:pt>
+                <c:pt idx="65">
+                  <c:v>0</c:v>
+                </c:pt>
+                <c:pt idx="66">
+                  <c:v>0</c:v>
+                </c:pt>
+                <c:pt idx="67">
+                  <c:v>0</c:v>
+                </c:pt>
+                <c:pt idx="68">
+                  <c:v>0</c:v>
+                </c:pt>
+                <c:pt idx="69">
+                  <c:v>5.0000000000000001E-3</c:v>
+                </c:pt>
+                <c:pt idx="70">
+                  <c:v>0.02</c:v>
+                </c:pt>
+                <c:pt idx="71">
+                  <c:v>0.06</c:v>
+                </c:pt>
+                <c:pt idx="72">
+                  <c:v>0.15</c:v>
+                </c:pt>
+                <c:pt idx="73">
+                  <c:v>0.35</c:v>
+                </c:pt>
+                <c:pt idx="74">
+                  <c:v>0.6</c:v>
+                </c:pt>
+                <c:pt idx="75">
+                  <c:v>0.83</c:v>
+                </c:pt>
+                <c:pt idx="76">
+                  <c:v>1</c:v>
+                </c:pt>
+                <c:pt idx="77">
+                  <c:v>0.85</c:v>
+                </c:pt>
+                <c:pt idx="78">
+                  <c:v>0.63</c:v>
+                </c:pt>
+                <c:pt idx="79">
+                  <c:v>0.42</c:v>
+                </c:pt>
+                <c:pt idx="80">
+                  <c:v>0.24</c:v>
+                </c:pt>
+                <c:pt idx="81">
+                  <c:v>0.17</c:v>
+                </c:pt>
+              </c:numCache>
+            </c:numRef>
+          </c:yVal>
+          <c:smooth val="1"/>
+          <c:extLst>
+            <c:ext xmlns:c16="http://schemas.microsoft.com/office/drawing/2014/chart" uri="{C3380CC4-5D6E-409C-BE32-E72D297353CC}">
+              <c16:uniqueId val="{00000000-516F-432A-BAF9-F4B02F22965C}"/>
+            </c:ext>
+          </c:extLst>
+        </c:ser>
+        <c:ser>
+          <c:idx val="1"/>
+          <c:order val="1"/>
+          <c:tx>
+            <c:strRef>
+              <c:f>'[Worksheet in network.pptx]Sheet1'!$C$1</c:f>
+              <c:strCache>
+                <c:ptCount val="1"/>
+                <c:pt idx="0">
+                  <c:v>Sensor</c:v>
+                </c:pt>
+              </c:strCache>
+            </c:strRef>
+          </c:tx>
+          <c:spPr>
+            <a:ln w="19050" cap="rnd">
+              <a:solidFill>
+                <a:schemeClr val="accent2"/>
+              </a:solidFill>
+              <a:round/>
+            </a:ln>
+            <a:effectLst/>
+          </c:spPr>
+          <c:marker>
+            <c:symbol val="none"/>
+          </c:marker>
+          <c:xVal>
+            <c:numRef>
+              <c:f>'[Worksheet in network.pptx]Sheet1'!$A$2:$A$83</c:f>
+              <c:numCache>
+                <c:formatCode>General</c:formatCode>
+                <c:ptCount val="82"/>
+                <c:pt idx="0">
+                  <c:v>100</c:v>
+                </c:pt>
+                <c:pt idx="1">
+                  <c:v>110</c:v>
+                </c:pt>
+                <c:pt idx="2">
+                  <c:v>120</c:v>
+                </c:pt>
+                <c:pt idx="3">
+                  <c:v>130</c:v>
+                </c:pt>
+                <c:pt idx="4">
+                  <c:v>140</c:v>
+                </c:pt>
+                <c:pt idx="5">
+                  <c:v>150</c:v>
+                </c:pt>
+                <c:pt idx="6">
+                  <c:v>160</c:v>
+                </c:pt>
+                <c:pt idx="7">
+                  <c:v>170</c:v>
+                </c:pt>
+                <c:pt idx="8">
+                  <c:v>180</c:v>
+                </c:pt>
+                <c:pt idx="9">
+                  <c:v>190</c:v>
+                </c:pt>
+                <c:pt idx="10">
+                  <c:v>200</c:v>
+                </c:pt>
+                <c:pt idx="11">
+                  <c:v>210</c:v>
+                </c:pt>
+                <c:pt idx="12">
+                  <c:v>220</c:v>
+                </c:pt>
+                <c:pt idx="13">
+                  <c:v>230</c:v>
+                </c:pt>
+                <c:pt idx="14">
+                  <c:v>240</c:v>
+                </c:pt>
+                <c:pt idx="15">
+                  <c:v>250</c:v>
+                </c:pt>
+                <c:pt idx="16">
+                  <c:v>260</c:v>
+                </c:pt>
+                <c:pt idx="17">
+                  <c:v>270</c:v>
+                </c:pt>
+                <c:pt idx="18">
+                  <c:v>280</c:v>
+                </c:pt>
+                <c:pt idx="19">
+                  <c:v>290</c:v>
+                </c:pt>
+                <c:pt idx="20">
+                  <c:v>300</c:v>
+                </c:pt>
+                <c:pt idx="21">
+                  <c:v>310</c:v>
+                </c:pt>
+                <c:pt idx="22">
+                  <c:v>320</c:v>
+                </c:pt>
+                <c:pt idx="23">
+                  <c:v>330</c:v>
+                </c:pt>
+                <c:pt idx="24">
+                  <c:v>340</c:v>
+                </c:pt>
+                <c:pt idx="25">
+                  <c:v>350</c:v>
+                </c:pt>
+                <c:pt idx="26">
+                  <c:v>355</c:v>
+                </c:pt>
+                <c:pt idx="27">
+                  <c:v>360</c:v>
+                </c:pt>
+                <c:pt idx="28">
+                  <c:v>370</c:v>
+                </c:pt>
+                <c:pt idx="29">
+                  <c:v>375</c:v>
+                </c:pt>
+                <c:pt idx="30">
+                  <c:v>380</c:v>
+                </c:pt>
+                <c:pt idx="31">
+                  <c:v>390</c:v>
+                </c:pt>
+                <c:pt idx="32">
+                  <c:v>400</c:v>
+                </c:pt>
+                <c:pt idx="33">
+                  <c:v>410</c:v>
+                </c:pt>
+                <c:pt idx="34">
+                  <c:v>420</c:v>
+                </c:pt>
+                <c:pt idx="35">
+                  <c:v>430</c:v>
+                </c:pt>
+                <c:pt idx="36">
+                  <c:v>440</c:v>
+                </c:pt>
+                <c:pt idx="37">
+                  <c:v>450</c:v>
+                </c:pt>
+                <c:pt idx="38">
+                  <c:v>460</c:v>
+                </c:pt>
+                <c:pt idx="39">
+                  <c:v>472</c:v>
+                </c:pt>
+                <c:pt idx="40">
+                  <c:v>480</c:v>
+                </c:pt>
+                <c:pt idx="41">
+                  <c:v>490</c:v>
+                </c:pt>
+                <c:pt idx="42">
+                  <c:v>500</c:v>
+                </c:pt>
+                <c:pt idx="43">
+                  <c:v>510</c:v>
+                </c:pt>
+                <c:pt idx="44">
+                  <c:v>525</c:v>
+                </c:pt>
+                <c:pt idx="45">
+                  <c:v>540</c:v>
+                </c:pt>
+                <c:pt idx="46">
+                  <c:v>550</c:v>
+                </c:pt>
+                <c:pt idx="47">
+                  <c:v>560</c:v>
+                </c:pt>
+                <c:pt idx="48">
+                  <c:v>570</c:v>
+                </c:pt>
+                <c:pt idx="49">
+                  <c:v>580</c:v>
+                </c:pt>
+                <c:pt idx="50">
+                  <c:v>590</c:v>
+                </c:pt>
+                <c:pt idx="51">
+                  <c:v>600</c:v>
+                </c:pt>
+                <c:pt idx="52">
+                  <c:v>608</c:v>
+                </c:pt>
+                <c:pt idx="53">
+                  <c:v>617</c:v>
+                </c:pt>
+                <c:pt idx="54">
+                  <c:v>626</c:v>
+                </c:pt>
+                <c:pt idx="55">
+                  <c:v>640</c:v>
+                </c:pt>
+                <c:pt idx="56">
+                  <c:v>650</c:v>
+                </c:pt>
+                <c:pt idx="57">
+                  <c:v>660</c:v>
+                </c:pt>
+                <c:pt idx="58">
+                  <c:v>670</c:v>
+                </c:pt>
+                <c:pt idx="59">
+                  <c:v>680</c:v>
+                </c:pt>
+                <c:pt idx="60">
+                  <c:v>690</c:v>
+                </c:pt>
+                <c:pt idx="61">
+                  <c:v>700</c:v>
+                </c:pt>
+                <c:pt idx="62">
+                  <c:v>710</c:v>
+                </c:pt>
+                <c:pt idx="63">
+                  <c:v>720</c:v>
+                </c:pt>
+                <c:pt idx="64">
+                  <c:v>730</c:v>
+                </c:pt>
+                <c:pt idx="65">
+                  <c:v>740</c:v>
+                </c:pt>
+                <c:pt idx="66">
+                  <c:v>750</c:v>
+                </c:pt>
+                <c:pt idx="67">
+                  <c:v>760</c:v>
+                </c:pt>
+                <c:pt idx="68">
+                  <c:v>770</c:v>
+                </c:pt>
+                <c:pt idx="69">
+                  <c:v>780</c:v>
+                </c:pt>
+                <c:pt idx="70">
+                  <c:v>790</c:v>
+                </c:pt>
+                <c:pt idx="71">
+                  <c:v>800</c:v>
+                </c:pt>
+                <c:pt idx="72">
+                  <c:v>810</c:v>
+                </c:pt>
+                <c:pt idx="73">
+                  <c:v>820</c:v>
+                </c:pt>
+                <c:pt idx="74">
+                  <c:v>830</c:v>
+                </c:pt>
+                <c:pt idx="75">
+                  <c:v>840</c:v>
+                </c:pt>
+                <c:pt idx="76">
+                  <c:v>850</c:v>
+                </c:pt>
+                <c:pt idx="77">
+                  <c:v>860</c:v>
+                </c:pt>
+                <c:pt idx="78">
+                  <c:v>870</c:v>
+                </c:pt>
+                <c:pt idx="79">
+                  <c:v>880</c:v>
+                </c:pt>
+                <c:pt idx="80">
+                  <c:v>890</c:v>
+                </c:pt>
+                <c:pt idx="81">
+                  <c:v>900</c:v>
+                </c:pt>
+              </c:numCache>
+            </c:numRef>
+          </c:xVal>
+          <c:yVal>
+            <c:numRef>
+              <c:f>'[Worksheet in network.pptx]Sheet1'!$C$2:$C$83</c:f>
+              <c:numCache>
+                <c:formatCode>General</c:formatCode>
+                <c:ptCount val="82"/>
+                <c:pt idx="0">
+                  <c:v>0</c:v>
+                </c:pt>
+                <c:pt idx="1">
+                  <c:v>0</c:v>
+                </c:pt>
+                <c:pt idx="2">
+                  <c:v>0</c:v>
+                </c:pt>
+                <c:pt idx="3">
+                  <c:v>0</c:v>
+                </c:pt>
+                <c:pt idx="4">
+                  <c:v>0</c:v>
+                </c:pt>
+                <c:pt idx="5">
+                  <c:v>0</c:v>
+                </c:pt>
+                <c:pt idx="6">
+                  <c:v>0</c:v>
+                </c:pt>
+                <c:pt idx="7">
+                  <c:v>0</c:v>
+                </c:pt>
+                <c:pt idx="8">
+                  <c:v>0</c:v>
+                </c:pt>
+                <c:pt idx="9">
+                  <c:v>0</c:v>
+                </c:pt>
+                <c:pt idx="10">
+                  <c:v>5.0000000000000001E-3</c:v>
+                </c:pt>
+                <c:pt idx="11">
+                  <c:v>7.0000000000000001E-3</c:v>
+                </c:pt>
+                <c:pt idx="12">
+                  <c:v>0.01</c:v>
+                </c:pt>
+                <c:pt idx="13">
+                  <c:v>1.4999999999999999E-2</c:v>
+                </c:pt>
+                <c:pt idx="14">
+                  <c:v>0.02</c:v>
+                </c:pt>
+                <c:pt idx="15">
+                  <c:v>2.5000000000000001E-2</c:v>
+                </c:pt>
+                <c:pt idx="16">
+                  <c:v>0.03</c:v>
+                </c:pt>
+                <c:pt idx="17">
+                  <c:v>3.5000000000000003E-2</c:v>
+                </c:pt>
+                <c:pt idx="18">
+                  <c:v>0.04</c:v>
+                </c:pt>
+                <c:pt idx="19">
+                  <c:v>4.4999999999999998E-2</c:v>
+                </c:pt>
+                <c:pt idx="20">
+                  <c:v>0.05</c:v>
+                </c:pt>
+                <c:pt idx="21">
+                  <c:v>0.06</c:v>
+                </c:pt>
+                <c:pt idx="22">
+                  <c:v>0.1</c:v>
+                </c:pt>
+                <c:pt idx="23">
+                  <c:v>0.25</c:v>
+                </c:pt>
+                <c:pt idx="24">
+                  <c:v>0.5</c:v>
+                </c:pt>
+                <c:pt idx="25">
+                  <c:v>0.9</c:v>
+                </c:pt>
+                <c:pt idx="26">
+                  <c:v>1</c:v>
+                </c:pt>
+                <c:pt idx="27">
+                  <c:v>0.92</c:v>
+                </c:pt>
+                <c:pt idx="28">
+                  <c:v>0.76</c:v>
+                </c:pt>
+                <c:pt idx="29">
+                  <c:v>0.66</c:v>
+                </c:pt>
+                <c:pt idx="30">
+                  <c:v>0.52</c:v>
+                </c:pt>
+                <c:pt idx="31">
+                  <c:v>0.32</c:v>
+                </c:pt>
+                <c:pt idx="32">
+                  <c:v>0.18</c:v>
+                </c:pt>
+                <c:pt idx="33">
+                  <c:v>0.1</c:v>
+                </c:pt>
+                <c:pt idx="34">
+                  <c:v>6.5000000000000002E-2</c:v>
+                </c:pt>
+                <c:pt idx="35">
+                  <c:v>7.1999999999999995E-2</c:v>
+                </c:pt>
+                <c:pt idx="36">
+                  <c:v>0.09</c:v>
+                </c:pt>
+                <c:pt idx="37">
+                  <c:v>0.13</c:v>
+                </c:pt>
+                <c:pt idx="38">
+                  <c:v>0.185</c:v>
+                </c:pt>
+                <c:pt idx="39">
+                  <c:v>0.28000000000000003</c:v>
+                </c:pt>
+                <c:pt idx="40">
+                  <c:v>0.37</c:v>
+                </c:pt>
+                <c:pt idx="41">
+                  <c:v>0.48</c:v>
+                </c:pt>
+                <c:pt idx="42">
+                  <c:v>0.56999999999999995</c:v>
+                </c:pt>
+                <c:pt idx="43">
+                  <c:v>0.65</c:v>
+                </c:pt>
+                <c:pt idx="44">
+                  <c:v>0.747</c:v>
+                </c:pt>
+                <c:pt idx="45">
+                  <c:v>0.82</c:v>
+                </c:pt>
+                <c:pt idx="46">
+                  <c:v>0.86</c:v>
+                </c:pt>
+                <c:pt idx="47">
+                  <c:v>0.89</c:v>
+                </c:pt>
+                <c:pt idx="48">
+                  <c:v>0.91500000000000004</c:v>
+                </c:pt>
+                <c:pt idx="49">
+                  <c:v>0.93500000000000005</c:v>
+                </c:pt>
+                <c:pt idx="50">
+                  <c:v>0.94899999999999995</c:v>
+                </c:pt>
+                <c:pt idx="51">
+                  <c:v>0.95</c:v>
+                </c:pt>
+                <c:pt idx="52">
+                  <c:v>0.93500000000000005</c:v>
+                </c:pt>
+                <c:pt idx="53">
+                  <c:v>0.90500000000000003</c:v>
+                </c:pt>
+                <c:pt idx="54">
+                  <c:v>0.88</c:v>
+                </c:pt>
+                <c:pt idx="55">
+                  <c:v>0.99</c:v>
+                </c:pt>
+                <c:pt idx="56">
+                  <c:v>1</c:v>
+                </c:pt>
+                <c:pt idx="57">
+                  <c:v>0.99</c:v>
+                </c:pt>
+                <c:pt idx="58">
+                  <c:v>0.98</c:v>
+                </c:pt>
+                <c:pt idx="59">
+                  <c:v>0.96499999999999997</c:v>
+                </c:pt>
+                <c:pt idx="60">
+                  <c:v>0.95499999999999996</c:v>
+                </c:pt>
+                <c:pt idx="61">
+                  <c:v>0.96</c:v>
+                </c:pt>
+                <c:pt idx="62">
+                  <c:v>0.96499999999999997</c:v>
+                </c:pt>
+                <c:pt idx="63">
+                  <c:v>0.97</c:v>
+                </c:pt>
+                <c:pt idx="64">
+                  <c:v>0.95</c:v>
+                </c:pt>
+                <c:pt idx="65">
+                  <c:v>0.92</c:v>
+                </c:pt>
+                <c:pt idx="66">
+                  <c:v>0.9</c:v>
+                </c:pt>
+                <c:pt idx="67">
+                  <c:v>0.88</c:v>
+                </c:pt>
+                <c:pt idx="68">
+                  <c:v>0.86</c:v>
+                </c:pt>
+                <c:pt idx="69">
+                  <c:v>0.84</c:v>
+                </c:pt>
+                <c:pt idx="70">
+                  <c:v>0.85</c:v>
+                </c:pt>
+                <c:pt idx="71">
+                  <c:v>0.86</c:v>
+                </c:pt>
+                <c:pt idx="72">
+                  <c:v>0.82</c:v>
+                </c:pt>
+                <c:pt idx="73">
+                  <c:v>0.79</c:v>
+                </c:pt>
+                <c:pt idx="74">
+                  <c:v>0.76</c:v>
+                </c:pt>
+                <c:pt idx="75">
+                  <c:v>0.73</c:v>
+                </c:pt>
+                <c:pt idx="76">
+                  <c:v>0.7</c:v>
+                </c:pt>
+                <c:pt idx="77">
+                  <c:v>0.66500000000000004</c:v>
+                </c:pt>
+                <c:pt idx="78">
+                  <c:v>0.625</c:v>
+                </c:pt>
+                <c:pt idx="79">
+                  <c:v>0.58499999999999996</c:v>
+                </c:pt>
+                <c:pt idx="80">
+                  <c:v>0.54500000000000004</c:v>
+                </c:pt>
+                <c:pt idx="81">
+                  <c:v>0.5</c:v>
+                </c:pt>
+              </c:numCache>
+            </c:numRef>
+          </c:yVal>
+          <c:smooth val="1"/>
+          <c:extLst>
+            <c:ext xmlns:c16="http://schemas.microsoft.com/office/drawing/2014/chart" uri="{C3380CC4-5D6E-409C-BE32-E72D297353CC}">
+              <c16:uniqueId val="{00000001-516F-432A-BAF9-F4B02F22965C}"/>
+            </c:ext>
+          </c:extLst>
+        </c:ser>
+        <c:dLbls>
+          <c:showLegendKey val="0"/>
+          <c:showVal val="0"/>
+          <c:showCatName val="0"/>
+          <c:showSerName val="0"/>
+          <c:showPercent val="0"/>
+          <c:showBubbleSize val="0"/>
+        </c:dLbls>
+        <c:axId val="560877728"/>
+        <c:axId val="560870840"/>
+      </c:scatterChart>
+      <c:valAx>
+        <c:axId val="560877728"/>
+        <c:scaling>
+          <c:orientation val="minMax"/>
+          <c:max val="900"/>
+          <c:min val="100"/>
+        </c:scaling>
+        <c:delete val="0"/>
+        <c:axPos val="b"/>
+        <c:majorGridlines>
+          <c:spPr>
+            <a:ln w="9525" cap="flat" cmpd="sng" algn="ctr">
+              <a:solidFill>
+                <a:schemeClr val="tx1">
+                  <a:lumMod val="15000"/>
+                  <a:lumOff val="85000"/>
+                </a:schemeClr>
+              </a:solidFill>
+              <a:round/>
+            </a:ln>
+            <a:effectLst/>
+          </c:spPr>
+        </c:majorGridlines>
+        <c:numFmt formatCode="General" sourceLinked="1"/>
+        <c:majorTickMark val="none"/>
+        <c:minorTickMark val="none"/>
+        <c:tickLblPos val="nextTo"/>
+        <c:spPr>
+          <a:noFill/>
+          <a:ln w="9525" cap="flat" cmpd="sng" algn="ctr">
+            <a:solidFill>
+              <a:schemeClr val="tx1">
+                <a:lumMod val="25000"/>
+                <a:lumOff val="75000"/>
+              </a:schemeClr>
+            </a:solidFill>
+            <a:round/>
+          </a:ln>
+          <a:effectLst/>
+        </c:spPr>
+        <c:txPr>
+          <a:bodyPr rot="-60000000" spcFirstLastPara="1" vertOverflow="ellipsis" vert="horz" wrap="square" anchor="ctr" anchorCtr="1"/>
+          <a:lstStyle/>
+          <a:p>
+            <a:pPr>
+              <a:defRPr sz="900" b="0" i="0" u="none" strike="noStrike" kern="1200" baseline="0">
+                <a:solidFill>
+                  <a:schemeClr val="tx1">
+                    <a:lumMod val="65000"/>
+                    <a:lumOff val="35000"/>
+                  </a:schemeClr>
+                </a:solidFill>
+                <a:latin typeface="+mn-lt"/>
+                <a:ea typeface="+mn-ea"/>
+                <a:cs typeface="+mn-cs"/>
+              </a:defRPr>
+            </a:pPr>
+            <a:endParaRPr lang="en-US"/>
+          </a:p>
+        </c:txPr>
+        <c:crossAx val="560870840"/>
+        <c:crosses val="autoZero"/>
+        <c:crossBetween val="midCat"/>
+        <c:majorUnit val="20"/>
+        <c:minorUnit val="10"/>
+      </c:valAx>
+      <c:valAx>
+        <c:axId val="560870840"/>
+        <c:scaling>
+          <c:orientation val="minMax"/>
+          <c:max val="1"/>
+          <c:min val="0"/>
+        </c:scaling>
+        <c:delete val="1"/>
+        <c:axPos val="l"/>
+        <c:majorGridlines>
+          <c:spPr>
+            <a:ln w="9525" cap="flat" cmpd="sng" algn="ctr">
+              <a:solidFill>
+                <a:schemeClr val="tx1">
+                  <a:lumMod val="15000"/>
+                  <a:lumOff val="85000"/>
+                </a:schemeClr>
+              </a:solidFill>
+              <a:round/>
+            </a:ln>
+            <a:effectLst/>
+          </c:spPr>
+        </c:majorGridlines>
+        <c:numFmt formatCode="General" sourceLinked="1"/>
+        <c:majorTickMark val="out"/>
+        <c:minorTickMark val="none"/>
+        <c:tickLblPos val="nextTo"/>
+        <c:crossAx val="560877728"/>
+        <c:crosses val="autoZero"/>
+        <c:crossBetween val="midCat"/>
+      </c:valAx>
+      <c:spPr>
+        <a:noFill/>
+        <a:ln>
+          <a:noFill/>
+        </a:ln>
+        <a:effectLst/>
+      </c:spPr>
+    </c:plotArea>
+    <c:plotVisOnly val="1"/>
+    <c:dispBlanksAs val="gap"/>
+    <c:showDLblsOverMax val="0"/>
+  </c:chart>
+  <c:spPr>
+    <a:noFill/>
+    <a:ln>
+      <a:noFill/>
+    </a:ln>
+    <a:effectLst/>
+  </c:spPr>
+  <c:txPr>
+    <a:bodyPr/>
+    <a:lstStyle/>
+    <a:p>
+      <a:pPr>
+        <a:defRPr/>
+      </a:pPr>
+      <a:endParaRPr lang="en-US"/>
+    </a:p>
+  </c:txPr>
+  <c:externalData r:id="rId3">
+    <c:autoUpdate val="0"/>
+  </c:externalData>
+</c:chartSpace>
+</file>
+
+<file path=ppt/charts/chart2.xml><?xml version="1.0" encoding="utf-8"?>
+<c:chartSpace xmlns:c="http://schemas.openxmlformats.org/drawingml/2006/chart" xmlns:a="http://schemas.openxmlformats.org/drawingml/2006/main" xmlns:r="http://schemas.openxmlformats.org/officeDocument/2006/relationships" xmlns:c16r2="http://schemas.microsoft.com/office/drawing/2015/06/chart">
+  <c:date1904 val="0"/>
+  <c:lang val="en-US"/>
+  <c:roundedCorners val="0"/>
+  <mc:AlternateContent xmlns:mc="http://schemas.openxmlformats.org/markup-compatibility/2006">
+    <mc:Choice xmlns:c14="http://schemas.microsoft.com/office/drawing/2007/8/2/chart" Requires="c14">
+      <c14:style val="102"/>
+    </mc:Choice>
+    <mc:Fallback>
+      <c:style val="2"/>
+    </mc:Fallback>
+  </mc:AlternateContent>
+  <c:chart>
+    <c:autoTitleDeleted val="1"/>
+    <c:plotArea>
+      <c:layout>
+        <c:manualLayout>
+          <c:layoutTarget val="inner"/>
+          <c:xMode val="edge"/>
+          <c:yMode val="edge"/>
           <c:x val="2.3577716319632049E-2"/>
           <c:y val="3.979631805718762E-2"/>
           <c:w val="0.95963277743356667"/>
@@ -873,7 +2134,563 @@
 </cs:colorStyle>
 </file>
 
+<file path=ppt/charts/colors2.xml><?xml version="1.0" encoding="utf-8"?>
+<cs:colorStyle xmlns:cs="http://schemas.microsoft.com/office/drawing/2012/chartStyle" xmlns:a="http://schemas.openxmlformats.org/drawingml/2006/main" meth="cycle" id="10">
+  <a:schemeClr val="accent1"/>
+  <a:schemeClr val="accent2"/>
+  <a:schemeClr val="accent3"/>
+  <a:schemeClr val="accent4"/>
+  <a:schemeClr val="accent5"/>
+  <a:schemeClr val="accent6"/>
+  <cs:variation/>
+  <cs:variation>
+    <a:lumMod val="60000"/>
+  </cs:variation>
+  <cs:variation>
+    <a:lumMod val="80000"/>
+    <a:lumOff val="20000"/>
+  </cs:variation>
+  <cs:variation>
+    <a:lumMod val="80000"/>
+  </cs:variation>
+  <cs:variation>
+    <a:lumMod val="60000"/>
+    <a:lumOff val="40000"/>
+  </cs:variation>
+  <cs:variation>
+    <a:lumMod val="50000"/>
+  </cs:variation>
+  <cs:variation>
+    <a:lumMod val="70000"/>
+    <a:lumOff val="30000"/>
+  </cs:variation>
+  <cs:variation>
+    <a:lumMod val="70000"/>
+  </cs:variation>
+  <cs:variation>
+    <a:lumMod val="50000"/>
+    <a:lumOff val="50000"/>
+  </cs:variation>
+</cs:colorStyle>
+</file>
+
 <file path=ppt/charts/style1.xml><?xml version="1.0" encoding="utf-8"?>
+<cs:chartStyle xmlns:cs="http://schemas.microsoft.com/office/drawing/2012/chartStyle" xmlns:a="http://schemas.openxmlformats.org/drawingml/2006/main" id="240">
+  <cs:axisTitle>
+    <cs:lnRef idx="0"/>
+    <cs:fillRef idx="0"/>
+    <cs:effectRef idx="0"/>
+    <cs:fontRef idx="minor">
+      <a:schemeClr val="tx1">
+        <a:lumMod val="65000"/>
+        <a:lumOff val="35000"/>
+      </a:schemeClr>
+    </cs:fontRef>
+    <cs:defRPr sz="1000" kern="1200"/>
+  </cs:axisTitle>
+  <cs:categoryAxis>
+    <cs:lnRef idx="0"/>
+    <cs:fillRef idx="0"/>
+    <cs:effectRef idx="0"/>
+    <cs:fontRef idx="minor">
+      <a:schemeClr val="tx1">
+        <a:lumMod val="65000"/>
+        <a:lumOff val="35000"/>
+      </a:schemeClr>
+    </cs:fontRef>
+    <cs:spPr>
+      <a:ln w="9525" cap="flat" cmpd="sng" algn="ctr">
+        <a:solidFill>
+          <a:schemeClr val="tx1">
+            <a:lumMod val="25000"/>
+            <a:lumOff val="75000"/>
+          </a:schemeClr>
+        </a:solidFill>
+        <a:round/>
+      </a:ln>
+    </cs:spPr>
+    <cs:defRPr sz="900" kern="1200"/>
+  </cs:categoryAxis>
+  <cs:chartArea mods="allowNoFillOverride allowNoLineOverride">
+    <cs:lnRef idx="0"/>
+    <cs:fillRef idx="0"/>
+    <cs:effectRef idx="0"/>
+    <cs:fontRef idx="minor">
+      <a:schemeClr val="tx1"/>
+    </cs:fontRef>
+    <cs:spPr>
+      <a:solidFill>
+        <a:schemeClr val="bg1"/>
+      </a:solidFill>
+      <a:ln w="9525" cap="flat" cmpd="sng" algn="ctr">
+        <a:solidFill>
+          <a:schemeClr val="tx1">
+            <a:lumMod val="15000"/>
+            <a:lumOff val="85000"/>
+          </a:schemeClr>
+        </a:solidFill>
+        <a:round/>
+      </a:ln>
+    </cs:spPr>
+    <cs:defRPr sz="1000" kern="1200"/>
+  </cs:chartArea>
+  <cs:dataLabel>
+    <cs:lnRef idx="0"/>
+    <cs:fillRef idx="0"/>
+    <cs:effectRef idx="0"/>
+    <cs:fontRef idx="minor">
+      <a:schemeClr val="tx1">
+        <a:lumMod val="75000"/>
+        <a:lumOff val="25000"/>
+      </a:schemeClr>
+    </cs:fontRef>
+    <cs:defRPr sz="900" kern="1200"/>
+  </cs:dataLabel>
+  <cs:dataLabelCallout>
+    <cs:lnRef idx="0"/>
+    <cs:fillRef idx="0"/>
+    <cs:effectRef idx="0"/>
+    <cs:fontRef idx="minor">
+      <a:schemeClr val="dk1">
+        <a:lumMod val="65000"/>
+        <a:lumOff val="35000"/>
+      </a:schemeClr>
+    </cs:fontRef>
+    <cs:spPr>
+      <a:solidFill>
+        <a:schemeClr val="lt1"/>
+      </a:solidFill>
+      <a:ln>
+        <a:solidFill>
+          <a:schemeClr val="dk1">
+            <a:lumMod val="25000"/>
+            <a:lumOff val="75000"/>
+          </a:schemeClr>
+        </a:solidFill>
+      </a:ln>
+    </cs:spPr>
+    <cs:defRPr sz="900" kern="1200"/>
+    <cs:bodyPr rot="0" spcFirstLastPara="1" vertOverflow="clip" horzOverflow="clip" vert="horz" wrap="square" lIns="36576" tIns="18288" rIns="36576" bIns="18288" anchor="ctr" anchorCtr="1">
+      <a:spAutoFit/>
+    </cs:bodyPr>
+  </cs:dataLabelCallout>
+  <cs:dataPoint>
+    <cs:lnRef idx="0"/>
+    <cs:fillRef idx="1">
+      <cs:styleClr val="auto"/>
+    </cs:fillRef>
+    <cs:effectRef idx="0"/>
+    <cs:fontRef idx="minor">
+      <a:schemeClr val="tx1"/>
+    </cs:fontRef>
+  </cs:dataPoint>
+  <cs:dataPoint3D>
+    <cs:lnRef idx="0"/>
+    <cs:fillRef idx="1">
+      <cs:styleClr val="auto"/>
+    </cs:fillRef>
+    <cs:effectRef idx="0"/>
+    <cs:fontRef idx="minor">
+      <a:schemeClr val="tx1"/>
+    </cs:fontRef>
+  </cs:dataPoint3D>
+  <cs:dataPointLine>
+    <cs:lnRef idx="0">
+      <cs:styleClr val="auto"/>
+    </cs:lnRef>
+    <cs:fillRef idx="1"/>
+    <cs:effectRef idx="0"/>
+    <cs:fontRef idx="minor">
+      <a:schemeClr val="tx1"/>
+    </cs:fontRef>
+    <cs:spPr>
+      <a:ln w="19050" cap="rnd">
+        <a:solidFill>
+          <a:schemeClr val="phClr"/>
+        </a:solidFill>
+        <a:round/>
+      </a:ln>
+    </cs:spPr>
+  </cs:dataPointLine>
+  <cs:dataPointMarker>
+    <cs:lnRef idx="0">
+      <cs:styleClr val="auto"/>
+    </cs:lnRef>
+    <cs:fillRef idx="1">
+      <cs:styleClr val="auto"/>
+    </cs:fillRef>
+    <cs:effectRef idx="0"/>
+    <cs:fontRef idx="minor">
+      <a:schemeClr val="tx1"/>
+    </cs:fontRef>
+    <cs:spPr>
+      <a:ln w="9525">
+        <a:solidFill>
+          <a:schemeClr val="phClr"/>
+        </a:solidFill>
+      </a:ln>
+    </cs:spPr>
+  </cs:dataPointMarker>
+  <cs:dataPointMarkerLayout symbol="circle" size="5"/>
+  <cs:dataPointWireframe>
+    <cs:lnRef idx="0">
+      <cs:styleClr val="auto"/>
+    </cs:lnRef>
+    <cs:fillRef idx="0"/>
+    <cs:effectRef idx="0"/>
+    <cs:fontRef idx="minor">
+      <a:schemeClr val="dk1"/>
+    </cs:fontRef>
+    <cs:spPr>
+      <a:ln w="9525" cap="rnd">
+        <a:solidFill>
+          <a:schemeClr val="phClr"/>
+        </a:solidFill>
+        <a:round/>
+      </a:ln>
+    </cs:spPr>
+  </cs:dataPointWireframe>
+  <cs:dataTable>
+    <cs:lnRef idx="0"/>
+    <cs:fillRef idx="0"/>
+    <cs:effectRef idx="0"/>
+    <cs:fontRef idx="minor">
+      <a:schemeClr val="tx1">
+        <a:lumMod val="65000"/>
+        <a:lumOff val="35000"/>
+      </a:schemeClr>
+    </cs:fontRef>
+    <cs:spPr>
+      <a:noFill/>
+      <a:ln w="9525" cap="flat" cmpd="sng" algn="ctr">
+        <a:solidFill>
+          <a:schemeClr val="tx1">
+            <a:lumMod val="15000"/>
+            <a:lumOff val="85000"/>
+          </a:schemeClr>
+        </a:solidFill>
+        <a:round/>
+      </a:ln>
+    </cs:spPr>
+    <cs:defRPr sz="900" kern="1200"/>
+  </cs:dataTable>
+  <cs:downBar>
+    <cs:lnRef idx="0"/>
+    <cs:fillRef idx="0"/>
+    <cs:effectRef idx="0"/>
+    <cs:fontRef idx="minor">
+      <a:schemeClr val="tx1"/>
+    </cs:fontRef>
+    <cs:spPr>
+      <a:solidFill>
+        <a:schemeClr val="dk1">
+          <a:lumMod val="75000"/>
+          <a:lumOff val="25000"/>
+        </a:schemeClr>
+      </a:solidFill>
+      <a:ln w="9525" cap="flat" cmpd="sng" algn="ctr">
+        <a:solidFill>
+          <a:schemeClr val="tx1">
+            <a:lumMod val="65000"/>
+            <a:lumOff val="35000"/>
+          </a:schemeClr>
+        </a:solidFill>
+        <a:round/>
+      </a:ln>
+    </cs:spPr>
+  </cs:downBar>
+  <cs:dropLine>
+    <cs:lnRef idx="0"/>
+    <cs:fillRef idx="0"/>
+    <cs:effectRef idx="0"/>
+    <cs:fontRef idx="minor">
+      <a:schemeClr val="tx1"/>
+    </cs:fontRef>
+    <cs:spPr>
+      <a:ln w="9525" cap="flat" cmpd="sng" algn="ctr">
+        <a:solidFill>
+          <a:schemeClr val="tx1">
+            <a:lumMod val="35000"/>
+            <a:lumOff val="65000"/>
+          </a:schemeClr>
+        </a:solidFill>
+        <a:round/>
+      </a:ln>
+    </cs:spPr>
+  </cs:dropLine>
+  <cs:errorBar>
+    <cs:lnRef idx="0"/>
+    <cs:fillRef idx="0"/>
+    <cs:effectRef idx="0"/>
+    <cs:fontRef idx="minor">
+      <a:schemeClr val="tx1"/>
+    </cs:fontRef>
+    <cs:spPr>
+      <a:ln w="9525" cap="flat" cmpd="sng" algn="ctr">
+        <a:solidFill>
+          <a:schemeClr val="tx1">
+            <a:lumMod val="65000"/>
+            <a:lumOff val="35000"/>
+          </a:schemeClr>
+        </a:solidFill>
+        <a:round/>
+      </a:ln>
+    </cs:spPr>
+  </cs:errorBar>
+  <cs:floor>
+    <cs:lnRef idx="0"/>
+    <cs:fillRef idx="0"/>
+    <cs:effectRef idx="0"/>
+    <cs:fontRef idx="minor">
+      <a:schemeClr val="tx1"/>
+    </cs:fontRef>
+    <cs:spPr>
+      <a:noFill/>
+      <a:ln>
+        <a:noFill/>
+      </a:ln>
+    </cs:spPr>
+  </cs:floor>
+  <cs:gridlineMajor>
+    <cs:lnRef idx="0"/>
+    <cs:fillRef idx="0"/>
+    <cs:effectRef idx="0"/>
+    <cs:fontRef idx="minor">
+      <a:schemeClr val="tx1"/>
+    </cs:fontRef>
+    <cs:spPr>
+      <a:ln w="9525" cap="flat" cmpd="sng" algn="ctr">
+        <a:solidFill>
+          <a:schemeClr val="tx1">
+            <a:lumMod val="15000"/>
+            <a:lumOff val="85000"/>
+          </a:schemeClr>
+        </a:solidFill>
+        <a:round/>
+      </a:ln>
+    </cs:spPr>
+  </cs:gridlineMajor>
+  <cs:gridlineMinor>
+    <cs:lnRef idx="0"/>
+    <cs:fillRef idx="0"/>
+    <cs:effectRef idx="0"/>
+    <cs:fontRef idx="minor">
+      <a:schemeClr val="tx1"/>
+    </cs:fontRef>
+    <cs:spPr>
+      <a:ln w="9525" cap="flat" cmpd="sng" algn="ctr">
+        <a:solidFill>
+          <a:schemeClr val="tx1">
+            <a:lumMod val="5000"/>
+            <a:lumOff val="95000"/>
+          </a:schemeClr>
+        </a:solidFill>
+        <a:round/>
+      </a:ln>
+    </cs:spPr>
+  </cs:gridlineMinor>
+  <cs:hiLoLine>
+    <cs:lnRef idx="0"/>
+    <cs:fillRef idx="0"/>
+    <cs:effectRef idx="0"/>
+    <cs:fontRef idx="minor">
+      <a:schemeClr val="tx1"/>
+    </cs:fontRef>
+    <cs:spPr>
+      <a:ln w="9525" cap="flat" cmpd="sng" algn="ctr">
+        <a:solidFill>
+          <a:schemeClr val="tx1">
+            <a:lumMod val="50000"/>
+            <a:lumOff val="50000"/>
+          </a:schemeClr>
+        </a:solidFill>
+        <a:round/>
+      </a:ln>
+    </cs:spPr>
+  </cs:hiLoLine>
+  <cs:leaderLine>
+    <cs:lnRef idx="0"/>
+    <cs:fillRef idx="0"/>
+    <cs:effectRef idx="0"/>
+    <cs:fontRef idx="minor">
+      <a:schemeClr val="tx1"/>
+    </cs:fontRef>
+    <cs:spPr>
+      <a:ln w="9525" cap="flat" cmpd="sng" algn="ctr">
+        <a:solidFill>
+          <a:schemeClr val="tx1">
+            <a:lumMod val="35000"/>
+            <a:lumOff val="65000"/>
+          </a:schemeClr>
+        </a:solidFill>
+        <a:round/>
+      </a:ln>
+    </cs:spPr>
+  </cs:leaderLine>
+  <cs:legend>
+    <cs:lnRef idx="0"/>
+    <cs:fillRef idx="0"/>
+    <cs:effectRef idx="0"/>
+    <cs:fontRef idx="minor">
+      <a:schemeClr val="tx1">
+        <a:lumMod val="65000"/>
+        <a:lumOff val="35000"/>
+      </a:schemeClr>
+    </cs:fontRef>
+    <cs:defRPr sz="900" kern="1200"/>
+  </cs:legend>
+  <cs:plotArea mods="allowNoFillOverride allowNoLineOverride">
+    <cs:lnRef idx="0"/>
+    <cs:fillRef idx="0"/>
+    <cs:effectRef idx="0"/>
+    <cs:fontRef idx="minor">
+      <a:schemeClr val="tx1"/>
+    </cs:fontRef>
+  </cs:plotArea>
+  <cs:plotArea3D mods="allowNoFillOverride allowNoLineOverride">
+    <cs:lnRef idx="0"/>
+    <cs:fillRef idx="0"/>
+    <cs:effectRef idx="0"/>
+    <cs:fontRef idx="minor">
+      <a:schemeClr val="tx1"/>
+    </cs:fontRef>
+  </cs:plotArea3D>
+  <cs:seriesAxis>
+    <cs:lnRef idx="0"/>
+    <cs:fillRef idx="0"/>
+    <cs:effectRef idx="0"/>
+    <cs:fontRef idx="minor">
+      <a:schemeClr val="tx1">
+        <a:lumMod val="65000"/>
+        <a:lumOff val="35000"/>
+      </a:schemeClr>
+    </cs:fontRef>
+    <cs:defRPr sz="900" kern="1200"/>
+  </cs:seriesAxis>
+  <cs:seriesLine>
+    <cs:lnRef idx="0"/>
+    <cs:fillRef idx="0"/>
+    <cs:effectRef idx="0"/>
+    <cs:fontRef idx="minor">
+      <a:schemeClr val="tx1"/>
+    </cs:fontRef>
+    <cs:spPr>
+      <a:ln w="9525" cap="flat" cmpd="sng" algn="ctr">
+        <a:solidFill>
+          <a:schemeClr val="tx1">
+            <a:lumMod val="35000"/>
+            <a:lumOff val="65000"/>
+          </a:schemeClr>
+        </a:solidFill>
+        <a:round/>
+      </a:ln>
+    </cs:spPr>
+  </cs:seriesLine>
+  <cs:title>
+    <cs:lnRef idx="0"/>
+    <cs:fillRef idx="0"/>
+    <cs:effectRef idx="0"/>
+    <cs:fontRef idx="minor">
+      <a:schemeClr val="tx1">
+        <a:lumMod val="65000"/>
+        <a:lumOff val="35000"/>
+      </a:schemeClr>
+    </cs:fontRef>
+    <cs:defRPr sz="1400" b="0" kern="1200" spc="0" baseline="0"/>
+  </cs:title>
+  <cs:trendline>
+    <cs:lnRef idx="0">
+      <cs:styleClr val="auto"/>
+    </cs:lnRef>
+    <cs:fillRef idx="0"/>
+    <cs:effectRef idx="0"/>
+    <cs:fontRef idx="minor">
+      <a:schemeClr val="tx1"/>
+    </cs:fontRef>
+    <cs:spPr>
+      <a:ln w="19050" cap="rnd">
+        <a:solidFill>
+          <a:schemeClr val="phClr"/>
+        </a:solidFill>
+        <a:prstDash val="sysDot"/>
+      </a:ln>
+    </cs:spPr>
+  </cs:trendline>
+  <cs:trendlineLabel>
+    <cs:lnRef idx="0"/>
+    <cs:fillRef idx="0"/>
+    <cs:effectRef idx="0"/>
+    <cs:fontRef idx="minor">
+      <a:schemeClr val="tx1">
+        <a:lumMod val="65000"/>
+        <a:lumOff val="35000"/>
+      </a:schemeClr>
+    </cs:fontRef>
+    <cs:defRPr sz="900" kern="1200"/>
+  </cs:trendlineLabel>
+  <cs:upBar>
+    <cs:lnRef idx="0"/>
+    <cs:fillRef idx="0"/>
+    <cs:effectRef idx="0"/>
+    <cs:fontRef idx="minor">
+      <a:schemeClr val="tx1"/>
+    </cs:fontRef>
+    <cs:spPr>
+      <a:solidFill>
+        <a:schemeClr val="lt1"/>
+      </a:solidFill>
+      <a:ln w="9525" cap="flat" cmpd="sng" algn="ctr">
+        <a:solidFill>
+          <a:schemeClr val="tx1">
+            <a:lumMod val="65000"/>
+            <a:lumOff val="35000"/>
+          </a:schemeClr>
+        </a:solidFill>
+        <a:round/>
+      </a:ln>
+    </cs:spPr>
+  </cs:upBar>
+  <cs:valueAxis>
+    <cs:lnRef idx="0"/>
+    <cs:fillRef idx="0"/>
+    <cs:effectRef idx="0"/>
+    <cs:fontRef idx="minor">
+      <a:schemeClr val="tx1">
+        <a:lumMod val="65000"/>
+        <a:lumOff val="35000"/>
+      </a:schemeClr>
+    </cs:fontRef>
+    <cs:spPr>
+      <a:ln w="9525" cap="flat" cmpd="sng" algn="ctr">
+        <a:solidFill>
+          <a:schemeClr val="tx1">
+            <a:lumMod val="25000"/>
+            <a:lumOff val="75000"/>
+          </a:schemeClr>
+        </a:solidFill>
+        <a:round/>
+      </a:ln>
+    </cs:spPr>
+    <cs:defRPr sz="900" kern="1200"/>
+  </cs:valueAxis>
+  <cs:wall>
+    <cs:lnRef idx="0"/>
+    <cs:fillRef idx="0"/>
+    <cs:effectRef idx="0"/>
+    <cs:fontRef idx="minor">
+      <a:schemeClr val="tx1"/>
+    </cs:fontRef>
+    <cs:spPr>
+      <a:noFill/>
+      <a:ln>
+        <a:noFill/>
+      </a:ln>
+    </cs:spPr>
+  </cs:wall>
+</cs:chartStyle>
+</file>
+
+<file path=ppt/charts/style2.xml><?xml version="1.0" encoding="utf-8"?>
 <cs:chartStyle xmlns:cs="http://schemas.microsoft.com/office/drawing/2012/chartStyle" xmlns:a="http://schemas.openxmlformats.org/drawingml/2006/main" id="240">
   <cs:axisTitle>
     <cs:lnRef idx="0"/>
@@ -2527,7 +4344,7 @@
           <a:p>
             <a:fld id="{C3F690FB-D2F8-4FAA-B5D4-40764D6363E4}" type="datetimeFigureOut">
               <a:rPr lang="en-GB" smtClean="0"/>
-              <a:t>18/12/2020</a:t>
+              <a:t>19/12/2020</a:t>
             </a:fld>
             <a:endParaRPr lang="en-GB"/>
           </a:p>
@@ -2727,7 +4544,7 @@
           <a:p>
             <a:fld id="{C3F690FB-D2F8-4FAA-B5D4-40764D6363E4}" type="datetimeFigureOut">
               <a:rPr lang="en-GB" smtClean="0"/>
-              <a:t>18/12/2020</a:t>
+              <a:t>19/12/2020</a:t>
             </a:fld>
             <a:endParaRPr lang="en-GB"/>
           </a:p>
@@ -2937,7 +4754,7 @@
           <a:p>
             <a:fld id="{C3F690FB-D2F8-4FAA-B5D4-40764D6363E4}" type="datetimeFigureOut">
               <a:rPr lang="en-GB" smtClean="0"/>
-              <a:t>18/12/2020</a:t>
+              <a:t>19/12/2020</a:t>
             </a:fld>
             <a:endParaRPr lang="en-GB"/>
           </a:p>
@@ -3137,7 +4954,7 @@
           <a:p>
             <a:fld id="{C3F690FB-D2F8-4FAA-B5D4-40764D6363E4}" type="datetimeFigureOut">
               <a:rPr lang="en-GB" smtClean="0"/>
-              <a:t>18/12/2020</a:t>
+              <a:t>19/12/2020</a:t>
             </a:fld>
             <a:endParaRPr lang="en-GB"/>
           </a:p>
@@ -3413,7 +5230,7 @@
           <a:p>
             <a:fld id="{C3F690FB-D2F8-4FAA-B5D4-40764D6363E4}" type="datetimeFigureOut">
               <a:rPr lang="en-GB" smtClean="0"/>
-              <a:t>18/12/2020</a:t>
+              <a:t>19/12/2020</a:t>
             </a:fld>
             <a:endParaRPr lang="en-GB"/>
           </a:p>
@@ -3681,7 +5498,7 @@
           <a:p>
             <a:fld id="{C3F690FB-D2F8-4FAA-B5D4-40764D6363E4}" type="datetimeFigureOut">
               <a:rPr lang="en-GB" smtClean="0"/>
-              <a:t>18/12/2020</a:t>
+              <a:t>19/12/2020</a:t>
             </a:fld>
             <a:endParaRPr lang="en-GB"/>
           </a:p>
@@ -4096,7 +5913,7 @@
           <a:p>
             <a:fld id="{C3F690FB-D2F8-4FAA-B5D4-40764D6363E4}" type="datetimeFigureOut">
               <a:rPr lang="en-GB" smtClean="0"/>
-              <a:t>18/12/2020</a:t>
+              <a:t>19/12/2020</a:t>
             </a:fld>
             <a:endParaRPr lang="en-GB"/>
           </a:p>
@@ -4238,7 +6055,7 @@
           <a:p>
             <a:fld id="{C3F690FB-D2F8-4FAA-B5D4-40764D6363E4}" type="datetimeFigureOut">
               <a:rPr lang="en-GB" smtClean="0"/>
-              <a:t>18/12/2020</a:t>
+              <a:t>19/12/2020</a:t>
             </a:fld>
             <a:endParaRPr lang="en-GB"/>
           </a:p>
@@ -4351,7 +6168,7 @@
           <a:p>
             <a:fld id="{C3F690FB-D2F8-4FAA-B5D4-40764D6363E4}" type="datetimeFigureOut">
               <a:rPr lang="en-GB" smtClean="0"/>
-              <a:t>18/12/2020</a:t>
+              <a:t>19/12/2020</a:t>
             </a:fld>
             <a:endParaRPr lang="en-GB"/>
           </a:p>
@@ -4664,7 +6481,7 @@
           <a:p>
             <a:fld id="{C3F690FB-D2F8-4FAA-B5D4-40764D6363E4}" type="datetimeFigureOut">
               <a:rPr lang="en-GB" smtClean="0"/>
-              <a:t>18/12/2020</a:t>
+              <a:t>19/12/2020</a:t>
             </a:fld>
             <a:endParaRPr lang="en-GB"/>
           </a:p>
@@ -4953,7 +6770,7 @@
           <a:p>
             <a:fld id="{C3F690FB-D2F8-4FAA-B5D4-40764D6363E4}" type="datetimeFigureOut">
               <a:rPr lang="en-GB" smtClean="0"/>
-              <a:t>18/12/2020</a:t>
+              <a:t>19/12/2020</a:t>
             </a:fld>
             <a:endParaRPr lang="en-GB"/>
           </a:p>
@@ -5196,7 +7013,7 @@
           <a:p>
             <a:fld id="{C3F690FB-D2F8-4FAA-B5D4-40764D6363E4}" type="datetimeFigureOut">
               <a:rPr lang="en-GB" smtClean="0"/>
-              <a:t>18/12/2020</a:t>
+              <a:t>19/12/2020</a:t>
             </a:fld>
             <a:endParaRPr lang="en-GB"/>
           </a:p>
@@ -8356,6 +10173,2087 @@
           <a:chExt cx="0" cy="0"/>
         </a:xfrm>
       </p:grpSpPr>
+      <p:graphicFrame>
+        <p:nvGraphicFramePr>
+          <p:cNvPr id="4" name="Chart 3">
+            <a:extLst>
+              <a:ext uri="{FF2B5EF4-FFF2-40B4-BE49-F238E27FC236}">
+                <a16:creationId xmlns:a16="http://schemas.microsoft.com/office/drawing/2014/main" id="{C45DB447-AA40-4F25-8F94-2F28FBEAE8EF}"/>
+              </a:ext>
+            </a:extLst>
+          </p:cNvPr>
+          <p:cNvGraphicFramePr>
+            <a:graphicFrameLocks/>
+          </p:cNvGraphicFramePr>
+          <p:nvPr>
+            <p:extLst>
+              <p:ext uri="{D42A27DB-BD31-4B8C-83A1-F6EECF244321}">
+                <p14:modId xmlns:p14="http://schemas.microsoft.com/office/powerpoint/2010/main" val="2276043261"/>
+              </p:ext>
+            </p:extLst>
+          </p:nvPr>
+        </p:nvGraphicFramePr>
+        <p:xfrm>
+          <a:off x="400049" y="1619249"/>
+          <a:ext cx="11563351" cy="3544587"/>
+        </p:xfrm>
+        <a:graphic>
+          <a:graphicData uri="http://schemas.openxmlformats.org/drawingml/2006/chart">
+            <c:chart xmlns:c="http://schemas.openxmlformats.org/drawingml/2006/chart" xmlns:r="http://schemas.openxmlformats.org/officeDocument/2006/relationships" r:id="rId2"/>
+          </a:graphicData>
+        </a:graphic>
+      </p:graphicFrame>
+      <p:cxnSp>
+        <p:nvCxnSpPr>
+          <p:cNvPr id="210" name="Straight Connector 209">
+            <a:extLst>
+              <a:ext uri="{FF2B5EF4-FFF2-40B4-BE49-F238E27FC236}">
+                <a16:creationId xmlns:a16="http://schemas.microsoft.com/office/drawing/2014/main" id="{E3A66CDF-6017-45E3-82C5-871978E274FB}"/>
+              </a:ext>
+            </a:extLst>
+          </p:cNvPr>
+          <p:cNvCxnSpPr/>
+          <p:nvPr/>
+        </p:nvCxnSpPr>
+        <p:spPr>
+          <a:xfrm>
+            <a:off x="603844" y="3295447"/>
+            <a:ext cx="11049000" cy="0"/>
+          </a:xfrm>
+          <a:prstGeom prst="line">
+            <a:avLst/>
+          </a:prstGeom>
+          <a:ln w="19050">
+            <a:solidFill>
+              <a:srgbClr val="00B050"/>
+            </a:solidFill>
+          </a:ln>
+        </p:spPr>
+        <p:style>
+          <a:lnRef idx="1">
+            <a:schemeClr val="accent1"/>
+          </a:lnRef>
+          <a:fillRef idx="0">
+            <a:schemeClr val="accent1"/>
+          </a:fillRef>
+          <a:effectRef idx="0">
+            <a:schemeClr val="accent1"/>
+          </a:effectRef>
+          <a:fontRef idx="minor">
+            <a:schemeClr val="tx1"/>
+          </a:fontRef>
+        </p:style>
+      </p:cxnSp>
+      <p:cxnSp>
+        <p:nvCxnSpPr>
+          <p:cNvPr id="211" name="Straight Connector 210">
+            <a:extLst>
+              <a:ext uri="{FF2B5EF4-FFF2-40B4-BE49-F238E27FC236}">
+                <a16:creationId xmlns:a16="http://schemas.microsoft.com/office/drawing/2014/main" id="{812FBCC3-C000-4B46-9494-54DF0CE50900}"/>
+              </a:ext>
+            </a:extLst>
+          </p:cNvPr>
+          <p:cNvCxnSpPr/>
+          <p:nvPr/>
+        </p:nvCxnSpPr>
+        <p:spPr>
+          <a:xfrm>
+            <a:off x="4391025" y="1742872"/>
+            <a:ext cx="0" cy="3114675"/>
+          </a:xfrm>
+          <a:prstGeom prst="line">
+            <a:avLst/>
+          </a:prstGeom>
+          <a:ln w="19050">
+            <a:solidFill>
+              <a:srgbClr val="00B050"/>
+            </a:solidFill>
+          </a:ln>
+        </p:spPr>
+        <p:style>
+          <a:lnRef idx="1">
+            <a:schemeClr val="accent1"/>
+          </a:lnRef>
+          <a:fillRef idx="0">
+            <a:schemeClr val="accent1"/>
+          </a:fillRef>
+          <a:effectRef idx="0">
+            <a:schemeClr val="accent1"/>
+          </a:effectRef>
+          <a:fontRef idx="minor">
+            <a:schemeClr val="tx1"/>
+          </a:fontRef>
+        </p:style>
+      </p:cxnSp>
+      <p:cxnSp>
+        <p:nvCxnSpPr>
+          <p:cNvPr id="212" name="Straight Connector 211">
+            <a:extLst>
+              <a:ext uri="{FF2B5EF4-FFF2-40B4-BE49-F238E27FC236}">
+                <a16:creationId xmlns:a16="http://schemas.microsoft.com/office/drawing/2014/main" id="{9CDD5CDE-200D-482D-8D79-4CB807E4916E}"/>
+              </a:ext>
+            </a:extLst>
+          </p:cNvPr>
+          <p:cNvCxnSpPr/>
+          <p:nvPr/>
+        </p:nvCxnSpPr>
+        <p:spPr>
+          <a:xfrm>
+            <a:off x="5762625" y="1742872"/>
+            <a:ext cx="0" cy="3105150"/>
+          </a:xfrm>
+          <a:prstGeom prst="line">
+            <a:avLst/>
+          </a:prstGeom>
+          <a:ln w="19050">
+            <a:solidFill>
+              <a:srgbClr val="00B050"/>
+            </a:solidFill>
+          </a:ln>
+        </p:spPr>
+        <p:style>
+          <a:lnRef idx="1">
+            <a:schemeClr val="accent1"/>
+          </a:lnRef>
+          <a:fillRef idx="0">
+            <a:schemeClr val="accent1"/>
+          </a:fillRef>
+          <a:effectRef idx="0">
+            <a:schemeClr val="accent1"/>
+          </a:effectRef>
+          <a:fontRef idx="minor">
+            <a:schemeClr val="tx1"/>
+          </a:fontRef>
+        </p:style>
+      </p:cxnSp>
+      <p:cxnSp>
+        <p:nvCxnSpPr>
+          <p:cNvPr id="213" name="Straight Connector 212">
+            <a:extLst>
+              <a:ext uri="{FF2B5EF4-FFF2-40B4-BE49-F238E27FC236}">
+                <a16:creationId xmlns:a16="http://schemas.microsoft.com/office/drawing/2014/main" id="{765B69D1-981F-4113-A37C-E6093801A193}"/>
+              </a:ext>
+            </a:extLst>
+          </p:cNvPr>
+          <p:cNvCxnSpPr/>
+          <p:nvPr/>
+        </p:nvCxnSpPr>
+        <p:spPr>
+          <a:xfrm>
+            <a:off x="6493349" y="1742872"/>
+            <a:ext cx="0" cy="3114675"/>
+          </a:xfrm>
+          <a:prstGeom prst="line">
+            <a:avLst/>
+          </a:prstGeom>
+          <a:ln w="19050">
+            <a:solidFill>
+              <a:srgbClr val="00B050"/>
+            </a:solidFill>
+          </a:ln>
+        </p:spPr>
+        <p:style>
+          <a:lnRef idx="1">
+            <a:schemeClr val="accent1"/>
+          </a:lnRef>
+          <a:fillRef idx="0">
+            <a:schemeClr val="accent1"/>
+          </a:fillRef>
+          <a:effectRef idx="0">
+            <a:schemeClr val="accent1"/>
+          </a:effectRef>
+          <a:fontRef idx="minor">
+            <a:schemeClr val="tx1"/>
+          </a:fontRef>
+        </p:style>
+      </p:cxnSp>
+      <p:cxnSp>
+        <p:nvCxnSpPr>
+          <p:cNvPr id="214" name="Straight Connector 213">
+            <a:extLst>
+              <a:ext uri="{FF2B5EF4-FFF2-40B4-BE49-F238E27FC236}">
+                <a16:creationId xmlns:a16="http://schemas.microsoft.com/office/drawing/2014/main" id="{1372014B-84B2-4551-9AF5-7381802595E2}"/>
+              </a:ext>
+            </a:extLst>
+          </p:cNvPr>
+          <p:cNvCxnSpPr/>
+          <p:nvPr/>
+        </p:nvCxnSpPr>
+        <p:spPr>
+          <a:xfrm>
+            <a:off x="7904157" y="1750349"/>
+            <a:ext cx="0" cy="3105150"/>
+          </a:xfrm>
+          <a:prstGeom prst="line">
+            <a:avLst/>
+          </a:prstGeom>
+          <a:ln w="19050">
+            <a:solidFill>
+              <a:srgbClr val="00B050"/>
+            </a:solidFill>
+          </a:ln>
+        </p:spPr>
+        <p:style>
+          <a:lnRef idx="1">
+            <a:schemeClr val="accent1"/>
+          </a:lnRef>
+          <a:fillRef idx="0">
+            <a:schemeClr val="accent1"/>
+          </a:fillRef>
+          <a:effectRef idx="0">
+            <a:schemeClr val="accent1"/>
+          </a:effectRef>
+          <a:fontRef idx="minor">
+            <a:schemeClr val="tx1"/>
+          </a:fontRef>
+        </p:style>
+      </p:cxnSp>
+      <p:cxnSp>
+        <p:nvCxnSpPr>
+          <p:cNvPr id="215" name="Straight Connector 214">
+            <a:extLst>
+              <a:ext uri="{FF2B5EF4-FFF2-40B4-BE49-F238E27FC236}">
+                <a16:creationId xmlns:a16="http://schemas.microsoft.com/office/drawing/2014/main" id="{6140EC87-A3AE-49FB-A46E-37824C2752A1}"/>
+              </a:ext>
+            </a:extLst>
+          </p:cNvPr>
+          <p:cNvCxnSpPr/>
+          <p:nvPr/>
+        </p:nvCxnSpPr>
+        <p:spPr>
+          <a:xfrm>
+            <a:off x="10986448" y="1750349"/>
+            <a:ext cx="0" cy="3105150"/>
+          </a:xfrm>
+          <a:prstGeom prst="line">
+            <a:avLst/>
+          </a:prstGeom>
+          <a:ln w="19050">
+            <a:solidFill>
+              <a:srgbClr val="00B050"/>
+            </a:solidFill>
+          </a:ln>
+        </p:spPr>
+        <p:style>
+          <a:lnRef idx="1">
+            <a:schemeClr val="accent1"/>
+          </a:lnRef>
+          <a:fillRef idx="0">
+            <a:schemeClr val="accent1"/>
+          </a:fillRef>
+          <a:effectRef idx="0">
+            <a:schemeClr val="accent1"/>
+          </a:effectRef>
+          <a:fontRef idx="minor">
+            <a:schemeClr val="tx1"/>
+          </a:fontRef>
+        </p:style>
+      </p:cxnSp>
+      <p:sp>
+        <p:nvSpPr>
+          <p:cNvPr id="216" name="Rectangle 215">
+            <a:extLst>
+              <a:ext uri="{FF2B5EF4-FFF2-40B4-BE49-F238E27FC236}">
+                <a16:creationId xmlns:a16="http://schemas.microsoft.com/office/drawing/2014/main" id="{973BE60C-AAD2-455D-A0B9-E83D71A17254}"/>
+              </a:ext>
+            </a:extLst>
+          </p:cNvPr>
+          <p:cNvSpPr/>
+          <p:nvPr/>
+        </p:nvSpPr>
+        <p:spPr>
+          <a:xfrm>
+            <a:off x="4339279" y="3285922"/>
+            <a:ext cx="107618" cy="1562100"/>
+          </a:xfrm>
+          <a:prstGeom prst="rect">
+            <a:avLst/>
+          </a:prstGeom>
+          <a:solidFill>
+            <a:schemeClr val="accent6">
+              <a:lumMod val="20000"/>
+              <a:lumOff val="80000"/>
+              <a:alpha val="50000"/>
+            </a:schemeClr>
+          </a:solidFill>
+          <a:ln>
+            <a:noFill/>
+          </a:ln>
+        </p:spPr>
+        <p:style>
+          <a:lnRef idx="2">
+            <a:schemeClr val="accent1">
+              <a:shade val="50000"/>
+            </a:schemeClr>
+          </a:lnRef>
+          <a:fillRef idx="1">
+            <a:schemeClr val="accent1"/>
+          </a:fillRef>
+          <a:effectRef idx="0">
+            <a:schemeClr val="accent1"/>
+          </a:effectRef>
+          <a:fontRef idx="minor">
+            <a:schemeClr val="lt1"/>
+          </a:fontRef>
+        </p:style>
+        <p:txBody>
+          <a:bodyPr rtlCol="0" anchor="ctr"/>
+          <a:lstStyle/>
+          <a:p>
+            <a:pPr algn="ctr"/>
+            <a:endParaRPr lang="en-GB"/>
+          </a:p>
+        </p:txBody>
+      </p:sp>
+      <p:sp>
+        <p:nvSpPr>
+          <p:cNvPr id="217" name="Rectangle 216">
+            <a:extLst>
+              <a:ext uri="{FF2B5EF4-FFF2-40B4-BE49-F238E27FC236}">
+                <a16:creationId xmlns:a16="http://schemas.microsoft.com/office/drawing/2014/main" id="{7B0D9D30-C5D7-4AFE-BE3A-D48BD00EE0ED}"/>
+              </a:ext>
+            </a:extLst>
+          </p:cNvPr>
+          <p:cNvSpPr/>
+          <p:nvPr/>
+        </p:nvSpPr>
+        <p:spPr>
+          <a:xfrm>
+            <a:off x="5616125" y="3295447"/>
+            <a:ext cx="332871" cy="1562100"/>
+          </a:xfrm>
+          <a:prstGeom prst="rect">
+            <a:avLst/>
+          </a:prstGeom>
+          <a:solidFill>
+            <a:schemeClr val="accent6">
+              <a:lumMod val="20000"/>
+              <a:lumOff val="80000"/>
+              <a:alpha val="50000"/>
+            </a:schemeClr>
+          </a:solidFill>
+          <a:ln>
+            <a:noFill/>
+          </a:ln>
+        </p:spPr>
+        <p:style>
+          <a:lnRef idx="2">
+            <a:schemeClr val="accent1">
+              <a:shade val="50000"/>
+            </a:schemeClr>
+          </a:lnRef>
+          <a:fillRef idx="1">
+            <a:schemeClr val="accent1"/>
+          </a:fillRef>
+          <a:effectRef idx="0">
+            <a:schemeClr val="accent1"/>
+          </a:effectRef>
+          <a:fontRef idx="minor">
+            <a:schemeClr val="lt1"/>
+          </a:fontRef>
+        </p:style>
+        <p:txBody>
+          <a:bodyPr rtlCol="0" anchor="ctr"/>
+          <a:lstStyle/>
+          <a:p>
+            <a:pPr algn="ctr"/>
+            <a:endParaRPr lang="en-GB"/>
+          </a:p>
+        </p:txBody>
+      </p:sp>
+      <p:sp>
+        <p:nvSpPr>
+          <p:cNvPr id="218" name="Rectangle 217">
+            <a:extLst>
+              <a:ext uri="{FF2B5EF4-FFF2-40B4-BE49-F238E27FC236}">
+                <a16:creationId xmlns:a16="http://schemas.microsoft.com/office/drawing/2014/main" id="{B25F5AF5-B0CB-4E19-AD6C-EDF53DB97A64}"/>
+              </a:ext>
+            </a:extLst>
+          </p:cNvPr>
+          <p:cNvSpPr/>
+          <p:nvPr/>
+        </p:nvSpPr>
+        <p:spPr>
+          <a:xfrm>
+            <a:off x="6282875" y="3285922"/>
+            <a:ext cx="478593" cy="1562100"/>
+          </a:xfrm>
+          <a:prstGeom prst="rect">
+            <a:avLst/>
+          </a:prstGeom>
+          <a:solidFill>
+            <a:schemeClr val="accent6">
+              <a:lumMod val="20000"/>
+              <a:lumOff val="80000"/>
+              <a:alpha val="50000"/>
+            </a:schemeClr>
+          </a:solidFill>
+          <a:ln>
+            <a:noFill/>
+          </a:ln>
+        </p:spPr>
+        <p:style>
+          <a:lnRef idx="2">
+            <a:schemeClr val="accent1">
+              <a:shade val="50000"/>
+            </a:schemeClr>
+          </a:lnRef>
+          <a:fillRef idx="1">
+            <a:schemeClr val="accent1"/>
+          </a:fillRef>
+          <a:effectRef idx="0">
+            <a:schemeClr val="accent1"/>
+          </a:effectRef>
+          <a:fontRef idx="minor">
+            <a:schemeClr val="lt1"/>
+          </a:fontRef>
+        </p:style>
+        <p:txBody>
+          <a:bodyPr rtlCol="0" anchor="ctr"/>
+          <a:lstStyle/>
+          <a:p>
+            <a:pPr algn="ctr"/>
+            <a:endParaRPr lang="en-GB"/>
+          </a:p>
+        </p:txBody>
+      </p:sp>
+      <p:sp>
+        <p:nvSpPr>
+          <p:cNvPr id="219" name="Rectangle 218">
+            <a:extLst>
+              <a:ext uri="{FF2B5EF4-FFF2-40B4-BE49-F238E27FC236}">
+                <a16:creationId xmlns:a16="http://schemas.microsoft.com/office/drawing/2014/main" id="{4431504C-9ED3-40F7-B10A-80324A63A135}"/>
+              </a:ext>
+            </a:extLst>
+          </p:cNvPr>
+          <p:cNvSpPr/>
+          <p:nvPr/>
+        </p:nvSpPr>
+        <p:spPr>
+          <a:xfrm>
+            <a:off x="7757330" y="3285922"/>
+            <a:ext cx="313039" cy="1562100"/>
+          </a:xfrm>
+          <a:prstGeom prst="rect">
+            <a:avLst/>
+          </a:prstGeom>
+          <a:solidFill>
+            <a:schemeClr val="accent6">
+              <a:lumMod val="20000"/>
+              <a:lumOff val="80000"/>
+              <a:alpha val="50000"/>
+            </a:schemeClr>
+          </a:solidFill>
+          <a:ln>
+            <a:noFill/>
+          </a:ln>
+        </p:spPr>
+        <p:style>
+          <a:lnRef idx="2">
+            <a:schemeClr val="accent1">
+              <a:shade val="50000"/>
+            </a:schemeClr>
+          </a:lnRef>
+          <a:fillRef idx="1">
+            <a:schemeClr val="accent1"/>
+          </a:fillRef>
+          <a:effectRef idx="0">
+            <a:schemeClr val="accent1"/>
+          </a:effectRef>
+          <a:fontRef idx="minor">
+            <a:schemeClr val="lt1"/>
+          </a:fontRef>
+        </p:style>
+        <p:txBody>
+          <a:bodyPr rtlCol="0" anchor="ctr"/>
+          <a:lstStyle/>
+          <a:p>
+            <a:pPr algn="ctr"/>
+            <a:endParaRPr lang="en-GB"/>
+          </a:p>
+        </p:txBody>
+      </p:sp>
+      <p:sp>
+        <p:nvSpPr>
+          <p:cNvPr id="220" name="Rectangle 219">
+            <a:extLst>
+              <a:ext uri="{FF2B5EF4-FFF2-40B4-BE49-F238E27FC236}">
+                <a16:creationId xmlns:a16="http://schemas.microsoft.com/office/drawing/2014/main" id="{D39ED50F-1B88-4407-BCC8-42CDA919AE12}"/>
+              </a:ext>
+            </a:extLst>
+          </p:cNvPr>
+          <p:cNvSpPr/>
+          <p:nvPr/>
+        </p:nvSpPr>
+        <p:spPr>
+          <a:xfrm>
+            <a:off x="10636724" y="3285922"/>
+            <a:ext cx="692624" cy="1562100"/>
+          </a:xfrm>
+          <a:prstGeom prst="rect">
+            <a:avLst/>
+          </a:prstGeom>
+          <a:solidFill>
+            <a:schemeClr val="accent6">
+              <a:lumMod val="20000"/>
+              <a:lumOff val="80000"/>
+              <a:alpha val="50000"/>
+            </a:schemeClr>
+          </a:solidFill>
+          <a:ln>
+            <a:noFill/>
+          </a:ln>
+        </p:spPr>
+        <p:style>
+          <a:lnRef idx="2">
+            <a:schemeClr val="accent1">
+              <a:shade val="50000"/>
+            </a:schemeClr>
+          </a:lnRef>
+          <a:fillRef idx="1">
+            <a:schemeClr val="accent1"/>
+          </a:fillRef>
+          <a:effectRef idx="0">
+            <a:schemeClr val="accent1"/>
+          </a:effectRef>
+          <a:fontRef idx="minor">
+            <a:schemeClr val="lt1"/>
+          </a:fontRef>
+        </p:style>
+        <p:txBody>
+          <a:bodyPr rtlCol="0" anchor="ctr"/>
+          <a:lstStyle/>
+          <a:p>
+            <a:pPr algn="ctr"/>
+            <a:endParaRPr lang="en-GB"/>
+          </a:p>
+        </p:txBody>
+      </p:sp>
+      <p:sp>
+        <p:nvSpPr>
+          <p:cNvPr id="221" name="TextBox 220">
+            <a:extLst>
+              <a:ext uri="{FF2B5EF4-FFF2-40B4-BE49-F238E27FC236}">
+                <a16:creationId xmlns:a16="http://schemas.microsoft.com/office/drawing/2014/main" id="{3D9C7685-0FFA-44CA-8E69-9508124711C4}"/>
+              </a:ext>
+            </a:extLst>
+          </p:cNvPr>
+          <p:cNvSpPr txBox="1"/>
+          <p:nvPr/>
+        </p:nvSpPr>
+        <p:spPr>
+          <a:xfrm>
+            <a:off x="10815548" y="4564438"/>
+            <a:ext cx="296876" cy="261610"/>
+          </a:xfrm>
+          <a:prstGeom prst="rect">
+            <a:avLst/>
+          </a:prstGeom>
+          <a:noFill/>
+        </p:spPr>
+        <p:txBody>
+          <a:bodyPr wrap="none" rtlCol="0">
+            <a:spAutoFit/>
+          </a:bodyPr>
+          <a:lstStyle/>
+          <a:p>
+            <a:r>
+              <a:rPr lang="en-GB" sz="1100" dirty="0"/>
+              <a:t>IR</a:t>
+            </a:r>
+          </a:p>
+        </p:txBody>
+      </p:sp>
+      <p:sp>
+        <p:nvSpPr>
+          <p:cNvPr id="222" name="TextBox 221">
+            <a:extLst>
+              <a:ext uri="{FF2B5EF4-FFF2-40B4-BE49-F238E27FC236}">
+                <a16:creationId xmlns:a16="http://schemas.microsoft.com/office/drawing/2014/main" id="{6B7A3F94-9CCF-42E2-94B0-6E98DB3E2352}"/>
+              </a:ext>
+            </a:extLst>
+          </p:cNvPr>
+          <p:cNvSpPr txBox="1"/>
+          <p:nvPr/>
+        </p:nvSpPr>
+        <p:spPr>
+          <a:xfrm>
+            <a:off x="4197383" y="4564438"/>
+            <a:ext cx="436338" cy="261610"/>
+          </a:xfrm>
+          <a:prstGeom prst="rect">
+            <a:avLst/>
+          </a:prstGeom>
+          <a:noFill/>
+        </p:spPr>
+        <p:txBody>
+          <a:bodyPr wrap="none" rtlCol="0">
+            <a:spAutoFit/>
+          </a:bodyPr>
+          <a:lstStyle/>
+          <a:p>
+            <a:r>
+              <a:rPr lang="en-GB" sz="1100" dirty="0"/>
+              <a:t>UVA</a:t>
+            </a:r>
+          </a:p>
+        </p:txBody>
+      </p:sp>
+      <p:sp>
+        <p:nvSpPr>
+          <p:cNvPr id="223" name="TextBox 222">
+            <a:extLst>
+              <a:ext uri="{FF2B5EF4-FFF2-40B4-BE49-F238E27FC236}">
+                <a16:creationId xmlns:a16="http://schemas.microsoft.com/office/drawing/2014/main" id="{B4E65825-EF90-4090-845B-44656C58C873}"/>
+              </a:ext>
+            </a:extLst>
+          </p:cNvPr>
+          <p:cNvSpPr txBox="1"/>
+          <p:nvPr/>
+        </p:nvSpPr>
+        <p:spPr>
+          <a:xfrm>
+            <a:off x="5528483" y="4564438"/>
+            <a:ext cx="437940" cy="261610"/>
+          </a:xfrm>
+          <a:prstGeom prst="rect">
+            <a:avLst/>
+          </a:prstGeom>
+          <a:noFill/>
+        </p:spPr>
+        <p:txBody>
+          <a:bodyPr wrap="none" rtlCol="0">
+            <a:spAutoFit/>
+          </a:bodyPr>
+          <a:lstStyle/>
+          <a:p>
+            <a:r>
+              <a:rPr lang="en-GB" sz="1100" dirty="0"/>
+              <a:t>Blue</a:t>
+            </a:r>
+          </a:p>
+        </p:txBody>
+      </p:sp>
+      <p:sp>
+        <p:nvSpPr>
+          <p:cNvPr id="224" name="TextBox 223">
+            <a:extLst>
+              <a:ext uri="{FF2B5EF4-FFF2-40B4-BE49-F238E27FC236}">
+                <a16:creationId xmlns:a16="http://schemas.microsoft.com/office/drawing/2014/main" id="{9921843A-656C-4FF5-BF6F-F5CAEC778AFD}"/>
+              </a:ext>
+            </a:extLst>
+          </p:cNvPr>
+          <p:cNvSpPr txBox="1"/>
+          <p:nvPr/>
+        </p:nvSpPr>
+        <p:spPr>
+          <a:xfrm>
+            <a:off x="7710909" y="4593889"/>
+            <a:ext cx="405880" cy="261610"/>
+          </a:xfrm>
+          <a:prstGeom prst="rect">
+            <a:avLst/>
+          </a:prstGeom>
+          <a:noFill/>
+        </p:spPr>
+        <p:txBody>
+          <a:bodyPr wrap="none" rtlCol="0">
+            <a:spAutoFit/>
+          </a:bodyPr>
+          <a:lstStyle/>
+          <a:p>
+            <a:r>
+              <a:rPr lang="en-GB" sz="1100" dirty="0"/>
+              <a:t>Red</a:t>
+            </a:r>
+          </a:p>
+        </p:txBody>
+      </p:sp>
+      <p:sp>
+        <p:nvSpPr>
+          <p:cNvPr id="225" name="TextBox 224">
+            <a:extLst>
+              <a:ext uri="{FF2B5EF4-FFF2-40B4-BE49-F238E27FC236}">
+                <a16:creationId xmlns:a16="http://schemas.microsoft.com/office/drawing/2014/main" id="{B51FEEFB-450A-4170-AEFD-6415D858931C}"/>
+              </a:ext>
+            </a:extLst>
+          </p:cNvPr>
+          <p:cNvSpPr txBox="1"/>
+          <p:nvPr/>
+        </p:nvSpPr>
+        <p:spPr>
+          <a:xfrm>
+            <a:off x="6240251" y="4570202"/>
+            <a:ext cx="538930" cy="261610"/>
+          </a:xfrm>
+          <a:prstGeom prst="rect">
+            <a:avLst/>
+          </a:prstGeom>
+          <a:noFill/>
+        </p:spPr>
+        <p:txBody>
+          <a:bodyPr wrap="none" rtlCol="0">
+            <a:spAutoFit/>
+          </a:bodyPr>
+          <a:lstStyle/>
+          <a:p>
+            <a:r>
+              <a:rPr lang="en-GB" sz="1100" dirty="0"/>
+              <a:t>Green</a:t>
+            </a:r>
+          </a:p>
+        </p:txBody>
+      </p:sp>
+      <p:sp>
+        <p:nvSpPr>
+          <p:cNvPr id="226" name="TextBox 225">
+            <a:extLst>
+              <a:ext uri="{FF2B5EF4-FFF2-40B4-BE49-F238E27FC236}">
+                <a16:creationId xmlns:a16="http://schemas.microsoft.com/office/drawing/2014/main" id="{5EF0D268-3CB1-4847-A184-FBBD1C68EAE3}"/>
+              </a:ext>
+            </a:extLst>
+          </p:cNvPr>
+          <p:cNvSpPr txBox="1"/>
+          <p:nvPr/>
+        </p:nvSpPr>
+        <p:spPr>
+          <a:xfrm>
+            <a:off x="4232649" y="1461356"/>
+            <a:ext cx="401072" cy="261610"/>
+          </a:xfrm>
+          <a:prstGeom prst="rect">
+            <a:avLst/>
+          </a:prstGeom>
+          <a:noFill/>
+        </p:spPr>
+        <p:txBody>
+          <a:bodyPr wrap="square" rtlCol="0">
+            <a:spAutoFit/>
+          </a:bodyPr>
+          <a:lstStyle/>
+          <a:p>
+            <a:r>
+              <a:rPr lang="en-GB" sz="1100" dirty="0"/>
+              <a:t>375</a:t>
+            </a:r>
+          </a:p>
+        </p:txBody>
+      </p:sp>
+      <p:sp>
+        <p:nvSpPr>
+          <p:cNvPr id="227" name="TextBox 226">
+            <a:extLst>
+              <a:ext uri="{FF2B5EF4-FFF2-40B4-BE49-F238E27FC236}">
+                <a16:creationId xmlns:a16="http://schemas.microsoft.com/office/drawing/2014/main" id="{30170FFB-63E1-4AA7-8B61-4C46486C687C}"/>
+              </a:ext>
+            </a:extLst>
+          </p:cNvPr>
+          <p:cNvSpPr txBox="1"/>
+          <p:nvPr/>
+        </p:nvSpPr>
+        <p:spPr>
+          <a:xfrm>
+            <a:off x="10782500" y="1461356"/>
+            <a:ext cx="401072" cy="261610"/>
+          </a:xfrm>
+          <a:prstGeom prst="rect">
+            <a:avLst/>
+          </a:prstGeom>
+          <a:noFill/>
+        </p:spPr>
+        <p:txBody>
+          <a:bodyPr wrap="none" rtlCol="0">
+            <a:spAutoFit/>
+          </a:bodyPr>
+          <a:lstStyle/>
+          <a:p>
+            <a:r>
+              <a:rPr lang="en-GB" sz="1100" dirty="0"/>
+              <a:t>850</a:t>
+            </a:r>
+          </a:p>
+        </p:txBody>
+      </p:sp>
+      <p:sp>
+        <p:nvSpPr>
+          <p:cNvPr id="228" name="TextBox 227">
+            <a:extLst>
+              <a:ext uri="{FF2B5EF4-FFF2-40B4-BE49-F238E27FC236}">
+                <a16:creationId xmlns:a16="http://schemas.microsoft.com/office/drawing/2014/main" id="{18FB347D-1384-4E59-92F7-77D39314F37A}"/>
+              </a:ext>
+            </a:extLst>
+          </p:cNvPr>
+          <p:cNvSpPr txBox="1"/>
+          <p:nvPr/>
+        </p:nvSpPr>
+        <p:spPr>
+          <a:xfrm>
+            <a:off x="7669297" y="1471738"/>
+            <a:ext cx="401072" cy="261610"/>
+          </a:xfrm>
+          <a:prstGeom prst="rect">
+            <a:avLst/>
+          </a:prstGeom>
+          <a:noFill/>
+        </p:spPr>
+        <p:txBody>
+          <a:bodyPr wrap="none" rtlCol="0">
+            <a:spAutoFit/>
+          </a:bodyPr>
+          <a:lstStyle/>
+          <a:p>
+            <a:r>
+              <a:rPr lang="en-GB" sz="1100" dirty="0"/>
+              <a:t>626</a:t>
+            </a:r>
+          </a:p>
+        </p:txBody>
+      </p:sp>
+      <p:sp>
+        <p:nvSpPr>
+          <p:cNvPr id="229" name="TextBox 228">
+            <a:extLst>
+              <a:ext uri="{FF2B5EF4-FFF2-40B4-BE49-F238E27FC236}">
+                <a16:creationId xmlns:a16="http://schemas.microsoft.com/office/drawing/2014/main" id="{70C61B7C-63F6-4238-B499-35607719FBC6}"/>
+              </a:ext>
+            </a:extLst>
+          </p:cNvPr>
+          <p:cNvSpPr txBox="1"/>
+          <p:nvPr/>
+        </p:nvSpPr>
+        <p:spPr>
+          <a:xfrm>
+            <a:off x="6309180" y="1471738"/>
+            <a:ext cx="401072" cy="261610"/>
+          </a:xfrm>
+          <a:prstGeom prst="rect">
+            <a:avLst/>
+          </a:prstGeom>
+          <a:noFill/>
+        </p:spPr>
+        <p:txBody>
+          <a:bodyPr wrap="none" rtlCol="0">
+            <a:spAutoFit/>
+          </a:bodyPr>
+          <a:lstStyle/>
+          <a:p>
+            <a:r>
+              <a:rPr lang="en-GB" sz="1100" dirty="0"/>
+              <a:t>525</a:t>
+            </a:r>
+          </a:p>
+        </p:txBody>
+      </p:sp>
+      <p:sp>
+        <p:nvSpPr>
+          <p:cNvPr id="230" name="TextBox 229">
+            <a:extLst>
+              <a:ext uri="{FF2B5EF4-FFF2-40B4-BE49-F238E27FC236}">
+                <a16:creationId xmlns:a16="http://schemas.microsoft.com/office/drawing/2014/main" id="{3D5B1DE7-32A7-4895-A7F8-67C3E211FAE1}"/>
+              </a:ext>
+            </a:extLst>
+          </p:cNvPr>
+          <p:cNvSpPr txBox="1"/>
+          <p:nvPr/>
+        </p:nvSpPr>
+        <p:spPr>
+          <a:xfrm>
+            <a:off x="5523920" y="1477522"/>
+            <a:ext cx="401072" cy="261610"/>
+          </a:xfrm>
+          <a:prstGeom prst="rect">
+            <a:avLst/>
+          </a:prstGeom>
+          <a:noFill/>
+        </p:spPr>
+        <p:txBody>
+          <a:bodyPr wrap="none" rtlCol="0">
+            <a:spAutoFit/>
+          </a:bodyPr>
+          <a:lstStyle/>
+          <a:p>
+            <a:r>
+              <a:rPr lang="en-GB" sz="1100" dirty="0"/>
+              <a:t>470</a:t>
+            </a:r>
+          </a:p>
+        </p:txBody>
+      </p:sp>
+      <p:sp>
+        <p:nvSpPr>
+          <p:cNvPr id="231" name="TextBox 230">
+            <a:extLst>
+              <a:ext uri="{FF2B5EF4-FFF2-40B4-BE49-F238E27FC236}">
+                <a16:creationId xmlns:a16="http://schemas.microsoft.com/office/drawing/2014/main" id="{D9054174-5910-42EC-977C-9F6773842E7A}"/>
+              </a:ext>
+            </a:extLst>
+          </p:cNvPr>
+          <p:cNvSpPr txBox="1"/>
+          <p:nvPr/>
+        </p:nvSpPr>
+        <p:spPr>
+          <a:xfrm>
+            <a:off x="616247" y="2087436"/>
+            <a:ext cx="1356462" cy="261610"/>
+          </a:xfrm>
+          <a:prstGeom prst="rect">
+            <a:avLst/>
+          </a:prstGeom>
+          <a:noFill/>
+        </p:spPr>
+        <p:txBody>
+          <a:bodyPr wrap="none" rtlCol="0">
+            <a:spAutoFit/>
+          </a:bodyPr>
+          <a:lstStyle/>
+          <a:p>
+            <a:r>
+              <a:rPr lang="en-GB" sz="1100" dirty="0"/>
+              <a:t>Light sources (LEDs):</a:t>
+            </a:r>
+          </a:p>
+        </p:txBody>
+      </p:sp>
+      <p:sp>
+        <p:nvSpPr>
+          <p:cNvPr id="232" name="TextBox 231">
+            <a:extLst>
+              <a:ext uri="{FF2B5EF4-FFF2-40B4-BE49-F238E27FC236}">
+                <a16:creationId xmlns:a16="http://schemas.microsoft.com/office/drawing/2014/main" id="{2CF42003-2566-4B88-A79C-BDF7DFA7292C}"/>
+              </a:ext>
+            </a:extLst>
+          </p:cNvPr>
+          <p:cNvSpPr txBox="1"/>
+          <p:nvPr/>
+        </p:nvSpPr>
+        <p:spPr>
+          <a:xfrm>
+            <a:off x="641062" y="3354026"/>
+            <a:ext cx="1645002" cy="261610"/>
+          </a:xfrm>
+          <a:prstGeom prst="rect">
+            <a:avLst/>
+          </a:prstGeom>
+          <a:noFill/>
+        </p:spPr>
+        <p:txBody>
+          <a:bodyPr wrap="none" rtlCol="0">
+            <a:spAutoFit/>
+          </a:bodyPr>
+          <a:lstStyle/>
+          <a:p>
+            <a:r>
+              <a:rPr lang="en-GB" sz="1100" noProof="1"/>
+              <a:t>Spectrum half width (Δλ):</a:t>
+            </a:r>
+          </a:p>
+        </p:txBody>
+      </p:sp>
+      <p:sp>
+        <p:nvSpPr>
+          <p:cNvPr id="233" name="TextBox 232">
+            <a:extLst>
+              <a:ext uri="{FF2B5EF4-FFF2-40B4-BE49-F238E27FC236}">
+                <a16:creationId xmlns:a16="http://schemas.microsoft.com/office/drawing/2014/main" id="{D2399E2E-4C17-47C7-88FC-E03DFD9A2ED4}"/>
+              </a:ext>
+            </a:extLst>
+          </p:cNvPr>
+          <p:cNvSpPr txBox="1"/>
+          <p:nvPr/>
+        </p:nvSpPr>
+        <p:spPr>
+          <a:xfrm>
+            <a:off x="4055973" y="3354026"/>
+            <a:ext cx="256802" cy="261610"/>
+          </a:xfrm>
+          <a:prstGeom prst="rect">
+            <a:avLst/>
+          </a:prstGeom>
+          <a:noFill/>
+        </p:spPr>
+        <p:txBody>
+          <a:bodyPr wrap="none" rtlCol="0">
+            <a:spAutoFit/>
+          </a:bodyPr>
+          <a:lstStyle/>
+          <a:p>
+            <a:r>
+              <a:rPr lang="en-GB" sz="1100" dirty="0"/>
+              <a:t>9</a:t>
+            </a:r>
+          </a:p>
+        </p:txBody>
+      </p:sp>
+      <p:sp>
+        <p:nvSpPr>
+          <p:cNvPr id="234" name="TextBox 233">
+            <a:extLst>
+              <a:ext uri="{FF2B5EF4-FFF2-40B4-BE49-F238E27FC236}">
+                <a16:creationId xmlns:a16="http://schemas.microsoft.com/office/drawing/2014/main" id="{950982DE-898B-4DAE-8B13-6DF0A229484F}"/>
+              </a:ext>
+            </a:extLst>
+          </p:cNvPr>
+          <p:cNvSpPr txBox="1"/>
+          <p:nvPr/>
+        </p:nvSpPr>
+        <p:spPr>
+          <a:xfrm>
+            <a:off x="10274621" y="3354026"/>
+            <a:ext cx="328936" cy="261610"/>
+          </a:xfrm>
+          <a:prstGeom prst="rect">
+            <a:avLst/>
+          </a:prstGeom>
+          <a:noFill/>
+        </p:spPr>
+        <p:txBody>
+          <a:bodyPr wrap="none" rtlCol="0">
+            <a:spAutoFit/>
+          </a:bodyPr>
+          <a:lstStyle/>
+          <a:p>
+            <a:r>
+              <a:rPr lang="en-GB" sz="1100" dirty="0"/>
+              <a:t>45</a:t>
+            </a:r>
+          </a:p>
+        </p:txBody>
+      </p:sp>
+      <p:sp>
+        <p:nvSpPr>
+          <p:cNvPr id="235" name="TextBox 234">
+            <a:extLst>
+              <a:ext uri="{FF2B5EF4-FFF2-40B4-BE49-F238E27FC236}">
+                <a16:creationId xmlns:a16="http://schemas.microsoft.com/office/drawing/2014/main" id="{602448FE-0514-4A50-B90D-2298765710B4}"/>
+              </a:ext>
+            </a:extLst>
+          </p:cNvPr>
+          <p:cNvSpPr txBox="1"/>
+          <p:nvPr/>
+        </p:nvSpPr>
+        <p:spPr>
+          <a:xfrm>
+            <a:off x="8113929" y="3354026"/>
+            <a:ext cx="328936" cy="261610"/>
+          </a:xfrm>
+          <a:prstGeom prst="rect">
+            <a:avLst/>
+          </a:prstGeom>
+          <a:noFill/>
+        </p:spPr>
+        <p:txBody>
+          <a:bodyPr wrap="none" rtlCol="0">
+            <a:spAutoFit/>
+          </a:bodyPr>
+          <a:lstStyle/>
+          <a:p>
+            <a:r>
+              <a:rPr lang="en-GB" sz="1100" dirty="0"/>
+              <a:t>20</a:t>
+            </a:r>
+          </a:p>
+        </p:txBody>
+      </p:sp>
+      <p:sp>
+        <p:nvSpPr>
+          <p:cNvPr id="236" name="TextBox 235">
+            <a:extLst>
+              <a:ext uri="{FF2B5EF4-FFF2-40B4-BE49-F238E27FC236}">
+                <a16:creationId xmlns:a16="http://schemas.microsoft.com/office/drawing/2014/main" id="{7BAFB1AA-B592-4ABA-BF68-3904C1C4FCDE}"/>
+              </a:ext>
+            </a:extLst>
+          </p:cNvPr>
+          <p:cNvSpPr txBox="1"/>
+          <p:nvPr/>
+        </p:nvSpPr>
+        <p:spPr>
+          <a:xfrm>
+            <a:off x="6737193" y="3354026"/>
+            <a:ext cx="328936" cy="261610"/>
+          </a:xfrm>
+          <a:prstGeom prst="rect">
+            <a:avLst/>
+          </a:prstGeom>
+          <a:noFill/>
+        </p:spPr>
+        <p:txBody>
+          <a:bodyPr wrap="none" rtlCol="0">
+            <a:spAutoFit/>
+          </a:bodyPr>
+          <a:lstStyle/>
+          <a:p>
+            <a:r>
+              <a:rPr lang="en-GB" sz="1100" dirty="0"/>
+              <a:t>40</a:t>
+            </a:r>
+          </a:p>
+        </p:txBody>
+      </p:sp>
+      <p:sp>
+        <p:nvSpPr>
+          <p:cNvPr id="237" name="TextBox 236">
+            <a:extLst>
+              <a:ext uri="{FF2B5EF4-FFF2-40B4-BE49-F238E27FC236}">
+                <a16:creationId xmlns:a16="http://schemas.microsoft.com/office/drawing/2014/main" id="{9203A8D8-C9E9-4EC7-82F5-9A81F2768B5A}"/>
+              </a:ext>
+            </a:extLst>
+          </p:cNvPr>
+          <p:cNvSpPr txBox="1"/>
+          <p:nvPr/>
+        </p:nvSpPr>
+        <p:spPr>
+          <a:xfrm>
+            <a:off x="5252462" y="3354026"/>
+            <a:ext cx="328936" cy="261610"/>
+          </a:xfrm>
+          <a:prstGeom prst="rect">
+            <a:avLst/>
+          </a:prstGeom>
+          <a:noFill/>
+        </p:spPr>
+        <p:txBody>
+          <a:bodyPr wrap="none" rtlCol="0">
+            <a:spAutoFit/>
+          </a:bodyPr>
+          <a:lstStyle/>
+          <a:p>
+            <a:r>
+              <a:rPr lang="en-GB" sz="1100" dirty="0"/>
+              <a:t>26</a:t>
+            </a:r>
+          </a:p>
+        </p:txBody>
+      </p:sp>
+      <p:sp>
+        <p:nvSpPr>
+          <p:cNvPr id="238" name="TextBox 237">
+            <a:extLst>
+              <a:ext uri="{FF2B5EF4-FFF2-40B4-BE49-F238E27FC236}">
+                <a16:creationId xmlns:a16="http://schemas.microsoft.com/office/drawing/2014/main" id="{D7EB657C-D995-438D-9A61-24D5F7F01E4B}"/>
+              </a:ext>
+            </a:extLst>
+          </p:cNvPr>
+          <p:cNvSpPr txBox="1"/>
+          <p:nvPr/>
+        </p:nvSpPr>
+        <p:spPr>
+          <a:xfrm>
+            <a:off x="621334" y="1812365"/>
+            <a:ext cx="963725" cy="261610"/>
+          </a:xfrm>
+          <a:prstGeom prst="rect">
+            <a:avLst/>
+          </a:prstGeom>
+          <a:noFill/>
+        </p:spPr>
+        <p:txBody>
+          <a:bodyPr wrap="none" rtlCol="0">
+            <a:spAutoFit/>
+          </a:bodyPr>
+          <a:lstStyle/>
+          <a:p>
+            <a:r>
+              <a:rPr lang="en-GB" sz="1100" dirty="0"/>
+              <a:t>Light sensors:</a:t>
+            </a:r>
+          </a:p>
+        </p:txBody>
+      </p:sp>
+      <p:cxnSp>
+        <p:nvCxnSpPr>
+          <p:cNvPr id="239" name="Straight Connector 238">
+            <a:extLst>
+              <a:ext uri="{FF2B5EF4-FFF2-40B4-BE49-F238E27FC236}">
+                <a16:creationId xmlns:a16="http://schemas.microsoft.com/office/drawing/2014/main" id="{EB6CE922-9299-483A-907D-317276FDBB9D}"/>
+              </a:ext>
+            </a:extLst>
+          </p:cNvPr>
+          <p:cNvCxnSpPr>
+            <a:cxnSpLocks/>
+          </p:cNvCxnSpPr>
+          <p:nvPr/>
+        </p:nvCxnSpPr>
+        <p:spPr>
+          <a:xfrm>
+            <a:off x="1972709" y="2224822"/>
+            <a:ext cx="552893" cy="0"/>
+          </a:xfrm>
+          <a:prstGeom prst="line">
+            <a:avLst/>
+          </a:prstGeom>
+          <a:ln w="19050"/>
+        </p:spPr>
+        <p:style>
+          <a:lnRef idx="1">
+            <a:schemeClr val="accent1"/>
+          </a:lnRef>
+          <a:fillRef idx="0">
+            <a:schemeClr val="accent1"/>
+          </a:fillRef>
+          <a:effectRef idx="0">
+            <a:schemeClr val="accent1"/>
+          </a:effectRef>
+          <a:fontRef idx="minor">
+            <a:schemeClr val="tx1"/>
+          </a:fontRef>
+        </p:style>
+      </p:cxnSp>
+      <p:cxnSp>
+        <p:nvCxnSpPr>
+          <p:cNvPr id="240" name="Straight Connector 239">
+            <a:extLst>
+              <a:ext uri="{FF2B5EF4-FFF2-40B4-BE49-F238E27FC236}">
+                <a16:creationId xmlns:a16="http://schemas.microsoft.com/office/drawing/2014/main" id="{02D2EDF6-1676-4446-ADBE-5133128E801E}"/>
+              </a:ext>
+            </a:extLst>
+          </p:cNvPr>
+          <p:cNvCxnSpPr>
+            <a:cxnSpLocks/>
+          </p:cNvCxnSpPr>
+          <p:nvPr/>
+        </p:nvCxnSpPr>
+        <p:spPr>
+          <a:xfrm>
+            <a:off x="1585059" y="1960057"/>
+            <a:ext cx="552893" cy="0"/>
+          </a:xfrm>
+          <a:prstGeom prst="line">
+            <a:avLst/>
+          </a:prstGeom>
+          <a:ln w="19050">
+            <a:solidFill>
+              <a:schemeClr val="accent2">
+                <a:lumMod val="60000"/>
+                <a:lumOff val="40000"/>
+              </a:schemeClr>
+            </a:solidFill>
+          </a:ln>
+        </p:spPr>
+        <p:style>
+          <a:lnRef idx="1">
+            <a:schemeClr val="accent1"/>
+          </a:lnRef>
+          <a:fillRef idx="0">
+            <a:schemeClr val="accent1"/>
+          </a:fillRef>
+          <a:effectRef idx="0">
+            <a:schemeClr val="accent1"/>
+          </a:effectRef>
+          <a:fontRef idx="minor">
+            <a:schemeClr val="tx1"/>
+          </a:fontRef>
+        </p:style>
+      </p:cxnSp>
+      <p:cxnSp>
+        <p:nvCxnSpPr>
+          <p:cNvPr id="241" name="Straight Connector 240">
+            <a:extLst>
+              <a:ext uri="{FF2B5EF4-FFF2-40B4-BE49-F238E27FC236}">
+                <a16:creationId xmlns:a16="http://schemas.microsoft.com/office/drawing/2014/main" id="{2DC6CA09-665B-48F5-B7F8-569092DBB1B3}"/>
+              </a:ext>
+            </a:extLst>
+          </p:cNvPr>
+          <p:cNvCxnSpPr>
+            <a:cxnSpLocks/>
+          </p:cNvCxnSpPr>
+          <p:nvPr/>
+        </p:nvCxnSpPr>
+        <p:spPr>
+          <a:xfrm>
+            <a:off x="2286064" y="3484831"/>
+            <a:ext cx="552893" cy="0"/>
+          </a:xfrm>
+          <a:prstGeom prst="line">
+            <a:avLst/>
+          </a:prstGeom>
+          <a:ln w="19050">
+            <a:solidFill>
+              <a:srgbClr val="00B050"/>
+            </a:solidFill>
+          </a:ln>
+        </p:spPr>
+        <p:style>
+          <a:lnRef idx="1">
+            <a:schemeClr val="accent1"/>
+          </a:lnRef>
+          <a:fillRef idx="0">
+            <a:schemeClr val="accent1"/>
+          </a:fillRef>
+          <a:effectRef idx="0">
+            <a:schemeClr val="accent1"/>
+          </a:effectRef>
+          <a:fontRef idx="minor">
+            <a:schemeClr val="tx1"/>
+          </a:fontRef>
+        </p:style>
+      </p:cxnSp>
+      <p:cxnSp>
+        <p:nvCxnSpPr>
+          <p:cNvPr id="242" name="Straight Connector 241">
+            <a:extLst>
+              <a:ext uri="{FF2B5EF4-FFF2-40B4-BE49-F238E27FC236}">
+                <a16:creationId xmlns:a16="http://schemas.microsoft.com/office/drawing/2014/main" id="{9B550946-B33F-459D-977A-C2B6012ACC36}"/>
+              </a:ext>
+            </a:extLst>
+          </p:cNvPr>
+          <p:cNvCxnSpPr/>
+          <p:nvPr/>
+        </p:nvCxnSpPr>
+        <p:spPr>
+          <a:xfrm>
+            <a:off x="603844" y="1742872"/>
+            <a:ext cx="0" cy="3112627"/>
+          </a:xfrm>
+          <a:prstGeom prst="line">
+            <a:avLst/>
+          </a:prstGeom>
+          <a:ln w="19050">
+            <a:solidFill>
+              <a:schemeClr val="tx1"/>
+            </a:solidFill>
+          </a:ln>
+        </p:spPr>
+        <p:style>
+          <a:lnRef idx="1">
+            <a:schemeClr val="accent1"/>
+          </a:lnRef>
+          <a:fillRef idx="0">
+            <a:schemeClr val="accent1"/>
+          </a:fillRef>
+          <a:effectRef idx="0">
+            <a:schemeClr val="accent1"/>
+          </a:effectRef>
+          <a:fontRef idx="minor">
+            <a:schemeClr val="tx1"/>
+          </a:fontRef>
+        </p:style>
+      </p:cxnSp>
+      <p:cxnSp>
+        <p:nvCxnSpPr>
+          <p:cNvPr id="243" name="Straight Connector 242">
+            <a:extLst>
+              <a:ext uri="{FF2B5EF4-FFF2-40B4-BE49-F238E27FC236}">
+                <a16:creationId xmlns:a16="http://schemas.microsoft.com/office/drawing/2014/main" id="{2620E8FF-0A00-4409-BB1F-499A3BD2B6B0}"/>
+              </a:ext>
+            </a:extLst>
+          </p:cNvPr>
+          <p:cNvCxnSpPr/>
+          <p:nvPr/>
+        </p:nvCxnSpPr>
+        <p:spPr>
+          <a:xfrm>
+            <a:off x="616247" y="4855499"/>
+            <a:ext cx="11049000" cy="0"/>
+          </a:xfrm>
+          <a:prstGeom prst="line">
+            <a:avLst/>
+          </a:prstGeom>
+          <a:ln w="19050">
+            <a:solidFill>
+              <a:schemeClr val="tx1"/>
+            </a:solidFill>
+          </a:ln>
+        </p:spPr>
+        <p:style>
+          <a:lnRef idx="1">
+            <a:schemeClr val="accent1"/>
+          </a:lnRef>
+          <a:fillRef idx="0">
+            <a:schemeClr val="accent1"/>
+          </a:fillRef>
+          <a:effectRef idx="0">
+            <a:schemeClr val="accent1"/>
+          </a:effectRef>
+          <a:fontRef idx="minor">
+            <a:schemeClr val="tx1"/>
+          </a:fontRef>
+        </p:style>
+      </p:cxnSp>
+    </p:spTree>
+    <p:extLst>
+      <p:ext uri="{BB962C8B-B14F-4D97-AF65-F5344CB8AC3E}">
+        <p14:creationId xmlns:p14="http://schemas.microsoft.com/office/powerpoint/2010/main" val="1403655816"/>
+      </p:ext>
+    </p:extLst>
+  </p:cSld>
+  <p:clrMapOvr>
+    <a:masterClrMapping/>
+  </p:clrMapOvr>
+</p:sld>
+</file>
+
+<file path=ppt/slides/slide11.xml><?xml version="1.0" encoding="utf-8"?>
+<p:sld xmlns:a="http://schemas.openxmlformats.org/drawingml/2006/main" xmlns:r="http://schemas.openxmlformats.org/officeDocument/2006/relationships" xmlns:p="http://schemas.openxmlformats.org/presentationml/2006/main">
+  <p:cSld>
+    <p:spTree>
+      <p:nvGrpSpPr>
+        <p:cNvPr id="1" name=""/>
+        <p:cNvGrpSpPr/>
+        <p:nvPr/>
+      </p:nvGrpSpPr>
+      <p:grpSpPr>
+        <a:xfrm>
+          <a:off x="0" y="0"/>
+          <a:ext cx="0" cy="0"/>
+          <a:chOff x="0" y="0"/>
+          <a:chExt cx="0" cy="0"/>
+        </a:xfrm>
+      </p:grpSpPr>
+      <p:graphicFrame>
+        <p:nvGraphicFramePr>
+          <p:cNvPr id="16" name="Chart 15">
+            <a:extLst>
+              <a:ext uri="{FF2B5EF4-FFF2-40B4-BE49-F238E27FC236}">
+                <a16:creationId xmlns:a16="http://schemas.microsoft.com/office/drawing/2014/main" id="{C45DB447-AA40-4F25-8F94-2F28FBEAE8EF}"/>
+              </a:ext>
+            </a:extLst>
+          </p:cNvPr>
+          <p:cNvGraphicFramePr>
+            <a:graphicFrameLocks/>
+          </p:cNvGraphicFramePr>
+          <p:nvPr>
+            <p:extLst>
+              <p:ext uri="{D42A27DB-BD31-4B8C-83A1-F6EECF244321}">
+                <p14:modId xmlns:p14="http://schemas.microsoft.com/office/powerpoint/2010/main" val="847916329"/>
+              </p:ext>
+            </p:extLst>
+          </p:nvPr>
+        </p:nvGraphicFramePr>
+        <p:xfrm>
+          <a:off x="483327" y="1673812"/>
+          <a:ext cx="11225345" cy="3510375"/>
+        </p:xfrm>
+        <a:graphic>
+          <a:graphicData uri="http://schemas.openxmlformats.org/drawingml/2006/chart">
+            <c:chart xmlns:c="http://schemas.openxmlformats.org/drawingml/2006/chart" xmlns:r="http://schemas.openxmlformats.org/officeDocument/2006/relationships" r:id="rId2"/>
+          </a:graphicData>
+        </a:graphic>
+      </p:graphicFrame>
+      <p:sp>
+        <p:nvSpPr>
+          <p:cNvPr id="17" name="TextBox 16">
+            <a:extLst>
+              <a:ext uri="{FF2B5EF4-FFF2-40B4-BE49-F238E27FC236}">
+                <a16:creationId xmlns:a16="http://schemas.microsoft.com/office/drawing/2014/main" id="{3F7A7EA1-6357-43B6-B4FB-D3F14C9C6FE0}"/>
+              </a:ext>
+            </a:extLst>
+          </p:cNvPr>
+          <p:cNvSpPr txBox="1"/>
+          <p:nvPr/>
+        </p:nvSpPr>
+        <p:spPr>
+          <a:xfrm>
+            <a:off x="10385052" y="1826833"/>
+            <a:ext cx="296876" cy="261610"/>
+          </a:xfrm>
+          <a:prstGeom prst="rect">
+            <a:avLst/>
+          </a:prstGeom>
+          <a:noFill/>
+        </p:spPr>
+        <p:txBody>
+          <a:bodyPr wrap="none" rtlCol="0">
+            <a:spAutoFit/>
+          </a:bodyPr>
+          <a:lstStyle/>
+          <a:p>
+            <a:r>
+              <a:rPr lang="en-GB" sz="1100" dirty="0"/>
+              <a:t>IR</a:t>
+            </a:r>
+          </a:p>
+        </p:txBody>
+      </p:sp>
+      <p:sp>
+        <p:nvSpPr>
+          <p:cNvPr id="18" name="TextBox 17">
+            <a:extLst>
+              <a:ext uri="{FF2B5EF4-FFF2-40B4-BE49-F238E27FC236}">
+                <a16:creationId xmlns:a16="http://schemas.microsoft.com/office/drawing/2014/main" id="{3B0EBD67-2194-473E-892E-F4C4674DB98D}"/>
+              </a:ext>
+            </a:extLst>
+          </p:cNvPr>
+          <p:cNvSpPr txBox="1"/>
+          <p:nvPr/>
+        </p:nvSpPr>
+        <p:spPr>
+          <a:xfrm>
+            <a:off x="3931856" y="1826833"/>
+            <a:ext cx="436338" cy="261610"/>
+          </a:xfrm>
+          <a:prstGeom prst="rect">
+            <a:avLst/>
+          </a:prstGeom>
+          <a:noFill/>
+        </p:spPr>
+        <p:txBody>
+          <a:bodyPr wrap="none" rtlCol="0">
+            <a:spAutoFit/>
+          </a:bodyPr>
+          <a:lstStyle/>
+          <a:p>
+            <a:r>
+              <a:rPr lang="en-GB" sz="1100" dirty="0"/>
+              <a:t>UVA</a:t>
+            </a:r>
+          </a:p>
+        </p:txBody>
+      </p:sp>
+      <p:sp>
+        <p:nvSpPr>
+          <p:cNvPr id="19" name="TextBox 18">
+            <a:extLst>
+              <a:ext uri="{FF2B5EF4-FFF2-40B4-BE49-F238E27FC236}">
+                <a16:creationId xmlns:a16="http://schemas.microsoft.com/office/drawing/2014/main" id="{37579977-F074-4CD6-BDBC-ED26D4C47F92}"/>
+              </a:ext>
+            </a:extLst>
+          </p:cNvPr>
+          <p:cNvSpPr txBox="1"/>
+          <p:nvPr/>
+        </p:nvSpPr>
+        <p:spPr>
+          <a:xfrm>
+            <a:off x="5225563" y="1826833"/>
+            <a:ext cx="437940" cy="261610"/>
+          </a:xfrm>
+          <a:prstGeom prst="rect">
+            <a:avLst/>
+          </a:prstGeom>
+          <a:noFill/>
+        </p:spPr>
+        <p:txBody>
+          <a:bodyPr wrap="none" rtlCol="0">
+            <a:spAutoFit/>
+          </a:bodyPr>
+          <a:lstStyle/>
+          <a:p>
+            <a:r>
+              <a:rPr lang="en-GB" sz="1100" dirty="0"/>
+              <a:t>Blue</a:t>
+            </a:r>
+          </a:p>
+        </p:txBody>
+      </p:sp>
+      <p:sp>
+        <p:nvSpPr>
+          <p:cNvPr id="20" name="TextBox 19">
+            <a:extLst>
+              <a:ext uri="{FF2B5EF4-FFF2-40B4-BE49-F238E27FC236}">
+                <a16:creationId xmlns:a16="http://schemas.microsoft.com/office/drawing/2014/main" id="{3775AB9F-AB22-468C-832B-40C249AFFC3E}"/>
+              </a:ext>
+            </a:extLst>
+          </p:cNvPr>
+          <p:cNvSpPr txBox="1"/>
+          <p:nvPr/>
+        </p:nvSpPr>
+        <p:spPr>
+          <a:xfrm>
+            <a:off x="8025929" y="1826833"/>
+            <a:ext cx="405880" cy="261610"/>
+          </a:xfrm>
+          <a:prstGeom prst="rect">
+            <a:avLst/>
+          </a:prstGeom>
+          <a:noFill/>
+        </p:spPr>
+        <p:txBody>
+          <a:bodyPr wrap="none" rtlCol="0">
+            <a:spAutoFit/>
+          </a:bodyPr>
+          <a:lstStyle/>
+          <a:p>
+            <a:r>
+              <a:rPr lang="en-GB" sz="1100" dirty="0"/>
+              <a:t>Red</a:t>
+            </a:r>
+          </a:p>
+        </p:txBody>
+      </p:sp>
+      <p:sp>
+        <p:nvSpPr>
+          <p:cNvPr id="21" name="TextBox 20">
+            <a:extLst>
+              <a:ext uri="{FF2B5EF4-FFF2-40B4-BE49-F238E27FC236}">
+                <a16:creationId xmlns:a16="http://schemas.microsoft.com/office/drawing/2014/main" id="{861F4B06-A7C7-4179-AAC2-5CDEF09364EC}"/>
+              </a:ext>
+            </a:extLst>
+          </p:cNvPr>
+          <p:cNvSpPr txBox="1"/>
+          <p:nvPr/>
+        </p:nvSpPr>
+        <p:spPr>
+          <a:xfrm>
+            <a:off x="6629630" y="1826833"/>
+            <a:ext cx="538930" cy="261610"/>
+          </a:xfrm>
+          <a:prstGeom prst="rect">
+            <a:avLst/>
+          </a:prstGeom>
+          <a:noFill/>
+        </p:spPr>
+        <p:txBody>
+          <a:bodyPr wrap="none" rtlCol="0">
+            <a:spAutoFit/>
+          </a:bodyPr>
+          <a:lstStyle/>
+          <a:p>
+            <a:r>
+              <a:rPr lang="en-GB" sz="1100" dirty="0"/>
+              <a:t>Green</a:t>
+            </a:r>
+          </a:p>
+        </p:txBody>
+      </p:sp>
+      <p:sp>
+        <p:nvSpPr>
+          <p:cNvPr id="22" name="TextBox 21">
+            <a:extLst>
+              <a:ext uri="{FF2B5EF4-FFF2-40B4-BE49-F238E27FC236}">
+                <a16:creationId xmlns:a16="http://schemas.microsoft.com/office/drawing/2014/main" id="{F7B3418D-A049-49D9-B8F3-077A9154D3E3}"/>
+              </a:ext>
+            </a:extLst>
+          </p:cNvPr>
+          <p:cNvSpPr txBox="1"/>
+          <p:nvPr/>
+        </p:nvSpPr>
+        <p:spPr>
+          <a:xfrm>
+            <a:off x="4229552" y="1543007"/>
+            <a:ext cx="401072" cy="261610"/>
+          </a:xfrm>
+          <a:prstGeom prst="rect">
+            <a:avLst/>
+          </a:prstGeom>
+          <a:noFill/>
+        </p:spPr>
+        <p:txBody>
+          <a:bodyPr wrap="square" rtlCol="0">
+            <a:spAutoFit/>
+          </a:bodyPr>
+          <a:lstStyle/>
+          <a:p>
+            <a:r>
+              <a:rPr lang="en-GB" sz="1100" dirty="0"/>
+              <a:t>375</a:t>
+            </a:r>
+          </a:p>
+        </p:txBody>
+      </p:sp>
+      <p:sp>
+        <p:nvSpPr>
+          <p:cNvPr id="23" name="TextBox 22">
+            <a:extLst>
+              <a:ext uri="{FF2B5EF4-FFF2-40B4-BE49-F238E27FC236}">
+                <a16:creationId xmlns:a16="http://schemas.microsoft.com/office/drawing/2014/main" id="{99F997AF-9052-4315-B449-3AC48D883B83}"/>
+              </a:ext>
+            </a:extLst>
+          </p:cNvPr>
+          <p:cNvSpPr txBox="1"/>
+          <p:nvPr/>
+        </p:nvSpPr>
+        <p:spPr>
+          <a:xfrm>
+            <a:off x="10612133" y="1543007"/>
+            <a:ext cx="401072" cy="261610"/>
+          </a:xfrm>
+          <a:prstGeom prst="rect">
+            <a:avLst/>
+          </a:prstGeom>
+          <a:noFill/>
+        </p:spPr>
+        <p:txBody>
+          <a:bodyPr wrap="none" rtlCol="0">
+            <a:spAutoFit/>
+          </a:bodyPr>
+          <a:lstStyle/>
+          <a:p>
+            <a:r>
+              <a:rPr lang="en-GB" sz="1100" dirty="0"/>
+              <a:t>850</a:t>
+            </a:r>
+          </a:p>
+        </p:txBody>
+      </p:sp>
+      <p:sp>
+        <p:nvSpPr>
+          <p:cNvPr id="24" name="TextBox 23">
+            <a:extLst>
+              <a:ext uri="{FF2B5EF4-FFF2-40B4-BE49-F238E27FC236}">
+                <a16:creationId xmlns:a16="http://schemas.microsoft.com/office/drawing/2014/main" id="{C794E27D-D653-4DEA-9C53-3795E55A5BC5}"/>
+              </a:ext>
+            </a:extLst>
+          </p:cNvPr>
+          <p:cNvSpPr txBox="1"/>
+          <p:nvPr/>
+        </p:nvSpPr>
+        <p:spPr>
+          <a:xfrm>
+            <a:off x="7624857" y="1543007"/>
+            <a:ext cx="401072" cy="261610"/>
+          </a:xfrm>
+          <a:prstGeom prst="rect">
+            <a:avLst/>
+          </a:prstGeom>
+          <a:noFill/>
+        </p:spPr>
+        <p:txBody>
+          <a:bodyPr wrap="none" rtlCol="0">
+            <a:spAutoFit/>
+          </a:bodyPr>
+          <a:lstStyle/>
+          <a:p>
+            <a:r>
+              <a:rPr lang="en-GB" sz="1100" dirty="0"/>
+              <a:t>626</a:t>
+            </a:r>
+          </a:p>
+        </p:txBody>
+      </p:sp>
+      <p:sp>
+        <p:nvSpPr>
+          <p:cNvPr id="25" name="TextBox 24">
+            <a:extLst>
+              <a:ext uri="{FF2B5EF4-FFF2-40B4-BE49-F238E27FC236}">
+                <a16:creationId xmlns:a16="http://schemas.microsoft.com/office/drawing/2014/main" id="{AEB688CD-D2DF-4991-BF3F-ED37763116A4}"/>
+              </a:ext>
+            </a:extLst>
+          </p:cNvPr>
+          <p:cNvSpPr txBox="1"/>
+          <p:nvPr/>
+        </p:nvSpPr>
+        <p:spPr>
+          <a:xfrm>
+            <a:off x="6259832" y="1543007"/>
+            <a:ext cx="401072" cy="261610"/>
+          </a:xfrm>
+          <a:prstGeom prst="rect">
+            <a:avLst/>
+          </a:prstGeom>
+          <a:noFill/>
+        </p:spPr>
+        <p:txBody>
+          <a:bodyPr wrap="none" rtlCol="0">
+            <a:spAutoFit/>
+          </a:bodyPr>
+          <a:lstStyle/>
+          <a:p>
+            <a:r>
+              <a:rPr lang="en-GB" sz="1100" dirty="0"/>
+              <a:t>525</a:t>
+            </a:r>
+          </a:p>
+        </p:txBody>
+      </p:sp>
+      <p:sp>
+        <p:nvSpPr>
+          <p:cNvPr id="26" name="TextBox 25">
+            <a:extLst>
+              <a:ext uri="{FF2B5EF4-FFF2-40B4-BE49-F238E27FC236}">
+                <a16:creationId xmlns:a16="http://schemas.microsoft.com/office/drawing/2014/main" id="{E59EAC8A-9096-41EE-A6C2-636A56FACA1F}"/>
+              </a:ext>
+            </a:extLst>
+          </p:cNvPr>
+          <p:cNvSpPr txBox="1"/>
+          <p:nvPr/>
+        </p:nvSpPr>
+        <p:spPr>
+          <a:xfrm>
+            <a:off x="5537760" y="1543007"/>
+            <a:ext cx="401072" cy="261610"/>
+          </a:xfrm>
+          <a:prstGeom prst="rect">
+            <a:avLst/>
+          </a:prstGeom>
+          <a:noFill/>
+        </p:spPr>
+        <p:txBody>
+          <a:bodyPr wrap="none" rtlCol="0">
+            <a:spAutoFit/>
+          </a:bodyPr>
+          <a:lstStyle/>
+          <a:p>
+            <a:r>
+              <a:rPr lang="en-GB" sz="1100" dirty="0"/>
+              <a:t>470</a:t>
+            </a:r>
+          </a:p>
+        </p:txBody>
+      </p:sp>
+      <p:sp>
+        <p:nvSpPr>
+          <p:cNvPr id="27" name="TextBox 26">
+            <a:extLst>
+              <a:ext uri="{FF2B5EF4-FFF2-40B4-BE49-F238E27FC236}">
+                <a16:creationId xmlns:a16="http://schemas.microsoft.com/office/drawing/2014/main" id="{EE7626AB-5590-4819-86A6-B550B4C42B2D}"/>
+              </a:ext>
+            </a:extLst>
+          </p:cNvPr>
+          <p:cNvSpPr txBox="1"/>
+          <p:nvPr/>
+        </p:nvSpPr>
+        <p:spPr>
+          <a:xfrm>
+            <a:off x="792416" y="1826833"/>
+            <a:ext cx="1356462" cy="261610"/>
+          </a:xfrm>
+          <a:prstGeom prst="rect">
+            <a:avLst/>
+          </a:prstGeom>
+          <a:noFill/>
+        </p:spPr>
+        <p:txBody>
+          <a:bodyPr wrap="none" rtlCol="0">
+            <a:spAutoFit/>
+          </a:bodyPr>
+          <a:lstStyle/>
+          <a:p>
+            <a:r>
+              <a:rPr lang="en-GB" sz="1100" dirty="0"/>
+              <a:t>Light sources (LEDs):</a:t>
+            </a:r>
+          </a:p>
+        </p:txBody>
+      </p:sp>
+      <p:sp>
+        <p:nvSpPr>
+          <p:cNvPr id="28" name="TextBox 27">
+            <a:extLst>
+              <a:ext uri="{FF2B5EF4-FFF2-40B4-BE49-F238E27FC236}">
+                <a16:creationId xmlns:a16="http://schemas.microsoft.com/office/drawing/2014/main" id="{5523807C-F0EC-4604-B0E5-72359D0E93E2}"/>
+              </a:ext>
+            </a:extLst>
+          </p:cNvPr>
+          <p:cNvSpPr txBox="1"/>
+          <p:nvPr/>
+        </p:nvSpPr>
+        <p:spPr>
+          <a:xfrm>
+            <a:off x="792416" y="3041330"/>
+            <a:ext cx="1645002" cy="261610"/>
+          </a:xfrm>
+          <a:prstGeom prst="rect">
+            <a:avLst/>
+          </a:prstGeom>
+          <a:noFill/>
+        </p:spPr>
+        <p:txBody>
+          <a:bodyPr wrap="none" rtlCol="0">
+            <a:spAutoFit/>
+          </a:bodyPr>
+          <a:lstStyle/>
+          <a:p>
+            <a:r>
+              <a:rPr lang="en-GB" sz="1100" noProof="1"/>
+              <a:t>Spectrum half width (Δλ):</a:t>
+            </a:r>
+          </a:p>
+        </p:txBody>
+      </p:sp>
+      <p:sp>
+        <p:nvSpPr>
+          <p:cNvPr id="29" name="TextBox 28">
+            <a:extLst>
+              <a:ext uri="{FF2B5EF4-FFF2-40B4-BE49-F238E27FC236}">
+                <a16:creationId xmlns:a16="http://schemas.microsoft.com/office/drawing/2014/main" id="{3131B0A3-0D07-429B-B90C-E13ADB9BD29D}"/>
+              </a:ext>
+            </a:extLst>
+          </p:cNvPr>
+          <p:cNvSpPr txBox="1"/>
+          <p:nvPr/>
+        </p:nvSpPr>
+        <p:spPr>
+          <a:xfrm>
+            <a:off x="4101151" y="3041330"/>
+            <a:ext cx="256802" cy="261610"/>
+          </a:xfrm>
+          <a:prstGeom prst="rect">
+            <a:avLst/>
+          </a:prstGeom>
+          <a:noFill/>
+        </p:spPr>
+        <p:txBody>
+          <a:bodyPr wrap="none" rtlCol="0">
+            <a:spAutoFit/>
+          </a:bodyPr>
+          <a:lstStyle/>
+          <a:p>
+            <a:r>
+              <a:rPr lang="en-GB" sz="1100" dirty="0"/>
+              <a:t>9</a:t>
+            </a:r>
+          </a:p>
+        </p:txBody>
+      </p:sp>
+      <p:sp>
+        <p:nvSpPr>
+          <p:cNvPr id="30" name="TextBox 29">
+            <a:extLst>
+              <a:ext uri="{FF2B5EF4-FFF2-40B4-BE49-F238E27FC236}">
+                <a16:creationId xmlns:a16="http://schemas.microsoft.com/office/drawing/2014/main" id="{F2A9E562-BFC9-4074-B819-B00061525E6E}"/>
+              </a:ext>
+            </a:extLst>
+          </p:cNvPr>
+          <p:cNvSpPr txBox="1"/>
+          <p:nvPr/>
+        </p:nvSpPr>
+        <p:spPr>
+          <a:xfrm>
+            <a:off x="10123542" y="3026309"/>
+            <a:ext cx="328936" cy="261610"/>
+          </a:xfrm>
+          <a:prstGeom prst="rect">
+            <a:avLst/>
+          </a:prstGeom>
+          <a:noFill/>
+        </p:spPr>
+        <p:txBody>
+          <a:bodyPr wrap="none" rtlCol="0">
+            <a:spAutoFit/>
+          </a:bodyPr>
+          <a:lstStyle/>
+          <a:p>
+            <a:r>
+              <a:rPr lang="en-GB" sz="1100" dirty="0"/>
+              <a:t>45</a:t>
+            </a:r>
+          </a:p>
+        </p:txBody>
+      </p:sp>
+      <p:sp>
+        <p:nvSpPr>
+          <p:cNvPr id="31" name="TextBox 30">
+            <a:extLst>
+              <a:ext uri="{FF2B5EF4-FFF2-40B4-BE49-F238E27FC236}">
+                <a16:creationId xmlns:a16="http://schemas.microsoft.com/office/drawing/2014/main" id="{D0F9E702-31AB-47E7-9107-30427D26DA8F}"/>
+              </a:ext>
+            </a:extLst>
+          </p:cNvPr>
+          <p:cNvSpPr txBox="1"/>
+          <p:nvPr/>
+        </p:nvSpPr>
+        <p:spPr>
+          <a:xfrm>
+            <a:off x="8064401" y="3026309"/>
+            <a:ext cx="328936" cy="261610"/>
+          </a:xfrm>
+          <a:prstGeom prst="rect">
+            <a:avLst/>
+          </a:prstGeom>
+          <a:noFill/>
+        </p:spPr>
+        <p:txBody>
+          <a:bodyPr wrap="none" rtlCol="0">
+            <a:spAutoFit/>
+          </a:bodyPr>
+          <a:lstStyle/>
+          <a:p>
+            <a:r>
+              <a:rPr lang="en-GB" sz="1100" dirty="0"/>
+              <a:t>20</a:t>
+            </a:r>
+          </a:p>
+        </p:txBody>
+      </p:sp>
+      <p:sp>
+        <p:nvSpPr>
+          <p:cNvPr id="32" name="TextBox 31">
+            <a:extLst>
+              <a:ext uri="{FF2B5EF4-FFF2-40B4-BE49-F238E27FC236}">
+                <a16:creationId xmlns:a16="http://schemas.microsoft.com/office/drawing/2014/main" id="{B2BD5A07-E708-4FE4-909F-B686250565B5}"/>
+              </a:ext>
+            </a:extLst>
+          </p:cNvPr>
+          <p:cNvSpPr txBox="1"/>
+          <p:nvPr/>
+        </p:nvSpPr>
+        <p:spPr>
+          <a:xfrm>
+            <a:off x="6764502" y="3029661"/>
+            <a:ext cx="328936" cy="261610"/>
+          </a:xfrm>
+          <a:prstGeom prst="rect">
+            <a:avLst/>
+          </a:prstGeom>
+          <a:noFill/>
+        </p:spPr>
+        <p:txBody>
+          <a:bodyPr wrap="none" rtlCol="0">
+            <a:spAutoFit/>
+          </a:bodyPr>
+          <a:lstStyle/>
+          <a:p>
+            <a:r>
+              <a:rPr lang="en-GB" sz="1100" dirty="0"/>
+              <a:t>40</a:t>
+            </a:r>
+          </a:p>
+        </p:txBody>
+      </p:sp>
+      <p:sp>
+        <p:nvSpPr>
+          <p:cNvPr id="33" name="TextBox 32">
+            <a:extLst>
+              <a:ext uri="{FF2B5EF4-FFF2-40B4-BE49-F238E27FC236}">
+                <a16:creationId xmlns:a16="http://schemas.microsoft.com/office/drawing/2014/main" id="{555847B5-777E-4B36-BB2D-3C691A9EE107}"/>
+              </a:ext>
+            </a:extLst>
+          </p:cNvPr>
+          <p:cNvSpPr txBox="1"/>
+          <p:nvPr/>
+        </p:nvSpPr>
+        <p:spPr>
+          <a:xfrm>
+            <a:off x="5258209" y="3026309"/>
+            <a:ext cx="328936" cy="261610"/>
+          </a:xfrm>
+          <a:prstGeom prst="rect">
+            <a:avLst/>
+          </a:prstGeom>
+          <a:noFill/>
+        </p:spPr>
+        <p:txBody>
+          <a:bodyPr wrap="none" rtlCol="0">
+            <a:spAutoFit/>
+          </a:bodyPr>
+          <a:lstStyle/>
+          <a:p>
+            <a:r>
+              <a:rPr lang="en-GB" sz="1100" dirty="0"/>
+              <a:t>26</a:t>
+            </a:r>
+          </a:p>
+        </p:txBody>
+      </p:sp>
+    </p:spTree>
+    <p:extLst>
+      <p:ext uri="{BB962C8B-B14F-4D97-AF65-F5344CB8AC3E}">
+        <p14:creationId xmlns:p14="http://schemas.microsoft.com/office/powerpoint/2010/main" val="117233692"/>
+      </p:ext>
+    </p:extLst>
+  </p:cSld>
+  <p:clrMapOvr>
+    <a:masterClrMapping/>
+  </p:clrMapOvr>
+</p:sld>
+</file>
+
+<file path=ppt/slides/slide12.xml><?xml version="1.0" encoding="utf-8"?>
+<p:sld xmlns:a="http://schemas.openxmlformats.org/drawingml/2006/main" xmlns:r="http://schemas.openxmlformats.org/officeDocument/2006/relationships" xmlns:p="http://schemas.openxmlformats.org/presentationml/2006/main">
+  <p:cSld>
+    <p:spTree>
+      <p:nvGrpSpPr>
+        <p:cNvPr id="1" name=""/>
+        <p:cNvGrpSpPr/>
+        <p:nvPr/>
+      </p:nvGrpSpPr>
+      <p:grpSpPr>
+        <a:xfrm>
+          <a:off x="0" y="0"/>
+          <a:ext cx="0" cy="0"/>
+          <a:chOff x="0" y="0"/>
+          <a:chExt cx="0" cy="0"/>
+        </a:xfrm>
+      </p:grpSpPr>
       <p:sp>
         <p:nvSpPr>
           <p:cNvPr id="4" name="TextBox 3">
@@ -8435,7 +12333,7 @@
 </p:sld>
 </file>
 
-<file path=ppt/slides/slide11.xml><?xml version="1.0" encoding="utf-8"?>
+<file path=ppt/slides/slide13.xml><?xml version="1.0" encoding="utf-8"?>
 <p:sld xmlns:a="http://schemas.openxmlformats.org/drawingml/2006/main" xmlns:r="http://schemas.openxmlformats.org/officeDocument/2006/relationships" xmlns:p="http://schemas.openxmlformats.org/presentationml/2006/main">
   <p:cSld>
     <p:spTree>
@@ -20493,25 +24391,25 @@
           <p:nvPr>
             <p:extLst>
               <p:ext uri="{D42A27DB-BD31-4B8C-83A1-F6EECF244321}">
-                <p14:modId xmlns:p14="http://schemas.microsoft.com/office/powerpoint/2010/main" val="1513837919"/>
+                <p14:modId xmlns:p14="http://schemas.microsoft.com/office/powerpoint/2010/main" val="4254858485"/>
               </p:ext>
             </p:extLst>
           </p:nvPr>
         </p:nvGraphicFramePr>
         <p:xfrm>
-          <a:off x="0" y="161487"/>
-          <a:ext cx="11799888" cy="6316662"/>
+          <a:off x="428625" y="423863"/>
+          <a:ext cx="9932988" cy="6010275"/>
         </p:xfrm>
         <a:graphic>
           <a:graphicData uri="http://schemas.openxmlformats.org/presentationml/2006/ole">
             <mc:AlternateContent xmlns:mc="http://schemas.openxmlformats.org/markup-compatibility/2006">
               <mc:Choice xmlns:v="urn:schemas-microsoft-com:vml" Requires="v">
-                <p:oleObj spid="_x0000_s1037" name="Worksheet" r:id="rId3" imgW="11763331" imgH="6296280" progId="Excel.Sheet.12">
+                <p:oleObj spid="_x0000_s1043" name="Worksheet" r:id="rId3" imgW="11763331" imgH="8772584" progId="Excel.Sheet.12">
                   <p:embed/>
                 </p:oleObj>
               </mc:Choice>
               <mc:Fallback>
-                <p:oleObj name="Worksheet" r:id="rId3" imgW="11763331" imgH="6296280" progId="Excel.Sheet.12">
+                <p:oleObj name="Worksheet" r:id="rId3" imgW="11763331" imgH="8772584" progId="Excel.Sheet.12">
                   <p:embed/>
                   <p:pic>
                     <p:nvPicPr>
@@ -20527,8 +24425,8 @@
                     </p:blipFill>
                     <p:spPr>
                       <a:xfrm>
-                        <a:off x="0" y="161487"/>
-                        <a:ext cx="11799888" cy="6316662"/>
+                        <a:off x="428625" y="423863"/>
+                        <a:ext cx="9932988" cy="6010275"/>
                       </a:xfrm>
                       <a:prstGeom prst="rect">
                         <a:avLst/>
@@ -20571,42 +24469,538 @@
           <a:chExt cx="0" cy="0"/>
         </a:xfrm>
       </p:grpSpPr>
-      <p:graphicFrame>
-        <p:nvGraphicFramePr>
-          <p:cNvPr id="16" name="Chart 15">
-            <a:extLst>
-              <a:ext uri="{FF2B5EF4-FFF2-40B4-BE49-F238E27FC236}">
-                <a16:creationId xmlns:a16="http://schemas.microsoft.com/office/drawing/2014/main" id="{C45DB447-AA40-4F25-8F94-2F28FBEAE8EF}"/>
-              </a:ext>
-            </a:extLst>
-          </p:cNvPr>
-          <p:cNvGraphicFramePr>
-            <a:graphicFrameLocks/>
-          </p:cNvGraphicFramePr>
-          <p:nvPr>
-            <p:extLst>
-              <p:ext uri="{D42A27DB-BD31-4B8C-83A1-F6EECF244321}">
-                <p14:modId xmlns:p14="http://schemas.microsoft.com/office/powerpoint/2010/main" val="847916329"/>
-              </p:ext>
-            </p:extLst>
-          </p:nvPr>
-        </p:nvGraphicFramePr>
-        <p:xfrm>
-          <a:off x="483327" y="1673812"/>
-          <a:ext cx="11225345" cy="3510375"/>
-        </p:xfrm>
-        <a:graphic>
-          <a:graphicData uri="http://schemas.openxmlformats.org/drawingml/2006/chart">
-            <c:chart xmlns:c="http://schemas.openxmlformats.org/drawingml/2006/chart" xmlns:r="http://schemas.openxmlformats.org/officeDocument/2006/relationships" r:id="rId2"/>
-          </a:graphicData>
-        </a:graphic>
-      </p:graphicFrame>
-      <p:sp>
-        <p:nvSpPr>
-          <p:cNvPr id="17" name="TextBox 16">
-            <a:extLst>
-              <a:ext uri="{FF2B5EF4-FFF2-40B4-BE49-F238E27FC236}">
-                <a16:creationId xmlns:a16="http://schemas.microsoft.com/office/drawing/2014/main" id="{3F7A7EA1-6357-43B6-B4FB-D3F14C9C6FE0}"/>
+      <p:cxnSp>
+        <p:nvCxnSpPr>
+          <p:cNvPr id="6" name="Straight Connector 5">
+            <a:extLst>
+              <a:ext uri="{FF2B5EF4-FFF2-40B4-BE49-F238E27FC236}">
+                <a16:creationId xmlns:a16="http://schemas.microsoft.com/office/drawing/2014/main" id="{33BE2804-2FBC-4CA3-8052-2AAC8EA96619}"/>
+              </a:ext>
+            </a:extLst>
+          </p:cNvPr>
+          <p:cNvCxnSpPr/>
+          <p:nvPr/>
+        </p:nvCxnSpPr>
+        <p:spPr>
+          <a:xfrm>
+            <a:off x="768647" y="3153218"/>
+            <a:ext cx="11049000" cy="0"/>
+          </a:xfrm>
+          <a:prstGeom prst="line">
+            <a:avLst/>
+          </a:prstGeom>
+          <a:ln w="19050">
+            <a:solidFill>
+              <a:srgbClr val="00B050"/>
+            </a:solidFill>
+          </a:ln>
+        </p:spPr>
+        <p:style>
+          <a:lnRef idx="1">
+            <a:schemeClr val="accent1"/>
+          </a:lnRef>
+          <a:fillRef idx="0">
+            <a:schemeClr val="accent1"/>
+          </a:fillRef>
+          <a:effectRef idx="0">
+            <a:schemeClr val="accent1"/>
+          </a:effectRef>
+          <a:fontRef idx="minor">
+            <a:schemeClr val="tx1"/>
+          </a:fontRef>
+        </p:style>
+      </p:cxnSp>
+      <p:cxnSp>
+        <p:nvCxnSpPr>
+          <p:cNvPr id="8" name="Straight Connector 7">
+            <a:extLst>
+              <a:ext uri="{FF2B5EF4-FFF2-40B4-BE49-F238E27FC236}">
+                <a16:creationId xmlns:a16="http://schemas.microsoft.com/office/drawing/2014/main" id="{D7CD3AB8-2F84-43F1-92BF-2A660B102934}"/>
+              </a:ext>
+            </a:extLst>
+          </p:cNvPr>
+          <p:cNvCxnSpPr/>
+          <p:nvPr/>
+        </p:nvCxnSpPr>
+        <p:spPr>
+          <a:xfrm>
+            <a:off x="4543425" y="1581150"/>
+            <a:ext cx="0" cy="3114675"/>
+          </a:xfrm>
+          <a:prstGeom prst="line">
+            <a:avLst/>
+          </a:prstGeom>
+          <a:ln w="19050">
+            <a:solidFill>
+              <a:srgbClr val="00B050"/>
+            </a:solidFill>
+          </a:ln>
+        </p:spPr>
+        <p:style>
+          <a:lnRef idx="1">
+            <a:schemeClr val="accent1"/>
+          </a:lnRef>
+          <a:fillRef idx="0">
+            <a:schemeClr val="accent1"/>
+          </a:fillRef>
+          <a:effectRef idx="0">
+            <a:schemeClr val="accent1"/>
+          </a:effectRef>
+          <a:fontRef idx="minor">
+            <a:schemeClr val="tx1"/>
+          </a:fontRef>
+        </p:style>
+      </p:cxnSp>
+      <p:cxnSp>
+        <p:nvCxnSpPr>
+          <p:cNvPr id="10" name="Straight Connector 9">
+            <a:extLst>
+              <a:ext uri="{FF2B5EF4-FFF2-40B4-BE49-F238E27FC236}">
+                <a16:creationId xmlns:a16="http://schemas.microsoft.com/office/drawing/2014/main" id="{03481971-C9FB-4FB2-A2A2-14A893378F02}"/>
+              </a:ext>
+            </a:extLst>
+          </p:cNvPr>
+          <p:cNvCxnSpPr/>
+          <p:nvPr/>
+        </p:nvCxnSpPr>
+        <p:spPr>
+          <a:xfrm>
+            <a:off x="5895975" y="1581150"/>
+            <a:ext cx="0" cy="3105150"/>
+          </a:xfrm>
+          <a:prstGeom prst="line">
+            <a:avLst/>
+          </a:prstGeom>
+          <a:ln w="19050">
+            <a:solidFill>
+              <a:srgbClr val="00B050"/>
+            </a:solidFill>
+          </a:ln>
+        </p:spPr>
+        <p:style>
+          <a:lnRef idx="1">
+            <a:schemeClr val="accent1"/>
+          </a:lnRef>
+          <a:fillRef idx="0">
+            <a:schemeClr val="accent1"/>
+          </a:fillRef>
+          <a:effectRef idx="0">
+            <a:schemeClr val="accent1"/>
+          </a:effectRef>
+          <a:fontRef idx="minor">
+            <a:schemeClr val="tx1"/>
+          </a:fontRef>
+        </p:style>
+      </p:cxnSp>
+      <p:cxnSp>
+        <p:nvCxnSpPr>
+          <p:cNvPr id="12" name="Straight Connector 11">
+            <a:extLst>
+              <a:ext uri="{FF2B5EF4-FFF2-40B4-BE49-F238E27FC236}">
+                <a16:creationId xmlns:a16="http://schemas.microsoft.com/office/drawing/2014/main" id="{334B5E2D-AB51-4D3B-81C7-23CACF9D06D6}"/>
+              </a:ext>
+            </a:extLst>
+          </p:cNvPr>
+          <p:cNvCxnSpPr/>
+          <p:nvPr/>
+        </p:nvCxnSpPr>
+        <p:spPr>
+          <a:xfrm>
+            <a:off x="6626699" y="1581150"/>
+            <a:ext cx="0" cy="3114675"/>
+          </a:xfrm>
+          <a:prstGeom prst="line">
+            <a:avLst/>
+          </a:prstGeom>
+          <a:ln w="19050">
+            <a:solidFill>
+              <a:srgbClr val="00B050"/>
+            </a:solidFill>
+          </a:ln>
+        </p:spPr>
+        <p:style>
+          <a:lnRef idx="1">
+            <a:schemeClr val="accent1"/>
+          </a:lnRef>
+          <a:fillRef idx="0">
+            <a:schemeClr val="accent1"/>
+          </a:fillRef>
+          <a:effectRef idx="0">
+            <a:schemeClr val="accent1"/>
+          </a:effectRef>
+          <a:fontRef idx="minor">
+            <a:schemeClr val="tx1"/>
+          </a:fontRef>
+        </p:style>
+      </p:cxnSp>
+      <p:cxnSp>
+        <p:nvCxnSpPr>
+          <p:cNvPr id="14" name="Straight Connector 13">
+            <a:extLst>
+              <a:ext uri="{FF2B5EF4-FFF2-40B4-BE49-F238E27FC236}">
+                <a16:creationId xmlns:a16="http://schemas.microsoft.com/office/drawing/2014/main" id="{C1620454-7435-46BD-9D22-A25405D22B6C}"/>
+              </a:ext>
+            </a:extLst>
+          </p:cNvPr>
+          <p:cNvCxnSpPr/>
+          <p:nvPr/>
+        </p:nvCxnSpPr>
+        <p:spPr>
+          <a:xfrm>
+            <a:off x="8027982" y="1581150"/>
+            <a:ext cx="0" cy="3105150"/>
+          </a:xfrm>
+          <a:prstGeom prst="line">
+            <a:avLst/>
+          </a:prstGeom>
+          <a:ln w="19050">
+            <a:solidFill>
+              <a:srgbClr val="00B050"/>
+            </a:solidFill>
+          </a:ln>
+        </p:spPr>
+        <p:style>
+          <a:lnRef idx="1">
+            <a:schemeClr val="accent1"/>
+          </a:lnRef>
+          <a:fillRef idx="0">
+            <a:schemeClr val="accent1"/>
+          </a:fillRef>
+          <a:effectRef idx="0">
+            <a:schemeClr val="accent1"/>
+          </a:effectRef>
+          <a:fontRef idx="minor">
+            <a:schemeClr val="tx1"/>
+          </a:fontRef>
+        </p:style>
+      </p:cxnSp>
+      <p:cxnSp>
+        <p:nvCxnSpPr>
+          <p:cNvPr id="16" name="Straight Connector 15">
+            <a:extLst>
+              <a:ext uri="{FF2B5EF4-FFF2-40B4-BE49-F238E27FC236}">
+                <a16:creationId xmlns:a16="http://schemas.microsoft.com/office/drawing/2014/main" id="{2F104335-1750-4F75-9616-C3195E857DEB}"/>
+              </a:ext>
+            </a:extLst>
+          </p:cNvPr>
+          <p:cNvCxnSpPr/>
+          <p:nvPr/>
+        </p:nvCxnSpPr>
+        <p:spPr>
+          <a:xfrm>
+            <a:off x="11100748" y="1581150"/>
+            <a:ext cx="0" cy="3105150"/>
+          </a:xfrm>
+          <a:prstGeom prst="line">
+            <a:avLst/>
+          </a:prstGeom>
+          <a:ln w="19050">
+            <a:solidFill>
+              <a:srgbClr val="00B050"/>
+            </a:solidFill>
+          </a:ln>
+        </p:spPr>
+        <p:style>
+          <a:lnRef idx="1">
+            <a:schemeClr val="accent1"/>
+          </a:lnRef>
+          <a:fillRef idx="0">
+            <a:schemeClr val="accent1"/>
+          </a:fillRef>
+          <a:effectRef idx="0">
+            <a:schemeClr val="accent1"/>
+          </a:effectRef>
+          <a:fontRef idx="minor">
+            <a:schemeClr val="tx1"/>
+          </a:fontRef>
+        </p:style>
+      </p:cxnSp>
+      <p:sp>
+        <p:nvSpPr>
+          <p:cNvPr id="17" name="Rectangle 16">
+            <a:extLst>
+              <a:ext uri="{FF2B5EF4-FFF2-40B4-BE49-F238E27FC236}">
+                <a16:creationId xmlns:a16="http://schemas.microsoft.com/office/drawing/2014/main" id="{F2B8CFDF-89DB-4173-8CC2-1C215A97FD18}"/>
+              </a:ext>
+            </a:extLst>
+          </p:cNvPr>
+          <p:cNvSpPr/>
+          <p:nvPr/>
+        </p:nvSpPr>
+        <p:spPr>
+          <a:xfrm>
+            <a:off x="4491679" y="3124200"/>
+            <a:ext cx="107618" cy="1562100"/>
+          </a:xfrm>
+          <a:prstGeom prst="rect">
+            <a:avLst/>
+          </a:prstGeom>
+          <a:solidFill>
+            <a:schemeClr val="accent6">
+              <a:lumMod val="20000"/>
+              <a:lumOff val="80000"/>
+              <a:alpha val="50000"/>
+            </a:schemeClr>
+          </a:solidFill>
+          <a:ln>
+            <a:noFill/>
+          </a:ln>
+        </p:spPr>
+        <p:style>
+          <a:lnRef idx="2">
+            <a:schemeClr val="accent1">
+              <a:shade val="50000"/>
+            </a:schemeClr>
+          </a:lnRef>
+          <a:fillRef idx="1">
+            <a:schemeClr val="accent1"/>
+          </a:fillRef>
+          <a:effectRef idx="0">
+            <a:schemeClr val="accent1"/>
+          </a:effectRef>
+          <a:fontRef idx="minor">
+            <a:schemeClr val="lt1"/>
+          </a:fontRef>
+        </p:style>
+        <p:txBody>
+          <a:bodyPr rtlCol="0" anchor="ctr"/>
+          <a:lstStyle/>
+          <a:p>
+            <a:pPr algn="ctr"/>
+            <a:endParaRPr lang="en-GB"/>
+          </a:p>
+        </p:txBody>
+      </p:sp>
+      <p:sp>
+        <p:nvSpPr>
+          <p:cNvPr id="18" name="Rectangle 17">
+            <a:extLst>
+              <a:ext uri="{FF2B5EF4-FFF2-40B4-BE49-F238E27FC236}">
+                <a16:creationId xmlns:a16="http://schemas.microsoft.com/office/drawing/2014/main" id="{DE88CC45-93F1-410D-B9AE-8E9AA2A5A20E}"/>
+              </a:ext>
+            </a:extLst>
+          </p:cNvPr>
+          <p:cNvSpPr/>
+          <p:nvPr/>
+        </p:nvSpPr>
+        <p:spPr>
+          <a:xfrm>
+            <a:off x="5749475" y="3133725"/>
+            <a:ext cx="332871" cy="1562100"/>
+          </a:xfrm>
+          <a:prstGeom prst="rect">
+            <a:avLst/>
+          </a:prstGeom>
+          <a:solidFill>
+            <a:schemeClr val="accent6">
+              <a:lumMod val="20000"/>
+              <a:lumOff val="80000"/>
+              <a:alpha val="50000"/>
+            </a:schemeClr>
+          </a:solidFill>
+          <a:ln>
+            <a:noFill/>
+          </a:ln>
+        </p:spPr>
+        <p:style>
+          <a:lnRef idx="2">
+            <a:schemeClr val="accent1">
+              <a:shade val="50000"/>
+            </a:schemeClr>
+          </a:lnRef>
+          <a:fillRef idx="1">
+            <a:schemeClr val="accent1"/>
+          </a:fillRef>
+          <a:effectRef idx="0">
+            <a:schemeClr val="accent1"/>
+          </a:effectRef>
+          <a:fontRef idx="minor">
+            <a:schemeClr val="lt1"/>
+          </a:fontRef>
+        </p:style>
+        <p:txBody>
+          <a:bodyPr rtlCol="0" anchor="ctr"/>
+          <a:lstStyle/>
+          <a:p>
+            <a:pPr algn="ctr"/>
+            <a:endParaRPr lang="en-GB"/>
+          </a:p>
+        </p:txBody>
+      </p:sp>
+      <p:sp>
+        <p:nvSpPr>
+          <p:cNvPr id="19" name="Rectangle 18">
+            <a:extLst>
+              <a:ext uri="{FF2B5EF4-FFF2-40B4-BE49-F238E27FC236}">
+                <a16:creationId xmlns:a16="http://schemas.microsoft.com/office/drawing/2014/main" id="{AEA8D113-93EB-4E79-89CB-B4E3EE050D48}"/>
+              </a:ext>
+            </a:extLst>
+          </p:cNvPr>
+          <p:cNvSpPr/>
+          <p:nvPr/>
+        </p:nvSpPr>
+        <p:spPr>
+          <a:xfrm>
+            <a:off x="6406700" y="3124200"/>
+            <a:ext cx="478593" cy="1562100"/>
+          </a:xfrm>
+          <a:prstGeom prst="rect">
+            <a:avLst/>
+          </a:prstGeom>
+          <a:solidFill>
+            <a:schemeClr val="accent6">
+              <a:lumMod val="20000"/>
+              <a:lumOff val="80000"/>
+              <a:alpha val="50000"/>
+            </a:schemeClr>
+          </a:solidFill>
+          <a:ln>
+            <a:noFill/>
+          </a:ln>
+        </p:spPr>
+        <p:style>
+          <a:lnRef idx="2">
+            <a:schemeClr val="accent1">
+              <a:shade val="50000"/>
+            </a:schemeClr>
+          </a:lnRef>
+          <a:fillRef idx="1">
+            <a:schemeClr val="accent1"/>
+          </a:fillRef>
+          <a:effectRef idx="0">
+            <a:schemeClr val="accent1"/>
+          </a:effectRef>
+          <a:fontRef idx="minor">
+            <a:schemeClr val="lt1"/>
+          </a:fontRef>
+        </p:style>
+        <p:txBody>
+          <a:bodyPr rtlCol="0" anchor="ctr"/>
+          <a:lstStyle/>
+          <a:p>
+            <a:pPr algn="ctr"/>
+            <a:endParaRPr lang="en-GB"/>
+          </a:p>
+        </p:txBody>
+      </p:sp>
+      <p:sp>
+        <p:nvSpPr>
+          <p:cNvPr id="20" name="Rectangle 19">
+            <a:extLst>
+              <a:ext uri="{FF2B5EF4-FFF2-40B4-BE49-F238E27FC236}">
+                <a16:creationId xmlns:a16="http://schemas.microsoft.com/office/drawing/2014/main" id="{F89AC131-3425-4AAE-96E5-ABDBECDD1212}"/>
+              </a:ext>
+            </a:extLst>
+          </p:cNvPr>
+          <p:cNvSpPr/>
+          <p:nvPr/>
+        </p:nvSpPr>
+        <p:spPr>
+          <a:xfrm>
+            <a:off x="7909730" y="3124200"/>
+            <a:ext cx="313039" cy="1562100"/>
+          </a:xfrm>
+          <a:prstGeom prst="rect">
+            <a:avLst/>
+          </a:prstGeom>
+          <a:solidFill>
+            <a:schemeClr val="accent6">
+              <a:lumMod val="20000"/>
+              <a:lumOff val="80000"/>
+              <a:alpha val="50000"/>
+            </a:schemeClr>
+          </a:solidFill>
+          <a:ln>
+            <a:noFill/>
+          </a:ln>
+        </p:spPr>
+        <p:style>
+          <a:lnRef idx="2">
+            <a:schemeClr val="accent1">
+              <a:shade val="50000"/>
+            </a:schemeClr>
+          </a:lnRef>
+          <a:fillRef idx="1">
+            <a:schemeClr val="accent1"/>
+          </a:fillRef>
+          <a:effectRef idx="0">
+            <a:schemeClr val="accent1"/>
+          </a:effectRef>
+          <a:fontRef idx="minor">
+            <a:schemeClr val="lt1"/>
+          </a:fontRef>
+        </p:style>
+        <p:txBody>
+          <a:bodyPr rtlCol="0" anchor="ctr"/>
+          <a:lstStyle/>
+          <a:p>
+            <a:pPr algn="ctr"/>
+            <a:endParaRPr lang="en-GB"/>
+          </a:p>
+        </p:txBody>
+      </p:sp>
+      <p:sp>
+        <p:nvSpPr>
+          <p:cNvPr id="21" name="Rectangle 20">
+            <a:extLst>
+              <a:ext uri="{FF2B5EF4-FFF2-40B4-BE49-F238E27FC236}">
+                <a16:creationId xmlns:a16="http://schemas.microsoft.com/office/drawing/2014/main" id="{ACCA1D47-2F26-449C-A8AB-E8AC42038B29}"/>
+              </a:ext>
+            </a:extLst>
+          </p:cNvPr>
+          <p:cNvSpPr/>
+          <p:nvPr/>
+        </p:nvSpPr>
+        <p:spPr>
+          <a:xfrm>
+            <a:off x="10770074" y="3124200"/>
+            <a:ext cx="692624" cy="1562100"/>
+          </a:xfrm>
+          <a:prstGeom prst="rect">
+            <a:avLst/>
+          </a:prstGeom>
+          <a:solidFill>
+            <a:schemeClr val="accent6">
+              <a:lumMod val="20000"/>
+              <a:lumOff val="80000"/>
+              <a:alpha val="50000"/>
+            </a:schemeClr>
+          </a:solidFill>
+          <a:ln>
+            <a:noFill/>
+          </a:ln>
+        </p:spPr>
+        <p:style>
+          <a:lnRef idx="2">
+            <a:schemeClr val="accent1">
+              <a:shade val="50000"/>
+            </a:schemeClr>
+          </a:lnRef>
+          <a:fillRef idx="1">
+            <a:schemeClr val="accent1"/>
+          </a:fillRef>
+          <a:effectRef idx="0">
+            <a:schemeClr val="accent1"/>
+          </a:effectRef>
+          <a:fontRef idx="minor">
+            <a:schemeClr val="lt1"/>
+          </a:fontRef>
+        </p:style>
+        <p:txBody>
+          <a:bodyPr rtlCol="0" anchor="ctr"/>
+          <a:lstStyle/>
+          <a:p>
+            <a:pPr algn="ctr"/>
+            <a:endParaRPr lang="en-GB"/>
+          </a:p>
+        </p:txBody>
+      </p:sp>
+      <p:sp>
+        <p:nvSpPr>
+          <p:cNvPr id="22" name="TextBox 21">
+            <a:extLst>
+              <a:ext uri="{FF2B5EF4-FFF2-40B4-BE49-F238E27FC236}">
+                <a16:creationId xmlns:a16="http://schemas.microsoft.com/office/drawing/2014/main" id="{41D1D356-F6FC-4A03-8D1F-42CC8082113E}"/>
               </a:ext>
             </a:extLst>
           </p:cNvPr>
@@ -20615,7 +25009,7 @@
         </p:nvSpPr>
         <p:spPr>
           <a:xfrm>
-            <a:off x="10385052" y="1826833"/>
+            <a:off x="10967948" y="4402716"/>
             <a:ext cx="296876" cy="261610"/>
           </a:xfrm>
           <a:prstGeom prst="rect">
@@ -20638,10 +25032,10 @@
       </p:sp>
       <p:sp>
         <p:nvSpPr>
-          <p:cNvPr id="18" name="TextBox 17">
-            <a:extLst>
-              <a:ext uri="{FF2B5EF4-FFF2-40B4-BE49-F238E27FC236}">
-                <a16:creationId xmlns:a16="http://schemas.microsoft.com/office/drawing/2014/main" id="{3B0EBD67-2194-473E-892E-F4C4674DB98D}"/>
+          <p:cNvPr id="23" name="TextBox 22">
+            <a:extLst>
+              <a:ext uri="{FF2B5EF4-FFF2-40B4-BE49-F238E27FC236}">
+                <a16:creationId xmlns:a16="http://schemas.microsoft.com/office/drawing/2014/main" id="{D57F9A29-3101-4317-922C-234FCE7EE846}"/>
               </a:ext>
             </a:extLst>
           </p:cNvPr>
@@ -20650,7 +25044,7 @@
         </p:nvSpPr>
         <p:spPr>
           <a:xfrm>
-            <a:off x="3931856" y="1826833"/>
+            <a:off x="4349783" y="4402716"/>
             <a:ext cx="436338" cy="261610"/>
           </a:xfrm>
           <a:prstGeom prst="rect">
@@ -20673,10 +25067,10 @@
       </p:sp>
       <p:sp>
         <p:nvSpPr>
-          <p:cNvPr id="19" name="TextBox 18">
-            <a:extLst>
-              <a:ext uri="{FF2B5EF4-FFF2-40B4-BE49-F238E27FC236}">
-                <a16:creationId xmlns:a16="http://schemas.microsoft.com/office/drawing/2014/main" id="{37579977-F074-4CD6-BDBC-ED26D4C47F92}"/>
+          <p:cNvPr id="24" name="TextBox 23">
+            <a:extLst>
+              <a:ext uri="{FF2B5EF4-FFF2-40B4-BE49-F238E27FC236}">
+                <a16:creationId xmlns:a16="http://schemas.microsoft.com/office/drawing/2014/main" id="{5A9451A1-D59A-44A4-84D9-D5730D0B7E23}"/>
               </a:ext>
             </a:extLst>
           </p:cNvPr>
@@ -20685,7 +25079,7 @@
         </p:nvSpPr>
         <p:spPr>
           <a:xfrm>
-            <a:off x="5225563" y="1826833"/>
+            <a:off x="5670910" y="4407008"/>
             <a:ext cx="437940" cy="261610"/>
           </a:xfrm>
           <a:prstGeom prst="rect">
@@ -20708,10 +25102,10 @@
       </p:sp>
       <p:sp>
         <p:nvSpPr>
-          <p:cNvPr id="20" name="TextBox 19">
-            <a:extLst>
-              <a:ext uri="{FF2B5EF4-FFF2-40B4-BE49-F238E27FC236}">
-                <a16:creationId xmlns:a16="http://schemas.microsoft.com/office/drawing/2014/main" id="{3775AB9F-AB22-468C-832B-40C249AFFC3E}"/>
+          <p:cNvPr id="25" name="TextBox 24">
+            <a:extLst>
+              <a:ext uri="{FF2B5EF4-FFF2-40B4-BE49-F238E27FC236}">
+                <a16:creationId xmlns:a16="http://schemas.microsoft.com/office/drawing/2014/main" id="{F856FA51-7B95-4D15-A9F2-09013618D6D7}"/>
               </a:ext>
             </a:extLst>
           </p:cNvPr>
@@ -20720,7 +25114,7 @@
         </p:nvSpPr>
         <p:spPr>
           <a:xfrm>
-            <a:off x="8025929" y="1826833"/>
+            <a:off x="7863309" y="4432167"/>
             <a:ext cx="405880" cy="261610"/>
           </a:xfrm>
           <a:prstGeom prst="rect">
@@ -20743,10 +25137,10 @@
       </p:sp>
       <p:sp>
         <p:nvSpPr>
-          <p:cNvPr id="21" name="TextBox 20">
-            <a:extLst>
-              <a:ext uri="{FF2B5EF4-FFF2-40B4-BE49-F238E27FC236}">
-                <a16:creationId xmlns:a16="http://schemas.microsoft.com/office/drawing/2014/main" id="{861F4B06-A7C7-4179-AAC2-5CDEF09364EC}"/>
+          <p:cNvPr id="26" name="TextBox 25">
+            <a:extLst>
+              <a:ext uri="{FF2B5EF4-FFF2-40B4-BE49-F238E27FC236}">
+                <a16:creationId xmlns:a16="http://schemas.microsoft.com/office/drawing/2014/main" id="{88D26079-05C9-4614-A65C-B6EE1D0A25CE}"/>
               </a:ext>
             </a:extLst>
           </p:cNvPr>
@@ -20755,7 +25149,7 @@
         </p:nvSpPr>
         <p:spPr>
           <a:xfrm>
-            <a:off x="6629630" y="1826833"/>
+            <a:off x="6381886" y="4407347"/>
             <a:ext cx="538930" cy="261610"/>
           </a:xfrm>
           <a:prstGeom prst="rect">
@@ -20778,10 +25172,10 @@
       </p:sp>
       <p:sp>
         <p:nvSpPr>
-          <p:cNvPr id="22" name="TextBox 21">
-            <a:extLst>
-              <a:ext uri="{FF2B5EF4-FFF2-40B4-BE49-F238E27FC236}">
-                <a16:creationId xmlns:a16="http://schemas.microsoft.com/office/drawing/2014/main" id="{F7B3418D-A049-49D9-B8F3-077A9154D3E3}"/>
+          <p:cNvPr id="27" name="TextBox 26">
+            <a:extLst>
+              <a:ext uri="{FF2B5EF4-FFF2-40B4-BE49-F238E27FC236}">
+                <a16:creationId xmlns:a16="http://schemas.microsoft.com/office/drawing/2014/main" id="{5B63009C-F38A-40EF-AEE5-10D69518357F}"/>
               </a:ext>
             </a:extLst>
           </p:cNvPr>
@@ -20790,7 +25184,7 @@
         </p:nvSpPr>
         <p:spPr>
           <a:xfrm>
-            <a:off x="4229552" y="1543007"/>
+            <a:off x="4351368" y="1299407"/>
             <a:ext cx="401072" cy="261610"/>
           </a:xfrm>
           <a:prstGeom prst="rect">
@@ -20813,10 +25207,10 @@
       </p:sp>
       <p:sp>
         <p:nvSpPr>
-          <p:cNvPr id="23" name="TextBox 22">
-            <a:extLst>
-              <a:ext uri="{FF2B5EF4-FFF2-40B4-BE49-F238E27FC236}">
-                <a16:creationId xmlns:a16="http://schemas.microsoft.com/office/drawing/2014/main" id="{99F997AF-9052-4315-B449-3AC48D883B83}"/>
+          <p:cNvPr id="28" name="TextBox 27">
+            <a:extLst>
+              <a:ext uri="{FF2B5EF4-FFF2-40B4-BE49-F238E27FC236}">
+                <a16:creationId xmlns:a16="http://schemas.microsoft.com/office/drawing/2014/main" id="{A7EF56CE-136A-4848-B5F2-F76EA71C2715}"/>
               </a:ext>
             </a:extLst>
           </p:cNvPr>
@@ -20825,7 +25219,7 @@
         </p:nvSpPr>
         <p:spPr>
           <a:xfrm>
-            <a:off x="10612133" y="1543007"/>
+            <a:off x="10915850" y="1299634"/>
             <a:ext cx="401072" cy="261610"/>
           </a:xfrm>
           <a:prstGeom prst="rect">
@@ -20848,10 +25242,10 @@
       </p:sp>
       <p:sp>
         <p:nvSpPr>
-          <p:cNvPr id="24" name="TextBox 23">
-            <a:extLst>
-              <a:ext uri="{FF2B5EF4-FFF2-40B4-BE49-F238E27FC236}">
-                <a16:creationId xmlns:a16="http://schemas.microsoft.com/office/drawing/2014/main" id="{C794E27D-D653-4DEA-9C53-3795E55A5BC5}"/>
+          <p:cNvPr id="29" name="TextBox 28">
+            <a:extLst>
+              <a:ext uri="{FF2B5EF4-FFF2-40B4-BE49-F238E27FC236}">
+                <a16:creationId xmlns:a16="http://schemas.microsoft.com/office/drawing/2014/main" id="{B9AD9E34-A3D7-45A9-A6A8-4913F27510EE}"/>
               </a:ext>
             </a:extLst>
           </p:cNvPr>
@@ -20860,7 +25254,7 @@
         </p:nvSpPr>
         <p:spPr>
           <a:xfrm>
-            <a:off x="7624857" y="1543007"/>
+            <a:off x="7806626" y="1300491"/>
             <a:ext cx="401072" cy="261610"/>
           </a:xfrm>
           <a:prstGeom prst="rect">
@@ -20883,10 +25277,10 @@
       </p:sp>
       <p:sp>
         <p:nvSpPr>
-          <p:cNvPr id="25" name="TextBox 24">
-            <a:extLst>
-              <a:ext uri="{FF2B5EF4-FFF2-40B4-BE49-F238E27FC236}">
-                <a16:creationId xmlns:a16="http://schemas.microsoft.com/office/drawing/2014/main" id="{AEB688CD-D2DF-4991-BF3F-ED37763116A4}"/>
+          <p:cNvPr id="30" name="TextBox 29">
+            <a:extLst>
+              <a:ext uri="{FF2B5EF4-FFF2-40B4-BE49-F238E27FC236}">
+                <a16:creationId xmlns:a16="http://schemas.microsoft.com/office/drawing/2014/main" id="{68A94C6E-A269-4F9C-8134-DFD6461AAFBF}"/>
               </a:ext>
             </a:extLst>
           </p:cNvPr>
@@ -20895,7 +25289,7 @@
         </p:nvSpPr>
         <p:spPr>
           <a:xfrm>
-            <a:off x="6259832" y="1543007"/>
+            <a:off x="6419409" y="1300491"/>
             <a:ext cx="401072" cy="261610"/>
           </a:xfrm>
           <a:prstGeom prst="rect">
@@ -20918,10 +25312,10 @@
       </p:sp>
       <p:sp>
         <p:nvSpPr>
-          <p:cNvPr id="26" name="TextBox 25">
-            <a:extLst>
-              <a:ext uri="{FF2B5EF4-FFF2-40B4-BE49-F238E27FC236}">
-                <a16:creationId xmlns:a16="http://schemas.microsoft.com/office/drawing/2014/main" id="{E59EAC8A-9096-41EE-A6C2-636A56FACA1F}"/>
+          <p:cNvPr id="31" name="TextBox 30">
+            <a:extLst>
+              <a:ext uri="{FF2B5EF4-FFF2-40B4-BE49-F238E27FC236}">
+                <a16:creationId xmlns:a16="http://schemas.microsoft.com/office/drawing/2014/main" id="{5A8A80AB-A05B-47AF-8563-9AE310FD1D15}"/>
               </a:ext>
             </a:extLst>
           </p:cNvPr>
@@ -20930,7 +25324,7 @@
         </p:nvSpPr>
         <p:spPr>
           <a:xfrm>
-            <a:off x="5537760" y="1543007"/>
+            <a:off x="5684053" y="1305864"/>
             <a:ext cx="401072" cy="261610"/>
           </a:xfrm>
           <a:prstGeom prst="rect">
@@ -20953,10 +25347,10 @@
       </p:sp>
       <p:sp>
         <p:nvSpPr>
-          <p:cNvPr id="27" name="TextBox 26">
-            <a:extLst>
-              <a:ext uri="{FF2B5EF4-FFF2-40B4-BE49-F238E27FC236}">
-                <a16:creationId xmlns:a16="http://schemas.microsoft.com/office/drawing/2014/main" id="{EE7626AB-5590-4819-86A6-B550B4C42B2D}"/>
+          <p:cNvPr id="32" name="TextBox 31">
+            <a:extLst>
+              <a:ext uri="{FF2B5EF4-FFF2-40B4-BE49-F238E27FC236}">
+                <a16:creationId xmlns:a16="http://schemas.microsoft.com/office/drawing/2014/main" id="{E3E66B25-2075-498E-B66D-DBF628B27BEC}"/>
               </a:ext>
             </a:extLst>
           </p:cNvPr>
@@ -20965,7 +25359,7 @@
         </p:nvSpPr>
         <p:spPr>
           <a:xfrm>
-            <a:off x="792416" y="1826833"/>
+            <a:off x="768647" y="1925714"/>
             <a:ext cx="1356462" cy="261610"/>
           </a:xfrm>
           <a:prstGeom prst="rect">
@@ -20988,10 +25382,10 @@
       </p:sp>
       <p:sp>
         <p:nvSpPr>
-          <p:cNvPr id="28" name="TextBox 27">
-            <a:extLst>
-              <a:ext uri="{FF2B5EF4-FFF2-40B4-BE49-F238E27FC236}">
-                <a16:creationId xmlns:a16="http://schemas.microsoft.com/office/drawing/2014/main" id="{5523807C-F0EC-4604-B0E5-72359D0E93E2}"/>
+          <p:cNvPr id="33" name="TextBox 32">
+            <a:extLst>
+              <a:ext uri="{FF2B5EF4-FFF2-40B4-BE49-F238E27FC236}">
+                <a16:creationId xmlns:a16="http://schemas.microsoft.com/office/drawing/2014/main" id="{CD6C342C-563E-4AD6-8B1F-0A3749FEB762}"/>
               </a:ext>
             </a:extLst>
           </p:cNvPr>
@@ -21000,7 +25394,7 @@
         </p:nvSpPr>
         <p:spPr>
           <a:xfrm>
-            <a:off x="792416" y="3041330"/>
+            <a:off x="793462" y="3192304"/>
             <a:ext cx="1645002" cy="261610"/>
           </a:xfrm>
           <a:prstGeom prst="rect">
@@ -21023,10 +25417,10 @@
       </p:sp>
       <p:sp>
         <p:nvSpPr>
-          <p:cNvPr id="29" name="TextBox 28">
-            <a:extLst>
-              <a:ext uri="{FF2B5EF4-FFF2-40B4-BE49-F238E27FC236}">
-                <a16:creationId xmlns:a16="http://schemas.microsoft.com/office/drawing/2014/main" id="{3131B0A3-0D07-429B-B90C-E13ADB9BD29D}"/>
+          <p:cNvPr id="34" name="TextBox 33">
+            <a:extLst>
+              <a:ext uri="{FF2B5EF4-FFF2-40B4-BE49-F238E27FC236}">
+                <a16:creationId xmlns:a16="http://schemas.microsoft.com/office/drawing/2014/main" id="{601A10B9-5AFA-4CF3-8C63-3DA81E2BDBF1}"/>
               </a:ext>
             </a:extLst>
           </p:cNvPr>
@@ -21035,7 +25429,7 @@
         </p:nvSpPr>
         <p:spPr>
           <a:xfrm>
-            <a:off x="4101151" y="3041330"/>
+            <a:off x="4208373" y="3192304"/>
             <a:ext cx="256802" cy="261610"/>
           </a:xfrm>
           <a:prstGeom prst="rect">
@@ -21058,10 +25452,10 @@
       </p:sp>
       <p:sp>
         <p:nvSpPr>
-          <p:cNvPr id="30" name="TextBox 29">
-            <a:extLst>
-              <a:ext uri="{FF2B5EF4-FFF2-40B4-BE49-F238E27FC236}">
-                <a16:creationId xmlns:a16="http://schemas.microsoft.com/office/drawing/2014/main" id="{F2A9E562-BFC9-4074-B819-B00061525E6E}"/>
+          <p:cNvPr id="35" name="TextBox 34">
+            <a:extLst>
+              <a:ext uri="{FF2B5EF4-FFF2-40B4-BE49-F238E27FC236}">
+                <a16:creationId xmlns:a16="http://schemas.microsoft.com/office/drawing/2014/main" id="{7E837518-93B2-43FA-B64A-E481563A3D59}"/>
               </a:ext>
             </a:extLst>
           </p:cNvPr>
@@ -21070,7 +25464,7 @@
         </p:nvSpPr>
         <p:spPr>
           <a:xfrm>
-            <a:off x="10123542" y="3026309"/>
+            <a:off x="10427021" y="3192304"/>
             <a:ext cx="328936" cy="261610"/>
           </a:xfrm>
           <a:prstGeom prst="rect">
@@ -21093,10 +25487,10 @@
       </p:sp>
       <p:sp>
         <p:nvSpPr>
-          <p:cNvPr id="31" name="TextBox 30">
-            <a:extLst>
-              <a:ext uri="{FF2B5EF4-FFF2-40B4-BE49-F238E27FC236}">
-                <a16:creationId xmlns:a16="http://schemas.microsoft.com/office/drawing/2014/main" id="{D0F9E702-31AB-47E7-9107-30427D26DA8F}"/>
+          <p:cNvPr id="36" name="TextBox 35">
+            <a:extLst>
+              <a:ext uri="{FF2B5EF4-FFF2-40B4-BE49-F238E27FC236}">
+                <a16:creationId xmlns:a16="http://schemas.microsoft.com/office/drawing/2014/main" id="{0A5871E0-572E-4276-BA44-80CC95F26DF8}"/>
               </a:ext>
             </a:extLst>
           </p:cNvPr>
@@ -21105,7 +25499,7 @@
         </p:nvSpPr>
         <p:spPr>
           <a:xfrm>
-            <a:off x="8064401" y="3026309"/>
+            <a:off x="8266329" y="3192304"/>
             <a:ext cx="328936" cy="261610"/>
           </a:xfrm>
           <a:prstGeom prst="rect">
@@ -21128,10 +25522,10 @@
       </p:sp>
       <p:sp>
         <p:nvSpPr>
-          <p:cNvPr id="32" name="TextBox 31">
-            <a:extLst>
-              <a:ext uri="{FF2B5EF4-FFF2-40B4-BE49-F238E27FC236}">
-                <a16:creationId xmlns:a16="http://schemas.microsoft.com/office/drawing/2014/main" id="{B2BD5A07-E708-4FE4-909F-B686250565B5}"/>
+          <p:cNvPr id="37" name="TextBox 36">
+            <a:extLst>
+              <a:ext uri="{FF2B5EF4-FFF2-40B4-BE49-F238E27FC236}">
+                <a16:creationId xmlns:a16="http://schemas.microsoft.com/office/drawing/2014/main" id="{17A2FEF1-77BB-456A-B5FD-4935F4C467CE}"/>
               </a:ext>
             </a:extLst>
           </p:cNvPr>
@@ -21140,7 +25534,7 @@
         </p:nvSpPr>
         <p:spPr>
           <a:xfrm>
-            <a:off x="6764502" y="3029661"/>
+            <a:off x="6889593" y="3192304"/>
             <a:ext cx="328936" cy="261610"/>
           </a:xfrm>
           <a:prstGeom prst="rect">
@@ -21163,10 +25557,10 @@
       </p:sp>
       <p:sp>
         <p:nvSpPr>
-          <p:cNvPr id="33" name="TextBox 32">
-            <a:extLst>
-              <a:ext uri="{FF2B5EF4-FFF2-40B4-BE49-F238E27FC236}">
-                <a16:creationId xmlns:a16="http://schemas.microsoft.com/office/drawing/2014/main" id="{555847B5-777E-4B36-BB2D-3C691A9EE107}"/>
+          <p:cNvPr id="38" name="TextBox 37">
+            <a:extLst>
+              <a:ext uri="{FF2B5EF4-FFF2-40B4-BE49-F238E27FC236}">
+                <a16:creationId xmlns:a16="http://schemas.microsoft.com/office/drawing/2014/main" id="{1418E356-422E-413F-8467-666D34BB1D97}"/>
               </a:ext>
             </a:extLst>
           </p:cNvPr>
@@ -21175,7 +25569,7 @@
         </p:nvSpPr>
         <p:spPr>
           <a:xfrm>
-            <a:off x="5258209" y="3026309"/>
+            <a:off x="5404862" y="3192304"/>
             <a:ext cx="328936" cy="261610"/>
           </a:xfrm>
           <a:prstGeom prst="rect">
@@ -21196,10 +25590,255 @@
           </a:p>
         </p:txBody>
       </p:sp>
+      <p:sp>
+        <p:nvSpPr>
+          <p:cNvPr id="39" name="TextBox 38">
+            <a:extLst>
+              <a:ext uri="{FF2B5EF4-FFF2-40B4-BE49-F238E27FC236}">
+                <a16:creationId xmlns:a16="http://schemas.microsoft.com/office/drawing/2014/main" id="{BEEB3B17-9880-4736-BDA9-E9FBC8E5AF7F}"/>
+              </a:ext>
+            </a:extLst>
+          </p:cNvPr>
+          <p:cNvSpPr txBox="1"/>
+          <p:nvPr/>
+        </p:nvSpPr>
+        <p:spPr>
+          <a:xfrm>
+            <a:off x="773734" y="1650643"/>
+            <a:ext cx="963725" cy="261610"/>
+          </a:xfrm>
+          <a:prstGeom prst="rect">
+            <a:avLst/>
+          </a:prstGeom>
+          <a:noFill/>
+        </p:spPr>
+        <p:txBody>
+          <a:bodyPr wrap="none" rtlCol="0">
+            <a:spAutoFit/>
+          </a:bodyPr>
+          <a:lstStyle/>
+          <a:p>
+            <a:r>
+              <a:rPr lang="en-GB" sz="1100" dirty="0"/>
+              <a:t>Light sensors:</a:t>
+            </a:r>
+          </a:p>
+        </p:txBody>
+      </p:sp>
+      <p:cxnSp>
+        <p:nvCxnSpPr>
+          <p:cNvPr id="41" name="Straight Connector 40">
+            <a:extLst>
+              <a:ext uri="{FF2B5EF4-FFF2-40B4-BE49-F238E27FC236}">
+                <a16:creationId xmlns:a16="http://schemas.microsoft.com/office/drawing/2014/main" id="{B7C3FC1D-55F1-4F82-8EF2-23232ABF697D}"/>
+              </a:ext>
+            </a:extLst>
+          </p:cNvPr>
+          <p:cNvCxnSpPr>
+            <a:cxnSpLocks/>
+          </p:cNvCxnSpPr>
+          <p:nvPr/>
+        </p:nvCxnSpPr>
+        <p:spPr>
+          <a:xfrm>
+            <a:off x="2125109" y="2063100"/>
+            <a:ext cx="552893" cy="0"/>
+          </a:xfrm>
+          <a:prstGeom prst="line">
+            <a:avLst/>
+          </a:prstGeom>
+          <a:ln w="19050"/>
+        </p:spPr>
+        <p:style>
+          <a:lnRef idx="1">
+            <a:schemeClr val="accent1"/>
+          </a:lnRef>
+          <a:fillRef idx="0">
+            <a:schemeClr val="accent1"/>
+          </a:fillRef>
+          <a:effectRef idx="0">
+            <a:schemeClr val="accent1"/>
+          </a:effectRef>
+          <a:fontRef idx="minor">
+            <a:schemeClr val="tx1"/>
+          </a:fontRef>
+        </p:style>
+      </p:cxnSp>
+      <p:cxnSp>
+        <p:nvCxnSpPr>
+          <p:cNvPr id="43" name="Straight Connector 42">
+            <a:extLst>
+              <a:ext uri="{FF2B5EF4-FFF2-40B4-BE49-F238E27FC236}">
+                <a16:creationId xmlns:a16="http://schemas.microsoft.com/office/drawing/2014/main" id="{0DF1826C-89C9-4A36-96DE-34EFE9886C61}"/>
+              </a:ext>
+            </a:extLst>
+          </p:cNvPr>
+          <p:cNvCxnSpPr>
+            <a:cxnSpLocks/>
+          </p:cNvCxnSpPr>
+          <p:nvPr/>
+        </p:nvCxnSpPr>
+        <p:spPr>
+          <a:xfrm>
+            <a:off x="1737459" y="1798335"/>
+            <a:ext cx="552893" cy="0"/>
+          </a:xfrm>
+          <a:prstGeom prst="line">
+            <a:avLst/>
+          </a:prstGeom>
+          <a:ln w="19050">
+            <a:solidFill>
+              <a:schemeClr val="accent2">
+                <a:lumMod val="60000"/>
+                <a:lumOff val="40000"/>
+              </a:schemeClr>
+            </a:solidFill>
+          </a:ln>
+        </p:spPr>
+        <p:style>
+          <a:lnRef idx="1">
+            <a:schemeClr val="accent1"/>
+          </a:lnRef>
+          <a:fillRef idx="0">
+            <a:schemeClr val="accent1"/>
+          </a:fillRef>
+          <a:effectRef idx="0">
+            <a:schemeClr val="accent1"/>
+          </a:effectRef>
+          <a:fontRef idx="minor">
+            <a:schemeClr val="tx1"/>
+          </a:fontRef>
+        </p:style>
+      </p:cxnSp>
+      <p:cxnSp>
+        <p:nvCxnSpPr>
+          <p:cNvPr id="44" name="Straight Connector 43">
+            <a:extLst>
+              <a:ext uri="{FF2B5EF4-FFF2-40B4-BE49-F238E27FC236}">
+                <a16:creationId xmlns:a16="http://schemas.microsoft.com/office/drawing/2014/main" id="{CFC769F5-2951-4D2D-9C92-AEF796F74068}"/>
+              </a:ext>
+            </a:extLst>
+          </p:cNvPr>
+          <p:cNvCxnSpPr>
+            <a:cxnSpLocks/>
+          </p:cNvCxnSpPr>
+          <p:nvPr/>
+        </p:nvCxnSpPr>
+        <p:spPr>
+          <a:xfrm>
+            <a:off x="2438464" y="3323109"/>
+            <a:ext cx="552893" cy="0"/>
+          </a:xfrm>
+          <a:prstGeom prst="line">
+            <a:avLst/>
+          </a:prstGeom>
+          <a:ln w="19050">
+            <a:solidFill>
+              <a:srgbClr val="00B050"/>
+            </a:solidFill>
+          </a:ln>
+        </p:spPr>
+        <p:style>
+          <a:lnRef idx="1">
+            <a:schemeClr val="accent1"/>
+          </a:lnRef>
+          <a:fillRef idx="0">
+            <a:schemeClr val="accent1"/>
+          </a:fillRef>
+          <a:effectRef idx="0">
+            <a:schemeClr val="accent1"/>
+          </a:effectRef>
+          <a:fontRef idx="minor">
+            <a:schemeClr val="tx1"/>
+          </a:fontRef>
+        </p:style>
+      </p:cxnSp>
+      <p:cxnSp>
+        <p:nvCxnSpPr>
+          <p:cNvPr id="46" name="Straight Connector 45">
+            <a:extLst>
+              <a:ext uri="{FF2B5EF4-FFF2-40B4-BE49-F238E27FC236}">
+                <a16:creationId xmlns:a16="http://schemas.microsoft.com/office/drawing/2014/main" id="{1BEB23DA-DA25-4035-A1D5-94B57EE0D4B8}"/>
+              </a:ext>
+            </a:extLst>
+          </p:cNvPr>
+          <p:cNvCxnSpPr/>
+          <p:nvPr/>
+        </p:nvCxnSpPr>
+        <p:spPr>
+          <a:xfrm>
+            <a:off x="768647" y="1581150"/>
+            <a:ext cx="0" cy="3112627"/>
+          </a:xfrm>
+          <a:prstGeom prst="line">
+            <a:avLst/>
+          </a:prstGeom>
+          <a:ln w="19050">
+            <a:solidFill>
+              <a:schemeClr val="tx1"/>
+            </a:solidFill>
+          </a:ln>
+        </p:spPr>
+        <p:style>
+          <a:lnRef idx="1">
+            <a:schemeClr val="accent1"/>
+          </a:lnRef>
+          <a:fillRef idx="0">
+            <a:schemeClr val="accent1"/>
+          </a:fillRef>
+          <a:effectRef idx="0">
+            <a:schemeClr val="accent1"/>
+          </a:effectRef>
+          <a:fontRef idx="minor">
+            <a:schemeClr val="tx1"/>
+          </a:fontRef>
+        </p:style>
+      </p:cxnSp>
+      <p:cxnSp>
+        <p:nvCxnSpPr>
+          <p:cNvPr id="48" name="Straight Connector 47">
+            <a:extLst>
+              <a:ext uri="{FF2B5EF4-FFF2-40B4-BE49-F238E27FC236}">
+                <a16:creationId xmlns:a16="http://schemas.microsoft.com/office/drawing/2014/main" id="{56DAE393-C609-4BE2-8C12-7664DCB08B28}"/>
+              </a:ext>
+            </a:extLst>
+          </p:cNvPr>
+          <p:cNvCxnSpPr/>
+          <p:nvPr/>
+        </p:nvCxnSpPr>
+        <p:spPr>
+          <a:xfrm>
+            <a:off x="768647" y="4686300"/>
+            <a:ext cx="11049000" cy="0"/>
+          </a:xfrm>
+          <a:prstGeom prst="line">
+            <a:avLst/>
+          </a:prstGeom>
+          <a:ln w="19050">
+            <a:solidFill>
+              <a:schemeClr val="tx1"/>
+            </a:solidFill>
+          </a:ln>
+        </p:spPr>
+        <p:style>
+          <a:lnRef idx="1">
+            <a:schemeClr val="accent1"/>
+          </a:lnRef>
+          <a:fillRef idx="0">
+            <a:schemeClr val="accent1"/>
+          </a:fillRef>
+          <a:effectRef idx="0">
+            <a:schemeClr val="accent1"/>
+          </a:effectRef>
+          <a:fontRef idx="minor">
+            <a:schemeClr val="tx1"/>
+          </a:fontRef>
+        </p:style>
+      </p:cxnSp>
     </p:spTree>
     <p:extLst>
       <p:ext uri="{BB962C8B-B14F-4D97-AF65-F5344CB8AC3E}">
-        <p14:creationId xmlns:p14="http://schemas.microsoft.com/office/powerpoint/2010/main" val="117233692"/>
+        <p14:creationId xmlns:p14="http://schemas.microsoft.com/office/powerpoint/2010/main" val="465209678"/>
       </p:ext>
     </p:extLst>
   </p:cSld>
